--- a/master_template.pptx
+++ b/master_template.pptx
@@ -6597,8 +6597,29 @@
                 <a:cs typeface="Calibri"/>
                 <a:sym typeface="Calibri"/>
               </a:rPr>
-              <a:t>}} | Rating: {{rating}}</a:t>
+              <a:t>}} | Rating: </a:t>
             </a:r>
+            <a:r>
+              <a:rPr lang="en-GB" sz="1375" b="1">
+                <a:solidFill>
+                  <a:schemeClr val="dk1"/>
+                </a:solidFill>
+                <a:latin typeface="Calibri"/>
+                <a:ea typeface="Calibri"/>
+                <a:cs typeface="Calibri"/>
+                <a:sym typeface="Calibri"/>
+              </a:rPr>
+              <a:t>{{recommendation}}</a:t>
+            </a:r>
+            <a:endParaRPr lang="en-GB" sz="1375" b="1" dirty="0">
+              <a:solidFill>
+                <a:schemeClr val="dk1"/>
+              </a:solidFill>
+              <a:latin typeface="Calibri"/>
+              <a:ea typeface="Calibri"/>
+              <a:cs typeface="Calibri"/>
+              <a:sym typeface="Calibri"/>
+            </a:endParaRPr>
           </a:p>
           <a:p>
             <a:pPr marL="0" lvl="0" indent="0" algn="ctr" rtl="0">

--- a/master_template.pptx
+++ b/master_template.pptx
@@ -5,20 +5,22 @@
     <p:sldMasterId id="2147483659" r:id="rId1"/>
   </p:sldMasterIdLst>
   <p:notesMasterIdLst>
-    <p:notesMasterId r:id="rId13"/>
+    <p:notesMasterId r:id="rId15"/>
   </p:notesMasterIdLst>
   <p:sldIdLst>
     <p:sldId id="256" r:id="rId2"/>
-    <p:sldId id="261" r:id="rId3"/>
-    <p:sldId id="266" r:id="rId4"/>
-    <p:sldId id="269" r:id="rId5"/>
-    <p:sldId id="265" r:id="rId6"/>
-    <p:sldId id="270" r:id="rId7"/>
-    <p:sldId id="271" r:id="rId8"/>
-    <p:sldId id="272" r:id="rId9"/>
-    <p:sldId id="262" r:id="rId10"/>
-    <p:sldId id="263" r:id="rId11"/>
-    <p:sldId id="264" r:id="rId12"/>
+    <p:sldId id="257" r:id="rId3"/>
+    <p:sldId id="258" r:id="rId4"/>
+    <p:sldId id="261" r:id="rId5"/>
+    <p:sldId id="266" r:id="rId6"/>
+    <p:sldId id="269" r:id="rId7"/>
+    <p:sldId id="265" r:id="rId8"/>
+    <p:sldId id="270" r:id="rId9"/>
+    <p:sldId id="271" r:id="rId10"/>
+    <p:sldId id="272" r:id="rId11"/>
+    <p:sldId id="262" r:id="rId12"/>
+    <p:sldId id="263" r:id="rId13"/>
+    <p:sldId id="264" r:id="rId14"/>
   </p:sldIdLst>
   <p:sldSz cx="9144000" cy="5143500" type="screen16x9"/>
   <p:notesSz cx="6858000" cy="9144000"/>
@@ -835,6 +837,237 @@
   <p:cSld>
     <p:spTree>
       <p:nvGrpSpPr>
+        <p:cNvPr id="1" name="Shape 98">
+          <a:extLst>
+            <a:ext uri="{FF2B5EF4-FFF2-40B4-BE49-F238E27FC236}">
+              <a16:creationId xmlns:a16="http://schemas.microsoft.com/office/drawing/2014/main" id="{6689D2BA-5EC3-B160-2C65-121A615E6214}"/>
+            </a:ext>
+          </a:extLst>
+        </p:cNvPr>
+        <p:cNvGrpSpPr/>
+        <p:nvPr/>
+      </p:nvGrpSpPr>
+      <p:grpSpPr>
+        <a:xfrm>
+          <a:off x="0" y="0"/>
+          <a:ext cx="0" cy="0"/>
+          <a:chOff x="0" y="0"/>
+          <a:chExt cx="0" cy="0"/>
+        </a:xfrm>
+      </p:grpSpPr>
+      <p:sp>
+        <p:nvSpPr>
+          <p:cNvPr id="99" name="Google Shape;99;g3bb05c92415_0_98:notes">
+            <a:extLst>
+              <a:ext uri="{FF2B5EF4-FFF2-40B4-BE49-F238E27FC236}">
+                <a16:creationId xmlns:a16="http://schemas.microsoft.com/office/drawing/2014/main" id="{5C41AF30-A169-D40D-A47B-CA3487D6900D}"/>
+              </a:ext>
+            </a:extLst>
+          </p:cNvPr>
+          <p:cNvSpPr>
+            <a:spLocks noGrp="1" noRot="1" noChangeAspect="1"/>
+          </p:cNvSpPr>
+          <p:nvPr>
+            <p:ph type="sldImg" idx="2"/>
+          </p:nvPr>
+        </p:nvSpPr>
+        <p:spPr>
+          <a:xfrm>
+            <a:off x="381000" y="685800"/>
+            <a:ext cx="6096000" cy="3429000"/>
+          </a:xfrm>
+          <a:custGeom>
+            <a:avLst/>
+            <a:gdLst/>
+            <a:ahLst/>
+            <a:cxnLst/>
+            <a:rect l="l" t="t" r="r" b="b"/>
+            <a:pathLst>
+              <a:path w="120000" h="120000" extrusionOk="0">
+                <a:moveTo>
+                  <a:pt x="0" y="0"/>
+                </a:moveTo>
+                <a:lnTo>
+                  <a:pt x="120000" y="0"/>
+                </a:lnTo>
+                <a:lnTo>
+                  <a:pt x="120000" y="120000"/>
+                </a:lnTo>
+                <a:lnTo>
+                  <a:pt x="0" y="120000"/>
+                </a:lnTo>
+                <a:close/>
+              </a:path>
+            </a:pathLst>
+          </a:custGeom>
+        </p:spPr>
+      </p:sp>
+      <p:sp>
+        <p:nvSpPr>
+          <p:cNvPr id="100" name="Google Shape;100;g3bb05c92415_0_98:notes">
+            <a:extLst>
+              <a:ext uri="{FF2B5EF4-FFF2-40B4-BE49-F238E27FC236}">
+                <a16:creationId xmlns:a16="http://schemas.microsoft.com/office/drawing/2014/main" id="{8F66EA67-3F0D-1501-6414-FEF6DE6B5EC9}"/>
+              </a:ext>
+            </a:extLst>
+          </p:cNvPr>
+          <p:cNvSpPr txBox="1">
+            <a:spLocks noGrp="1"/>
+          </p:cNvSpPr>
+          <p:nvPr>
+            <p:ph type="body" idx="1"/>
+          </p:nvPr>
+        </p:nvSpPr>
+        <p:spPr>
+          <a:xfrm>
+            <a:off x="685800" y="4343400"/>
+            <a:ext cx="5486400" cy="4114800"/>
+          </a:xfrm>
+          <a:prstGeom prst="rect">
+            <a:avLst/>
+          </a:prstGeom>
+        </p:spPr>
+        <p:txBody>
+          <a:bodyPr spcFirstLastPara="1" wrap="square" lIns="91425" tIns="91425" rIns="91425" bIns="91425" anchor="t" anchorCtr="0">
+            <a:noAutofit/>
+          </a:bodyPr>
+          <a:lstStyle/>
+          <a:p>
+            <a:pPr marL="0" lvl="0" indent="0" algn="l" rtl="0">
+              <a:spcBef>
+                <a:spcPts val="0"/>
+              </a:spcBef>
+              <a:spcAft>
+                <a:spcPts val="0"/>
+              </a:spcAft>
+              <a:buNone/>
+            </a:pPr>
+            <a:endParaRPr/>
+          </a:p>
+        </p:txBody>
+      </p:sp>
+    </p:spTree>
+    <p:extLst>
+      <p:ext uri="{BB962C8B-B14F-4D97-AF65-F5344CB8AC3E}">
+        <p14:creationId xmlns:p14="http://schemas.microsoft.com/office/powerpoint/2010/main" val="1881379201"/>
+      </p:ext>
+    </p:extLst>
+  </p:cSld>
+  <p:clrMapOvr>
+    <a:masterClrMapping/>
+  </p:clrMapOvr>
+</p:notes>
+</file>
+
+<file path=ppt/notesSlides/notesSlide11.xml><?xml version="1.0" encoding="utf-8"?>
+<p:notes xmlns:a="http://schemas.openxmlformats.org/drawingml/2006/main" xmlns:r="http://schemas.openxmlformats.org/officeDocument/2006/relationships" xmlns:p="http://schemas.openxmlformats.org/presentationml/2006/main" showMasterSp="0" showMasterPhAnim="0">
+  <p:cSld>
+    <p:spTree>
+      <p:nvGrpSpPr>
+        <p:cNvPr id="1" name="Shape 104"/>
+        <p:cNvGrpSpPr/>
+        <p:nvPr/>
+      </p:nvGrpSpPr>
+      <p:grpSpPr>
+        <a:xfrm>
+          <a:off x="0" y="0"/>
+          <a:ext cx="0" cy="0"/>
+          <a:chOff x="0" y="0"/>
+          <a:chExt cx="0" cy="0"/>
+        </a:xfrm>
+      </p:grpSpPr>
+      <p:sp>
+        <p:nvSpPr>
+          <p:cNvPr id="105" name="Google Shape;105;g3bb05c92415_0_48:notes"/>
+          <p:cNvSpPr>
+            <a:spLocks noGrp="1" noRot="1" noChangeAspect="1"/>
+          </p:cNvSpPr>
+          <p:nvPr>
+            <p:ph type="sldImg" idx="2"/>
+          </p:nvPr>
+        </p:nvSpPr>
+        <p:spPr>
+          <a:xfrm>
+            <a:off x="381000" y="685800"/>
+            <a:ext cx="6096000" cy="3429000"/>
+          </a:xfrm>
+          <a:custGeom>
+            <a:avLst/>
+            <a:gdLst/>
+            <a:ahLst/>
+            <a:cxnLst/>
+            <a:rect l="l" t="t" r="r" b="b"/>
+            <a:pathLst>
+              <a:path w="120000" h="120000" extrusionOk="0">
+                <a:moveTo>
+                  <a:pt x="0" y="0"/>
+                </a:moveTo>
+                <a:lnTo>
+                  <a:pt x="120000" y="0"/>
+                </a:lnTo>
+                <a:lnTo>
+                  <a:pt x="120000" y="120000"/>
+                </a:lnTo>
+                <a:lnTo>
+                  <a:pt x="0" y="120000"/>
+                </a:lnTo>
+                <a:close/>
+              </a:path>
+            </a:pathLst>
+          </a:custGeom>
+        </p:spPr>
+      </p:sp>
+      <p:sp>
+        <p:nvSpPr>
+          <p:cNvPr id="106" name="Google Shape;106;g3bb05c92415_0_48:notes"/>
+          <p:cNvSpPr txBox="1">
+            <a:spLocks noGrp="1"/>
+          </p:cNvSpPr>
+          <p:nvPr>
+            <p:ph type="body" idx="1"/>
+          </p:nvPr>
+        </p:nvSpPr>
+        <p:spPr>
+          <a:xfrm>
+            <a:off x="685800" y="4343400"/>
+            <a:ext cx="5486400" cy="4114800"/>
+          </a:xfrm>
+          <a:prstGeom prst="rect">
+            <a:avLst/>
+          </a:prstGeom>
+        </p:spPr>
+        <p:txBody>
+          <a:bodyPr spcFirstLastPara="1" wrap="square" lIns="91425" tIns="91425" rIns="91425" bIns="91425" anchor="t" anchorCtr="0">
+            <a:noAutofit/>
+          </a:bodyPr>
+          <a:lstStyle/>
+          <a:p>
+            <a:pPr marL="0" lvl="0" indent="0" algn="l" rtl="0">
+              <a:spcBef>
+                <a:spcPts val="0"/>
+              </a:spcBef>
+              <a:spcAft>
+                <a:spcPts val="0"/>
+              </a:spcAft>
+              <a:buNone/>
+            </a:pPr>
+            <a:endParaRPr/>
+          </a:p>
+        </p:txBody>
+      </p:sp>
+    </p:spTree>
+  </p:cSld>
+  <p:clrMapOvr>
+    <a:masterClrMapping/>
+  </p:clrMapOvr>
+</p:notes>
+</file>
+
+<file path=ppt/notesSlides/notesSlide12.xml><?xml version="1.0" encoding="utf-8"?>
+<p:notes xmlns:a="http://schemas.openxmlformats.org/drawingml/2006/main" xmlns:r="http://schemas.openxmlformats.org/officeDocument/2006/relationships" xmlns:p="http://schemas.openxmlformats.org/presentationml/2006/main" showMasterSp="0" showMasterPhAnim="0">
+  <p:cSld>
+    <p:spTree>
+      <p:nvGrpSpPr>
         <p:cNvPr id="1" name="Shape 113"/>
         <p:cNvGrpSpPr/>
         <p:nvPr/>
@@ -934,7 +1167,7 @@
 </p:notes>
 </file>
 
-<file path=ppt/notesSlides/notesSlide11.xml><?xml version="1.0" encoding="utf-8"?>
+<file path=ppt/notesSlides/notesSlide13.xml><?xml version="1.0" encoding="utf-8"?>
 <p:notes xmlns:a="http://schemas.openxmlformats.org/drawingml/2006/main" xmlns:r="http://schemas.openxmlformats.org/officeDocument/2006/relationships" xmlns:p="http://schemas.openxmlformats.org/presentationml/2006/main" showMasterSp="0" showMasterPhAnim="0">
   <p:cSld>
     <p:spTree>
@@ -1043,6 +1276,214 @@
   <p:cSld>
     <p:spTree>
       <p:nvGrpSpPr>
+        <p:cNvPr id="1" name="Shape 66"/>
+        <p:cNvGrpSpPr/>
+        <p:nvPr/>
+      </p:nvGrpSpPr>
+      <p:grpSpPr>
+        <a:xfrm>
+          <a:off x="0" y="0"/>
+          <a:ext cx="0" cy="0"/>
+          <a:chOff x="0" y="0"/>
+          <a:chExt cx="0" cy="0"/>
+        </a:xfrm>
+      </p:grpSpPr>
+      <p:sp>
+        <p:nvSpPr>
+          <p:cNvPr id="67" name="Google Shape;67;g3bb05c92415_0_106:notes"/>
+          <p:cNvSpPr>
+            <a:spLocks noGrp="1" noRot="1" noChangeAspect="1"/>
+          </p:cNvSpPr>
+          <p:nvPr>
+            <p:ph type="sldImg" idx="2"/>
+          </p:nvPr>
+        </p:nvSpPr>
+        <p:spPr>
+          <a:xfrm>
+            <a:off x="381000" y="685800"/>
+            <a:ext cx="6096000" cy="3429000"/>
+          </a:xfrm>
+          <a:custGeom>
+            <a:avLst/>
+            <a:gdLst/>
+            <a:ahLst/>
+            <a:cxnLst/>
+            <a:rect l="l" t="t" r="r" b="b"/>
+            <a:pathLst>
+              <a:path w="120000" h="120000" extrusionOk="0">
+                <a:moveTo>
+                  <a:pt x="0" y="0"/>
+                </a:moveTo>
+                <a:lnTo>
+                  <a:pt x="120000" y="0"/>
+                </a:lnTo>
+                <a:lnTo>
+                  <a:pt x="120000" y="120000"/>
+                </a:lnTo>
+                <a:lnTo>
+                  <a:pt x="0" y="120000"/>
+                </a:lnTo>
+                <a:close/>
+              </a:path>
+            </a:pathLst>
+          </a:custGeom>
+        </p:spPr>
+      </p:sp>
+      <p:sp>
+        <p:nvSpPr>
+          <p:cNvPr id="68" name="Google Shape;68;g3bb05c92415_0_106:notes"/>
+          <p:cNvSpPr txBox="1">
+            <a:spLocks noGrp="1"/>
+          </p:cNvSpPr>
+          <p:nvPr>
+            <p:ph type="body" idx="1"/>
+          </p:nvPr>
+        </p:nvSpPr>
+        <p:spPr>
+          <a:xfrm>
+            <a:off x="685800" y="4343400"/>
+            <a:ext cx="5486400" cy="4114800"/>
+          </a:xfrm>
+          <a:prstGeom prst="rect">
+            <a:avLst/>
+          </a:prstGeom>
+        </p:spPr>
+        <p:txBody>
+          <a:bodyPr spcFirstLastPara="1" wrap="square" lIns="91425" tIns="91425" rIns="91425" bIns="91425" anchor="t" anchorCtr="0">
+            <a:noAutofit/>
+          </a:bodyPr>
+          <a:lstStyle/>
+          <a:p>
+            <a:pPr marL="0" lvl="0" indent="0" algn="l" rtl="0">
+              <a:spcBef>
+                <a:spcPts val="0"/>
+              </a:spcBef>
+              <a:spcAft>
+                <a:spcPts val="0"/>
+              </a:spcAft>
+              <a:buNone/>
+            </a:pPr>
+            <a:endParaRPr/>
+          </a:p>
+        </p:txBody>
+      </p:sp>
+    </p:spTree>
+  </p:cSld>
+  <p:clrMapOvr>
+    <a:masterClrMapping/>
+  </p:clrMapOvr>
+</p:notes>
+</file>
+
+<file path=ppt/notesSlides/notesSlide3.xml><?xml version="1.0" encoding="utf-8"?>
+<p:notes xmlns:a="http://schemas.openxmlformats.org/drawingml/2006/main" xmlns:r="http://schemas.openxmlformats.org/officeDocument/2006/relationships" xmlns:p="http://schemas.openxmlformats.org/presentationml/2006/main" showMasterSp="0" showMasterPhAnim="0">
+  <p:cSld>
+    <p:spTree>
+      <p:nvGrpSpPr>
+        <p:cNvPr id="1" name="Shape 74"/>
+        <p:cNvGrpSpPr/>
+        <p:nvPr/>
+      </p:nvGrpSpPr>
+      <p:grpSpPr>
+        <a:xfrm>
+          <a:off x="0" y="0"/>
+          <a:ext cx="0" cy="0"/>
+          <a:chOff x="0" y="0"/>
+          <a:chExt cx="0" cy="0"/>
+        </a:xfrm>
+      </p:grpSpPr>
+      <p:sp>
+        <p:nvSpPr>
+          <p:cNvPr id="75" name="Google Shape;75;g3bb05c92415_0_57:notes"/>
+          <p:cNvSpPr>
+            <a:spLocks noGrp="1" noRot="1" noChangeAspect="1"/>
+          </p:cNvSpPr>
+          <p:nvPr>
+            <p:ph type="sldImg" idx="2"/>
+          </p:nvPr>
+        </p:nvSpPr>
+        <p:spPr>
+          <a:xfrm>
+            <a:off x="381000" y="685800"/>
+            <a:ext cx="6096000" cy="3429000"/>
+          </a:xfrm>
+          <a:custGeom>
+            <a:avLst/>
+            <a:gdLst/>
+            <a:ahLst/>
+            <a:cxnLst/>
+            <a:rect l="l" t="t" r="r" b="b"/>
+            <a:pathLst>
+              <a:path w="120000" h="120000" extrusionOk="0">
+                <a:moveTo>
+                  <a:pt x="0" y="0"/>
+                </a:moveTo>
+                <a:lnTo>
+                  <a:pt x="120000" y="0"/>
+                </a:lnTo>
+                <a:lnTo>
+                  <a:pt x="120000" y="120000"/>
+                </a:lnTo>
+                <a:lnTo>
+                  <a:pt x="0" y="120000"/>
+                </a:lnTo>
+                <a:close/>
+              </a:path>
+            </a:pathLst>
+          </a:custGeom>
+        </p:spPr>
+      </p:sp>
+      <p:sp>
+        <p:nvSpPr>
+          <p:cNvPr id="76" name="Google Shape;76;g3bb05c92415_0_57:notes"/>
+          <p:cNvSpPr txBox="1">
+            <a:spLocks noGrp="1"/>
+          </p:cNvSpPr>
+          <p:nvPr>
+            <p:ph type="body" idx="1"/>
+          </p:nvPr>
+        </p:nvSpPr>
+        <p:spPr>
+          <a:xfrm>
+            <a:off x="685800" y="4343400"/>
+            <a:ext cx="5486400" cy="4114800"/>
+          </a:xfrm>
+          <a:prstGeom prst="rect">
+            <a:avLst/>
+          </a:prstGeom>
+        </p:spPr>
+        <p:txBody>
+          <a:bodyPr spcFirstLastPara="1" wrap="square" lIns="91425" tIns="91425" rIns="91425" bIns="91425" anchor="t" anchorCtr="0">
+            <a:noAutofit/>
+          </a:bodyPr>
+          <a:lstStyle/>
+          <a:p>
+            <a:pPr marL="0" lvl="0" indent="0" algn="l" rtl="0">
+              <a:spcBef>
+                <a:spcPts val="0"/>
+              </a:spcBef>
+              <a:spcAft>
+                <a:spcPts val="0"/>
+              </a:spcAft>
+              <a:buNone/>
+            </a:pPr>
+            <a:endParaRPr/>
+          </a:p>
+        </p:txBody>
+      </p:sp>
+    </p:spTree>
+  </p:cSld>
+  <p:clrMapOvr>
+    <a:masterClrMapping/>
+  </p:clrMapOvr>
+</p:notes>
+</file>
+
+<file path=ppt/notesSlides/notesSlide4.xml><?xml version="1.0" encoding="utf-8"?>
+<p:notes xmlns:a="http://schemas.openxmlformats.org/drawingml/2006/main" xmlns:r="http://schemas.openxmlformats.org/officeDocument/2006/relationships" xmlns:p="http://schemas.openxmlformats.org/presentationml/2006/main" showMasterSp="0" showMasterPhAnim="0">
+  <p:cSld>
+    <p:spTree>
+      <p:nvGrpSpPr>
         <p:cNvPr id="1" name="Shape 98"/>
         <p:cNvGrpSpPr/>
         <p:nvPr/>
@@ -1142,7 +1583,7 @@
 </p:notes>
 </file>
 
-<file path=ppt/notesSlides/notesSlide3.xml><?xml version="1.0" encoding="utf-8"?>
+<file path=ppt/notesSlides/notesSlide5.xml><?xml version="1.0" encoding="utf-8"?>
 <p:notes xmlns:a="http://schemas.openxmlformats.org/drawingml/2006/main" xmlns:r="http://schemas.openxmlformats.org/officeDocument/2006/relationships" xmlns:p="http://schemas.openxmlformats.org/presentationml/2006/main" showMasterSp="0" showMasterPhAnim="0">
   <p:cSld>
     <p:spTree>
@@ -1269,7 +1710,7 @@
 </p:notes>
 </file>
 
-<file path=ppt/notesSlides/notesSlide4.xml><?xml version="1.0" encoding="utf-8"?>
+<file path=ppt/notesSlides/notesSlide6.xml><?xml version="1.0" encoding="utf-8"?>
 <p:notes xmlns:a="http://schemas.openxmlformats.org/drawingml/2006/main" xmlns:r="http://schemas.openxmlformats.org/officeDocument/2006/relationships" xmlns:p="http://schemas.openxmlformats.org/presentationml/2006/main" showMasterSp="0" showMasterPhAnim="0">
   <p:cSld>
     <p:spTree>
@@ -1396,7 +1837,7 @@
 </p:notes>
 </file>
 
-<file path=ppt/notesSlides/notesSlide5.xml><?xml version="1.0" encoding="utf-8"?>
+<file path=ppt/notesSlides/notesSlide7.xml><?xml version="1.0" encoding="utf-8"?>
 <p:notes xmlns:a="http://schemas.openxmlformats.org/drawingml/2006/main" xmlns:r="http://schemas.openxmlformats.org/officeDocument/2006/relationships" xmlns:p="http://schemas.openxmlformats.org/presentationml/2006/main" showMasterSp="0" showMasterPhAnim="0">
   <p:cSld>
     <p:spTree>
@@ -1523,7 +1964,7 @@
 </p:notes>
 </file>
 
-<file path=ppt/notesSlides/notesSlide6.xml><?xml version="1.0" encoding="utf-8"?>
+<file path=ppt/notesSlides/notesSlide8.xml><?xml version="1.0" encoding="utf-8"?>
 <p:notes xmlns:a="http://schemas.openxmlformats.org/drawingml/2006/main" xmlns:r="http://schemas.openxmlformats.org/officeDocument/2006/relationships" xmlns:p="http://schemas.openxmlformats.org/presentationml/2006/main" showMasterSp="0" showMasterPhAnim="0">
   <p:cSld>
     <p:spTree>
@@ -1650,7 +2091,7 @@
 </p:notes>
 </file>
 
-<file path=ppt/notesSlides/notesSlide7.xml><?xml version="1.0" encoding="utf-8"?>
+<file path=ppt/notesSlides/notesSlide9.xml><?xml version="1.0" encoding="utf-8"?>
 <p:notes xmlns:a="http://schemas.openxmlformats.org/drawingml/2006/main" xmlns:r="http://schemas.openxmlformats.org/officeDocument/2006/relationships" xmlns:p="http://schemas.openxmlformats.org/presentationml/2006/main" showMasterSp="0" showMasterPhAnim="0">
   <p:cSld>
     <p:spTree>
@@ -1777,237 +2218,6 @@
 </p:notes>
 </file>
 
-<file path=ppt/notesSlides/notesSlide8.xml><?xml version="1.0" encoding="utf-8"?>
-<p:notes xmlns:a="http://schemas.openxmlformats.org/drawingml/2006/main" xmlns:r="http://schemas.openxmlformats.org/officeDocument/2006/relationships" xmlns:p="http://schemas.openxmlformats.org/presentationml/2006/main" showMasterSp="0" showMasterPhAnim="0">
-  <p:cSld>
-    <p:spTree>
-      <p:nvGrpSpPr>
-        <p:cNvPr id="1" name="Shape 98">
-          <a:extLst>
-            <a:ext uri="{FF2B5EF4-FFF2-40B4-BE49-F238E27FC236}">
-              <a16:creationId xmlns:a16="http://schemas.microsoft.com/office/drawing/2014/main" id="{6689D2BA-5EC3-B160-2C65-121A615E6214}"/>
-            </a:ext>
-          </a:extLst>
-        </p:cNvPr>
-        <p:cNvGrpSpPr/>
-        <p:nvPr/>
-      </p:nvGrpSpPr>
-      <p:grpSpPr>
-        <a:xfrm>
-          <a:off x="0" y="0"/>
-          <a:ext cx="0" cy="0"/>
-          <a:chOff x="0" y="0"/>
-          <a:chExt cx="0" cy="0"/>
-        </a:xfrm>
-      </p:grpSpPr>
-      <p:sp>
-        <p:nvSpPr>
-          <p:cNvPr id="99" name="Google Shape;99;g3bb05c92415_0_98:notes">
-            <a:extLst>
-              <a:ext uri="{FF2B5EF4-FFF2-40B4-BE49-F238E27FC236}">
-                <a16:creationId xmlns:a16="http://schemas.microsoft.com/office/drawing/2014/main" id="{5C41AF30-A169-D40D-A47B-CA3487D6900D}"/>
-              </a:ext>
-            </a:extLst>
-          </p:cNvPr>
-          <p:cNvSpPr>
-            <a:spLocks noGrp="1" noRot="1" noChangeAspect="1"/>
-          </p:cNvSpPr>
-          <p:nvPr>
-            <p:ph type="sldImg" idx="2"/>
-          </p:nvPr>
-        </p:nvSpPr>
-        <p:spPr>
-          <a:xfrm>
-            <a:off x="381000" y="685800"/>
-            <a:ext cx="6096000" cy="3429000"/>
-          </a:xfrm>
-          <a:custGeom>
-            <a:avLst/>
-            <a:gdLst/>
-            <a:ahLst/>
-            <a:cxnLst/>
-            <a:rect l="l" t="t" r="r" b="b"/>
-            <a:pathLst>
-              <a:path w="120000" h="120000" extrusionOk="0">
-                <a:moveTo>
-                  <a:pt x="0" y="0"/>
-                </a:moveTo>
-                <a:lnTo>
-                  <a:pt x="120000" y="0"/>
-                </a:lnTo>
-                <a:lnTo>
-                  <a:pt x="120000" y="120000"/>
-                </a:lnTo>
-                <a:lnTo>
-                  <a:pt x="0" y="120000"/>
-                </a:lnTo>
-                <a:close/>
-              </a:path>
-            </a:pathLst>
-          </a:custGeom>
-        </p:spPr>
-      </p:sp>
-      <p:sp>
-        <p:nvSpPr>
-          <p:cNvPr id="100" name="Google Shape;100;g3bb05c92415_0_98:notes">
-            <a:extLst>
-              <a:ext uri="{FF2B5EF4-FFF2-40B4-BE49-F238E27FC236}">
-                <a16:creationId xmlns:a16="http://schemas.microsoft.com/office/drawing/2014/main" id="{8F66EA67-3F0D-1501-6414-FEF6DE6B5EC9}"/>
-              </a:ext>
-            </a:extLst>
-          </p:cNvPr>
-          <p:cNvSpPr txBox="1">
-            <a:spLocks noGrp="1"/>
-          </p:cNvSpPr>
-          <p:nvPr>
-            <p:ph type="body" idx="1"/>
-          </p:nvPr>
-        </p:nvSpPr>
-        <p:spPr>
-          <a:xfrm>
-            <a:off x="685800" y="4343400"/>
-            <a:ext cx="5486400" cy="4114800"/>
-          </a:xfrm>
-          <a:prstGeom prst="rect">
-            <a:avLst/>
-          </a:prstGeom>
-        </p:spPr>
-        <p:txBody>
-          <a:bodyPr spcFirstLastPara="1" wrap="square" lIns="91425" tIns="91425" rIns="91425" bIns="91425" anchor="t" anchorCtr="0">
-            <a:noAutofit/>
-          </a:bodyPr>
-          <a:lstStyle/>
-          <a:p>
-            <a:pPr marL="0" lvl="0" indent="0" algn="l" rtl="0">
-              <a:spcBef>
-                <a:spcPts val="0"/>
-              </a:spcBef>
-              <a:spcAft>
-                <a:spcPts val="0"/>
-              </a:spcAft>
-              <a:buNone/>
-            </a:pPr>
-            <a:endParaRPr/>
-          </a:p>
-        </p:txBody>
-      </p:sp>
-    </p:spTree>
-    <p:extLst>
-      <p:ext uri="{BB962C8B-B14F-4D97-AF65-F5344CB8AC3E}">
-        <p14:creationId xmlns:p14="http://schemas.microsoft.com/office/powerpoint/2010/main" val="1881379201"/>
-      </p:ext>
-    </p:extLst>
-  </p:cSld>
-  <p:clrMapOvr>
-    <a:masterClrMapping/>
-  </p:clrMapOvr>
-</p:notes>
-</file>
-
-<file path=ppt/notesSlides/notesSlide9.xml><?xml version="1.0" encoding="utf-8"?>
-<p:notes xmlns:a="http://schemas.openxmlformats.org/drawingml/2006/main" xmlns:r="http://schemas.openxmlformats.org/officeDocument/2006/relationships" xmlns:p="http://schemas.openxmlformats.org/presentationml/2006/main" showMasterSp="0" showMasterPhAnim="0">
-  <p:cSld>
-    <p:spTree>
-      <p:nvGrpSpPr>
-        <p:cNvPr id="1" name="Shape 104"/>
-        <p:cNvGrpSpPr/>
-        <p:nvPr/>
-      </p:nvGrpSpPr>
-      <p:grpSpPr>
-        <a:xfrm>
-          <a:off x="0" y="0"/>
-          <a:ext cx="0" cy="0"/>
-          <a:chOff x="0" y="0"/>
-          <a:chExt cx="0" cy="0"/>
-        </a:xfrm>
-      </p:grpSpPr>
-      <p:sp>
-        <p:nvSpPr>
-          <p:cNvPr id="105" name="Google Shape;105;g3bb05c92415_0_48:notes"/>
-          <p:cNvSpPr>
-            <a:spLocks noGrp="1" noRot="1" noChangeAspect="1"/>
-          </p:cNvSpPr>
-          <p:nvPr>
-            <p:ph type="sldImg" idx="2"/>
-          </p:nvPr>
-        </p:nvSpPr>
-        <p:spPr>
-          <a:xfrm>
-            <a:off x="381000" y="685800"/>
-            <a:ext cx="6096000" cy="3429000"/>
-          </a:xfrm>
-          <a:custGeom>
-            <a:avLst/>
-            <a:gdLst/>
-            <a:ahLst/>
-            <a:cxnLst/>
-            <a:rect l="l" t="t" r="r" b="b"/>
-            <a:pathLst>
-              <a:path w="120000" h="120000" extrusionOk="0">
-                <a:moveTo>
-                  <a:pt x="0" y="0"/>
-                </a:moveTo>
-                <a:lnTo>
-                  <a:pt x="120000" y="0"/>
-                </a:lnTo>
-                <a:lnTo>
-                  <a:pt x="120000" y="120000"/>
-                </a:lnTo>
-                <a:lnTo>
-                  <a:pt x="0" y="120000"/>
-                </a:lnTo>
-                <a:close/>
-              </a:path>
-            </a:pathLst>
-          </a:custGeom>
-        </p:spPr>
-      </p:sp>
-      <p:sp>
-        <p:nvSpPr>
-          <p:cNvPr id="106" name="Google Shape;106;g3bb05c92415_0_48:notes"/>
-          <p:cNvSpPr txBox="1">
-            <a:spLocks noGrp="1"/>
-          </p:cNvSpPr>
-          <p:nvPr>
-            <p:ph type="body" idx="1"/>
-          </p:nvPr>
-        </p:nvSpPr>
-        <p:spPr>
-          <a:xfrm>
-            <a:off x="685800" y="4343400"/>
-            <a:ext cx="5486400" cy="4114800"/>
-          </a:xfrm>
-          <a:prstGeom prst="rect">
-            <a:avLst/>
-          </a:prstGeom>
-        </p:spPr>
-        <p:txBody>
-          <a:bodyPr spcFirstLastPara="1" wrap="square" lIns="91425" tIns="91425" rIns="91425" bIns="91425" anchor="t" anchorCtr="0">
-            <a:noAutofit/>
-          </a:bodyPr>
-          <a:lstStyle/>
-          <a:p>
-            <a:pPr marL="0" lvl="0" indent="0" algn="l" rtl="0">
-              <a:spcBef>
-                <a:spcPts val="0"/>
-              </a:spcBef>
-              <a:spcAft>
-                <a:spcPts val="0"/>
-              </a:spcAft>
-              <a:buNone/>
-            </a:pPr>
-            <a:endParaRPr/>
-          </a:p>
-        </p:txBody>
-      </p:sp>
-    </p:spTree>
-  </p:cSld>
-  <p:clrMapOvr>
-    <a:masterClrMapping/>
-  </p:clrMapOvr>
-</p:notes>
-</file>
-
 <file path=ppt/slideLayouts/slideLayout1.xml><?xml version="1.0" encoding="utf-8"?>
 <p:sldLayout xmlns:a="http://schemas.openxmlformats.org/drawingml/2006/main" xmlns:r="http://schemas.openxmlformats.org/officeDocument/2006/relationships" xmlns:p="http://schemas.openxmlformats.org/presentationml/2006/main" matchingName="Title slide" type="title">
   <p:cSld name="TITLE">
@@ -2345,6 +2555,567 @@
         </p:txBody>
       </p:sp>
     </p:spTree>
+  </p:cSld>
+  <p:clrMapOvr>
+    <a:masterClrMapping/>
+  </p:clrMapOvr>
+</p:sldLayout>
+</file>
+
+<file path=ppt/slideLayouts/slideLayout10.xml><?xml version="1.0" encoding="utf-8"?>
+<p:sldLayout xmlns:a="http://schemas.openxmlformats.org/drawingml/2006/main" xmlns:r="http://schemas.openxmlformats.org/officeDocument/2006/relationships" xmlns:p="http://schemas.openxmlformats.org/presentationml/2006/main" matchingName="One column text">
+  <p:cSld name="One column text">
+    <p:spTree>
+      <p:nvGrpSpPr>
+        <p:cNvPr id="1" name="Shape 37"/>
+        <p:cNvGrpSpPr/>
+        <p:nvPr/>
+      </p:nvGrpSpPr>
+      <p:grpSpPr>
+        <a:xfrm>
+          <a:off x="0" y="0"/>
+          <a:ext cx="0" cy="0"/>
+          <a:chOff x="0" y="0"/>
+          <a:chExt cx="0" cy="0"/>
+        </a:xfrm>
+      </p:grpSpPr>
+      <p:sp>
+        <p:nvSpPr>
+          <p:cNvPr id="38" name="Google Shape;38;p7"/>
+          <p:cNvSpPr txBox="1">
+            <a:spLocks noGrp="1"/>
+          </p:cNvSpPr>
+          <p:nvPr>
+            <p:ph type="sldNum" idx="12"/>
+          </p:nvPr>
+        </p:nvSpPr>
+        <p:spPr>
+          <a:xfrm>
+            <a:off x="8472458" y="4663217"/>
+            <a:ext cx="548700" cy="393600"/>
+          </a:xfrm>
+          <a:prstGeom prst="rect">
+            <a:avLst/>
+          </a:prstGeom>
+        </p:spPr>
+        <p:txBody>
+          <a:bodyPr spcFirstLastPara="1" wrap="square" lIns="91425" tIns="91425" rIns="91425" bIns="91425" anchor="ctr" anchorCtr="0">
+            <a:normAutofit/>
+          </a:bodyPr>
+          <a:lstStyle>
+            <a:lvl1pPr lvl="0">
+              <a:buNone/>
+              <a:defRPr/>
+            </a:lvl1pPr>
+            <a:lvl2pPr lvl="1">
+              <a:buNone/>
+              <a:defRPr/>
+            </a:lvl2pPr>
+            <a:lvl3pPr lvl="2">
+              <a:buNone/>
+              <a:defRPr/>
+            </a:lvl3pPr>
+            <a:lvl4pPr lvl="3">
+              <a:buNone/>
+              <a:defRPr/>
+            </a:lvl4pPr>
+            <a:lvl5pPr lvl="4">
+              <a:buNone/>
+              <a:defRPr/>
+            </a:lvl5pPr>
+            <a:lvl6pPr lvl="5">
+              <a:buNone/>
+              <a:defRPr/>
+            </a:lvl6pPr>
+            <a:lvl7pPr lvl="6">
+              <a:buNone/>
+              <a:defRPr/>
+            </a:lvl7pPr>
+            <a:lvl8pPr lvl="7">
+              <a:buNone/>
+              <a:defRPr/>
+            </a:lvl8pPr>
+            <a:lvl9pPr lvl="8">
+              <a:buNone/>
+              <a:defRPr/>
+            </a:lvl9pPr>
+          </a:lstStyle>
+          <a:p>
+            <a:pPr marL="0" lvl="0" indent="0" algn="r" rtl="0">
+              <a:spcBef>
+                <a:spcPts val="0"/>
+              </a:spcBef>
+              <a:spcAft>
+                <a:spcPts val="0"/>
+              </a:spcAft>
+              <a:buNone/>
+            </a:pPr>
+            <a:fld id="{00000000-1234-1234-1234-123412341234}" type="slidenum">
+              <a:rPr lang="en-GB"/>
+              <a:t>‹#›</a:t>
+            </a:fld>
+            <a:endParaRPr/>
+          </a:p>
+        </p:txBody>
+      </p:sp>
+      <p:sp>
+        <p:nvSpPr>
+          <p:cNvPr id="39" name="Google Shape;39;p7"/>
+          <p:cNvSpPr txBox="1">
+            <a:spLocks noGrp="1"/>
+          </p:cNvSpPr>
+          <p:nvPr>
+            <p:ph type="title"/>
+          </p:nvPr>
+        </p:nvSpPr>
+        <p:spPr>
+          <a:xfrm>
+            <a:off x="0" y="0"/>
+            <a:ext cx="9144000" cy="543600"/>
+          </a:xfrm>
+          <a:prstGeom prst="rect">
+            <a:avLst/>
+          </a:prstGeom>
+          <a:solidFill>
+            <a:srgbClr val="1F4690"/>
+          </a:solidFill>
+        </p:spPr>
+        <p:txBody>
+          <a:bodyPr spcFirstLastPara="1" wrap="square" lIns="91425" tIns="91425" rIns="91425" bIns="91425" anchor="ctr" anchorCtr="0">
+            <a:normAutofit/>
+          </a:bodyPr>
+          <a:lstStyle>
+            <a:lvl1pPr lvl="0" algn="ctr">
+              <a:spcBef>
+                <a:spcPts val="0"/>
+              </a:spcBef>
+              <a:spcAft>
+                <a:spcPts val="0"/>
+              </a:spcAft>
+              <a:buClr>
+                <a:schemeClr val="lt1"/>
+              </a:buClr>
+              <a:buSzPts val="2200"/>
+              <a:buFont typeface="Calibri"/>
+              <a:buNone/>
+              <a:defRPr sz="2200" b="1">
+                <a:solidFill>
+                  <a:schemeClr val="lt1"/>
+                </a:solidFill>
+                <a:latin typeface="Calibri"/>
+                <a:ea typeface="Calibri"/>
+                <a:cs typeface="Calibri"/>
+                <a:sym typeface="Calibri"/>
+              </a:defRPr>
+            </a:lvl1pPr>
+            <a:lvl2pPr lvl="1" algn="ctr">
+              <a:spcBef>
+                <a:spcPts val="0"/>
+              </a:spcBef>
+              <a:spcAft>
+                <a:spcPts val="0"/>
+              </a:spcAft>
+              <a:buClr>
+                <a:schemeClr val="lt1"/>
+              </a:buClr>
+              <a:buSzPts val="2200"/>
+              <a:buFont typeface="Calibri"/>
+              <a:buNone/>
+              <a:defRPr sz="2200" b="1">
+                <a:solidFill>
+                  <a:schemeClr val="lt1"/>
+                </a:solidFill>
+                <a:latin typeface="Calibri"/>
+                <a:ea typeface="Calibri"/>
+                <a:cs typeface="Calibri"/>
+                <a:sym typeface="Calibri"/>
+              </a:defRPr>
+            </a:lvl2pPr>
+            <a:lvl3pPr lvl="2" algn="ctr">
+              <a:spcBef>
+                <a:spcPts val="0"/>
+              </a:spcBef>
+              <a:spcAft>
+                <a:spcPts val="0"/>
+              </a:spcAft>
+              <a:buClr>
+                <a:schemeClr val="lt1"/>
+              </a:buClr>
+              <a:buSzPts val="2200"/>
+              <a:buFont typeface="Calibri"/>
+              <a:buNone/>
+              <a:defRPr sz="2200" b="1">
+                <a:solidFill>
+                  <a:schemeClr val="lt1"/>
+                </a:solidFill>
+                <a:latin typeface="Calibri"/>
+                <a:ea typeface="Calibri"/>
+                <a:cs typeface="Calibri"/>
+                <a:sym typeface="Calibri"/>
+              </a:defRPr>
+            </a:lvl3pPr>
+            <a:lvl4pPr lvl="3" algn="ctr">
+              <a:spcBef>
+                <a:spcPts val="0"/>
+              </a:spcBef>
+              <a:spcAft>
+                <a:spcPts val="0"/>
+              </a:spcAft>
+              <a:buClr>
+                <a:schemeClr val="lt1"/>
+              </a:buClr>
+              <a:buSzPts val="2200"/>
+              <a:buFont typeface="Calibri"/>
+              <a:buNone/>
+              <a:defRPr sz="2200" b="1">
+                <a:solidFill>
+                  <a:schemeClr val="lt1"/>
+                </a:solidFill>
+                <a:latin typeface="Calibri"/>
+                <a:ea typeface="Calibri"/>
+                <a:cs typeface="Calibri"/>
+                <a:sym typeface="Calibri"/>
+              </a:defRPr>
+            </a:lvl4pPr>
+            <a:lvl5pPr lvl="4" algn="ctr">
+              <a:spcBef>
+                <a:spcPts val="0"/>
+              </a:spcBef>
+              <a:spcAft>
+                <a:spcPts val="0"/>
+              </a:spcAft>
+              <a:buClr>
+                <a:schemeClr val="lt1"/>
+              </a:buClr>
+              <a:buSzPts val="2200"/>
+              <a:buFont typeface="Calibri"/>
+              <a:buNone/>
+              <a:defRPr sz="2200" b="1">
+                <a:solidFill>
+                  <a:schemeClr val="lt1"/>
+                </a:solidFill>
+                <a:latin typeface="Calibri"/>
+                <a:ea typeface="Calibri"/>
+                <a:cs typeface="Calibri"/>
+                <a:sym typeface="Calibri"/>
+              </a:defRPr>
+            </a:lvl5pPr>
+            <a:lvl6pPr lvl="5" algn="ctr">
+              <a:spcBef>
+                <a:spcPts val="0"/>
+              </a:spcBef>
+              <a:spcAft>
+                <a:spcPts val="0"/>
+              </a:spcAft>
+              <a:buClr>
+                <a:schemeClr val="lt1"/>
+              </a:buClr>
+              <a:buSzPts val="2200"/>
+              <a:buFont typeface="Calibri"/>
+              <a:buNone/>
+              <a:defRPr sz="2200" b="1">
+                <a:solidFill>
+                  <a:schemeClr val="lt1"/>
+                </a:solidFill>
+                <a:latin typeface="Calibri"/>
+                <a:ea typeface="Calibri"/>
+                <a:cs typeface="Calibri"/>
+                <a:sym typeface="Calibri"/>
+              </a:defRPr>
+            </a:lvl6pPr>
+            <a:lvl7pPr lvl="6" algn="ctr">
+              <a:spcBef>
+                <a:spcPts val="0"/>
+              </a:spcBef>
+              <a:spcAft>
+                <a:spcPts val="0"/>
+              </a:spcAft>
+              <a:buClr>
+                <a:schemeClr val="lt1"/>
+              </a:buClr>
+              <a:buSzPts val="2200"/>
+              <a:buFont typeface="Calibri"/>
+              <a:buNone/>
+              <a:defRPr sz="2200" b="1">
+                <a:solidFill>
+                  <a:schemeClr val="lt1"/>
+                </a:solidFill>
+                <a:latin typeface="Calibri"/>
+                <a:ea typeface="Calibri"/>
+                <a:cs typeface="Calibri"/>
+                <a:sym typeface="Calibri"/>
+              </a:defRPr>
+            </a:lvl7pPr>
+            <a:lvl8pPr lvl="7" algn="ctr">
+              <a:spcBef>
+                <a:spcPts val="0"/>
+              </a:spcBef>
+              <a:spcAft>
+                <a:spcPts val="0"/>
+              </a:spcAft>
+              <a:buClr>
+                <a:schemeClr val="lt1"/>
+              </a:buClr>
+              <a:buSzPts val="2200"/>
+              <a:buFont typeface="Calibri"/>
+              <a:buNone/>
+              <a:defRPr sz="2200" b="1">
+                <a:solidFill>
+                  <a:schemeClr val="lt1"/>
+                </a:solidFill>
+                <a:latin typeface="Calibri"/>
+                <a:ea typeface="Calibri"/>
+                <a:cs typeface="Calibri"/>
+                <a:sym typeface="Calibri"/>
+              </a:defRPr>
+            </a:lvl8pPr>
+            <a:lvl9pPr lvl="8" algn="ctr">
+              <a:spcBef>
+                <a:spcPts val="0"/>
+              </a:spcBef>
+              <a:spcAft>
+                <a:spcPts val="0"/>
+              </a:spcAft>
+              <a:buClr>
+                <a:schemeClr val="lt1"/>
+              </a:buClr>
+              <a:buSzPts val="2200"/>
+              <a:buFont typeface="Calibri"/>
+              <a:buNone/>
+              <a:defRPr sz="2200" b="1">
+                <a:solidFill>
+                  <a:schemeClr val="lt1"/>
+                </a:solidFill>
+                <a:latin typeface="Calibri"/>
+                <a:ea typeface="Calibri"/>
+                <a:cs typeface="Calibri"/>
+                <a:sym typeface="Calibri"/>
+              </a:defRPr>
+            </a:lvl9pPr>
+          </a:lstStyle>
+          <a:p>
+            <a:endParaRPr/>
+          </a:p>
+        </p:txBody>
+      </p:sp>
+      <p:cxnSp>
+        <p:nvCxnSpPr>
+          <p:cNvPr id="40" name="Google Shape;40;p7"/>
+          <p:cNvCxnSpPr/>
+          <p:nvPr/>
+        </p:nvCxnSpPr>
+        <p:spPr>
+          <a:xfrm>
+            <a:off x="4563000" y="591725"/>
+            <a:ext cx="27000" cy="4179000"/>
+          </a:xfrm>
+          <a:prstGeom prst="straightConnector1">
+            <a:avLst/>
+          </a:prstGeom>
+          <a:noFill/>
+          <a:ln w="9525" cap="flat" cmpd="sng">
+            <a:solidFill>
+              <a:srgbClr val="FFA500"/>
+            </a:solidFill>
+            <a:prstDash val="solid"/>
+            <a:round/>
+            <a:headEnd type="none" w="med" len="med"/>
+            <a:tailEnd type="none" w="med" len="med"/>
+          </a:ln>
+        </p:spPr>
+      </p:cxnSp>
+      <p:sp>
+        <p:nvSpPr>
+          <p:cNvPr id="41" name="Google Shape;41;p7"/>
+          <p:cNvSpPr txBox="1">
+            <a:spLocks noGrp="1"/>
+          </p:cNvSpPr>
+          <p:nvPr>
+            <p:ph type="title" idx="2"/>
+          </p:nvPr>
+        </p:nvSpPr>
+        <p:spPr>
+          <a:xfrm>
+            <a:off x="55450" y="591725"/>
+            <a:ext cx="4454100" cy="4179000"/>
+          </a:xfrm>
+          <a:prstGeom prst="rect">
+            <a:avLst/>
+          </a:prstGeom>
+          <a:solidFill>
+            <a:srgbClr val="FFE5B4"/>
+          </a:solidFill>
+        </p:spPr>
+        <p:txBody>
+          <a:bodyPr spcFirstLastPara="1" wrap="square" lIns="91425" tIns="91425" rIns="91425" bIns="91425" anchor="ctr" anchorCtr="0">
+            <a:normAutofit/>
+          </a:bodyPr>
+          <a:lstStyle>
+            <a:lvl1pPr lvl="0">
+              <a:spcBef>
+                <a:spcPts val="0"/>
+              </a:spcBef>
+              <a:spcAft>
+                <a:spcPts val="0"/>
+              </a:spcAft>
+              <a:buSzPts val="1800"/>
+              <a:buFont typeface="Calibri"/>
+              <a:buNone/>
+              <a:defRPr sz="1800">
+                <a:latin typeface="Calibri"/>
+                <a:ea typeface="Calibri"/>
+                <a:cs typeface="Calibri"/>
+                <a:sym typeface="Calibri"/>
+              </a:defRPr>
+            </a:lvl1pPr>
+            <a:lvl2pPr lvl="1">
+              <a:spcBef>
+                <a:spcPts val="0"/>
+              </a:spcBef>
+              <a:spcAft>
+                <a:spcPts val="0"/>
+              </a:spcAft>
+              <a:buSzPts val="1800"/>
+              <a:buFont typeface="Calibri"/>
+              <a:buNone/>
+              <a:defRPr sz="1800">
+                <a:latin typeface="Calibri"/>
+                <a:ea typeface="Calibri"/>
+                <a:cs typeface="Calibri"/>
+                <a:sym typeface="Calibri"/>
+              </a:defRPr>
+            </a:lvl2pPr>
+            <a:lvl3pPr lvl="2">
+              <a:spcBef>
+                <a:spcPts val="0"/>
+              </a:spcBef>
+              <a:spcAft>
+                <a:spcPts val="0"/>
+              </a:spcAft>
+              <a:buSzPts val="1800"/>
+              <a:buFont typeface="Calibri"/>
+              <a:buNone/>
+              <a:defRPr sz="1800">
+                <a:latin typeface="Calibri"/>
+                <a:ea typeface="Calibri"/>
+                <a:cs typeface="Calibri"/>
+                <a:sym typeface="Calibri"/>
+              </a:defRPr>
+            </a:lvl3pPr>
+            <a:lvl4pPr lvl="3">
+              <a:spcBef>
+                <a:spcPts val="0"/>
+              </a:spcBef>
+              <a:spcAft>
+                <a:spcPts val="0"/>
+              </a:spcAft>
+              <a:buSzPts val="1800"/>
+              <a:buFont typeface="Calibri"/>
+              <a:buNone/>
+              <a:defRPr sz="1800">
+                <a:latin typeface="Calibri"/>
+                <a:ea typeface="Calibri"/>
+                <a:cs typeface="Calibri"/>
+                <a:sym typeface="Calibri"/>
+              </a:defRPr>
+            </a:lvl4pPr>
+            <a:lvl5pPr lvl="4">
+              <a:spcBef>
+                <a:spcPts val="0"/>
+              </a:spcBef>
+              <a:spcAft>
+                <a:spcPts val="0"/>
+              </a:spcAft>
+              <a:buSzPts val="1800"/>
+              <a:buFont typeface="Calibri"/>
+              <a:buNone/>
+              <a:defRPr sz="1800">
+                <a:latin typeface="Calibri"/>
+                <a:ea typeface="Calibri"/>
+                <a:cs typeface="Calibri"/>
+                <a:sym typeface="Calibri"/>
+              </a:defRPr>
+            </a:lvl5pPr>
+            <a:lvl6pPr lvl="5">
+              <a:spcBef>
+                <a:spcPts val="0"/>
+              </a:spcBef>
+              <a:spcAft>
+                <a:spcPts val="0"/>
+              </a:spcAft>
+              <a:buSzPts val="1800"/>
+              <a:buFont typeface="Calibri"/>
+              <a:buNone/>
+              <a:defRPr sz="1800">
+                <a:latin typeface="Calibri"/>
+                <a:ea typeface="Calibri"/>
+                <a:cs typeface="Calibri"/>
+                <a:sym typeface="Calibri"/>
+              </a:defRPr>
+            </a:lvl6pPr>
+            <a:lvl7pPr lvl="6">
+              <a:spcBef>
+                <a:spcPts val="0"/>
+              </a:spcBef>
+              <a:spcAft>
+                <a:spcPts val="0"/>
+              </a:spcAft>
+              <a:buSzPts val="1800"/>
+              <a:buFont typeface="Calibri"/>
+              <a:buNone/>
+              <a:defRPr sz="1800">
+                <a:latin typeface="Calibri"/>
+                <a:ea typeface="Calibri"/>
+                <a:cs typeface="Calibri"/>
+                <a:sym typeface="Calibri"/>
+              </a:defRPr>
+            </a:lvl7pPr>
+            <a:lvl8pPr lvl="7">
+              <a:spcBef>
+                <a:spcPts val="0"/>
+              </a:spcBef>
+              <a:spcAft>
+                <a:spcPts val="0"/>
+              </a:spcAft>
+              <a:buSzPts val="1800"/>
+              <a:buFont typeface="Calibri"/>
+              <a:buNone/>
+              <a:defRPr sz="1800">
+                <a:latin typeface="Calibri"/>
+                <a:ea typeface="Calibri"/>
+                <a:cs typeface="Calibri"/>
+                <a:sym typeface="Calibri"/>
+              </a:defRPr>
+            </a:lvl8pPr>
+            <a:lvl9pPr lvl="8">
+              <a:spcBef>
+                <a:spcPts val="0"/>
+              </a:spcBef>
+              <a:spcAft>
+                <a:spcPts val="0"/>
+              </a:spcAft>
+              <a:buSzPts val="1800"/>
+              <a:buFont typeface="Calibri"/>
+              <a:buNone/>
+              <a:defRPr sz="1800">
+                <a:latin typeface="Calibri"/>
+                <a:ea typeface="Calibri"/>
+                <a:cs typeface="Calibri"/>
+                <a:sym typeface="Calibri"/>
+              </a:defRPr>
+            </a:lvl9pPr>
+          </a:lstStyle>
+          <a:p>
+            <a:endParaRPr/>
+          </a:p>
+        </p:txBody>
+      </p:sp>
+    </p:spTree>
+    <p:extLst>
+      <p:ext uri="{BB962C8B-B14F-4D97-AF65-F5344CB8AC3E}">
+        <p14:creationId xmlns:p14="http://schemas.microsoft.com/office/powerpoint/2010/main" val="1838452189"/>
+      </p:ext>
+    </p:extLst>
   </p:cSld>
   <p:clrMapOvr>
     <a:masterClrMapping/>
@@ -5663,7 +6434,7 @@
           <p:nvPr/>
         </p:nvPicPr>
         <p:blipFill rotWithShape="1">
-          <a:blip r:embed="rId11">
+          <a:blip r:embed="rId12">
             <a:alphaModFix/>
           </a:blip>
           <a:srcRect/>
@@ -5702,6 +6473,7 @@
     <p:sldLayoutId id="2147483656" r:id="rId7"/>
     <p:sldLayoutId id="2147483657" r:id="rId8"/>
     <p:sldLayoutId id="2147483658" r:id="rId9"/>
+    <p:sldLayoutId id="2147483660" r:id="rId10"/>
   </p:sldLayoutIdLst>
   <p:hf sldNum="0" hdr="0" ftr="0" dt="0"/>
   <p:txStyles>
@@ -6696,6 +7468,904 @@
   <p:cSld>
     <p:spTree>
       <p:nvGrpSpPr>
+        <p:cNvPr id="1" name="Shape 101">
+          <a:extLst>
+            <a:ext uri="{FF2B5EF4-FFF2-40B4-BE49-F238E27FC236}">
+              <a16:creationId xmlns:a16="http://schemas.microsoft.com/office/drawing/2014/main" id="{5369FFD1-328D-C386-CF68-92179F159FCF}"/>
+            </a:ext>
+          </a:extLst>
+        </p:cNvPr>
+        <p:cNvGrpSpPr/>
+        <p:nvPr/>
+      </p:nvGrpSpPr>
+      <p:grpSpPr>
+        <a:xfrm>
+          <a:off x="0" y="0"/>
+          <a:ext cx="0" cy="0"/>
+          <a:chOff x="0" y="0"/>
+          <a:chExt cx="0" cy="0"/>
+        </a:xfrm>
+      </p:grpSpPr>
+      <p:sp>
+        <p:nvSpPr>
+          <p:cNvPr id="102" name="Google Shape;102;p18">
+            <a:extLst>
+              <a:ext uri="{FF2B5EF4-FFF2-40B4-BE49-F238E27FC236}">
+                <a16:creationId xmlns:a16="http://schemas.microsoft.com/office/drawing/2014/main" id="{CF2746A6-609C-ED62-DBA0-F63389FE81BD}"/>
+              </a:ext>
+            </a:extLst>
+          </p:cNvPr>
+          <p:cNvSpPr txBox="1">
+            <a:spLocks noGrp="1"/>
+          </p:cNvSpPr>
+          <p:nvPr>
+            <p:ph type="title"/>
+          </p:nvPr>
+        </p:nvSpPr>
+        <p:spPr>
+          <a:xfrm>
+            <a:off x="0" y="0"/>
+            <a:ext cx="9144000" cy="543600"/>
+          </a:xfrm>
+          <a:prstGeom prst="rect">
+            <a:avLst/>
+          </a:prstGeom>
+        </p:spPr>
+        <p:txBody>
+          <a:bodyPr spcFirstLastPara="1" wrap="square" lIns="91425" tIns="91425" rIns="91425" bIns="91425" anchor="ctr" anchorCtr="0">
+            <a:normAutofit/>
+          </a:bodyPr>
+          <a:lstStyle/>
+          <a:p>
+            <a:pPr marL="0" lvl="0" indent="0" algn="ctr" rtl="0">
+              <a:spcBef>
+                <a:spcPts val="0"/>
+              </a:spcBef>
+              <a:spcAft>
+                <a:spcPts val="0"/>
+              </a:spcAft>
+              <a:buNone/>
+            </a:pPr>
+            <a:r>
+              <a:rPr lang="en-US" dirty="0"/>
+              <a:t>Industry Risks</a:t>
+            </a:r>
+            <a:endParaRPr dirty="0"/>
+          </a:p>
+        </p:txBody>
+      </p:sp>
+      <p:sp>
+        <p:nvSpPr>
+          <p:cNvPr id="103" name="Google Shape;103;p18">
+            <a:extLst>
+              <a:ext uri="{FF2B5EF4-FFF2-40B4-BE49-F238E27FC236}">
+                <a16:creationId xmlns:a16="http://schemas.microsoft.com/office/drawing/2014/main" id="{4F3CD53B-0D34-3E85-C664-97E2B3F3E2AB}"/>
+              </a:ext>
+            </a:extLst>
+          </p:cNvPr>
+          <p:cNvSpPr txBox="1"/>
+          <p:nvPr/>
+        </p:nvSpPr>
+        <p:spPr>
+          <a:xfrm>
+            <a:off x="0" y="579050"/>
+            <a:ext cx="9003900" cy="4224300"/>
+          </a:xfrm>
+          <a:prstGeom prst="rect">
+            <a:avLst/>
+          </a:prstGeom>
+          <a:solidFill>
+            <a:srgbClr val="FFE5B4"/>
+          </a:solidFill>
+          <a:ln>
+            <a:noFill/>
+          </a:ln>
+        </p:spPr>
+        <p:txBody>
+          <a:bodyPr spcFirstLastPara="1" wrap="square" lIns="91425" tIns="91425" rIns="91425" bIns="91425" anchor="ctr" anchorCtr="0">
+            <a:noAutofit/>
+          </a:bodyPr>
+          <a:lstStyle/>
+          <a:p>
+            <a:pPr marL="200660" lvl="0" indent="0" algn="just" rtl="0">
+              <a:spcBef>
+                <a:spcPts val="0"/>
+              </a:spcBef>
+              <a:spcAft>
+                <a:spcPts val="0"/>
+              </a:spcAft>
+              <a:buNone/>
+            </a:pPr>
+            <a:r>
+              <a:rPr lang="en-US" sz="1000" dirty="0">
+                <a:solidFill>
+                  <a:schemeClr val="dk1"/>
+                </a:solidFill>
+                <a:latin typeface="Calibri"/>
+                <a:ea typeface="Calibri"/>
+                <a:cs typeface="Calibri"/>
+                <a:sym typeface="Calibri"/>
+              </a:rPr>
+              <a:t>{{</a:t>
+            </a:r>
+            <a:r>
+              <a:rPr lang="en-US" sz="1000" dirty="0" err="1">
+                <a:solidFill>
+                  <a:schemeClr val="dk1"/>
+                </a:solidFill>
+                <a:latin typeface="Calibri"/>
+                <a:ea typeface="Calibri"/>
+                <a:cs typeface="Calibri"/>
+                <a:sym typeface="Calibri"/>
+              </a:rPr>
+              <a:t>industry_risk</a:t>
+            </a:r>
+            <a:r>
+              <a:rPr lang="en-US" sz="1000" dirty="0">
+                <a:solidFill>
+                  <a:schemeClr val="dk1"/>
+                </a:solidFill>
+                <a:latin typeface="Calibri"/>
+                <a:ea typeface="Calibri"/>
+                <a:cs typeface="Calibri"/>
+                <a:sym typeface="Calibri"/>
+              </a:rPr>
+              <a:t>}}</a:t>
+            </a:r>
+          </a:p>
+          <a:p>
+            <a:pPr marL="200660" lvl="0" indent="0" algn="just" rtl="0">
+              <a:spcBef>
+                <a:spcPts val="0"/>
+              </a:spcBef>
+              <a:spcAft>
+                <a:spcPts val="0"/>
+              </a:spcAft>
+              <a:buNone/>
+            </a:pPr>
+            <a:endParaRPr lang="en-US" sz="1000" dirty="0">
+              <a:solidFill>
+                <a:schemeClr val="dk1"/>
+              </a:solidFill>
+              <a:latin typeface="Calibri"/>
+              <a:ea typeface="Calibri"/>
+              <a:cs typeface="Calibri"/>
+              <a:sym typeface="Calibri"/>
+            </a:endParaRPr>
+          </a:p>
+          <a:p>
+            <a:pPr marL="200660" lvl="0" indent="0" algn="just" rtl="0">
+              <a:spcBef>
+                <a:spcPts val="0"/>
+              </a:spcBef>
+              <a:spcAft>
+                <a:spcPts val="0"/>
+              </a:spcAft>
+              <a:buNone/>
+            </a:pPr>
+            <a:endParaRPr lang="en-US" sz="1000" dirty="0">
+              <a:solidFill>
+                <a:schemeClr val="dk1"/>
+              </a:solidFill>
+              <a:latin typeface="Calibri"/>
+              <a:ea typeface="Calibri"/>
+              <a:cs typeface="Calibri"/>
+              <a:sym typeface="Calibri"/>
+            </a:endParaRPr>
+          </a:p>
+          <a:p>
+            <a:pPr marL="200660" lvl="0" indent="0" algn="just" rtl="0">
+              <a:spcBef>
+                <a:spcPts val="0"/>
+              </a:spcBef>
+              <a:spcAft>
+                <a:spcPts val="0"/>
+              </a:spcAft>
+              <a:buNone/>
+            </a:pPr>
+            <a:endParaRPr lang="en-US" sz="1000" dirty="0">
+              <a:solidFill>
+                <a:schemeClr val="dk1"/>
+              </a:solidFill>
+              <a:latin typeface="Calibri"/>
+              <a:ea typeface="Calibri"/>
+              <a:cs typeface="Calibri"/>
+              <a:sym typeface="Calibri"/>
+            </a:endParaRPr>
+          </a:p>
+          <a:p>
+            <a:pPr marL="200660" lvl="0" indent="0" algn="just" rtl="0">
+              <a:spcBef>
+                <a:spcPts val="0"/>
+              </a:spcBef>
+              <a:spcAft>
+                <a:spcPts val="0"/>
+              </a:spcAft>
+              <a:buNone/>
+            </a:pPr>
+            <a:endParaRPr lang="en-US" sz="1000" dirty="0">
+              <a:solidFill>
+                <a:schemeClr val="dk1"/>
+              </a:solidFill>
+              <a:latin typeface="Calibri"/>
+              <a:ea typeface="Calibri"/>
+              <a:cs typeface="Calibri"/>
+              <a:sym typeface="Calibri"/>
+            </a:endParaRPr>
+          </a:p>
+          <a:p>
+            <a:pPr marL="200660" lvl="0" indent="0" algn="just" rtl="0">
+              <a:spcBef>
+                <a:spcPts val="0"/>
+              </a:spcBef>
+              <a:spcAft>
+                <a:spcPts val="0"/>
+              </a:spcAft>
+              <a:buNone/>
+            </a:pPr>
+            <a:endParaRPr lang="en-US" sz="1000" dirty="0">
+              <a:solidFill>
+                <a:schemeClr val="dk1"/>
+              </a:solidFill>
+              <a:latin typeface="Calibri"/>
+              <a:ea typeface="Calibri"/>
+              <a:cs typeface="Calibri"/>
+              <a:sym typeface="Calibri"/>
+            </a:endParaRPr>
+          </a:p>
+          <a:p>
+            <a:pPr marL="200660" lvl="0" indent="0" algn="just" rtl="0">
+              <a:spcBef>
+                <a:spcPts val="0"/>
+              </a:spcBef>
+              <a:spcAft>
+                <a:spcPts val="0"/>
+              </a:spcAft>
+              <a:buNone/>
+            </a:pPr>
+            <a:endParaRPr lang="en-US" sz="1000" dirty="0">
+              <a:solidFill>
+                <a:schemeClr val="dk1"/>
+              </a:solidFill>
+              <a:latin typeface="Calibri"/>
+              <a:ea typeface="Calibri"/>
+              <a:cs typeface="Calibri"/>
+              <a:sym typeface="Calibri"/>
+            </a:endParaRPr>
+          </a:p>
+          <a:p>
+            <a:pPr marL="200660" lvl="0" indent="0" algn="just" rtl="0">
+              <a:spcBef>
+                <a:spcPts val="0"/>
+              </a:spcBef>
+              <a:spcAft>
+                <a:spcPts val="0"/>
+              </a:spcAft>
+              <a:buNone/>
+            </a:pPr>
+            <a:endParaRPr lang="en-US" sz="1000" dirty="0">
+              <a:solidFill>
+                <a:schemeClr val="dk1"/>
+              </a:solidFill>
+              <a:latin typeface="Calibri"/>
+              <a:ea typeface="Calibri"/>
+              <a:cs typeface="Calibri"/>
+              <a:sym typeface="Calibri"/>
+            </a:endParaRPr>
+          </a:p>
+          <a:p>
+            <a:pPr marL="200660" lvl="0" indent="0" algn="just" rtl="0">
+              <a:spcBef>
+                <a:spcPts val="0"/>
+              </a:spcBef>
+              <a:spcAft>
+                <a:spcPts val="0"/>
+              </a:spcAft>
+              <a:buNone/>
+            </a:pPr>
+            <a:endParaRPr lang="en-US" sz="1000" dirty="0">
+              <a:solidFill>
+                <a:schemeClr val="dk1"/>
+              </a:solidFill>
+              <a:latin typeface="Calibri"/>
+              <a:ea typeface="Calibri"/>
+              <a:cs typeface="Calibri"/>
+              <a:sym typeface="Calibri"/>
+            </a:endParaRPr>
+          </a:p>
+          <a:p>
+            <a:pPr marL="200660" lvl="0" indent="0" algn="just" rtl="0">
+              <a:spcBef>
+                <a:spcPts val="0"/>
+              </a:spcBef>
+              <a:spcAft>
+                <a:spcPts val="0"/>
+              </a:spcAft>
+              <a:buNone/>
+            </a:pPr>
+            <a:endParaRPr lang="en-US" sz="1000" dirty="0">
+              <a:solidFill>
+                <a:schemeClr val="dk1"/>
+              </a:solidFill>
+              <a:latin typeface="Calibri"/>
+              <a:ea typeface="Calibri"/>
+              <a:cs typeface="Calibri"/>
+              <a:sym typeface="Calibri"/>
+            </a:endParaRPr>
+          </a:p>
+          <a:p>
+            <a:pPr marL="200660" lvl="0" indent="0" algn="just" rtl="0">
+              <a:spcBef>
+                <a:spcPts val="0"/>
+              </a:spcBef>
+              <a:spcAft>
+                <a:spcPts val="0"/>
+              </a:spcAft>
+              <a:buNone/>
+            </a:pPr>
+            <a:endParaRPr lang="en-US" sz="1000" dirty="0">
+              <a:solidFill>
+                <a:schemeClr val="dk1"/>
+              </a:solidFill>
+              <a:latin typeface="Calibri"/>
+              <a:ea typeface="Calibri"/>
+              <a:cs typeface="Calibri"/>
+              <a:sym typeface="Calibri"/>
+            </a:endParaRPr>
+          </a:p>
+          <a:p>
+            <a:pPr marL="200660" lvl="0" indent="0" algn="just" rtl="0">
+              <a:spcBef>
+                <a:spcPts val="0"/>
+              </a:spcBef>
+              <a:spcAft>
+                <a:spcPts val="0"/>
+              </a:spcAft>
+              <a:buNone/>
+            </a:pPr>
+            <a:endParaRPr lang="en-US" sz="1000" dirty="0">
+              <a:solidFill>
+                <a:schemeClr val="dk1"/>
+              </a:solidFill>
+              <a:latin typeface="Calibri"/>
+              <a:ea typeface="Calibri"/>
+              <a:cs typeface="Calibri"/>
+              <a:sym typeface="Calibri"/>
+            </a:endParaRPr>
+          </a:p>
+          <a:p>
+            <a:pPr marL="200660" lvl="0" indent="0" algn="just" rtl="0">
+              <a:spcBef>
+                <a:spcPts val="0"/>
+              </a:spcBef>
+              <a:spcAft>
+                <a:spcPts val="0"/>
+              </a:spcAft>
+              <a:buNone/>
+            </a:pPr>
+            <a:endParaRPr lang="en-US" sz="1000" dirty="0">
+              <a:solidFill>
+                <a:schemeClr val="dk1"/>
+              </a:solidFill>
+              <a:latin typeface="Calibri"/>
+              <a:ea typeface="Calibri"/>
+              <a:cs typeface="Calibri"/>
+              <a:sym typeface="Calibri"/>
+            </a:endParaRPr>
+          </a:p>
+          <a:p>
+            <a:pPr marL="200660" lvl="0" indent="0" algn="just" rtl="0">
+              <a:spcBef>
+                <a:spcPts val="0"/>
+              </a:spcBef>
+              <a:spcAft>
+                <a:spcPts val="0"/>
+              </a:spcAft>
+              <a:buNone/>
+            </a:pPr>
+            <a:endParaRPr lang="en-US" sz="1000" dirty="0">
+              <a:solidFill>
+                <a:schemeClr val="dk1"/>
+              </a:solidFill>
+              <a:latin typeface="Calibri"/>
+              <a:ea typeface="Calibri"/>
+              <a:cs typeface="Calibri"/>
+              <a:sym typeface="Calibri"/>
+            </a:endParaRPr>
+          </a:p>
+          <a:p>
+            <a:pPr marL="200660" lvl="0" indent="0" algn="just" rtl="0">
+              <a:spcBef>
+                <a:spcPts val="0"/>
+              </a:spcBef>
+              <a:spcAft>
+                <a:spcPts val="0"/>
+              </a:spcAft>
+              <a:buNone/>
+            </a:pPr>
+            <a:endParaRPr lang="en-US" sz="1000" dirty="0">
+              <a:solidFill>
+                <a:schemeClr val="dk1"/>
+              </a:solidFill>
+              <a:latin typeface="Calibri"/>
+              <a:ea typeface="Calibri"/>
+              <a:cs typeface="Calibri"/>
+              <a:sym typeface="Calibri"/>
+            </a:endParaRPr>
+          </a:p>
+          <a:p>
+            <a:pPr marL="200660" lvl="0" indent="0" algn="just" rtl="0">
+              <a:spcBef>
+                <a:spcPts val="0"/>
+              </a:spcBef>
+              <a:spcAft>
+                <a:spcPts val="0"/>
+              </a:spcAft>
+              <a:buNone/>
+            </a:pPr>
+            <a:endParaRPr lang="en-US" sz="1000" dirty="0">
+              <a:solidFill>
+                <a:schemeClr val="dk1"/>
+              </a:solidFill>
+              <a:latin typeface="Calibri"/>
+              <a:ea typeface="Calibri"/>
+              <a:cs typeface="Calibri"/>
+              <a:sym typeface="Calibri"/>
+            </a:endParaRPr>
+          </a:p>
+          <a:p>
+            <a:pPr marL="200660" lvl="0" indent="0" algn="just" rtl="0">
+              <a:spcBef>
+                <a:spcPts val="0"/>
+              </a:spcBef>
+              <a:spcAft>
+                <a:spcPts val="0"/>
+              </a:spcAft>
+              <a:buNone/>
+            </a:pPr>
+            <a:endParaRPr lang="en-US" sz="1000" dirty="0">
+              <a:solidFill>
+                <a:schemeClr val="dk1"/>
+              </a:solidFill>
+              <a:latin typeface="Calibri"/>
+              <a:ea typeface="Calibri"/>
+              <a:cs typeface="Calibri"/>
+              <a:sym typeface="Calibri"/>
+            </a:endParaRPr>
+          </a:p>
+          <a:p>
+            <a:pPr marL="200660" lvl="0" indent="0" algn="just" rtl="0">
+              <a:spcBef>
+                <a:spcPts val="0"/>
+              </a:spcBef>
+              <a:spcAft>
+                <a:spcPts val="0"/>
+              </a:spcAft>
+              <a:buNone/>
+            </a:pPr>
+            <a:endParaRPr lang="en-US" sz="1000" dirty="0">
+              <a:solidFill>
+                <a:schemeClr val="dk1"/>
+              </a:solidFill>
+              <a:latin typeface="Calibri"/>
+              <a:ea typeface="Calibri"/>
+              <a:cs typeface="Calibri"/>
+              <a:sym typeface="Calibri"/>
+            </a:endParaRPr>
+          </a:p>
+          <a:p>
+            <a:pPr marL="200660" lvl="0" indent="0" algn="just" rtl="0">
+              <a:spcBef>
+                <a:spcPts val="0"/>
+              </a:spcBef>
+              <a:spcAft>
+                <a:spcPts val="0"/>
+              </a:spcAft>
+              <a:buNone/>
+            </a:pPr>
+            <a:endParaRPr lang="en-US" sz="1000" dirty="0">
+              <a:solidFill>
+                <a:schemeClr val="dk1"/>
+              </a:solidFill>
+              <a:latin typeface="Calibri"/>
+              <a:ea typeface="Calibri"/>
+              <a:cs typeface="Calibri"/>
+              <a:sym typeface="Calibri"/>
+            </a:endParaRPr>
+          </a:p>
+          <a:p>
+            <a:pPr marL="200660" lvl="0" indent="0" algn="just" rtl="0">
+              <a:spcBef>
+                <a:spcPts val="0"/>
+              </a:spcBef>
+              <a:spcAft>
+                <a:spcPts val="0"/>
+              </a:spcAft>
+              <a:buNone/>
+            </a:pPr>
+            <a:endParaRPr lang="en-US" sz="1000" dirty="0">
+              <a:solidFill>
+                <a:schemeClr val="dk1"/>
+              </a:solidFill>
+              <a:latin typeface="Calibri"/>
+              <a:ea typeface="Calibri"/>
+              <a:cs typeface="Calibri"/>
+              <a:sym typeface="Calibri"/>
+            </a:endParaRPr>
+          </a:p>
+          <a:p>
+            <a:pPr marL="200660" lvl="0" indent="0" algn="just" rtl="0">
+              <a:spcBef>
+                <a:spcPts val="0"/>
+              </a:spcBef>
+              <a:spcAft>
+                <a:spcPts val="0"/>
+              </a:spcAft>
+              <a:buNone/>
+            </a:pPr>
+            <a:endParaRPr lang="en-US" sz="1000" dirty="0">
+              <a:solidFill>
+                <a:schemeClr val="dk1"/>
+              </a:solidFill>
+              <a:latin typeface="Calibri"/>
+              <a:ea typeface="Calibri"/>
+              <a:cs typeface="Calibri"/>
+              <a:sym typeface="Calibri"/>
+            </a:endParaRPr>
+          </a:p>
+          <a:p>
+            <a:pPr marL="200660" lvl="0" indent="0" algn="just" rtl="0">
+              <a:spcBef>
+                <a:spcPts val="0"/>
+              </a:spcBef>
+              <a:spcAft>
+                <a:spcPts val="0"/>
+              </a:spcAft>
+              <a:buNone/>
+            </a:pPr>
+            <a:endParaRPr lang="en-US" sz="1000" dirty="0">
+              <a:solidFill>
+                <a:schemeClr val="dk1"/>
+              </a:solidFill>
+              <a:latin typeface="Calibri"/>
+              <a:ea typeface="Calibri"/>
+              <a:cs typeface="Calibri"/>
+              <a:sym typeface="Calibri"/>
+            </a:endParaRPr>
+          </a:p>
+          <a:p>
+            <a:pPr marL="200660" lvl="0" indent="0" algn="just" rtl="0">
+              <a:spcBef>
+                <a:spcPts val="0"/>
+              </a:spcBef>
+              <a:spcAft>
+                <a:spcPts val="0"/>
+              </a:spcAft>
+              <a:buNone/>
+            </a:pPr>
+            <a:endParaRPr lang="en-US" sz="1000" dirty="0">
+              <a:solidFill>
+                <a:schemeClr val="dk1"/>
+              </a:solidFill>
+              <a:latin typeface="Calibri"/>
+              <a:ea typeface="Calibri"/>
+              <a:cs typeface="Calibri"/>
+              <a:sym typeface="Calibri"/>
+            </a:endParaRPr>
+          </a:p>
+          <a:p>
+            <a:pPr marL="200660" lvl="0" indent="0" algn="just" rtl="0">
+              <a:spcBef>
+                <a:spcPts val="0"/>
+              </a:spcBef>
+              <a:spcAft>
+                <a:spcPts val="0"/>
+              </a:spcAft>
+              <a:buNone/>
+            </a:pPr>
+            <a:endParaRPr lang="en-US" sz="1000" dirty="0">
+              <a:solidFill>
+                <a:schemeClr val="dk1"/>
+              </a:solidFill>
+              <a:latin typeface="Calibri"/>
+              <a:ea typeface="Calibri"/>
+              <a:cs typeface="Calibri"/>
+              <a:sym typeface="Calibri"/>
+            </a:endParaRPr>
+          </a:p>
+          <a:p>
+            <a:pPr marL="200660" lvl="0" indent="0" algn="just" rtl="0">
+              <a:spcBef>
+                <a:spcPts val="0"/>
+              </a:spcBef>
+              <a:spcAft>
+                <a:spcPts val="0"/>
+              </a:spcAft>
+              <a:buNone/>
+            </a:pPr>
+            <a:endParaRPr lang="en-US" sz="1000" dirty="0">
+              <a:solidFill>
+                <a:schemeClr val="dk1"/>
+              </a:solidFill>
+              <a:latin typeface="Calibri"/>
+              <a:ea typeface="Calibri"/>
+              <a:cs typeface="Calibri"/>
+              <a:sym typeface="Calibri"/>
+            </a:endParaRPr>
+          </a:p>
+          <a:p>
+            <a:pPr marL="200660" lvl="0" indent="0" algn="just" rtl="0">
+              <a:spcBef>
+                <a:spcPts val="0"/>
+              </a:spcBef>
+              <a:spcAft>
+                <a:spcPts val="0"/>
+              </a:spcAft>
+              <a:buNone/>
+            </a:pPr>
+            <a:endParaRPr lang="en-US" sz="1000" dirty="0">
+              <a:solidFill>
+                <a:schemeClr val="dk1"/>
+              </a:solidFill>
+              <a:latin typeface="Calibri"/>
+              <a:ea typeface="Calibri"/>
+              <a:cs typeface="Calibri"/>
+              <a:sym typeface="Calibri"/>
+            </a:endParaRPr>
+          </a:p>
+          <a:p>
+            <a:pPr marL="200660" lvl="0" indent="0" algn="just" rtl="0">
+              <a:spcBef>
+                <a:spcPts val="0"/>
+              </a:spcBef>
+              <a:spcAft>
+                <a:spcPts val="0"/>
+              </a:spcAft>
+              <a:buNone/>
+            </a:pPr>
+            <a:endParaRPr lang="en-IN" sz="1000" dirty="0">
+              <a:solidFill>
+                <a:schemeClr val="dk1"/>
+              </a:solidFill>
+              <a:latin typeface="Calibri"/>
+              <a:ea typeface="Calibri"/>
+              <a:cs typeface="Calibri"/>
+              <a:sym typeface="Calibri"/>
+            </a:endParaRPr>
+          </a:p>
+        </p:txBody>
+      </p:sp>
+    </p:spTree>
+    <p:extLst>
+      <p:ext uri="{BB962C8B-B14F-4D97-AF65-F5344CB8AC3E}">
+        <p14:creationId xmlns:p14="http://schemas.microsoft.com/office/powerpoint/2010/main" val="302309881"/>
+      </p:ext>
+    </p:extLst>
+  </p:cSld>
+  <p:clrMapOvr>
+    <a:masterClrMapping/>
+  </p:clrMapOvr>
+</p:sld>
+</file>
+
+<file path=ppt/slides/slide11.xml><?xml version="1.0" encoding="utf-8"?>
+<p:sld xmlns:a="http://schemas.openxmlformats.org/drawingml/2006/main" xmlns:r="http://schemas.openxmlformats.org/officeDocument/2006/relationships" xmlns:p="http://schemas.openxmlformats.org/presentationml/2006/main">
+  <p:cSld>
+    <p:spTree>
+      <p:nvGrpSpPr>
+        <p:cNvPr id="1" name="Shape 107"/>
+        <p:cNvGrpSpPr/>
+        <p:nvPr/>
+      </p:nvGrpSpPr>
+      <p:grpSpPr>
+        <a:xfrm>
+          <a:off x="0" y="0"/>
+          <a:ext cx="0" cy="0"/>
+          <a:chOff x="0" y="0"/>
+          <a:chExt cx="0" cy="0"/>
+        </a:xfrm>
+      </p:grpSpPr>
+      <p:sp>
+        <p:nvSpPr>
+          <p:cNvPr id="108" name="Google Shape;108;p19"/>
+          <p:cNvSpPr txBox="1">
+            <a:spLocks noGrp="1"/>
+          </p:cNvSpPr>
+          <p:nvPr>
+            <p:ph type="title"/>
+          </p:nvPr>
+        </p:nvSpPr>
+        <p:spPr>
+          <a:xfrm>
+            <a:off x="0" y="0"/>
+            <a:ext cx="9144000" cy="543600"/>
+          </a:xfrm>
+          <a:prstGeom prst="rect">
+            <a:avLst/>
+          </a:prstGeom>
+        </p:spPr>
+        <p:txBody>
+          <a:bodyPr spcFirstLastPara="1" wrap="square" lIns="91425" tIns="91425" rIns="91425" bIns="91425" anchor="ctr" anchorCtr="0">
+            <a:normAutofit/>
+          </a:bodyPr>
+          <a:lstStyle/>
+          <a:p>
+            <a:pPr marL="0" lvl="0" indent="0" algn="ctr" rtl="0">
+              <a:spcBef>
+                <a:spcPts val="0"/>
+              </a:spcBef>
+              <a:spcAft>
+                <a:spcPts val="0"/>
+              </a:spcAft>
+              <a:buNone/>
+            </a:pPr>
+            <a:r>
+              <a:rPr lang="en-GB"/>
+              <a:t>Financials and Ratio Analysis</a:t>
+            </a:r>
+            <a:endParaRPr/>
+          </a:p>
+        </p:txBody>
+      </p:sp>
+      <p:sp>
+        <p:nvSpPr>
+          <p:cNvPr id="3" name="Title 2">
+            <a:extLst>
+              <a:ext uri="{FF2B5EF4-FFF2-40B4-BE49-F238E27FC236}">
+                <a16:creationId xmlns:a16="http://schemas.microsoft.com/office/drawing/2014/main" id="{F9E735C5-A5DA-5348-B44B-71E3B9F63E9A}"/>
+              </a:ext>
+            </a:extLst>
+          </p:cNvPr>
+          <p:cNvSpPr>
+            <a:spLocks noGrp="1"/>
+          </p:cNvSpPr>
+          <p:nvPr>
+            <p:ph type="title"/>
+          </p:nvPr>
+        </p:nvSpPr>
+        <p:spPr/>
+        <p:txBody>
+          <a:bodyPr/>
+          <a:lstStyle/>
+          <a:p>
+            <a:endParaRPr lang="en-IN" dirty="0"/>
+          </a:p>
+        </p:txBody>
+      </p:sp>
+      <p:sp>
+        <p:nvSpPr>
+          <p:cNvPr id="5" name="Title 4">
+            <a:extLst>
+              <a:ext uri="{FF2B5EF4-FFF2-40B4-BE49-F238E27FC236}">
+                <a16:creationId xmlns:a16="http://schemas.microsoft.com/office/drawing/2014/main" id="{78C8FD2B-7D8D-BFE6-9940-30B1DA00CBCF}"/>
+              </a:ext>
+            </a:extLst>
+          </p:cNvPr>
+          <p:cNvSpPr>
+            <a:spLocks noGrp="1"/>
+          </p:cNvSpPr>
+          <p:nvPr>
+            <p:ph type="title"/>
+          </p:nvPr>
+        </p:nvSpPr>
+        <p:spPr/>
+        <p:txBody>
+          <a:bodyPr/>
+          <a:lstStyle/>
+          <a:p>
+            <a:endParaRPr lang="en-IN" dirty="0"/>
+          </a:p>
+        </p:txBody>
+      </p:sp>
+      <p:sp>
+        <p:nvSpPr>
+          <p:cNvPr id="7" name="Title 6">
+            <a:extLst>
+              <a:ext uri="{FF2B5EF4-FFF2-40B4-BE49-F238E27FC236}">
+                <a16:creationId xmlns:a16="http://schemas.microsoft.com/office/drawing/2014/main" id="{CEF2C673-0B9A-CDB6-EE2A-5CFAECCEA9F2}"/>
+              </a:ext>
+            </a:extLst>
+          </p:cNvPr>
+          <p:cNvSpPr>
+            <a:spLocks noGrp="1"/>
+          </p:cNvSpPr>
+          <p:nvPr>
+            <p:ph type="title"/>
+          </p:nvPr>
+        </p:nvSpPr>
+        <p:spPr/>
+        <p:txBody>
+          <a:bodyPr/>
+          <a:lstStyle/>
+          <a:p>
+            <a:endParaRPr lang="en-IN" dirty="0"/>
+          </a:p>
+        </p:txBody>
+      </p:sp>
+      <p:sp>
+        <p:nvSpPr>
+          <p:cNvPr id="9" name="Title 8">
+            <a:extLst>
+              <a:ext uri="{FF2B5EF4-FFF2-40B4-BE49-F238E27FC236}">
+                <a16:creationId xmlns:a16="http://schemas.microsoft.com/office/drawing/2014/main" id="{090568D9-445C-CF1D-D517-A1B6B9682E50}"/>
+              </a:ext>
+            </a:extLst>
+          </p:cNvPr>
+          <p:cNvSpPr>
+            <a:spLocks noGrp="1"/>
+          </p:cNvSpPr>
+          <p:nvPr>
+            <p:ph type="title"/>
+          </p:nvPr>
+        </p:nvSpPr>
+        <p:spPr/>
+        <p:txBody>
+          <a:bodyPr/>
+          <a:lstStyle/>
+          <a:p>
+            <a:r>
+              <a:rPr lang="en-IN" dirty="0"/>
+              <a:t>Summary in Tables</a:t>
+            </a:r>
+          </a:p>
+        </p:txBody>
+      </p:sp>
+      <p:sp>
+        <p:nvSpPr>
+          <p:cNvPr id="10" name="TextBox 9">
+            <a:extLst>
+              <a:ext uri="{FF2B5EF4-FFF2-40B4-BE49-F238E27FC236}">
+                <a16:creationId xmlns:a16="http://schemas.microsoft.com/office/drawing/2014/main" id="{54263664-1DF1-772C-4528-73246E37C87E}"/>
+              </a:ext>
+            </a:extLst>
+          </p:cNvPr>
+          <p:cNvSpPr txBox="1"/>
+          <p:nvPr/>
+        </p:nvSpPr>
+        <p:spPr>
+          <a:xfrm>
+            <a:off x="575733" y="1241778"/>
+            <a:ext cx="1645002" cy="307777"/>
+          </a:xfrm>
+          <a:prstGeom prst="rect">
+            <a:avLst/>
+          </a:prstGeom>
+          <a:noFill/>
+        </p:spPr>
+        <p:txBody>
+          <a:bodyPr wrap="none" rtlCol="0">
+            <a:spAutoFit/>
+          </a:bodyPr>
+          <a:lstStyle/>
+          <a:p>
+            <a:r>
+              <a:rPr lang="en-IN" dirty="0"/>
+              <a:t>{{</a:t>
+            </a:r>
+            <a:r>
+              <a:rPr lang="en-IN" dirty="0" err="1"/>
+              <a:t>summary_table</a:t>
+            </a:r>
+            <a:r>
+              <a:rPr lang="en-IN" dirty="0"/>
+              <a:t>}}</a:t>
+            </a:r>
+          </a:p>
+        </p:txBody>
+      </p:sp>
+    </p:spTree>
+  </p:cSld>
+  <p:clrMapOvr>
+    <a:masterClrMapping/>
+  </p:clrMapOvr>
+</p:sld>
+</file>
+
+<file path=ppt/slides/slide12.xml><?xml version="1.0" encoding="utf-8"?>
+<p:sld xmlns:a="http://schemas.openxmlformats.org/drawingml/2006/main" xmlns:r="http://schemas.openxmlformats.org/officeDocument/2006/relationships" xmlns:p="http://schemas.openxmlformats.org/presentationml/2006/main">
+  <p:cSld>
+    <p:spTree>
+      <p:nvGrpSpPr>
         <p:cNvPr id="1" name="Shape 116"/>
         <p:cNvGrpSpPr/>
         <p:nvPr/>
@@ -6798,7 +8468,7 @@
 </p:sld>
 </file>
 
-<file path=ppt/slides/slide11.xml><?xml version="1.0" encoding="utf-8"?>
+<file path=ppt/slides/slide13.xml><?xml version="1.0" encoding="utf-8"?>
 <p:sld xmlns:a="http://schemas.openxmlformats.org/drawingml/2006/main" xmlns:r="http://schemas.openxmlformats.org/officeDocument/2006/relationships" xmlns:p="http://schemas.openxmlformats.org/presentationml/2006/main">
   <p:cSld>
     <p:spTree>
@@ -7500,6 +9170,2999 @@
   <p:cSld>
     <p:spTree>
       <p:nvGrpSpPr>
+        <p:cNvPr id="1" name="Shape 69"/>
+        <p:cNvGrpSpPr/>
+        <p:nvPr/>
+      </p:nvGrpSpPr>
+      <p:grpSpPr>
+        <a:xfrm>
+          <a:off x="0" y="0"/>
+          <a:ext cx="0" cy="0"/>
+          <a:chOff x="0" y="0"/>
+          <a:chExt cx="0" cy="0"/>
+        </a:xfrm>
+      </p:grpSpPr>
+      <p:sp>
+        <p:nvSpPr>
+          <p:cNvPr id="70" name="Google Shape;70;p14"/>
+          <p:cNvSpPr txBox="1">
+            <a:spLocks noGrp="1"/>
+          </p:cNvSpPr>
+          <p:nvPr>
+            <p:ph type="title"/>
+          </p:nvPr>
+        </p:nvSpPr>
+        <p:spPr>
+          <a:xfrm>
+            <a:off x="0" y="0"/>
+            <a:ext cx="9144000" cy="543600"/>
+          </a:xfrm>
+          <a:prstGeom prst="rect">
+            <a:avLst/>
+          </a:prstGeom>
+        </p:spPr>
+        <p:txBody>
+          <a:bodyPr spcFirstLastPara="1" wrap="square" lIns="91425" tIns="91425" rIns="91425" bIns="91425" anchor="ctr" anchorCtr="0">
+            <a:normAutofit/>
+          </a:bodyPr>
+          <a:lstStyle/>
+          <a:p>
+            <a:pPr marL="0" lvl="0" indent="0" algn="ctr" rtl="0">
+              <a:spcBef>
+                <a:spcPts val="0"/>
+              </a:spcBef>
+              <a:spcAft>
+                <a:spcPts val="0"/>
+              </a:spcAft>
+              <a:buNone/>
+            </a:pPr>
+            <a:r>
+              <a:rPr lang="en-GB" dirty="0"/>
+              <a:t>Leader in compliant recycling with multi-metal growth optionality</a:t>
+            </a:r>
+            <a:endParaRPr dirty="0"/>
+          </a:p>
+        </p:txBody>
+      </p:sp>
+      <p:sp>
+        <p:nvSpPr>
+          <p:cNvPr id="71" name="Google Shape;71;p14"/>
+          <p:cNvSpPr txBox="1">
+            <a:spLocks noGrp="1"/>
+          </p:cNvSpPr>
+          <p:nvPr>
+            <p:ph type="title" idx="2"/>
+          </p:nvPr>
+        </p:nvSpPr>
+        <p:spPr>
+          <a:xfrm>
+            <a:off x="55450" y="604650"/>
+            <a:ext cx="4454100" cy="4179000"/>
+          </a:xfrm>
+          <a:prstGeom prst="rect">
+            <a:avLst/>
+          </a:prstGeom>
+        </p:spPr>
+        <p:txBody>
+          <a:bodyPr spcFirstLastPara="1" wrap="square" lIns="91425" tIns="91425" rIns="91425" bIns="91425" anchor="ctr" anchorCtr="0">
+            <a:noAutofit/>
+          </a:bodyPr>
+          <a:lstStyle/>
+          <a:p>
+            <a:pPr marL="0" lvl="0" indent="0" algn="just" rtl="0">
+              <a:spcBef>
+                <a:spcPts val="0"/>
+              </a:spcBef>
+              <a:spcAft>
+                <a:spcPts val="0"/>
+              </a:spcAft>
+              <a:buNone/>
+            </a:pPr>
+            <a:r>
+              <a:rPr lang="en-GB" sz="1000" b="1" dirty="0"/>
+              <a:t>- Market Positioning</a:t>
+            </a:r>
+            <a:r>
+              <a:rPr lang="en-GB" sz="1000" dirty="0"/>
+              <a:t>: {{</a:t>
+            </a:r>
+            <a:r>
+              <a:rPr lang="en-GB" sz="1000" dirty="0" err="1"/>
+              <a:t>market_positioning</a:t>
+            </a:r>
+            <a:r>
+              <a:rPr lang="en-GB" sz="1000" dirty="0"/>
+              <a:t>}}</a:t>
+            </a:r>
+            <a:endParaRPr sz="1000" dirty="0"/>
+          </a:p>
+          <a:p>
+            <a:pPr marL="0" lvl="0" indent="0" algn="just" rtl="0">
+              <a:spcBef>
+                <a:spcPts val="0"/>
+              </a:spcBef>
+              <a:spcAft>
+                <a:spcPts val="0"/>
+              </a:spcAft>
+              <a:buClr>
+                <a:schemeClr val="dk1"/>
+              </a:buClr>
+              <a:buSzPts val="1100"/>
+              <a:buFont typeface="Arial"/>
+              <a:buNone/>
+            </a:pPr>
+            <a:r>
+              <a:rPr lang="en-GB" sz="1000" b="1" dirty="0"/>
+              <a:t>- Financial Performance:</a:t>
+            </a:r>
+            <a:r>
+              <a:rPr lang="en-GB" sz="1000" dirty="0"/>
+              <a:t>.{{</a:t>
+            </a:r>
+            <a:r>
+              <a:rPr lang="en-GB" sz="1000" dirty="0" err="1"/>
+              <a:t>financial_performance</a:t>
+            </a:r>
+            <a:r>
+              <a:rPr lang="en-GB" sz="1000" dirty="0"/>
+              <a:t>}}</a:t>
+            </a:r>
+            <a:endParaRPr sz="1000" dirty="0"/>
+          </a:p>
+          <a:p>
+            <a:pPr marL="0" lvl="0" indent="0" algn="just" rtl="0">
+              <a:spcBef>
+                <a:spcPts val="0"/>
+              </a:spcBef>
+              <a:spcAft>
+                <a:spcPts val="0"/>
+              </a:spcAft>
+              <a:buClr>
+                <a:schemeClr val="dk1"/>
+              </a:buClr>
+              <a:buSzPts val="1100"/>
+              <a:buFont typeface="Arial"/>
+              <a:buNone/>
+            </a:pPr>
+            <a:r>
+              <a:rPr lang="en-GB" sz="1000" b="1" dirty="0"/>
+              <a:t>- Growth &amp; Outlook: {</a:t>
+            </a:r>
+            <a:r>
+              <a:rPr lang="en-GB" sz="1000" dirty="0"/>
+              <a:t>{</a:t>
+            </a:r>
+            <a:r>
+              <a:rPr lang="en-GB" sz="1000" dirty="0" err="1"/>
+              <a:t>grow_outlook</a:t>
+            </a:r>
+            <a:r>
+              <a:rPr lang="en-GB" sz="1000" dirty="0"/>
+              <a:t>}}</a:t>
+            </a:r>
+            <a:endParaRPr sz="1000" b="1" dirty="0"/>
+          </a:p>
+          <a:p>
+            <a:pPr marL="0" lvl="0" indent="0" algn="just" rtl="0">
+              <a:spcBef>
+                <a:spcPts val="0"/>
+              </a:spcBef>
+              <a:spcAft>
+                <a:spcPts val="0"/>
+              </a:spcAft>
+              <a:buClr>
+                <a:schemeClr val="dk1"/>
+              </a:buClr>
+              <a:buSzPts val="1100"/>
+              <a:buFont typeface="Arial"/>
+              <a:buNone/>
+            </a:pPr>
+            <a:r>
+              <a:rPr lang="en-GB" sz="1000" b="1" dirty="0"/>
+              <a:t>- Valuation &amp; Recommendation:</a:t>
+            </a:r>
+            <a:r>
+              <a:rPr lang="en-GB" sz="1000" dirty="0"/>
+              <a:t> </a:t>
+            </a:r>
+            <a:r>
+              <a:rPr lang="en-US" sz="1000" dirty="0"/>
+              <a:t>{{</a:t>
+            </a:r>
+            <a:r>
+              <a:rPr lang="en-US" sz="1000" dirty="0" err="1"/>
+              <a:t>valuation_recommendation</a:t>
+            </a:r>
+            <a:r>
+              <a:rPr lang="en-US" sz="1000" dirty="0"/>
+              <a:t>}}</a:t>
+            </a:r>
+            <a:endParaRPr lang="en-US" sz="1000" b="1" dirty="0"/>
+          </a:p>
+          <a:p>
+            <a:pPr marL="0" lvl="0" indent="0" algn="just" rtl="0">
+              <a:spcBef>
+                <a:spcPts val="0"/>
+              </a:spcBef>
+              <a:spcAft>
+                <a:spcPts val="0"/>
+              </a:spcAft>
+              <a:buNone/>
+            </a:pPr>
+            <a:r>
+              <a:rPr lang="en-US" sz="1000" b="1" dirty="0"/>
+              <a:t>- Key Risks: </a:t>
+            </a:r>
+            <a:r>
+              <a:rPr lang="en-US" sz="1000" dirty="0"/>
+              <a:t>{{</a:t>
+            </a:r>
+            <a:r>
+              <a:rPr lang="en-US" sz="1000" dirty="0" err="1"/>
+              <a:t>key_risks</a:t>
+            </a:r>
+            <a:r>
+              <a:rPr lang="en-US" sz="1000" dirty="0"/>
+              <a:t>}}</a:t>
+            </a:r>
+          </a:p>
+        </p:txBody>
+      </p:sp>
+      <p:graphicFrame>
+        <p:nvGraphicFramePr>
+          <p:cNvPr id="72" name="Google Shape;72;p14"/>
+          <p:cNvGraphicFramePr/>
+          <p:nvPr/>
+        </p:nvGraphicFramePr>
+        <p:xfrm>
+          <a:off x="4661550" y="1975175"/>
+          <a:ext cx="2300450" cy="2795525"/>
+        </p:xfrm>
+        <a:graphic>
+          <a:graphicData uri="http://schemas.openxmlformats.org/drawingml/2006/table">
+            <a:tbl>
+              <a:tblPr>
+                <a:noFill/>
+              </a:tblPr>
+              <a:tblGrid>
+                <a:gridCol w="1150225">
+                  <a:extLst>
+                    <a:ext uri="{9D8B030D-6E8A-4147-A177-3AD203B41FA5}">
+                      <a16:colId xmlns:a16="http://schemas.microsoft.com/office/drawing/2014/main" val="20000"/>
+                    </a:ext>
+                  </a:extLst>
+                </a:gridCol>
+                <a:gridCol w="1150225">
+                  <a:extLst>
+                    <a:ext uri="{9D8B030D-6E8A-4147-A177-3AD203B41FA5}">
+                      <a16:colId xmlns:a16="http://schemas.microsoft.com/office/drawing/2014/main" val="20001"/>
+                    </a:ext>
+                  </a:extLst>
+                </a:gridCol>
+              </a:tblGrid>
+              <a:tr h="572275">
+                <a:tc>
+                  <a:txBody>
+                    <a:bodyPr/>
+                    <a:lstStyle/>
+                    <a:p>
+                      <a:pPr marL="0" lvl="0" indent="0" algn="l" rtl="0">
+                        <a:spcBef>
+                          <a:spcPts val="0"/>
+                        </a:spcBef>
+                        <a:spcAft>
+                          <a:spcPts val="0"/>
+                        </a:spcAft>
+                        <a:buNone/>
+                      </a:pPr>
+                      <a:endParaRPr/>
+                    </a:p>
+                  </a:txBody>
+                  <a:tcPr marL="91425" marR="91425" marT="91425" marB="91425"/>
+                </a:tc>
+                <a:tc>
+                  <a:txBody>
+                    <a:bodyPr/>
+                    <a:lstStyle/>
+                    <a:p>
+                      <a:pPr marL="0" lvl="0" indent="0" algn="l" rtl="0">
+                        <a:spcBef>
+                          <a:spcPts val="0"/>
+                        </a:spcBef>
+                        <a:spcAft>
+                          <a:spcPts val="0"/>
+                        </a:spcAft>
+                        <a:buNone/>
+                      </a:pPr>
+                      <a:endParaRPr/>
+                    </a:p>
+                  </a:txBody>
+                  <a:tcPr marL="91425" marR="91425" marT="91425" marB="91425"/>
+                </a:tc>
+                <a:extLst>
+                  <a:ext uri="{0D108BD9-81ED-4DB2-BD59-A6C34878D82A}">
+                    <a16:rowId xmlns:a16="http://schemas.microsoft.com/office/drawing/2014/main" val="10000"/>
+                  </a:ext>
+                </a:extLst>
+              </a:tr>
+              <a:tr h="550325">
+                <a:tc>
+                  <a:txBody>
+                    <a:bodyPr/>
+                    <a:lstStyle/>
+                    <a:p>
+                      <a:pPr marL="0" lvl="0" indent="0" algn="l" rtl="0">
+                        <a:spcBef>
+                          <a:spcPts val="0"/>
+                        </a:spcBef>
+                        <a:spcAft>
+                          <a:spcPts val="0"/>
+                        </a:spcAft>
+                        <a:buNone/>
+                      </a:pPr>
+                      <a:endParaRPr/>
+                    </a:p>
+                  </a:txBody>
+                  <a:tcPr marL="91425" marR="91425" marT="91425" marB="91425"/>
+                </a:tc>
+                <a:tc>
+                  <a:txBody>
+                    <a:bodyPr/>
+                    <a:lstStyle/>
+                    <a:p>
+                      <a:pPr marL="0" lvl="0" indent="0" algn="l" rtl="0">
+                        <a:spcBef>
+                          <a:spcPts val="0"/>
+                        </a:spcBef>
+                        <a:spcAft>
+                          <a:spcPts val="0"/>
+                        </a:spcAft>
+                        <a:buNone/>
+                      </a:pPr>
+                      <a:endParaRPr/>
+                    </a:p>
+                  </a:txBody>
+                  <a:tcPr marL="91425" marR="91425" marT="91425" marB="91425"/>
+                </a:tc>
+                <a:extLst>
+                  <a:ext uri="{0D108BD9-81ED-4DB2-BD59-A6C34878D82A}">
+                    <a16:rowId xmlns:a16="http://schemas.microsoft.com/office/drawing/2014/main" val="10001"/>
+                  </a:ext>
+                </a:extLst>
+              </a:tr>
+              <a:tr h="572275">
+                <a:tc>
+                  <a:txBody>
+                    <a:bodyPr/>
+                    <a:lstStyle/>
+                    <a:p>
+                      <a:pPr marL="0" lvl="0" indent="0" algn="l" rtl="0">
+                        <a:spcBef>
+                          <a:spcPts val="0"/>
+                        </a:spcBef>
+                        <a:spcAft>
+                          <a:spcPts val="0"/>
+                        </a:spcAft>
+                        <a:buNone/>
+                      </a:pPr>
+                      <a:endParaRPr/>
+                    </a:p>
+                  </a:txBody>
+                  <a:tcPr marL="91425" marR="91425" marT="91425" marB="91425"/>
+                </a:tc>
+                <a:tc>
+                  <a:txBody>
+                    <a:bodyPr/>
+                    <a:lstStyle/>
+                    <a:p>
+                      <a:pPr marL="0" lvl="0" indent="0" algn="l" rtl="0">
+                        <a:spcBef>
+                          <a:spcPts val="0"/>
+                        </a:spcBef>
+                        <a:spcAft>
+                          <a:spcPts val="0"/>
+                        </a:spcAft>
+                        <a:buNone/>
+                      </a:pPr>
+                      <a:endParaRPr/>
+                    </a:p>
+                  </a:txBody>
+                  <a:tcPr marL="91425" marR="91425" marT="91425" marB="91425"/>
+                </a:tc>
+                <a:extLst>
+                  <a:ext uri="{0D108BD9-81ED-4DB2-BD59-A6C34878D82A}">
+                    <a16:rowId xmlns:a16="http://schemas.microsoft.com/office/drawing/2014/main" val="10002"/>
+                  </a:ext>
+                </a:extLst>
+              </a:tr>
+              <a:tr h="550325">
+                <a:tc>
+                  <a:txBody>
+                    <a:bodyPr/>
+                    <a:lstStyle/>
+                    <a:p>
+                      <a:pPr marL="0" lvl="0" indent="0" algn="l" rtl="0">
+                        <a:spcBef>
+                          <a:spcPts val="0"/>
+                        </a:spcBef>
+                        <a:spcAft>
+                          <a:spcPts val="0"/>
+                        </a:spcAft>
+                        <a:buNone/>
+                      </a:pPr>
+                      <a:endParaRPr/>
+                    </a:p>
+                  </a:txBody>
+                  <a:tcPr marL="91425" marR="91425" marT="91425" marB="91425"/>
+                </a:tc>
+                <a:tc>
+                  <a:txBody>
+                    <a:bodyPr/>
+                    <a:lstStyle/>
+                    <a:p>
+                      <a:pPr marL="0" lvl="0" indent="0" algn="l" rtl="0">
+                        <a:spcBef>
+                          <a:spcPts val="0"/>
+                        </a:spcBef>
+                        <a:spcAft>
+                          <a:spcPts val="0"/>
+                        </a:spcAft>
+                        <a:buNone/>
+                      </a:pPr>
+                      <a:endParaRPr/>
+                    </a:p>
+                  </a:txBody>
+                  <a:tcPr marL="91425" marR="91425" marT="91425" marB="91425"/>
+                </a:tc>
+                <a:extLst>
+                  <a:ext uri="{0D108BD9-81ED-4DB2-BD59-A6C34878D82A}">
+                    <a16:rowId xmlns:a16="http://schemas.microsoft.com/office/drawing/2014/main" val="10003"/>
+                  </a:ext>
+                </a:extLst>
+              </a:tr>
+              <a:tr h="550325">
+                <a:tc>
+                  <a:txBody>
+                    <a:bodyPr/>
+                    <a:lstStyle/>
+                    <a:p>
+                      <a:pPr marL="0" lvl="0" indent="0" algn="l" rtl="0">
+                        <a:spcBef>
+                          <a:spcPts val="0"/>
+                        </a:spcBef>
+                        <a:spcAft>
+                          <a:spcPts val="0"/>
+                        </a:spcAft>
+                        <a:buNone/>
+                      </a:pPr>
+                      <a:endParaRPr/>
+                    </a:p>
+                  </a:txBody>
+                  <a:tcPr marL="91425" marR="91425" marT="91425" marB="91425"/>
+                </a:tc>
+                <a:tc>
+                  <a:txBody>
+                    <a:bodyPr/>
+                    <a:lstStyle/>
+                    <a:p>
+                      <a:pPr marL="0" lvl="0" indent="0" algn="l" rtl="0">
+                        <a:spcBef>
+                          <a:spcPts val="0"/>
+                        </a:spcBef>
+                        <a:spcAft>
+                          <a:spcPts val="0"/>
+                        </a:spcAft>
+                        <a:buNone/>
+                      </a:pPr>
+                      <a:endParaRPr/>
+                    </a:p>
+                  </a:txBody>
+                  <a:tcPr marL="91425" marR="91425" marT="91425" marB="91425"/>
+                </a:tc>
+                <a:extLst>
+                  <a:ext uri="{0D108BD9-81ED-4DB2-BD59-A6C34878D82A}">
+                    <a16:rowId xmlns:a16="http://schemas.microsoft.com/office/drawing/2014/main" val="10004"/>
+                  </a:ext>
+                </a:extLst>
+              </a:tr>
+            </a:tbl>
+          </a:graphicData>
+        </a:graphic>
+      </p:graphicFrame>
+      <p:sp>
+        <p:nvSpPr>
+          <p:cNvPr id="73" name="Google Shape;73;p14"/>
+          <p:cNvSpPr txBox="1"/>
+          <p:nvPr/>
+        </p:nvSpPr>
+        <p:spPr>
+          <a:xfrm>
+            <a:off x="4653425" y="604650"/>
+            <a:ext cx="4378500" cy="1324200"/>
+          </a:xfrm>
+          <a:prstGeom prst="rect">
+            <a:avLst/>
+          </a:prstGeom>
+          <a:solidFill>
+            <a:srgbClr val="FFE5B4"/>
+          </a:solidFill>
+          <a:ln>
+            <a:noFill/>
+          </a:ln>
+        </p:spPr>
+        <p:txBody>
+          <a:bodyPr spcFirstLastPara="1" wrap="square" lIns="91425" tIns="91425" rIns="91425" bIns="91425" anchor="t" anchorCtr="0">
+            <a:noAutofit/>
+          </a:bodyPr>
+          <a:lstStyle/>
+          <a:p>
+            <a:pPr marL="0" lvl="0" indent="0" algn="l" rtl="0">
+              <a:spcBef>
+                <a:spcPts val="0"/>
+              </a:spcBef>
+              <a:spcAft>
+                <a:spcPts val="0"/>
+              </a:spcAft>
+              <a:buNone/>
+            </a:pPr>
+            <a:endParaRPr sz="1100">
+              <a:solidFill>
+                <a:schemeClr val="dk2"/>
+              </a:solidFill>
+              <a:latin typeface="Calibri"/>
+              <a:ea typeface="Calibri"/>
+              <a:cs typeface="Calibri"/>
+              <a:sym typeface="Calibri"/>
+            </a:endParaRPr>
+          </a:p>
+        </p:txBody>
+      </p:sp>
+    </p:spTree>
+  </p:cSld>
+  <p:clrMapOvr>
+    <a:masterClrMapping/>
+  </p:clrMapOvr>
+</p:sld>
+</file>
+
+<file path=ppt/slides/slide3.xml><?xml version="1.0" encoding="utf-8"?>
+<p:sld xmlns:a="http://schemas.openxmlformats.org/drawingml/2006/main" xmlns:r="http://schemas.openxmlformats.org/officeDocument/2006/relationships" xmlns:p="http://schemas.openxmlformats.org/presentationml/2006/main">
+  <p:cSld>
+    <p:spTree>
+      <p:nvGrpSpPr>
+        <p:cNvPr id="1" name="Shape 77"/>
+        <p:cNvGrpSpPr/>
+        <p:nvPr/>
+      </p:nvGrpSpPr>
+      <p:grpSpPr>
+        <a:xfrm>
+          <a:off x="0" y="0"/>
+          <a:ext cx="0" cy="0"/>
+          <a:chOff x="0" y="0"/>
+          <a:chExt cx="0" cy="0"/>
+        </a:xfrm>
+      </p:grpSpPr>
+      <p:sp>
+        <p:nvSpPr>
+          <p:cNvPr id="78" name="Google Shape;78;p15"/>
+          <p:cNvSpPr txBox="1">
+            <a:spLocks noGrp="1"/>
+          </p:cNvSpPr>
+          <p:nvPr>
+            <p:ph type="title"/>
+          </p:nvPr>
+        </p:nvSpPr>
+        <p:spPr>
+          <a:xfrm>
+            <a:off x="0" y="0"/>
+            <a:ext cx="9144000" cy="543600"/>
+          </a:xfrm>
+          <a:prstGeom prst="rect">
+            <a:avLst/>
+          </a:prstGeom>
+        </p:spPr>
+        <p:txBody>
+          <a:bodyPr spcFirstLastPara="1" wrap="square" lIns="91425" tIns="91425" rIns="91425" bIns="91425" anchor="ctr" anchorCtr="0">
+            <a:normAutofit/>
+          </a:bodyPr>
+          <a:lstStyle/>
+          <a:p>
+            <a:pPr marL="0" lvl="0" indent="0" algn="ctr" rtl="0">
+              <a:spcBef>
+                <a:spcPts val="0"/>
+              </a:spcBef>
+              <a:spcAft>
+                <a:spcPts val="0"/>
+              </a:spcAft>
+              <a:buNone/>
+            </a:pPr>
+            <a:r>
+              <a:rPr lang="en-US" dirty="0"/>
+              <a:t>Leader in compliant recycling with multi-metal growth optionality</a:t>
+            </a:r>
+          </a:p>
+        </p:txBody>
+      </p:sp>
+      <p:graphicFrame>
+        <p:nvGraphicFramePr>
+          <p:cNvPr id="79" name="Google Shape;79;p15"/>
+          <p:cNvGraphicFramePr/>
+          <p:nvPr/>
+        </p:nvGraphicFramePr>
+        <p:xfrm>
+          <a:off x="4659225" y="1950725"/>
+          <a:ext cx="4419375" cy="2742900"/>
+        </p:xfrm>
+        <a:graphic>
+          <a:graphicData uri="http://schemas.openxmlformats.org/drawingml/2006/table">
+            <a:tbl>
+              <a:tblPr>
+                <a:noFill/>
+              </a:tblPr>
+              <a:tblGrid>
+                <a:gridCol w="1776500">
+                  <a:extLst>
+                    <a:ext uri="{9D8B030D-6E8A-4147-A177-3AD203B41FA5}">
+                      <a16:colId xmlns:a16="http://schemas.microsoft.com/office/drawing/2014/main" val="20000"/>
+                    </a:ext>
+                  </a:extLst>
+                </a:gridCol>
+                <a:gridCol w="528575">
+                  <a:extLst>
+                    <a:ext uri="{9D8B030D-6E8A-4147-A177-3AD203B41FA5}">
+                      <a16:colId xmlns:a16="http://schemas.microsoft.com/office/drawing/2014/main" val="20001"/>
+                    </a:ext>
+                  </a:extLst>
+                </a:gridCol>
+                <a:gridCol w="528575">
+                  <a:extLst>
+                    <a:ext uri="{9D8B030D-6E8A-4147-A177-3AD203B41FA5}">
+                      <a16:colId xmlns:a16="http://schemas.microsoft.com/office/drawing/2014/main" val="20002"/>
+                    </a:ext>
+                  </a:extLst>
+                </a:gridCol>
+                <a:gridCol w="528575">
+                  <a:extLst>
+                    <a:ext uri="{9D8B030D-6E8A-4147-A177-3AD203B41FA5}">
+                      <a16:colId xmlns:a16="http://schemas.microsoft.com/office/drawing/2014/main" val="20003"/>
+                    </a:ext>
+                  </a:extLst>
+                </a:gridCol>
+                <a:gridCol w="528575">
+                  <a:extLst>
+                    <a:ext uri="{9D8B030D-6E8A-4147-A177-3AD203B41FA5}">
+                      <a16:colId xmlns:a16="http://schemas.microsoft.com/office/drawing/2014/main" val="20004"/>
+                    </a:ext>
+                  </a:extLst>
+                </a:gridCol>
+                <a:gridCol w="528575">
+                  <a:extLst>
+                    <a:ext uri="{9D8B030D-6E8A-4147-A177-3AD203B41FA5}">
+                      <a16:colId xmlns:a16="http://schemas.microsoft.com/office/drawing/2014/main" val="20005"/>
+                    </a:ext>
+                  </a:extLst>
+                </a:gridCol>
+              </a:tblGrid>
+              <a:tr h="217150">
+                <a:tc>
+                  <a:txBody>
+                    <a:bodyPr/>
+                    <a:lstStyle/>
+                    <a:p>
+                      <a:pPr marL="0" lvl="0" indent="0" algn="l" rtl="0">
+                        <a:spcBef>
+                          <a:spcPts val="0"/>
+                        </a:spcBef>
+                        <a:spcAft>
+                          <a:spcPts val="0"/>
+                        </a:spcAft>
+                        <a:buNone/>
+                      </a:pPr>
+                      <a:r>
+                        <a:rPr lang="en-GB" sz="600" b="1">
+                          <a:solidFill>
+                            <a:schemeClr val="lt1"/>
+                          </a:solidFill>
+                          <a:latin typeface="Calibri"/>
+                          <a:ea typeface="Calibri"/>
+                          <a:cs typeface="Calibri"/>
+                          <a:sym typeface="Calibri"/>
+                        </a:rPr>
+                        <a:t>Particulars</a:t>
+                      </a:r>
+                      <a:endParaRPr sz="600" b="1">
+                        <a:solidFill>
+                          <a:schemeClr val="lt1"/>
+                        </a:solidFill>
+                        <a:latin typeface="Calibri"/>
+                        <a:ea typeface="Calibri"/>
+                        <a:cs typeface="Calibri"/>
+                        <a:sym typeface="Calibri"/>
+                      </a:endParaRPr>
+                    </a:p>
+                  </a:txBody>
+                  <a:tcPr marL="91425" marR="91425" marT="91425" marB="91425">
+                    <a:solidFill>
+                      <a:srgbClr val="1F4690"/>
+                    </a:solidFill>
+                  </a:tcPr>
+                </a:tc>
+                <a:tc>
+                  <a:txBody>
+                    <a:bodyPr/>
+                    <a:lstStyle/>
+                    <a:p>
+                      <a:pPr marL="0" lvl="0" indent="0" algn="r" rtl="0">
+                        <a:spcBef>
+                          <a:spcPts val="0"/>
+                        </a:spcBef>
+                        <a:spcAft>
+                          <a:spcPts val="0"/>
+                        </a:spcAft>
+                        <a:buNone/>
+                      </a:pPr>
+                      <a:r>
+                        <a:rPr lang="en-GB" sz="600" b="1">
+                          <a:solidFill>
+                            <a:schemeClr val="lt1"/>
+                          </a:solidFill>
+                          <a:latin typeface="Calibri"/>
+                          <a:ea typeface="Calibri"/>
+                          <a:cs typeface="Calibri"/>
+                          <a:sym typeface="Calibri"/>
+                        </a:rPr>
+                        <a:t>FY24A</a:t>
+                      </a:r>
+                      <a:endParaRPr sz="600" b="1">
+                        <a:solidFill>
+                          <a:schemeClr val="lt1"/>
+                        </a:solidFill>
+                        <a:latin typeface="Calibri"/>
+                        <a:ea typeface="Calibri"/>
+                        <a:cs typeface="Calibri"/>
+                        <a:sym typeface="Calibri"/>
+                      </a:endParaRPr>
+                    </a:p>
+                  </a:txBody>
+                  <a:tcPr marL="91425" marR="91425" marT="91425" marB="91425" anchor="ctr">
+                    <a:solidFill>
+                      <a:srgbClr val="1F4690"/>
+                    </a:solidFill>
+                  </a:tcPr>
+                </a:tc>
+                <a:tc>
+                  <a:txBody>
+                    <a:bodyPr/>
+                    <a:lstStyle/>
+                    <a:p>
+                      <a:pPr marL="0" lvl="0" indent="0" algn="r" rtl="0">
+                        <a:spcBef>
+                          <a:spcPts val="0"/>
+                        </a:spcBef>
+                        <a:spcAft>
+                          <a:spcPts val="0"/>
+                        </a:spcAft>
+                        <a:buNone/>
+                      </a:pPr>
+                      <a:r>
+                        <a:rPr lang="en-GB" sz="600" b="1">
+                          <a:solidFill>
+                            <a:schemeClr val="lt1"/>
+                          </a:solidFill>
+                          <a:latin typeface="Calibri"/>
+                          <a:ea typeface="Calibri"/>
+                          <a:cs typeface="Calibri"/>
+                          <a:sym typeface="Calibri"/>
+                        </a:rPr>
+                        <a:t>FY25A</a:t>
+                      </a:r>
+                      <a:endParaRPr sz="600" b="1">
+                        <a:solidFill>
+                          <a:schemeClr val="lt1"/>
+                        </a:solidFill>
+                        <a:latin typeface="Calibri"/>
+                        <a:ea typeface="Calibri"/>
+                        <a:cs typeface="Calibri"/>
+                        <a:sym typeface="Calibri"/>
+                      </a:endParaRPr>
+                    </a:p>
+                  </a:txBody>
+                  <a:tcPr marL="91425" marR="91425" marT="91425" marB="91425" anchor="ctr">
+                    <a:solidFill>
+                      <a:srgbClr val="1F4690"/>
+                    </a:solidFill>
+                  </a:tcPr>
+                </a:tc>
+                <a:tc>
+                  <a:txBody>
+                    <a:bodyPr/>
+                    <a:lstStyle/>
+                    <a:p>
+                      <a:pPr marL="0" lvl="0" indent="0" algn="r" rtl="0">
+                        <a:spcBef>
+                          <a:spcPts val="0"/>
+                        </a:spcBef>
+                        <a:spcAft>
+                          <a:spcPts val="0"/>
+                        </a:spcAft>
+                        <a:buNone/>
+                      </a:pPr>
+                      <a:r>
+                        <a:rPr lang="en-GB" sz="600" b="1">
+                          <a:solidFill>
+                            <a:schemeClr val="lt1"/>
+                          </a:solidFill>
+                          <a:latin typeface="Calibri"/>
+                          <a:ea typeface="Calibri"/>
+                          <a:cs typeface="Calibri"/>
+                          <a:sym typeface="Calibri"/>
+                        </a:rPr>
+                        <a:t>FY26E</a:t>
+                      </a:r>
+                      <a:endParaRPr sz="600" b="1">
+                        <a:solidFill>
+                          <a:schemeClr val="lt1"/>
+                        </a:solidFill>
+                        <a:latin typeface="Calibri"/>
+                        <a:ea typeface="Calibri"/>
+                        <a:cs typeface="Calibri"/>
+                        <a:sym typeface="Calibri"/>
+                      </a:endParaRPr>
+                    </a:p>
+                  </a:txBody>
+                  <a:tcPr marL="91425" marR="91425" marT="91425" marB="91425" anchor="ctr">
+                    <a:solidFill>
+                      <a:srgbClr val="1F4690"/>
+                    </a:solidFill>
+                  </a:tcPr>
+                </a:tc>
+                <a:tc>
+                  <a:txBody>
+                    <a:bodyPr/>
+                    <a:lstStyle/>
+                    <a:p>
+                      <a:pPr marL="0" lvl="0" indent="0" algn="r" rtl="0">
+                        <a:spcBef>
+                          <a:spcPts val="0"/>
+                        </a:spcBef>
+                        <a:spcAft>
+                          <a:spcPts val="0"/>
+                        </a:spcAft>
+                        <a:buNone/>
+                      </a:pPr>
+                      <a:r>
+                        <a:rPr lang="en-GB" sz="600" b="1">
+                          <a:solidFill>
+                            <a:schemeClr val="lt1"/>
+                          </a:solidFill>
+                          <a:latin typeface="Calibri"/>
+                          <a:ea typeface="Calibri"/>
+                          <a:cs typeface="Calibri"/>
+                          <a:sym typeface="Calibri"/>
+                        </a:rPr>
+                        <a:t>FY27E</a:t>
+                      </a:r>
+                      <a:endParaRPr sz="600" b="1">
+                        <a:solidFill>
+                          <a:schemeClr val="lt1"/>
+                        </a:solidFill>
+                        <a:latin typeface="Calibri"/>
+                        <a:ea typeface="Calibri"/>
+                        <a:cs typeface="Calibri"/>
+                        <a:sym typeface="Calibri"/>
+                      </a:endParaRPr>
+                    </a:p>
+                  </a:txBody>
+                  <a:tcPr marL="91425" marR="91425" marT="91425" marB="91425" anchor="ctr">
+                    <a:solidFill>
+                      <a:srgbClr val="1F4690"/>
+                    </a:solidFill>
+                  </a:tcPr>
+                </a:tc>
+                <a:tc>
+                  <a:txBody>
+                    <a:bodyPr/>
+                    <a:lstStyle/>
+                    <a:p>
+                      <a:pPr marL="0" lvl="0" indent="0" algn="r" rtl="0">
+                        <a:spcBef>
+                          <a:spcPts val="0"/>
+                        </a:spcBef>
+                        <a:spcAft>
+                          <a:spcPts val="0"/>
+                        </a:spcAft>
+                        <a:buNone/>
+                      </a:pPr>
+                      <a:r>
+                        <a:rPr lang="en-GB" sz="600" b="1">
+                          <a:solidFill>
+                            <a:schemeClr val="lt1"/>
+                          </a:solidFill>
+                          <a:latin typeface="Calibri"/>
+                          <a:ea typeface="Calibri"/>
+                          <a:cs typeface="Calibri"/>
+                          <a:sym typeface="Calibri"/>
+                        </a:rPr>
+                        <a:t>FY28E</a:t>
+                      </a:r>
+                      <a:endParaRPr sz="600" b="1">
+                        <a:solidFill>
+                          <a:schemeClr val="lt1"/>
+                        </a:solidFill>
+                        <a:latin typeface="Calibri"/>
+                        <a:ea typeface="Calibri"/>
+                        <a:cs typeface="Calibri"/>
+                        <a:sym typeface="Calibri"/>
+                      </a:endParaRPr>
+                    </a:p>
+                  </a:txBody>
+                  <a:tcPr marL="91425" marR="91425" marT="91425" marB="91425" anchor="ctr">
+                    <a:solidFill>
+                      <a:srgbClr val="1F4690"/>
+                    </a:solidFill>
+                  </a:tcPr>
+                </a:tc>
+                <a:extLst>
+                  <a:ext uri="{0D108BD9-81ED-4DB2-BD59-A6C34878D82A}">
+                    <a16:rowId xmlns:a16="http://schemas.microsoft.com/office/drawing/2014/main" val="10000"/>
+                  </a:ext>
+                </a:extLst>
+              </a:tr>
+              <a:tr h="241275">
+                <a:tc>
+                  <a:txBody>
+                    <a:bodyPr/>
+                    <a:lstStyle/>
+                    <a:p>
+                      <a:pPr marL="0" lvl="0" indent="0" algn="l" rtl="0">
+                        <a:spcBef>
+                          <a:spcPts val="0"/>
+                        </a:spcBef>
+                        <a:spcAft>
+                          <a:spcPts val="0"/>
+                        </a:spcAft>
+                        <a:buNone/>
+                      </a:pPr>
+                      <a:r>
+                        <a:rPr lang="en-GB" sz="600" dirty="0">
+                          <a:latin typeface="Calibri"/>
+                          <a:ea typeface="Calibri"/>
+                          <a:cs typeface="Calibri"/>
+                          <a:sym typeface="Calibri"/>
+                        </a:rPr>
+                        <a:t>Sales</a:t>
+                      </a:r>
+                      <a:endParaRPr sz="600" dirty="0">
+                        <a:latin typeface="Calibri"/>
+                        <a:ea typeface="Calibri"/>
+                        <a:cs typeface="Calibri"/>
+                        <a:sym typeface="Calibri"/>
+                      </a:endParaRPr>
+                    </a:p>
+                  </a:txBody>
+                  <a:tcPr marL="91425" marR="91425" marT="91425" marB="91425"/>
+                </a:tc>
+                <a:tc>
+                  <a:txBody>
+                    <a:bodyPr/>
+                    <a:lstStyle/>
+                    <a:p>
+                      <a:pPr marL="0" lvl="0" indent="0" algn="r" rtl="0">
+                        <a:spcBef>
+                          <a:spcPts val="0"/>
+                        </a:spcBef>
+                        <a:spcAft>
+                          <a:spcPts val="0"/>
+                        </a:spcAft>
+                        <a:buNone/>
+                      </a:pPr>
+                      <a:r>
+                        <a:rPr lang="en-GB" sz="600" dirty="0">
+                          <a:latin typeface="Calibri"/>
+                          <a:ea typeface="Calibri"/>
+                          <a:cs typeface="Calibri"/>
+                          <a:sym typeface="Calibri"/>
+                        </a:rPr>
+                        <a:t>3161</a:t>
+                      </a:r>
+                      <a:endParaRPr sz="600" dirty="0">
+                        <a:latin typeface="Calibri"/>
+                        <a:ea typeface="Calibri"/>
+                        <a:cs typeface="Calibri"/>
+                        <a:sym typeface="Calibri"/>
+                      </a:endParaRPr>
+                    </a:p>
+                  </a:txBody>
+                  <a:tcPr marL="91425" marR="91425" marT="91425" marB="91425" anchor="ctr"/>
+                </a:tc>
+                <a:tc>
+                  <a:txBody>
+                    <a:bodyPr/>
+                    <a:lstStyle/>
+                    <a:p>
+                      <a:pPr marL="0" lvl="0" indent="0" algn="r" rtl="0">
+                        <a:spcBef>
+                          <a:spcPts val="0"/>
+                        </a:spcBef>
+                        <a:spcAft>
+                          <a:spcPts val="0"/>
+                        </a:spcAft>
+                        <a:buNone/>
+                      </a:pPr>
+                      <a:r>
+                        <a:rPr lang="en-GB" sz="600">
+                          <a:latin typeface="Calibri"/>
+                          <a:ea typeface="Calibri"/>
+                          <a:cs typeface="Calibri"/>
+                          <a:sym typeface="Calibri"/>
+                        </a:rPr>
+                        <a:t>3869</a:t>
+                      </a:r>
+                      <a:endParaRPr sz="600">
+                        <a:latin typeface="Calibri"/>
+                        <a:ea typeface="Calibri"/>
+                        <a:cs typeface="Calibri"/>
+                        <a:sym typeface="Calibri"/>
+                      </a:endParaRPr>
+                    </a:p>
+                  </a:txBody>
+                  <a:tcPr marL="91425" marR="91425" marT="91425" marB="91425" anchor="ctr"/>
+                </a:tc>
+                <a:tc>
+                  <a:txBody>
+                    <a:bodyPr/>
+                    <a:lstStyle/>
+                    <a:p>
+                      <a:pPr marL="0" lvl="0" indent="0" algn="r" rtl="0">
+                        <a:spcBef>
+                          <a:spcPts val="0"/>
+                        </a:spcBef>
+                        <a:spcAft>
+                          <a:spcPts val="0"/>
+                        </a:spcAft>
+                        <a:buNone/>
+                      </a:pPr>
+                      <a:r>
+                        <a:rPr lang="en-GB" sz="600">
+                          <a:latin typeface="Calibri"/>
+                          <a:ea typeface="Calibri"/>
+                          <a:cs typeface="Calibri"/>
+                          <a:sym typeface="Calibri"/>
+                        </a:rPr>
+                        <a:t>4516</a:t>
+                      </a:r>
+                      <a:endParaRPr sz="600">
+                        <a:latin typeface="Calibri"/>
+                        <a:ea typeface="Calibri"/>
+                        <a:cs typeface="Calibri"/>
+                        <a:sym typeface="Calibri"/>
+                      </a:endParaRPr>
+                    </a:p>
+                  </a:txBody>
+                  <a:tcPr marL="91425" marR="91425" marT="91425" marB="91425" anchor="ctr"/>
+                </a:tc>
+                <a:tc>
+                  <a:txBody>
+                    <a:bodyPr/>
+                    <a:lstStyle/>
+                    <a:p>
+                      <a:pPr marL="0" lvl="0" indent="0" algn="r" rtl="0">
+                        <a:spcBef>
+                          <a:spcPts val="0"/>
+                        </a:spcBef>
+                        <a:spcAft>
+                          <a:spcPts val="0"/>
+                        </a:spcAft>
+                        <a:buNone/>
+                      </a:pPr>
+                      <a:r>
+                        <a:rPr lang="en-GB" sz="600">
+                          <a:latin typeface="Calibri"/>
+                          <a:ea typeface="Calibri"/>
+                          <a:cs typeface="Calibri"/>
+                          <a:sym typeface="Calibri"/>
+                        </a:rPr>
+                        <a:t>5901</a:t>
+                      </a:r>
+                      <a:endParaRPr sz="600">
+                        <a:latin typeface="Calibri"/>
+                        <a:ea typeface="Calibri"/>
+                        <a:cs typeface="Calibri"/>
+                        <a:sym typeface="Calibri"/>
+                      </a:endParaRPr>
+                    </a:p>
+                  </a:txBody>
+                  <a:tcPr marL="91425" marR="91425" marT="91425" marB="91425" anchor="ctr"/>
+                </a:tc>
+                <a:tc>
+                  <a:txBody>
+                    <a:bodyPr/>
+                    <a:lstStyle/>
+                    <a:p>
+                      <a:pPr marL="0" lvl="0" indent="0" algn="r" rtl="0">
+                        <a:spcBef>
+                          <a:spcPts val="0"/>
+                        </a:spcBef>
+                        <a:spcAft>
+                          <a:spcPts val="0"/>
+                        </a:spcAft>
+                        <a:buNone/>
+                      </a:pPr>
+                      <a:r>
+                        <a:rPr lang="en-GB" sz="600">
+                          <a:latin typeface="Calibri"/>
+                          <a:ea typeface="Calibri"/>
+                          <a:cs typeface="Calibri"/>
+                          <a:sym typeface="Calibri"/>
+                        </a:rPr>
+                        <a:t>7184</a:t>
+                      </a:r>
+                      <a:endParaRPr sz="600">
+                        <a:latin typeface="Calibri"/>
+                        <a:ea typeface="Calibri"/>
+                        <a:cs typeface="Calibri"/>
+                        <a:sym typeface="Calibri"/>
+                      </a:endParaRPr>
+                    </a:p>
+                  </a:txBody>
+                  <a:tcPr marL="91425" marR="91425" marT="91425" marB="91425" anchor="ctr"/>
+                </a:tc>
+                <a:extLst>
+                  <a:ext uri="{0D108BD9-81ED-4DB2-BD59-A6C34878D82A}">
+                    <a16:rowId xmlns:a16="http://schemas.microsoft.com/office/drawing/2014/main" val="10001"/>
+                  </a:ext>
+                </a:extLst>
+              </a:tr>
+              <a:tr h="241275">
+                <a:tc>
+                  <a:txBody>
+                    <a:bodyPr/>
+                    <a:lstStyle/>
+                    <a:p>
+                      <a:pPr marL="0" lvl="0" indent="0" algn="l" rtl="0">
+                        <a:spcBef>
+                          <a:spcPts val="0"/>
+                        </a:spcBef>
+                        <a:spcAft>
+                          <a:spcPts val="0"/>
+                        </a:spcAft>
+                        <a:buNone/>
+                      </a:pPr>
+                      <a:r>
+                        <a:rPr lang="en-GB" sz="600" dirty="0">
+                          <a:latin typeface="Calibri"/>
+                          <a:ea typeface="Calibri"/>
+                          <a:cs typeface="Calibri"/>
+                          <a:sym typeface="Calibri"/>
+                        </a:rPr>
+                        <a:t>YoY% growth</a:t>
+                      </a:r>
+                      <a:endParaRPr sz="600" dirty="0">
+                        <a:latin typeface="Calibri"/>
+                        <a:ea typeface="Calibri"/>
+                        <a:cs typeface="Calibri"/>
+                        <a:sym typeface="Calibri"/>
+                      </a:endParaRPr>
+                    </a:p>
+                  </a:txBody>
+                  <a:tcPr marL="91425" marR="91425" marT="91425" marB="91425">
+                    <a:solidFill>
+                      <a:srgbClr val="FFE5B4"/>
+                    </a:solidFill>
+                  </a:tcPr>
+                </a:tc>
+                <a:tc>
+                  <a:txBody>
+                    <a:bodyPr/>
+                    <a:lstStyle/>
+                    <a:p>
+                      <a:pPr marL="0" lvl="0" indent="0" algn="r" rtl="0">
+                        <a:spcBef>
+                          <a:spcPts val="0"/>
+                        </a:spcBef>
+                        <a:spcAft>
+                          <a:spcPts val="0"/>
+                        </a:spcAft>
+                        <a:buNone/>
+                      </a:pPr>
+                      <a:r>
+                        <a:rPr lang="en-GB" sz="600">
+                          <a:latin typeface="Calibri"/>
+                          <a:ea typeface="Calibri"/>
+                          <a:cs typeface="Calibri"/>
+                          <a:sym typeface="Calibri"/>
+                        </a:rPr>
+                        <a:t>12.9</a:t>
+                      </a:r>
+                      <a:endParaRPr sz="600">
+                        <a:latin typeface="Calibri"/>
+                        <a:ea typeface="Calibri"/>
+                        <a:cs typeface="Calibri"/>
+                        <a:sym typeface="Calibri"/>
+                      </a:endParaRPr>
+                    </a:p>
+                  </a:txBody>
+                  <a:tcPr marL="91425" marR="91425" marT="91425" marB="91425" anchor="ctr">
+                    <a:solidFill>
+                      <a:srgbClr val="FFE5B4"/>
+                    </a:solidFill>
+                  </a:tcPr>
+                </a:tc>
+                <a:tc>
+                  <a:txBody>
+                    <a:bodyPr/>
+                    <a:lstStyle/>
+                    <a:p>
+                      <a:pPr marL="0" lvl="0" indent="0" algn="r" rtl="0">
+                        <a:spcBef>
+                          <a:spcPts val="0"/>
+                        </a:spcBef>
+                        <a:spcAft>
+                          <a:spcPts val="0"/>
+                        </a:spcAft>
+                        <a:buNone/>
+                      </a:pPr>
+                      <a:r>
+                        <a:rPr lang="en-GB" sz="600">
+                          <a:latin typeface="Calibri"/>
+                          <a:ea typeface="Calibri"/>
+                          <a:cs typeface="Calibri"/>
+                          <a:sym typeface="Calibri"/>
+                        </a:rPr>
+                        <a:t>22.4</a:t>
+                      </a:r>
+                      <a:endParaRPr sz="600">
+                        <a:latin typeface="Calibri"/>
+                        <a:ea typeface="Calibri"/>
+                        <a:cs typeface="Calibri"/>
+                        <a:sym typeface="Calibri"/>
+                      </a:endParaRPr>
+                    </a:p>
+                  </a:txBody>
+                  <a:tcPr marL="91425" marR="91425" marT="91425" marB="91425" anchor="ctr">
+                    <a:solidFill>
+                      <a:srgbClr val="FFE5B4"/>
+                    </a:solidFill>
+                  </a:tcPr>
+                </a:tc>
+                <a:tc>
+                  <a:txBody>
+                    <a:bodyPr/>
+                    <a:lstStyle/>
+                    <a:p>
+                      <a:pPr marL="0" lvl="0" indent="0" algn="r" rtl="0">
+                        <a:spcBef>
+                          <a:spcPts val="0"/>
+                        </a:spcBef>
+                        <a:spcAft>
+                          <a:spcPts val="0"/>
+                        </a:spcAft>
+                        <a:buNone/>
+                      </a:pPr>
+                      <a:r>
+                        <a:rPr lang="en-GB" sz="600">
+                          <a:latin typeface="Calibri"/>
+                          <a:ea typeface="Calibri"/>
+                          <a:cs typeface="Calibri"/>
+                          <a:sym typeface="Calibri"/>
+                        </a:rPr>
+                        <a:t>16.7</a:t>
+                      </a:r>
+                      <a:endParaRPr sz="600">
+                        <a:latin typeface="Calibri"/>
+                        <a:ea typeface="Calibri"/>
+                        <a:cs typeface="Calibri"/>
+                        <a:sym typeface="Calibri"/>
+                      </a:endParaRPr>
+                    </a:p>
+                  </a:txBody>
+                  <a:tcPr marL="91425" marR="91425" marT="91425" marB="91425" anchor="ctr">
+                    <a:solidFill>
+                      <a:srgbClr val="FFE5B4"/>
+                    </a:solidFill>
+                  </a:tcPr>
+                </a:tc>
+                <a:tc>
+                  <a:txBody>
+                    <a:bodyPr/>
+                    <a:lstStyle/>
+                    <a:p>
+                      <a:pPr marL="0" lvl="0" indent="0" algn="r" rtl="0">
+                        <a:spcBef>
+                          <a:spcPts val="0"/>
+                        </a:spcBef>
+                        <a:spcAft>
+                          <a:spcPts val="0"/>
+                        </a:spcAft>
+                        <a:buNone/>
+                      </a:pPr>
+                      <a:r>
+                        <a:rPr lang="en-GB" sz="600">
+                          <a:latin typeface="Calibri"/>
+                          <a:ea typeface="Calibri"/>
+                          <a:cs typeface="Calibri"/>
+                          <a:sym typeface="Calibri"/>
+                        </a:rPr>
+                        <a:t>30.7</a:t>
+                      </a:r>
+                      <a:endParaRPr sz="600">
+                        <a:latin typeface="Calibri"/>
+                        <a:ea typeface="Calibri"/>
+                        <a:cs typeface="Calibri"/>
+                        <a:sym typeface="Calibri"/>
+                      </a:endParaRPr>
+                    </a:p>
+                  </a:txBody>
+                  <a:tcPr marL="91425" marR="91425" marT="91425" marB="91425" anchor="ctr">
+                    <a:solidFill>
+                      <a:srgbClr val="FFE5B4"/>
+                    </a:solidFill>
+                  </a:tcPr>
+                </a:tc>
+                <a:tc>
+                  <a:txBody>
+                    <a:bodyPr/>
+                    <a:lstStyle/>
+                    <a:p>
+                      <a:pPr marL="0" lvl="0" indent="0" algn="r" rtl="0">
+                        <a:spcBef>
+                          <a:spcPts val="0"/>
+                        </a:spcBef>
+                        <a:spcAft>
+                          <a:spcPts val="0"/>
+                        </a:spcAft>
+                        <a:buNone/>
+                      </a:pPr>
+                      <a:r>
+                        <a:rPr lang="en-GB" sz="600">
+                          <a:latin typeface="Calibri"/>
+                          <a:ea typeface="Calibri"/>
+                          <a:cs typeface="Calibri"/>
+                          <a:sym typeface="Calibri"/>
+                        </a:rPr>
+                        <a:t>21.8</a:t>
+                      </a:r>
+                      <a:endParaRPr sz="600">
+                        <a:latin typeface="Calibri"/>
+                        <a:ea typeface="Calibri"/>
+                        <a:cs typeface="Calibri"/>
+                        <a:sym typeface="Calibri"/>
+                      </a:endParaRPr>
+                    </a:p>
+                  </a:txBody>
+                  <a:tcPr marL="91425" marR="91425" marT="91425" marB="91425" anchor="ctr">
+                    <a:solidFill>
+                      <a:srgbClr val="FFE5B4"/>
+                    </a:solidFill>
+                  </a:tcPr>
+                </a:tc>
+                <a:extLst>
+                  <a:ext uri="{0D108BD9-81ED-4DB2-BD59-A6C34878D82A}">
+                    <a16:rowId xmlns:a16="http://schemas.microsoft.com/office/drawing/2014/main" val="10002"/>
+                  </a:ext>
+                </a:extLst>
+              </a:tr>
+              <a:tr h="241275">
+                <a:tc>
+                  <a:txBody>
+                    <a:bodyPr/>
+                    <a:lstStyle/>
+                    <a:p>
+                      <a:pPr marL="0" lvl="0" indent="0" algn="l" rtl="0">
+                        <a:spcBef>
+                          <a:spcPts val="0"/>
+                        </a:spcBef>
+                        <a:spcAft>
+                          <a:spcPts val="0"/>
+                        </a:spcAft>
+                        <a:buNone/>
+                      </a:pPr>
+                      <a:r>
+                        <a:rPr lang="en-GB" sz="600">
+                          <a:latin typeface="Calibri"/>
+                          <a:ea typeface="Calibri"/>
+                          <a:cs typeface="Calibri"/>
+                          <a:sym typeface="Calibri"/>
+                        </a:rPr>
+                        <a:t>EBITDA</a:t>
+                      </a:r>
+                      <a:endParaRPr sz="600">
+                        <a:latin typeface="Calibri"/>
+                        <a:ea typeface="Calibri"/>
+                        <a:cs typeface="Calibri"/>
+                        <a:sym typeface="Calibri"/>
+                      </a:endParaRPr>
+                    </a:p>
+                  </a:txBody>
+                  <a:tcPr marL="91425" marR="91425" marT="91425" marB="91425"/>
+                </a:tc>
+                <a:tc>
+                  <a:txBody>
+                    <a:bodyPr/>
+                    <a:lstStyle/>
+                    <a:p>
+                      <a:pPr marL="0" lvl="0" indent="0" algn="r" rtl="0">
+                        <a:spcBef>
+                          <a:spcPts val="0"/>
+                        </a:spcBef>
+                        <a:spcAft>
+                          <a:spcPts val="0"/>
+                        </a:spcAft>
+                        <a:buNone/>
+                      </a:pPr>
+                      <a:r>
+                        <a:rPr lang="en-GB" sz="600">
+                          <a:latin typeface="Calibri"/>
+                          <a:ea typeface="Calibri"/>
+                          <a:cs typeface="Calibri"/>
+                          <a:sym typeface="Calibri"/>
+                        </a:rPr>
+                        <a:t>284</a:t>
+                      </a:r>
+                      <a:endParaRPr sz="600">
+                        <a:latin typeface="Calibri"/>
+                        <a:ea typeface="Calibri"/>
+                        <a:cs typeface="Calibri"/>
+                        <a:sym typeface="Calibri"/>
+                      </a:endParaRPr>
+                    </a:p>
+                  </a:txBody>
+                  <a:tcPr marL="91425" marR="91425" marT="91425" marB="91425" anchor="ctr"/>
+                </a:tc>
+                <a:tc>
+                  <a:txBody>
+                    <a:bodyPr/>
+                    <a:lstStyle/>
+                    <a:p>
+                      <a:pPr marL="0" lvl="0" indent="0" algn="r" rtl="0">
+                        <a:spcBef>
+                          <a:spcPts val="0"/>
+                        </a:spcBef>
+                        <a:spcAft>
+                          <a:spcPts val="0"/>
+                        </a:spcAft>
+                        <a:buNone/>
+                      </a:pPr>
+                      <a:r>
+                        <a:rPr lang="en-GB" sz="600">
+                          <a:latin typeface="Calibri"/>
+                          <a:ea typeface="Calibri"/>
+                          <a:cs typeface="Calibri"/>
+                          <a:sym typeface="Calibri"/>
+                        </a:rPr>
+                        <a:t>324</a:t>
+                      </a:r>
+                      <a:endParaRPr sz="600">
+                        <a:latin typeface="Calibri"/>
+                        <a:ea typeface="Calibri"/>
+                        <a:cs typeface="Calibri"/>
+                        <a:sym typeface="Calibri"/>
+                      </a:endParaRPr>
+                    </a:p>
+                  </a:txBody>
+                  <a:tcPr marL="91425" marR="91425" marT="91425" marB="91425" anchor="ctr"/>
+                </a:tc>
+                <a:tc>
+                  <a:txBody>
+                    <a:bodyPr/>
+                    <a:lstStyle/>
+                    <a:p>
+                      <a:pPr marL="0" lvl="0" indent="0" algn="r" rtl="0">
+                        <a:spcBef>
+                          <a:spcPts val="0"/>
+                        </a:spcBef>
+                        <a:spcAft>
+                          <a:spcPts val="0"/>
+                        </a:spcAft>
+                        <a:buNone/>
+                      </a:pPr>
+                      <a:r>
+                        <a:rPr lang="en-GB" sz="600">
+                          <a:latin typeface="Calibri"/>
+                          <a:ea typeface="Calibri"/>
+                          <a:cs typeface="Calibri"/>
+                          <a:sym typeface="Calibri"/>
+                        </a:rPr>
+                        <a:t>474</a:t>
+                      </a:r>
+                      <a:endParaRPr sz="600">
+                        <a:latin typeface="Calibri"/>
+                        <a:ea typeface="Calibri"/>
+                        <a:cs typeface="Calibri"/>
+                        <a:sym typeface="Calibri"/>
+                      </a:endParaRPr>
+                    </a:p>
+                  </a:txBody>
+                  <a:tcPr marL="91425" marR="91425" marT="91425" marB="91425" anchor="ctr"/>
+                </a:tc>
+                <a:tc>
+                  <a:txBody>
+                    <a:bodyPr/>
+                    <a:lstStyle/>
+                    <a:p>
+                      <a:pPr marL="0" lvl="0" indent="0" algn="r" rtl="0">
+                        <a:spcBef>
+                          <a:spcPts val="0"/>
+                        </a:spcBef>
+                        <a:spcAft>
+                          <a:spcPts val="0"/>
+                        </a:spcAft>
+                        <a:buNone/>
+                      </a:pPr>
+                      <a:r>
+                        <a:rPr lang="en-GB" sz="600">
+                          <a:latin typeface="Calibri"/>
+                          <a:ea typeface="Calibri"/>
+                          <a:cs typeface="Calibri"/>
+                          <a:sym typeface="Calibri"/>
+                        </a:rPr>
+                        <a:t>596</a:t>
+                      </a:r>
+                      <a:endParaRPr sz="600">
+                        <a:latin typeface="Calibri"/>
+                        <a:ea typeface="Calibri"/>
+                        <a:cs typeface="Calibri"/>
+                        <a:sym typeface="Calibri"/>
+                      </a:endParaRPr>
+                    </a:p>
+                  </a:txBody>
+                  <a:tcPr marL="91425" marR="91425" marT="91425" marB="91425" anchor="ctr"/>
+                </a:tc>
+                <a:tc>
+                  <a:txBody>
+                    <a:bodyPr/>
+                    <a:lstStyle/>
+                    <a:p>
+                      <a:pPr marL="0" lvl="0" indent="0" algn="r" rtl="0">
+                        <a:spcBef>
+                          <a:spcPts val="0"/>
+                        </a:spcBef>
+                        <a:spcAft>
+                          <a:spcPts val="0"/>
+                        </a:spcAft>
+                        <a:buNone/>
+                      </a:pPr>
+                      <a:r>
+                        <a:rPr lang="en-GB" sz="600">
+                          <a:latin typeface="Calibri"/>
+                          <a:ea typeface="Calibri"/>
+                          <a:cs typeface="Calibri"/>
+                          <a:sym typeface="Calibri"/>
+                        </a:rPr>
+                        <a:t>740</a:t>
+                      </a:r>
+                      <a:endParaRPr sz="600">
+                        <a:latin typeface="Calibri"/>
+                        <a:ea typeface="Calibri"/>
+                        <a:cs typeface="Calibri"/>
+                        <a:sym typeface="Calibri"/>
+                      </a:endParaRPr>
+                    </a:p>
+                  </a:txBody>
+                  <a:tcPr marL="91425" marR="91425" marT="91425" marB="91425" anchor="ctr"/>
+                </a:tc>
+                <a:extLst>
+                  <a:ext uri="{0D108BD9-81ED-4DB2-BD59-A6C34878D82A}">
+                    <a16:rowId xmlns:a16="http://schemas.microsoft.com/office/drawing/2014/main" val="10003"/>
+                  </a:ext>
+                </a:extLst>
+              </a:tr>
+              <a:tr h="241275">
+                <a:tc>
+                  <a:txBody>
+                    <a:bodyPr/>
+                    <a:lstStyle/>
+                    <a:p>
+                      <a:pPr marL="0" lvl="0" indent="0" algn="l" rtl="0">
+                        <a:spcBef>
+                          <a:spcPts val="0"/>
+                        </a:spcBef>
+                        <a:spcAft>
+                          <a:spcPts val="0"/>
+                        </a:spcAft>
+                        <a:buNone/>
+                      </a:pPr>
+                      <a:r>
+                        <a:rPr lang="en-GB" sz="600">
+                          <a:latin typeface="Calibri"/>
+                          <a:ea typeface="Calibri"/>
+                          <a:cs typeface="Calibri"/>
+                          <a:sym typeface="Calibri"/>
+                        </a:rPr>
+                        <a:t>% Margin</a:t>
+                      </a:r>
+                      <a:endParaRPr sz="600">
+                        <a:latin typeface="Calibri"/>
+                        <a:ea typeface="Calibri"/>
+                        <a:cs typeface="Calibri"/>
+                        <a:sym typeface="Calibri"/>
+                      </a:endParaRPr>
+                    </a:p>
+                  </a:txBody>
+                  <a:tcPr marL="91425" marR="91425" marT="91425" marB="91425">
+                    <a:solidFill>
+                      <a:srgbClr val="FFE5B4"/>
+                    </a:solidFill>
+                  </a:tcPr>
+                </a:tc>
+                <a:tc>
+                  <a:txBody>
+                    <a:bodyPr/>
+                    <a:lstStyle/>
+                    <a:p>
+                      <a:pPr marL="0" lvl="0" indent="0" algn="r" rtl="0">
+                        <a:spcBef>
+                          <a:spcPts val="0"/>
+                        </a:spcBef>
+                        <a:spcAft>
+                          <a:spcPts val="0"/>
+                        </a:spcAft>
+                        <a:buNone/>
+                      </a:pPr>
+                      <a:r>
+                        <a:rPr lang="en-GB" sz="600">
+                          <a:latin typeface="Calibri"/>
+                          <a:ea typeface="Calibri"/>
+                          <a:cs typeface="Calibri"/>
+                          <a:sym typeface="Calibri"/>
+                        </a:rPr>
+                        <a:t>9.0</a:t>
+                      </a:r>
+                      <a:endParaRPr sz="600">
+                        <a:latin typeface="Calibri"/>
+                        <a:ea typeface="Calibri"/>
+                        <a:cs typeface="Calibri"/>
+                        <a:sym typeface="Calibri"/>
+                      </a:endParaRPr>
+                    </a:p>
+                  </a:txBody>
+                  <a:tcPr marL="91425" marR="91425" marT="91425" marB="91425" anchor="ctr">
+                    <a:solidFill>
+                      <a:srgbClr val="FFE5B4"/>
+                    </a:solidFill>
+                  </a:tcPr>
+                </a:tc>
+                <a:tc>
+                  <a:txBody>
+                    <a:bodyPr/>
+                    <a:lstStyle/>
+                    <a:p>
+                      <a:pPr marL="0" lvl="0" indent="0" algn="r" rtl="0">
+                        <a:spcBef>
+                          <a:spcPts val="0"/>
+                        </a:spcBef>
+                        <a:spcAft>
+                          <a:spcPts val="0"/>
+                        </a:spcAft>
+                        <a:buNone/>
+                      </a:pPr>
+                      <a:r>
+                        <a:rPr lang="en-GB" sz="600">
+                          <a:latin typeface="Calibri"/>
+                          <a:ea typeface="Calibri"/>
+                          <a:cs typeface="Calibri"/>
+                          <a:sym typeface="Calibri"/>
+                        </a:rPr>
+                        <a:t>8.4</a:t>
+                      </a:r>
+                      <a:endParaRPr sz="600">
+                        <a:latin typeface="Calibri"/>
+                        <a:ea typeface="Calibri"/>
+                        <a:cs typeface="Calibri"/>
+                        <a:sym typeface="Calibri"/>
+                      </a:endParaRPr>
+                    </a:p>
+                  </a:txBody>
+                  <a:tcPr marL="91425" marR="91425" marT="91425" marB="91425" anchor="ctr">
+                    <a:solidFill>
+                      <a:srgbClr val="FFE5B4"/>
+                    </a:solidFill>
+                  </a:tcPr>
+                </a:tc>
+                <a:tc>
+                  <a:txBody>
+                    <a:bodyPr/>
+                    <a:lstStyle/>
+                    <a:p>
+                      <a:pPr marL="0" lvl="0" indent="0" algn="r" rtl="0">
+                        <a:spcBef>
+                          <a:spcPts val="0"/>
+                        </a:spcBef>
+                        <a:spcAft>
+                          <a:spcPts val="0"/>
+                        </a:spcAft>
+                        <a:buNone/>
+                      </a:pPr>
+                      <a:r>
+                        <a:rPr lang="en-GB" sz="600">
+                          <a:latin typeface="Calibri"/>
+                          <a:ea typeface="Calibri"/>
+                          <a:cs typeface="Calibri"/>
+                          <a:sym typeface="Calibri"/>
+                        </a:rPr>
+                        <a:t>10.5</a:t>
+                      </a:r>
+                      <a:endParaRPr sz="600">
+                        <a:latin typeface="Calibri"/>
+                        <a:ea typeface="Calibri"/>
+                        <a:cs typeface="Calibri"/>
+                        <a:sym typeface="Calibri"/>
+                      </a:endParaRPr>
+                    </a:p>
+                  </a:txBody>
+                  <a:tcPr marL="91425" marR="91425" marT="91425" marB="91425" anchor="ctr">
+                    <a:solidFill>
+                      <a:srgbClr val="FFE5B4"/>
+                    </a:solidFill>
+                  </a:tcPr>
+                </a:tc>
+                <a:tc>
+                  <a:txBody>
+                    <a:bodyPr/>
+                    <a:lstStyle/>
+                    <a:p>
+                      <a:pPr marL="0" lvl="0" indent="0" algn="r" rtl="0">
+                        <a:spcBef>
+                          <a:spcPts val="0"/>
+                        </a:spcBef>
+                        <a:spcAft>
+                          <a:spcPts val="0"/>
+                        </a:spcAft>
+                        <a:buNone/>
+                      </a:pPr>
+                      <a:r>
+                        <a:rPr lang="en-GB" sz="600">
+                          <a:latin typeface="Calibri"/>
+                          <a:ea typeface="Calibri"/>
+                          <a:cs typeface="Calibri"/>
+                          <a:sym typeface="Calibri"/>
+                        </a:rPr>
+                        <a:t>10.1</a:t>
+                      </a:r>
+                      <a:endParaRPr sz="600">
+                        <a:latin typeface="Calibri"/>
+                        <a:ea typeface="Calibri"/>
+                        <a:cs typeface="Calibri"/>
+                        <a:sym typeface="Calibri"/>
+                      </a:endParaRPr>
+                    </a:p>
+                  </a:txBody>
+                  <a:tcPr marL="91425" marR="91425" marT="91425" marB="91425" anchor="ctr">
+                    <a:solidFill>
+                      <a:srgbClr val="FFE5B4"/>
+                    </a:solidFill>
+                  </a:tcPr>
+                </a:tc>
+                <a:tc>
+                  <a:txBody>
+                    <a:bodyPr/>
+                    <a:lstStyle/>
+                    <a:p>
+                      <a:pPr marL="0" lvl="0" indent="0" algn="r" rtl="0">
+                        <a:spcBef>
+                          <a:spcPts val="0"/>
+                        </a:spcBef>
+                        <a:spcAft>
+                          <a:spcPts val="0"/>
+                        </a:spcAft>
+                        <a:buNone/>
+                      </a:pPr>
+                      <a:r>
+                        <a:rPr lang="en-GB" sz="600">
+                          <a:latin typeface="Calibri"/>
+                          <a:ea typeface="Calibri"/>
+                          <a:cs typeface="Calibri"/>
+                          <a:sym typeface="Calibri"/>
+                        </a:rPr>
+                        <a:t>10.3</a:t>
+                      </a:r>
+                      <a:endParaRPr sz="600">
+                        <a:latin typeface="Calibri"/>
+                        <a:ea typeface="Calibri"/>
+                        <a:cs typeface="Calibri"/>
+                        <a:sym typeface="Calibri"/>
+                      </a:endParaRPr>
+                    </a:p>
+                  </a:txBody>
+                  <a:tcPr marL="91425" marR="91425" marT="91425" marB="91425" anchor="ctr">
+                    <a:solidFill>
+                      <a:srgbClr val="FFE5B4"/>
+                    </a:solidFill>
+                  </a:tcPr>
+                </a:tc>
+                <a:extLst>
+                  <a:ext uri="{0D108BD9-81ED-4DB2-BD59-A6C34878D82A}">
+                    <a16:rowId xmlns:a16="http://schemas.microsoft.com/office/drawing/2014/main" val="10004"/>
+                  </a:ext>
+                </a:extLst>
+              </a:tr>
+              <a:tr h="241275">
+                <a:tc>
+                  <a:txBody>
+                    <a:bodyPr/>
+                    <a:lstStyle/>
+                    <a:p>
+                      <a:pPr marL="0" lvl="0" indent="0" algn="l" rtl="0">
+                        <a:spcBef>
+                          <a:spcPts val="0"/>
+                        </a:spcBef>
+                        <a:spcAft>
+                          <a:spcPts val="0"/>
+                        </a:spcAft>
+                        <a:buNone/>
+                      </a:pPr>
+                      <a:r>
+                        <a:rPr lang="en-GB" sz="600">
+                          <a:latin typeface="Calibri"/>
+                          <a:ea typeface="Calibri"/>
+                          <a:cs typeface="Calibri"/>
+                          <a:sym typeface="Calibri"/>
+                        </a:rPr>
+                        <a:t>YoY% growth</a:t>
+                      </a:r>
+                      <a:endParaRPr sz="600">
+                        <a:latin typeface="Calibri"/>
+                        <a:ea typeface="Calibri"/>
+                        <a:cs typeface="Calibri"/>
+                        <a:sym typeface="Calibri"/>
+                      </a:endParaRPr>
+                    </a:p>
+                  </a:txBody>
+                  <a:tcPr marL="91425" marR="91425" marT="91425" marB="91425"/>
+                </a:tc>
+                <a:tc>
+                  <a:txBody>
+                    <a:bodyPr/>
+                    <a:lstStyle/>
+                    <a:p>
+                      <a:pPr marL="0" lvl="0" indent="0" algn="r" rtl="0">
+                        <a:spcBef>
+                          <a:spcPts val="0"/>
+                        </a:spcBef>
+                        <a:spcAft>
+                          <a:spcPts val="0"/>
+                        </a:spcAft>
+                        <a:buNone/>
+                      </a:pPr>
+                      <a:r>
+                        <a:rPr lang="en-GB" sz="600">
+                          <a:latin typeface="Calibri"/>
+                          <a:ea typeface="Calibri"/>
+                          <a:cs typeface="Calibri"/>
+                          <a:sym typeface="Calibri"/>
+                        </a:rPr>
+                        <a:t>43.5</a:t>
+                      </a:r>
+                      <a:endParaRPr sz="600">
+                        <a:latin typeface="Calibri"/>
+                        <a:ea typeface="Calibri"/>
+                        <a:cs typeface="Calibri"/>
+                        <a:sym typeface="Calibri"/>
+                      </a:endParaRPr>
+                    </a:p>
+                  </a:txBody>
+                  <a:tcPr marL="91425" marR="91425" marT="91425" marB="91425" anchor="ctr"/>
+                </a:tc>
+                <a:tc>
+                  <a:txBody>
+                    <a:bodyPr/>
+                    <a:lstStyle/>
+                    <a:p>
+                      <a:pPr marL="0" lvl="0" indent="0" algn="r" rtl="0">
+                        <a:spcBef>
+                          <a:spcPts val="0"/>
+                        </a:spcBef>
+                        <a:spcAft>
+                          <a:spcPts val="0"/>
+                        </a:spcAft>
+                        <a:buNone/>
+                      </a:pPr>
+                      <a:r>
+                        <a:rPr lang="en-GB" sz="600">
+                          <a:latin typeface="Calibri"/>
+                          <a:ea typeface="Calibri"/>
+                          <a:cs typeface="Calibri"/>
+                          <a:sym typeface="Calibri"/>
+                        </a:rPr>
+                        <a:t>14.3</a:t>
+                      </a:r>
+                      <a:endParaRPr sz="600">
+                        <a:latin typeface="Calibri"/>
+                        <a:ea typeface="Calibri"/>
+                        <a:cs typeface="Calibri"/>
+                        <a:sym typeface="Calibri"/>
+                      </a:endParaRPr>
+                    </a:p>
+                  </a:txBody>
+                  <a:tcPr marL="91425" marR="91425" marT="91425" marB="91425" anchor="ctr"/>
+                </a:tc>
+                <a:tc>
+                  <a:txBody>
+                    <a:bodyPr/>
+                    <a:lstStyle/>
+                    <a:p>
+                      <a:pPr marL="0" lvl="0" indent="0" algn="r" rtl="0">
+                        <a:spcBef>
+                          <a:spcPts val="0"/>
+                        </a:spcBef>
+                        <a:spcAft>
+                          <a:spcPts val="0"/>
+                        </a:spcAft>
+                        <a:buNone/>
+                      </a:pPr>
+                      <a:r>
+                        <a:rPr lang="en-GB" sz="600">
+                          <a:latin typeface="Calibri"/>
+                          <a:ea typeface="Calibri"/>
+                          <a:cs typeface="Calibri"/>
+                          <a:sym typeface="Calibri"/>
+                        </a:rPr>
+                        <a:t>46.1</a:t>
+                      </a:r>
+                      <a:endParaRPr sz="600">
+                        <a:latin typeface="Calibri"/>
+                        <a:ea typeface="Calibri"/>
+                        <a:cs typeface="Calibri"/>
+                        <a:sym typeface="Calibri"/>
+                      </a:endParaRPr>
+                    </a:p>
+                  </a:txBody>
+                  <a:tcPr marL="91425" marR="91425" marT="91425" marB="91425" anchor="ctr"/>
+                </a:tc>
+                <a:tc>
+                  <a:txBody>
+                    <a:bodyPr/>
+                    <a:lstStyle/>
+                    <a:p>
+                      <a:pPr marL="0" lvl="0" indent="0" algn="r" rtl="0">
+                        <a:spcBef>
+                          <a:spcPts val="0"/>
+                        </a:spcBef>
+                        <a:spcAft>
+                          <a:spcPts val="0"/>
+                        </a:spcAft>
+                        <a:buNone/>
+                      </a:pPr>
+                      <a:r>
+                        <a:rPr lang="en-GB" sz="600">
+                          <a:latin typeface="Calibri"/>
+                          <a:ea typeface="Calibri"/>
+                          <a:cs typeface="Calibri"/>
+                          <a:sym typeface="Calibri"/>
+                        </a:rPr>
+                        <a:t>25.8</a:t>
+                      </a:r>
+                      <a:endParaRPr sz="600">
+                        <a:latin typeface="Calibri"/>
+                        <a:ea typeface="Calibri"/>
+                        <a:cs typeface="Calibri"/>
+                        <a:sym typeface="Calibri"/>
+                      </a:endParaRPr>
+                    </a:p>
+                  </a:txBody>
+                  <a:tcPr marL="91425" marR="91425" marT="91425" marB="91425" anchor="ctr"/>
+                </a:tc>
+                <a:tc>
+                  <a:txBody>
+                    <a:bodyPr/>
+                    <a:lstStyle/>
+                    <a:p>
+                      <a:pPr marL="0" lvl="0" indent="0" algn="r" rtl="0">
+                        <a:spcBef>
+                          <a:spcPts val="0"/>
+                        </a:spcBef>
+                        <a:spcAft>
+                          <a:spcPts val="0"/>
+                        </a:spcAft>
+                        <a:buNone/>
+                      </a:pPr>
+                      <a:r>
+                        <a:rPr lang="en-GB" sz="600">
+                          <a:latin typeface="Calibri"/>
+                          <a:ea typeface="Calibri"/>
+                          <a:cs typeface="Calibri"/>
+                          <a:sym typeface="Calibri"/>
+                        </a:rPr>
+                        <a:t>24.1</a:t>
+                      </a:r>
+                      <a:endParaRPr sz="600">
+                        <a:latin typeface="Calibri"/>
+                        <a:ea typeface="Calibri"/>
+                        <a:cs typeface="Calibri"/>
+                        <a:sym typeface="Calibri"/>
+                      </a:endParaRPr>
+                    </a:p>
+                  </a:txBody>
+                  <a:tcPr marL="91425" marR="91425" marT="91425" marB="91425" anchor="ctr"/>
+                </a:tc>
+                <a:extLst>
+                  <a:ext uri="{0D108BD9-81ED-4DB2-BD59-A6C34878D82A}">
+                    <a16:rowId xmlns:a16="http://schemas.microsoft.com/office/drawing/2014/main" val="10005"/>
+                  </a:ext>
+                </a:extLst>
+              </a:tr>
+              <a:tr h="241275">
+                <a:tc>
+                  <a:txBody>
+                    <a:bodyPr/>
+                    <a:lstStyle/>
+                    <a:p>
+                      <a:pPr marL="0" lvl="0" indent="0" algn="l" rtl="0">
+                        <a:spcBef>
+                          <a:spcPts val="0"/>
+                        </a:spcBef>
+                        <a:spcAft>
+                          <a:spcPts val="0"/>
+                        </a:spcAft>
+                        <a:buNone/>
+                      </a:pPr>
+                      <a:r>
+                        <a:rPr lang="en-GB" sz="600">
+                          <a:latin typeface="Calibri"/>
+                          <a:ea typeface="Calibri"/>
+                          <a:cs typeface="Calibri"/>
+                          <a:sym typeface="Calibri"/>
+                        </a:rPr>
+                        <a:t>PAT</a:t>
+                      </a:r>
+                      <a:endParaRPr sz="600">
+                        <a:latin typeface="Calibri"/>
+                        <a:ea typeface="Calibri"/>
+                        <a:cs typeface="Calibri"/>
+                        <a:sym typeface="Calibri"/>
+                      </a:endParaRPr>
+                    </a:p>
+                  </a:txBody>
+                  <a:tcPr marL="91425" marR="91425" marT="91425" marB="91425">
+                    <a:solidFill>
+                      <a:srgbClr val="FFE5B4"/>
+                    </a:solidFill>
+                  </a:tcPr>
+                </a:tc>
+                <a:tc>
+                  <a:txBody>
+                    <a:bodyPr/>
+                    <a:lstStyle/>
+                    <a:p>
+                      <a:pPr marL="0" lvl="0" indent="0" algn="r" rtl="0">
+                        <a:spcBef>
+                          <a:spcPts val="0"/>
+                        </a:spcBef>
+                        <a:spcAft>
+                          <a:spcPts val="0"/>
+                        </a:spcAft>
+                        <a:buNone/>
+                      </a:pPr>
+                      <a:r>
+                        <a:rPr lang="en-GB" sz="600">
+                          <a:latin typeface="Calibri"/>
+                          <a:ea typeface="Calibri"/>
+                          <a:cs typeface="Calibri"/>
+                          <a:sym typeface="Calibri"/>
+                        </a:rPr>
+                        <a:t>242</a:t>
+                      </a:r>
+                      <a:endParaRPr sz="600">
+                        <a:latin typeface="Calibri"/>
+                        <a:ea typeface="Calibri"/>
+                        <a:cs typeface="Calibri"/>
+                        <a:sym typeface="Calibri"/>
+                      </a:endParaRPr>
+                    </a:p>
+                  </a:txBody>
+                  <a:tcPr marL="91425" marR="91425" marT="91425" marB="91425" anchor="ctr">
+                    <a:solidFill>
+                      <a:srgbClr val="FFE5B4"/>
+                    </a:solidFill>
+                  </a:tcPr>
+                </a:tc>
+                <a:tc>
+                  <a:txBody>
+                    <a:bodyPr/>
+                    <a:lstStyle/>
+                    <a:p>
+                      <a:pPr marL="0" lvl="0" indent="0" algn="r" rtl="0">
+                        <a:spcBef>
+                          <a:spcPts val="0"/>
+                        </a:spcBef>
+                        <a:spcAft>
+                          <a:spcPts val="0"/>
+                        </a:spcAft>
+                        <a:buNone/>
+                      </a:pPr>
+                      <a:r>
+                        <a:rPr lang="en-GB" sz="600">
+                          <a:latin typeface="Calibri"/>
+                          <a:ea typeface="Calibri"/>
+                          <a:cs typeface="Calibri"/>
+                          <a:sym typeface="Calibri"/>
+                        </a:rPr>
+                        <a:t>313</a:t>
+                      </a:r>
+                      <a:endParaRPr sz="600">
+                        <a:latin typeface="Calibri"/>
+                        <a:ea typeface="Calibri"/>
+                        <a:cs typeface="Calibri"/>
+                        <a:sym typeface="Calibri"/>
+                      </a:endParaRPr>
+                    </a:p>
+                  </a:txBody>
+                  <a:tcPr marL="91425" marR="91425" marT="91425" marB="91425" anchor="ctr">
+                    <a:solidFill>
+                      <a:srgbClr val="FFE5B4"/>
+                    </a:solidFill>
+                  </a:tcPr>
+                </a:tc>
+                <a:tc>
+                  <a:txBody>
+                    <a:bodyPr/>
+                    <a:lstStyle/>
+                    <a:p>
+                      <a:pPr marL="0" lvl="0" indent="0" algn="r" rtl="0">
+                        <a:spcBef>
+                          <a:spcPts val="0"/>
+                        </a:spcBef>
+                        <a:spcAft>
+                          <a:spcPts val="0"/>
+                        </a:spcAft>
+                        <a:buNone/>
+                      </a:pPr>
+                      <a:r>
+                        <a:rPr lang="en-GB" sz="600">
+                          <a:latin typeface="Calibri"/>
+                          <a:ea typeface="Calibri"/>
+                          <a:cs typeface="Calibri"/>
+                          <a:sym typeface="Calibri"/>
+                        </a:rPr>
+                        <a:t>404</a:t>
+                      </a:r>
+                      <a:endParaRPr sz="600">
+                        <a:latin typeface="Calibri"/>
+                        <a:ea typeface="Calibri"/>
+                        <a:cs typeface="Calibri"/>
+                        <a:sym typeface="Calibri"/>
+                      </a:endParaRPr>
+                    </a:p>
+                  </a:txBody>
+                  <a:tcPr marL="91425" marR="91425" marT="91425" marB="91425" anchor="ctr">
+                    <a:solidFill>
+                      <a:srgbClr val="FFE5B4"/>
+                    </a:solidFill>
+                  </a:tcPr>
+                </a:tc>
+                <a:tc>
+                  <a:txBody>
+                    <a:bodyPr/>
+                    <a:lstStyle/>
+                    <a:p>
+                      <a:pPr marL="0" lvl="0" indent="0" algn="r" rtl="0">
+                        <a:spcBef>
+                          <a:spcPts val="0"/>
+                        </a:spcBef>
+                        <a:spcAft>
+                          <a:spcPts val="0"/>
+                        </a:spcAft>
+                        <a:buNone/>
+                      </a:pPr>
+                      <a:r>
+                        <a:rPr lang="en-GB" sz="600">
+                          <a:latin typeface="Calibri"/>
+                          <a:ea typeface="Calibri"/>
+                          <a:cs typeface="Calibri"/>
+                          <a:sym typeface="Calibri"/>
+                        </a:rPr>
+                        <a:t>491</a:t>
+                      </a:r>
+                      <a:endParaRPr sz="600">
+                        <a:latin typeface="Calibri"/>
+                        <a:ea typeface="Calibri"/>
+                        <a:cs typeface="Calibri"/>
+                        <a:sym typeface="Calibri"/>
+                      </a:endParaRPr>
+                    </a:p>
+                  </a:txBody>
+                  <a:tcPr marL="91425" marR="91425" marT="91425" marB="91425" anchor="ctr">
+                    <a:solidFill>
+                      <a:srgbClr val="FFE5B4"/>
+                    </a:solidFill>
+                  </a:tcPr>
+                </a:tc>
+                <a:tc>
+                  <a:txBody>
+                    <a:bodyPr/>
+                    <a:lstStyle/>
+                    <a:p>
+                      <a:pPr marL="0" lvl="0" indent="0" algn="r" rtl="0">
+                        <a:spcBef>
+                          <a:spcPts val="0"/>
+                        </a:spcBef>
+                        <a:spcAft>
+                          <a:spcPts val="0"/>
+                        </a:spcAft>
+                        <a:buNone/>
+                      </a:pPr>
+                      <a:r>
+                        <a:rPr lang="en-GB" sz="600">
+                          <a:latin typeface="Calibri"/>
+                          <a:ea typeface="Calibri"/>
+                          <a:cs typeface="Calibri"/>
+                          <a:sym typeface="Calibri"/>
+                        </a:rPr>
+                        <a:t>574</a:t>
+                      </a:r>
+                      <a:endParaRPr sz="600">
+                        <a:latin typeface="Calibri"/>
+                        <a:ea typeface="Calibri"/>
+                        <a:cs typeface="Calibri"/>
+                        <a:sym typeface="Calibri"/>
+                      </a:endParaRPr>
+                    </a:p>
+                  </a:txBody>
+                  <a:tcPr marL="91425" marR="91425" marT="91425" marB="91425" anchor="ctr">
+                    <a:solidFill>
+                      <a:srgbClr val="FFE5B4"/>
+                    </a:solidFill>
+                  </a:tcPr>
+                </a:tc>
+                <a:extLst>
+                  <a:ext uri="{0D108BD9-81ED-4DB2-BD59-A6C34878D82A}">
+                    <a16:rowId xmlns:a16="http://schemas.microsoft.com/office/drawing/2014/main" val="10006"/>
+                  </a:ext>
+                </a:extLst>
+              </a:tr>
+              <a:tr h="241275">
+                <a:tc>
+                  <a:txBody>
+                    <a:bodyPr/>
+                    <a:lstStyle/>
+                    <a:p>
+                      <a:pPr marL="0" lvl="0" indent="0" algn="l" rtl="0">
+                        <a:spcBef>
+                          <a:spcPts val="0"/>
+                        </a:spcBef>
+                        <a:spcAft>
+                          <a:spcPts val="0"/>
+                        </a:spcAft>
+                        <a:buNone/>
+                      </a:pPr>
+                      <a:r>
+                        <a:rPr lang="en-GB" sz="600">
+                          <a:latin typeface="Calibri"/>
+                          <a:ea typeface="Calibri"/>
+                          <a:cs typeface="Calibri"/>
+                          <a:sym typeface="Calibri"/>
+                        </a:rPr>
+                        <a:t>YoY% growth</a:t>
+                      </a:r>
+                      <a:endParaRPr sz="600">
+                        <a:latin typeface="Calibri"/>
+                        <a:ea typeface="Calibri"/>
+                        <a:cs typeface="Calibri"/>
+                        <a:sym typeface="Calibri"/>
+                      </a:endParaRPr>
+                    </a:p>
+                  </a:txBody>
+                  <a:tcPr marL="91425" marR="91425" marT="91425" marB="91425"/>
+                </a:tc>
+                <a:tc>
+                  <a:txBody>
+                    <a:bodyPr/>
+                    <a:lstStyle/>
+                    <a:p>
+                      <a:pPr marL="0" lvl="0" indent="0" algn="r" rtl="0">
+                        <a:spcBef>
+                          <a:spcPts val="0"/>
+                        </a:spcBef>
+                        <a:spcAft>
+                          <a:spcPts val="0"/>
+                        </a:spcAft>
+                        <a:buNone/>
+                      </a:pPr>
+                      <a:r>
+                        <a:rPr lang="en-GB" sz="600" dirty="0">
+                          <a:latin typeface="Calibri"/>
+                          <a:ea typeface="Calibri"/>
+                          <a:cs typeface="Calibri"/>
+                          <a:sym typeface="Calibri"/>
+                        </a:rPr>
+                        <a:t>18.7</a:t>
+                      </a:r>
+                      <a:endParaRPr sz="600" dirty="0">
+                        <a:latin typeface="Calibri"/>
+                        <a:ea typeface="Calibri"/>
+                        <a:cs typeface="Calibri"/>
+                        <a:sym typeface="Calibri"/>
+                      </a:endParaRPr>
+                    </a:p>
+                  </a:txBody>
+                  <a:tcPr marL="91425" marR="91425" marT="91425" marB="91425" anchor="ctr"/>
+                </a:tc>
+                <a:tc>
+                  <a:txBody>
+                    <a:bodyPr/>
+                    <a:lstStyle/>
+                    <a:p>
+                      <a:pPr marL="0" lvl="0" indent="0" algn="r" rtl="0">
+                        <a:spcBef>
+                          <a:spcPts val="0"/>
+                        </a:spcBef>
+                        <a:spcAft>
+                          <a:spcPts val="0"/>
+                        </a:spcAft>
+                        <a:buNone/>
+                      </a:pPr>
+                      <a:r>
+                        <a:rPr lang="en-GB" sz="600">
+                          <a:latin typeface="Calibri"/>
+                          <a:ea typeface="Calibri"/>
+                          <a:cs typeface="Calibri"/>
+                          <a:sym typeface="Calibri"/>
+                        </a:rPr>
+                        <a:t>29.1</a:t>
+                      </a:r>
+                      <a:endParaRPr sz="600">
+                        <a:latin typeface="Calibri"/>
+                        <a:ea typeface="Calibri"/>
+                        <a:cs typeface="Calibri"/>
+                        <a:sym typeface="Calibri"/>
+                      </a:endParaRPr>
+                    </a:p>
+                  </a:txBody>
+                  <a:tcPr marL="91425" marR="91425" marT="91425" marB="91425" anchor="ctr"/>
+                </a:tc>
+                <a:tc>
+                  <a:txBody>
+                    <a:bodyPr/>
+                    <a:lstStyle/>
+                    <a:p>
+                      <a:pPr marL="0" lvl="0" indent="0" algn="r" rtl="0">
+                        <a:spcBef>
+                          <a:spcPts val="0"/>
+                        </a:spcBef>
+                        <a:spcAft>
+                          <a:spcPts val="0"/>
+                        </a:spcAft>
+                        <a:buNone/>
+                      </a:pPr>
+                      <a:r>
+                        <a:rPr lang="en-GB" sz="600">
+                          <a:latin typeface="Calibri"/>
+                          <a:ea typeface="Calibri"/>
+                          <a:cs typeface="Calibri"/>
+                          <a:sym typeface="Calibri"/>
+                        </a:rPr>
+                        <a:t>29</a:t>
+                      </a:r>
+                      <a:endParaRPr sz="600">
+                        <a:latin typeface="Calibri"/>
+                        <a:ea typeface="Calibri"/>
+                        <a:cs typeface="Calibri"/>
+                        <a:sym typeface="Calibri"/>
+                      </a:endParaRPr>
+                    </a:p>
+                  </a:txBody>
+                  <a:tcPr marL="91425" marR="91425" marT="91425" marB="91425" anchor="ctr"/>
+                </a:tc>
+                <a:tc>
+                  <a:txBody>
+                    <a:bodyPr/>
+                    <a:lstStyle/>
+                    <a:p>
+                      <a:pPr marL="0" lvl="0" indent="0" algn="r" rtl="0">
+                        <a:spcBef>
+                          <a:spcPts val="0"/>
+                        </a:spcBef>
+                        <a:spcAft>
+                          <a:spcPts val="0"/>
+                        </a:spcAft>
+                        <a:buNone/>
+                      </a:pPr>
+                      <a:r>
+                        <a:rPr lang="en-GB" sz="600">
+                          <a:latin typeface="Calibri"/>
+                          <a:ea typeface="Calibri"/>
+                          <a:cs typeface="Calibri"/>
+                          <a:sym typeface="Calibri"/>
+                        </a:rPr>
+                        <a:t>21.7</a:t>
+                      </a:r>
+                      <a:endParaRPr sz="600">
+                        <a:latin typeface="Calibri"/>
+                        <a:ea typeface="Calibri"/>
+                        <a:cs typeface="Calibri"/>
+                        <a:sym typeface="Calibri"/>
+                      </a:endParaRPr>
+                    </a:p>
+                  </a:txBody>
+                  <a:tcPr marL="91425" marR="91425" marT="91425" marB="91425" anchor="ctr"/>
+                </a:tc>
+                <a:tc>
+                  <a:txBody>
+                    <a:bodyPr/>
+                    <a:lstStyle/>
+                    <a:p>
+                      <a:pPr marL="0" lvl="0" indent="0" algn="r" rtl="0">
+                        <a:spcBef>
+                          <a:spcPts val="0"/>
+                        </a:spcBef>
+                        <a:spcAft>
+                          <a:spcPts val="0"/>
+                        </a:spcAft>
+                        <a:buNone/>
+                      </a:pPr>
+                      <a:r>
+                        <a:rPr lang="en-GB" sz="600">
+                          <a:latin typeface="Calibri"/>
+                          <a:ea typeface="Calibri"/>
+                          <a:cs typeface="Calibri"/>
+                          <a:sym typeface="Calibri"/>
+                        </a:rPr>
+                        <a:t>16.9</a:t>
+                      </a:r>
+                      <a:endParaRPr sz="600">
+                        <a:latin typeface="Calibri"/>
+                        <a:ea typeface="Calibri"/>
+                        <a:cs typeface="Calibri"/>
+                        <a:sym typeface="Calibri"/>
+                      </a:endParaRPr>
+                    </a:p>
+                  </a:txBody>
+                  <a:tcPr marL="91425" marR="91425" marT="91425" marB="91425" anchor="ctr"/>
+                </a:tc>
+                <a:extLst>
+                  <a:ext uri="{0D108BD9-81ED-4DB2-BD59-A6C34878D82A}">
+                    <a16:rowId xmlns:a16="http://schemas.microsoft.com/office/drawing/2014/main" val="10007"/>
+                  </a:ext>
+                </a:extLst>
+              </a:tr>
+              <a:tr h="241275">
+                <a:tc>
+                  <a:txBody>
+                    <a:bodyPr/>
+                    <a:lstStyle/>
+                    <a:p>
+                      <a:pPr marL="0" lvl="0" indent="0" algn="l" rtl="0">
+                        <a:spcBef>
+                          <a:spcPts val="0"/>
+                        </a:spcBef>
+                        <a:spcAft>
+                          <a:spcPts val="0"/>
+                        </a:spcAft>
+                        <a:buNone/>
+                      </a:pPr>
+                      <a:r>
+                        <a:rPr lang="en-GB" sz="600">
+                          <a:latin typeface="Calibri"/>
+                          <a:ea typeface="Calibri"/>
+                          <a:cs typeface="Calibri"/>
+                          <a:sym typeface="Calibri"/>
+                        </a:rPr>
+                        <a:t>P/E</a:t>
+                      </a:r>
+                      <a:endParaRPr sz="600">
+                        <a:latin typeface="Calibri"/>
+                        <a:ea typeface="Calibri"/>
+                        <a:cs typeface="Calibri"/>
+                        <a:sym typeface="Calibri"/>
+                      </a:endParaRPr>
+                    </a:p>
+                  </a:txBody>
+                  <a:tcPr marL="91425" marR="91425" marT="91425" marB="91425">
+                    <a:solidFill>
+                      <a:srgbClr val="FFE5B4"/>
+                    </a:solidFill>
+                  </a:tcPr>
+                </a:tc>
+                <a:tc>
+                  <a:txBody>
+                    <a:bodyPr/>
+                    <a:lstStyle/>
+                    <a:p>
+                      <a:pPr marL="0" lvl="0" indent="0" algn="r" rtl="0">
+                        <a:spcBef>
+                          <a:spcPts val="0"/>
+                        </a:spcBef>
+                        <a:spcAft>
+                          <a:spcPts val="0"/>
+                        </a:spcAft>
+                        <a:buNone/>
+                      </a:pPr>
+                      <a:r>
+                        <a:rPr lang="en-GB" sz="600">
+                          <a:latin typeface="Calibri"/>
+                          <a:ea typeface="Calibri"/>
+                          <a:cs typeface="Calibri"/>
+                          <a:sym typeface="Calibri"/>
+                        </a:rPr>
+                        <a:t>45</a:t>
+                      </a:r>
+                      <a:endParaRPr sz="600">
+                        <a:latin typeface="Calibri"/>
+                        <a:ea typeface="Calibri"/>
+                        <a:cs typeface="Calibri"/>
+                        <a:sym typeface="Calibri"/>
+                      </a:endParaRPr>
+                    </a:p>
+                  </a:txBody>
+                  <a:tcPr marL="91425" marR="91425" marT="91425" marB="91425" anchor="ctr">
+                    <a:solidFill>
+                      <a:srgbClr val="FFE5B4"/>
+                    </a:solidFill>
+                  </a:tcPr>
+                </a:tc>
+                <a:tc>
+                  <a:txBody>
+                    <a:bodyPr/>
+                    <a:lstStyle/>
+                    <a:p>
+                      <a:pPr marL="0" lvl="0" indent="0" algn="r" rtl="0">
+                        <a:spcBef>
+                          <a:spcPts val="0"/>
+                        </a:spcBef>
+                        <a:spcAft>
+                          <a:spcPts val="0"/>
+                        </a:spcAft>
+                        <a:buNone/>
+                      </a:pPr>
+                      <a:r>
+                        <a:rPr lang="en-GB" sz="600">
+                          <a:latin typeface="Calibri"/>
+                          <a:ea typeface="Calibri"/>
+                          <a:cs typeface="Calibri"/>
+                          <a:sym typeface="Calibri"/>
+                        </a:rPr>
+                        <a:t>37</a:t>
+                      </a:r>
+                      <a:endParaRPr sz="600">
+                        <a:latin typeface="Calibri"/>
+                        <a:ea typeface="Calibri"/>
+                        <a:cs typeface="Calibri"/>
+                        <a:sym typeface="Calibri"/>
+                      </a:endParaRPr>
+                    </a:p>
+                  </a:txBody>
+                  <a:tcPr marL="91425" marR="91425" marT="91425" marB="91425" anchor="ctr">
+                    <a:solidFill>
+                      <a:srgbClr val="FFE5B4"/>
+                    </a:solidFill>
+                  </a:tcPr>
+                </a:tc>
+                <a:tc>
+                  <a:txBody>
+                    <a:bodyPr/>
+                    <a:lstStyle/>
+                    <a:p>
+                      <a:pPr marL="0" lvl="0" indent="0" algn="r" rtl="0">
+                        <a:spcBef>
+                          <a:spcPts val="0"/>
+                        </a:spcBef>
+                        <a:spcAft>
+                          <a:spcPts val="0"/>
+                        </a:spcAft>
+                        <a:buNone/>
+                      </a:pPr>
+                      <a:r>
+                        <a:rPr lang="en-GB" sz="600">
+                          <a:latin typeface="Calibri"/>
+                          <a:ea typeface="Calibri"/>
+                          <a:cs typeface="Calibri"/>
+                          <a:sym typeface="Calibri"/>
+                        </a:rPr>
+                        <a:t>28</a:t>
+                      </a:r>
+                      <a:endParaRPr sz="600">
+                        <a:latin typeface="Calibri"/>
+                        <a:ea typeface="Calibri"/>
+                        <a:cs typeface="Calibri"/>
+                        <a:sym typeface="Calibri"/>
+                      </a:endParaRPr>
+                    </a:p>
+                  </a:txBody>
+                  <a:tcPr marL="91425" marR="91425" marT="91425" marB="91425" anchor="ctr">
+                    <a:solidFill>
+                      <a:srgbClr val="FFE5B4"/>
+                    </a:solidFill>
+                  </a:tcPr>
+                </a:tc>
+                <a:tc>
+                  <a:txBody>
+                    <a:bodyPr/>
+                    <a:lstStyle/>
+                    <a:p>
+                      <a:pPr marL="0" lvl="0" indent="0" algn="r" rtl="0">
+                        <a:spcBef>
+                          <a:spcPts val="0"/>
+                        </a:spcBef>
+                        <a:spcAft>
+                          <a:spcPts val="0"/>
+                        </a:spcAft>
+                        <a:buNone/>
+                      </a:pPr>
+                      <a:r>
+                        <a:rPr lang="en-GB" sz="600">
+                          <a:latin typeface="Calibri"/>
+                          <a:ea typeface="Calibri"/>
+                          <a:cs typeface="Calibri"/>
+                          <a:sym typeface="Calibri"/>
+                        </a:rPr>
+                        <a:t>23</a:t>
+                      </a:r>
+                      <a:endParaRPr sz="600">
+                        <a:latin typeface="Calibri"/>
+                        <a:ea typeface="Calibri"/>
+                        <a:cs typeface="Calibri"/>
+                        <a:sym typeface="Calibri"/>
+                      </a:endParaRPr>
+                    </a:p>
+                  </a:txBody>
+                  <a:tcPr marL="91425" marR="91425" marT="91425" marB="91425" anchor="ctr">
+                    <a:solidFill>
+                      <a:srgbClr val="FFE5B4"/>
+                    </a:solidFill>
+                  </a:tcPr>
+                </a:tc>
+                <a:tc>
+                  <a:txBody>
+                    <a:bodyPr/>
+                    <a:lstStyle/>
+                    <a:p>
+                      <a:pPr marL="0" lvl="0" indent="0" algn="r" rtl="0">
+                        <a:spcBef>
+                          <a:spcPts val="0"/>
+                        </a:spcBef>
+                        <a:spcAft>
+                          <a:spcPts val="0"/>
+                        </a:spcAft>
+                        <a:buNone/>
+                      </a:pPr>
+                      <a:r>
+                        <a:rPr lang="en-GB" sz="600">
+                          <a:latin typeface="Calibri"/>
+                          <a:ea typeface="Calibri"/>
+                          <a:cs typeface="Calibri"/>
+                          <a:sym typeface="Calibri"/>
+                        </a:rPr>
+                        <a:t>21</a:t>
+                      </a:r>
+                      <a:endParaRPr sz="600">
+                        <a:latin typeface="Calibri"/>
+                        <a:ea typeface="Calibri"/>
+                        <a:cs typeface="Calibri"/>
+                        <a:sym typeface="Calibri"/>
+                      </a:endParaRPr>
+                    </a:p>
+                  </a:txBody>
+                  <a:tcPr marL="91425" marR="91425" marT="91425" marB="91425" anchor="ctr">
+                    <a:solidFill>
+                      <a:srgbClr val="FFE5B4"/>
+                    </a:solidFill>
+                  </a:tcPr>
+                </a:tc>
+                <a:extLst>
+                  <a:ext uri="{0D108BD9-81ED-4DB2-BD59-A6C34878D82A}">
+                    <a16:rowId xmlns:a16="http://schemas.microsoft.com/office/drawing/2014/main" val="10008"/>
+                  </a:ext>
+                </a:extLst>
+              </a:tr>
+              <a:tr h="241275">
+                <a:tc>
+                  <a:txBody>
+                    <a:bodyPr/>
+                    <a:lstStyle/>
+                    <a:p>
+                      <a:pPr marL="0" lvl="0" indent="0" algn="l" rtl="0">
+                        <a:spcBef>
+                          <a:spcPts val="0"/>
+                        </a:spcBef>
+                        <a:spcAft>
+                          <a:spcPts val="0"/>
+                        </a:spcAft>
+                        <a:buNone/>
+                      </a:pPr>
+                      <a:r>
+                        <a:rPr lang="en-GB" sz="600">
+                          <a:latin typeface="Calibri"/>
+                          <a:ea typeface="Calibri"/>
+                          <a:cs typeface="Calibri"/>
+                          <a:sym typeface="Calibri"/>
+                        </a:rPr>
+                        <a:t>P/B</a:t>
+                      </a:r>
+                      <a:endParaRPr sz="600">
+                        <a:latin typeface="Calibri"/>
+                        <a:ea typeface="Calibri"/>
+                        <a:cs typeface="Calibri"/>
+                        <a:sym typeface="Calibri"/>
+                      </a:endParaRPr>
+                    </a:p>
+                  </a:txBody>
+                  <a:tcPr marL="91425" marR="91425" marT="91425" marB="91425"/>
+                </a:tc>
+                <a:tc>
+                  <a:txBody>
+                    <a:bodyPr/>
+                    <a:lstStyle/>
+                    <a:p>
+                      <a:pPr marL="0" lvl="0" indent="0" algn="r" rtl="0">
+                        <a:spcBef>
+                          <a:spcPts val="0"/>
+                        </a:spcBef>
+                        <a:spcAft>
+                          <a:spcPts val="0"/>
+                        </a:spcAft>
+                        <a:buNone/>
+                      </a:pPr>
+                      <a:r>
+                        <a:rPr lang="en-GB" sz="600">
+                          <a:latin typeface="Calibri"/>
+                          <a:ea typeface="Calibri"/>
+                          <a:cs typeface="Calibri"/>
+                          <a:sym typeface="Calibri"/>
+                        </a:rPr>
+                        <a:t>14.0</a:t>
+                      </a:r>
+                      <a:endParaRPr sz="600">
+                        <a:latin typeface="Calibri"/>
+                        <a:ea typeface="Calibri"/>
+                        <a:cs typeface="Calibri"/>
+                        <a:sym typeface="Calibri"/>
+                      </a:endParaRPr>
+                    </a:p>
+                  </a:txBody>
+                  <a:tcPr marL="91425" marR="91425" marT="91425" marB="91425" anchor="ctr"/>
+                </a:tc>
+                <a:tc>
+                  <a:txBody>
+                    <a:bodyPr/>
+                    <a:lstStyle/>
+                    <a:p>
+                      <a:pPr marL="0" lvl="0" indent="0" algn="r" rtl="0">
+                        <a:spcBef>
+                          <a:spcPts val="0"/>
+                        </a:spcBef>
+                        <a:spcAft>
+                          <a:spcPts val="0"/>
+                        </a:spcAft>
+                        <a:buNone/>
+                      </a:pPr>
+                      <a:r>
+                        <a:rPr lang="en-GB" sz="600">
+                          <a:latin typeface="Calibri"/>
+                          <a:ea typeface="Calibri"/>
+                          <a:cs typeface="Calibri"/>
+                          <a:sym typeface="Calibri"/>
+                        </a:rPr>
+                        <a:t>5.6</a:t>
+                      </a:r>
+                      <a:endParaRPr sz="600">
+                        <a:latin typeface="Calibri"/>
+                        <a:ea typeface="Calibri"/>
+                        <a:cs typeface="Calibri"/>
+                        <a:sym typeface="Calibri"/>
+                      </a:endParaRPr>
+                    </a:p>
+                  </a:txBody>
+                  <a:tcPr marL="91425" marR="91425" marT="91425" marB="91425" anchor="ctr"/>
+                </a:tc>
+                <a:tc>
+                  <a:txBody>
+                    <a:bodyPr/>
+                    <a:lstStyle/>
+                    <a:p>
+                      <a:pPr marL="0" lvl="0" indent="0" algn="r" rtl="0">
+                        <a:spcBef>
+                          <a:spcPts val="0"/>
+                        </a:spcBef>
+                        <a:spcAft>
+                          <a:spcPts val="0"/>
+                        </a:spcAft>
+                        <a:buNone/>
+                      </a:pPr>
+                      <a:r>
+                        <a:rPr lang="en-GB" sz="600">
+                          <a:latin typeface="Calibri"/>
+                          <a:ea typeface="Calibri"/>
+                          <a:cs typeface="Calibri"/>
+                          <a:sym typeface="Calibri"/>
+                        </a:rPr>
+                        <a:t>4.8</a:t>
+                      </a:r>
+                      <a:endParaRPr sz="600">
+                        <a:latin typeface="Calibri"/>
+                        <a:ea typeface="Calibri"/>
+                        <a:cs typeface="Calibri"/>
+                        <a:sym typeface="Calibri"/>
+                      </a:endParaRPr>
+                    </a:p>
+                  </a:txBody>
+                  <a:tcPr marL="91425" marR="91425" marT="91425" marB="91425" anchor="ctr"/>
+                </a:tc>
+                <a:tc>
+                  <a:txBody>
+                    <a:bodyPr/>
+                    <a:lstStyle/>
+                    <a:p>
+                      <a:pPr marL="0" lvl="0" indent="0" algn="r" rtl="0">
+                        <a:spcBef>
+                          <a:spcPts val="0"/>
+                        </a:spcBef>
+                        <a:spcAft>
+                          <a:spcPts val="0"/>
+                        </a:spcAft>
+                        <a:buNone/>
+                      </a:pPr>
+                      <a:r>
+                        <a:rPr lang="en-GB" sz="600">
+                          <a:latin typeface="Calibri"/>
+                          <a:ea typeface="Calibri"/>
+                          <a:cs typeface="Calibri"/>
+                          <a:sym typeface="Calibri"/>
+                        </a:rPr>
+                        <a:t>4.1</a:t>
+                      </a:r>
+                      <a:endParaRPr sz="600">
+                        <a:latin typeface="Calibri"/>
+                        <a:ea typeface="Calibri"/>
+                        <a:cs typeface="Calibri"/>
+                        <a:sym typeface="Calibri"/>
+                      </a:endParaRPr>
+                    </a:p>
+                  </a:txBody>
+                  <a:tcPr marL="91425" marR="91425" marT="91425" marB="91425" anchor="ctr"/>
+                </a:tc>
+                <a:tc>
+                  <a:txBody>
+                    <a:bodyPr/>
+                    <a:lstStyle/>
+                    <a:p>
+                      <a:pPr marL="0" lvl="0" indent="0" algn="r" rtl="0">
+                        <a:spcBef>
+                          <a:spcPts val="0"/>
+                        </a:spcBef>
+                        <a:spcAft>
+                          <a:spcPts val="0"/>
+                        </a:spcAft>
+                        <a:buNone/>
+                      </a:pPr>
+                      <a:r>
+                        <a:rPr lang="en-GB" sz="600" dirty="0">
+                          <a:latin typeface="Calibri"/>
+                          <a:ea typeface="Calibri"/>
+                          <a:cs typeface="Calibri"/>
+                          <a:sym typeface="Calibri"/>
+                        </a:rPr>
+                        <a:t>3.5</a:t>
+                      </a:r>
+                      <a:endParaRPr sz="600" dirty="0">
+                        <a:latin typeface="Calibri"/>
+                        <a:ea typeface="Calibri"/>
+                        <a:cs typeface="Calibri"/>
+                        <a:sym typeface="Calibri"/>
+                      </a:endParaRPr>
+                    </a:p>
+                  </a:txBody>
+                  <a:tcPr marL="91425" marR="91425" marT="91425" marB="91425" anchor="ctr"/>
+                </a:tc>
+                <a:extLst>
+                  <a:ext uri="{0D108BD9-81ED-4DB2-BD59-A6C34878D82A}">
+                    <a16:rowId xmlns:a16="http://schemas.microsoft.com/office/drawing/2014/main" val="10009"/>
+                  </a:ext>
+                </a:extLst>
+              </a:tr>
+            </a:tbl>
+          </a:graphicData>
+        </a:graphic>
+      </p:graphicFrame>
+      <p:sp>
+        <p:nvSpPr>
+          <p:cNvPr id="81" name="Google Shape;81;p15"/>
+          <p:cNvSpPr txBox="1">
+            <a:spLocks noGrp="1"/>
+          </p:cNvSpPr>
+          <p:nvPr>
+            <p:ph type="title" idx="2"/>
+          </p:nvPr>
+        </p:nvSpPr>
+        <p:spPr>
+          <a:xfrm>
+            <a:off x="55450" y="591725"/>
+            <a:ext cx="4454100" cy="4179000"/>
+          </a:xfrm>
+          <a:prstGeom prst="rect">
+            <a:avLst/>
+          </a:prstGeom>
+        </p:spPr>
+        <p:txBody>
+          <a:bodyPr spcFirstLastPara="1" wrap="square" lIns="91425" tIns="91425" rIns="91425" bIns="91425" anchor="ctr" anchorCtr="0">
+            <a:noAutofit/>
+          </a:bodyPr>
+          <a:lstStyle/>
+          <a:p>
+            <a:pPr marL="457200" lvl="0" indent="-292100" algn="just" rtl="0">
+              <a:lnSpc>
+                <a:spcPct val="115000"/>
+              </a:lnSpc>
+              <a:spcBef>
+                <a:spcPts val="1200"/>
+              </a:spcBef>
+              <a:spcAft>
+                <a:spcPts val="0"/>
+              </a:spcAft>
+              <a:buSzPts val="1000"/>
+              <a:buChar char="❏"/>
+            </a:pPr>
+            <a:r>
+              <a:rPr lang="en-IN" sz="1000"/>
+              <a:t>{{</a:t>
+            </a:r>
+            <a:r>
+              <a:rPr lang="en-IN" sz="1000" dirty="0" err="1"/>
+              <a:t>company_insider</a:t>
+            </a:r>
+            <a:r>
+              <a:rPr lang="en-IN" sz="1000" dirty="0"/>
+              <a:t>}}</a:t>
+            </a:r>
+            <a:endParaRPr sz="1000" dirty="0"/>
+          </a:p>
+        </p:txBody>
+      </p:sp>
+      <p:sp>
+        <p:nvSpPr>
+          <p:cNvPr id="2" name="TextBox 1">
+            <a:extLst>
+              <a:ext uri="{FF2B5EF4-FFF2-40B4-BE49-F238E27FC236}">
+                <a16:creationId xmlns:a16="http://schemas.microsoft.com/office/drawing/2014/main" id="{2343C578-3CC7-028C-0184-4F8F92B81388}"/>
+              </a:ext>
+            </a:extLst>
+          </p:cNvPr>
+          <p:cNvSpPr txBox="1"/>
+          <p:nvPr/>
+        </p:nvSpPr>
+        <p:spPr>
+          <a:xfrm>
+            <a:off x="5926667" y="1061156"/>
+            <a:ext cx="1885244" cy="307777"/>
+          </a:xfrm>
+          <a:prstGeom prst="rect">
+            <a:avLst/>
+          </a:prstGeom>
+          <a:noFill/>
+        </p:spPr>
+        <p:txBody>
+          <a:bodyPr wrap="square" rtlCol="0">
+            <a:spAutoFit/>
+          </a:bodyPr>
+          <a:lstStyle/>
+          <a:p>
+            <a:r>
+              <a:rPr lang="en-IN" dirty="0"/>
+              <a:t>{{</a:t>
+            </a:r>
+            <a:r>
+              <a:rPr lang="en-IN" dirty="0" err="1"/>
+              <a:t>prize_chart</a:t>
+            </a:r>
+            <a:r>
+              <a:rPr lang="en-IN" dirty="0"/>
+              <a:t>}}</a:t>
+            </a:r>
+          </a:p>
+        </p:txBody>
+      </p:sp>
+    </p:spTree>
+  </p:cSld>
+  <p:clrMapOvr>
+    <a:masterClrMapping/>
+  </p:clrMapOvr>
+</p:sld>
+</file>
+
+<file path=ppt/slides/slide4.xml><?xml version="1.0" encoding="utf-8"?>
+<p:sld xmlns:a="http://schemas.openxmlformats.org/drawingml/2006/main" xmlns:r="http://schemas.openxmlformats.org/officeDocument/2006/relationships" xmlns:p="http://schemas.openxmlformats.org/presentationml/2006/main">
+  <p:cSld>
+    <p:spTree>
+      <p:nvGrpSpPr>
         <p:cNvPr id="1" name="Shape 101"/>
         <p:cNvGrpSpPr/>
         <p:nvPr/>
@@ -7941,7 +12604,7 @@
 </p:sld>
 </file>
 
-<file path=ppt/slides/slide3.xml><?xml version="1.0" encoding="utf-8"?>
+<file path=ppt/slides/slide5.xml><?xml version="1.0" encoding="utf-8"?>
 <p:sld xmlns:a="http://schemas.openxmlformats.org/drawingml/2006/main" xmlns:r="http://schemas.openxmlformats.org/officeDocument/2006/relationships" xmlns:p="http://schemas.openxmlformats.org/presentationml/2006/main">
   <p:cSld>
     <p:spTree>
@@ -8626,7 +13289,7 @@
 </p:sld>
 </file>
 
-<file path=ppt/slides/slide4.xml><?xml version="1.0" encoding="utf-8"?>
+<file path=ppt/slides/slide6.xml><?xml version="1.0" encoding="utf-8"?>
 <p:sld xmlns:a="http://schemas.openxmlformats.org/drawingml/2006/main" xmlns:r="http://schemas.openxmlformats.org/officeDocument/2006/relationships" xmlns:p="http://schemas.openxmlformats.org/presentationml/2006/main">
   <p:cSld>
     <p:spTree>
@@ -9311,7 +13974,7 @@
 </p:sld>
 </file>
 
-<file path=ppt/slides/slide5.xml><?xml version="1.0" encoding="utf-8"?>
+<file path=ppt/slides/slide7.xml><?xml version="1.0" encoding="utf-8"?>
 <p:sld xmlns:a="http://schemas.openxmlformats.org/drawingml/2006/main" xmlns:r="http://schemas.openxmlformats.org/officeDocument/2006/relationships" xmlns:p="http://schemas.openxmlformats.org/presentationml/2006/main">
   <p:cSld>
     <p:spTree>
@@ -9996,7 +14659,7 @@
 </p:sld>
 </file>
 
-<file path=ppt/slides/slide6.xml><?xml version="1.0" encoding="utf-8"?>
+<file path=ppt/slides/slide8.xml><?xml version="1.0" encoding="utf-8"?>
 <p:sld xmlns:a="http://schemas.openxmlformats.org/drawingml/2006/main" xmlns:r="http://schemas.openxmlformats.org/officeDocument/2006/relationships" xmlns:p="http://schemas.openxmlformats.org/presentationml/2006/main">
   <p:cSld>
     <p:spTree>
@@ -10681,7 +15344,7 @@
 </p:sld>
 </file>
 
-<file path=ppt/slides/slide7.xml><?xml version="1.0" encoding="utf-8"?>
+<file path=ppt/slides/slide9.xml><?xml version="1.0" encoding="utf-8"?>
 <p:sld xmlns:a="http://schemas.openxmlformats.org/drawingml/2006/main" xmlns:r="http://schemas.openxmlformats.org/officeDocument/2006/relationships" xmlns:p="http://schemas.openxmlformats.org/presentationml/2006/main">
   <p:cSld>
     <p:spTree>
@@ -11359,904 +16022,6 @@
         <p14:creationId xmlns:p14="http://schemas.microsoft.com/office/powerpoint/2010/main" val="3961813556"/>
       </p:ext>
     </p:extLst>
-  </p:cSld>
-  <p:clrMapOvr>
-    <a:masterClrMapping/>
-  </p:clrMapOvr>
-</p:sld>
-</file>
-
-<file path=ppt/slides/slide8.xml><?xml version="1.0" encoding="utf-8"?>
-<p:sld xmlns:a="http://schemas.openxmlformats.org/drawingml/2006/main" xmlns:r="http://schemas.openxmlformats.org/officeDocument/2006/relationships" xmlns:p="http://schemas.openxmlformats.org/presentationml/2006/main">
-  <p:cSld>
-    <p:spTree>
-      <p:nvGrpSpPr>
-        <p:cNvPr id="1" name="Shape 101">
-          <a:extLst>
-            <a:ext uri="{FF2B5EF4-FFF2-40B4-BE49-F238E27FC236}">
-              <a16:creationId xmlns:a16="http://schemas.microsoft.com/office/drawing/2014/main" id="{5369FFD1-328D-C386-CF68-92179F159FCF}"/>
-            </a:ext>
-          </a:extLst>
-        </p:cNvPr>
-        <p:cNvGrpSpPr/>
-        <p:nvPr/>
-      </p:nvGrpSpPr>
-      <p:grpSpPr>
-        <a:xfrm>
-          <a:off x="0" y="0"/>
-          <a:ext cx="0" cy="0"/>
-          <a:chOff x="0" y="0"/>
-          <a:chExt cx="0" cy="0"/>
-        </a:xfrm>
-      </p:grpSpPr>
-      <p:sp>
-        <p:nvSpPr>
-          <p:cNvPr id="102" name="Google Shape;102;p18">
-            <a:extLst>
-              <a:ext uri="{FF2B5EF4-FFF2-40B4-BE49-F238E27FC236}">
-                <a16:creationId xmlns:a16="http://schemas.microsoft.com/office/drawing/2014/main" id="{CF2746A6-609C-ED62-DBA0-F63389FE81BD}"/>
-              </a:ext>
-            </a:extLst>
-          </p:cNvPr>
-          <p:cNvSpPr txBox="1">
-            <a:spLocks noGrp="1"/>
-          </p:cNvSpPr>
-          <p:nvPr>
-            <p:ph type="title"/>
-          </p:nvPr>
-        </p:nvSpPr>
-        <p:spPr>
-          <a:xfrm>
-            <a:off x="0" y="0"/>
-            <a:ext cx="9144000" cy="543600"/>
-          </a:xfrm>
-          <a:prstGeom prst="rect">
-            <a:avLst/>
-          </a:prstGeom>
-        </p:spPr>
-        <p:txBody>
-          <a:bodyPr spcFirstLastPara="1" wrap="square" lIns="91425" tIns="91425" rIns="91425" bIns="91425" anchor="ctr" anchorCtr="0">
-            <a:normAutofit/>
-          </a:bodyPr>
-          <a:lstStyle/>
-          <a:p>
-            <a:pPr marL="0" lvl="0" indent="0" algn="ctr" rtl="0">
-              <a:spcBef>
-                <a:spcPts val="0"/>
-              </a:spcBef>
-              <a:spcAft>
-                <a:spcPts val="0"/>
-              </a:spcAft>
-              <a:buNone/>
-            </a:pPr>
-            <a:r>
-              <a:rPr lang="en-US" dirty="0"/>
-              <a:t>Industry Risks</a:t>
-            </a:r>
-            <a:endParaRPr dirty="0"/>
-          </a:p>
-        </p:txBody>
-      </p:sp>
-      <p:sp>
-        <p:nvSpPr>
-          <p:cNvPr id="103" name="Google Shape;103;p18">
-            <a:extLst>
-              <a:ext uri="{FF2B5EF4-FFF2-40B4-BE49-F238E27FC236}">
-                <a16:creationId xmlns:a16="http://schemas.microsoft.com/office/drawing/2014/main" id="{4F3CD53B-0D34-3E85-C664-97E2B3F3E2AB}"/>
-              </a:ext>
-            </a:extLst>
-          </p:cNvPr>
-          <p:cNvSpPr txBox="1"/>
-          <p:nvPr/>
-        </p:nvSpPr>
-        <p:spPr>
-          <a:xfrm>
-            <a:off x="0" y="579050"/>
-            <a:ext cx="9003900" cy="4224300"/>
-          </a:xfrm>
-          <a:prstGeom prst="rect">
-            <a:avLst/>
-          </a:prstGeom>
-          <a:solidFill>
-            <a:srgbClr val="FFE5B4"/>
-          </a:solidFill>
-          <a:ln>
-            <a:noFill/>
-          </a:ln>
-        </p:spPr>
-        <p:txBody>
-          <a:bodyPr spcFirstLastPara="1" wrap="square" lIns="91425" tIns="91425" rIns="91425" bIns="91425" anchor="ctr" anchorCtr="0">
-            <a:noAutofit/>
-          </a:bodyPr>
-          <a:lstStyle/>
-          <a:p>
-            <a:pPr marL="200660" lvl="0" indent="0" algn="just" rtl="0">
-              <a:spcBef>
-                <a:spcPts val="0"/>
-              </a:spcBef>
-              <a:spcAft>
-                <a:spcPts val="0"/>
-              </a:spcAft>
-              <a:buNone/>
-            </a:pPr>
-            <a:r>
-              <a:rPr lang="en-US" sz="1000" dirty="0">
-                <a:solidFill>
-                  <a:schemeClr val="dk1"/>
-                </a:solidFill>
-                <a:latin typeface="Calibri"/>
-                <a:ea typeface="Calibri"/>
-                <a:cs typeface="Calibri"/>
-                <a:sym typeface="Calibri"/>
-              </a:rPr>
-              <a:t>{{</a:t>
-            </a:r>
-            <a:r>
-              <a:rPr lang="en-US" sz="1000" dirty="0" err="1">
-                <a:solidFill>
-                  <a:schemeClr val="dk1"/>
-                </a:solidFill>
-                <a:latin typeface="Calibri"/>
-                <a:ea typeface="Calibri"/>
-                <a:cs typeface="Calibri"/>
-                <a:sym typeface="Calibri"/>
-              </a:rPr>
-              <a:t>industry_risk</a:t>
-            </a:r>
-            <a:r>
-              <a:rPr lang="en-US" sz="1000" dirty="0">
-                <a:solidFill>
-                  <a:schemeClr val="dk1"/>
-                </a:solidFill>
-                <a:latin typeface="Calibri"/>
-                <a:ea typeface="Calibri"/>
-                <a:cs typeface="Calibri"/>
-                <a:sym typeface="Calibri"/>
-              </a:rPr>
-              <a:t>}}</a:t>
-            </a:r>
-          </a:p>
-          <a:p>
-            <a:pPr marL="200660" lvl="0" indent="0" algn="just" rtl="0">
-              <a:spcBef>
-                <a:spcPts val="0"/>
-              </a:spcBef>
-              <a:spcAft>
-                <a:spcPts val="0"/>
-              </a:spcAft>
-              <a:buNone/>
-            </a:pPr>
-            <a:endParaRPr lang="en-US" sz="1000" dirty="0">
-              <a:solidFill>
-                <a:schemeClr val="dk1"/>
-              </a:solidFill>
-              <a:latin typeface="Calibri"/>
-              <a:ea typeface="Calibri"/>
-              <a:cs typeface="Calibri"/>
-              <a:sym typeface="Calibri"/>
-            </a:endParaRPr>
-          </a:p>
-          <a:p>
-            <a:pPr marL="200660" lvl="0" indent="0" algn="just" rtl="0">
-              <a:spcBef>
-                <a:spcPts val="0"/>
-              </a:spcBef>
-              <a:spcAft>
-                <a:spcPts val="0"/>
-              </a:spcAft>
-              <a:buNone/>
-            </a:pPr>
-            <a:endParaRPr lang="en-US" sz="1000" dirty="0">
-              <a:solidFill>
-                <a:schemeClr val="dk1"/>
-              </a:solidFill>
-              <a:latin typeface="Calibri"/>
-              <a:ea typeface="Calibri"/>
-              <a:cs typeface="Calibri"/>
-              <a:sym typeface="Calibri"/>
-            </a:endParaRPr>
-          </a:p>
-          <a:p>
-            <a:pPr marL="200660" lvl="0" indent="0" algn="just" rtl="0">
-              <a:spcBef>
-                <a:spcPts val="0"/>
-              </a:spcBef>
-              <a:spcAft>
-                <a:spcPts val="0"/>
-              </a:spcAft>
-              <a:buNone/>
-            </a:pPr>
-            <a:endParaRPr lang="en-US" sz="1000" dirty="0">
-              <a:solidFill>
-                <a:schemeClr val="dk1"/>
-              </a:solidFill>
-              <a:latin typeface="Calibri"/>
-              <a:ea typeface="Calibri"/>
-              <a:cs typeface="Calibri"/>
-              <a:sym typeface="Calibri"/>
-            </a:endParaRPr>
-          </a:p>
-          <a:p>
-            <a:pPr marL="200660" lvl="0" indent="0" algn="just" rtl="0">
-              <a:spcBef>
-                <a:spcPts val="0"/>
-              </a:spcBef>
-              <a:spcAft>
-                <a:spcPts val="0"/>
-              </a:spcAft>
-              <a:buNone/>
-            </a:pPr>
-            <a:endParaRPr lang="en-US" sz="1000" dirty="0">
-              <a:solidFill>
-                <a:schemeClr val="dk1"/>
-              </a:solidFill>
-              <a:latin typeface="Calibri"/>
-              <a:ea typeface="Calibri"/>
-              <a:cs typeface="Calibri"/>
-              <a:sym typeface="Calibri"/>
-            </a:endParaRPr>
-          </a:p>
-          <a:p>
-            <a:pPr marL="200660" lvl="0" indent="0" algn="just" rtl="0">
-              <a:spcBef>
-                <a:spcPts val="0"/>
-              </a:spcBef>
-              <a:spcAft>
-                <a:spcPts val="0"/>
-              </a:spcAft>
-              <a:buNone/>
-            </a:pPr>
-            <a:endParaRPr lang="en-US" sz="1000" dirty="0">
-              <a:solidFill>
-                <a:schemeClr val="dk1"/>
-              </a:solidFill>
-              <a:latin typeface="Calibri"/>
-              <a:ea typeface="Calibri"/>
-              <a:cs typeface="Calibri"/>
-              <a:sym typeface="Calibri"/>
-            </a:endParaRPr>
-          </a:p>
-          <a:p>
-            <a:pPr marL="200660" lvl="0" indent="0" algn="just" rtl="0">
-              <a:spcBef>
-                <a:spcPts val="0"/>
-              </a:spcBef>
-              <a:spcAft>
-                <a:spcPts val="0"/>
-              </a:spcAft>
-              <a:buNone/>
-            </a:pPr>
-            <a:endParaRPr lang="en-US" sz="1000" dirty="0">
-              <a:solidFill>
-                <a:schemeClr val="dk1"/>
-              </a:solidFill>
-              <a:latin typeface="Calibri"/>
-              <a:ea typeface="Calibri"/>
-              <a:cs typeface="Calibri"/>
-              <a:sym typeface="Calibri"/>
-            </a:endParaRPr>
-          </a:p>
-          <a:p>
-            <a:pPr marL="200660" lvl="0" indent="0" algn="just" rtl="0">
-              <a:spcBef>
-                <a:spcPts val="0"/>
-              </a:spcBef>
-              <a:spcAft>
-                <a:spcPts val="0"/>
-              </a:spcAft>
-              <a:buNone/>
-            </a:pPr>
-            <a:endParaRPr lang="en-US" sz="1000" dirty="0">
-              <a:solidFill>
-                <a:schemeClr val="dk1"/>
-              </a:solidFill>
-              <a:latin typeface="Calibri"/>
-              <a:ea typeface="Calibri"/>
-              <a:cs typeface="Calibri"/>
-              <a:sym typeface="Calibri"/>
-            </a:endParaRPr>
-          </a:p>
-          <a:p>
-            <a:pPr marL="200660" lvl="0" indent="0" algn="just" rtl="0">
-              <a:spcBef>
-                <a:spcPts val="0"/>
-              </a:spcBef>
-              <a:spcAft>
-                <a:spcPts val="0"/>
-              </a:spcAft>
-              <a:buNone/>
-            </a:pPr>
-            <a:endParaRPr lang="en-US" sz="1000" dirty="0">
-              <a:solidFill>
-                <a:schemeClr val="dk1"/>
-              </a:solidFill>
-              <a:latin typeface="Calibri"/>
-              <a:ea typeface="Calibri"/>
-              <a:cs typeface="Calibri"/>
-              <a:sym typeface="Calibri"/>
-            </a:endParaRPr>
-          </a:p>
-          <a:p>
-            <a:pPr marL="200660" lvl="0" indent="0" algn="just" rtl="0">
-              <a:spcBef>
-                <a:spcPts val="0"/>
-              </a:spcBef>
-              <a:spcAft>
-                <a:spcPts val="0"/>
-              </a:spcAft>
-              <a:buNone/>
-            </a:pPr>
-            <a:endParaRPr lang="en-US" sz="1000" dirty="0">
-              <a:solidFill>
-                <a:schemeClr val="dk1"/>
-              </a:solidFill>
-              <a:latin typeface="Calibri"/>
-              <a:ea typeface="Calibri"/>
-              <a:cs typeface="Calibri"/>
-              <a:sym typeface="Calibri"/>
-            </a:endParaRPr>
-          </a:p>
-          <a:p>
-            <a:pPr marL="200660" lvl="0" indent="0" algn="just" rtl="0">
-              <a:spcBef>
-                <a:spcPts val="0"/>
-              </a:spcBef>
-              <a:spcAft>
-                <a:spcPts val="0"/>
-              </a:spcAft>
-              <a:buNone/>
-            </a:pPr>
-            <a:endParaRPr lang="en-US" sz="1000" dirty="0">
-              <a:solidFill>
-                <a:schemeClr val="dk1"/>
-              </a:solidFill>
-              <a:latin typeface="Calibri"/>
-              <a:ea typeface="Calibri"/>
-              <a:cs typeface="Calibri"/>
-              <a:sym typeface="Calibri"/>
-            </a:endParaRPr>
-          </a:p>
-          <a:p>
-            <a:pPr marL="200660" lvl="0" indent="0" algn="just" rtl="0">
-              <a:spcBef>
-                <a:spcPts val="0"/>
-              </a:spcBef>
-              <a:spcAft>
-                <a:spcPts val="0"/>
-              </a:spcAft>
-              <a:buNone/>
-            </a:pPr>
-            <a:endParaRPr lang="en-US" sz="1000" dirty="0">
-              <a:solidFill>
-                <a:schemeClr val="dk1"/>
-              </a:solidFill>
-              <a:latin typeface="Calibri"/>
-              <a:ea typeface="Calibri"/>
-              <a:cs typeface="Calibri"/>
-              <a:sym typeface="Calibri"/>
-            </a:endParaRPr>
-          </a:p>
-          <a:p>
-            <a:pPr marL="200660" lvl="0" indent="0" algn="just" rtl="0">
-              <a:spcBef>
-                <a:spcPts val="0"/>
-              </a:spcBef>
-              <a:spcAft>
-                <a:spcPts val="0"/>
-              </a:spcAft>
-              <a:buNone/>
-            </a:pPr>
-            <a:endParaRPr lang="en-US" sz="1000" dirty="0">
-              <a:solidFill>
-                <a:schemeClr val="dk1"/>
-              </a:solidFill>
-              <a:latin typeface="Calibri"/>
-              <a:ea typeface="Calibri"/>
-              <a:cs typeface="Calibri"/>
-              <a:sym typeface="Calibri"/>
-            </a:endParaRPr>
-          </a:p>
-          <a:p>
-            <a:pPr marL="200660" lvl="0" indent="0" algn="just" rtl="0">
-              <a:spcBef>
-                <a:spcPts val="0"/>
-              </a:spcBef>
-              <a:spcAft>
-                <a:spcPts val="0"/>
-              </a:spcAft>
-              <a:buNone/>
-            </a:pPr>
-            <a:endParaRPr lang="en-US" sz="1000" dirty="0">
-              <a:solidFill>
-                <a:schemeClr val="dk1"/>
-              </a:solidFill>
-              <a:latin typeface="Calibri"/>
-              <a:ea typeface="Calibri"/>
-              <a:cs typeface="Calibri"/>
-              <a:sym typeface="Calibri"/>
-            </a:endParaRPr>
-          </a:p>
-          <a:p>
-            <a:pPr marL="200660" lvl="0" indent="0" algn="just" rtl="0">
-              <a:spcBef>
-                <a:spcPts val="0"/>
-              </a:spcBef>
-              <a:spcAft>
-                <a:spcPts val="0"/>
-              </a:spcAft>
-              <a:buNone/>
-            </a:pPr>
-            <a:endParaRPr lang="en-US" sz="1000" dirty="0">
-              <a:solidFill>
-                <a:schemeClr val="dk1"/>
-              </a:solidFill>
-              <a:latin typeface="Calibri"/>
-              <a:ea typeface="Calibri"/>
-              <a:cs typeface="Calibri"/>
-              <a:sym typeface="Calibri"/>
-            </a:endParaRPr>
-          </a:p>
-          <a:p>
-            <a:pPr marL="200660" lvl="0" indent="0" algn="just" rtl="0">
-              <a:spcBef>
-                <a:spcPts val="0"/>
-              </a:spcBef>
-              <a:spcAft>
-                <a:spcPts val="0"/>
-              </a:spcAft>
-              <a:buNone/>
-            </a:pPr>
-            <a:endParaRPr lang="en-US" sz="1000" dirty="0">
-              <a:solidFill>
-                <a:schemeClr val="dk1"/>
-              </a:solidFill>
-              <a:latin typeface="Calibri"/>
-              <a:ea typeface="Calibri"/>
-              <a:cs typeface="Calibri"/>
-              <a:sym typeface="Calibri"/>
-            </a:endParaRPr>
-          </a:p>
-          <a:p>
-            <a:pPr marL="200660" lvl="0" indent="0" algn="just" rtl="0">
-              <a:spcBef>
-                <a:spcPts val="0"/>
-              </a:spcBef>
-              <a:spcAft>
-                <a:spcPts val="0"/>
-              </a:spcAft>
-              <a:buNone/>
-            </a:pPr>
-            <a:endParaRPr lang="en-US" sz="1000" dirty="0">
-              <a:solidFill>
-                <a:schemeClr val="dk1"/>
-              </a:solidFill>
-              <a:latin typeface="Calibri"/>
-              <a:ea typeface="Calibri"/>
-              <a:cs typeface="Calibri"/>
-              <a:sym typeface="Calibri"/>
-            </a:endParaRPr>
-          </a:p>
-          <a:p>
-            <a:pPr marL="200660" lvl="0" indent="0" algn="just" rtl="0">
-              <a:spcBef>
-                <a:spcPts val="0"/>
-              </a:spcBef>
-              <a:spcAft>
-                <a:spcPts val="0"/>
-              </a:spcAft>
-              <a:buNone/>
-            </a:pPr>
-            <a:endParaRPr lang="en-US" sz="1000" dirty="0">
-              <a:solidFill>
-                <a:schemeClr val="dk1"/>
-              </a:solidFill>
-              <a:latin typeface="Calibri"/>
-              <a:ea typeface="Calibri"/>
-              <a:cs typeface="Calibri"/>
-              <a:sym typeface="Calibri"/>
-            </a:endParaRPr>
-          </a:p>
-          <a:p>
-            <a:pPr marL="200660" lvl="0" indent="0" algn="just" rtl="0">
-              <a:spcBef>
-                <a:spcPts val="0"/>
-              </a:spcBef>
-              <a:spcAft>
-                <a:spcPts val="0"/>
-              </a:spcAft>
-              <a:buNone/>
-            </a:pPr>
-            <a:endParaRPr lang="en-US" sz="1000" dirty="0">
-              <a:solidFill>
-                <a:schemeClr val="dk1"/>
-              </a:solidFill>
-              <a:latin typeface="Calibri"/>
-              <a:ea typeface="Calibri"/>
-              <a:cs typeface="Calibri"/>
-              <a:sym typeface="Calibri"/>
-            </a:endParaRPr>
-          </a:p>
-          <a:p>
-            <a:pPr marL="200660" lvl="0" indent="0" algn="just" rtl="0">
-              <a:spcBef>
-                <a:spcPts val="0"/>
-              </a:spcBef>
-              <a:spcAft>
-                <a:spcPts val="0"/>
-              </a:spcAft>
-              <a:buNone/>
-            </a:pPr>
-            <a:endParaRPr lang="en-US" sz="1000" dirty="0">
-              <a:solidFill>
-                <a:schemeClr val="dk1"/>
-              </a:solidFill>
-              <a:latin typeface="Calibri"/>
-              <a:ea typeface="Calibri"/>
-              <a:cs typeface="Calibri"/>
-              <a:sym typeface="Calibri"/>
-            </a:endParaRPr>
-          </a:p>
-          <a:p>
-            <a:pPr marL="200660" lvl="0" indent="0" algn="just" rtl="0">
-              <a:spcBef>
-                <a:spcPts val="0"/>
-              </a:spcBef>
-              <a:spcAft>
-                <a:spcPts val="0"/>
-              </a:spcAft>
-              <a:buNone/>
-            </a:pPr>
-            <a:endParaRPr lang="en-US" sz="1000" dirty="0">
-              <a:solidFill>
-                <a:schemeClr val="dk1"/>
-              </a:solidFill>
-              <a:latin typeface="Calibri"/>
-              <a:ea typeface="Calibri"/>
-              <a:cs typeface="Calibri"/>
-              <a:sym typeface="Calibri"/>
-            </a:endParaRPr>
-          </a:p>
-          <a:p>
-            <a:pPr marL="200660" lvl="0" indent="0" algn="just" rtl="0">
-              <a:spcBef>
-                <a:spcPts val="0"/>
-              </a:spcBef>
-              <a:spcAft>
-                <a:spcPts val="0"/>
-              </a:spcAft>
-              <a:buNone/>
-            </a:pPr>
-            <a:endParaRPr lang="en-US" sz="1000" dirty="0">
-              <a:solidFill>
-                <a:schemeClr val="dk1"/>
-              </a:solidFill>
-              <a:latin typeface="Calibri"/>
-              <a:ea typeface="Calibri"/>
-              <a:cs typeface="Calibri"/>
-              <a:sym typeface="Calibri"/>
-            </a:endParaRPr>
-          </a:p>
-          <a:p>
-            <a:pPr marL="200660" lvl="0" indent="0" algn="just" rtl="0">
-              <a:spcBef>
-                <a:spcPts val="0"/>
-              </a:spcBef>
-              <a:spcAft>
-                <a:spcPts val="0"/>
-              </a:spcAft>
-              <a:buNone/>
-            </a:pPr>
-            <a:endParaRPr lang="en-US" sz="1000" dirty="0">
-              <a:solidFill>
-                <a:schemeClr val="dk1"/>
-              </a:solidFill>
-              <a:latin typeface="Calibri"/>
-              <a:ea typeface="Calibri"/>
-              <a:cs typeface="Calibri"/>
-              <a:sym typeface="Calibri"/>
-            </a:endParaRPr>
-          </a:p>
-          <a:p>
-            <a:pPr marL="200660" lvl="0" indent="0" algn="just" rtl="0">
-              <a:spcBef>
-                <a:spcPts val="0"/>
-              </a:spcBef>
-              <a:spcAft>
-                <a:spcPts val="0"/>
-              </a:spcAft>
-              <a:buNone/>
-            </a:pPr>
-            <a:endParaRPr lang="en-US" sz="1000" dirty="0">
-              <a:solidFill>
-                <a:schemeClr val="dk1"/>
-              </a:solidFill>
-              <a:latin typeface="Calibri"/>
-              <a:ea typeface="Calibri"/>
-              <a:cs typeface="Calibri"/>
-              <a:sym typeface="Calibri"/>
-            </a:endParaRPr>
-          </a:p>
-          <a:p>
-            <a:pPr marL="200660" lvl="0" indent="0" algn="just" rtl="0">
-              <a:spcBef>
-                <a:spcPts val="0"/>
-              </a:spcBef>
-              <a:spcAft>
-                <a:spcPts val="0"/>
-              </a:spcAft>
-              <a:buNone/>
-            </a:pPr>
-            <a:endParaRPr lang="en-US" sz="1000" dirty="0">
-              <a:solidFill>
-                <a:schemeClr val="dk1"/>
-              </a:solidFill>
-              <a:latin typeface="Calibri"/>
-              <a:ea typeface="Calibri"/>
-              <a:cs typeface="Calibri"/>
-              <a:sym typeface="Calibri"/>
-            </a:endParaRPr>
-          </a:p>
-          <a:p>
-            <a:pPr marL="200660" lvl="0" indent="0" algn="just" rtl="0">
-              <a:spcBef>
-                <a:spcPts val="0"/>
-              </a:spcBef>
-              <a:spcAft>
-                <a:spcPts val="0"/>
-              </a:spcAft>
-              <a:buNone/>
-            </a:pPr>
-            <a:endParaRPr lang="en-US" sz="1000" dirty="0">
-              <a:solidFill>
-                <a:schemeClr val="dk1"/>
-              </a:solidFill>
-              <a:latin typeface="Calibri"/>
-              <a:ea typeface="Calibri"/>
-              <a:cs typeface="Calibri"/>
-              <a:sym typeface="Calibri"/>
-            </a:endParaRPr>
-          </a:p>
-          <a:p>
-            <a:pPr marL="200660" lvl="0" indent="0" algn="just" rtl="0">
-              <a:spcBef>
-                <a:spcPts val="0"/>
-              </a:spcBef>
-              <a:spcAft>
-                <a:spcPts val="0"/>
-              </a:spcAft>
-              <a:buNone/>
-            </a:pPr>
-            <a:endParaRPr lang="en-IN" sz="1000" dirty="0">
-              <a:solidFill>
-                <a:schemeClr val="dk1"/>
-              </a:solidFill>
-              <a:latin typeface="Calibri"/>
-              <a:ea typeface="Calibri"/>
-              <a:cs typeface="Calibri"/>
-              <a:sym typeface="Calibri"/>
-            </a:endParaRPr>
-          </a:p>
-        </p:txBody>
-      </p:sp>
-    </p:spTree>
-    <p:extLst>
-      <p:ext uri="{BB962C8B-B14F-4D97-AF65-F5344CB8AC3E}">
-        <p14:creationId xmlns:p14="http://schemas.microsoft.com/office/powerpoint/2010/main" val="302309881"/>
-      </p:ext>
-    </p:extLst>
-  </p:cSld>
-  <p:clrMapOvr>
-    <a:masterClrMapping/>
-  </p:clrMapOvr>
-</p:sld>
-</file>
-
-<file path=ppt/slides/slide9.xml><?xml version="1.0" encoding="utf-8"?>
-<p:sld xmlns:a="http://schemas.openxmlformats.org/drawingml/2006/main" xmlns:r="http://schemas.openxmlformats.org/officeDocument/2006/relationships" xmlns:p="http://schemas.openxmlformats.org/presentationml/2006/main">
-  <p:cSld>
-    <p:spTree>
-      <p:nvGrpSpPr>
-        <p:cNvPr id="1" name="Shape 107"/>
-        <p:cNvGrpSpPr/>
-        <p:nvPr/>
-      </p:nvGrpSpPr>
-      <p:grpSpPr>
-        <a:xfrm>
-          <a:off x="0" y="0"/>
-          <a:ext cx="0" cy="0"/>
-          <a:chOff x="0" y="0"/>
-          <a:chExt cx="0" cy="0"/>
-        </a:xfrm>
-      </p:grpSpPr>
-      <p:sp>
-        <p:nvSpPr>
-          <p:cNvPr id="108" name="Google Shape;108;p19"/>
-          <p:cNvSpPr txBox="1">
-            <a:spLocks noGrp="1"/>
-          </p:cNvSpPr>
-          <p:nvPr>
-            <p:ph type="title"/>
-          </p:nvPr>
-        </p:nvSpPr>
-        <p:spPr>
-          <a:xfrm>
-            <a:off x="0" y="0"/>
-            <a:ext cx="9144000" cy="543600"/>
-          </a:xfrm>
-          <a:prstGeom prst="rect">
-            <a:avLst/>
-          </a:prstGeom>
-        </p:spPr>
-        <p:txBody>
-          <a:bodyPr spcFirstLastPara="1" wrap="square" lIns="91425" tIns="91425" rIns="91425" bIns="91425" anchor="ctr" anchorCtr="0">
-            <a:normAutofit/>
-          </a:bodyPr>
-          <a:lstStyle/>
-          <a:p>
-            <a:pPr marL="0" lvl="0" indent="0" algn="ctr" rtl="0">
-              <a:spcBef>
-                <a:spcPts val="0"/>
-              </a:spcBef>
-              <a:spcAft>
-                <a:spcPts val="0"/>
-              </a:spcAft>
-              <a:buNone/>
-            </a:pPr>
-            <a:r>
-              <a:rPr lang="en-GB"/>
-              <a:t>Financials and Ratio Analysis</a:t>
-            </a:r>
-            <a:endParaRPr/>
-          </a:p>
-        </p:txBody>
-      </p:sp>
-      <p:sp>
-        <p:nvSpPr>
-          <p:cNvPr id="3" name="Title 2">
-            <a:extLst>
-              <a:ext uri="{FF2B5EF4-FFF2-40B4-BE49-F238E27FC236}">
-                <a16:creationId xmlns:a16="http://schemas.microsoft.com/office/drawing/2014/main" id="{F9E735C5-A5DA-5348-B44B-71E3B9F63E9A}"/>
-              </a:ext>
-            </a:extLst>
-          </p:cNvPr>
-          <p:cNvSpPr>
-            <a:spLocks noGrp="1"/>
-          </p:cNvSpPr>
-          <p:nvPr>
-            <p:ph type="title"/>
-          </p:nvPr>
-        </p:nvSpPr>
-        <p:spPr/>
-        <p:txBody>
-          <a:bodyPr/>
-          <a:lstStyle/>
-          <a:p>
-            <a:endParaRPr lang="en-IN" dirty="0"/>
-          </a:p>
-        </p:txBody>
-      </p:sp>
-      <p:sp>
-        <p:nvSpPr>
-          <p:cNvPr id="5" name="Title 4">
-            <a:extLst>
-              <a:ext uri="{FF2B5EF4-FFF2-40B4-BE49-F238E27FC236}">
-                <a16:creationId xmlns:a16="http://schemas.microsoft.com/office/drawing/2014/main" id="{78C8FD2B-7D8D-BFE6-9940-30B1DA00CBCF}"/>
-              </a:ext>
-            </a:extLst>
-          </p:cNvPr>
-          <p:cNvSpPr>
-            <a:spLocks noGrp="1"/>
-          </p:cNvSpPr>
-          <p:nvPr>
-            <p:ph type="title"/>
-          </p:nvPr>
-        </p:nvSpPr>
-        <p:spPr/>
-        <p:txBody>
-          <a:bodyPr/>
-          <a:lstStyle/>
-          <a:p>
-            <a:endParaRPr lang="en-IN" dirty="0"/>
-          </a:p>
-        </p:txBody>
-      </p:sp>
-      <p:sp>
-        <p:nvSpPr>
-          <p:cNvPr id="7" name="Title 6">
-            <a:extLst>
-              <a:ext uri="{FF2B5EF4-FFF2-40B4-BE49-F238E27FC236}">
-                <a16:creationId xmlns:a16="http://schemas.microsoft.com/office/drawing/2014/main" id="{CEF2C673-0B9A-CDB6-EE2A-5CFAECCEA9F2}"/>
-              </a:ext>
-            </a:extLst>
-          </p:cNvPr>
-          <p:cNvSpPr>
-            <a:spLocks noGrp="1"/>
-          </p:cNvSpPr>
-          <p:nvPr>
-            <p:ph type="title"/>
-          </p:nvPr>
-        </p:nvSpPr>
-        <p:spPr/>
-        <p:txBody>
-          <a:bodyPr/>
-          <a:lstStyle/>
-          <a:p>
-            <a:endParaRPr lang="en-IN" dirty="0"/>
-          </a:p>
-        </p:txBody>
-      </p:sp>
-      <p:sp>
-        <p:nvSpPr>
-          <p:cNvPr id="9" name="Title 8">
-            <a:extLst>
-              <a:ext uri="{FF2B5EF4-FFF2-40B4-BE49-F238E27FC236}">
-                <a16:creationId xmlns:a16="http://schemas.microsoft.com/office/drawing/2014/main" id="{090568D9-445C-CF1D-D517-A1B6B9682E50}"/>
-              </a:ext>
-            </a:extLst>
-          </p:cNvPr>
-          <p:cNvSpPr>
-            <a:spLocks noGrp="1"/>
-          </p:cNvSpPr>
-          <p:nvPr>
-            <p:ph type="title"/>
-          </p:nvPr>
-        </p:nvSpPr>
-        <p:spPr/>
-        <p:txBody>
-          <a:bodyPr/>
-          <a:lstStyle/>
-          <a:p>
-            <a:r>
-              <a:rPr lang="en-IN" dirty="0"/>
-              <a:t>Summary in Tables</a:t>
-            </a:r>
-          </a:p>
-        </p:txBody>
-      </p:sp>
-      <p:sp>
-        <p:nvSpPr>
-          <p:cNvPr id="10" name="TextBox 9">
-            <a:extLst>
-              <a:ext uri="{FF2B5EF4-FFF2-40B4-BE49-F238E27FC236}">
-                <a16:creationId xmlns:a16="http://schemas.microsoft.com/office/drawing/2014/main" id="{54263664-1DF1-772C-4528-73246E37C87E}"/>
-              </a:ext>
-            </a:extLst>
-          </p:cNvPr>
-          <p:cNvSpPr txBox="1"/>
-          <p:nvPr/>
-        </p:nvSpPr>
-        <p:spPr>
-          <a:xfrm>
-            <a:off x="575733" y="1241778"/>
-            <a:ext cx="1645002" cy="307777"/>
-          </a:xfrm>
-          <a:prstGeom prst="rect">
-            <a:avLst/>
-          </a:prstGeom>
-          <a:noFill/>
-        </p:spPr>
-        <p:txBody>
-          <a:bodyPr wrap="none" rtlCol="0">
-            <a:spAutoFit/>
-          </a:bodyPr>
-          <a:lstStyle/>
-          <a:p>
-            <a:r>
-              <a:rPr lang="en-IN" dirty="0"/>
-              <a:t>{{</a:t>
-            </a:r>
-            <a:r>
-              <a:rPr lang="en-IN" dirty="0" err="1"/>
-              <a:t>summary_table</a:t>
-            </a:r>
-            <a:r>
-              <a:rPr lang="en-IN" dirty="0"/>
-              <a:t>}}</a:t>
-            </a:r>
-          </a:p>
-        </p:txBody>
-      </p:sp>
-    </p:spTree>
   </p:cSld>
   <p:clrMapOvr>
     <a:masterClrMapping/>

--- a/master_template.pptx
+++ b/master_template.pptx
@@ -9783,2276 +9783,6 @@
           </a:p>
         </p:txBody>
       </p:sp>
-      <p:graphicFrame>
-        <p:nvGraphicFramePr>
-          <p:cNvPr id="79" name="Google Shape;79;p15"/>
-          <p:cNvGraphicFramePr/>
-          <p:nvPr/>
-        </p:nvGraphicFramePr>
-        <p:xfrm>
-          <a:off x="4659225" y="1950725"/>
-          <a:ext cx="4419375" cy="2742900"/>
-        </p:xfrm>
-        <a:graphic>
-          <a:graphicData uri="http://schemas.openxmlformats.org/drawingml/2006/table">
-            <a:tbl>
-              <a:tblPr>
-                <a:noFill/>
-              </a:tblPr>
-              <a:tblGrid>
-                <a:gridCol w="1776500">
-                  <a:extLst>
-                    <a:ext uri="{9D8B030D-6E8A-4147-A177-3AD203B41FA5}">
-                      <a16:colId xmlns:a16="http://schemas.microsoft.com/office/drawing/2014/main" val="20000"/>
-                    </a:ext>
-                  </a:extLst>
-                </a:gridCol>
-                <a:gridCol w="528575">
-                  <a:extLst>
-                    <a:ext uri="{9D8B030D-6E8A-4147-A177-3AD203B41FA5}">
-                      <a16:colId xmlns:a16="http://schemas.microsoft.com/office/drawing/2014/main" val="20001"/>
-                    </a:ext>
-                  </a:extLst>
-                </a:gridCol>
-                <a:gridCol w="528575">
-                  <a:extLst>
-                    <a:ext uri="{9D8B030D-6E8A-4147-A177-3AD203B41FA5}">
-                      <a16:colId xmlns:a16="http://schemas.microsoft.com/office/drawing/2014/main" val="20002"/>
-                    </a:ext>
-                  </a:extLst>
-                </a:gridCol>
-                <a:gridCol w="528575">
-                  <a:extLst>
-                    <a:ext uri="{9D8B030D-6E8A-4147-A177-3AD203B41FA5}">
-                      <a16:colId xmlns:a16="http://schemas.microsoft.com/office/drawing/2014/main" val="20003"/>
-                    </a:ext>
-                  </a:extLst>
-                </a:gridCol>
-                <a:gridCol w="528575">
-                  <a:extLst>
-                    <a:ext uri="{9D8B030D-6E8A-4147-A177-3AD203B41FA5}">
-                      <a16:colId xmlns:a16="http://schemas.microsoft.com/office/drawing/2014/main" val="20004"/>
-                    </a:ext>
-                  </a:extLst>
-                </a:gridCol>
-                <a:gridCol w="528575">
-                  <a:extLst>
-                    <a:ext uri="{9D8B030D-6E8A-4147-A177-3AD203B41FA5}">
-                      <a16:colId xmlns:a16="http://schemas.microsoft.com/office/drawing/2014/main" val="20005"/>
-                    </a:ext>
-                  </a:extLst>
-                </a:gridCol>
-              </a:tblGrid>
-              <a:tr h="217150">
-                <a:tc>
-                  <a:txBody>
-                    <a:bodyPr/>
-                    <a:lstStyle/>
-                    <a:p>
-                      <a:pPr marL="0" lvl="0" indent="0" algn="l" rtl="0">
-                        <a:spcBef>
-                          <a:spcPts val="0"/>
-                        </a:spcBef>
-                        <a:spcAft>
-                          <a:spcPts val="0"/>
-                        </a:spcAft>
-                        <a:buNone/>
-                      </a:pPr>
-                      <a:r>
-                        <a:rPr lang="en-GB" sz="600" b="1">
-                          <a:solidFill>
-                            <a:schemeClr val="lt1"/>
-                          </a:solidFill>
-                          <a:latin typeface="Calibri"/>
-                          <a:ea typeface="Calibri"/>
-                          <a:cs typeface="Calibri"/>
-                          <a:sym typeface="Calibri"/>
-                        </a:rPr>
-                        <a:t>Particulars</a:t>
-                      </a:r>
-                      <a:endParaRPr sz="600" b="1">
-                        <a:solidFill>
-                          <a:schemeClr val="lt1"/>
-                        </a:solidFill>
-                        <a:latin typeface="Calibri"/>
-                        <a:ea typeface="Calibri"/>
-                        <a:cs typeface="Calibri"/>
-                        <a:sym typeface="Calibri"/>
-                      </a:endParaRPr>
-                    </a:p>
-                  </a:txBody>
-                  <a:tcPr marL="91425" marR="91425" marT="91425" marB="91425">
-                    <a:solidFill>
-                      <a:srgbClr val="1F4690"/>
-                    </a:solidFill>
-                  </a:tcPr>
-                </a:tc>
-                <a:tc>
-                  <a:txBody>
-                    <a:bodyPr/>
-                    <a:lstStyle/>
-                    <a:p>
-                      <a:pPr marL="0" lvl="0" indent="0" algn="r" rtl="0">
-                        <a:spcBef>
-                          <a:spcPts val="0"/>
-                        </a:spcBef>
-                        <a:spcAft>
-                          <a:spcPts val="0"/>
-                        </a:spcAft>
-                        <a:buNone/>
-                      </a:pPr>
-                      <a:r>
-                        <a:rPr lang="en-GB" sz="600" b="1">
-                          <a:solidFill>
-                            <a:schemeClr val="lt1"/>
-                          </a:solidFill>
-                          <a:latin typeface="Calibri"/>
-                          <a:ea typeface="Calibri"/>
-                          <a:cs typeface="Calibri"/>
-                          <a:sym typeface="Calibri"/>
-                        </a:rPr>
-                        <a:t>FY24A</a:t>
-                      </a:r>
-                      <a:endParaRPr sz="600" b="1">
-                        <a:solidFill>
-                          <a:schemeClr val="lt1"/>
-                        </a:solidFill>
-                        <a:latin typeface="Calibri"/>
-                        <a:ea typeface="Calibri"/>
-                        <a:cs typeface="Calibri"/>
-                        <a:sym typeface="Calibri"/>
-                      </a:endParaRPr>
-                    </a:p>
-                  </a:txBody>
-                  <a:tcPr marL="91425" marR="91425" marT="91425" marB="91425" anchor="ctr">
-                    <a:solidFill>
-                      <a:srgbClr val="1F4690"/>
-                    </a:solidFill>
-                  </a:tcPr>
-                </a:tc>
-                <a:tc>
-                  <a:txBody>
-                    <a:bodyPr/>
-                    <a:lstStyle/>
-                    <a:p>
-                      <a:pPr marL="0" lvl="0" indent="0" algn="r" rtl="0">
-                        <a:spcBef>
-                          <a:spcPts val="0"/>
-                        </a:spcBef>
-                        <a:spcAft>
-                          <a:spcPts val="0"/>
-                        </a:spcAft>
-                        <a:buNone/>
-                      </a:pPr>
-                      <a:r>
-                        <a:rPr lang="en-GB" sz="600" b="1">
-                          <a:solidFill>
-                            <a:schemeClr val="lt1"/>
-                          </a:solidFill>
-                          <a:latin typeface="Calibri"/>
-                          <a:ea typeface="Calibri"/>
-                          <a:cs typeface="Calibri"/>
-                          <a:sym typeface="Calibri"/>
-                        </a:rPr>
-                        <a:t>FY25A</a:t>
-                      </a:r>
-                      <a:endParaRPr sz="600" b="1">
-                        <a:solidFill>
-                          <a:schemeClr val="lt1"/>
-                        </a:solidFill>
-                        <a:latin typeface="Calibri"/>
-                        <a:ea typeface="Calibri"/>
-                        <a:cs typeface="Calibri"/>
-                        <a:sym typeface="Calibri"/>
-                      </a:endParaRPr>
-                    </a:p>
-                  </a:txBody>
-                  <a:tcPr marL="91425" marR="91425" marT="91425" marB="91425" anchor="ctr">
-                    <a:solidFill>
-                      <a:srgbClr val="1F4690"/>
-                    </a:solidFill>
-                  </a:tcPr>
-                </a:tc>
-                <a:tc>
-                  <a:txBody>
-                    <a:bodyPr/>
-                    <a:lstStyle/>
-                    <a:p>
-                      <a:pPr marL="0" lvl="0" indent="0" algn="r" rtl="0">
-                        <a:spcBef>
-                          <a:spcPts val="0"/>
-                        </a:spcBef>
-                        <a:spcAft>
-                          <a:spcPts val="0"/>
-                        </a:spcAft>
-                        <a:buNone/>
-                      </a:pPr>
-                      <a:r>
-                        <a:rPr lang="en-GB" sz="600" b="1">
-                          <a:solidFill>
-                            <a:schemeClr val="lt1"/>
-                          </a:solidFill>
-                          <a:latin typeface="Calibri"/>
-                          <a:ea typeface="Calibri"/>
-                          <a:cs typeface="Calibri"/>
-                          <a:sym typeface="Calibri"/>
-                        </a:rPr>
-                        <a:t>FY26E</a:t>
-                      </a:r>
-                      <a:endParaRPr sz="600" b="1">
-                        <a:solidFill>
-                          <a:schemeClr val="lt1"/>
-                        </a:solidFill>
-                        <a:latin typeface="Calibri"/>
-                        <a:ea typeface="Calibri"/>
-                        <a:cs typeface="Calibri"/>
-                        <a:sym typeface="Calibri"/>
-                      </a:endParaRPr>
-                    </a:p>
-                  </a:txBody>
-                  <a:tcPr marL="91425" marR="91425" marT="91425" marB="91425" anchor="ctr">
-                    <a:solidFill>
-                      <a:srgbClr val="1F4690"/>
-                    </a:solidFill>
-                  </a:tcPr>
-                </a:tc>
-                <a:tc>
-                  <a:txBody>
-                    <a:bodyPr/>
-                    <a:lstStyle/>
-                    <a:p>
-                      <a:pPr marL="0" lvl="0" indent="0" algn="r" rtl="0">
-                        <a:spcBef>
-                          <a:spcPts val="0"/>
-                        </a:spcBef>
-                        <a:spcAft>
-                          <a:spcPts val="0"/>
-                        </a:spcAft>
-                        <a:buNone/>
-                      </a:pPr>
-                      <a:r>
-                        <a:rPr lang="en-GB" sz="600" b="1">
-                          <a:solidFill>
-                            <a:schemeClr val="lt1"/>
-                          </a:solidFill>
-                          <a:latin typeface="Calibri"/>
-                          <a:ea typeface="Calibri"/>
-                          <a:cs typeface="Calibri"/>
-                          <a:sym typeface="Calibri"/>
-                        </a:rPr>
-                        <a:t>FY27E</a:t>
-                      </a:r>
-                      <a:endParaRPr sz="600" b="1">
-                        <a:solidFill>
-                          <a:schemeClr val="lt1"/>
-                        </a:solidFill>
-                        <a:latin typeface="Calibri"/>
-                        <a:ea typeface="Calibri"/>
-                        <a:cs typeface="Calibri"/>
-                        <a:sym typeface="Calibri"/>
-                      </a:endParaRPr>
-                    </a:p>
-                  </a:txBody>
-                  <a:tcPr marL="91425" marR="91425" marT="91425" marB="91425" anchor="ctr">
-                    <a:solidFill>
-                      <a:srgbClr val="1F4690"/>
-                    </a:solidFill>
-                  </a:tcPr>
-                </a:tc>
-                <a:tc>
-                  <a:txBody>
-                    <a:bodyPr/>
-                    <a:lstStyle/>
-                    <a:p>
-                      <a:pPr marL="0" lvl="0" indent="0" algn="r" rtl="0">
-                        <a:spcBef>
-                          <a:spcPts val="0"/>
-                        </a:spcBef>
-                        <a:spcAft>
-                          <a:spcPts val="0"/>
-                        </a:spcAft>
-                        <a:buNone/>
-                      </a:pPr>
-                      <a:r>
-                        <a:rPr lang="en-GB" sz="600" b="1">
-                          <a:solidFill>
-                            <a:schemeClr val="lt1"/>
-                          </a:solidFill>
-                          <a:latin typeface="Calibri"/>
-                          <a:ea typeface="Calibri"/>
-                          <a:cs typeface="Calibri"/>
-                          <a:sym typeface="Calibri"/>
-                        </a:rPr>
-                        <a:t>FY28E</a:t>
-                      </a:r>
-                      <a:endParaRPr sz="600" b="1">
-                        <a:solidFill>
-                          <a:schemeClr val="lt1"/>
-                        </a:solidFill>
-                        <a:latin typeface="Calibri"/>
-                        <a:ea typeface="Calibri"/>
-                        <a:cs typeface="Calibri"/>
-                        <a:sym typeface="Calibri"/>
-                      </a:endParaRPr>
-                    </a:p>
-                  </a:txBody>
-                  <a:tcPr marL="91425" marR="91425" marT="91425" marB="91425" anchor="ctr">
-                    <a:solidFill>
-                      <a:srgbClr val="1F4690"/>
-                    </a:solidFill>
-                  </a:tcPr>
-                </a:tc>
-                <a:extLst>
-                  <a:ext uri="{0D108BD9-81ED-4DB2-BD59-A6C34878D82A}">
-                    <a16:rowId xmlns:a16="http://schemas.microsoft.com/office/drawing/2014/main" val="10000"/>
-                  </a:ext>
-                </a:extLst>
-              </a:tr>
-              <a:tr h="241275">
-                <a:tc>
-                  <a:txBody>
-                    <a:bodyPr/>
-                    <a:lstStyle/>
-                    <a:p>
-                      <a:pPr marL="0" lvl="0" indent="0" algn="l" rtl="0">
-                        <a:spcBef>
-                          <a:spcPts val="0"/>
-                        </a:spcBef>
-                        <a:spcAft>
-                          <a:spcPts val="0"/>
-                        </a:spcAft>
-                        <a:buNone/>
-                      </a:pPr>
-                      <a:r>
-                        <a:rPr lang="en-GB" sz="600" dirty="0">
-                          <a:latin typeface="Calibri"/>
-                          <a:ea typeface="Calibri"/>
-                          <a:cs typeface="Calibri"/>
-                          <a:sym typeface="Calibri"/>
-                        </a:rPr>
-                        <a:t>Sales</a:t>
-                      </a:r>
-                      <a:endParaRPr sz="600" dirty="0">
-                        <a:latin typeface="Calibri"/>
-                        <a:ea typeface="Calibri"/>
-                        <a:cs typeface="Calibri"/>
-                        <a:sym typeface="Calibri"/>
-                      </a:endParaRPr>
-                    </a:p>
-                  </a:txBody>
-                  <a:tcPr marL="91425" marR="91425" marT="91425" marB="91425"/>
-                </a:tc>
-                <a:tc>
-                  <a:txBody>
-                    <a:bodyPr/>
-                    <a:lstStyle/>
-                    <a:p>
-                      <a:pPr marL="0" lvl="0" indent="0" algn="r" rtl="0">
-                        <a:spcBef>
-                          <a:spcPts val="0"/>
-                        </a:spcBef>
-                        <a:spcAft>
-                          <a:spcPts val="0"/>
-                        </a:spcAft>
-                        <a:buNone/>
-                      </a:pPr>
-                      <a:r>
-                        <a:rPr lang="en-GB" sz="600" dirty="0">
-                          <a:latin typeface="Calibri"/>
-                          <a:ea typeface="Calibri"/>
-                          <a:cs typeface="Calibri"/>
-                          <a:sym typeface="Calibri"/>
-                        </a:rPr>
-                        <a:t>3161</a:t>
-                      </a:r>
-                      <a:endParaRPr sz="600" dirty="0">
-                        <a:latin typeface="Calibri"/>
-                        <a:ea typeface="Calibri"/>
-                        <a:cs typeface="Calibri"/>
-                        <a:sym typeface="Calibri"/>
-                      </a:endParaRPr>
-                    </a:p>
-                  </a:txBody>
-                  <a:tcPr marL="91425" marR="91425" marT="91425" marB="91425" anchor="ctr"/>
-                </a:tc>
-                <a:tc>
-                  <a:txBody>
-                    <a:bodyPr/>
-                    <a:lstStyle/>
-                    <a:p>
-                      <a:pPr marL="0" lvl="0" indent="0" algn="r" rtl="0">
-                        <a:spcBef>
-                          <a:spcPts val="0"/>
-                        </a:spcBef>
-                        <a:spcAft>
-                          <a:spcPts val="0"/>
-                        </a:spcAft>
-                        <a:buNone/>
-                      </a:pPr>
-                      <a:r>
-                        <a:rPr lang="en-GB" sz="600">
-                          <a:latin typeface="Calibri"/>
-                          <a:ea typeface="Calibri"/>
-                          <a:cs typeface="Calibri"/>
-                          <a:sym typeface="Calibri"/>
-                        </a:rPr>
-                        <a:t>3869</a:t>
-                      </a:r>
-                      <a:endParaRPr sz="600">
-                        <a:latin typeface="Calibri"/>
-                        <a:ea typeface="Calibri"/>
-                        <a:cs typeface="Calibri"/>
-                        <a:sym typeface="Calibri"/>
-                      </a:endParaRPr>
-                    </a:p>
-                  </a:txBody>
-                  <a:tcPr marL="91425" marR="91425" marT="91425" marB="91425" anchor="ctr"/>
-                </a:tc>
-                <a:tc>
-                  <a:txBody>
-                    <a:bodyPr/>
-                    <a:lstStyle/>
-                    <a:p>
-                      <a:pPr marL="0" lvl="0" indent="0" algn="r" rtl="0">
-                        <a:spcBef>
-                          <a:spcPts val="0"/>
-                        </a:spcBef>
-                        <a:spcAft>
-                          <a:spcPts val="0"/>
-                        </a:spcAft>
-                        <a:buNone/>
-                      </a:pPr>
-                      <a:r>
-                        <a:rPr lang="en-GB" sz="600">
-                          <a:latin typeface="Calibri"/>
-                          <a:ea typeface="Calibri"/>
-                          <a:cs typeface="Calibri"/>
-                          <a:sym typeface="Calibri"/>
-                        </a:rPr>
-                        <a:t>4516</a:t>
-                      </a:r>
-                      <a:endParaRPr sz="600">
-                        <a:latin typeface="Calibri"/>
-                        <a:ea typeface="Calibri"/>
-                        <a:cs typeface="Calibri"/>
-                        <a:sym typeface="Calibri"/>
-                      </a:endParaRPr>
-                    </a:p>
-                  </a:txBody>
-                  <a:tcPr marL="91425" marR="91425" marT="91425" marB="91425" anchor="ctr"/>
-                </a:tc>
-                <a:tc>
-                  <a:txBody>
-                    <a:bodyPr/>
-                    <a:lstStyle/>
-                    <a:p>
-                      <a:pPr marL="0" lvl="0" indent="0" algn="r" rtl="0">
-                        <a:spcBef>
-                          <a:spcPts val="0"/>
-                        </a:spcBef>
-                        <a:spcAft>
-                          <a:spcPts val="0"/>
-                        </a:spcAft>
-                        <a:buNone/>
-                      </a:pPr>
-                      <a:r>
-                        <a:rPr lang="en-GB" sz="600">
-                          <a:latin typeface="Calibri"/>
-                          <a:ea typeface="Calibri"/>
-                          <a:cs typeface="Calibri"/>
-                          <a:sym typeface="Calibri"/>
-                        </a:rPr>
-                        <a:t>5901</a:t>
-                      </a:r>
-                      <a:endParaRPr sz="600">
-                        <a:latin typeface="Calibri"/>
-                        <a:ea typeface="Calibri"/>
-                        <a:cs typeface="Calibri"/>
-                        <a:sym typeface="Calibri"/>
-                      </a:endParaRPr>
-                    </a:p>
-                  </a:txBody>
-                  <a:tcPr marL="91425" marR="91425" marT="91425" marB="91425" anchor="ctr"/>
-                </a:tc>
-                <a:tc>
-                  <a:txBody>
-                    <a:bodyPr/>
-                    <a:lstStyle/>
-                    <a:p>
-                      <a:pPr marL="0" lvl="0" indent="0" algn="r" rtl="0">
-                        <a:spcBef>
-                          <a:spcPts val="0"/>
-                        </a:spcBef>
-                        <a:spcAft>
-                          <a:spcPts val="0"/>
-                        </a:spcAft>
-                        <a:buNone/>
-                      </a:pPr>
-                      <a:r>
-                        <a:rPr lang="en-GB" sz="600">
-                          <a:latin typeface="Calibri"/>
-                          <a:ea typeface="Calibri"/>
-                          <a:cs typeface="Calibri"/>
-                          <a:sym typeface="Calibri"/>
-                        </a:rPr>
-                        <a:t>7184</a:t>
-                      </a:r>
-                      <a:endParaRPr sz="600">
-                        <a:latin typeface="Calibri"/>
-                        <a:ea typeface="Calibri"/>
-                        <a:cs typeface="Calibri"/>
-                        <a:sym typeface="Calibri"/>
-                      </a:endParaRPr>
-                    </a:p>
-                  </a:txBody>
-                  <a:tcPr marL="91425" marR="91425" marT="91425" marB="91425" anchor="ctr"/>
-                </a:tc>
-                <a:extLst>
-                  <a:ext uri="{0D108BD9-81ED-4DB2-BD59-A6C34878D82A}">
-                    <a16:rowId xmlns:a16="http://schemas.microsoft.com/office/drawing/2014/main" val="10001"/>
-                  </a:ext>
-                </a:extLst>
-              </a:tr>
-              <a:tr h="241275">
-                <a:tc>
-                  <a:txBody>
-                    <a:bodyPr/>
-                    <a:lstStyle/>
-                    <a:p>
-                      <a:pPr marL="0" lvl="0" indent="0" algn="l" rtl="0">
-                        <a:spcBef>
-                          <a:spcPts val="0"/>
-                        </a:spcBef>
-                        <a:spcAft>
-                          <a:spcPts val="0"/>
-                        </a:spcAft>
-                        <a:buNone/>
-                      </a:pPr>
-                      <a:r>
-                        <a:rPr lang="en-GB" sz="600" dirty="0">
-                          <a:latin typeface="Calibri"/>
-                          <a:ea typeface="Calibri"/>
-                          <a:cs typeface="Calibri"/>
-                          <a:sym typeface="Calibri"/>
-                        </a:rPr>
-                        <a:t>YoY% growth</a:t>
-                      </a:r>
-                      <a:endParaRPr sz="600" dirty="0">
-                        <a:latin typeface="Calibri"/>
-                        <a:ea typeface="Calibri"/>
-                        <a:cs typeface="Calibri"/>
-                        <a:sym typeface="Calibri"/>
-                      </a:endParaRPr>
-                    </a:p>
-                  </a:txBody>
-                  <a:tcPr marL="91425" marR="91425" marT="91425" marB="91425">
-                    <a:solidFill>
-                      <a:srgbClr val="FFE5B4"/>
-                    </a:solidFill>
-                  </a:tcPr>
-                </a:tc>
-                <a:tc>
-                  <a:txBody>
-                    <a:bodyPr/>
-                    <a:lstStyle/>
-                    <a:p>
-                      <a:pPr marL="0" lvl="0" indent="0" algn="r" rtl="0">
-                        <a:spcBef>
-                          <a:spcPts val="0"/>
-                        </a:spcBef>
-                        <a:spcAft>
-                          <a:spcPts val="0"/>
-                        </a:spcAft>
-                        <a:buNone/>
-                      </a:pPr>
-                      <a:r>
-                        <a:rPr lang="en-GB" sz="600">
-                          <a:latin typeface="Calibri"/>
-                          <a:ea typeface="Calibri"/>
-                          <a:cs typeface="Calibri"/>
-                          <a:sym typeface="Calibri"/>
-                        </a:rPr>
-                        <a:t>12.9</a:t>
-                      </a:r>
-                      <a:endParaRPr sz="600">
-                        <a:latin typeface="Calibri"/>
-                        <a:ea typeface="Calibri"/>
-                        <a:cs typeface="Calibri"/>
-                        <a:sym typeface="Calibri"/>
-                      </a:endParaRPr>
-                    </a:p>
-                  </a:txBody>
-                  <a:tcPr marL="91425" marR="91425" marT="91425" marB="91425" anchor="ctr">
-                    <a:solidFill>
-                      <a:srgbClr val="FFE5B4"/>
-                    </a:solidFill>
-                  </a:tcPr>
-                </a:tc>
-                <a:tc>
-                  <a:txBody>
-                    <a:bodyPr/>
-                    <a:lstStyle/>
-                    <a:p>
-                      <a:pPr marL="0" lvl="0" indent="0" algn="r" rtl="0">
-                        <a:spcBef>
-                          <a:spcPts val="0"/>
-                        </a:spcBef>
-                        <a:spcAft>
-                          <a:spcPts val="0"/>
-                        </a:spcAft>
-                        <a:buNone/>
-                      </a:pPr>
-                      <a:r>
-                        <a:rPr lang="en-GB" sz="600">
-                          <a:latin typeface="Calibri"/>
-                          <a:ea typeface="Calibri"/>
-                          <a:cs typeface="Calibri"/>
-                          <a:sym typeface="Calibri"/>
-                        </a:rPr>
-                        <a:t>22.4</a:t>
-                      </a:r>
-                      <a:endParaRPr sz="600">
-                        <a:latin typeface="Calibri"/>
-                        <a:ea typeface="Calibri"/>
-                        <a:cs typeface="Calibri"/>
-                        <a:sym typeface="Calibri"/>
-                      </a:endParaRPr>
-                    </a:p>
-                  </a:txBody>
-                  <a:tcPr marL="91425" marR="91425" marT="91425" marB="91425" anchor="ctr">
-                    <a:solidFill>
-                      <a:srgbClr val="FFE5B4"/>
-                    </a:solidFill>
-                  </a:tcPr>
-                </a:tc>
-                <a:tc>
-                  <a:txBody>
-                    <a:bodyPr/>
-                    <a:lstStyle/>
-                    <a:p>
-                      <a:pPr marL="0" lvl="0" indent="0" algn="r" rtl="0">
-                        <a:spcBef>
-                          <a:spcPts val="0"/>
-                        </a:spcBef>
-                        <a:spcAft>
-                          <a:spcPts val="0"/>
-                        </a:spcAft>
-                        <a:buNone/>
-                      </a:pPr>
-                      <a:r>
-                        <a:rPr lang="en-GB" sz="600">
-                          <a:latin typeface="Calibri"/>
-                          <a:ea typeface="Calibri"/>
-                          <a:cs typeface="Calibri"/>
-                          <a:sym typeface="Calibri"/>
-                        </a:rPr>
-                        <a:t>16.7</a:t>
-                      </a:r>
-                      <a:endParaRPr sz="600">
-                        <a:latin typeface="Calibri"/>
-                        <a:ea typeface="Calibri"/>
-                        <a:cs typeface="Calibri"/>
-                        <a:sym typeface="Calibri"/>
-                      </a:endParaRPr>
-                    </a:p>
-                  </a:txBody>
-                  <a:tcPr marL="91425" marR="91425" marT="91425" marB="91425" anchor="ctr">
-                    <a:solidFill>
-                      <a:srgbClr val="FFE5B4"/>
-                    </a:solidFill>
-                  </a:tcPr>
-                </a:tc>
-                <a:tc>
-                  <a:txBody>
-                    <a:bodyPr/>
-                    <a:lstStyle/>
-                    <a:p>
-                      <a:pPr marL="0" lvl="0" indent="0" algn="r" rtl="0">
-                        <a:spcBef>
-                          <a:spcPts val="0"/>
-                        </a:spcBef>
-                        <a:spcAft>
-                          <a:spcPts val="0"/>
-                        </a:spcAft>
-                        <a:buNone/>
-                      </a:pPr>
-                      <a:r>
-                        <a:rPr lang="en-GB" sz="600">
-                          <a:latin typeface="Calibri"/>
-                          <a:ea typeface="Calibri"/>
-                          <a:cs typeface="Calibri"/>
-                          <a:sym typeface="Calibri"/>
-                        </a:rPr>
-                        <a:t>30.7</a:t>
-                      </a:r>
-                      <a:endParaRPr sz="600">
-                        <a:latin typeface="Calibri"/>
-                        <a:ea typeface="Calibri"/>
-                        <a:cs typeface="Calibri"/>
-                        <a:sym typeface="Calibri"/>
-                      </a:endParaRPr>
-                    </a:p>
-                  </a:txBody>
-                  <a:tcPr marL="91425" marR="91425" marT="91425" marB="91425" anchor="ctr">
-                    <a:solidFill>
-                      <a:srgbClr val="FFE5B4"/>
-                    </a:solidFill>
-                  </a:tcPr>
-                </a:tc>
-                <a:tc>
-                  <a:txBody>
-                    <a:bodyPr/>
-                    <a:lstStyle/>
-                    <a:p>
-                      <a:pPr marL="0" lvl="0" indent="0" algn="r" rtl="0">
-                        <a:spcBef>
-                          <a:spcPts val="0"/>
-                        </a:spcBef>
-                        <a:spcAft>
-                          <a:spcPts val="0"/>
-                        </a:spcAft>
-                        <a:buNone/>
-                      </a:pPr>
-                      <a:r>
-                        <a:rPr lang="en-GB" sz="600">
-                          <a:latin typeface="Calibri"/>
-                          <a:ea typeface="Calibri"/>
-                          <a:cs typeface="Calibri"/>
-                          <a:sym typeface="Calibri"/>
-                        </a:rPr>
-                        <a:t>21.8</a:t>
-                      </a:r>
-                      <a:endParaRPr sz="600">
-                        <a:latin typeface="Calibri"/>
-                        <a:ea typeface="Calibri"/>
-                        <a:cs typeface="Calibri"/>
-                        <a:sym typeface="Calibri"/>
-                      </a:endParaRPr>
-                    </a:p>
-                  </a:txBody>
-                  <a:tcPr marL="91425" marR="91425" marT="91425" marB="91425" anchor="ctr">
-                    <a:solidFill>
-                      <a:srgbClr val="FFE5B4"/>
-                    </a:solidFill>
-                  </a:tcPr>
-                </a:tc>
-                <a:extLst>
-                  <a:ext uri="{0D108BD9-81ED-4DB2-BD59-A6C34878D82A}">
-                    <a16:rowId xmlns:a16="http://schemas.microsoft.com/office/drawing/2014/main" val="10002"/>
-                  </a:ext>
-                </a:extLst>
-              </a:tr>
-              <a:tr h="241275">
-                <a:tc>
-                  <a:txBody>
-                    <a:bodyPr/>
-                    <a:lstStyle/>
-                    <a:p>
-                      <a:pPr marL="0" lvl="0" indent="0" algn="l" rtl="0">
-                        <a:spcBef>
-                          <a:spcPts val="0"/>
-                        </a:spcBef>
-                        <a:spcAft>
-                          <a:spcPts val="0"/>
-                        </a:spcAft>
-                        <a:buNone/>
-                      </a:pPr>
-                      <a:r>
-                        <a:rPr lang="en-GB" sz="600">
-                          <a:latin typeface="Calibri"/>
-                          <a:ea typeface="Calibri"/>
-                          <a:cs typeface="Calibri"/>
-                          <a:sym typeface="Calibri"/>
-                        </a:rPr>
-                        <a:t>EBITDA</a:t>
-                      </a:r>
-                      <a:endParaRPr sz="600">
-                        <a:latin typeface="Calibri"/>
-                        <a:ea typeface="Calibri"/>
-                        <a:cs typeface="Calibri"/>
-                        <a:sym typeface="Calibri"/>
-                      </a:endParaRPr>
-                    </a:p>
-                  </a:txBody>
-                  <a:tcPr marL="91425" marR="91425" marT="91425" marB="91425"/>
-                </a:tc>
-                <a:tc>
-                  <a:txBody>
-                    <a:bodyPr/>
-                    <a:lstStyle/>
-                    <a:p>
-                      <a:pPr marL="0" lvl="0" indent="0" algn="r" rtl="0">
-                        <a:spcBef>
-                          <a:spcPts val="0"/>
-                        </a:spcBef>
-                        <a:spcAft>
-                          <a:spcPts val="0"/>
-                        </a:spcAft>
-                        <a:buNone/>
-                      </a:pPr>
-                      <a:r>
-                        <a:rPr lang="en-GB" sz="600">
-                          <a:latin typeface="Calibri"/>
-                          <a:ea typeface="Calibri"/>
-                          <a:cs typeface="Calibri"/>
-                          <a:sym typeface="Calibri"/>
-                        </a:rPr>
-                        <a:t>284</a:t>
-                      </a:r>
-                      <a:endParaRPr sz="600">
-                        <a:latin typeface="Calibri"/>
-                        <a:ea typeface="Calibri"/>
-                        <a:cs typeface="Calibri"/>
-                        <a:sym typeface="Calibri"/>
-                      </a:endParaRPr>
-                    </a:p>
-                  </a:txBody>
-                  <a:tcPr marL="91425" marR="91425" marT="91425" marB="91425" anchor="ctr"/>
-                </a:tc>
-                <a:tc>
-                  <a:txBody>
-                    <a:bodyPr/>
-                    <a:lstStyle/>
-                    <a:p>
-                      <a:pPr marL="0" lvl="0" indent="0" algn="r" rtl="0">
-                        <a:spcBef>
-                          <a:spcPts val="0"/>
-                        </a:spcBef>
-                        <a:spcAft>
-                          <a:spcPts val="0"/>
-                        </a:spcAft>
-                        <a:buNone/>
-                      </a:pPr>
-                      <a:r>
-                        <a:rPr lang="en-GB" sz="600">
-                          <a:latin typeface="Calibri"/>
-                          <a:ea typeface="Calibri"/>
-                          <a:cs typeface="Calibri"/>
-                          <a:sym typeface="Calibri"/>
-                        </a:rPr>
-                        <a:t>324</a:t>
-                      </a:r>
-                      <a:endParaRPr sz="600">
-                        <a:latin typeface="Calibri"/>
-                        <a:ea typeface="Calibri"/>
-                        <a:cs typeface="Calibri"/>
-                        <a:sym typeface="Calibri"/>
-                      </a:endParaRPr>
-                    </a:p>
-                  </a:txBody>
-                  <a:tcPr marL="91425" marR="91425" marT="91425" marB="91425" anchor="ctr"/>
-                </a:tc>
-                <a:tc>
-                  <a:txBody>
-                    <a:bodyPr/>
-                    <a:lstStyle/>
-                    <a:p>
-                      <a:pPr marL="0" lvl="0" indent="0" algn="r" rtl="0">
-                        <a:spcBef>
-                          <a:spcPts val="0"/>
-                        </a:spcBef>
-                        <a:spcAft>
-                          <a:spcPts val="0"/>
-                        </a:spcAft>
-                        <a:buNone/>
-                      </a:pPr>
-                      <a:r>
-                        <a:rPr lang="en-GB" sz="600">
-                          <a:latin typeface="Calibri"/>
-                          <a:ea typeface="Calibri"/>
-                          <a:cs typeface="Calibri"/>
-                          <a:sym typeface="Calibri"/>
-                        </a:rPr>
-                        <a:t>474</a:t>
-                      </a:r>
-                      <a:endParaRPr sz="600">
-                        <a:latin typeface="Calibri"/>
-                        <a:ea typeface="Calibri"/>
-                        <a:cs typeface="Calibri"/>
-                        <a:sym typeface="Calibri"/>
-                      </a:endParaRPr>
-                    </a:p>
-                  </a:txBody>
-                  <a:tcPr marL="91425" marR="91425" marT="91425" marB="91425" anchor="ctr"/>
-                </a:tc>
-                <a:tc>
-                  <a:txBody>
-                    <a:bodyPr/>
-                    <a:lstStyle/>
-                    <a:p>
-                      <a:pPr marL="0" lvl="0" indent="0" algn="r" rtl="0">
-                        <a:spcBef>
-                          <a:spcPts val="0"/>
-                        </a:spcBef>
-                        <a:spcAft>
-                          <a:spcPts val="0"/>
-                        </a:spcAft>
-                        <a:buNone/>
-                      </a:pPr>
-                      <a:r>
-                        <a:rPr lang="en-GB" sz="600">
-                          <a:latin typeface="Calibri"/>
-                          <a:ea typeface="Calibri"/>
-                          <a:cs typeface="Calibri"/>
-                          <a:sym typeface="Calibri"/>
-                        </a:rPr>
-                        <a:t>596</a:t>
-                      </a:r>
-                      <a:endParaRPr sz="600">
-                        <a:latin typeface="Calibri"/>
-                        <a:ea typeface="Calibri"/>
-                        <a:cs typeface="Calibri"/>
-                        <a:sym typeface="Calibri"/>
-                      </a:endParaRPr>
-                    </a:p>
-                  </a:txBody>
-                  <a:tcPr marL="91425" marR="91425" marT="91425" marB="91425" anchor="ctr"/>
-                </a:tc>
-                <a:tc>
-                  <a:txBody>
-                    <a:bodyPr/>
-                    <a:lstStyle/>
-                    <a:p>
-                      <a:pPr marL="0" lvl="0" indent="0" algn="r" rtl="0">
-                        <a:spcBef>
-                          <a:spcPts val="0"/>
-                        </a:spcBef>
-                        <a:spcAft>
-                          <a:spcPts val="0"/>
-                        </a:spcAft>
-                        <a:buNone/>
-                      </a:pPr>
-                      <a:r>
-                        <a:rPr lang="en-GB" sz="600">
-                          <a:latin typeface="Calibri"/>
-                          <a:ea typeface="Calibri"/>
-                          <a:cs typeface="Calibri"/>
-                          <a:sym typeface="Calibri"/>
-                        </a:rPr>
-                        <a:t>740</a:t>
-                      </a:r>
-                      <a:endParaRPr sz="600">
-                        <a:latin typeface="Calibri"/>
-                        <a:ea typeface="Calibri"/>
-                        <a:cs typeface="Calibri"/>
-                        <a:sym typeface="Calibri"/>
-                      </a:endParaRPr>
-                    </a:p>
-                  </a:txBody>
-                  <a:tcPr marL="91425" marR="91425" marT="91425" marB="91425" anchor="ctr"/>
-                </a:tc>
-                <a:extLst>
-                  <a:ext uri="{0D108BD9-81ED-4DB2-BD59-A6C34878D82A}">
-                    <a16:rowId xmlns:a16="http://schemas.microsoft.com/office/drawing/2014/main" val="10003"/>
-                  </a:ext>
-                </a:extLst>
-              </a:tr>
-              <a:tr h="241275">
-                <a:tc>
-                  <a:txBody>
-                    <a:bodyPr/>
-                    <a:lstStyle/>
-                    <a:p>
-                      <a:pPr marL="0" lvl="0" indent="0" algn="l" rtl="0">
-                        <a:spcBef>
-                          <a:spcPts val="0"/>
-                        </a:spcBef>
-                        <a:spcAft>
-                          <a:spcPts val="0"/>
-                        </a:spcAft>
-                        <a:buNone/>
-                      </a:pPr>
-                      <a:r>
-                        <a:rPr lang="en-GB" sz="600">
-                          <a:latin typeface="Calibri"/>
-                          <a:ea typeface="Calibri"/>
-                          <a:cs typeface="Calibri"/>
-                          <a:sym typeface="Calibri"/>
-                        </a:rPr>
-                        <a:t>% Margin</a:t>
-                      </a:r>
-                      <a:endParaRPr sz="600">
-                        <a:latin typeface="Calibri"/>
-                        <a:ea typeface="Calibri"/>
-                        <a:cs typeface="Calibri"/>
-                        <a:sym typeface="Calibri"/>
-                      </a:endParaRPr>
-                    </a:p>
-                  </a:txBody>
-                  <a:tcPr marL="91425" marR="91425" marT="91425" marB="91425">
-                    <a:solidFill>
-                      <a:srgbClr val="FFE5B4"/>
-                    </a:solidFill>
-                  </a:tcPr>
-                </a:tc>
-                <a:tc>
-                  <a:txBody>
-                    <a:bodyPr/>
-                    <a:lstStyle/>
-                    <a:p>
-                      <a:pPr marL="0" lvl="0" indent="0" algn="r" rtl="0">
-                        <a:spcBef>
-                          <a:spcPts val="0"/>
-                        </a:spcBef>
-                        <a:spcAft>
-                          <a:spcPts val="0"/>
-                        </a:spcAft>
-                        <a:buNone/>
-                      </a:pPr>
-                      <a:r>
-                        <a:rPr lang="en-GB" sz="600">
-                          <a:latin typeface="Calibri"/>
-                          <a:ea typeface="Calibri"/>
-                          <a:cs typeface="Calibri"/>
-                          <a:sym typeface="Calibri"/>
-                        </a:rPr>
-                        <a:t>9.0</a:t>
-                      </a:r>
-                      <a:endParaRPr sz="600">
-                        <a:latin typeface="Calibri"/>
-                        <a:ea typeface="Calibri"/>
-                        <a:cs typeface="Calibri"/>
-                        <a:sym typeface="Calibri"/>
-                      </a:endParaRPr>
-                    </a:p>
-                  </a:txBody>
-                  <a:tcPr marL="91425" marR="91425" marT="91425" marB="91425" anchor="ctr">
-                    <a:solidFill>
-                      <a:srgbClr val="FFE5B4"/>
-                    </a:solidFill>
-                  </a:tcPr>
-                </a:tc>
-                <a:tc>
-                  <a:txBody>
-                    <a:bodyPr/>
-                    <a:lstStyle/>
-                    <a:p>
-                      <a:pPr marL="0" lvl="0" indent="0" algn="r" rtl="0">
-                        <a:spcBef>
-                          <a:spcPts val="0"/>
-                        </a:spcBef>
-                        <a:spcAft>
-                          <a:spcPts val="0"/>
-                        </a:spcAft>
-                        <a:buNone/>
-                      </a:pPr>
-                      <a:r>
-                        <a:rPr lang="en-GB" sz="600">
-                          <a:latin typeface="Calibri"/>
-                          <a:ea typeface="Calibri"/>
-                          <a:cs typeface="Calibri"/>
-                          <a:sym typeface="Calibri"/>
-                        </a:rPr>
-                        <a:t>8.4</a:t>
-                      </a:r>
-                      <a:endParaRPr sz="600">
-                        <a:latin typeface="Calibri"/>
-                        <a:ea typeface="Calibri"/>
-                        <a:cs typeface="Calibri"/>
-                        <a:sym typeface="Calibri"/>
-                      </a:endParaRPr>
-                    </a:p>
-                  </a:txBody>
-                  <a:tcPr marL="91425" marR="91425" marT="91425" marB="91425" anchor="ctr">
-                    <a:solidFill>
-                      <a:srgbClr val="FFE5B4"/>
-                    </a:solidFill>
-                  </a:tcPr>
-                </a:tc>
-                <a:tc>
-                  <a:txBody>
-                    <a:bodyPr/>
-                    <a:lstStyle/>
-                    <a:p>
-                      <a:pPr marL="0" lvl="0" indent="0" algn="r" rtl="0">
-                        <a:spcBef>
-                          <a:spcPts val="0"/>
-                        </a:spcBef>
-                        <a:spcAft>
-                          <a:spcPts val="0"/>
-                        </a:spcAft>
-                        <a:buNone/>
-                      </a:pPr>
-                      <a:r>
-                        <a:rPr lang="en-GB" sz="600">
-                          <a:latin typeface="Calibri"/>
-                          <a:ea typeface="Calibri"/>
-                          <a:cs typeface="Calibri"/>
-                          <a:sym typeface="Calibri"/>
-                        </a:rPr>
-                        <a:t>10.5</a:t>
-                      </a:r>
-                      <a:endParaRPr sz="600">
-                        <a:latin typeface="Calibri"/>
-                        <a:ea typeface="Calibri"/>
-                        <a:cs typeface="Calibri"/>
-                        <a:sym typeface="Calibri"/>
-                      </a:endParaRPr>
-                    </a:p>
-                  </a:txBody>
-                  <a:tcPr marL="91425" marR="91425" marT="91425" marB="91425" anchor="ctr">
-                    <a:solidFill>
-                      <a:srgbClr val="FFE5B4"/>
-                    </a:solidFill>
-                  </a:tcPr>
-                </a:tc>
-                <a:tc>
-                  <a:txBody>
-                    <a:bodyPr/>
-                    <a:lstStyle/>
-                    <a:p>
-                      <a:pPr marL="0" lvl="0" indent="0" algn="r" rtl="0">
-                        <a:spcBef>
-                          <a:spcPts val="0"/>
-                        </a:spcBef>
-                        <a:spcAft>
-                          <a:spcPts val="0"/>
-                        </a:spcAft>
-                        <a:buNone/>
-                      </a:pPr>
-                      <a:r>
-                        <a:rPr lang="en-GB" sz="600">
-                          <a:latin typeface="Calibri"/>
-                          <a:ea typeface="Calibri"/>
-                          <a:cs typeface="Calibri"/>
-                          <a:sym typeface="Calibri"/>
-                        </a:rPr>
-                        <a:t>10.1</a:t>
-                      </a:r>
-                      <a:endParaRPr sz="600">
-                        <a:latin typeface="Calibri"/>
-                        <a:ea typeface="Calibri"/>
-                        <a:cs typeface="Calibri"/>
-                        <a:sym typeface="Calibri"/>
-                      </a:endParaRPr>
-                    </a:p>
-                  </a:txBody>
-                  <a:tcPr marL="91425" marR="91425" marT="91425" marB="91425" anchor="ctr">
-                    <a:solidFill>
-                      <a:srgbClr val="FFE5B4"/>
-                    </a:solidFill>
-                  </a:tcPr>
-                </a:tc>
-                <a:tc>
-                  <a:txBody>
-                    <a:bodyPr/>
-                    <a:lstStyle/>
-                    <a:p>
-                      <a:pPr marL="0" lvl="0" indent="0" algn="r" rtl="0">
-                        <a:spcBef>
-                          <a:spcPts val="0"/>
-                        </a:spcBef>
-                        <a:spcAft>
-                          <a:spcPts val="0"/>
-                        </a:spcAft>
-                        <a:buNone/>
-                      </a:pPr>
-                      <a:r>
-                        <a:rPr lang="en-GB" sz="600">
-                          <a:latin typeface="Calibri"/>
-                          <a:ea typeface="Calibri"/>
-                          <a:cs typeface="Calibri"/>
-                          <a:sym typeface="Calibri"/>
-                        </a:rPr>
-                        <a:t>10.3</a:t>
-                      </a:r>
-                      <a:endParaRPr sz="600">
-                        <a:latin typeface="Calibri"/>
-                        <a:ea typeface="Calibri"/>
-                        <a:cs typeface="Calibri"/>
-                        <a:sym typeface="Calibri"/>
-                      </a:endParaRPr>
-                    </a:p>
-                  </a:txBody>
-                  <a:tcPr marL="91425" marR="91425" marT="91425" marB="91425" anchor="ctr">
-                    <a:solidFill>
-                      <a:srgbClr val="FFE5B4"/>
-                    </a:solidFill>
-                  </a:tcPr>
-                </a:tc>
-                <a:extLst>
-                  <a:ext uri="{0D108BD9-81ED-4DB2-BD59-A6C34878D82A}">
-                    <a16:rowId xmlns:a16="http://schemas.microsoft.com/office/drawing/2014/main" val="10004"/>
-                  </a:ext>
-                </a:extLst>
-              </a:tr>
-              <a:tr h="241275">
-                <a:tc>
-                  <a:txBody>
-                    <a:bodyPr/>
-                    <a:lstStyle/>
-                    <a:p>
-                      <a:pPr marL="0" lvl="0" indent="0" algn="l" rtl="0">
-                        <a:spcBef>
-                          <a:spcPts val="0"/>
-                        </a:spcBef>
-                        <a:spcAft>
-                          <a:spcPts val="0"/>
-                        </a:spcAft>
-                        <a:buNone/>
-                      </a:pPr>
-                      <a:r>
-                        <a:rPr lang="en-GB" sz="600">
-                          <a:latin typeface="Calibri"/>
-                          <a:ea typeface="Calibri"/>
-                          <a:cs typeface="Calibri"/>
-                          <a:sym typeface="Calibri"/>
-                        </a:rPr>
-                        <a:t>YoY% growth</a:t>
-                      </a:r>
-                      <a:endParaRPr sz="600">
-                        <a:latin typeface="Calibri"/>
-                        <a:ea typeface="Calibri"/>
-                        <a:cs typeface="Calibri"/>
-                        <a:sym typeface="Calibri"/>
-                      </a:endParaRPr>
-                    </a:p>
-                  </a:txBody>
-                  <a:tcPr marL="91425" marR="91425" marT="91425" marB="91425"/>
-                </a:tc>
-                <a:tc>
-                  <a:txBody>
-                    <a:bodyPr/>
-                    <a:lstStyle/>
-                    <a:p>
-                      <a:pPr marL="0" lvl="0" indent="0" algn="r" rtl="0">
-                        <a:spcBef>
-                          <a:spcPts val="0"/>
-                        </a:spcBef>
-                        <a:spcAft>
-                          <a:spcPts val="0"/>
-                        </a:spcAft>
-                        <a:buNone/>
-                      </a:pPr>
-                      <a:r>
-                        <a:rPr lang="en-GB" sz="600">
-                          <a:latin typeface="Calibri"/>
-                          <a:ea typeface="Calibri"/>
-                          <a:cs typeface="Calibri"/>
-                          <a:sym typeface="Calibri"/>
-                        </a:rPr>
-                        <a:t>43.5</a:t>
-                      </a:r>
-                      <a:endParaRPr sz="600">
-                        <a:latin typeface="Calibri"/>
-                        <a:ea typeface="Calibri"/>
-                        <a:cs typeface="Calibri"/>
-                        <a:sym typeface="Calibri"/>
-                      </a:endParaRPr>
-                    </a:p>
-                  </a:txBody>
-                  <a:tcPr marL="91425" marR="91425" marT="91425" marB="91425" anchor="ctr"/>
-                </a:tc>
-                <a:tc>
-                  <a:txBody>
-                    <a:bodyPr/>
-                    <a:lstStyle/>
-                    <a:p>
-                      <a:pPr marL="0" lvl="0" indent="0" algn="r" rtl="0">
-                        <a:spcBef>
-                          <a:spcPts val="0"/>
-                        </a:spcBef>
-                        <a:spcAft>
-                          <a:spcPts val="0"/>
-                        </a:spcAft>
-                        <a:buNone/>
-                      </a:pPr>
-                      <a:r>
-                        <a:rPr lang="en-GB" sz="600">
-                          <a:latin typeface="Calibri"/>
-                          <a:ea typeface="Calibri"/>
-                          <a:cs typeface="Calibri"/>
-                          <a:sym typeface="Calibri"/>
-                        </a:rPr>
-                        <a:t>14.3</a:t>
-                      </a:r>
-                      <a:endParaRPr sz="600">
-                        <a:latin typeface="Calibri"/>
-                        <a:ea typeface="Calibri"/>
-                        <a:cs typeface="Calibri"/>
-                        <a:sym typeface="Calibri"/>
-                      </a:endParaRPr>
-                    </a:p>
-                  </a:txBody>
-                  <a:tcPr marL="91425" marR="91425" marT="91425" marB="91425" anchor="ctr"/>
-                </a:tc>
-                <a:tc>
-                  <a:txBody>
-                    <a:bodyPr/>
-                    <a:lstStyle/>
-                    <a:p>
-                      <a:pPr marL="0" lvl="0" indent="0" algn="r" rtl="0">
-                        <a:spcBef>
-                          <a:spcPts val="0"/>
-                        </a:spcBef>
-                        <a:spcAft>
-                          <a:spcPts val="0"/>
-                        </a:spcAft>
-                        <a:buNone/>
-                      </a:pPr>
-                      <a:r>
-                        <a:rPr lang="en-GB" sz="600">
-                          <a:latin typeface="Calibri"/>
-                          <a:ea typeface="Calibri"/>
-                          <a:cs typeface="Calibri"/>
-                          <a:sym typeface="Calibri"/>
-                        </a:rPr>
-                        <a:t>46.1</a:t>
-                      </a:r>
-                      <a:endParaRPr sz="600">
-                        <a:latin typeface="Calibri"/>
-                        <a:ea typeface="Calibri"/>
-                        <a:cs typeface="Calibri"/>
-                        <a:sym typeface="Calibri"/>
-                      </a:endParaRPr>
-                    </a:p>
-                  </a:txBody>
-                  <a:tcPr marL="91425" marR="91425" marT="91425" marB="91425" anchor="ctr"/>
-                </a:tc>
-                <a:tc>
-                  <a:txBody>
-                    <a:bodyPr/>
-                    <a:lstStyle/>
-                    <a:p>
-                      <a:pPr marL="0" lvl="0" indent="0" algn="r" rtl="0">
-                        <a:spcBef>
-                          <a:spcPts val="0"/>
-                        </a:spcBef>
-                        <a:spcAft>
-                          <a:spcPts val="0"/>
-                        </a:spcAft>
-                        <a:buNone/>
-                      </a:pPr>
-                      <a:r>
-                        <a:rPr lang="en-GB" sz="600">
-                          <a:latin typeface="Calibri"/>
-                          <a:ea typeface="Calibri"/>
-                          <a:cs typeface="Calibri"/>
-                          <a:sym typeface="Calibri"/>
-                        </a:rPr>
-                        <a:t>25.8</a:t>
-                      </a:r>
-                      <a:endParaRPr sz="600">
-                        <a:latin typeface="Calibri"/>
-                        <a:ea typeface="Calibri"/>
-                        <a:cs typeface="Calibri"/>
-                        <a:sym typeface="Calibri"/>
-                      </a:endParaRPr>
-                    </a:p>
-                  </a:txBody>
-                  <a:tcPr marL="91425" marR="91425" marT="91425" marB="91425" anchor="ctr"/>
-                </a:tc>
-                <a:tc>
-                  <a:txBody>
-                    <a:bodyPr/>
-                    <a:lstStyle/>
-                    <a:p>
-                      <a:pPr marL="0" lvl="0" indent="0" algn="r" rtl="0">
-                        <a:spcBef>
-                          <a:spcPts val="0"/>
-                        </a:spcBef>
-                        <a:spcAft>
-                          <a:spcPts val="0"/>
-                        </a:spcAft>
-                        <a:buNone/>
-                      </a:pPr>
-                      <a:r>
-                        <a:rPr lang="en-GB" sz="600">
-                          <a:latin typeface="Calibri"/>
-                          <a:ea typeface="Calibri"/>
-                          <a:cs typeface="Calibri"/>
-                          <a:sym typeface="Calibri"/>
-                        </a:rPr>
-                        <a:t>24.1</a:t>
-                      </a:r>
-                      <a:endParaRPr sz="600">
-                        <a:latin typeface="Calibri"/>
-                        <a:ea typeface="Calibri"/>
-                        <a:cs typeface="Calibri"/>
-                        <a:sym typeface="Calibri"/>
-                      </a:endParaRPr>
-                    </a:p>
-                  </a:txBody>
-                  <a:tcPr marL="91425" marR="91425" marT="91425" marB="91425" anchor="ctr"/>
-                </a:tc>
-                <a:extLst>
-                  <a:ext uri="{0D108BD9-81ED-4DB2-BD59-A6C34878D82A}">
-                    <a16:rowId xmlns:a16="http://schemas.microsoft.com/office/drawing/2014/main" val="10005"/>
-                  </a:ext>
-                </a:extLst>
-              </a:tr>
-              <a:tr h="241275">
-                <a:tc>
-                  <a:txBody>
-                    <a:bodyPr/>
-                    <a:lstStyle/>
-                    <a:p>
-                      <a:pPr marL="0" lvl="0" indent="0" algn="l" rtl="0">
-                        <a:spcBef>
-                          <a:spcPts val="0"/>
-                        </a:spcBef>
-                        <a:spcAft>
-                          <a:spcPts val="0"/>
-                        </a:spcAft>
-                        <a:buNone/>
-                      </a:pPr>
-                      <a:r>
-                        <a:rPr lang="en-GB" sz="600">
-                          <a:latin typeface="Calibri"/>
-                          <a:ea typeface="Calibri"/>
-                          <a:cs typeface="Calibri"/>
-                          <a:sym typeface="Calibri"/>
-                        </a:rPr>
-                        <a:t>PAT</a:t>
-                      </a:r>
-                      <a:endParaRPr sz="600">
-                        <a:latin typeface="Calibri"/>
-                        <a:ea typeface="Calibri"/>
-                        <a:cs typeface="Calibri"/>
-                        <a:sym typeface="Calibri"/>
-                      </a:endParaRPr>
-                    </a:p>
-                  </a:txBody>
-                  <a:tcPr marL="91425" marR="91425" marT="91425" marB="91425">
-                    <a:solidFill>
-                      <a:srgbClr val="FFE5B4"/>
-                    </a:solidFill>
-                  </a:tcPr>
-                </a:tc>
-                <a:tc>
-                  <a:txBody>
-                    <a:bodyPr/>
-                    <a:lstStyle/>
-                    <a:p>
-                      <a:pPr marL="0" lvl="0" indent="0" algn="r" rtl="0">
-                        <a:spcBef>
-                          <a:spcPts val="0"/>
-                        </a:spcBef>
-                        <a:spcAft>
-                          <a:spcPts val="0"/>
-                        </a:spcAft>
-                        <a:buNone/>
-                      </a:pPr>
-                      <a:r>
-                        <a:rPr lang="en-GB" sz="600">
-                          <a:latin typeface="Calibri"/>
-                          <a:ea typeface="Calibri"/>
-                          <a:cs typeface="Calibri"/>
-                          <a:sym typeface="Calibri"/>
-                        </a:rPr>
-                        <a:t>242</a:t>
-                      </a:r>
-                      <a:endParaRPr sz="600">
-                        <a:latin typeface="Calibri"/>
-                        <a:ea typeface="Calibri"/>
-                        <a:cs typeface="Calibri"/>
-                        <a:sym typeface="Calibri"/>
-                      </a:endParaRPr>
-                    </a:p>
-                  </a:txBody>
-                  <a:tcPr marL="91425" marR="91425" marT="91425" marB="91425" anchor="ctr">
-                    <a:solidFill>
-                      <a:srgbClr val="FFE5B4"/>
-                    </a:solidFill>
-                  </a:tcPr>
-                </a:tc>
-                <a:tc>
-                  <a:txBody>
-                    <a:bodyPr/>
-                    <a:lstStyle/>
-                    <a:p>
-                      <a:pPr marL="0" lvl="0" indent="0" algn="r" rtl="0">
-                        <a:spcBef>
-                          <a:spcPts val="0"/>
-                        </a:spcBef>
-                        <a:spcAft>
-                          <a:spcPts val="0"/>
-                        </a:spcAft>
-                        <a:buNone/>
-                      </a:pPr>
-                      <a:r>
-                        <a:rPr lang="en-GB" sz="600">
-                          <a:latin typeface="Calibri"/>
-                          <a:ea typeface="Calibri"/>
-                          <a:cs typeface="Calibri"/>
-                          <a:sym typeface="Calibri"/>
-                        </a:rPr>
-                        <a:t>313</a:t>
-                      </a:r>
-                      <a:endParaRPr sz="600">
-                        <a:latin typeface="Calibri"/>
-                        <a:ea typeface="Calibri"/>
-                        <a:cs typeface="Calibri"/>
-                        <a:sym typeface="Calibri"/>
-                      </a:endParaRPr>
-                    </a:p>
-                  </a:txBody>
-                  <a:tcPr marL="91425" marR="91425" marT="91425" marB="91425" anchor="ctr">
-                    <a:solidFill>
-                      <a:srgbClr val="FFE5B4"/>
-                    </a:solidFill>
-                  </a:tcPr>
-                </a:tc>
-                <a:tc>
-                  <a:txBody>
-                    <a:bodyPr/>
-                    <a:lstStyle/>
-                    <a:p>
-                      <a:pPr marL="0" lvl="0" indent="0" algn="r" rtl="0">
-                        <a:spcBef>
-                          <a:spcPts val="0"/>
-                        </a:spcBef>
-                        <a:spcAft>
-                          <a:spcPts val="0"/>
-                        </a:spcAft>
-                        <a:buNone/>
-                      </a:pPr>
-                      <a:r>
-                        <a:rPr lang="en-GB" sz="600">
-                          <a:latin typeface="Calibri"/>
-                          <a:ea typeface="Calibri"/>
-                          <a:cs typeface="Calibri"/>
-                          <a:sym typeface="Calibri"/>
-                        </a:rPr>
-                        <a:t>404</a:t>
-                      </a:r>
-                      <a:endParaRPr sz="600">
-                        <a:latin typeface="Calibri"/>
-                        <a:ea typeface="Calibri"/>
-                        <a:cs typeface="Calibri"/>
-                        <a:sym typeface="Calibri"/>
-                      </a:endParaRPr>
-                    </a:p>
-                  </a:txBody>
-                  <a:tcPr marL="91425" marR="91425" marT="91425" marB="91425" anchor="ctr">
-                    <a:solidFill>
-                      <a:srgbClr val="FFE5B4"/>
-                    </a:solidFill>
-                  </a:tcPr>
-                </a:tc>
-                <a:tc>
-                  <a:txBody>
-                    <a:bodyPr/>
-                    <a:lstStyle/>
-                    <a:p>
-                      <a:pPr marL="0" lvl="0" indent="0" algn="r" rtl="0">
-                        <a:spcBef>
-                          <a:spcPts val="0"/>
-                        </a:spcBef>
-                        <a:spcAft>
-                          <a:spcPts val="0"/>
-                        </a:spcAft>
-                        <a:buNone/>
-                      </a:pPr>
-                      <a:r>
-                        <a:rPr lang="en-GB" sz="600">
-                          <a:latin typeface="Calibri"/>
-                          <a:ea typeface="Calibri"/>
-                          <a:cs typeface="Calibri"/>
-                          <a:sym typeface="Calibri"/>
-                        </a:rPr>
-                        <a:t>491</a:t>
-                      </a:r>
-                      <a:endParaRPr sz="600">
-                        <a:latin typeface="Calibri"/>
-                        <a:ea typeface="Calibri"/>
-                        <a:cs typeface="Calibri"/>
-                        <a:sym typeface="Calibri"/>
-                      </a:endParaRPr>
-                    </a:p>
-                  </a:txBody>
-                  <a:tcPr marL="91425" marR="91425" marT="91425" marB="91425" anchor="ctr">
-                    <a:solidFill>
-                      <a:srgbClr val="FFE5B4"/>
-                    </a:solidFill>
-                  </a:tcPr>
-                </a:tc>
-                <a:tc>
-                  <a:txBody>
-                    <a:bodyPr/>
-                    <a:lstStyle/>
-                    <a:p>
-                      <a:pPr marL="0" lvl="0" indent="0" algn="r" rtl="0">
-                        <a:spcBef>
-                          <a:spcPts val="0"/>
-                        </a:spcBef>
-                        <a:spcAft>
-                          <a:spcPts val="0"/>
-                        </a:spcAft>
-                        <a:buNone/>
-                      </a:pPr>
-                      <a:r>
-                        <a:rPr lang="en-GB" sz="600">
-                          <a:latin typeface="Calibri"/>
-                          <a:ea typeface="Calibri"/>
-                          <a:cs typeface="Calibri"/>
-                          <a:sym typeface="Calibri"/>
-                        </a:rPr>
-                        <a:t>574</a:t>
-                      </a:r>
-                      <a:endParaRPr sz="600">
-                        <a:latin typeface="Calibri"/>
-                        <a:ea typeface="Calibri"/>
-                        <a:cs typeface="Calibri"/>
-                        <a:sym typeface="Calibri"/>
-                      </a:endParaRPr>
-                    </a:p>
-                  </a:txBody>
-                  <a:tcPr marL="91425" marR="91425" marT="91425" marB="91425" anchor="ctr">
-                    <a:solidFill>
-                      <a:srgbClr val="FFE5B4"/>
-                    </a:solidFill>
-                  </a:tcPr>
-                </a:tc>
-                <a:extLst>
-                  <a:ext uri="{0D108BD9-81ED-4DB2-BD59-A6C34878D82A}">
-                    <a16:rowId xmlns:a16="http://schemas.microsoft.com/office/drawing/2014/main" val="10006"/>
-                  </a:ext>
-                </a:extLst>
-              </a:tr>
-              <a:tr h="241275">
-                <a:tc>
-                  <a:txBody>
-                    <a:bodyPr/>
-                    <a:lstStyle/>
-                    <a:p>
-                      <a:pPr marL="0" lvl="0" indent="0" algn="l" rtl="0">
-                        <a:spcBef>
-                          <a:spcPts val="0"/>
-                        </a:spcBef>
-                        <a:spcAft>
-                          <a:spcPts val="0"/>
-                        </a:spcAft>
-                        <a:buNone/>
-                      </a:pPr>
-                      <a:r>
-                        <a:rPr lang="en-GB" sz="600">
-                          <a:latin typeface="Calibri"/>
-                          <a:ea typeface="Calibri"/>
-                          <a:cs typeface="Calibri"/>
-                          <a:sym typeface="Calibri"/>
-                        </a:rPr>
-                        <a:t>YoY% growth</a:t>
-                      </a:r>
-                      <a:endParaRPr sz="600">
-                        <a:latin typeface="Calibri"/>
-                        <a:ea typeface="Calibri"/>
-                        <a:cs typeface="Calibri"/>
-                        <a:sym typeface="Calibri"/>
-                      </a:endParaRPr>
-                    </a:p>
-                  </a:txBody>
-                  <a:tcPr marL="91425" marR="91425" marT="91425" marB="91425"/>
-                </a:tc>
-                <a:tc>
-                  <a:txBody>
-                    <a:bodyPr/>
-                    <a:lstStyle/>
-                    <a:p>
-                      <a:pPr marL="0" lvl="0" indent="0" algn="r" rtl="0">
-                        <a:spcBef>
-                          <a:spcPts val="0"/>
-                        </a:spcBef>
-                        <a:spcAft>
-                          <a:spcPts val="0"/>
-                        </a:spcAft>
-                        <a:buNone/>
-                      </a:pPr>
-                      <a:r>
-                        <a:rPr lang="en-GB" sz="600" dirty="0">
-                          <a:latin typeface="Calibri"/>
-                          <a:ea typeface="Calibri"/>
-                          <a:cs typeface="Calibri"/>
-                          <a:sym typeface="Calibri"/>
-                        </a:rPr>
-                        <a:t>18.7</a:t>
-                      </a:r>
-                      <a:endParaRPr sz="600" dirty="0">
-                        <a:latin typeface="Calibri"/>
-                        <a:ea typeface="Calibri"/>
-                        <a:cs typeface="Calibri"/>
-                        <a:sym typeface="Calibri"/>
-                      </a:endParaRPr>
-                    </a:p>
-                  </a:txBody>
-                  <a:tcPr marL="91425" marR="91425" marT="91425" marB="91425" anchor="ctr"/>
-                </a:tc>
-                <a:tc>
-                  <a:txBody>
-                    <a:bodyPr/>
-                    <a:lstStyle/>
-                    <a:p>
-                      <a:pPr marL="0" lvl="0" indent="0" algn="r" rtl="0">
-                        <a:spcBef>
-                          <a:spcPts val="0"/>
-                        </a:spcBef>
-                        <a:spcAft>
-                          <a:spcPts val="0"/>
-                        </a:spcAft>
-                        <a:buNone/>
-                      </a:pPr>
-                      <a:r>
-                        <a:rPr lang="en-GB" sz="600">
-                          <a:latin typeface="Calibri"/>
-                          <a:ea typeface="Calibri"/>
-                          <a:cs typeface="Calibri"/>
-                          <a:sym typeface="Calibri"/>
-                        </a:rPr>
-                        <a:t>29.1</a:t>
-                      </a:r>
-                      <a:endParaRPr sz="600">
-                        <a:latin typeface="Calibri"/>
-                        <a:ea typeface="Calibri"/>
-                        <a:cs typeface="Calibri"/>
-                        <a:sym typeface="Calibri"/>
-                      </a:endParaRPr>
-                    </a:p>
-                  </a:txBody>
-                  <a:tcPr marL="91425" marR="91425" marT="91425" marB="91425" anchor="ctr"/>
-                </a:tc>
-                <a:tc>
-                  <a:txBody>
-                    <a:bodyPr/>
-                    <a:lstStyle/>
-                    <a:p>
-                      <a:pPr marL="0" lvl="0" indent="0" algn="r" rtl="0">
-                        <a:spcBef>
-                          <a:spcPts val="0"/>
-                        </a:spcBef>
-                        <a:spcAft>
-                          <a:spcPts val="0"/>
-                        </a:spcAft>
-                        <a:buNone/>
-                      </a:pPr>
-                      <a:r>
-                        <a:rPr lang="en-GB" sz="600">
-                          <a:latin typeface="Calibri"/>
-                          <a:ea typeface="Calibri"/>
-                          <a:cs typeface="Calibri"/>
-                          <a:sym typeface="Calibri"/>
-                        </a:rPr>
-                        <a:t>29</a:t>
-                      </a:r>
-                      <a:endParaRPr sz="600">
-                        <a:latin typeface="Calibri"/>
-                        <a:ea typeface="Calibri"/>
-                        <a:cs typeface="Calibri"/>
-                        <a:sym typeface="Calibri"/>
-                      </a:endParaRPr>
-                    </a:p>
-                  </a:txBody>
-                  <a:tcPr marL="91425" marR="91425" marT="91425" marB="91425" anchor="ctr"/>
-                </a:tc>
-                <a:tc>
-                  <a:txBody>
-                    <a:bodyPr/>
-                    <a:lstStyle/>
-                    <a:p>
-                      <a:pPr marL="0" lvl="0" indent="0" algn="r" rtl="0">
-                        <a:spcBef>
-                          <a:spcPts val="0"/>
-                        </a:spcBef>
-                        <a:spcAft>
-                          <a:spcPts val="0"/>
-                        </a:spcAft>
-                        <a:buNone/>
-                      </a:pPr>
-                      <a:r>
-                        <a:rPr lang="en-GB" sz="600">
-                          <a:latin typeface="Calibri"/>
-                          <a:ea typeface="Calibri"/>
-                          <a:cs typeface="Calibri"/>
-                          <a:sym typeface="Calibri"/>
-                        </a:rPr>
-                        <a:t>21.7</a:t>
-                      </a:r>
-                      <a:endParaRPr sz="600">
-                        <a:latin typeface="Calibri"/>
-                        <a:ea typeface="Calibri"/>
-                        <a:cs typeface="Calibri"/>
-                        <a:sym typeface="Calibri"/>
-                      </a:endParaRPr>
-                    </a:p>
-                  </a:txBody>
-                  <a:tcPr marL="91425" marR="91425" marT="91425" marB="91425" anchor="ctr"/>
-                </a:tc>
-                <a:tc>
-                  <a:txBody>
-                    <a:bodyPr/>
-                    <a:lstStyle/>
-                    <a:p>
-                      <a:pPr marL="0" lvl="0" indent="0" algn="r" rtl="0">
-                        <a:spcBef>
-                          <a:spcPts val="0"/>
-                        </a:spcBef>
-                        <a:spcAft>
-                          <a:spcPts val="0"/>
-                        </a:spcAft>
-                        <a:buNone/>
-                      </a:pPr>
-                      <a:r>
-                        <a:rPr lang="en-GB" sz="600">
-                          <a:latin typeface="Calibri"/>
-                          <a:ea typeface="Calibri"/>
-                          <a:cs typeface="Calibri"/>
-                          <a:sym typeface="Calibri"/>
-                        </a:rPr>
-                        <a:t>16.9</a:t>
-                      </a:r>
-                      <a:endParaRPr sz="600">
-                        <a:latin typeface="Calibri"/>
-                        <a:ea typeface="Calibri"/>
-                        <a:cs typeface="Calibri"/>
-                        <a:sym typeface="Calibri"/>
-                      </a:endParaRPr>
-                    </a:p>
-                  </a:txBody>
-                  <a:tcPr marL="91425" marR="91425" marT="91425" marB="91425" anchor="ctr"/>
-                </a:tc>
-                <a:extLst>
-                  <a:ext uri="{0D108BD9-81ED-4DB2-BD59-A6C34878D82A}">
-                    <a16:rowId xmlns:a16="http://schemas.microsoft.com/office/drawing/2014/main" val="10007"/>
-                  </a:ext>
-                </a:extLst>
-              </a:tr>
-              <a:tr h="241275">
-                <a:tc>
-                  <a:txBody>
-                    <a:bodyPr/>
-                    <a:lstStyle/>
-                    <a:p>
-                      <a:pPr marL="0" lvl="0" indent="0" algn="l" rtl="0">
-                        <a:spcBef>
-                          <a:spcPts val="0"/>
-                        </a:spcBef>
-                        <a:spcAft>
-                          <a:spcPts val="0"/>
-                        </a:spcAft>
-                        <a:buNone/>
-                      </a:pPr>
-                      <a:r>
-                        <a:rPr lang="en-GB" sz="600">
-                          <a:latin typeface="Calibri"/>
-                          <a:ea typeface="Calibri"/>
-                          <a:cs typeface="Calibri"/>
-                          <a:sym typeface="Calibri"/>
-                        </a:rPr>
-                        <a:t>P/E</a:t>
-                      </a:r>
-                      <a:endParaRPr sz="600">
-                        <a:latin typeface="Calibri"/>
-                        <a:ea typeface="Calibri"/>
-                        <a:cs typeface="Calibri"/>
-                        <a:sym typeface="Calibri"/>
-                      </a:endParaRPr>
-                    </a:p>
-                  </a:txBody>
-                  <a:tcPr marL="91425" marR="91425" marT="91425" marB="91425">
-                    <a:solidFill>
-                      <a:srgbClr val="FFE5B4"/>
-                    </a:solidFill>
-                  </a:tcPr>
-                </a:tc>
-                <a:tc>
-                  <a:txBody>
-                    <a:bodyPr/>
-                    <a:lstStyle/>
-                    <a:p>
-                      <a:pPr marL="0" lvl="0" indent="0" algn="r" rtl="0">
-                        <a:spcBef>
-                          <a:spcPts val="0"/>
-                        </a:spcBef>
-                        <a:spcAft>
-                          <a:spcPts val="0"/>
-                        </a:spcAft>
-                        <a:buNone/>
-                      </a:pPr>
-                      <a:r>
-                        <a:rPr lang="en-GB" sz="600">
-                          <a:latin typeface="Calibri"/>
-                          <a:ea typeface="Calibri"/>
-                          <a:cs typeface="Calibri"/>
-                          <a:sym typeface="Calibri"/>
-                        </a:rPr>
-                        <a:t>45</a:t>
-                      </a:r>
-                      <a:endParaRPr sz="600">
-                        <a:latin typeface="Calibri"/>
-                        <a:ea typeface="Calibri"/>
-                        <a:cs typeface="Calibri"/>
-                        <a:sym typeface="Calibri"/>
-                      </a:endParaRPr>
-                    </a:p>
-                  </a:txBody>
-                  <a:tcPr marL="91425" marR="91425" marT="91425" marB="91425" anchor="ctr">
-                    <a:solidFill>
-                      <a:srgbClr val="FFE5B4"/>
-                    </a:solidFill>
-                  </a:tcPr>
-                </a:tc>
-                <a:tc>
-                  <a:txBody>
-                    <a:bodyPr/>
-                    <a:lstStyle/>
-                    <a:p>
-                      <a:pPr marL="0" lvl="0" indent="0" algn="r" rtl="0">
-                        <a:spcBef>
-                          <a:spcPts val="0"/>
-                        </a:spcBef>
-                        <a:spcAft>
-                          <a:spcPts val="0"/>
-                        </a:spcAft>
-                        <a:buNone/>
-                      </a:pPr>
-                      <a:r>
-                        <a:rPr lang="en-GB" sz="600">
-                          <a:latin typeface="Calibri"/>
-                          <a:ea typeface="Calibri"/>
-                          <a:cs typeface="Calibri"/>
-                          <a:sym typeface="Calibri"/>
-                        </a:rPr>
-                        <a:t>37</a:t>
-                      </a:r>
-                      <a:endParaRPr sz="600">
-                        <a:latin typeface="Calibri"/>
-                        <a:ea typeface="Calibri"/>
-                        <a:cs typeface="Calibri"/>
-                        <a:sym typeface="Calibri"/>
-                      </a:endParaRPr>
-                    </a:p>
-                  </a:txBody>
-                  <a:tcPr marL="91425" marR="91425" marT="91425" marB="91425" anchor="ctr">
-                    <a:solidFill>
-                      <a:srgbClr val="FFE5B4"/>
-                    </a:solidFill>
-                  </a:tcPr>
-                </a:tc>
-                <a:tc>
-                  <a:txBody>
-                    <a:bodyPr/>
-                    <a:lstStyle/>
-                    <a:p>
-                      <a:pPr marL="0" lvl="0" indent="0" algn="r" rtl="0">
-                        <a:spcBef>
-                          <a:spcPts val="0"/>
-                        </a:spcBef>
-                        <a:spcAft>
-                          <a:spcPts val="0"/>
-                        </a:spcAft>
-                        <a:buNone/>
-                      </a:pPr>
-                      <a:r>
-                        <a:rPr lang="en-GB" sz="600">
-                          <a:latin typeface="Calibri"/>
-                          <a:ea typeface="Calibri"/>
-                          <a:cs typeface="Calibri"/>
-                          <a:sym typeface="Calibri"/>
-                        </a:rPr>
-                        <a:t>28</a:t>
-                      </a:r>
-                      <a:endParaRPr sz="600">
-                        <a:latin typeface="Calibri"/>
-                        <a:ea typeface="Calibri"/>
-                        <a:cs typeface="Calibri"/>
-                        <a:sym typeface="Calibri"/>
-                      </a:endParaRPr>
-                    </a:p>
-                  </a:txBody>
-                  <a:tcPr marL="91425" marR="91425" marT="91425" marB="91425" anchor="ctr">
-                    <a:solidFill>
-                      <a:srgbClr val="FFE5B4"/>
-                    </a:solidFill>
-                  </a:tcPr>
-                </a:tc>
-                <a:tc>
-                  <a:txBody>
-                    <a:bodyPr/>
-                    <a:lstStyle/>
-                    <a:p>
-                      <a:pPr marL="0" lvl="0" indent="0" algn="r" rtl="0">
-                        <a:spcBef>
-                          <a:spcPts val="0"/>
-                        </a:spcBef>
-                        <a:spcAft>
-                          <a:spcPts val="0"/>
-                        </a:spcAft>
-                        <a:buNone/>
-                      </a:pPr>
-                      <a:r>
-                        <a:rPr lang="en-GB" sz="600">
-                          <a:latin typeface="Calibri"/>
-                          <a:ea typeface="Calibri"/>
-                          <a:cs typeface="Calibri"/>
-                          <a:sym typeface="Calibri"/>
-                        </a:rPr>
-                        <a:t>23</a:t>
-                      </a:r>
-                      <a:endParaRPr sz="600">
-                        <a:latin typeface="Calibri"/>
-                        <a:ea typeface="Calibri"/>
-                        <a:cs typeface="Calibri"/>
-                        <a:sym typeface="Calibri"/>
-                      </a:endParaRPr>
-                    </a:p>
-                  </a:txBody>
-                  <a:tcPr marL="91425" marR="91425" marT="91425" marB="91425" anchor="ctr">
-                    <a:solidFill>
-                      <a:srgbClr val="FFE5B4"/>
-                    </a:solidFill>
-                  </a:tcPr>
-                </a:tc>
-                <a:tc>
-                  <a:txBody>
-                    <a:bodyPr/>
-                    <a:lstStyle/>
-                    <a:p>
-                      <a:pPr marL="0" lvl="0" indent="0" algn="r" rtl="0">
-                        <a:spcBef>
-                          <a:spcPts val="0"/>
-                        </a:spcBef>
-                        <a:spcAft>
-                          <a:spcPts val="0"/>
-                        </a:spcAft>
-                        <a:buNone/>
-                      </a:pPr>
-                      <a:r>
-                        <a:rPr lang="en-GB" sz="600">
-                          <a:latin typeface="Calibri"/>
-                          <a:ea typeface="Calibri"/>
-                          <a:cs typeface="Calibri"/>
-                          <a:sym typeface="Calibri"/>
-                        </a:rPr>
-                        <a:t>21</a:t>
-                      </a:r>
-                      <a:endParaRPr sz="600">
-                        <a:latin typeface="Calibri"/>
-                        <a:ea typeface="Calibri"/>
-                        <a:cs typeface="Calibri"/>
-                        <a:sym typeface="Calibri"/>
-                      </a:endParaRPr>
-                    </a:p>
-                  </a:txBody>
-                  <a:tcPr marL="91425" marR="91425" marT="91425" marB="91425" anchor="ctr">
-                    <a:solidFill>
-                      <a:srgbClr val="FFE5B4"/>
-                    </a:solidFill>
-                  </a:tcPr>
-                </a:tc>
-                <a:extLst>
-                  <a:ext uri="{0D108BD9-81ED-4DB2-BD59-A6C34878D82A}">
-                    <a16:rowId xmlns:a16="http://schemas.microsoft.com/office/drawing/2014/main" val="10008"/>
-                  </a:ext>
-                </a:extLst>
-              </a:tr>
-              <a:tr h="241275">
-                <a:tc>
-                  <a:txBody>
-                    <a:bodyPr/>
-                    <a:lstStyle/>
-                    <a:p>
-                      <a:pPr marL="0" lvl="0" indent="0" algn="l" rtl="0">
-                        <a:spcBef>
-                          <a:spcPts val="0"/>
-                        </a:spcBef>
-                        <a:spcAft>
-                          <a:spcPts val="0"/>
-                        </a:spcAft>
-                        <a:buNone/>
-                      </a:pPr>
-                      <a:r>
-                        <a:rPr lang="en-GB" sz="600">
-                          <a:latin typeface="Calibri"/>
-                          <a:ea typeface="Calibri"/>
-                          <a:cs typeface="Calibri"/>
-                          <a:sym typeface="Calibri"/>
-                        </a:rPr>
-                        <a:t>P/B</a:t>
-                      </a:r>
-                      <a:endParaRPr sz="600">
-                        <a:latin typeface="Calibri"/>
-                        <a:ea typeface="Calibri"/>
-                        <a:cs typeface="Calibri"/>
-                        <a:sym typeface="Calibri"/>
-                      </a:endParaRPr>
-                    </a:p>
-                  </a:txBody>
-                  <a:tcPr marL="91425" marR="91425" marT="91425" marB="91425"/>
-                </a:tc>
-                <a:tc>
-                  <a:txBody>
-                    <a:bodyPr/>
-                    <a:lstStyle/>
-                    <a:p>
-                      <a:pPr marL="0" lvl="0" indent="0" algn="r" rtl="0">
-                        <a:spcBef>
-                          <a:spcPts val="0"/>
-                        </a:spcBef>
-                        <a:spcAft>
-                          <a:spcPts val="0"/>
-                        </a:spcAft>
-                        <a:buNone/>
-                      </a:pPr>
-                      <a:r>
-                        <a:rPr lang="en-GB" sz="600">
-                          <a:latin typeface="Calibri"/>
-                          <a:ea typeface="Calibri"/>
-                          <a:cs typeface="Calibri"/>
-                          <a:sym typeface="Calibri"/>
-                        </a:rPr>
-                        <a:t>14.0</a:t>
-                      </a:r>
-                      <a:endParaRPr sz="600">
-                        <a:latin typeface="Calibri"/>
-                        <a:ea typeface="Calibri"/>
-                        <a:cs typeface="Calibri"/>
-                        <a:sym typeface="Calibri"/>
-                      </a:endParaRPr>
-                    </a:p>
-                  </a:txBody>
-                  <a:tcPr marL="91425" marR="91425" marT="91425" marB="91425" anchor="ctr"/>
-                </a:tc>
-                <a:tc>
-                  <a:txBody>
-                    <a:bodyPr/>
-                    <a:lstStyle/>
-                    <a:p>
-                      <a:pPr marL="0" lvl="0" indent="0" algn="r" rtl="0">
-                        <a:spcBef>
-                          <a:spcPts val="0"/>
-                        </a:spcBef>
-                        <a:spcAft>
-                          <a:spcPts val="0"/>
-                        </a:spcAft>
-                        <a:buNone/>
-                      </a:pPr>
-                      <a:r>
-                        <a:rPr lang="en-GB" sz="600">
-                          <a:latin typeface="Calibri"/>
-                          <a:ea typeface="Calibri"/>
-                          <a:cs typeface="Calibri"/>
-                          <a:sym typeface="Calibri"/>
-                        </a:rPr>
-                        <a:t>5.6</a:t>
-                      </a:r>
-                      <a:endParaRPr sz="600">
-                        <a:latin typeface="Calibri"/>
-                        <a:ea typeface="Calibri"/>
-                        <a:cs typeface="Calibri"/>
-                        <a:sym typeface="Calibri"/>
-                      </a:endParaRPr>
-                    </a:p>
-                  </a:txBody>
-                  <a:tcPr marL="91425" marR="91425" marT="91425" marB="91425" anchor="ctr"/>
-                </a:tc>
-                <a:tc>
-                  <a:txBody>
-                    <a:bodyPr/>
-                    <a:lstStyle/>
-                    <a:p>
-                      <a:pPr marL="0" lvl="0" indent="0" algn="r" rtl="0">
-                        <a:spcBef>
-                          <a:spcPts val="0"/>
-                        </a:spcBef>
-                        <a:spcAft>
-                          <a:spcPts val="0"/>
-                        </a:spcAft>
-                        <a:buNone/>
-                      </a:pPr>
-                      <a:r>
-                        <a:rPr lang="en-GB" sz="600">
-                          <a:latin typeface="Calibri"/>
-                          <a:ea typeface="Calibri"/>
-                          <a:cs typeface="Calibri"/>
-                          <a:sym typeface="Calibri"/>
-                        </a:rPr>
-                        <a:t>4.8</a:t>
-                      </a:r>
-                      <a:endParaRPr sz="600">
-                        <a:latin typeface="Calibri"/>
-                        <a:ea typeface="Calibri"/>
-                        <a:cs typeface="Calibri"/>
-                        <a:sym typeface="Calibri"/>
-                      </a:endParaRPr>
-                    </a:p>
-                  </a:txBody>
-                  <a:tcPr marL="91425" marR="91425" marT="91425" marB="91425" anchor="ctr"/>
-                </a:tc>
-                <a:tc>
-                  <a:txBody>
-                    <a:bodyPr/>
-                    <a:lstStyle/>
-                    <a:p>
-                      <a:pPr marL="0" lvl="0" indent="0" algn="r" rtl="0">
-                        <a:spcBef>
-                          <a:spcPts val="0"/>
-                        </a:spcBef>
-                        <a:spcAft>
-                          <a:spcPts val="0"/>
-                        </a:spcAft>
-                        <a:buNone/>
-                      </a:pPr>
-                      <a:r>
-                        <a:rPr lang="en-GB" sz="600">
-                          <a:latin typeface="Calibri"/>
-                          <a:ea typeface="Calibri"/>
-                          <a:cs typeface="Calibri"/>
-                          <a:sym typeface="Calibri"/>
-                        </a:rPr>
-                        <a:t>4.1</a:t>
-                      </a:r>
-                      <a:endParaRPr sz="600">
-                        <a:latin typeface="Calibri"/>
-                        <a:ea typeface="Calibri"/>
-                        <a:cs typeface="Calibri"/>
-                        <a:sym typeface="Calibri"/>
-                      </a:endParaRPr>
-                    </a:p>
-                  </a:txBody>
-                  <a:tcPr marL="91425" marR="91425" marT="91425" marB="91425" anchor="ctr"/>
-                </a:tc>
-                <a:tc>
-                  <a:txBody>
-                    <a:bodyPr/>
-                    <a:lstStyle/>
-                    <a:p>
-                      <a:pPr marL="0" lvl="0" indent="0" algn="r" rtl="0">
-                        <a:spcBef>
-                          <a:spcPts val="0"/>
-                        </a:spcBef>
-                        <a:spcAft>
-                          <a:spcPts val="0"/>
-                        </a:spcAft>
-                        <a:buNone/>
-                      </a:pPr>
-                      <a:r>
-                        <a:rPr lang="en-GB" sz="600" dirty="0">
-                          <a:latin typeface="Calibri"/>
-                          <a:ea typeface="Calibri"/>
-                          <a:cs typeface="Calibri"/>
-                          <a:sym typeface="Calibri"/>
-                        </a:rPr>
-                        <a:t>3.5</a:t>
-                      </a:r>
-                      <a:endParaRPr sz="600" dirty="0">
-                        <a:latin typeface="Calibri"/>
-                        <a:ea typeface="Calibri"/>
-                        <a:cs typeface="Calibri"/>
-                        <a:sym typeface="Calibri"/>
-                      </a:endParaRPr>
-                    </a:p>
-                  </a:txBody>
-                  <a:tcPr marL="91425" marR="91425" marT="91425" marB="91425" anchor="ctr"/>
-                </a:tc>
-                <a:extLst>
-                  <a:ext uri="{0D108BD9-81ED-4DB2-BD59-A6C34878D82A}">
-                    <a16:rowId xmlns:a16="http://schemas.microsoft.com/office/drawing/2014/main" val="10009"/>
-                  </a:ext>
-                </a:extLst>
-              </a:tr>
-            </a:tbl>
-          </a:graphicData>
-        </a:graphic>
-      </p:graphicFrame>
       <p:sp>
         <p:nvSpPr>
           <p:cNvPr id="81" name="Google Shape;81;p15"/>
@@ -12092,7 +9822,7 @@
               <a:buChar char="❏"/>
             </a:pPr>
             <a:r>
-              <a:rPr lang="en-IN" sz="1000"/>
+              <a:rPr lang="en-IN" sz="1000" dirty="0"/>
               <a:t>{{</a:t>
             </a:r>
             <a:r>
@@ -12121,7 +9851,7 @@
         </p:nvSpPr>
         <p:spPr>
           <a:xfrm>
-            <a:off x="5926667" y="1061156"/>
+            <a:off x="6016978" y="1072445"/>
             <a:ext cx="1885244" cy="307777"/>
           </a:xfrm>
           <a:prstGeom prst="rect">
@@ -12147,6 +9877,52 @@
               <a:rPr lang="en-IN" dirty="0"/>
               <a:t>}}</a:t>
             </a:r>
+          </a:p>
+        </p:txBody>
+      </p:sp>
+      <p:sp>
+        <p:nvSpPr>
+          <p:cNvPr id="3" name="TextBox 2">
+            <a:extLst>
+              <a:ext uri="{FF2B5EF4-FFF2-40B4-BE49-F238E27FC236}">
+                <a16:creationId xmlns:a16="http://schemas.microsoft.com/office/drawing/2014/main" id="{3DB982E2-45EC-00E1-87F1-5279982DE9A4}"/>
+              </a:ext>
+            </a:extLst>
+          </p:cNvPr>
+          <p:cNvSpPr txBox="1"/>
+          <p:nvPr/>
+        </p:nvSpPr>
+        <p:spPr>
+          <a:xfrm>
+            <a:off x="6220178" y="3454400"/>
+            <a:ext cx="1367682" cy="492443"/>
+          </a:xfrm>
+          <a:prstGeom prst="rect">
+            <a:avLst/>
+          </a:prstGeom>
+          <a:noFill/>
+        </p:spPr>
+        <p:txBody>
+          <a:bodyPr wrap="none" rtlCol="0">
+            <a:spAutoFit/>
+          </a:bodyPr>
+          <a:lstStyle/>
+          <a:p>
+            <a:r>
+              <a:rPr lang="en-IN" sz="1200" dirty="0"/>
+              <a:t>{{</a:t>
+            </a:r>
+            <a:r>
+              <a:rPr lang="en-IN" sz="1200" dirty="0" err="1"/>
+              <a:t>financial_table</a:t>
+            </a:r>
+            <a:r>
+              <a:rPr lang="en-IN" sz="1200" dirty="0"/>
+              <a:t>}}</a:t>
+            </a:r>
+          </a:p>
+          <a:p>
+            <a:endParaRPr lang="en-IN" dirty="0"/>
           </a:p>
         </p:txBody>
       </p:sp>

--- a/master_template.pptx
+++ b/master_template.pptx
@@ -9880,49 +9880,4038 @@
           </a:p>
         </p:txBody>
       </p:sp>
-      <p:sp>
-        <p:nvSpPr>
-          <p:cNvPr id="3" name="TextBox 2">
+      <p:graphicFrame>
+        <p:nvGraphicFramePr>
+          <p:cNvPr id="4" name="Table 3">
             <a:extLst>
               <a:ext uri="{FF2B5EF4-FFF2-40B4-BE49-F238E27FC236}">
-                <a16:creationId xmlns:a16="http://schemas.microsoft.com/office/drawing/2014/main" id="{3DB982E2-45EC-00E1-87F1-5279982DE9A4}"/>
+                <a16:creationId xmlns:a16="http://schemas.microsoft.com/office/drawing/2014/main" id="{010EA07D-E885-E5D8-E8E6-D141A56152EA}"/>
               </a:ext>
             </a:extLst>
           </p:cNvPr>
-          <p:cNvSpPr txBox="1"/>
+          <p:cNvGraphicFramePr>
+            <a:graphicFrameLocks noGrp="1"/>
+          </p:cNvGraphicFramePr>
+          <p:nvPr>
+            <p:extLst>
+              <p:ext uri="{D42A27DB-BD31-4B8C-83A1-F6EECF244321}">
+                <p14:modId xmlns:p14="http://schemas.microsoft.com/office/powerpoint/2010/main" val="4202596862"/>
+              </p:ext>
+            </p:extLst>
+          </p:nvPr>
+        </p:nvGraphicFramePr>
+        <p:xfrm>
+          <a:off x="4962525" y="1646445"/>
+          <a:ext cx="3867150" cy="3124280"/>
+        </p:xfrm>
+        <a:graphic>
+          <a:graphicData uri="http://schemas.openxmlformats.org/drawingml/2006/table">
+            <a:tbl>
+              <a:tblPr/>
+              <a:tblGrid>
+                <a:gridCol w="769262">
+                  <a:extLst>
+                    <a:ext uri="{9D8B030D-6E8A-4147-A177-3AD203B41FA5}">
+                      <a16:colId xmlns:a16="http://schemas.microsoft.com/office/drawing/2014/main" val="1069966037"/>
+                    </a:ext>
+                  </a:extLst>
+                </a:gridCol>
+                <a:gridCol w="612722">
+                  <a:extLst>
+                    <a:ext uri="{9D8B030D-6E8A-4147-A177-3AD203B41FA5}">
+                      <a16:colId xmlns:a16="http://schemas.microsoft.com/office/drawing/2014/main" val="3993124200"/>
+                    </a:ext>
+                  </a:extLst>
+                </a:gridCol>
+                <a:gridCol w="612722">
+                  <a:extLst>
+                    <a:ext uri="{9D8B030D-6E8A-4147-A177-3AD203B41FA5}">
+                      <a16:colId xmlns:a16="http://schemas.microsoft.com/office/drawing/2014/main" val="2304610044"/>
+                    </a:ext>
+                  </a:extLst>
+                </a:gridCol>
+                <a:gridCol w="612722">
+                  <a:extLst>
+                    <a:ext uri="{9D8B030D-6E8A-4147-A177-3AD203B41FA5}">
+                      <a16:colId xmlns:a16="http://schemas.microsoft.com/office/drawing/2014/main" val="2954385777"/>
+                    </a:ext>
+                  </a:extLst>
+                </a:gridCol>
+                <a:gridCol w="612722">
+                  <a:extLst>
+                    <a:ext uri="{9D8B030D-6E8A-4147-A177-3AD203B41FA5}">
+                      <a16:colId xmlns:a16="http://schemas.microsoft.com/office/drawing/2014/main" val="2937344670"/>
+                    </a:ext>
+                  </a:extLst>
+                </a:gridCol>
+                <a:gridCol w="647000">
+                  <a:extLst>
+                    <a:ext uri="{9D8B030D-6E8A-4147-A177-3AD203B41FA5}">
+                      <a16:colId xmlns:a16="http://schemas.microsoft.com/office/drawing/2014/main" val="1580030156"/>
+                    </a:ext>
+                  </a:extLst>
+                </a:gridCol>
+              </a:tblGrid>
+              <a:tr h="273457">
+                <a:tc>
+                  <a:txBody>
+                    <a:bodyPr/>
+                    <a:lstStyle/>
+                    <a:p>
+                      <a:pPr rtl="0" fontAlgn="t">
+                        <a:buNone/>
+                      </a:pPr>
+                      <a:r>
+                        <a:rPr lang="en-IN" sz="600" b="1" i="0" u="none" strike="noStrike">
+                          <a:solidFill>
+                            <a:schemeClr val="tx1"/>
+                          </a:solidFill>
+                          <a:effectLst/>
+                          <a:latin typeface="Calibri" panose="020F0502020204030204" pitchFamily="34" charset="0"/>
+                        </a:rPr>
+                        <a:t>Particulars</a:t>
+                      </a:r>
+                      <a:endParaRPr lang="en-IN">
+                        <a:solidFill>
+                          <a:schemeClr val="tx1"/>
+                        </a:solidFill>
+                        <a:effectLst/>
+                      </a:endParaRPr>
+                    </a:p>
+                  </a:txBody>
+                  <a:tcPr marL="95250" marR="95250" marT="95250" marB="95250">
+                    <a:lnL w="9525" cap="flat" cmpd="sng" algn="ctr">
+                      <a:solidFill>
+                        <a:srgbClr val="9E9E9E"/>
+                      </a:solidFill>
+                      <a:prstDash val="solid"/>
+                      <a:round/>
+                      <a:headEnd type="none" w="med" len="med"/>
+                      <a:tailEnd type="none" w="med" len="med"/>
+                    </a:lnL>
+                    <a:lnR w="9525" cap="flat" cmpd="sng" algn="ctr">
+                      <a:solidFill>
+                        <a:srgbClr val="9E9E9E"/>
+                      </a:solidFill>
+                      <a:prstDash val="solid"/>
+                      <a:round/>
+                      <a:headEnd type="none" w="med" len="med"/>
+                      <a:tailEnd type="none" w="med" len="med"/>
+                    </a:lnR>
+                    <a:lnT w="9525" cap="flat" cmpd="sng" algn="ctr">
+                      <a:solidFill>
+                        <a:srgbClr val="9E9E9E"/>
+                      </a:solidFill>
+                      <a:prstDash val="solid"/>
+                      <a:round/>
+                      <a:headEnd type="none" w="med" len="med"/>
+                      <a:tailEnd type="none" w="med" len="med"/>
+                    </a:lnT>
+                    <a:lnB w="9525" cap="flat" cmpd="sng" algn="ctr">
+                      <a:solidFill>
+                        <a:srgbClr val="9E9E9E"/>
+                      </a:solidFill>
+                      <a:prstDash val="solid"/>
+                      <a:round/>
+                      <a:headEnd type="none" w="med" len="med"/>
+                      <a:tailEnd type="none" w="med" len="med"/>
+                    </a:lnB>
+                    <a:solidFill>
+                      <a:srgbClr val="1F4690"/>
+                    </a:solidFill>
+                  </a:tcPr>
+                </a:tc>
+                <a:tc>
+                  <a:txBody>
+                    <a:bodyPr/>
+                    <a:lstStyle/>
+                    <a:p>
+                      <a:pPr algn="r" rtl="0" fontAlgn="ctr">
+                        <a:buNone/>
+                      </a:pPr>
+                      <a:r>
+                        <a:rPr lang="en-IN" sz="600" b="1" i="0" u="none" strike="noStrike">
+                          <a:solidFill>
+                            <a:schemeClr val="tx1"/>
+                          </a:solidFill>
+                          <a:effectLst/>
+                          <a:latin typeface="Calibri" panose="020F0502020204030204" pitchFamily="34" charset="0"/>
+                        </a:rPr>
+                        <a:t>FY24A</a:t>
+                      </a:r>
+                      <a:endParaRPr lang="en-IN">
+                        <a:solidFill>
+                          <a:schemeClr val="tx1"/>
+                        </a:solidFill>
+                        <a:effectLst/>
+                      </a:endParaRPr>
+                    </a:p>
+                  </a:txBody>
+                  <a:tcPr marL="95250" marR="95250" marT="95250" marB="95250" anchor="ctr">
+                    <a:lnL w="9525" cap="flat" cmpd="sng" algn="ctr">
+                      <a:solidFill>
+                        <a:srgbClr val="9E9E9E"/>
+                      </a:solidFill>
+                      <a:prstDash val="solid"/>
+                      <a:round/>
+                      <a:headEnd type="none" w="med" len="med"/>
+                      <a:tailEnd type="none" w="med" len="med"/>
+                    </a:lnL>
+                    <a:lnR w="9525" cap="flat" cmpd="sng" algn="ctr">
+                      <a:solidFill>
+                        <a:srgbClr val="9E9E9E"/>
+                      </a:solidFill>
+                      <a:prstDash val="solid"/>
+                      <a:round/>
+                      <a:headEnd type="none" w="med" len="med"/>
+                      <a:tailEnd type="none" w="med" len="med"/>
+                    </a:lnR>
+                    <a:lnT w="9525" cap="flat" cmpd="sng" algn="ctr">
+                      <a:solidFill>
+                        <a:srgbClr val="9E9E9E"/>
+                      </a:solidFill>
+                      <a:prstDash val="solid"/>
+                      <a:round/>
+                      <a:headEnd type="none" w="med" len="med"/>
+                      <a:tailEnd type="none" w="med" len="med"/>
+                    </a:lnT>
+                    <a:lnB w="9525" cap="flat" cmpd="sng" algn="ctr">
+                      <a:solidFill>
+                        <a:srgbClr val="9E9E9E"/>
+                      </a:solidFill>
+                      <a:prstDash val="solid"/>
+                      <a:round/>
+                      <a:headEnd type="none" w="med" len="med"/>
+                      <a:tailEnd type="none" w="med" len="med"/>
+                    </a:lnB>
+                    <a:solidFill>
+                      <a:srgbClr val="1F4690"/>
+                    </a:solidFill>
+                  </a:tcPr>
+                </a:tc>
+                <a:tc>
+                  <a:txBody>
+                    <a:bodyPr/>
+                    <a:lstStyle/>
+                    <a:p>
+                      <a:pPr algn="r" rtl="0" fontAlgn="ctr">
+                        <a:buNone/>
+                      </a:pPr>
+                      <a:r>
+                        <a:rPr lang="en-IN" sz="600" b="1" i="0" u="none" strike="noStrike">
+                          <a:solidFill>
+                            <a:schemeClr val="tx1"/>
+                          </a:solidFill>
+                          <a:effectLst/>
+                          <a:latin typeface="Calibri" panose="020F0502020204030204" pitchFamily="34" charset="0"/>
+                        </a:rPr>
+                        <a:t>FY25A</a:t>
+                      </a:r>
+                      <a:endParaRPr lang="en-IN">
+                        <a:solidFill>
+                          <a:schemeClr val="tx1"/>
+                        </a:solidFill>
+                        <a:effectLst/>
+                      </a:endParaRPr>
+                    </a:p>
+                  </a:txBody>
+                  <a:tcPr marL="95250" marR="95250" marT="95250" marB="95250" anchor="ctr">
+                    <a:lnL w="9525" cap="flat" cmpd="sng" algn="ctr">
+                      <a:solidFill>
+                        <a:srgbClr val="9E9E9E"/>
+                      </a:solidFill>
+                      <a:prstDash val="solid"/>
+                      <a:round/>
+                      <a:headEnd type="none" w="med" len="med"/>
+                      <a:tailEnd type="none" w="med" len="med"/>
+                    </a:lnL>
+                    <a:lnR w="9525" cap="flat" cmpd="sng" algn="ctr">
+                      <a:solidFill>
+                        <a:srgbClr val="9E9E9E"/>
+                      </a:solidFill>
+                      <a:prstDash val="solid"/>
+                      <a:round/>
+                      <a:headEnd type="none" w="med" len="med"/>
+                      <a:tailEnd type="none" w="med" len="med"/>
+                    </a:lnR>
+                    <a:lnT w="9525" cap="flat" cmpd="sng" algn="ctr">
+                      <a:solidFill>
+                        <a:srgbClr val="9E9E9E"/>
+                      </a:solidFill>
+                      <a:prstDash val="solid"/>
+                      <a:round/>
+                      <a:headEnd type="none" w="med" len="med"/>
+                      <a:tailEnd type="none" w="med" len="med"/>
+                    </a:lnT>
+                    <a:lnB w="9525" cap="flat" cmpd="sng" algn="ctr">
+                      <a:solidFill>
+                        <a:srgbClr val="9E9E9E"/>
+                      </a:solidFill>
+                      <a:prstDash val="solid"/>
+                      <a:round/>
+                      <a:headEnd type="none" w="med" len="med"/>
+                      <a:tailEnd type="none" w="med" len="med"/>
+                    </a:lnB>
+                    <a:solidFill>
+                      <a:srgbClr val="1F4690"/>
+                    </a:solidFill>
+                  </a:tcPr>
+                </a:tc>
+                <a:tc>
+                  <a:txBody>
+                    <a:bodyPr/>
+                    <a:lstStyle/>
+                    <a:p>
+                      <a:pPr algn="r" rtl="0" fontAlgn="ctr">
+                        <a:buNone/>
+                      </a:pPr>
+                      <a:r>
+                        <a:rPr lang="en-IN" sz="600" b="1" i="0" u="none" strike="noStrike">
+                          <a:solidFill>
+                            <a:schemeClr val="tx1"/>
+                          </a:solidFill>
+                          <a:effectLst/>
+                          <a:latin typeface="Calibri" panose="020F0502020204030204" pitchFamily="34" charset="0"/>
+                        </a:rPr>
+                        <a:t>FY26E</a:t>
+                      </a:r>
+                      <a:endParaRPr lang="en-IN">
+                        <a:solidFill>
+                          <a:schemeClr val="tx1"/>
+                        </a:solidFill>
+                        <a:effectLst/>
+                      </a:endParaRPr>
+                    </a:p>
+                  </a:txBody>
+                  <a:tcPr marL="95250" marR="95250" marT="95250" marB="95250" anchor="ctr">
+                    <a:lnL w="9525" cap="flat" cmpd="sng" algn="ctr">
+                      <a:solidFill>
+                        <a:srgbClr val="9E9E9E"/>
+                      </a:solidFill>
+                      <a:prstDash val="solid"/>
+                      <a:round/>
+                      <a:headEnd type="none" w="med" len="med"/>
+                      <a:tailEnd type="none" w="med" len="med"/>
+                    </a:lnL>
+                    <a:lnR w="9525" cap="flat" cmpd="sng" algn="ctr">
+                      <a:solidFill>
+                        <a:srgbClr val="9E9E9E"/>
+                      </a:solidFill>
+                      <a:prstDash val="solid"/>
+                      <a:round/>
+                      <a:headEnd type="none" w="med" len="med"/>
+                      <a:tailEnd type="none" w="med" len="med"/>
+                    </a:lnR>
+                    <a:lnT w="9525" cap="flat" cmpd="sng" algn="ctr">
+                      <a:solidFill>
+                        <a:srgbClr val="9E9E9E"/>
+                      </a:solidFill>
+                      <a:prstDash val="solid"/>
+                      <a:round/>
+                      <a:headEnd type="none" w="med" len="med"/>
+                      <a:tailEnd type="none" w="med" len="med"/>
+                    </a:lnT>
+                    <a:lnB w="9525" cap="flat" cmpd="sng" algn="ctr">
+                      <a:solidFill>
+                        <a:srgbClr val="9E9E9E"/>
+                      </a:solidFill>
+                      <a:prstDash val="solid"/>
+                      <a:round/>
+                      <a:headEnd type="none" w="med" len="med"/>
+                      <a:tailEnd type="none" w="med" len="med"/>
+                    </a:lnB>
+                    <a:solidFill>
+                      <a:srgbClr val="1F4690"/>
+                    </a:solidFill>
+                  </a:tcPr>
+                </a:tc>
+                <a:tc>
+                  <a:txBody>
+                    <a:bodyPr/>
+                    <a:lstStyle/>
+                    <a:p>
+                      <a:pPr algn="r" rtl="0" fontAlgn="ctr">
+                        <a:buNone/>
+                      </a:pPr>
+                      <a:r>
+                        <a:rPr lang="en-IN" sz="600" b="1" i="0" u="none" strike="noStrike">
+                          <a:solidFill>
+                            <a:schemeClr val="tx1"/>
+                          </a:solidFill>
+                          <a:effectLst/>
+                          <a:latin typeface="Calibri" panose="020F0502020204030204" pitchFamily="34" charset="0"/>
+                        </a:rPr>
+                        <a:t>FY27E</a:t>
+                      </a:r>
+                      <a:endParaRPr lang="en-IN">
+                        <a:solidFill>
+                          <a:schemeClr val="tx1"/>
+                        </a:solidFill>
+                        <a:effectLst/>
+                      </a:endParaRPr>
+                    </a:p>
+                  </a:txBody>
+                  <a:tcPr marL="95250" marR="95250" marT="95250" marB="95250" anchor="ctr">
+                    <a:lnL w="9525" cap="flat" cmpd="sng" algn="ctr">
+                      <a:solidFill>
+                        <a:srgbClr val="9E9E9E"/>
+                      </a:solidFill>
+                      <a:prstDash val="solid"/>
+                      <a:round/>
+                      <a:headEnd type="none" w="med" len="med"/>
+                      <a:tailEnd type="none" w="med" len="med"/>
+                    </a:lnL>
+                    <a:lnR w="9525" cap="flat" cmpd="sng" algn="ctr">
+                      <a:solidFill>
+                        <a:srgbClr val="9E9E9E"/>
+                      </a:solidFill>
+                      <a:prstDash val="solid"/>
+                      <a:round/>
+                      <a:headEnd type="none" w="med" len="med"/>
+                      <a:tailEnd type="none" w="med" len="med"/>
+                    </a:lnR>
+                    <a:lnT w="9525" cap="flat" cmpd="sng" algn="ctr">
+                      <a:solidFill>
+                        <a:srgbClr val="9E9E9E"/>
+                      </a:solidFill>
+                      <a:prstDash val="solid"/>
+                      <a:round/>
+                      <a:headEnd type="none" w="med" len="med"/>
+                      <a:tailEnd type="none" w="med" len="med"/>
+                    </a:lnT>
+                    <a:lnB w="9525" cap="flat" cmpd="sng" algn="ctr">
+                      <a:solidFill>
+                        <a:srgbClr val="9E9E9E"/>
+                      </a:solidFill>
+                      <a:prstDash val="solid"/>
+                      <a:round/>
+                      <a:headEnd type="none" w="med" len="med"/>
+                      <a:tailEnd type="none" w="med" len="med"/>
+                    </a:lnB>
+                    <a:solidFill>
+                      <a:srgbClr val="1F4690"/>
+                    </a:solidFill>
+                  </a:tcPr>
+                </a:tc>
+                <a:tc>
+                  <a:txBody>
+                    <a:bodyPr/>
+                    <a:lstStyle/>
+                    <a:p>
+                      <a:pPr algn="r" rtl="0" fontAlgn="ctr">
+                        <a:buNone/>
+                      </a:pPr>
+                      <a:r>
+                        <a:rPr lang="en-IN" sz="600" b="1" i="0" u="none" strike="noStrike">
+                          <a:solidFill>
+                            <a:schemeClr val="tx1"/>
+                          </a:solidFill>
+                          <a:effectLst/>
+                          <a:latin typeface="Calibri" panose="020F0502020204030204" pitchFamily="34" charset="0"/>
+                        </a:rPr>
+                        <a:t>FY28E</a:t>
+                      </a:r>
+                      <a:endParaRPr lang="en-IN">
+                        <a:solidFill>
+                          <a:schemeClr val="tx1"/>
+                        </a:solidFill>
+                        <a:effectLst/>
+                      </a:endParaRPr>
+                    </a:p>
+                  </a:txBody>
+                  <a:tcPr marL="95250" marR="95250" marT="95250" marB="95250" anchor="ctr">
+                    <a:lnL w="9525" cap="flat" cmpd="sng" algn="ctr">
+                      <a:solidFill>
+                        <a:srgbClr val="9E9E9E"/>
+                      </a:solidFill>
+                      <a:prstDash val="solid"/>
+                      <a:round/>
+                      <a:headEnd type="none" w="med" len="med"/>
+                      <a:tailEnd type="none" w="med" len="med"/>
+                    </a:lnL>
+                    <a:lnR w="9525" cap="flat" cmpd="sng" algn="ctr">
+                      <a:solidFill>
+                        <a:srgbClr val="9E9E9E"/>
+                      </a:solidFill>
+                      <a:prstDash val="solid"/>
+                      <a:round/>
+                      <a:headEnd type="none" w="med" len="med"/>
+                      <a:tailEnd type="none" w="med" len="med"/>
+                    </a:lnR>
+                    <a:lnT w="9525" cap="flat" cmpd="sng" algn="ctr">
+                      <a:solidFill>
+                        <a:srgbClr val="9E9E9E"/>
+                      </a:solidFill>
+                      <a:prstDash val="solid"/>
+                      <a:round/>
+                      <a:headEnd type="none" w="med" len="med"/>
+                      <a:tailEnd type="none" w="med" len="med"/>
+                    </a:lnT>
+                    <a:lnB w="9525" cap="flat" cmpd="sng" algn="ctr">
+                      <a:solidFill>
+                        <a:srgbClr val="9E9E9E"/>
+                      </a:solidFill>
+                      <a:prstDash val="solid"/>
+                      <a:round/>
+                      <a:headEnd type="none" w="med" len="med"/>
+                      <a:tailEnd type="none" w="med" len="med"/>
+                    </a:lnB>
+                    <a:solidFill>
+                      <a:srgbClr val="1F4690"/>
+                    </a:solidFill>
+                  </a:tcPr>
+                </a:tc>
+                <a:extLst>
+                  <a:ext uri="{0D108BD9-81ED-4DB2-BD59-A6C34878D82A}">
+                    <a16:rowId xmlns:a16="http://schemas.microsoft.com/office/drawing/2014/main" val="518340034"/>
+                  </a:ext>
+                </a:extLst>
+              </a:tr>
+              <a:tr h="362146">
+                <a:tc>
+                  <a:txBody>
+                    <a:bodyPr/>
+                    <a:lstStyle/>
+                    <a:p>
+                      <a:pPr rtl="0" fontAlgn="t">
+                        <a:buNone/>
+                      </a:pPr>
+                      <a:r>
+                        <a:rPr lang="en-IN" sz="600" b="0" i="0" u="none" strike="noStrike">
+                          <a:solidFill>
+                            <a:schemeClr val="tx1"/>
+                          </a:solidFill>
+                          <a:effectLst/>
+                          <a:latin typeface="Calibri" panose="020F0502020204030204" pitchFamily="34" charset="0"/>
+                        </a:rPr>
+                        <a:t>Sales</a:t>
+                      </a:r>
+                      <a:endParaRPr lang="en-IN">
+                        <a:solidFill>
+                          <a:schemeClr val="tx1"/>
+                        </a:solidFill>
+                        <a:effectLst/>
+                      </a:endParaRPr>
+                    </a:p>
+                  </a:txBody>
+                  <a:tcPr marL="95250" marR="95250" marT="95250" marB="95250">
+                    <a:lnL w="9525" cap="flat" cmpd="sng" algn="ctr">
+                      <a:solidFill>
+                        <a:srgbClr val="9E9E9E"/>
+                      </a:solidFill>
+                      <a:prstDash val="solid"/>
+                      <a:round/>
+                      <a:headEnd type="none" w="med" len="med"/>
+                      <a:tailEnd type="none" w="med" len="med"/>
+                    </a:lnL>
+                    <a:lnR w="9525" cap="flat" cmpd="sng" algn="ctr">
+                      <a:solidFill>
+                        <a:srgbClr val="9E9E9E"/>
+                      </a:solidFill>
+                      <a:prstDash val="solid"/>
+                      <a:round/>
+                      <a:headEnd type="none" w="med" len="med"/>
+                      <a:tailEnd type="none" w="med" len="med"/>
+                    </a:lnR>
+                    <a:lnT w="9525" cap="flat" cmpd="sng" algn="ctr">
+                      <a:solidFill>
+                        <a:srgbClr val="9E9E9E"/>
+                      </a:solidFill>
+                      <a:prstDash val="solid"/>
+                      <a:round/>
+                      <a:headEnd type="none" w="med" len="med"/>
+                      <a:tailEnd type="none" w="med" len="med"/>
+                    </a:lnT>
+                    <a:lnB w="9525" cap="flat" cmpd="sng" algn="ctr">
+                      <a:solidFill>
+                        <a:srgbClr val="9E9E9E"/>
+                      </a:solidFill>
+                      <a:prstDash val="solid"/>
+                      <a:round/>
+                      <a:headEnd type="none" w="med" len="med"/>
+                      <a:tailEnd type="none" w="med" len="med"/>
+                    </a:lnB>
+                    <a:noFill/>
+                  </a:tcPr>
+                </a:tc>
+                <a:tc>
+                  <a:txBody>
+                    <a:bodyPr/>
+                    <a:lstStyle/>
+                    <a:p>
+                      <a:pPr algn="r" rtl="0" fontAlgn="ctr">
+                        <a:buNone/>
+                      </a:pPr>
+                      <a:r>
+                        <a:rPr lang="en-IN" sz="600" b="0" i="0" u="none" strike="noStrike" dirty="0">
+                          <a:solidFill>
+                            <a:schemeClr val="tx1"/>
+                          </a:solidFill>
+                          <a:effectLst/>
+                          <a:latin typeface="Calibri" panose="020F0502020204030204" pitchFamily="34" charset="0"/>
+                        </a:rPr>
+                        <a:t>{{revenue_fy24}}</a:t>
+                      </a:r>
+                      <a:endParaRPr lang="en-IN" dirty="0">
+                        <a:solidFill>
+                          <a:schemeClr val="tx1"/>
+                        </a:solidFill>
+                        <a:effectLst/>
+                      </a:endParaRPr>
+                    </a:p>
+                  </a:txBody>
+                  <a:tcPr marL="95250" marR="95250" marT="95250" marB="95250" anchor="ctr">
+                    <a:lnL w="9525" cap="flat" cmpd="sng" algn="ctr">
+                      <a:solidFill>
+                        <a:srgbClr val="9E9E9E"/>
+                      </a:solidFill>
+                      <a:prstDash val="solid"/>
+                      <a:round/>
+                      <a:headEnd type="none" w="med" len="med"/>
+                      <a:tailEnd type="none" w="med" len="med"/>
+                    </a:lnL>
+                    <a:lnR w="9525" cap="flat" cmpd="sng" algn="ctr">
+                      <a:solidFill>
+                        <a:srgbClr val="9E9E9E"/>
+                      </a:solidFill>
+                      <a:prstDash val="solid"/>
+                      <a:round/>
+                      <a:headEnd type="none" w="med" len="med"/>
+                      <a:tailEnd type="none" w="med" len="med"/>
+                    </a:lnR>
+                    <a:lnT w="9525" cap="flat" cmpd="sng" algn="ctr">
+                      <a:solidFill>
+                        <a:srgbClr val="9E9E9E"/>
+                      </a:solidFill>
+                      <a:prstDash val="solid"/>
+                      <a:round/>
+                      <a:headEnd type="none" w="med" len="med"/>
+                      <a:tailEnd type="none" w="med" len="med"/>
+                    </a:lnT>
+                    <a:lnB w="9525" cap="flat" cmpd="sng" algn="ctr">
+                      <a:solidFill>
+                        <a:srgbClr val="9E9E9E"/>
+                      </a:solidFill>
+                      <a:prstDash val="solid"/>
+                      <a:round/>
+                      <a:headEnd type="none" w="med" len="med"/>
+                      <a:tailEnd type="none" w="med" len="med"/>
+                    </a:lnB>
+                    <a:noFill/>
+                  </a:tcPr>
+                </a:tc>
+                <a:tc>
+                  <a:txBody>
+                    <a:bodyPr/>
+                    <a:lstStyle/>
+                    <a:p>
+                      <a:pPr algn="r" rtl="0" fontAlgn="ctr">
+                        <a:buNone/>
+                      </a:pPr>
+                      <a:r>
+                        <a:rPr lang="en-IN" sz="600" b="0" i="0" u="none" strike="noStrike" dirty="0">
+                          <a:solidFill>
+                            <a:schemeClr val="tx1"/>
+                          </a:solidFill>
+                          <a:effectLst/>
+                          <a:latin typeface="Calibri" panose="020F0502020204030204" pitchFamily="34" charset="0"/>
+                        </a:rPr>
+                        <a:t>{{revenue_fy25}}</a:t>
+                      </a:r>
+                      <a:endParaRPr lang="en-IN" dirty="0">
+                        <a:solidFill>
+                          <a:schemeClr val="tx1"/>
+                        </a:solidFill>
+                        <a:effectLst/>
+                      </a:endParaRPr>
+                    </a:p>
+                  </a:txBody>
+                  <a:tcPr marL="95250" marR="95250" marT="95250" marB="95250" anchor="ctr">
+                    <a:lnL w="9525" cap="flat" cmpd="sng" algn="ctr">
+                      <a:solidFill>
+                        <a:srgbClr val="9E9E9E"/>
+                      </a:solidFill>
+                      <a:prstDash val="solid"/>
+                      <a:round/>
+                      <a:headEnd type="none" w="med" len="med"/>
+                      <a:tailEnd type="none" w="med" len="med"/>
+                    </a:lnL>
+                    <a:lnR w="9525" cap="flat" cmpd="sng" algn="ctr">
+                      <a:solidFill>
+                        <a:srgbClr val="9E9E9E"/>
+                      </a:solidFill>
+                      <a:prstDash val="solid"/>
+                      <a:round/>
+                      <a:headEnd type="none" w="med" len="med"/>
+                      <a:tailEnd type="none" w="med" len="med"/>
+                    </a:lnR>
+                    <a:lnT w="9525" cap="flat" cmpd="sng" algn="ctr">
+                      <a:solidFill>
+                        <a:srgbClr val="9E9E9E"/>
+                      </a:solidFill>
+                      <a:prstDash val="solid"/>
+                      <a:round/>
+                      <a:headEnd type="none" w="med" len="med"/>
+                      <a:tailEnd type="none" w="med" len="med"/>
+                    </a:lnT>
+                    <a:lnB w="9525" cap="flat" cmpd="sng" algn="ctr">
+                      <a:solidFill>
+                        <a:srgbClr val="9E9E9E"/>
+                      </a:solidFill>
+                      <a:prstDash val="solid"/>
+                      <a:round/>
+                      <a:headEnd type="none" w="med" len="med"/>
+                      <a:tailEnd type="none" w="med" len="med"/>
+                    </a:lnB>
+                    <a:noFill/>
+                  </a:tcPr>
+                </a:tc>
+                <a:tc>
+                  <a:txBody>
+                    <a:bodyPr/>
+                    <a:lstStyle/>
+                    <a:p>
+                      <a:pPr algn="r" rtl="0" fontAlgn="ctr">
+                        <a:buNone/>
+                      </a:pPr>
+                      <a:r>
+                        <a:rPr lang="en-IN" sz="600" b="0" i="0" u="none" strike="noStrike" dirty="0">
+                          <a:solidFill>
+                            <a:schemeClr val="tx1"/>
+                          </a:solidFill>
+                          <a:effectLst/>
+                          <a:latin typeface="Calibri" panose="020F0502020204030204" pitchFamily="34" charset="0"/>
+                        </a:rPr>
+                        <a:t>{{revenue_fy26}}</a:t>
+                      </a:r>
+                      <a:endParaRPr lang="en-IN" dirty="0">
+                        <a:solidFill>
+                          <a:schemeClr val="tx1"/>
+                        </a:solidFill>
+                        <a:effectLst/>
+                      </a:endParaRPr>
+                    </a:p>
+                  </a:txBody>
+                  <a:tcPr marL="95250" marR="95250" marT="95250" marB="95250" anchor="ctr">
+                    <a:lnL w="9525" cap="flat" cmpd="sng" algn="ctr">
+                      <a:solidFill>
+                        <a:srgbClr val="9E9E9E"/>
+                      </a:solidFill>
+                      <a:prstDash val="solid"/>
+                      <a:round/>
+                      <a:headEnd type="none" w="med" len="med"/>
+                      <a:tailEnd type="none" w="med" len="med"/>
+                    </a:lnL>
+                    <a:lnR w="9525" cap="flat" cmpd="sng" algn="ctr">
+                      <a:solidFill>
+                        <a:srgbClr val="9E9E9E"/>
+                      </a:solidFill>
+                      <a:prstDash val="solid"/>
+                      <a:round/>
+                      <a:headEnd type="none" w="med" len="med"/>
+                      <a:tailEnd type="none" w="med" len="med"/>
+                    </a:lnR>
+                    <a:lnT w="9525" cap="flat" cmpd="sng" algn="ctr">
+                      <a:solidFill>
+                        <a:srgbClr val="9E9E9E"/>
+                      </a:solidFill>
+                      <a:prstDash val="solid"/>
+                      <a:round/>
+                      <a:headEnd type="none" w="med" len="med"/>
+                      <a:tailEnd type="none" w="med" len="med"/>
+                    </a:lnT>
+                    <a:lnB w="9525" cap="flat" cmpd="sng" algn="ctr">
+                      <a:solidFill>
+                        <a:srgbClr val="9E9E9E"/>
+                      </a:solidFill>
+                      <a:prstDash val="solid"/>
+                      <a:round/>
+                      <a:headEnd type="none" w="med" len="med"/>
+                      <a:tailEnd type="none" w="med" len="med"/>
+                    </a:lnB>
+                    <a:noFill/>
+                  </a:tcPr>
+                </a:tc>
+                <a:tc>
+                  <a:txBody>
+                    <a:bodyPr/>
+                    <a:lstStyle/>
+                    <a:p>
+                      <a:pPr algn="r" rtl="0" fontAlgn="ctr">
+                        <a:buNone/>
+                      </a:pPr>
+                      <a:r>
+                        <a:rPr lang="en-IN" sz="600" b="0" i="0" u="none" strike="noStrike" dirty="0">
+                          <a:solidFill>
+                            <a:schemeClr val="tx1"/>
+                          </a:solidFill>
+                          <a:effectLst/>
+                          <a:latin typeface="Calibri" panose="020F0502020204030204" pitchFamily="34" charset="0"/>
+                        </a:rPr>
+                        <a:t>{{revenue_fy27}}</a:t>
+                      </a:r>
+                      <a:endParaRPr lang="en-IN" dirty="0">
+                        <a:solidFill>
+                          <a:schemeClr val="tx1"/>
+                        </a:solidFill>
+                        <a:effectLst/>
+                      </a:endParaRPr>
+                    </a:p>
+                  </a:txBody>
+                  <a:tcPr marL="95250" marR="95250" marT="95250" marB="95250" anchor="ctr">
+                    <a:lnL w="9525" cap="flat" cmpd="sng" algn="ctr">
+                      <a:solidFill>
+                        <a:srgbClr val="9E9E9E"/>
+                      </a:solidFill>
+                      <a:prstDash val="solid"/>
+                      <a:round/>
+                      <a:headEnd type="none" w="med" len="med"/>
+                      <a:tailEnd type="none" w="med" len="med"/>
+                    </a:lnL>
+                    <a:lnR w="9525" cap="flat" cmpd="sng" algn="ctr">
+                      <a:solidFill>
+                        <a:srgbClr val="9E9E9E"/>
+                      </a:solidFill>
+                      <a:prstDash val="solid"/>
+                      <a:round/>
+                      <a:headEnd type="none" w="med" len="med"/>
+                      <a:tailEnd type="none" w="med" len="med"/>
+                    </a:lnR>
+                    <a:lnT w="9525" cap="flat" cmpd="sng" algn="ctr">
+                      <a:solidFill>
+                        <a:srgbClr val="9E9E9E"/>
+                      </a:solidFill>
+                      <a:prstDash val="solid"/>
+                      <a:round/>
+                      <a:headEnd type="none" w="med" len="med"/>
+                      <a:tailEnd type="none" w="med" len="med"/>
+                    </a:lnT>
+                    <a:lnB w="9525" cap="flat" cmpd="sng" algn="ctr">
+                      <a:solidFill>
+                        <a:srgbClr val="9E9E9E"/>
+                      </a:solidFill>
+                      <a:prstDash val="solid"/>
+                      <a:round/>
+                      <a:headEnd type="none" w="med" len="med"/>
+                      <a:tailEnd type="none" w="med" len="med"/>
+                    </a:lnB>
+                    <a:noFill/>
+                  </a:tcPr>
+                </a:tc>
+                <a:tc>
+                  <a:txBody>
+                    <a:bodyPr/>
+                    <a:lstStyle/>
+                    <a:p>
+                      <a:pPr algn="r" rtl="0" fontAlgn="ctr">
+                        <a:buNone/>
+                      </a:pPr>
+                      <a:r>
+                        <a:rPr lang="en-IN" sz="600" b="0" i="0" u="none" strike="noStrike" dirty="0">
+                          <a:solidFill>
+                            <a:schemeClr val="tx1"/>
+                          </a:solidFill>
+                          <a:effectLst/>
+                          <a:latin typeface="Calibri" panose="020F0502020204030204" pitchFamily="34" charset="0"/>
+                        </a:rPr>
+                        <a:t>{{revenue_fy28}}</a:t>
+                      </a:r>
+                      <a:endParaRPr lang="en-IN" dirty="0">
+                        <a:solidFill>
+                          <a:schemeClr val="tx1"/>
+                        </a:solidFill>
+                        <a:effectLst/>
+                      </a:endParaRPr>
+                    </a:p>
+                  </a:txBody>
+                  <a:tcPr marL="95250" marR="95250" marT="95250" marB="95250" anchor="ctr">
+                    <a:lnL w="9525" cap="flat" cmpd="sng" algn="ctr">
+                      <a:solidFill>
+                        <a:srgbClr val="9E9E9E"/>
+                      </a:solidFill>
+                      <a:prstDash val="solid"/>
+                      <a:round/>
+                      <a:headEnd type="none" w="med" len="med"/>
+                      <a:tailEnd type="none" w="med" len="med"/>
+                    </a:lnL>
+                    <a:lnR w="9525" cap="flat" cmpd="sng" algn="ctr">
+                      <a:solidFill>
+                        <a:srgbClr val="9E9E9E"/>
+                      </a:solidFill>
+                      <a:prstDash val="solid"/>
+                      <a:round/>
+                      <a:headEnd type="none" w="med" len="med"/>
+                      <a:tailEnd type="none" w="med" len="med"/>
+                    </a:lnR>
+                    <a:lnT w="9525" cap="flat" cmpd="sng" algn="ctr">
+                      <a:solidFill>
+                        <a:srgbClr val="9E9E9E"/>
+                      </a:solidFill>
+                      <a:prstDash val="solid"/>
+                      <a:round/>
+                      <a:headEnd type="none" w="med" len="med"/>
+                      <a:tailEnd type="none" w="med" len="med"/>
+                    </a:lnT>
+                    <a:lnB w="9525" cap="flat" cmpd="sng" algn="ctr">
+                      <a:solidFill>
+                        <a:srgbClr val="9E9E9E"/>
+                      </a:solidFill>
+                      <a:prstDash val="solid"/>
+                      <a:round/>
+                      <a:headEnd type="none" w="med" len="med"/>
+                      <a:tailEnd type="none" w="med" len="med"/>
+                    </a:lnB>
+                    <a:noFill/>
+                  </a:tcPr>
+                </a:tc>
+                <a:extLst>
+                  <a:ext uri="{0D108BD9-81ED-4DB2-BD59-A6C34878D82A}">
+                    <a16:rowId xmlns:a16="http://schemas.microsoft.com/office/drawing/2014/main" val="2155187740"/>
+                  </a:ext>
+                </a:extLst>
+              </a:tr>
+              <a:tr h="335300">
+                <a:tc>
+                  <a:txBody>
+                    <a:bodyPr/>
+                    <a:lstStyle/>
+                    <a:p>
+                      <a:pPr rtl="0" fontAlgn="t">
+                        <a:buNone/>
+                      </a:pPr>
+                      <a:r>
+                        <a:rPr lang="en-IN" sz="600" b="0" i="0" u="none" strike="noStrike" dirty="0">
+                          <a:solidFill>
+                            <a:schemeClr val="tx1"/>
+                          </a:solidFill>
+                          <a:effectLst/>
+                          <a:latin typeface="Calibri" panose="020F0502020204030204" pitchFamily="34" charset="0"/>
+                        </a:rPr>
+                        <a:t>YoY% growth</a:t>
+                      </a:r>
+                      <a:endParaRPr lang="en-IN" dirty="0">
+                        <a:solidFill>
+                          <a:schemeClr val="tx1"/>
+                        </a:solidFill>
+                        <a:effectLst/>
+                      </a:endParaRPr>
+                    </a:p>
+                  </a:txBody>
+                  <a:tcPr marL="95250" marR="95250" marT="95250" marB="95250">
+                    <a:lnL w="9525" cap="flat" cmpd="sng" algn="ctr">
+                      <a:solidFill>
+                        <a:srgbClr val="9E9E9E"/>
+                      </a:solidFill>
+                      <a:prstDash val="solid"/>
+                      <a:round/>
+                      <a:headEnd type="none" w="med" len="med"/>
+                      <a:tailEnd type="none" w="med" len="med"/>
+                    </a:lnL>
+                    <a:lnR w="9525" cap="flat" cmpd="sng" algn="ctr">
+                      <a:solidFill>
+                        <a:srgbClr val="9E9E9E"/>
+                      </a:solidFill>
+                      <a:prstDash val="solid"/>
+                      <a:round/>
+                      <a:headEnd type="none" w="med" len="med"/>
+                      <a:tailEnd type="none" w="med" len="med"/>
+                    </a:lnR>
+                    <a:lnT w="9525" cap="flat" cmpd="sng" algn="ctr">
+                      <a:solidFill>
+                        <a:srgbClr val="9E9E9E"/>
+                      </a:solidFill>
+                      <a:prstDash val="solid"/>
+                      <a:round/>
+                      <a:headEnd type="none" w="med" len="med"/>
+                      <a:tailEnd type="none" w="med" len="med"/>
+                    </a:lnT>
+                    <a:lnB w="9525" cap="flat" cmpd="sng" algn="ctr">
+                      <a:solidFill>
+                        <a:srgbClr val="9E9E9E"/>
+                      </a:solidFill>
+                      <a:prstDash val="solid"/>
+                      <a:round/>
+                      <a:headEnd type="none" w="med" len="med"/>
+                      <a:tailEnd type="none" w="med" len="med"/>
+                    </a:lnB>
+                    <a:solidFill>
+                      <a:srgbClr val="FFE5B4"/>
+                    </a:solidFill>
+                  </a:tcPr>
+                </a:tc>
+                <a:tc>
+                  <a:txBody>
+                    <a:bodyPr/>
+                    <a:lstStyle/>
+                    <a:p>
+                      <a:pPr algn="l" fontAlgn="base">
+                        <a:buNone/>
+                      </a:pPr>
+                      <a:r>
+                        <a:rPr lang="en-IN" sz="600" b="0" dirty="0">
+                          <a:solidFill>
+                            <a:schemeClr val="tx1"/>
+                          </a:solidFill>
+                          <a:effectLst/>
+                          <a:latin typeface="Calibri" panose="020F0502020204030204" pitchFamily="34" charset="0"/>
+                          <a:ea typeface="Calibri" panose="020F0502020204030204" pitchFamily="34" charset="0"/>
+                          <a:cs typeface="Calibri" panose="020F0502020204030204" pitchFamily="34" charset="0"/>
+                        </a:rPr>
+                        <a:t>{{sales_growth_fy24}}</a:t>
+                      </a:r>
+                    </a:p>
+                  </a:txBody>
+                  <a:tcPr anchor="ctr">
+                    <a:lnL w="9525" cap="flat" cmpd="sng" algn="ctr">
+                      <a:solidFill>
+                        <a:srgbClr val="9E9E9E"/>
+                      </a:solidFill>
+                      <a:prstDash val="solid"/>
+                      <a:round/>
+                      <a:headEnd type="none" w="med" len="med"/>
+                      <a:tailEnd type="none" w="med" len="med"/>
+                    </a:lnL>
+                    <a:lnR w="9525" cap="flat" cmpd="sng" algn="ctr">
+                      <a:solidFill>
+                        <a:srgbClr val="9E9E9E"/>
+                      </a:solidFill>
+                      <a:prstDash val="solid"/>
+                      <a:round/>
+                      <a:headEnd type="none" w="med" len="med"/>
+                      <a:tailEnd type="none" w="med" len="med"/>
+                    </a:lnR>
+                    <a:lnT w="9525" cap="flat" cmpd="sng" algn="ctr">
+                      <a:solidFill>
+                        <a:srgbClr val="9E9E9E"/>
+                      </a:solidFill>
+                      <a:prstDash val="solid"/>
+                      <a:round/>
+                      <a:headEnd type="none" w="med" len="med"/>
+                      <a:tailEnd type="none" w="med" len="med"/>
+                    </a:lnT>
+                    <a:lnB w="9525" cap="flat" cmpd="sng" algn="ctr">
+                      <a:solidFill>
+                        <a:srgbClr val="9E9E9E"/>
+                      </a:solidFill>
+                      <a:prstDash val="solid"/>
+                      <a:round/>
+                      <a:headEnd type="none" w="med" len="med"/>
+                      <a:tailEnd type="none" w="med" len="med"/>
+                    </a:lnB>
+                    <a:solidFill>
+                      <a:srgbClr val="FFE5B4"/>
+                    </a:solidFill>
+                  </a:tcPr>
+                </a:tc>
+                <a:tc>
+                  <a:txBody>
+                    <a:bodyPr/>
+                    <a:lstStyle/>
+                    <a:p>
+                      <a:pPr algn="l" fontAlgn="base">
+                        <a:buNone/>
+                      </a:pPr>
+                      <a:r>
+                        <a:rPr lang="en-IN" sz="600" b="0">
+                          <a:solidFill>
+                            <a:schemeClr val="tx1"/>
+                          </a:solidFill>
+                          <a:effectLst/>
+                          <a:latin typeface="Calibri" panose="020F0502020204030204" pitchFamily="34" charset="0"/>
+                          <a:ea typeface="Calibri" panose="020F0502020204030204" pitchFamily="34" charset="0"/>
+                          <a:cs typeface="Calibri" panose="020F0502020204030204" pitchFamily="34" charset="0"/>
+                        </a:rPr>
+                        <a:t>{{sales_growth_fy25}}</a:t>
+                      </a:r>
+                    </a:p>
+                  </a:txBody>
+                  <a:tcPr anchor="ctr">
+                    <a:lnL w="9525" cap="flat" cmpd="sng" algn="ctr">
+                      <a:solidFill>
+                        <a:srgbClr val="9E9E9E"/>
+                      </a:solidFill>
+                      <a:prstDash val="solid"/>
+                      <a:round/>
+                      <a:headEnd type="none" w="med" len="med"/>
+                      <a:tailEnd type="none" w="med" len="med"/>
+                    </a:lnL>
+                    <a:lnR w="9525" cap="flat" cmpd="sng" algn="ctr">
+                      <a:solidFill>
+                        <a:srgbClr val="9E9E9E"/>
+                      </a:solidFill>
+                      <a:prstDash val="solid"/>
+                      <a:round/>
+                      <a:headEnd type="none" w="med" len="med"/>
+                      <a:tailEnd type="none" w="med" len="med"/>
+                    </a:lnR>
+                    <a:lnT w="9525" cap="flat" cmpd="sng" algn="ctr">
+                      <a:solidFill>
+                        <a:srgbClr val="9E9E9E"/>
+                      </a:solidFill>
+                      <a:prstDash val="solid"/>
+                      <a:round/>
+                      <a:headEnd type="none" w="med" len="med"/>
+                      <a:tailEnd type="none" w="med" len="med"/>
+                    </a:lnT>
+                    <a:lnB w="9525" cap="flat" cmpd="sng" algn="ctr">
+                      <a:solidFill>
+                        <a:srgbClr val="9E9E9E"/>
+                      </a:solidFill>
+                      <a:prstDash val="solid"/>
+                      <a:round/>
+                      <a:headEnd type="none" w="med" len="med"/>
+                      <a:tailEnd type="none" w="med" len="med"/>
+                    </a:lnB>
+                    <a:solidFill>
+                      <a:srgbClr val="FFE5B4"/>
+                    </a:solidFill>
+                  </a:tcPr>
+                </a:tc>
+                <a:tc>
+                  <a:txBody>
+                    <a:bodyPr/>
+                    <a:lstStyle/>
+                    <a:p>
+                      <a:pPr algn="l" fontAlgn="base">
+                        <a:buNone/>
+                      </a:pPr>
+                      <a:r>
+                        <a:rPr lang="en-IN" sz="600" b="0" dirty="0">
+                          <a:solidFill>
+                            <a:schemeClr val="tx1"/>
+                          </a:solidFill>
+                          <a:effectLst/>
+                          <a:latin typeface="Calibri" panose="020F0502020204030204" pitchFamily="34" charset="0"/>
+                          <a:ea typeface="Calibri" panose="020F0502020204030204" pitchFamily="34" charset="0"/>
+                          <a:cs typeface="Calibri" panose="020F0502020204030204" pitchFamily="34" charset="0"/>
+                        </a:rPr>
+                        <a:t>{{sales_growth_fy26}}</a:t>
+                      </a:r>
+                    </a:p>
+                  </a:txBody>
+                  <a:tcPr anchor="ctr">
+                    <a:lnL w="9525" cap="flat" cmpd="sng" algn="ctr">
+                      <a:solidFill>
+                        <a:srgbClr val="9E9E9E"/>
+                      </a:solidFill>
+                      <a:prstDash val="solid"/>
+                      <a:round/>
+                      <a:headEnd type="none" w="med" len="med"/>
+                      <a:tailEnd type="none" w="med" len="med"/>
+                    </a:lnL>
+                    <a:lnR w="9525" cap="flat" cmpd="sng" algn="ctr">
+                      <a:solidFill>
+                        <a:srgbClr val="9E9E9E"/>
+                      </a:solidFill>
+                      <a:prstDash val="solid"/>
+                      <a:round/>
+                      <a:headEnd type="none" w="med" len="med"/>
+                      <a:tailEnd type="none" w="med" len="med"/>
+                    </a:lnR>
+                    <a:lnT w="9525" cap="flat" cmpd="sng" algn="ctr">
+                      <a:solidFill>
+                        <a:srgbClr val="9E9E9E"/>
+                      </a:solidFill>
+                      <a:prstDash val="solid"/>
+                      <a:round/>
+                      <a:headEnd type="none" w="med" len="med"/>
+                      <a:tailEnd type="none" w="med" len="med"/>
+                    </a:lnT>
+                    <a:lnB w="9525" cap="flat" cmpd="sng" algn="ctr">
+                      <a:solidFill>
+                        <a:srgbClr val="9E9E9E"/>
+                      </a:solidFill>
+                      <a:prstDash val="solid"/>
+                      <a:round/>
+                      <a:headEnd type="none" w="med" len="med"/>
+                      <a:tailEnd type="none" w="med" len="med"/>
+                    </a:lnB>
+                    <a:solidFill>
+                      <a:srgbClr val="FFE5B4"/>
+                    </a:solidFill>
+                  </a:tcPr>
+                </a:tc>
+                <a:tc>
+                  <a:txBody>
+                    <a:bodyPr/>
+                    <a:lstStyle/>
+                    <a:p>
+                      <a:pPr algn="l" fontAlgn="base">
+                        <a:buNone/>
+                      </a:pPr>
+                      <a:r>
+                        <a:rPr lang="en-IN" sz="600" b="0" dirty="0">
+                          <a:solidFill>
+                            <a:schemeClr val="tx1"/>
+                          </a:solidFill>
+                          <a:effectLst/>
+                          <a:latin typeface="Calibri" panose="020F0502020204030204" pitchFamily="34" charset="0"/>
+                          <a:ea typeface="Calibri" panose="020F0502020204030204" pitchFamily="34" charset="0"/>
+                          <a:cs typeface="Calibri" panose="020F0502020204030204" pitchFamily="34" charset="0"/>
+                        </a:rPr>
+                        <a:t>{{sales_growth_fy27}}</a:t>
+                      </a:r>
+                    </a:p>
+                  </a:txBody>
+                  <a:tcPr anchor="ctr">
+                    <a:lnL w="9525" cap="flat" cmpd="sng" algn="ctr">
+                      <a:solidFill>
+                        <a:srgbClr val="9E9E9E"/>
+                      </a:solidFill>
+                      <a:prstDash val="solid"/>
+                      <a:round/>
+                      <a:headEnd type="none" w="med" len="med"/>
+                      <a:tailEnd type="none" w="med" len="med"/>
+                    </a:lnL>
+                    <a:lnR w="9525" cap="flat" cmpd="sng" algn="ctr">
+                      <a:solidFill>
+                        <a:srgbClr val="9E9E9E"/>
+                      </a:solidFill>
+                      <a:prstDash val="solid"/>
+                      <a:round/>
+                      <a:headEnd type="none" w="med" len="med"/>
+                      <a:tailEnd type="none" w="med" len="med"/>
+                    </a:lnR>
+                    <a:lnT w="9525" cap="flat" cmpd="sng" algn="ctr">
+                      <a:solidFill>
+                        <a:srgbClr val="9E9E9E"/>
+                      </a:solidFill>
+                      <a:prstDash val="solid"/>
+                      <a:round/>
+                      <a:headEnd type="none" w="med" len="med"/>
+                      <a:tailEnd type="none" w="med" len="med"/>
+                    </a:lnT>
+                    <a:lnB w="9525" cap="flat" cmpd="sng" algn="ctr">
+                      <a:solidFill>
+                        <a:srgbClr val="9E9E9E"/>
+                      </a:solidFill>
+                      <a:prstDash val="solid"/>
+                      <a:round/>
+                      <a:headEnd type="none" w="med" len="med"/>
+                      <a:tailEnd type="none" w="med" len="med"/>
+                    </a:lnB>
+                    <a:solidFill>
+                      <a:srgbClr val="FFE5B4"/>
+                    </a:solidFill>
+                  </a:tcPr>
+                </a:tc>
+                <a:tc>
+                  <a:txBody>
+                    <a:bodyPr/>
+                    <a:lstStyle/>
+                    <a:p>
+                      <a:pPr algn="l" fontAlgn="base">
+                        <a:buNone/>
+                      </a:pPr>
+                      <a:r>
+                        <a:rPr lang="en-IN" sz="600" b="0" dirty="0">
+                          <a:solidFill>
+                            <a:schemeClr val="tx1"/>
+                          </a:solidFill>
+                          <a:effectLst/>
+                          <a:latin typeface="Calibri" panose="020F0502020204030204" pitchFamily="34" charset="0"/>
+                          <a:ea typeface="Calibri" panose="020F0502020204030204" pitchFamily="34" charset="0"/>
+                          <a:cs typeface="Calibri" panose="020F0502020204030204" pitchFamily="34" charset="0"/>
+                        </a:rPr>
+                        <a:t>{{sales_growth_fy28}}</a:t>
+                      </a:r>
+                    </a:p>
+                  </a:txBody>
+                  <a:tcPr anchor="ctr">
+                    <a:lnL w="9525" cap="flat" cmpd="sng" algn="ctr">
+                      <a:solidFill>
+                        <a:srgbClr val="9E9E9E"/>
+                      </a:solidFill>
+                      <a:prstDash val="solid"/>
+                      <a:round/>
+                      <a:headEnd type="none" w="med" len="med"/>
+                      <a:tailEnd type="none" w="med" len="med"/>
+                    </a:lnL>
+                    <a:lnR w="9525" cap="flat" cmpd="sng" algn="ctr">
+                      <a:solidFill>
+                        <a:srgbClr val="9E9E9E"/>
+                      </a:solidFill>
+                      <a:prstDash val="solid"/>
+                      <a:round/>
+                      <a:headEnd type="none" w="med" len="med"/>
+                      <a:tailEnd type="none" w="med" len="med"/>
+                    </a:lnR>
+                    <a:lnT w="9525" cap="flat" cmpd="sng" algn="ctr">
+                      <a:solidFill>
+                        <a:srgbClr val="9E9E9E"/>
+                      </a:solidFill>
+                      <a:prstDash val="solid"/>
+                      <a:round/>
+                      <a:headEnd type="none" w="med" len="med"/>
+                      <a:tailEnd type="none" w="med" len="med"/>
+                    </a:lnT>
+                    <a:lnB w="9525" cap="flat" cmpd="sng" algn="ctr">
+                      <a:solidFill>
+                        <a:srgbClr val="9E9E9E"/>
+                      </a:solidFill>
+                      <a:prstDash val="solid"/>
+                      <a:round/>
+                      <a:headEnd type="none" w="med" len="med"/>
+                      <a:tailEnd type="none" w="med" len="med"/>
+                    </a:lnB>
+                    <a:solidFill>
+                      <a:srgbClr val="FFE5B4"/>
+                    </a:solidFill>
+                  </a:tcPr>
+                </a:tc>
+                <a:extLst>
+                  <a:ext uri="{0D108BD9-81ED-4DB2-BD59-A6C34878D82A}">
+                    <a16:rowId xmlns:a16="http://schemas.microsoft.com/office/drawing/2014/main" val="1902421968"/>
+                  </a:ext>
+                </a:extLst>
+              </a:tr>
+              <a:tr h="273457">
+                <a:tc>
+                  <a:txBody>
+                    <a:bodyPr/>
+                    <a:lstStyle/>
+                    <a:p>
+                      <a:pPr rtl="0" fontAlgn="t">
+                        <a:buNone/>
+                      </a:pPr>
+                      <a:r>
+                        <a:rPr lang="en-IN" sz="600" b="0" i="0" u="none" strike="noStrike">
+                          <a:solidFill>
+                            <a:schemeClr val="tx1"/>
+                          </a:solidFill>
+                          <a:effectLst/>
+                          <a:latin typeface="Calibri" panose="020F0502020204030204" pitchFamily="34" charset="0"/>
+                        </a:rPr>
+                        <a:t>EBITDA</a:t>
+                      </a:r>
+                      <a:endParaRPr lang="en-IN">
+                        <a:solidFill>
+                          <a:schemeClr val="tx1"/>
+                        </a:solidFill>
+                        <a:effectLst/>
+                      </a:endParaRPr>
+                    </a:p>
+                  </a:txBody>
+                  <a:tcPr marL="95250" marR="95250" marT="95250" marB="95250">
+                    <a:lnL w="9525" cap="flat" cmpd="sng" algn="ctr">
+                      <a:solidFill>
+                        <a:srgbClr val="9E9E9E"/>
+                      </a:solidFill>
+                      <a:prstDash val="solid"/>
+                      <a:round/>
+                      <a:headEnd type="none" w="med" len="med"/>
+                      <a:tailEnd type="none" w="med" len="med"/>
+                    </a:lnL>
+                    <a:lnR w="9525" cap="flat" cmpd="sng" algn="ctr">
+                      <a:solidFill>
+                        <a:srgbClr val="9E9E9E"/>
+                      </a:solidFill>
+                      <a:prstDash val="solid"/>
+                      <a:round/>
+                      <a:headEnd type="none" w="med" len="med"/>
+                      <a:tailEnd type="none" w="med" len="med"/>
+                    </a:lnR>
+                    <a:lnT w="9525" cap="flat" cmpd="sng" algn="ctr">
+                      <a:solidFill>
+                        <a:srgbClr val="9E9E9E"/>
+                      </a:solidFill>
+                      <a:prstDash val="solid"/>
+                      <a:round/>
+                      <a:headEnd type="none" w="med" len="med"/>
+                      <a:tailEnd type="none" w="med" len="med"/>
+                    </a:lnT>
+                    <a:lnB w="9525" cap="flat" cmpd="sng" algn="ctr">
+                      <a:solidFill>
+                        <a:srgbClr val="9E9E9E"/>
+                      </a:solidFill>
+                      <a:prstDash val="solid"/>
+                      <a:round/>
+                      <a:headEnd type="none" w="med" len="med"/>
+                      <a:tailEnd type="none" w="med" len="med"/>
+                    </a:lnB>
+                    <a:noFill/>
+                  </a:tcPr>
+                </a:tc>
+                <a:tc>
+                  <a:txBody>
+                    <a:bodyPr/>
+                    <a:lstStyle/>
+                    <a:p>
+                      <a:pPr algn="l" fontAlgn="base">
+                        <a:buNone/>
+                      </a:pPr>
+                      <a:r>
+                        <a:rPr lang="en-IN" sz="600" b="0">
+                          <a:solidFill>
+                            <a:schemeClr val="tx1"/>
+                          </a:solidFill>
+                          <a:effectLst/>
+                          <a:latin typeface="Calibri" panose="020F0502020204030204" pitchFamily="34" charset="0"/>
+                          <a:ea typeface="Calibri" panose="020F0502020204030204" pitchFamily="34" charset="0"/>
+                          <a:cs typeface="Calibri" panose="020F0502020204030204" pitchFamily="34" charset="0"/>
+                        </a:rPr>
+                        <a:t>{{ebitda_fy24}}</a:t>
+                      </a:r>
+                    </a:p>
+                  </a:txBody>
+                  <a:tcPr anchor="ctr">
+                    <a:lnL w="9525" cap="flat" cmpd="sng" algn="ctr">
+                      <a:solidFill>
+                        <a:srgbClr val="9E9E9E"/>
+                      </a:solidFill>
+                      <a:prstDash val="solid"/>
+                      <a:round/>
+                      <a:headEnd type="none" w="med" len="med"/>
+                      <a:tailEnd type="none" w="med" len="med"/>
+                    </a:lnL>
+                    <a:lnR w="9525" cap="flat" cmpd="sng" algn="ctr">
+                      <a:solidFill>
+                        <a:srgbClr val="9E9E9E"/>
+                      </a:solidFill>
+                      <a:prstDash val="solid"/>
+                      <a:round/>
+                      <a:headEnd type="none" w="med" len="med"/>
+                      <a:tailEnd type="none" w="med" len="med"/>
+                    </a:lnR>
+                    <a:lnT w="9525" cap="flat" cmpd="sng" algn="ctr">
+                      <a:solidFill>
+                        <a:srgbClr val="9E9E9E"/>
+                      </a:solidFill>
+                      <a:prstDash val="solid"/>
+                      <a:round/>
+                      <a:headEnd type="none" w="med" len="med"/>
+                      <a:tailEnd type="none" w="med" len="med"/>
+                    </a:lnT>
+                    <a:lnB w="9525" cap="flat" cmpd="sng" algn="ctr">
+                      <a:solidFill>
+                        <a:srgbClr val="9E9E9E"/>
+                      </a:solidFill>
+                      <a:prstDash val="solid"/>
+                      <a:round/>
+                      <a:headEnd type="none" w="med" len="med"/>
+                      <a:tailEnd type="none" w="med" len="med"/>
+                    </a:lnB>
+                    <a:noFill/>
+                  </a:tcPr>
+                </a:tc>
+                <a:tc>
+                  <a:txBody>
+                    <a:bodyPr/>
+                    <a:lstStyle/>
+                    <a:p>
+                      <a:pPr algn="l" fontAlgn="base">
+                        <a:buNone/>
+                      </a:pPr>
+                      <a:r>
+                        <a:rPr lang="en-IN" sz="600" b="0">
+                          <a:solidFill>
+                            <a:schemeClr val="tx1"/>
+                          </a:solidFill>
+                          <a:effectLst/>
+                          <a:latin typeface="Calibri" panose="020F0502020204030204" pitchFamily="34" charset="0"/>
+                          <a:ea typeface="Calibri" panose="020F0502020204030204" pitchFamily="34" charset="0"/>
+                          <a:cs typeface="Calibri" panose="020F0502020204030204" pitchFamily="34" charset="0"/>
+                        </a:rPr>
+                        <a:t>{{ebitda_fy25}}</a:t>
+                      </a:r>
+                    </a:p>
+                  </a:txBody>
+                  <a:tcPr anchor="ctr">
+                    <a:lnL w="9525" cap="flat" cmpd="sng" algn="ctr">
+                      <a:solidFill>
+                        <a:srgbClr val="9E9E9E"/>
+                      </a:solidFill>
+                      <a:prstDash val="solid"/>
+                      <a:round/>
+                      <a:headEnd type="none" w="med" len="med"/>
+                      <a:tailEnd type="none" w="med" len="med"/>
+                    </a:lnL>
+                    <a:lnR w="9525" cap="flat" cmpd="sng" algn="ctr">
+                      <a:solidFill>
+                        <a:srgbClr val="9E9E9E"/>
+                      </a:solidFill>
+                      <a:prstDash val="solid"/>
+                      <a:round/>
+                      <a:headEnd type="none" w="med" len="med"/>
+                      <a:tailEnd type="none" w="med" len="med"/>
+                    </a:lnR>
+                    <a:lnT w="9525" cap="flat" cmpd="sng" algn="ctr">
+                      <a:solidFill>
+                        <a:srgbClr val="9E9E9E"/>
+                      </a:solidFill>
+                      <a:prstDash val="solid"/>
+                      <a:round/>
+                      <a:headEnd type="none" w="med" len="med"/>
+                      <a:tailEnd type="none" w="med" len="med"/>
+                    </a:lnT>
+                    <a:lnB w="9525" cap="flat" cmpd="sng" algn="ctr">
+                      <a:solidFill>
+                        <a:srgbClr val="9E9E9E"/>
+                      </a:solidFill>
+                      <a:prstDash val="solid"/>
+                      <a:round/>
+                      <a:headEnd type="none" w="med" len="med"/>
+                      <a:tailEnd type="none" w="med" len="med"/>
+                    </a:lnB>
+                    <a:noFill/>
+                  </a:tcPr>
+                </a:tc>
+                <a:tc>
+                  <a:txBody>
+                    <a:bodyPr/>
+                    <a:lstStyle/>
+                    <a:p>
+                      <a:pPr algn="l" fontAlgn="base">
+                        <a:buNone/>
+                      </a:pPr>
+                      <a:r>
+                        <a:rPr lang="en-IN" sz="600" b="0">
+                          <a:solidFill>
+                            <a:schemeClr val="tx1"/>
+                          </a:solidFill>
+                          <a:effectLst/>
+                          <a:latin typeface="Calibri" panose="020F0502020204030204" pitchFamily="34" charset="0"/>
+                          <a:ea typeface="Calibri" panose="020F0502020204030204" pitchFamily="34" charset="0"/>
+                          <a:cs typeface="Calibri" panose="020F0502020204030204" pitchFamily="34" charset="0"/>
+                        </a:rPr>
+                        <a:t>{{ebitda_fy26}}</a:t>
+                      </a:r>
+                    </a:p>
+                  </a:txBody>
+                  <a:tcPr anchor="ctr">
+                    <a:lnL w="9525" cap="flat" cmpd="sng" algn="ctr">
+                      <a:solidFill>
+                        <a:srgbClr val="9E9E9E"/>
+                      </a:solidFill>
+                      <a:prstDash val="solid"/>
+                      <a:round/>
+                      <a:headEnd type="none" w="med" len="med"/>
+                      <a:tailEnd type="none" w="med" len="med"/>
+                    </a:lnL>
+                    <a:lnR w="9525" cap="flat" cmpd="sng" algn="ctr">
+                      <a:solidFill>
+                        <a:srgbClr val="9E9E9E"/>
+                      </a:solidFill>
+                      <a:prstDash val="solid"/>
+                      <a:round/>
+                      <a:headEnd type="none" w="med" len="med"/>
+                      <a:tailEnd type="none" w="med" len="med"/>
+                    </a:lnR>
+                    <a:lnT w="9525" cap="flat" cmpd="sng" algn="ctr">
+                      <a:solidFill>
+                        <a:srgbClr val="9E9E9E"/>
+                      </a:solidFill>
+                      <a:prstDash val="solid"/>
+                      <a:round/>
+                      <a:headEnd type="none" w="med" len="med"/>
+                      <a:tailEnd type="none" w="med" len="med"/>
+                    </a:lnT>
+                    <a:lnB w="9525" cap="flat" cmpd="sng" algn="ctr">
+                      <a:solidFill>
+                        <a:srgbClr val="9E9E9E"/>
+                      </a:solidFill>
+                      <a:prstDash val="solid"/>
+                      <a:round/>
+                      <a:headEnd type="none" w="med" len="med"/>
+                      <a:tailEnd type="none" w="med" len="med"/>
+                    </a:lnB>
+                    <a:noFill/>
+                  </a:tcPr>
+                </a:tc>
+                <a:tc>
+                  <a:txBody>
+                    <a:bodyPr/>
+                    <a:lstStyle/>
+                    <a:p>
+                      <a:pPr algn="l" fontAlgn="base">
+                        <a:buNone/>
+                      </a:pPr>
+                      <a:r>
+                        <a:rPr lang="en-IN" sz="600" b="0">
+                          <a:solidFill>
+                            <a:schemeClr val="tx1"/>
+                          </a:solidFill>
+                          <a:effectLst/>
+                          <a:latin typeface="Calibri" panose="020F0502020204030204" pitchFamily="34" charset="0"/>
+                          <a:ea typeface="Calibri" panose="020F0502020204030204" pitchFamily="34" charset="0"/>
+                          <a:cs typeface="Calibri" panose="020F0502020204030204" pitchFamily="34" charset="0"/>
+                        </a:rPr>
+                        <a:t>{{ebitda_fy27}}</a:t>
+                      </a:r>
+                    </a:p>
+                  </a:txBody>
+                  <a:tcPr anchor="ctr">
+                    <a:lnL w="9525" cap="flat" cmpd="sng" algn="ctr">
+                      <a:solidFill>
+                        <a:srgbClr val="9E9E9E"/>
+                      </a:solidFill>
+                      <a:prstDash val="solid"/>
+                      <a:round/>
+                      <a:headEnd type="none" w="med" len="med"/>
+                      <a:tailEnd type="none" w="med" len="med"/>
+                    </a:lnL>
+                    <a:lnR w="9525" cap="flat" cmpd="sng" algn="ctr">
+                      <a:solidFill>
+                        <a:srgbClr val="9E9E9E"/>
+                      </a:solidFill>
+                      <a:prstDash val="solid"/>
+                      <a:round/>
+                      <a:headEnd type="none" w="med" len="med"/>
+                      <a:tailEnd type="none" w="med" len="med"/>
+                    </a:lnR>
+                    <a:lnT w="9525" cap="flat" cmpd="sng" algn="ctr">
+                      <a:solidFill>
+                        <a:srgbClr val="9E9E9E"/>
+                      </a:solidFill>
+                      <a:prstDash val="solid"/>
+                      <a:round/>
+                      <a:headEnd type="none" w="med" len="med"/>
+                      <a:tailEnd type="none" w="med" len="med"/>
+                    </a:lnT>
+                    <a:lnB w="9525" cap="flat" cmpd="sng" algn="ctr">
+                      <a:solidFill>
+                        <a:srgbClr val="9E9E9E"/>
+                      </a:solidFill>
+                      <a:prstDash val="solid"/>
+                      <a:round/>
+                      <a:headEnd type="none" w="med" len="med"/>
+                      <a:tailEnd type="none" w="med" len="med"/>
+                    </a:lnB>
+                    <a:noFill/>
+                  </a:tcPr>
+                </a:tc>
+                <a:tc>
+                  <a:txBody>
+                    <a:bodyPr/>
+                    <a:lstStyle/>
+                    <a:p>
+                      <a:pPr algn="l" fontAlgn="base">
+                        <a:buNone/>
+                      </a:pPr>
+                      <a:r>
+                        <a:rPr lang="en-IN" sz="600" b="0" dirty="0">
+                          <a:solidFill>
+                            <a:schemeClr val="tx1"/>
+                          </a:solidFill>
+                          <a:effectLst/>
+                          <a:latin typeface="Calibri" panose="020F0502020204030204" pitchFamily="34" charset="0"/>
+                          <a:ea typeface="Calibri" panose="020F0502020204030204" pitchFamily="34" charset="0"/>
+                          <a:cs typeface="Calibri" panose="020F0502020204030204" pitchFamily="34" charset="0"/>
+                        </a:rPr>
+                        <a:t>{{ebitda_fy28}}</a:t>
+                      </a:r>
+                    </a:p>
+                  </a:txBody>
+                  <a:tcPr anchor="ctr">
+                    <a:lnL w="9525" cap="flat" cmpd="sng" algn="ctr">
+                      <a:solidFill>
+                        <a:srgbClr val="9E9E9E"/>
+                      </a:solidFill>
+                      <a:prstDash val="solid"/>
+                      <a:round/>
+                      <a:headEnd type="none" w="med" len="med"/>
+                      <a:tailEnd type="none" w="med" len="med"/>
+                    </a:lnL>
+                    <a:lnR w="9525" cap="flat" cmpd="sng" algn="ctr">
+                      <a:solidFill>
+                        <a:srgbClr val="9E9E9E"/>
+                      </a:solidFill>
+                      <a:prstDash val="solid"/>
+                      <a:round/>
+                      <a:headEnd type="none" w="med" len="med"/>
+                      <a:tailEnd type="none" w="med" len="med"/>
+                    </a:lnR>
+                    <a:lnT w="9525" cap="flat" cmpd="sng" algn="ctr">
+                      <a:solidFill>
+                        <a:srgbClr val="9E9E9E"/>
+                      </a:solidFill>
+                      <a:prstDash val="solid"/>
+                      <a:round/>
+                      <a:headEnd type="none" w="med" len="med"/>
+                      <a:tailEnd type="none" w="med" len="med"/>
+                    </a:lnT>
+                    <a:lnB w="9525" cap="flat" cmpd="sng" algn="ctr">
+                      <a:solidFill>
+                        <a:srgbClr val="9E9E9E"/>
+                      </a:solidFill>
+                      <a:prstDash val="solid"/>
+                      <a:round/>
+                      <a:headEnd type="none" w="med" len="med"/>
+                      <a:tailEnd type="none" w="med" len="med"/>
+                    </a:lnB>
+                    <a:noFill/>
+                  </a:tcPr>
+                </a:tc>
+                <a:extLst>
+                  <a:ext uri="{0D108BD9-81ED-4DB2-BD59-A6C34878D82A}">
+                    <a16:rowId xmlns:a16="http://schemas.microsoft.com/office/drawing/2014/main" val="954158347"/>
+                  </a:ext>
+                </a:extLst>
+              </a:tr>
+              <a:tr h="335300">
+                <a:tc>
+                  <a:txBody>
+                    <a:bodyPr/>
+                    <a:lstStyle/>
+                    <a:p>
+                      <a:pPr rtl="0" fontAlgn="t">
+                        <a:buNone/>
+                      </a:pPr>
+                      <a:r>
+                        <a:rPr lang="en-IN" sz="600" b="0" i="0" u="none" strike="noStrike" dirty="0">
+                          <a:solidFill>
+                            <a:schemeClr val="tx1"/>
+                          </a:solidFill>
+                          <a:effectLst/>
+                          <a:latin typeface="Calibri" panose="020F0502020204030204" pitchFamily="34" charset="0"/>
+                        </a:rPr>
+                        <a:t>% Margin</a:t>
+                      </a:r>
+                      <a:endParaRPr lang="en-IN" dirty="0">
+                        <a:solidFill>
+                          <a:schemeClr val="tx1"/>
+                        </a:solidFill>
+                        <a:effectLst/>
+                      </a:endParaRPr>
+                    </a:p>
+                  </a:txBody>
+                  <a:tcPr marL="95250" marR="95250" marT="95250" marB="95250">
+                    <a:lnL w="9525" cap="flat" cmpd="sng" algn="ctr">
+                      <a:solidFill>
+                        <a:srgbClr val="9E9E9E"/>
+                      </a:solidFill>
+                      <a:prstDash val="solid"/>
+                      <a:round/>
+                      <a:headEnd type="none" w="med" len="med"/>
+                      <a:tailEnd type="none" w="med" len="med"/>
+                    </a:lnL>
+                    <a:lnR w="9525" cap="flat" cmpd="sng" algn="ctr">
+                      <a:solidFill>
+                        <a:srgbClr val="9E9E9E"/>
+                      </a:solidFill>
+                      <a:prstDash val="solid"/>
+                      <a:round/>
+                      <a:headEnd type="none" w="med" len="med"/>
+                      <a:tailEnd type="none" w="med" len="med"/>
+                    </a:lnR>
+                    <a:lnT w="9525" cap="flat" cmpd="sng" algn="ctr">
+                      <a:solidFill>
+                        <a:srgbClr val="9E9E9E"/>
+                      </a:solidFill>
+                      <a:prstDash val="solid"/>
+                      <a:round/>
+                      <a:headEnd type="none" w="med" len="med"/>
+                      <a:tailEnd type="none" w="med" len="med"/>
+                    </a:lnT>
+                    <a:lnB w="9525" cap="flat" cmpd="sng" algn="ctr">
+                      <a:solidFill>
+                        <a:srgbClr val="9E9E9E"/>
+                      </a:solidFill>
+                      <a:prstDash val="solid"/>
+                      <a:round/>
+                      <a:headEnd type="none" w="med" len="med"/>
+                      <a:tailEnd type="none" w="med" len="med"/>
+                    </a:lnB>
+                    <a:solidFill>
+                      <a:srgbClr val="FFE5B4"/>
+                    </a:solidFill>
+                  </a:tcPr>
+                </a:tc>
+                <a:tc>
+                  <a:txBody>
+                    <a:bodyPr/>
+                    <a:lstStyle/>
+                    <a:p>
+                      <a:pPr algn="l" fontAlgn="base">
+                        <a:buNone/>
+                      </a:pPr>
+                      <a:r>
+                        <a:rPr lang="en-IN" sz="600" b="0" dirty="0">
+                          <a:solidFill>
+                            <a:schemeClr val="tx1"/>
+                          </a:solidFill>
+                          <a:effectLst/>
+                          <a:latin typeface="Calibri" panose="020F0502020204030204" pitchFamily="34" charset="0"/>
+                          <a:ea typeface="Calibri" panose="020F0502020204030204" pitchFamily="34" charset="0"/>
+                          <a:cs typeface="Calibri" panose="020F0502020204030204" pitchFamily="34" charset="0"/>
+                        </a:rPr>
+                        <a:t>{{ebitda_margin_fy24}}</a:t>
+                      </a:r>
+                    </a:p>
+                  </a:txBody>
+                  <a:tcPr anchor="ctr">
+                    <a:lnL w="9525" cap="flat" cmpd="sng" algn="ctr">
+                      <a:solidFill>
+                        <a:srgbClr val="9E9E9E"/>
+                      </a:solidFill>
+                      <a:prstDash val="solid"/>
+                      <a:round/>
+                      <a:headEnd type="none" w="med" len="med"/>
+                      <a:tailEnd type="none" w="med" len="med"/>
+                    </a:lnL>
+                    <a:lnR w="9525" cap="flat" cmpd="sng" algn="ctr">
+                      <a:solidFill>
+                        <a:srgbClr val="9E9E9E"/>
+                      </a:solidFill>
+                      <a:prstDash val="solid"/>
+                      <a:round/>
+                      <a:headEnd type="none" w="med" len="med"/>
+                      <a:tailEnd type="none" w="med" len="med"/>
+                    </a:lnR>
+                    <a:lnT w="9525" cap="flat" cmpd="sng" algn="ctr">
+                      <a:solidFill>
+                        <a:srgbClr val="9E9E9E"/>
+                      </a:solidFill>
+                      <a:prstDash val="solid"/>
+                      <a:round/>
+                      <a:headEnd type="none" w="med" len="med"/>
+                      <a:tailEnd type="none" w="med" len="med"/>
+                    </a:lnT>
+                    <a:lnB w="9525" cap="flat" cmpd="sng" algn="ctr">
+                      <a:solidFill>
+                        <a:srgbClr val="9E9E9E"/>
+                      </a:solidFill>
+                      <a:prstDash val="solid"/>
+                      <a:round/>
+                      <a:headEnd type="none" w="med" len="med"/>
+                      <a:tailEnd type="none" w="med" len="med"/>
+                    </a:lnB>
+                    <a:solidFill>
+                      <a:srgbClr val="FFE5B4"/>
+                    </a:solidFill>
+                  </a:tcPr>
+                </a:tc>
+                <a:tc>
+                  <a:txBody>
+                    <a:bodyPr/>
+                    <a:lstStyle/>
+                    <a:p>
+                      <a:pPr algn="l" fontAlgn="base">
+                        <a:buNone/>
+                      </a:pPr>
+                      <a:r>
+                        <a:rPr lang="en-IN" sz="600" b="0">
+                          <a:solidFill>
+                            <a:schemeClr val="tx1"/>
+                          </a:solidFill>
+                          <a:effectLst/>
+                          <a:latin typeface="Calibri" panose="020F0502020204030204" pitchFamily="34" charset="0"/>
+                          <a:ea typeface="Calibri" panose="020F0502020204030204" pitchFamily="34" charset="0"/>
+                          <a:cs typeface="Calibri" panose="020F0502020204030204" pitchFamily="34" charset="0"/>
+                        </a:rPr>
+                        <a:t>{{ebitda_margin_fy25}}</a:t>
+                      </a:r>
+                    </a:p>
+                  </a:txBody>
+                  <a:tcPr anchor="ctr">
+                    <a:lnL w="9525" cap="flat" cmpd="sng" algn="ctr">
+                      <a:solidFill>
+                        <a:srgbClr val="9E9E9E"/>
+                      </a:solidFill>
+                      <a:prstDash val="solid"/>
+                      <a:round/>
+                      <a:headEnd type="none" w="med" len="med"/>
+                      <a:tailEnd type="none" w="med" len="med"/>
+                    </a:lnL>
+                    <a:lnR w="9525" cap="flat" cmpd="sng" algn="ctr">
+                      <a:solidFill>
+                        <a:srgbClr val="9E9E9E"/>
+                      </a:solidFill>
+                      <a:prstDash val="solid"/>
+                      <a:round/>
+                      <a:headEnd type="none" w="med" len="med"/>
+                      <a:tailEnd type="none" w="med" len="med"/>
+                    </a:lnR>
+                    <a:lnT w="9525" cap="flat" cmpd="sng" algn="ctr">
+                      <a:solidFill>
+                        <a:srgbClr val="9E9E9E"/>
+                      </a:solidFill>
+                      <a:prstDash val="solid"/>
+                      <a:round/>
+                      <a:headEnd type="none" w="med" len="med"/>
+                      <a:tailEnd type="none" w="med" len="med"/>
+                    </a:lnT>
+                    <a:lnB w="9525" cap="flat" cmpd="sng" algn="ctr">
+                      <a:solidFill>
+                        <a:srgbClr val="9E9E9E"/>
+                      </a:solidFill>
+                      <a:prstDash val="solid"/>
+                      <a:round/>
+                      <a:headEnd type="none" w="med" len="med"/>
+                      <a:tailEnd type="none" w="med" len="med"/>
+                    </a:lnB>
+                    <a:solidFill>
+                      <a:srgbClr val="FFE5B4"/>
+                    </a:solidFill>
+                  </a:tcPr>
+                </a:tc>
+                <a:tc>
+                  <a:txBody>
+                    <a:bodyPr/>
+                    <a:lstStyle/>
+                    <a:p>
+                      <a:pPr algn="l" fontAlgn="base">
+                        <a:buNone/>
+                      </a:pPr>
+                      <a:r>
+                        <a:rPr lang="en-IN" sz="600" b="0" dirty="0">
+                          <a:solidFill>
+                            <a:schemeClr val="tx1"/>
+                          </a:solidFill>
+                          <a:effectLst/>
+                          <a:latin typeface="Calibri" panose="020F0502020204030204" pitchFamily="34" charset="0"/>
+                          <a:ea typeface="Calibri" panose="020F0502020204030204" pitchFamily="34" charset="0"/>
+                          <a:cs typeface="Calibri" panose="020F0502020204030204" pitchFamily="34" charset="0"/>
+                        </a:rPr>
+                        <a:t>{{ebitda_margin_fy26}}</a:t>
+                      </a:r>
+                    </a:p>
+                  </a:txBody>
+                  <a:tcPr anchor="ctr">
+                    <a:lnL w="9525" cap="flat" cmpd="sng" algn="ctr">
+                      <a:solidFill>
+                        <a:srgbClr val="9E9E9E"/>
+                      </a:solidFill>
+                      <a:prstDash val="solid"/>
+                      <a:round/>
+                      <a:headEnd type="none" w="med" len="med"/>
+                      <a:tailEnd type="none" w="med" len="med"/>
+                    </a:lnL>
+                    <a:lnR w="9525" cap="flat" cmpd="sng" algn="ctr">
+                      <a:solidFill>
+                        <a:srgbClr val="9E9E9E"/>
+                      </a:solidFill>
+                      <a:prstDash val="solid"/>
+                      <a:round/>
+                      <a:headEnd type="none" w="med" len="med"/>
+                      <a:tailEnd type="none" w="med" len="med"/>
+                    </a:lnR>
+                    <a:lnT w="9525" cap="flat" cmpd="sng" algn="ctr">
+                      <a:solidFill>
+                        <a:srgbClr val="9E9E9E"/>
+                      </a:solidFill>
+                      <a:prstDash val="solid"/>
+                      <a:round/>
+                      <a:headEnd type="none" w="med" len="med"/>
+                      <a:tailEnd type="none" w="med" len="med"/>
+                    </a:lnT>
+                    <a:lnB w="9525" cap="flat" cmpd="sng" algn="ctr">
+                      <a:solidFill>
+                        <a:srgbClr val="9E9E9E"/>
+                      </a:solidFill>
+                      <a:prstDash val="solid"/>
+                      <a:round/>
+                      <a:headEnd type="none" w="med" len="med"/>
+                      <a:tailEnd type="none" w="med" len="med"/>
+                    </a:lnB>
+                    <a:solidFill>
+                      <a:srgbClr val="FFE5B4"/>
+                    </a:solidFill>
+                  </a:tcPr>
+                </a:tc>
+                <a:tc>
+                  <a:txBody>
+                    <a:bodyPr/>
+                    <a:lstStyle/>
+                    <a:p>
+                      <a:pPr algn="l" fontAlgn="base">
+                        <a:buNone/>
+                      </a:pPr>
+                      <a:r>
+                        <a:rPr lang="en-IN" sz="600" b="0">
+                          <a:solidFill>
+                            <a:schemeClr val="tx1"/>
+                          </a:solidFill>
+                          <a:effectLst/>
+                          <a:latin typeface="Calibri" panose="020F0502020204030204" pitchFamily="34" charset="0"/>
+                          <a:ea typeface="Calibri" panose="020F0502020204030204" pitchFamily="34" charset="0"/>
+                          <a:cs typeface="Calibri" panose="020F0502020204030204" pitchFamily="34" charset="0"/>
+                        </a:rPr>
+                        <a:t>{{ebitda_margin_fy27}}</a:t>
+                      </a:r>
+                    </a:p>
+                  </a:txBody>
+                  <a:tcPr anchor="ctr">
+                    <a:lnL w="9525" cap="flat" cmpd="sng" algn="ctr">
+                      <a:solidFill>
+                        <a:srgbClr val="9E9E9E"/>
+                      </a:solidFill>
+                      <a:prstDash val="solid"/>
+                      <a:round/>
+                      <a:headEnd type="none" w="med" len="med"/>
+                      <a:tailEnd type="none" w="med" len="med"/>
+                    </a:lnL>
+                    <a:lnR w="9525" cap="flat" cmpd="sng" algn="ctr">
+                      <a:solidFill>
+                        <a:srgbClr val="9E9E9E"/>
+                      </a:solidFill>
+                      <a:prstDash val="solid"/>
+                      <a:round/>
+                      <a:headEnd type="none" w="med" len="med"/>
+                      <a:tailEnd type="none" w="med" len="med"/>
+                    </a:lnR>
+                    <a:lnT w="9525" cap="flat" cmpd="sng" algn="ctr">
+                      <a:solidFill>
+                        <a:srgbClr val="9E9E9E"/>
+                      </a:solidFill>
+                      <a:prstDash val="solid"/>
+                      <a:round/>
+                      <a:headEnd type="none" w="med" len="med"/>
+                      <a:tailEnd type="none" w="med" len="med"/>
+                    </a:lnT>
+                    <a:lnB w="9525" cap="flat" cmpd="sng" algn="ctr">
+                      <a:solidFill>
+                        <a:srgbClr val="9E9E9E"/>
+                      </a:solidFill>
+                      <a:prstDash val="solid"/>
+                      <a:round/>
+                      <a:headEnd type="none" w="med" len="med"/>
+                      <a:tailEnd type="none" w="med" len="med"/>
+                    </a:lnB>
+                    <a:solidFill>
+                      <a:srgbClr val="FFE5B4"/>
+                    </a:solidFill>
+                  </a:tcPr>
+                </a:tc>
+                <a:tc>
+                  <a:txBody>
+                    <a:bodyPr/>
+                    <a:lstStyle/>
+                    <a:p>
+                      <a:pPr algn="l" fontAlgn="base">
+                        <a:buNone/>
+                      </a:pPr>
+                      <a:r>
+                        <a:rPr lang="en-IN" sz="600" b="0" dirty="0">
+                          <a:solidFill>
+                            <a:schemeClr val="tx1"/>
+                          </a:solidFill>
+                          <a:effectLst/>
+                          <a:latin typeface="Calibri" panose="020F0502020204030204" pitchFamily="34" charset="0"/>
+                          <a:ea typeface="Calibri" panose="020F0502020204030204" pitchFamily="34" charset="0"/>
+                          <a:cs typeface="Calibri" panose="020F0502020204030204" pitchFamily="34" charset="0"/>
+                        </a:rPr>
+                        <a:t>{{ebitda_margin_fy28}}</a:t>
+                      </a:r>
+                    </a:p>
+                  </a:txBody>
+                  <a:tcPr anchor="ctr">
+                    <a:lnL w="9525" cap="flat" cmpd="sng" algn="ctr">
+                      <a:solidFill>
+                        <a:srgbClr val="9E9E9E"/>
+                      </a:solidFill>
+                      <a:prstDash val="solid"/>
+                      <a:round/>
+                      <a:headEnd type="none" w="med" len="med"/>
+                      <a:tailEnd type="none" w="med" len="med"/>
+                    </a:lnL>
+                    <a:lnR w="9525" cap="flat" cmpd="sng" algn="ctr">
+                      <a:solidFill>
+                        <a:srgbClr val="9E9E9E"/>
+                      </a:solidFill>
+                      <a:prstDash val="solid"/>
+                      <a:round/>
+                      <a:headEnd type="none" w="med" len="med"/>
+                      <a:tailEnd type="none" w="med" len="med"/>
+                    </a:lnR>
+                    <a:lnT w="9525" cap="flat" cmpd="sng" algn="ctr">
+                      <a:solidFill>
+                        <a:srgbClr val="9E9E9E"/>
+                      </a:solidFill>
+                      <a:prstDash val="solid"/>
+                      <a:round/>
+                      <a:headEnd type="none" w="med" len="med"/>
+                      <a:tailEnd type="none" w="med" len="med"/>
+                    </a:lnT>
+                    <a:lnB w="9525" cap="flat" cmpd="sng" algn="ctr">
+                      <a:solidFill>
+                        <a:srgbClr val="9E9E9E"/>
+                      </a:solidFill>
+                      <a:prstDash val="solid"/>
+                      <a:round/>
+                      <a:headEnd type="none" w="med" len="med"/>
+                      <a:tailEnd type="none" w="med" len="med"/>
+                    </a:lnB>
+                    <a:solidFill>
+                      <a:srgbClr val="FFE5B4"/>
+                    </a:solidFill>
+                  </a:tcPr>
+                </a:tc>
+                <a:extLst>
+                  <a:ext uri="{0D108BD9-81ED-4DB2-BD59-A6C34878D82A}">
+                    <a16:rowId xmlns:a16="http://schemas.microsoft.com/office/drawing/2014/main" val="3717934197"/>
+                  </a:ext>
+                </a:extLst>
+              </a:tr>
+              <a:tr h="335300">
+                <a:tc>
+                  <a:txBody>
+                    <a:bodyPr/>
+                    <a:lstStyle/>
+                    <a:p>
+                      <a:pPr rtl="0" fontAlgn="t">
+                        <a:buNone/>
+                      </a:pPr>
+                      <a:r>
+                        <a:rPr lang="en-IN" sz="600" b="0" i="0" u="none" strike="noStrike" dirty="0">
+                          <a:solidFill>
+                            <a:schemeClr val="tx1"/>
+                          </a:solidFill>
+                          <a:effectLst/>
+                          <a:latin typeface="Calibri" panose="020F0502020204030204" pitchFamily="34" charset="0"/>
+                        </a:rPr>
+                        <a:t>YoY% growth</a:t>
+                      </a:r>
+                      <a:endParaRPr lang="en-IN" dirty="0">
+                        <a:solidFill>
+                          <a:schemeClr val="tx1"/>
+                        </a:solidFill>
+                        <a:effectLst/>
+                      </a:endParaRPr>
+                    </a:p>
+                  </a:txBody>
+                  <a:tcPr marL="95250" marR="95250" marT="95250" marB="95250">
+                    <a:lnL w="9525" cap="flat" cmpd="sng" algn="ctr">
+                      <a:solidFill>
+                        <a:srgbClr val="9E9E9E"/>
+                      </a:solidFill>
+                      <a:prstDash val="solid"/>
+                      <a:round/>
+                      <a:headEnd type="none" w="med" len="med"/>
+                      <a:tailEnd type="none" w="med" len="med"/>
+                    </a:lnL>
+                    <a:lnR w="9525" cap="flat" cmpd="sng" algn="ctr">
+                      <a:solidFill>
+                        <a:srgbClr val="9E9E9E"/>
+                      </a:solidFill>
+                      <a:prstDash val="solid"/>
+                      <a:round/>
+                      <a:headEnd type="none" w="med" len="med"/>
+                      <a:tailEnd type="none" w="med" len="med"/>
+                    </a:lnR>
+                    <a:lnT w="9525" cap="flat" cmpd="sng" algn="ctr">
+                      <a:solidFill>
+                        <a:srgbClr val="9E9E9E"/>
+                      </a:solidFill>
+                      <a:prstDash val="solid"/>
+                      <a:round/>
+                      <a:headEnd type="none" w="med" len="med"/>
+                      <a:tailEnd type="none" w="med" len="med"/>
+                    </a:lnT>
+                    <a:lnB w="9525" cap="flat" cmpd="sng" algn="ctr">
+                      <a:solidFill>
+                        <a:srgbClr val="9E9E9E"/>
+                      </a:solidFill>
+                      <a:prstDash val="solid"/>
+                      <a:round/>
+                      <a:headEnd type="none" w="med" len="med"/>
+                      <a:tailEnd type="none" w="med" len="med"/>
+                    </a:lnB>
+                    <a:noFill/>
+                  </a:tcPr>
+                </a:tc>
+                <a:tc>
+                  <a:txBody>
+                    <a:bodyPr/>
+                    <a:lstStyle/>
+                    <a:p>
+                      <a:pPr algn="l" fontAlgn="base">
+                        <a:buNone/>
+                      </a:pPr>
+                      <a:r>
+                        <a:rPr lang="en-IN" sz="600" b="0">
+                          <a:solidFill>
+                            <a:schemeClr val="tx1"/>
+                          </a:solidFill>
+                          <a:effectLst/>
+                          <a:latin typeface="SF Mono"/>
+                        </a:rPr>
+                        <a:t>{{ebitda_growth_fy24}}</a:t>
+                      </a:r>
+                    </a:p>
+                  </a:txBody>
+                  <a:tcPr anchor="ctr">
+                    <a:lnL w="9525" cap="flat" cmpd="sng" algn="ctr">
+                      <a:solidFill>
+                        <a:srgbClr val="9E9E9E"/>
+                      </a:solidFill>
+                      <a:prstDash val="solid"/>
+                      <a:round/>
+                      <a:headEnd type="none" w="med" len="med"/>
+                      <a:tailEnd type="none" w="med" len="med"/>
+                    </a:lnL>
+                    <a:lnR w="9525" cap="flat" cmpd="sng" algn="ctr">
+                      <a:solidFill>
+                        <a:srgbClr val="9E9E9E"/>
+                      </a:solidFill>
+                      <a:prstDash val="solid"/>
+                      <a:round/>
+                      <a:headEnd type="none" w="med" len="med"/>
+                      <a:tailEnd type="none" w="med" len="med"/>
+                    </a:lnR>
+                    <a:lnT w="9525" cap="flat" cmpd="sng" algn="ctr">
+                      <a:solidFill>
+                        <a:srgbClr val="9E9E9E"/>
+                      </a:solidFill>
+                      <a:prstDash val="solid"/>
+                      <a:round/>
+                      <a:headEnd type="none" w="med" len="med"/>
+                      <a:tailEnd type="none" w="med" len="med"/>
+                    </a:lnT>
+                    <a:lnB w="9525" cap="flat" cmpd="sng" algn="ctr">
+                      <a:solidFill>
+                        <a:srgbClr val="9E9E9E"/>
+                      </a:solidFill>
+                      <a:prstDash val="solid"/>
+                      <a:round/>
+                      <a:headEnd type="none" w="med" len="med"/>
+                      <a:tailEnd type="none" w="med" len="med"/>
+                    </a:lnB>
+                    <a:noFill/>
+                  </a:tcPr>
+                </a:tc>
+                <a:tc>
+                  <a:txBody>
+                    <a:bodyPr/>
+                    <a:lstStyle/>
+                    <a:p>
+                      <a:pPr algn="l" fontAlgn="base">
+                        <a:buNone/>
+                      </a:pPr>
+                      <a:r>
+                        <a:rPr lang="en-IN" sz="600" b="0">
+                          <a:solidFill>
+                            <a:schemeClr val="tx1"/>
+                          </a:solidFill>
+                          <a:effectLst/>
+                          <a:latin typeface="SF Mono"/>
+                        </a:rPr>
+                        <a:t>{{ebitda_growth_fy25}}</a:t>
+                      </a:r>
+                    </a:p>
+                  </a:txBody>
+                  <a:tcPr anchor="ctr">
+                    <a:lnL w="9525" cap="flat" cmpd="sng" algn="ctr">
+                      <a:solidFill>
+                        <a:srgbClr val="9E9E9E"/>
+                      </a:solidFill>
+                      <a:prstDash val="solid"/>
+                      <a:round/>
+                      <a:headEnd type="none" w="med" len="med"/>
+                      <a:tailEnd type="none" w="med" len="med"/>
+                    </a:lnL>
+                    <a:lnR w="9525" cap="flat" cmpd="sng" algn="ctr">
+                      <a:solidFill>
+                        <a:srgbClr val="9E9E9E"/>
+                      </a:solidFill>
+                      <a:prstDash val="solid"/>
+                      <a:round/>
+                      <a:headEnd type="none" w="med" len="med"/>
+                      <a:tailEnd type="none" w="med" len="med"/>
+                    </a:lnR>
+                    <a:lnT w="9525" cap="flat" cmpd="sng" algn="ctr">
+                      <a:solidFill>
+                        <a:srgbClr val="9E9E9E"/>
+                      </a:solidFill>
+                      <a:prstDash val="solid"/>
+                      <a:round/>
+                      <a:headEnd type="none" w="med" len="med"/>
+                      <a:tailEnd type="none" w="med" len="med"/>
+                    </a:lnT>
+                    <a:lnB w="9525" cap="flat" cmpd="sng" algn="ctr">
+                      <a:solidFill>
+                        <a:srgbClr val="9E9E9E"/>
+                      </a:solidFill>
+                      <a:prstDash val="solid"/>
+                      <a:round/>
+                      <a:headEnd type="none" w="med" len="med"/>
+                      <a:tailEnd type="none" w="med" len="med"/>
+                    </a:lnB>
+                    <a:noFill/>
+                  </a:tcPr>
+                </a:tc>
+                <a:tc>
+                  <a:txBody>
+                    <a:bodyPr/>
+                    <a:lstStyle/>
+                    <a:p>
+                      <a:pPr algn="l" fontAlgn="base">
+                        <a:buNone/>
+                      </a:pPr>
+                      <a:r>
+                        <a:rPr lang="en-IN" sz="600" b="0">
+                          <a:solidFill>
+                            <a:schemeClr val="tx1"/>
+                          </a:solidFill>
+                          <a:effectLst/>
+                          <a:latin typeface="SF Mono"/>
+                        </a:rPr>
+                        <a:t>{{ebitda_growth_fy26}}</a:t>
+                      </a:r>
+                    </a:p>
+                  </a:txBody>
+                  <a:tcPr anchor="ctr">
+                    <a:lnL w="9525" cap="flat" cmpd="sng" algn="ctr">
+                      <a:solidFill>
+                        <a:srgbClr val="9E9E9E"/>
+                      </a:solidFill>
+                      <a:prstDash val="solid"/>
+                      <a:round/>
+                      <a:headEnd type="none" w="med" len="med"/>
+                      <a:tailEnd type="none" w="med" len="med"/>
+                    </a:lnL>
+                    <a:lnR w="9525" cap="flat" cmpd="sng" algn="ctr">
+                      <a:solidFill>
+                        <a:srgbClr val="9E9E9E"/>
+                      </a:solidFill>
+                      <a:prstDash val="solid"/>
+                      <a:round/>
+                      <a:headEnd type="none" w="med" len="med"/>
+                      <a:tailEnd type="none" w="med" len="med"/>
+                    </a:lnR>
+                    <a:lnT w="9525" cap="flat" cmpd="sng" algn="ctr">
+                      <a:solidFill>
+                        <a:srgbClr val="9E9E9E"/>
+                      </a:solidFill>
+                      <a:prstDash val="solid"/>
+                      <a:round/>
+                      <a:headEnd type="none" w="med" len="med"/>
+                      <a:tailEnd type="none" w="med" len="med"/>
+                    </a:lnT>
+                    <a:lnB w="9525" cap="flat" cmpd="sng" algn="ctr">
+                      <a:solidFill>
+                        <a:srgbClr val="9E9E9E"/>
+                      </a:solidFill>
+                      <a:prstDash val="solid"/>
+                      <a:round/>
+                      <a:headEnd type="none" w="med" len="med"/>
+                      <a:tailEnd type="none" w="med" len="med"/>
+                    </a:lnB>
+                    <a:noFill/>
+                  </a:tcPr>
+                </a:tc>
+                <a:tc>
+                  <a:txBody>
+                    <a:bodyPr/>
+                    <a:lstStyle/>
+                    <a:p>
+                      <a:pPr algn="l" fontAlgn="base">
+                        <a:buNone/>
+                      </a:pPr>
+                      <a:r>
+                        <a:rPr lang="en-IN" sz="600" b="0">
+                          <a:solidFill>
+                            <a:schemeClr val="tx1"/>
+                          </a:solidFill>
+                          <a:effectLst/>
+                          <a:latin typeface="SF Mono"/>
+                        </a:rPr>
+                        <a:t>{{ebitda_growth_fy27}}</a:t>
+                      </a:r>
+                    </a:p>
+                  </a:txBody>
+                  <a:tcPr anchor="ctr">
+                    <a:lnL w="9525" cap="flat" cmpd="sng" algn="ctr">
+                      <a:solidFill>
+                        <a:srgbClr val="9E9E9E"/>
+                      </a:solidFill>
+                      <a:prstDash val="solid"/>
+                      <a:round/>
+                      <a:headEnd type="none" w="med" len="med"/>
+                      <a:tailEnd type="none" w="med" len="med"/>
+                    </a:lnL>
+                    <a:lnR w="9525" cap="flat" cmpd="sng" algn="ctr">
+                      <a:solidFill>
+                        <a:srgbClr val="9E9E9E"/>
+                      </a:solidFill>
+                      <a:prstDash val="solid"/>
+                      <a:round/>
+                      <a:headEnd type="none" w="med" len="med"/>
+                      <a:tailEnd type="none" w="med" len="med"/>
+                    </a:lnR>
+                    <a:lnT w="9525" cap="flat" cmpd="sng" algn="ctr">
+                      <a:solidFill>
+                        <a:srgbClr val="9E9E9E"/>
+                      </a:solidFill>
+                      <a:prstDash val="solid"/>
+                      <a:round/>
+                      <a:headEnd type="none" w="med" len="med"/>
+                      <a:tailEnd type="none" w="med" len="med"/>
+                    </a:lnT>
+                    <a:lnB w="9525" cap="flat" cmpd="sng" algn="ctr">
+                      <a:solidFill>
+                        <a:srgbClr val="9E9E9E"/>
+                      </a:solidFill>
+                      <a:prstDash val="solid"/>
+                      <a:round/>
+                      <a:headEnd type="none" w="med" len="med"/>
+                      <a:tailEnd type="none" w="med" len="med"/>
+                    </a:lnB>
+                    <a:noFill/>
+                  </a:tcPr>
+                </a:tc>
+                <a:tc>
+                  <a:txBody>
+                    <a:bodyPr/>
+                    <a:lstStyle/>
+                    <a:p>
+                      <a:pPr algn="l" fontAlgn="base">
+                        <a:buNone/>
+                      </a:pPr>
+                      <a:r>
+                        <a:rPr lang="en-IN" sz="600" b="0" dirty="0">
+                          <a:solidFill>
+                            <a:schemeClr val="tx1"/>
+                          </a:solidFill>
+                          <a:effectLst/>
+                          <a:latin typeface="SF Mono"/>
+                        </a:rPr>
+                        <a:t>{{ebitda_growth_fy28}}</a:t>
+                      </a:r>
+                    </a:p>
+                  </a:txBody>
+                  <a:tcPr anchor="ctr">
+                    <a:lnL w="9525" cap="flat" cmpd="sng" algn="ctr">
+                      <a:solidFill>
+                        <a:srgbClr val="9E9E9E"/>
+                      </a:solidFill>
+                      <a:prstDash val="solid"/>
+                      <a:round/>
+                      <a:headEnd type="none" w="med" len="med"/>
+                      <a:tailEnd type="none" w="med" len="med"/>
+                    </a:lnL>
+                    <a:lnR w="9525" cap="flat" cmpd="sng" algn="ctr">
+                      <a:solidFill>
+                        <a:srgbClr val="9E9E9E"/>
+                      </a:solidFill>
+                      <a:prstDash val="solid"/>
+                      <a:round/>
+                      <a:headEnd type="none" w="med" len="med"/>
+                      <a:tailEnd type="none" w="med" len="med"/>
+                    </a:lnR>
+                    <a:lnT w="9525" cap="flat" cmpd="sng" algn="ctr">
+                      <a:solidFill>
+                        <a:srgbClr val="9E9E9E"/>
+                      </a:solidFill>
+                      <a:prstDash val="solid"/>
+                      <a:round/>
+                      <a:headEnd type="none" w="med" len="med"/>
+                      <a:tailEnd type="none" w="med" len="med"/>
+                    </a:lnT>
+                    <a:lnB w="9525" cap="flat" cmpd="sng" algn="ctr">
+                      <a:solidFill>
+                        <a:srgbClr val="9E9E9E"/>
+                      </a:solidFill>
+                      <a:prstDash val="solid"/>
+                      <a:round/>
+                      <a:headEnd type="none" w="med" len="med"/>
+                      <a:tailEnd type="none" w="med" len="med"/>
+                    </a:lnB>
+                    <a:noFill/>
+                  </a:tcPr>
+                </a:tc>
+                <a:extLst>
+                  <a:ext uri="{0D108BD9-81ED-4DB2-BD59-A6C34878D82A}">
+                    <a16:rowId xmlns:a16="http://schemas.microsoft.com/office/drawing/2014/main" val="1749798590"/>
+                  </a:ext>
+                </a:extLst>
+              </a:tr>
+              <a:tr h="273457">
+                <a:tc>
+                  <a:txBody>
+                    <a:bodyPr/>
+                    <a:lstStyle/>
+                    <a:p>
+                      <a:pPr rtl="0" fontAlgn="t">
+                        <a:buNone/>
+                      </a:pPr>
+                      <a:r>
+                        <a:rPr lang="en-IN" sz="600" b="0" i="0" u="none" strike="noStrike">
+                          <a:solidFill>
+                            <a:schemeClr val="tx1"/>
+                          </a:solidFill>
+                          <a:effectLst/>
+                          <a:latin typeface="Calibri" panose="020F0502020204030204" pitchFamily="34" charset="0"/>
+                        </a:rPr>
+                        <a:t>PAT</a:t>
+                      </a:r>
+                      <a:endParaRPr lang="en-IN">
+                        <a:solidFill>
+                          <a:schemeClr val="tx1"/>
+                        </a:solidFill>
+                        <a:effectLst/>
+                      </a:endParaRPr>
+                    </a:p>
+                  </a:txBody>
+                  <a:tcPr marL="95250" marR="95250" marT="95250" marB="95250">
+                    <a:lnL w="9525" cap="flat" cmpd="sng" algn="ctr">
+                      <a:solidFill>
+                        <a:srgbClr val="9E9E9E"/>
+                      </a:solidFill>
+                      <a:prstDash val="solid"/>
+                      <a:round/>
+                      <a:headEnd type="none" w="med" len="med"/>
+                      <a:tailEnd type="none" w="med" len="med"/>
+                    </a:lnL>
+                    <a:lnR w="9525" cap="flat" cmpd="sng" algn="ctr">
+                      <a:solidFill>
+                        <a:srgbClr val="9E9E9E"/>
+                      </a:solidFill>
+                      <a:prstDash val="solid"/>
+                      <a:round/>
+                      <a:headEnd type="none" w="med" len="med"/>
+                      <a:tailEnd type="none" w="med" len="med"/>
+                    </a:lnR>
+                    <a:lnT w="9525" cap="flat" cmpd="sng" algn="ctr">
+                      <a:solidFill>
+                        <a:srgbClr val="9E9E9E"/>
+                      </a:solidFill>
+                      <a:prstDash val="solid"/>
+                      <a:round/>
+                      <a:headEnd type="none" w="med" len="med"/>
+                      <a:tailEnd type="none" w="med" len="med"/>
+                    </a:lnT>
+                    <a:lnB w="9525" cap="flat" cmpd="sng" algn="ctr">
+                      <a:solidFill>
+                        <a:srgbClr val="9E9E9E"/>
+                      </a:solidFill>
+                      <a:prstDash val="solid"/>
+                      <a:round/>
+                      <a:headEnd type="none" w="med" len="med"/>
+                      <a:tailEnd type="none" w="med" len="med"/>
+                    </a:lnB>
+                    <a:solidFill>
+                      <a:srgbClr val="FFE5B4"/>
+                    </a:solidFill>
+                  </a:tcPr>
+                </a:tc>
+                <a:tc>
+                  <a:txBody>
+                    <a:bodyPr/>
+                    <a:lstStyle/>
+                    <a:p>
+                      <a:pPr algn="l" fontAlgn="base">
+                        <a:buNone/>
+                      </a:pPr>
+                      <a:r>
+                        <a:rPr lang="en-IN" sz="600" b="0" dirty="0">
+                          <a:solidFill>
+                            <a:schemeClr val="tx1"/>
+                          </a:solidFill>
+                          <a:effectLst/>
+                          <a:latin typeface="Calibri" panose="020F0502020204030204" pitchFamily="34" charset="0"/>
+                          <a:ea typeface="Calibri" panose="020F0502020204030204" pitchFamily="34" charset="0"/>
+                          <a:cs typeface="Calibri" panose="020F0502020204030204" pitchFamily="34" charset="0"/>
+                        </a:rPr>
+                        <a:t>{{pat_fy24}}</a:t>
+                      </a:r>
+                    </a:p>
+                  </a:txBody>
+                  <a:tcPr anchor="ctr">
+                    <a:lnL w="9525" cap="flat" cmpd="sng" algn="ctr">
+                      <a:solidFill>
+                        <a:srgbClr val="9E9E9E"/>
+                      </a:solidFill>
+                      <a:prstDash val="solid"/>
+                      <a:round/>
+                      <a:headEnd type="none" w="med" len="med"/>
+                      <a:tailEnd type="none" w="med" len="med"/>
+                    </a:lnL>
+                    <a:lnR w="9525" cap="flat" cmpd="sng" algn="ctr">
+                      <a:solidFill>
+                        <a:srgbClr val="9E9E9E"/>
+                      </a:solidFill>
+                      <a:prstDash val="solid"/>
+                      <a:round/>
+                      <a:headEnd type="none" w="med" len="med"/>
+                      <a:tailEnd type="none" w="med" len="med"/>
+                    </a:lnR>
+                    <a:lnT w="9525" cap="flat" cmpd="sng" algn="ctr">
+                      <a:solidFill>
+                        <a:srgbClr val="9E9E9E"/>
+                      </a:solidFill>
+                      <a:prstDash val="solid"/>
+                      <a:round/>
+                      <a:headEnd type="none" w="med" len="med"/>
+                      <a:tailEnd type="none" w="med" len="med"/>
+                    </a:lnT>
+                    <a:lnB w="9525" cap="flat" cmpd="sng" algn="ctr">
+                      <a:solidFill>
+                        <a:srgbClr val="9E9E9E"/>
+                      </a:solidFill>
+                      <a:prstDash val="solid"/>
+                      <a:round/>
+                      <a:headEnd type="none" w="med" len="med"/>
+                      <a:tailEnd type="none" w="med" len="med"/>
+                    </a:lnB>
+                    <a:solidFill>
+                      <a:srgbClr val="FFE5B4"/>
+                    </a:solidFill>
+                  </a:tcPr>
+                </a:tc>
+                <a:tc>
+                  <a:txBody>
+                    <a:bodyPr/>
+                    <a:lstStyle/>
+                    <a:p>
+                      <a:pPr algn="l" fontAlgn="base">
+                        <a:buNone/>
+                      </a:pPr>
+                      <a:r>
+                        <a:rPr lang="en-IN" sz="600" b="0">
+                          <a:solidFill>
+                            <a:schemeClr val="tx1"/>
+                          </a:solidFill>
+                          <a:effectLst/>
+                          <a:latin typeface="Calibri" panose="020F0502020204030204" pitchFamily="34" charset="0"/>
+                          <a:ea typeface="Calibri" panose="020F0502020204030204" pitchFamily="34" charset="0"/>
+                          <a:cs typeface="Calibri" panose="020F0502020204030204" pitchFamily="34" charset="0"/>
+                        </a:rPr>
+                        <a:t>{{pat_fy25}}</a:t>
+                      </a:r>
+                    </a:p>
+                  </a:txBody>
+                  <a:tcPr anchor="ctr">
+                    <a:lnL w="9525" cap="flat" cmpd="sng" algn="ctr">
+                      <a:solidFill>
+                        <a:srgbClr val="9E9E9E"/>
+                      </a:solidFill>
+                      <a:prstDash val="solid"/>
+                      <a:round/>
+                      <a:headEnd type="none" w="med" len="med"/>
+                      <a:tailEnd type="none" w="med" len="med"/>
+                    </a:lnL>
+                    <a:lnR w="9525" cap="flat" cmpd="sng" algn="ctr">
+                      <a:solidFill>
+                        <a:srgbClr val="9E9E9E"/>
+                      </a:solidFill>
+                      <a:prstDash val="solid"/>
+                      <a:round/>
+                      <a:headEnd type="none" w="med" len="med"/>
+                      <a:tailEnd type="none" w="med" len="med"/>
+                    </a:lnR>
+                    <a:lnT w="9525" cap="flat" cmpd="sng" algn="ctr">
+                      <a:solidFill>
+                        <a:srgbClr val="9E9E9E"/>
+                      </a:solidFill>
+                      <a:prstDash val="solid"/>
+                      <a:round/>
+                      <a:headEnd type="none" w="med" len="med"/>
+                      <a:tailEnd type="none" w="med" len="med"/>
+                    </a:lnT>
+                    <a:lnB w="9525" cap="flat" cmpd="sng" algn="ctr">
+                      <a:solidFill>
+                        <a:srgbClr val="9E9E9E"/>
+                      </a:solidFill>
+                      <a:prstDash val="solid"/>
+                      <a:round/>
+                      <a:headEnd type="none" w="med" len="med"/>
+                      <a:tailEnd type="none" w="med" len="med"/>
+                    </a:lnB>
+                    <a:solidFill>
+                      <a:srgbClr val="FFE5B4"/>
+                    </a:solidFill>
+                  </a:tcPr>
+                </a:tc>
+                <a:tc>
+                  <a:txBody>
+                    <a:bodyPr/>
+                    <a:lstStyle/>
+                    <a:p>
+                      <a:pPr algn="l" fontAlgn="base">
+                        <a:buNone/>
+                      </a:pPr>
+                      <a:r>
+                        <a:rPr lang="en-IN" sz="600" b="0" dirty="0">
+                          <a:solidFill>
+                            <a:schemeClr val="tx1"/>
+                          </a:solidFill>
+                          <a:effectLst/>
+                          <a:latin typeface="Calibri" panose="020F0502020204030204" pitchFamily="34" charset="0"/>
+                          <a:ea typeface="Calibri" panose="020F0502020204030204" pitchFamily="34" charset="0"/>
+                          <a:cs typeface="Calibri" panose="020F0502020204030204" pitchFamily="34" charset="0"/>
+                        </a:rPr>
+                        <a:t>{{pat_fy26}}</a:t>
+                      </a:r>
+                    </a:p>
+                  </a:txBody>
+                  <a:tcPr anchor="ctr">
+                    <a:lnL w="9525" cap="flat" cmpd="sng" algn="ctr">
+                      <a:solidFill>
+                        <a:srgbClr val="9E9E9E"/>
+                      </a:solidFill>
+                      <a:prstDash val="solid"/>
+                      <a:round/>
+                      <a:headEnd type="none" w="med" len="med"/>
+                      <a:tailEnd type="none" w="med" len="med"/>
+                    </a:lnL>
+                    <a:lnR w="9525" cap="flat" cmpd="sng" algn="ctr">
+                      <a:solidFill>
+                        <a:srgbClr val="9E9E9E"/>
+                      </a:solidFill>
+                      <a:prstDash val="solid"/>
+                      <a:round/>
+                      <a:headEnd type="none" w="med" len="med"/>
+                      <a:tailEnd type="none" w="med" len="med"/>
+                    </a:lnR>
+                    <a:lnT w="9525" cap="flat" cmpd="sng" algn="ctr">
+                      <a:solidFill>
+                        <a:srgbClr val="9E9E9E"/>
+                      </a:solidFill>
+                      <a:prstDash val="solid"/>
+                      <a:round/>
+                      <a:headEnd type="none" w="med" len="med"/>
+                      <a:tailEnd type="none" w="med" len="med"/>
+                    </a:lnT>
+                    <a:lnB w="9525" cap="flat" cmpd="sng" algn="ctr">
+                      <a:solidFill>
+                        <a:srgbClr val="9E9E9E"/>
+                      </a:solidFill>
+                      <a:prstDash val="solid"/>
+                      <a:round/>
+                      <a:headEnd type="none" w="med" len="med"/>
+                      <a:tailEnd type="none" w="med" len="med"/>
+                    </a:lnB>
+                    <a:solidFill>
+                      <a:srgbClr val="FFE5B4"/>
+                    </a:solidFill>
+                  </a:tcPr>
+                </a:tc>
+                <a:tc>
+                  <a:txBody>
+                    <a:bodyPr/>
+                    <a:lstStyle/>
+                    <a:p>
+                      <a:pPr algn="l" fontAlgn="base">
+                        <a:buNone/>
+                      </a:pPr>
+                      <a:r>
+                        <a:rPr lang="en-IN" sz="600" b="0" dirty="0">
+                          <a:solidFill>
+                            <a:schemeClr val="tx1"/>
+                          </a:solidFill>
+                          <a:effectLst/>
+                          <a:latin typeface="Calibri" panose="020F0502020204030204" pitchFamily="34" charset="0"/>
+                          <a:ea typeface="Calibri" panose="020F0502020204030204" pitchFamily="34" charset="0"/>
+                          <a:cs typeface="Calibri" panose="020F0502020204030204" pitchFamily="34" charset="0"/>
+                        </a:rPr>
+                        <a:t>{{pat_fy27}}</a:t>
+                      </a:r>
+                    </a:p>
+                  </a:txBody>
+                  <a:tcPr anchor="ctr">
+                    <a:lnL w="9525" cap="flat" cmpd="sng" algn="ctr">
+                      <a:solidFill>
+                        <a:srgbClr val="9E9E9E"/>
+                      </a:solidFill>
+                      <a:prstDash val="solid"/>
+                      <a:round/>
+                      <a:headEnd type="none" w="med" len="med"/>
+                      <a:tailEnd type="none" w="med" len="med"/>
+                    </a:lnL>
+                    <a:lnR w="9525" cap="flat" cmpd="sng" algn="ctr">
+                      <a:solidFill>
+                        <a:srgbClr val="9E9E9E"/>
+                      </a:solidFill>
+                      <a:prstDash val="solid"/>
+                      <a:round/>
+                      <a:headEnd type="none" w="med" len="med"/>
+                      <a:tailEnd type="none" w="med" len="med"/>
+                    </a:lnR>
+                    <a:lnT w="9525" cap="flat" cmpd="sng" algn="ctr">
+                      <a:solidFill>
+                        <a:srgbClr val="9E9E9E"/>
+                      </a:solidFill>
+                      <a:prstDash val="solid"/>
+                      <a:round/>
+                      <a:headEnd type="none" w="med" len="med"/>
+                      <a:tailEnd type="none" w="med" len="med"/>
+                    </a:lnT>
+                    <a:lnB w="9525" cap="flat" cmpd="sng" algn="ctr">
+                      <a:solidFill>
+                        <a:srgbClr val="9E9E9E"/>
+                      </a:solidFill>
+                      <a:prstDash val="solid"/>
+                      <a:round/>
+                      <a:headEnd type="none" w="med" len="med"/>
+                      <a:tailEnd type="none" w="med" len="med"/>
+                    </a:lnB>
+                    <a:solidFill>
+                      <a:srgbClr val="FFE5B4"/>
+                    </a:solidFill>
+                  </a:tcPr>
+                </a:tc>
+                <a:tc>
+                  <a:txBody>
+                    <a:bodyPr/>
+                    <a:lstStyle/>
+                    <a:p>
+                      <a:pPr algn="l" fontAlgn="base">
+                        <a:buNone/>
+                      </a:pPr>
+                      <a:r>
+                        <a:rPr lang="en-IN" sz="600" b="0" dirty="0">
+                          <a:solidFill>
+                            <a:schemeClr val="tx1"/>
+                          </a:solidFill>
+                          <a:effectLst/>
+                          <a:latin typeface="Calibri" panose="020F0502020204030204" pitchFamily="34" charset="0"/>
+                          <a:ea typeface="Calibri" panose="020F0502020204030204" pitchFamily="34" charset="0"/>
+                          <a:cs typeface="Calibri" panose="020F0502020204030204" pitchFamily="34" charset="0"/>
+                        </a:rPr>
+                        <a:t>{{pat_fy28}}</a:t>
+                      </a:r>
+                    </a:p>
+                  </a:txBody>
+                  <a:tcPr anchor="ctr">
+                    <a:lnL w="9525" cap="flat" cmpd="sng" algn="ctr">
+                      <a:solidFill>
+                        <a:srgbClr val="9E9E9E"/>
+                      </a:solidFill>
+                      <a:prstDash val="solid"/>
+                      <a:round/>
+                      <a:headEnd type="none" w="med" len="med"/>
+                      <a:tailEnd type="none" w="med" len="med"/>
+                    </a:lnL>
+                    <a:lnR w="9525" cap="flat" cmpd="sng" algn="ctr">
+                      <a:solidFill>
+                        <a:srgbClr val="9E9E9E"/>
+                      </a:solidFill>
+                      <a:prstDash val="solid"/>
+                      <a:round/>
+                      <a:headEnd type="none" w="med" len="med"/>
+                      <a:tailEnd type="none" w="med" len="med"/>
+                    </a:lnR>
+                    <a:lnT w="9525" cap="flat" cmpd="sng" algn="ctr">
+                      <a:solidFill>
+                        <a:srgbClr val="9E9E9E"/>
+                      </a:solidFill>
+                      <a:prstDash val="solid"/>
+                      <a:round/>
+                      <a:headEnd type="none" w="med" len="med"/>
+                      <a:tailEnd type="none" w="med" len="med"/>
+                    </a:lnT>
+                    <a:lnB w="9525" cap="flat" cmpd="sng" algn="ctr">
+                      <a:solidFill>
+                        <a:srgbClr val="9E9E9E"/>
+                      </a:solidFill>
+                      <a:prstDash val="solid"/>
+                      <a:round/>
+                      <a:headEnd type="none" w="med" len="med"/>
+                      <a:tailEnd type="none" w="med" len="med"/>
+                    </a:lnB>
+                    <a:solidFill>
+                      <a:srgbClr val="FFE5B4"/>
+                    </a:solidFill>
+                  </a:tcPr>
+                </a:tc>
+                <a:extLst>
+                  <a:ext uri="{0D108BD9-81ED-4DB2-BD59-A6C34878D82A}">
+                    <a16:rowId xmlns:a16="http://schemas.microsoft.com/office/drawing/2014/main" val="1169337383"/>
+                  </a:ext>
+                </a:extLst>
+              </a:tr>
+              <a:tr h="335300">
+                <a:tc>
+                  <a:txBody>
+                    <a:bodyPr/>
+                    <a:lstStyle/>
+                    <a:p>
+                      <a:pPr rtl="0" fontAlgn="t">
+                        <a:buNone/>
+                      </a:pPr>
+                      <a:r>
+                        <a:rPr lang="en-IN" sz="600" b="0" i="0" u="none" strike="noStrike">
+                          <a:solidFill>
+                            <a:schemeClr val="tx1"/>
+                          </a:solidFill>
+                          <a:effectLst/>
+                          <a:latin typeface="Calibri" panose="020F0502020204030204" pitchFamily="34" charset="0"/>
+                        </a:rPr>
+                        <a:t>YoY% growth</a:t>
+                      </a:r>
+                      <a:endParaRPr lang="en-IN">
+                        <a:solidFill>
+                          <a:schemeClr val="tx1"/>
+                        </a:solidFill>
+                        <a:effectLst/>
+                      </a:endParaRPr>
+                    </a:p>
+                  </a:txBody>
+                  <a:tcPr marL="95250" marR="95250" marT="95250" marB="95250">
+                    <a:lnL w="9525" cap="flat" cmpd="sng" algn="ctr">
+                      <a:solidFill>
+                        <a:srgbClr val="9E9E9E"/>
+                      </a:solidFill>
+                      <a:prstDash val="solid"/>
+                      <a:round/>
+                      <a:headEnd type="none" w="med" len="med"/>
+                      <a:tailEnd type="none" w="med" len="med"/>
+                    </a:lnL>
+                    <a:lnR w="9525" cap="flat" cmpd="sng" algn="ctr">
+                      <a:solidFill>
+                        <a:srgbClr val="9E9E9E"/>
+                      </a:solidFill>
+                      <a:prstDash val="solid"/>
+                      <a:round/>
+                      <a:headEnd type="none" w="med" len="med"/>
+                      <a:tailEnd type="none" w="med" len="med"/>
+                    </a:lnR>
+                    <a:lnT w="9525" cap="flat" cmpd="sng" algn="ctr">
+                      <a:solidFill>
+                        <a:srgbClr val="9E9E9E"/>
+                      </a:solidFill>
+                      <a:prstDash val="solid"/>
+                      <a:round/>
+                      <a:headEnd type="none" w="med" len="med"/>
+                      <a:tailEnd type="none" w="med" len="med"/>
+                    </a:lnT>
+                    <a:lnB w="9525" cap="flat" cmpd="sng" algn="ctr">
+                      <a:solidFill>
+                        <a:srgbClr val="9E9E9E"/>
+                      </a:solidFill>
+                      <a:prstDash val="solid"/>
+                      <a:round/>
+                      <a:headEnd type="none" w="med" len="med"/>
+                      <a:tailEnd type="none" w="med" len="med"/>
+                    </a:lnB>
+                    <a:noFill/>
+                  </a:tcPr>
+                </a:tc>
+                <a:tc>
+                  <a:txBody>
+                    <a:bodyPr/>
+                    <a:lstStyle/>
+                    <a:p>
+                      <a:pPr algn="l" fontAlgn="base">
+                        <a:buNone/>
+                      </a:pPr>
+                      <a:r>
+                        <a:rPr lang="en-IN" sz="600" b="0" dirty="0">
+                          <a:solidFill>
+                            <a:schemeClr val="tx1"/>
+                          </a:solidFill>
+                          <a:effectLst/>
+                          <a:latin typeface="SF Mono"/>
+                        </a:rPr>
+                        <a:t>{{pat_growth_fy24}}</a:t>
+                      </a:r>
+                    </a:p>
+                  </a:txBody>
+                  <a:tcPr anchor="ctr">
+                    <a:lnL w="9525" cap="flat" cmpd="sng" algn="ctr">
+                      <a:solidFill>
+                        <a:srgbClr val="9E9E9E"/>
+                      </a:solidFill>
+                      <a:prstDash val="solid"/>
+                      <a:round/>
+                      <a:headEnd type="none" w="med" len="med"/>
+                      <a:tailEnd type="none" w="med" len="med"/>
+                    </a:lnL>
+                    <a:lnR w="9525" cap="flat" cmpd="sng" algn="ctr">
+                      <a:solidFill>
+                        <a:srgbClr val="9E9E9E"/>
+                      </a:solidFill>
+                      <a:prstDash val="solid"/>
+                      <a:round/>
+                      <a:headEnd type="none" w="med" len="med"/>
+                      <a:tailEnd type="none" w="med" len="med"/>
+                    </a:lnR>
+                    <a:lnT w="9525" cap="flat" cmpd="sng" algn="ctr">
+                      <a:solidFill>
+                        <a:srgbClr val="9E9E9E"/>
+                      </a:solidFill>
+                      <a:prstDash val="solid"/>
+                      <a:round/>
+                      <a:headEnd type="none" w="med" len="med"/>
+                      <a:tailEnd type="none" w="med" len="med"/>
+                    </a:lnT>
+                    <a:lnB w="9525" cap="flat" cmpd="sng" algn="ctr">
+                      <a:solidFill>
+                        <a:srgbClr val="9E9E9E"/>
+                      </a:solidFill>
+                      <a:prstDash val="solid"/>
+                      <a:round/>
+                      <a:headEnd type="none" w="med" len="med"/>
+                      <a:tailEnd type="none" w="med" len="med"/>
+                    </a:lnB>
+                    <a:noFill/>
+                  </a:tcPr>
+                </a:tc>
+                <a:tc>
+                  <a:txBody>
+                    <a:bodyPr/>
+                    <a:lstStyle/>
+                    <a:p>
+                      <a:pPr algn="l" fontAlgn="base">
+                        <a:buNone/>
+                      </a:pPr>
+                      <a:r>
+                        <a:rPr lang="en-IN" sz="600" b="0">
+                          <a:solidFill>
+                            <a:schemeClr val="tx1"/>
+                          </a:solidFill>
+                          <a:effectLst/>
+                          <a:latin typeface="SF Mono"/>
+                        </a:rPr>
+                        <a:t>{{pat_growth_fy25}}</a:t>
+                      </a:r>
+                    </a:p>
+                  </a:txBody>
+                  <a:tcPr anchor="ctr">
+                    <a:lnL w="9525" cap="flat" cmpd="sng" algn="ctr">
+                      <a:solidFill>
+                        <a:srgbClr val="9E9E9E"/>
+                      </a:solidFill>
+                      <a:prstDash val="solid"/>
+                      <a:round/>
+                      <a:headEnd type="none" w="med" len="med"/>
+                      <a:tailEnd type="none" w="med" len="med"/>
+                    </a:lnL>
+                    <a:lnR w="9525" cap="flat" cmpd="sng" algn="ctr">
+                      <a:solidFill>
+                        <a:srgbClr val="9E9E9E"/>
+                      </a:solidFill>
+                      <a:prstDash val="solid"/>
+                      <a:round/>
+                      <a:headEnd type="none" w="med" len="med"/>
+                      <a:tailEnd type="none" w="med" len="med"/>
+                    </a:lnR>
+                    <a:lnT w="9525" cap="flat" cmpd="sng" algn="ctr">
+                      <a:solidFill>
+                        <a:srgbClr val="9E9E9E"/>
+                      </a:solidFill>
+                      <a:prstDash val="solid"/>
+                      <a:round/>
+                      <a:headEnd type="none" w="med" len="med"/>
+                      <a:tailEnd type="none" w="med" len="med"/>
+                    </a:lnT>
+                    <a:lnB w="9525" cap="flat" cmpd="sng" algn="ctr">
+                      <a:solidFill>
+                        <a:srgbClr val="9E9E9E"/>
+                      </a:solidFill>
+                      <a:prstDash val="solid"/>
+                      <a:round/>
+                      <a:headEnd type="none" w="med" len="med"/>
+                      <a:tailEnd type="none" w="med" len="med"/>
+                    </a:lnB>
+                    <a:noFill/>
+                  </a:tcPr>
+                </a:tc>
+                <a:tc>
+                  <a:txBody>
+                    <a:bodyPr/>
+                    <a:lstStyle/>
+                    <a:p>
+                      <a:pPr algn="l" fontAlgn="base">
+                        <a:buNone/>
+                      </a:pPr>
+                      <a:r>
+                        <a:rPr lang="en-IN" sz="600" b="0" dirty="0">
+                          <a:solidFill>
+                            <a:schemeClr val="tx1"/>
+                          </a:solidFill>
+                          <a:effectLst/>
+                          <a:latin typeface="SF Mono"/>
+                        </a:rPr>
+                        <a:t>{{pat_growth_fy26}}</a:t>
+                      </a:r>
+                    </a:p>
+                  </a:txBody>
+                  <a:tcPr anchor="ctr">
+                    <a:lnL w="9525" cap="flat" cmpd="sng" algn="ctr">
+                      <a:solidFill>
+                        <a:srgbClr val="9E9E9E"/>
+                      </a:solidFill>
+                      <a:prstDash val="solid"/>
+                      <a:round/>
+                      <a:headEnd type="none" w="med" len="med"/>
+                      <a:tailEnd type="none" w="med" len="med"/>
+                    </a:lnL>
+                    <a:lnR w="9525" cap="flat" cmpd="sng" algn="ctr">
+                      <a:solidFill>
+                        <a:srgbClr val="9E9E9E"/>
+                      </a:solidFill>
+                      <a:prstDash val="solid"/>
+                      <a:round/>
+                      <a:headEnd type="none" w="med" len="med"/>
+                      <a:tailEnd type="none" w="med" len="med"/>
+                    </a:lnR>
+                    <a:lnT w="9525" cap="flat" cmpd="sng" algn="ctr">
+                      <a:solidFill>
+                        <a:srgbClr val="9E9E9E"/>
+                      </a:solidFill>
+                      <a:prstDash val="solid"/>
+                      <a:round/>
+                      <a:headEnd type="none" w="med" len="med"/>
+                      <a:tailEnd type="none" w="med" len="med"/>
+                    </a:lnT>
+                    <a:lnB w="9525" cap="flat" cmpd="sng" algn="ctr">
+                      <a:solidFill>
+                        <a:srgbClr val="9E9E9E"/>
+                      </a:solidFill>
+                      <a:prstDash val="solid"/>
+                      <a:round/>
+                      <a:headEnd type="none" w="med" len="med"/>
+                      <a:tailEnd type="none" w="med" len="med"/>
+                    </a:lnB>
+                    <a:noFill/>
+                  </a:tcPr>
+                </a:tc>
+                <a:tc>
+                  <a:txBody>
+                    <a:bodyPr/>
+                    <a:lstStyle/>
+                    <a:p>
+                      <a:pPr algn="l" fontAlgn="base">
+                        <a:buNone/>
+                      </a:pPr>
+                      <a:r>
+                        <a:rPr lang="en-IN" sz="600" b="0" dirty="0">
+                          <a:solidFill>
+                            <a:schemeClr val="tx1"/>
+                          </a:solidFill>
+                          <a:effectLst/>
+                          <a:latin typeface="SF Mono"/>
+                        </a:rPr>
+                        <a:t>{{pat_growth_fy27}}</a:t>
+                      </a:r>
+                    </a:p>
+                  </a:txBody>
+                  <a:tcPr anchor="ctr">
+                    <a:lnL w="9525" cap="flat" cmpd="sng" algn="ctr">
+                      <a:solidFill>
+                        <a:srgbClr val="9E9E9E"/>
+                      </a:solidFill>
+                      <a:prstDash val="solid"/>
+                      <a:round/>
+                      <a:headEnd type="none" w="med" len="med"/>
+                      <a:tailEnd type="none" w="med" len="med"/>
+                    </a:lnL>
+                    <a:lnR w="9525" cap="flat" cmpd="sng" algn="ctr">
+                      <a:solidFill>
+                        <a:srgbClr val="9E9E9E"/>
+                      </a:solidFill>
+                      <a:prstDash val="solid"/>
+                      <a:round/>
+                      <a:headEnd type="none" w="med" len="med"/>
+                      <a:tailEnd type="none" w="med" len="med"/>
+                    </a:lnR>
+                    <a:lnT w="9525" cap="flat" cmpd="sng" algn="ctr">
+                      <a:solidFill>
+                        <a:srgbClr val="9E9E9E"/>
+                      </a:solidFill>
+                      <a:prstDash val="solid"/>
+                      <a:round/>
+                      <a:headEnd type="none" w="med" len="med"/>
+                      <a:tailEnd type="none" w="med" len="med"/>
+                    </a:lnT>
+                    <a:lnB w="9525" cap="flat" cmpd="sng" algn="ctr">
+                      <a:solidFill>
+                        <a:srgbClr val="9E9E9E"/>
+                      </a:solidFill>
+                      <a:prstDash val="solid"/>
+                      <a:round/>
+                      <a:headEnd type="none" w="med" len="med"/>
+                      <a:tailEnd type="none" w="med" len="med"/>
+                    </a:lnB>
+                    <a:noFill/>
+                  </a:tcPr>
+                </a:tc>
+                <a:tc>
+                  <a:txBody>
+                    <a:bodyPr/>
+                    <a:lstStyle/>
+                    <a:p>
+                      <a:pPr algn="l" fontAlgn="base">
+                        <a:buNone/>
+                      </a:pPr>
+                      <a:r>
+                        <a:rPr lang="en-IN" sz="600" b="0" dirty="0">
+                          <a:solidFill>
+                            <a:schemeClr val="tx1"/>
+                          </a:solidFill>
+                          <a:effectLst/>
+                          <a:latin typeface="SF Mono"/>
+                        </a:rPr>
+                        <a:t>{{pat_growth_fy28}}</a:t>
+                      </a:r>
+                    </a:p>
+                  </a:txBody>
+                  <a:tcPr anchor="ctr">
+                    <a:lnL w="9525" cap="flat" cmpd="sng" algn="ctr">
+                      <a:solidFill>
+                        <a:srgbClr val="9E9E9E"/>
+                      </a:solidFill>
+                      <a:prstDash val="solid"/>
+                      <a:round/>
+                      <a:headEnd type="none" w="med" len="med"/>
+                      <a:tailEnd type="none" w="med" len="med"/>
+                    </a:lnL>
+                    <a:lnR w="9525" cap="flat" cmpd="sng" algn="ctr">
+                      <a:solidFill>
+                        <a:srgbClr val="9E9E9E"/>
+                      </a:solidFill>
+                      <a:prstDash val="solid"/>
+                      <a:round/>
+                      <a:headEnd type="none" w="med" len="med"/>
+                      <a:tailEnd type="none" w="med" len="med"/>
+                    </a:lnR>
+                    <a:lnT w="9525" cap="flat" cmpd="sng" algn="ctr">
+                      <a:solidFill>
+                        <a:srgbClr val="9E9E9E"/>
+                      </a:solidFill>
+                      <a:prstDash val="solid"/>
+                      <a:round/>
+                      <a:headEnd type="none" w="med" len="med"/>
+                      <a:tailEnd type="none" w="med" len="med"/>
+                    </a:lnT>
+                    <a:lnB w="9525" cap="flat" cmpd="sng" algn="ctr">
+                      <a:solidFill>
+                        <a:srgbClr val="9E9E9E"/>
+                      </a:solidFill>
+                      <a:prstDash val="solid"/>
+                      <a:round/>
+                      <a:headEnd type="none" w="med" len="med"/>
+                      <a:tailEnd type="none" w="med" len="med"/>
+                    </a:lnB>
+                    <a:noFill/>
+                  </a:tcPr>
+                </a:tc>
+                <a:extLst>
+                  <a:ext uri="{0D108BD9-81ED-4DB2-BD59-A6C34878D82A}">
+                    <a16:rowId xmlns:a16="http://schemas.microsoft.com/office/drawing/2014/main" val="800111829"/>
+                  </a:ext>
+                </a:extLst>
+              </a:tr>
+              <a:tr h="273457">
+                <a:tc>
+                  <a:txBody>
+                    <a:bodyPr/>
+                    <a:lstStyle/>
+                    <a:p>
+                      <a:pPr rtl="0" fontAlgn="t">
+                        <a:buNone/>
+                      </a:pPr>
+                      <a:r>
+                        <a:rPr lang="en-IN" sz="600" b="0" i="0" u="none" strike="noStrike">
+                          <a:solidFill>
+                            <a:schemeClr val="tx1"/>
+                          </a:solidFill>
+                          <a:effectLst/>
+                          <a:latin typeface="Calibri" panose="020F0502020204030204" pitchFamily="34" charset="0"/>
+                        </a:rPr>
+                        <a:t>P/E</a:t>
+                      </a:r>
+                      <a:endParaRPr lang="en-IN">
+                        <a:solidFill>
+                          <a:schemeClr val="tx1"/>
+                        </a:solidFill>
+                        <a:effectLst/>
+                      </a:endParaRPr>
+                    </a:p>
+                  </a:txBody>
+                  <a:tcPr marL="95250" marR="95250" marT="95250" marB="95250">
+                    <a:lnL w="9525" cap="flat" cmpd="sng" algn="ctr">
+                      <a:solidFill>
+                        <a:srgbClr val="9E9E9E"/>
+                      </a:solidFill>
+                      <a:prstDash val="solid"/>
+                      <a:round/>
+                      <a:headEnd type="none" w="med" len="med"/>
+                      <a:tailEnd type="none" w="med" len="med"/>
+                    </a:lnL>
+                    <a:lnR w="9525" cap="flat" cmpd="sng" algn="ctr">
+                      <a:solidFill>
+                        <a:srgbClr val="9E9E9E"/>
+                      </a:solidFill>
+                      <a:prstDash val="solid"/>
+                      <a:round/>
+                      <a:headEnd type="none" w="med" len="med"/>
+                      <a:tailEnd type="none" w="med" len="med"/>
+                    </a:lnR>
+                    <a:lnT w="9525" cap="flat" cmpd="sng" algn="ctr">
+                      <a:solidFill>
+                        <a:srgbClr val="9E9E9E"/>
+                      </a:solidFill>
+                      <a:prstDash val="solid"/>
+                      <a:round/>
+                      <a:headEnd type="none" w="med" len="med"/>
+                      <a:tailEnd type="none" w="med" len="med"/>
+                    </a:lnT>
+                    <a:lnB w="9525" cap="flat" cmpd="sng" algn="ctr">
+                      <a:solidFill>
+                        <a:srgbClr val="9E9E9E"/>
+                      </a:solidFill>
+                      <a:prstDash val="solid"/>
+                      <a:round/>
+                      <a:headEnd type="none" w="med" len="med"/>
+                      <a:tailEnd type="none" w="med" len="med"/>
+                    </a:lnB>
+                    <a:solidFill>
+                      <a:srgbClr val="FFE5B4"/>
+                    </a:solidFill>
+                  </a:tcPr>
+                </a:tc>
+                <a:tc>
+                  <a:txBody>
+                    <a:bodyPr/>
+                    <a:lstStyle/>
+                    <a:p>
+                      <a:pPr algn="l" fontAlgn="base">
+                        <a:buNone/>
+                      </a:pPr>
+                      <a:r>
+                        <a:rPr lang="en-IN" sz="600" b="0">
+                          <a:solidFill>
+                            <a:schemeClr val="tx1"/>
+                          </a:solidFill>
+                          <a:effectLst/>
+                          <a:latin typeface="SF Mono"/>
+                        </a:rPr>
+                        <a:t>{{pe_fy24}}</a:t>
+                      </a:r>
+                    </a:p>
+                  </a:txBody>
+                  <a:tcPr anchor="ctr">
+                    <a:lnL w="9525" cap="flat" cmpd="sng" algn="ctr">
+                      <a:solidFill>
+                        <a:srgbClr val="9E9E9E"/>
+                      </a:solidFill>
+                      <a:prstDash val="solid"/>
+                      <a:round/>
+                      <a:headEnd type="none" w="med" len="med"/>
+                      <a:tailEnd type="none" w="med" len="med"/>
+                    </a:lnL>
+                    <a:lnR w="9525" cap="flat" cmpd="sng" algn="ctr">
+                      <a:solidFill>
+                        <a:srgbClr val="9E9E9E"/>
+                      </a:solidFill>
+                      <a:prstDash val="solid"/>
+                      <a:round/>
+                      <a:headEnd type="none" w="med" len="med"/>
+                      <a:tailEnd type="none" w="med" len="med"/>
+                    </a:lnR>
+                    <a:lnT w="9525" cap="flat" cmpd="sng" algn="ctr">
+                      <a:solidFill>
+                        <a:srgbClr val="9E9E9E"/>
+                      </a:solidFill>
+                      <a:prstDash val="solid"/>
+                      <a:round/>
+                      <a:headEnd type="none" w="med" len="med"/>
+                      <a:tailEnd type="none" w="med" len="med"/>
+                    </a:lnT>
+                    <a:lnB w="9525" cap="flat" cmpd="sng" algn="ctr">
+                      <a:solidFill>
+                        <a:srgbClr val="9E9E9E"/>
+                      </a:solidFill>
+                      <a:prstDash val="solid"/>
+                      <a:round/>
+                      <a:headEnd type="none" w="med" len="med"/>
+                      <a:tailEnd type="none" w="med" len="med"/>
+                    </a:lnB>
+                    <a:solidFill>
+                      <a:srgbClr val="FFE5B4"/>
+                    </a:solidFill>
+                  </a:tcPr>
+                </a:tc>
+                <a:tc>
+                  <a:txBody>
+                    <a:bodyPr/>
+                    <a:lstStyle/>
+                    <a:p>
+                      <a:pPr algn="l" fontAlgn="base">
+                        <a:buNone/>
+                      </a:pPr>
+                      <a:r>
+                        <a:rPr lang="en-IN" sz="600" b="0">
+                          <a:solidFill>
+                            <a:schemeClr val="tx1"/>
+                          </a:solidFill>
+                          <a:effectLst/>
+                          <a:latin typeface="SF Mono"/>
+                        </a:rPr>
+                        <a:t>{{pe_fy25}}</a:t>
+                      </a:r>
+                    </a:p>
+                  </a:txBody>
+                  <a:tcPr anchor="ctr">
+                    <a:lnL w="9525" cap="flat" cmpd="sng" algn="ctr">
+                      <a:solidFill>
+                        <a:srgbClr val="9E9E9E"/>
+                      </a:solidFill>
+                      <a:prstDash val="solid"/>
+                      <a:round/>
+                      <a:headEnd type="none" w="med" len="med"/>
+                      <a:tailEnd type="none" w="med" len="med"/>
+                    </a:lnL>
+                    <a:lnR w="9525" cap="flat" cmpd="sng" algn="ctr">
+                      <a:solidFill>
+                        <a:srgbClr val="9E9E9E"/>
+                      </a:solidFill>
+                      <a:prstDash val="solid"/>
+                      <a:round/>
+                      <a:headEnd type="none" w="med" len="med"/>
+                      <a:tailEnd type="none" w="med" len="med"/>
+                    </a:lnR>
+                    <a:lnT w="9525" cap="flat" cmpd="sng" algn="ctr">
+                      <a:solidFill>
+                        <a:srgbClr val="9E9E9E"/>
+                      </a:solidFill>
+                      <a:prstDash val="solid"/>
+                      <a:round/>
+                      <a:headEnd type="none" w="med" len="med"/>
+                      <a:tailEnd type="none" w="med" len="med"/>
+                    </a:lnT>
+                    <a:lnB w="9525" cap="flat" cmpd="sng" algn="ctr">
+                      <a:solidFill>
+                        <a:srgbClr val="9E9E9E"/>
+                      </a:solidFill>
+                      <a:prstDash val="solid"/>
+                      <a:round/>
+                      <a:headEnd type="none" w="med" len="med"/>
+                      <a:tailEnd type="none" w="med" len="med"/>
+                    </a:lnB>
+                    <a:solidFill>
+                      <a:srgbClr val="FFE5B4"/>
+                    </a:solidFill>
+                  </a:tcPr>
+                </a:tc>
+                <a:tc>
+                  <a:txBody>
+                    <a:bodyPr/>
+                    <a:lstStyle/>
+                    <a:p>
+                      <a:pPr algn="l" fontAlgn="base">
+                        <a:buNone/>
+                      </a:pPr>
+                      <a:r>
+                        <a:rPr lang="en-IN" sz="600" b="0">
+                          <a:solidFill>
+                            <a:schemeClr val="tx1"/>
+                          </a:solidFill>
+                          <a:effectLst/>
+                          <a:latin typeface="SF Mono"/>
+                        </a:rPr>
+                        <a:t>{{pe_fy26}}</a:t>
+                      </a:r>
+                    </a:p>
+                  </a:txBody>
+                  <a:tcPr anchor="ctr">
+                    <a:lnL w="9525" cap="flat" cmpd="sng" algn="ctr">
+                      <a:solidFill>
+                        <a:srgbClr val="9E9E9E"/>
+                      </a:solidFill>
+                      <a:prstDash val="solid"/>
+                      <a:round/>
+                      <a:headEnd type="none" w="med" len="med"/>
+                      <a:tailEnd type="none" w="med" len="med"/>
+                    </a:lnL>
+                    <a:lnR w="9525" cap="flat" cmpd="sng" algn="ctr">
+                      <a:solidFill>
+                        <a:srgbClr val="9E9E9E"/>
+                      </a:solidFill>
+                      <a:prstDash val="solid"/>
+                      <a:round/>
+                      <a:headEnd type="none" w="med" len="med"/>
+                      <a:tailEnd type="none" w="med" len="med"/>
+                    </a:lnR>
+                    <a:lnT w="9525" cap="flat" cmpd="sng" algn="ctr">
+                      <a:solidFill>
+                        <a:srgbClr val="9E9E9E"/>
+                      </a:solidFill>
+                      <a:prstDash val="solid"/>
+                      <a:round/>
+                      <a:headEnd type="none" w="med" len="med"/>
+                      <a:tailEnd type="none" w="med" len="med"/>
+                    </a:lnT>
+                    <a:lnB w="9525" cap="flat" cmpd="sng" algn="ctr">
+                      <a:solidFill>
+                        <a:srgbClr val="9E9E9E"/>
+                      </a:solidFill>
+                      <a:prstDash val="solid"/>
+                      <a:round/>
+                      <a:headEnd type="none" w="med" len="med"/>
+                      <a:tailEnd type="none" w="med" len="med"/>
+                    </a:lnB>
+                    <a:solidFill>
+                      <a:srgbClr val="FFE5B4"/>
+                    </a:solidFill>
+                  </a:tcPr>
+                </a:tc>
+                <a:tc>
+                  <a:txBody>
+                    <a:bodyPr/>
+                    <a:lstStyle/>
+                    <a:p>
+                      <a:pPr algn="l" fontAlgn="base">
+                        <a:buNone/>
+                      </a:pPr>
+                      <a:r>
+                        <a:rPr lang="en-IN" sz="600" b="0">
+                          <a:solidFill>
+                            <a:schemeClr val="tx1"/>
+                          </a:solidFill>
+                          <a:effectLst/>
+                          <a:latin typeface="SF Mono"/>
+                        </a:rPr>
+                        <a:t>{{pe_fy27}}</a:t>
+                      </a:r>
+                    </a:p>
+                  </a:txBody>
+                  <a:tcPr anchor="ctr">
+                    <a:lnL w="9525" cap="flat" cmpd="sng" algn="ctr">
+                      <a:solidFill>
+                        <a:srgbClr val="9E9E9E"/>
+                      </a:solidFill>
+                      <a:prstDash val="solid"/>
+                      <a:round/>
+                      <a:headEnd type="none" w="med" len="med"/>
+                      <a:tailEnd type="none" w="med" len="med"/>
+                    </a:lnL>
+                    <a:lnR w="9525" cap="flat" cmpd="sng" algn="ctr">
+                      <a:solidFill>
+                        <a:srgbClr val="9E9E9E"/>
+                      </a:solidFill>
+                      <a:prstDash val="solid"/>
+                      <a:round/>
+                      <a:headEnd type="none" w="med" len="med"/>
+                      <a:tailEnd type="none" w="med" len="med"/>
+                    </a:lnR>
+                    <a:lnT w="9525" cap="flat" cmpd="sng" algn="ctr">
+                      <a:solidFill>
+                        <a:srgbClr val="9E9E9E"/>
+                      </a:solidFill>
+                      <a:prstDash val="solid"/>
+                      <a:round/>
+                      <a:headEnd type="none" w="med" len="med"/>
+                      <a:tailEnd type="none" w="med" len="med"/>
+                    </a:lnT>
+                    <a:lnB w="9525" cap="flat" cmpd="sng" algn="ctr">
+                      <a:solidFill>
+                        <a:srgbClr val="9E9E9E"/>
+                      </a:solidFill>
+                      <a:prstDash val="solid"/>
+                      <a:round/>
+                      <a:headEnd type="none" w="med" len="med"/>
+                      <a:tailEnd type="none" w="med" len="med"/>
+                    </a:lnB>
+                    <a:solidFill>
+                      <a:srgbClr val="FFE5B4"/>
+                    </a:solidFill>
+                  </a:tcPr>
+                </a:tc>
+                <a:tc>
+                  <a:txBody>
+                    <a:bodyPr/>
+                    <a:lstStyle/>
+                    <a:p>
+                      <a:pPr algn="l" fontAlgn="base">
+                        <a:buNone/>
+                      </a:pPr>
+                      <a:r>
+                        <a:rPr lang="en-IN" sz="600" b="0" dirty="0">
+                          <a:solidFill>
+                            <a:schemeClr val="tx1"/>
+                          </a:solidFill>
+                          <a:effectLst/>
+                          <a:latin typeface="SF Mono"/>
+                        </a:rPr>
+                        <a:t>{{pe_fy28}}</a:t>
+                      </a:r>
+                    </a:p>
+                  </a:txBody>
+                  <a:tcPr anchor="ctr">
+                    <a:lnL w="9525" cap="flat" cmpd="sng" algn="ctr">
+                      <a:solidFill>
+                        <a:srgbClr val="9E9E9E"/>
+                      </a:solidFill>
+                      <a:prstDash val="solid"/>
+                      <a:round/>
+                      <a:headEnd type="none" w="med" len="med"/>
+                      <a:tailEnd type="none" w="med" len="med"/>
+                    </a:lnL>
+                    <a:lnR w="9525" cap="flat" cmpd="sng" algn="ctr">
+                      <a:solidFill>
+                        <a:srgbClr val="9E9E9E"/>
+                      </a:solidFill>
+                      <a:prstDash val="solid"/>
+                      <a:round/>
+                      <a:headEnd type="none" w="med" len="med"/>
+                      <a:tailEnd type="none" w="med" len="med"/>
+                    </a:lnR>
+                    <a:lnT w="9525" cap="flat" cmpd="sng" algn="ctr">
+                      <a:solidFill>
+                        <a:srgbClr val="9E9E9E"/>
+                      </a:solidFill>
+                      <a:prstDash val="solid"/>
+                      <a:round/>
+                      <a:headEnd type="none" w="med" len="med"/>
+                      <a:tailEnd type="none" w="med" len="med"/>
+                    </a:lnT>
+                    <a:lnB w="9525" cap="flat" cmpd="sng" algn="ctr">
+                      <a:solidFill>
+                        <a:srgbClr val="9E9E9E"/>
+                      </a:solidFill>
+                      <a:prstDash val="solid"/>
+                      <a:round/>
+                      <a:headEnd type="none" w="med" len="med"/>
+                      <a:tailEnd type="none" w="med" len="med"/>
+                    </a:lnB>
+                    <a:solidFill>
+                      <a:srgbClr val="FFE5B4"/>
+                    </a:solidFill>
+                  </a:tcPr>
+                </a:tc>
+                <a:extLst>
+                  <a:ext uri="{0D108BD9-81ED-4DB2-BD59-A6C34878D82A}">
+                    <a16:rowId xmlns:a16="http://schemas.microsoft.com/office/drawing/2014/main" val="2083340940"/>
+                  </a:ext>
+                </a:extLst>
+              </a:tr>
+              <a:tr h="273457">
+                <a:tc>
+                  <a:txBody>
+                    <a:bodyPr/>
+                    <a:lstStyle/>
+                    <a:p>
+                      <a:pPr rtl="0" fontAlgn="t">
+                        <a:buNone/>
+                      </a:pPr>
+                      <a:r>
+                        <a:rPr lang="en-IN" sz="600" b="0" i="0" u="none" strike="noStrike">
+                          <a:solidFill>
+                            <a:schemeClr val="tx1"/>
+                          </a:solidFill>
+                          <a:effectLst/>
+                          <a:latin typeface="Calibri" panose="020F0502020204030204" pitchFamily="34" charset="0"/>
+                        </a:rPr>
+                        <a:t>P/B</a:t>
+                      </a:r>
+                      <a:endParaRPr lang="en-IN">
+                        <a:solidFill>
+                          <a:schemeClr val="tx1"/>
+                        </a:solidFill>
+                        <a:effectLst/>
+                      </a:endParaRPr>
+                    </a:p>
+                  </a:txBody>
+                  <a:tcPr marL="95250" marR="95250" marT="95250" marB="95250">
+                    <a:lnL w="9525" cap="flat" cmpd="sng" algn="ctr">
+                      <a:solidFill>
+                        <a:srgbClr val="9E9E9E"/>
+                      </a:solidFill>
+                      <a:prstDash val="solid"/>
+                      <a:round/>
+                      <a:headEnd type="none" w="med" len="med"/>
+                      <a:tailEnd type="none" w="med" len="med"/>
+                    </a:lnL>
+                    <a:lnR w="9525" cap="flat" cmpd="sng" algn="ctr">
+                      <a:solidFill>
+                        <a:srgbClr val="9E9E9E"/>
+                      </a:solidFill>
+                      <a:prstDash val="solid"/>
+                      <a:round/>
+                      <a:headEnd type="none" w="med" len="med"/>
+                      <a:tailEnd type="none" w="med" len="med"/>
+                    </a:lnR>
+                    <a:lnT w="9525" cap="flat" cmpd="sng" algn="ctr">
+                      <a:solidFill>
+                        <a:srgbClr val="9E9E9E"/>
+                      </a:solidFill>
+                      <a:prstDash val="solid"/>
+                      <a:round/>
+                      <a:headEnd type="none" w="med" len="med"/>
+                      <a:tailEnd type="none" w="med" len="med"/>
+                    </a:lnT>
+                    <a:lnB w="9525" cap="flat" cmpd="sng" algn="ctr">
+                      <a:solidFill>
+                        <a:srgbClr val="9E9E9E"/>
+                      </a:solidFill>
+                      <a:prstDash val="solid"/>
+                      <a:round/>
+                      <a:headEnd type="none" w="med" len="med"/>
+                      <a:tailEnd type="none" w="med" len="med"/>
+                    </a:lnB>
+                    <a:noFill/>
+                  </a:tcPr>
+                </a:tc>
+                <a:tc>
+                  <a:txBody>
+                    <a:bodyPr/>
+                    <a:lstStyle/>
+                    <a:p>
+                      <a:pPr algn="l" fontAlgn="base">
+                        <a:buNone/>
+                      </a:pPr>
+                      <a:r>
+                        <a:rPr lang="en-IN" sz="600" b="0">
+                          <a:solidFill>
+                            <a:schemeClr val="tx1"/>
+                          </a:solidFill>
+                          <a:effectLst/>
+                          <a:latin typeface="SF Mono"/>
+                        </a:rPr>
+                        <a:t>{{pe_fy24}}</a:t>
+                      </a:r>
+                    </a:p>
+                  </a:txBody>
+                  <a:tcPr anchor="ctr">
+                    <a:lnL w="9525" cap="flat" cmpd="sng" algn="ctr">
+                      <a:solidFill>
+                        <a:srgbClr val="9E9E9E"/>
+                      </a:solidFill>
+                      <a:prstDash val="solid"/>
+                      <a:round/>
+                      <a:headEnd type="none" w="med" len="med"/>
+                      <a:tailEnd type="none" w="med" len="med"/>
+                    </a:lnL>
+                    <a:lnR w="9525" cap="flat" cmpd="sng" algn="ctr">
+                      <a:solidFill>
+                        <a:srgbClr val="9E9E9E"/>
+                      </a:solidFill>
+                      <a:prstDash val="solid"/>
+                      <a:round/>
+                      <a:headEnd type="none" w="med" len="med"/>
+                      <a:tailEnd type="none" w="med" len="med"/>
+                    </a:lnR>
+                    <a:lnT w="9525" cap="flat" cmpd="sng" algn="ctr">
+                      <a:solidFill>
+                        <a:srgbClr val="9E9E9E"/>
+                      </a:solidFill>
+                      <a:prstDash val="solid"/>
+                      <a:round/>
+                      <a:headEnd type="none" w="med" len="med"/>
+                      <a:tailEnd type="none" w="med" len="med"/>
+                    </a:lnT>
+                    <a:lnB w="9525" cap="flat" cmpd="sng" algn="ctr">
+                      <a:solidFill>
+                        <a:srgbClr val="9E9E9E"/>
+                      </a:solidFill>
+                      <a:prstDash val="solid"/>
+                      <a:round/>
+                      <a:headEnd type="none" w="med" len="med"/>
+                      <a:tailEnd type="none" w="med" len="med"/>
+                    </a:lnB>
+                    <a:noFill/>
+                  </a:tcPr>
+                </a:tc>
+                <a:tc>
+                  <a:txBody>
+                    <a:bodyPr/>
+                    <a:lstStyle/>
+                    <a:p>
+                      <a:pPr algn="l" fontAlgn="base">
+                        <a:buNone/>
+                      </a:pPr>
+                      <a:r>
+                        <a:rPr lang="en-IN" sz="600" b="0">
+                          <a:solidFill>
+                            <a:schemeClr val="tx1"/>
+                          </a:solidFill>
+                          <a:effectLst/>
+                          <a:latin typeface="SF Mono"/>
+                        </a:rPr>
+                        <a:t>{{pe_fy25}}</a:t>
+                      </a:r>
+                    </a:p>
+                  </a:txBody>
+                  <a:tcPr anchor="ctr">
+                    <a:lnL w="9525" cap="flat" cmpd="sng" algn="ctr">
+                      <a:solidFill>
+                        <a:srgbClr val="9E9E9E"/>
+                      </a:solidFill>
+                      <a:prstDash val="solid"/>
+                      <a:round/>
+                      <a:headEnd type="none" w="med" len="med"/>
+                      <a:tailEnd type="none" w="med" len="med"/>
+                    </a:lnL>
+                    <a:lnR w="9525" cap="flat" cmpd="sng" algn="ctr">
+                      <a:solidFill>
+                        <a:srgbClr val="9E9E9E"/>
+                      </a:solidFill>
+                      <a:prstDash val="solid"/>
+                      <a:round/>
+                      <a:headEnd type="none" w="med" len="med"/>
+                      <a:tailEnd type="none" w="med" len="med"/>
+                    </a:lnR>
+                    <a:lnT w="9525" cap="flat" cmpd="sng" algn="ctr">
+                      <a:solidFill>
+                        <a:srgbClr val="9E9E9E"/>
+                      </a:solidFill>
+                      <a:prstDash val="solid"/>
+                      <a:round/>
+                      <a:headEnd type="none" w="med" len="med"/>
+                      <a:tailEnd type="none" w="med" len="med"/>
+                    </a:lnT>
+                    <a:lnB w="9525" cap="flat" cmpd="sng" algn="ctr">
+                      <a:solidFill>
+                        <a:srgbClr val="9E9E9E"/>
+                      </a:solidFill>
+                      <a:prstDash val="solid"/>
+                      <a:round/>
+                      <a:headEnd type="none" w="med" len="med"/>
+                      <a:tailEnd type="none" w="med" len="med"/>
+                    </a:lnB>
+                    <a:noFill/>
+                  </a:tcPr>
+                </a:tc>
+                <a:tc>
+                  <a:txBody>
+                    <a:bodyPr/>
+                    <a:lstStyle/>
+                    <a:p>
+                      <a:pPr algn="l" fontAlgn="base">
+                        <a:buNone/>
+                      </a:pPr>
+                      <a:r>
+                        <a:rPr lang="en-IN" sz="600" b="0">
+                          <a:solidFill>
+                            <a:schemeClr val="tx1"/>
+                          </a:solidFill>
+                          <a:effectLst/>
+                          <a:latin typeface="SF Mono"/>
+                        </a:rPr>
+                        <a:t>{{pe_fy26}}</a:t>
+                      </a:r>
+                    </a:p>
+                  </a:txBody>
+                  <a:tcPr anchor="ctr">
+                    <a:lnL w="9525" cap="flat" cmpd="sng" algn="ctr">
+                      <a:solidFill>
+                        <a:srgbClr val="9E9E9E"/>
+                      </a:solidFill>
+                      <a:prstDash val="solid"/>
+                      <a:round/>
+                      <a:headEnd type="none" w="med" len="med"/>
+                      <a:tailEnd type="none" w="med" len="med"/>
+                    </a:lnL>
+                    <a:lnR w="9525" cap="flat" cmpd="sng" algn="ctr">
+                      <a:solidFill>
+                        <a:srgbClr val="9E9E9E"/>
+                      </a:solidFill>
+                      <a:prstDash val="solid"/>
+                      <a:round/>
+                      <a:headEnd type="none" w="med" len="med"/>
+                      <a:tailEnd type="none" w="med" len="med"/>
+                    </a:lnR>
+                    <a:lnT w="9525" cap="flat" cmpd="sng" algn="ctr">
+                      <a:solidFill>
+                        <a:srgbClr val="9E9E9E"/>
+                      </a:solidFill>
+                      <a:prstDash val="solid"/>
+                      <a:round/>
+                      <a:headEnd type="none" w="med" len="med"/>
+                      <a:tailEnd type="none" w="med" len="med"/>
+                    </a:lnT>
+                    <a:lnB w="9525" cap="flat" cmpd="sng" algn="ctr">
+                      <a:solidFill>
+                        <a:srgbClr val="9E9E9E"/>
+                      </a:solidFill>
+                      <a:prstDash val="solid"/>
+                      <a:round/>
+                      <a:headEnd type="none" w="med" len="med"/>
+                      <a:tailEnd type="none" w="med" len="med"/>
+                    </a:lnB>
+                    <a:noFill/>
+                  </a:tcPr>
+                </a:tc>
+                <a:tc>
+                  <a:txBody>
+                    <a:bodyPr/>
+                    <a:lstStyle/>
+                    <a:p>
+                      <a:pPr algn="l" fontAlgn="base">
+                        <a:buNone/>
+                      </a:pPr>
+                      <a:r>
+                        <a:rPr lang="en-IN" sz="600" b="0">
+                          <a:solidFill>
+                            <a:schemeClr val="tx1"/>
+                          </a:solidFill>
+                          <a:effectLst/>
+                          <a:latin typeface="SF Mono"/>
+                        </a:rPr>
+                        <a:t>{{pe_fy27}}</a:t>
+                      </a:r>
+                    </a:p>
+                  </a:txBody>
+                  <a:tcPr anchor="ctr">
+                    <a:lnL w="9525" cap="flat" cmpd="sng" algn="ctr">
+                      <a:solidFill>
+                        <a:srgbClr val="9E9E9E"/>
+                      </a:solidFill>
+                      <a:prstDash val="solid"/>
+                      <a:round/>
+                      <a:headEnd type="none" w="med" len="med"/>
+                      <a:tailEnd type="none" w="med" len="med"/>
+                    </a:lnL>
+                    <a:lnR w="9525" cap="flat" cmpd="sng" algn="ctr">
+                      <a:solidFill>
+                        <a:srgbClr val="9E9E9E"/>
+                      </a:solidFill>
+                      <a:prstDash val="solid"/>
+                      <a:round/>
+                      <a:headEnd type="none" w="med" len="med"/>
+                      <a:tailEnd type="none" w="med" len="med"/>
+                    </a:lnR>
+                    <a:lnT w="9525" cap="flat" cmpd="sng" algn="ctr">
+                      <a:solidFill>
+                        <a:srgbClr val="9E9E9E"/>
+                      </a:solidFill>
+                      <a:prstDash val="solid"/>
+                      <a:round/>
+                      <a:headEnd type="none" w="med" len="med"/>
+                      <a:tailEnd type="none" w="med" len="med"/>
+                    </a:lnT>
+                    <a:lnB w="9525" cap="flat" cmpd="sng" algn="ctr">
+                      <a:solidFill>
+                        <a:srgbClr val="9E9E9E"/>
+                      </a:solidFill>
+                      <a:prstDash val="solid"/>
+                      <a:round/>
+                      <a:headEnd type="none" w="med" len="med"/>
+                      <a:tailEnd type="none" w="med" len="med"/>
+                    </a:lnB>
+                    <a:noFill/>
+                  </a:tcPr>
+                </a:tc>
+                <a:tc>
+                  <a:txBody>
+                    <a:bodyPr/>
+                    <a:lstStyle/>
+                    <a:p>
+                      <a:pPr algn="l" fontAlgn="base">
+                        <a:buNone/>
+                      </a:pPr>
+                      <a:r>
+                        <a:rPr lang="en-IN" sz="600" b="0" dirty="0">
+                          <a:solidFill>
+                            <a:schemeClr val="tx1"/>
+                          </a:solidFill>
+                          <a:effectLst/>
+                          <a:latin typeface="SF Mono"/>
+                        </a:rPr>
+                        <a:t>{{pe_fy28}}</a:t>
+                      </a:r>
+                    </a:p>
+                  </a:txBody>
+                  <a:tcPr anchor="ctr">
+                    <a:lnL w="9525" cap="flat" cmpd="sng" algn="ctr">
+                      <a:solidFill>
+                        <a:srgbClr val="9E9E9E"/>
+                      </a:solidFill>
+                      <a:prstDash val="solid"/>
+                      <a:round/>
+                      <a:headEnd type="none" w="med" len="med"/>
+                      <a:tailEnd type="none" w="med" len="med"/>
+                    </a:lnL>
+                    <a:lnR w="9525" cap="flat" cmpd="sng" algn="ctr">
+                      <a:solidFill>
+                        <a:srgbClr val="9E9E9E"/>
+                      </a:solidFill>
+                      <a:prstDash val="solid"/>
+                      <a:round/>
+                      <a:headEnd type="none" w="med" len="med"/>
+                      <a:tailEnd type="none" w="med" len="med"/>
+                    </a:lnR>
+                    <a:lnT w="9525" cap="flat" cmpd="sng" algn="ctr">
+                      <a:solidFill>
+                        <a:srgbClr val="9E9E9E"/>
+                      </a:solidFill>
+                      <a:prstDash val="solid"/>
+                      <a:round/>
+                      <a:headEnd type="none" w="med" len="med"/>
+                      <a:tailEnd type="none" w="med" len="med"/>
+                    </a:lnT>
+                    <a:lnB w="9525" cap="flat" cmpd="sng" algn="ctr">
+                      <a:solidFill>
+                        <a:srgbClr val="9E9E9E"/>
+                      </a:solidFill>
+                      <a:prstDash val="solid"/>
+                      <a:round/>
+                      <a:headEnd type="none" w="med" len="med"/>
+                      <a:tailEnd type="none" w="med" len="med"/>
+                    </a:lnB>
+                    <a:noFill/>
+                  </a:tcPr>
+                </a:tc>
+                <a:extLst>
+                  <a:ext uri="{0D108BD9-81ED-4DB2-BD59-A6C34878D82A}">
+                    <a16:rowId xmlns:a16="http://schemas.microsoft.com/office/drawing/2014/main" val="2302457328"/>
+                  </a:ext>
+                </a:extLst>
+              </a:tr>
+            </a:tbl>
+          </a:graphicData>
+        </a:graphic>
+      </p:graphicFrame>
+      <p:sp>
+        <p:nvSpPr>
+          <p:cNvPr id="5" name="Rectangle 1">
+            <a:extLst>
+              <a:ext uri="{FF2B5EF4-FFF2-40B4-BE49-F238E27FC236}">
+                <a16:creationId xmlns:a16="http://schemas.microsoft.com/office/drawing/2014/main" id="{929B1D0D-74F2-EE08-7405-386A10478C29}"/>
+              </a:ext>
+            </a:extLst>
+          </p:cNvPr>
+          <p:cNvSpPr>
+            <a:spLocks noChangeArrowheads="1"/>
+          </p:cNvSpPr>
           <p:nvPr/>
         </p:nvSpPr>
-        <p:spPr>
+        <p:spPr bwMode="auto">
           <a:xfrm>
-            <a:off x="6220178" y="3454400"/>
-            <a:ext cx="1367682" cy="492443"/>
+            <a:off x="2371725" y="1450975"/>
+            <a:ext cx="9144000" cy="457200"/>
           </a:xfrm>
           <a:prstGeom prst="rect">
             <a:avLst/>
           </a:prstGeom>
           <a:noFill/>
+          <a:ln>
+            <a:noFill/>
+          </a:ln>
+          <a:effectLst/>
+          <a:extLst>
+            <a:ext uri="{909E8E84-426E-40DD-AFC4-6F175D3DCCD1}">
+              <a14:hiddenFill xmlns:a14="http://schemas.microsoft.com/office/drawing/2010/main">
+                <a:solidFill>
+                  <a:schemeClr val="accent1"/>
+                </a:solidFill>
+              </a14:hiddenFill>
+            </a:ext>
+            <a:ext uri="{91240B29-F687-4F45-9708-019B960494DF}">
+              <a14:hiddenLine xmlns:a14="http://schemas.microsoft.com/office/drawing/2010/main" w="9525">
+                <a:solidFill>
+                  <a:schemeClr val="tx1"/>
+                </a:solidFill>
+                <a:miter lim="800000"/>
+                <a:headEnd/>
+                <a:tailEnd/>
+              </a14:hiddenLine>
+            </a:ext>
+            <a:ext uri="{AF507438-7753-43E0-B8FC-AC1667EBCBE1}">
+              <a14:hiddenEffects xmlns:a14="http://schemas.microsoft.com/office/drawing/2010/main">
+                <a:effectLst>
+                  <a:outerShdw dist="35921" dir="2700000" algn="ctr" rotWithShape="0">
+                    <a:schemeClr val="bg2"/>
+                  </a:outerShdw>
+                </a:effectLst>
+              </a14:hiddenEffects>
+            </a:ext>
+          </a:extLst>
         </p:spPr>
         <p:txBody>
-          <a:bodyPr wrap="none" rtlCol="0">
+          <a:bodyPr vert="horz" wrap="none" lIns="91440" tIns="45720" rIns="91440" bIns="45720" numCol="1" anchor="ctr" anchorCtr="0" compatLnSpc="1">
+            <a:prstTxWarp prst="textNoShape">
+              <a:avLst/>
+            </a:prstTxWarp>
             <a:spAutoFit/>
           </a:bodyPr>
           <a:lstStyle/>
           <a:p>
-            <a:r>
-              <a:rPr lang="en-IN" sz="1200" dirty="0"/>
-              <a:t>{{</a:t>
-            </a:r>
-            <a:r>
-              <a:rPr lang="en-IN" sz="1200" dirty="0" err="1"/>
-              <a:t>financial_table</a:t>
-            </a:r>
-            <a:r>
-              <a:rPr lang="en-IN" sz="1200" dirty="0"/>
-              <a:t>}}</a:t>
-            </a:r>
-          </a:p>
-          <a:p>
-            <a:endParaRPr lang="en-IN" dirty="0"/>
+            <a:endParaRPr lang="en-IN"/>
           </a:p>
         </p:txBody>
       </p:sp>

--- a/master_template.pptx
+++ b/master_template.pptx
@@ -9851,7 +9851,7 @@
         </p:nvSpPr>
         <p:spPr>
           <a:xfrm>
-            <a:off x="6016978" y="1072445"/>
+            <a:off x="6001103" y="3409245"/>
             <a:ext cx="1885244" cy="307777"/>
           </a:xfrm>
           <a:prstGeom prst="rect">
@@ -9871,7 +9871,7 @@
             </a:r>
             <a:r>
               <a:rPr lang="en-IN" dirty="0" err="1"/>
-              <a:t>prize_chart</a:t>
+              <a:t>financial_table</a:t>
             </a:r>
             <a:r>
               <a:rPr lang="en-IN" dirty="0"/>
@@ -9880,3972 +9880,6 @@
           </a:p>
         </p:txBody>
       </p:sp>
-      <p:graphicFrame>
-        <p:nvGraphicFramePr>
-          <p:cNvPr id="4" name="Table 3">
-            <a:extLst>
-              <a:ext uri="{FF2B5EF4-FFF2-40B4-BE49-F238E27FC236}">
-                <a16:creationId xmlns:a16="http://schemas.microsoft.com/office/drawing/2014/main" id="{010EA07D-E885-E5D8-E8E6-D141A56152EA}"/>
-              </a:ext>
-            </a:extLst>
-          </p:cNvPr>
-          <p:cNvGraphicFramePr>
-            <a:graphicFrameLocks noGrp="1"/>
-          </p:cNvGraphicFramePr>
-          <p:nvPr>
-            <p:extLst>
-              <p:ext uri="{D42A27DB-BD31-4B8C-83A1-F6EECF244321}">
-                <p14:modId xmlns:p14="http://schemas.microsoft.com/office/powerpoint/2010/main" val="4202596862"/>
-              </p:ext>
-            </p:extLst>
-          </p:nvPr>
-        </p:nvGraphicFramePr>
-        <p:xfrm>
-          <a:off x="4962525" y="1646445"/>
-          <a:ext cx="3867150" cy="3124280"/>
-        </p:xfrm>
-        <a:graphic>
-          <a:graphicData uri="http://schemas.openxmlformats.org/drawingml/2006/table">
-            <a:tbl>
-              <a:tblPr/>
-              <a:tblGrid>
-                <a:gridCol w="769262">
-                  <a:extLst>
-                    <a:ext uri="{9D8B030D-6E8A-4147-A177-3AD203B41FA5}">
-                      <a16:colId xmlns:a16="http://schemas.microsoft.com/office/drawing/2014/main" val="1069966037"/>
-                    </a:ext>
-                  </a:extLst>
-                </a:gridCol>
-                <a:gridCol w="612722">
-                  <a:extLst>
-                    <a:ext uri="{9D8B030D-6E8A-4147-A177-3AD203B41FA5}">
-                      <a16:colId xmlns:a16="http://schemas.microsoft.com/office/drawing/2014/main" val="3993124200"/>
-                    </a:ext>
-                  </a:extLst>
-                </a:gridCol>
-                <a:gridCol w="612722">
-                  <a:extLst>
-                    <a:ext uri="{9D8B030D-6E8A-4147-A177-3AD203B41FA5}">
-                      <a16:colId xmlns:a16="http://schemas.microsoft.com/office/drawing/2014/main" val="2304610044"/>
-                    </a:ext>
-                  </a:extLst>
-                </a:gridCol>
-                <a:gridCol w="612722">
-                  <a:extLst>
-                    <a:ext uri="{9D8B030D-6E8A-4147-A177-3AD203B41FA5}">
-                      <a16:colId xmlns:a16="http://schemas.microsoft.com/office/drawing/2014/main" val="2954385777"/>
-                    </a:ext>
-                  </a:extLst>
-                </a:gridCol>
-                <a:gridCol w="612722">
-                  <a:extLst>
-                    <a:ext uri="{9D8B030D-6E8A-4147-A177-3AD203B41FA5}">
-                      <a16:colId xmlns:a16="http://schemas.microsoft.com/office/drawing/2014/main" val="2937344670"/>
-                    </a:ext>
-                  </a:extLst>
-                </a:gridCol>
-                <a:gridCol w="647000">
-                  <a:extLst>
-                    <a:ext uri="{9D8B030D-6E8A-4147-A177-3AD203B41FA5}">
-                      <a16:colId xmlns:a16="http://schemas.microsoft.com/office/drawing/2014/main" val="1580030156"/>
-                    </a:ext>
-                  </a:extLst>
-                </a:gridCol>
-              </a:tblGrid>
-              <a:tr h="273457">
-                <a:tc>
-                  <a:txBody>
-                    <a:bodyPr/>
-                    <a:lstStyle/>
-                    <a:p>
-                      <a:pPr rtl="0" fontAlgn="t">
-                        <a:buNone/>
-                      </a:pPr>
-                      <a:r>
-                        <a:rPr lang="en-IN" sz="600" b="1" i="0" u="none" strike="noStrike">
-                          <a:solidFill>
-                            <a:schemeClr val="tx1"/>
-                          </a:solidFill>
-                          <a:effectLst/>
-                          <a:latin typeface="Calibri" panose="020F0502020204030204" pitchFamily="34" charset="0"/>
-                        </a:rPr>
-                        <a:t>Particulars</a:t>
-                      </a:r>
-                      <a:endParaRPr lang="en-IN">
-                        <a:solidFill>
-                          <a:schemeClr val="tx1"/>
-                        </a:solidFill>
-                        <a:effectLst/>
-                      </a:endParaRPr>
-                    </a:p>
-                  </a:txBody>
-                  <a:tcPr marL="95250" marR="95250" marT="95250" marB="95250">
-                    <a:lnL w="9525" cap="flat" cmpd="sng" algn="ctr">
-                      <a:solidFill>
-                        <a:srgbClr val="9E9E9E"/>
-                      </a:solidFill>
-                      <a:prstDash val="solid"/>
-                      <a:round/>
-                      <a:headEnd type="none" w="med" len="med"/>
-                      <a:tailEnd type="none" w="med" len="med"/>
-                    </a:lnL>
-                    <a:lnR w="9525" cap="flat" cmpd="sng" algn="ctr">
-                      <a:solidFill>
-                        <a:srgbClr val="9E9E9E"/>
-                      </a:solidFill>
-                      <a:prstDash val="solid"/>
-                      <a:round/>
-                      <a:headEnd type="none" w="med" len="med"/>
-                      <a:tailEnd type="none" w="med" len="med"/>
-                    </a:lnR>
-                    <a:lnT w="9525" cap="flat" cmpd="sng" algn="ctr">
-                      <a:solidFill>
-                        <a:srgbClr val="9E9E9E"/>
-                      </a:solidFill>
-                      <a:prstDash val="solid"/>
-                      <a:round/>
-                      <a:headEnd type="none" w="med" len="med"/>
-                      <a:tailEnd type="none" w="med" len="med"/>
-                    </a:lnT>
-                    <a:lnB w="9525" cap="flat" cmpd="sng" algn="ctr">
-                      <a:solidFill>
-                        <a:srgbClr val="9E9E9E"/>
-                      </a:solidFill>
-                      <a:prstDash val="solid"/>
-                      <a:round/>
-                      <a:headEnd type="none" w="med" len="med"/>
-                      <a:tailEnd type="none" w="med" len="med"/>
-                    </a:lnB>
-                    <a:solidFill>
-                      <a:srgbClr val="1F4690"/>
-                    </a:solidFill>
-                  </a:tcPr>
-                </a:tc>
-                <a:tc>
-                  <a:txBody>
-                    <a:bodyPr/>
-                    <a:lstStyle/>
-                    <a:p>
-                      <a:pPr algn="r" rtl="0" fontAlgn="ctr">
-                        <a:buNone/>
-                      </a:pPr>
-                      <a:r>
-                        <a:rPr lang="en-IN" sz="600" b="1" i="0" u="none" strike="noStrike">
-                          <a:solidFill>
-                            <a:schemeClr val="tx1"/>
-                          </a:solidFill>
-                          <a:effectLst/>
-                          <a:latin typeface="Calibri" panose="020F0502020204030204" pitchFamily="34" charset="0"/>
-                        </a:rPr>
-                        <a:t>FY24A</a:t>
-                      </a:r>
-                      <a:endParaRPr lang="en-IN">
-                        <a:solidFill>
-                          <a:schemeClr val="tx1"/>
-                        </a:solidFill>
-                        <a:effectLst/>
-                      </a:endParaRPr>
-                    </a:p>
-                  </a:txBody>
-                  <a:tcPr marL="95250" marR="95250" marT="95250" marB="95250" anchor="ctr">
-                    <a:lnL w="9525" cap="flat" cmpd="sng" algn="ctr">
-                      <a:solidFill>
-                        <a:srgbClr val="9E9E9E"/>
-                      </a:solidFill>
-                      <a:prstDash val="solid"/>
-                      <a:round/>
-                      <a:headEnd type="none" w="med" len="med"/>
-                      <a:tailEnd type="none" w="med" len="med"/>
-                    </a:lnL>
-                    <a:lnR w="9525" cap="flat" cmpd="sng" algn="ctr">
-                      <a:solidFill>
-                        <a:srgbClr val="9E9E9E"/>
-                      </a:solidFill>
-                      <a:prstDash val="solid"/>
-                      <a:round/>
-                      <a:headEnd type="none" w="med" len="med"/>
-                      <a:tailEnd type="none" w="med" len="med"/>
-                    </a:lnR>
-                    <a:lnT w="9525" cap="flat" cmpd="sng" algn="ctr">
-                      <a:solidFill>
-                        <a:srgbClr val="9E9E9E"/>
-                      </a:solidFill>
-                      <a:prstDash val="solid"/>
-                      <a:round/>
-                      <a:headEnd type="none" w="med" len="med"/>
-                      <a:tailEnd type="none" w="med" len="med"/>
-                    </a:lnT>
-                    <a:lnB w="9525" cap="flat" cmpd="sng" algn="ctr">
-                      <a:solidFill>
-                        <a:srgbClr val="9E9E9E"/>
-                      </a:solidFill>
-                      <a:prstDash val="solid"/>
-                      <a:round/>
-                      <a:headEnd type="none" w="med" len="med"/>
-                      <a:tailEnd type="none" w="med" len="med"/>
-                    </a:lnB>
-                    <a:solidFill>
-                      <a:srgbClr val="1F4690"/>
-                    </a:solidFill>
-                  </a:tcPr>
-                </a:tc>
-                <a:tc>
-                  <a:txBody>
-                    <a:bodyPr/>
-                    <a:lstStyle/>
-                    <a:p>
-                      <a:pPr algn="r" rtl="0" fontAlgn="ctr">
-                        <a:buNone/>
-                      </a:pPr>
-                      <a:r>
-                        <a:rPr lang="en-IN" sz="600" b="1" i="0" u="none" strike="noStrike">
-                          <a:solidFill>
-                            <a:schemeClr val="tx1"/>
-                          </a:solidFill>
-                          <a:effectLst/>
-                          <a:latin typeface="Calibri" panose="020F0502020204030204" pitchFamily="34" charset="0"/>
-                        </a:rPr>
-                        <a:t>FY25A</a:t>
-                      </a:r>
-                      <a:endParaRPr lang="en-IN">
-                        <a:solidFill>
-                          <a:schemeClr val="tx1"/>
-                        </a:solidFill>
-                        <a:effectLst/>
-                      </a:endParaRPr>
-                    </a:p>
-                  </a:txBody>
-                  <a:tcPr marL="95250" marR="95250" marT="95250" marB="95250" anchor="ctr">
-                    <a:lnL w="9525" cap="flat" cmpd="sng" algn="ctr">
-                      <a:solidFill>
-                        <a:srgbClr val="9E9E9E"/>
-                      </a:solidFill>
-                      <a:prstDash val="solid"/>
-                      <a:round/>
-                      <a:headEnd type="none" w="med" len="med"/>
-                      <a:tailEnd type="none" w="med" len="med"/>
-                    </a:lnL>
-                    <a:lnR w="9525" cap="flat" cmpd="sng" algn="ctr">
-                      <a:solidFill>
-                        <a:srgbClr val="9E9E9E"/>
-                      </a:solidFill>
-                      <a:prstDash val="solid"/>
-                      <a:round/>
-                      <a:headEnd type="none" w="med" len="med"/>
-                      <a:tailEnd type="none" w="med" len="med"/>
-                    </a:lnR>
-                    <a:lnT w="9525" cap="flat" cmpd="sng" algn="ctr">
-                      <a:solidFill>
-                        <a:srgbClr val="9E9E9E"/>
-                      </a:solidFill>
-                      <a:prstDash val="solid"/>
-                      <a:round/>
-                      <a:headEnd type="none" w="med" len="med"/>
-                      <a:tailEnd type="none" w="med" len="med"/>
-                    </a:lnT>
-                    <a:lnB w="9525" cap="flat" cmpd="sng" algn="ctr">
-                      <a:solidFill>
-                        <a:srgbClr val="9E9E9E"/>
-                      </a:solidFill>
-                      <a:prstDash val="solid"/>
-                      <a:round/>
-                      <a:headEnd type="none" w="med" len="med"/>
-                      <a:tailEnd type="none" w="med" len="med"/>
-                    </a:lnB>
-                    <a:solidFill>
-                      <a:srgbClr val="1F4690"/>
-                    </a:solidFill>
-                  </a:tcPr>
-                </a:tc>
-                <a:tc>
-                  <a:txBody>
-                    <a:bodyPr/>
-                    <a:lstStyle/>
-                    <a:p>
-                      <a:pPr algn="r" rtl="0" fontAlgn="ctr">
-                        <a:buNone/>
-                      </a:pPr>
-                      <a:r>
-                        <a:rPr lang="en-IN" sz="600" b="1" i="0" u="none" strike="noStrike">
-                          <a:solidFill>
-                            <a:schemeClr val="tx1"/>
-                          </a:solidFill>
-                          <a:effectLst/>
-                          <a:latin typeface="Calibri" panose="020F0502020204030204" pitchFamily="34" charset="0"/>
-                        </a:rPr>
-                        <a:t>FY26E</a:t>
-                      </a:r>
-                      <a:endParaRPr lang="en-IN">
-                        <a:solidFill>
-                          <a:schemeClr val="tx1"/>
-                        </a:solidFill>
-                        <a:effectLst/>
-                      </a:endParaRPr>
-                    </a:p>
-                  </a:txBody>
-                  <a:tcPr marL="95250" marR="95250" marT="95250" marB="95250" anchor="ctr">
-                    <a:lnL w="9525" cap="flat" cmpd="sng" algn="ctr">
-                      <a:solidFill>
-                        <a:srgbClr val="9E9E9E"/>
-                      </a:solidFill>
-                      <a:prstDash val="solid"/>
-                      <a:round/>
-                      <a:headEnd type="none" w="med" len="med"/>
-                      <a:tailEnd type="none" w="med" len="med"/>
-                    </a:lnL>
-                    <a:lnR w="9525" cap="flat" cmpd="sng" algn="ctr">
-                      <a:solidFill>
-                        <a:srgbClr val="9E9E9E"/>
-                      </a:solidFill>
-                      <a:prstDash val="solid"/>
-                      <a:round/>
-                      <a:headEnd type="none" w="med" len="med"/>
-                      <a:tailEnd type="none" w="med" len="med"/>
-                    </a:lnR>
-                    <a:lnT w="9525" cap="flat" cmpd="sng" algn="ctr">
-                      <a:solidFill>
-                        <a:srgbClr val="9E9E9E"/>
-                      </a:solidFill>
-                      <a:prstDash val="solid"/>
-                      <a:round/>
-                      <a:headEnd type="none" w="med" len="med"/>
-                      <a:tailEnd type="none" w="med" len="med"/>
-                    </a:lnT>
-                    <a:lnB w="9525" cap="flat" cmpd="sng" algn="ctr">
-                      <a:solidFill>
-                        <a:srgbClr val="9E9E9E"/>
-                      </a:solidFill>
-                      <a:prstDash val="solid"/>
-                      <a:round/>
-                      <a:headEnd type="none" w="med" len="med"/>
-                      <a:tailEnd type="none" w="med" len="med"/>
-                    </a:lnB>
-                    <a:solidFill>
-                      <a:srgbClr val="1F4690"/>
-                    </a:solidFill>
-                  </a:tcPr>
-                </a:tc>
-                <a:tc>
-                  <a:txBody>
-                    <a:bodyPr/>
-                    <a:lstStyle/>
-                    <a:p>
-                      <a:pPr algn="r" rtl="0" fontAlgn="ctr">
-                        <a:buNone/>
-                      </a:pPr>
-                      <a:r>
-                        <a:rPr lang="en-IN" sz="600" b="1" i="0" u="none" strike="noStrike">
-                          <a:solidFill>
-                            <a:schemeClr val="tx1"/>
-                          </a:solidFill>
-                          <a:effectLst/>
-                          <a:latin typeface="Calibri" panose="020F0502020204030204" pitchFamily="34" charset="0"/>
-                        </a:rPr>
-                        <a:t>FY27E</a:t>
-                      </a:r>
-                      <a:endParaRPr lang="en-IN">
-                        <a:solidFill>
-                          <a:schemeClr val="tx1"/>
-                        </a:solidFill>
-                        <a:effectLst/>
-                      </a:endParaRPr>
-                    </a:p>
-                  </a:txBody>
-                  <a:tcPr marL="95250" marR="95250" marT="95250" marB="95250" anchor="ctr">
-                    <a:lnL w="9525" cap="flat" cmpd="sng" algn="ctr">
-                      <a:solidFill>
-                        <a:srgbClr val="9E9E9E"/>
-                      </a:solidFill>
-                      <a:prstDash val="solid"/>
-                      <a:round/>
-                      <a:headEnd type="none" w="med" len="med"/>
-                      <a:tailEnd type="none" w="med" len="med"/>
-                    </a:lnL>
-                    <a:lnR w="9525" cap="flat" cmpd="sng" algn="ctr">
-                      <a:solidFill>
-                        <a:srgbClr val="9E9E9E"/>
-                      </a:solidFill>
-                      <a:prstDash val="solid"/>
-                      <a:round/>
-                      <a:headEnd type="none" w="med" len="med"/>
-                      <a:tailEnd type="none" w="med" len="med"/>
-                    </a:lnR>
-                    <a:lnT w="9525" cap="flat" cmpd="sng" algn="ctr">
-                      <a:solidFill>
-                        <a:srgbClr val="9E9E9E"/>
-                      </a:solidFill>
-                      <a:prstDash val="solid"/>
-                      <a:round/>
-                      <a:headEnd type="none" w="med" len="med"/>
-                      <a:tailEnd type="none" w="med" len="med"/>
-                    </a:lnT>
-                    <a:lnB w="9525" cap="flat" cmpd="sng" algn="ctr">
-                      <a:solidFill>
-                        <a:srgbClr val="9E9E9E"/>
-                      </a:solidFill>
-                      <a:prstDash val="solid"/>
-                      <a:round/>
-                      <a:headEnd type="none" w="med" len="med"/>
-                      <a:tailEnd type="none" w="med" len="med"/>
-                    </a:lnB>
-                    <a:solidFill>
-                      <a:srgbClr val="1F4690"/>
-                    </a:solidFill>
-                  </a:tcPr>
-                </a:tc>
-                <a:tc>
-                  <a:txBody>
-                    <a:bodyPr/>
-                    <a:lstStyle/>
-                    <a:p>
-                      <a:pPr algn="r" rtl="0" fontAlgn="ctr">
-                        <a:buNone/>
-                      </a:pPr>
-                      <a:r>
-                        <a:rPr lang="en-IN" sz="600" b="1" i="0" u="none" strike="noStrike">
-                          <a:solidFill>
-                            <a:schemeClr val="tx1"/>
-                          </a:solidFill>
-                          <a:effectLst/>
-                          <a:latin typeface="Calibri" panose="020F0502020204030204" pitchFamily="34" charset="0"/>
-                        </a:rPr>
-                        <a:t>FY28E</a:t>
-                      </a:r>
-                      <a:endParaRPr lang="en-IN">
-                        <a:solidFill>
-                          <a:schemeClr val="tx1"/>
-                        </a:solidFill>
-                        <a:effectLst/>
-                      </a:endParaRPr>
-                    </a:p>
-                  </a:txBody>
-                  <a:tcPr marL="95250" marR="95250" marT="95250" marB="95250" anchor="ctr">
-                    <a:lnL w="9525" cap="flat" cmpd="sng" algn="ctr">
-                      <a:solidFill>
-                        <a:srgbClr val="9E9E9E"/>
-                      </a:solidFill>
-                      <a:prstDash val="solid"/>
-                      <a:round/>
-                      <a:headEnd type="none" w="med" len="med"/>
-                      <a:tailEnd type="none" w="med" len="med"/>
-                    </a:lnL>
-                    <a:lnR w="9525" cap="flat" cmpd="sng" algn="ctr">
-                      <a:solidFill>
-                        <a:srgbClr val="9E9E9E"/>
-                      </a:solidFill>
-                      <a:prstDash val="solid"/>
-                      <a:round/>
-                      <a:headEnd type="none" w="med" len="med"/>
-                      <a:tailEnd type="none" w="med" len="med"/>
-                    </a:lnR>
-                    <a:lnT w="9525" cap="flat" cmpd="sng" algn="ctr">
-                      <a:solidFill>
-                        <a:srgbClr val="9E9E9E"/>
-                      </a:solidFill>
-                      <a:prstDash val="solid"/>
-                      <a:round/>
-                      <a:headEnd type="none" w="med" len="med"/>
-                      <a:tailEnd type="none" w="med" len="med"/>
-                    </a:lnT>
-                    <a:lnB w="9525" cap="flat" cmpd="sng" algn="ctr">
-                      <a:solidFill>
-                        <a:srgbClr val="9E9E9E"/>
-                      </a:solidFill>
-                      <a:prstDash val="solid"/>
-                      <a:round/>
-                      <a:headEnd type="none" w="med" len="med"/>
-                      <a:tailEnd type="none" w="med" len="med"/>
-                    </a:lnB>
-                    <a:solidFill>
-                      <a:srgbClr val="1F4690"/>
-                    </a:solidFill>
-                  </a:tcPr>
-                </a:tc>
-                <a:extLst>
-                  <a:ext uri="{0D108BD9-81ED-4DB2-BD59-A6C34878D82A}">
-                    <a16:rowId xmlns:a16="http://schemas.microsoft.com/office/drawing/2014/main" val="518340034"/>
-                  </a:ext>
-                </a:extLst>
-              </a:tr>
-              <a:tr h="362146">
-                <a:tc>
-                  <a:txBody>
-                    <a:bodyPr/>
-                    <a:lstStyle/>
-                    <a:p>
-                      <a:pPr rtl="0" fontAlgn="t">
-                        <a:buNone/>
-                      </a:pPr>
-                      <a:r>
-                        <a:rPr lang="en-IN" sz="600" b="0" i="0" u="none" strike="noStrike">
-                          <a:solidFill>
-                            <a:schemeClr val="tx1"/>
-                          </a:solidFill>
-                          <a:effectLst/>
-                          <a:latin typeface="Calibri" panose="020F0502020204030204" pitchFamily="34" charset="0"/>
-                        </a:rPr>
-                        <a:t>Sales</a:t>
-                      </a:r>
-                      <a:endParaRPr lang="en-IN">
-                        <a:solidFill>
-                          <a:schemeClr val="tx1"/>
-                        </a:solidFill>
-                        <a:effectLst/>
-                      </a:endParaRPr>
-                    </a:p>
-                  </a:txBody>
-                  <a:tcPr marL="95250" marR="95250" marT="95250" marB="95250">
-                    <a:lnL w="9525" cap="flat" cmpd="sng" algn="ctr">
-                      <a:solidFill>
-                        <a:srgbClr val="9E9E9E"/>
-                      </a:solidFill>
-                      <a:prstDash val="solid"/>
-                      <a:round/>
-                      <a:headEnd type="none" w="med" len="med"/>
-                      <a:tailEnd type="none" w="med" len="med"/>
-                    </a:lnL>
-                    <a:lnR w="9525" cap="flat" cmpd="sng" algn="ctr">
-                      <a:solidFill>
-                        <a:srgbClr val="9E9E9E"/>
-                      </a:solidFill>
-                      <a:prstDash val="solid"/>
-                      <a:round/>
-                      <a:headEnd type="none" w="med" len="med"/>
-                      <a:tailEnd type="none" w="med" len="med"/>
-                    </a:lnR>
-                    <a:lnT w="9525" cap="flat" cmpd="sng" algn="ctr">
-                      <a:solidFill>
-                        <a:srgbClr val="9E9E9E"/>
-                      </a:solidFill>
-                      <a:prstDash val="solid"/>
-                      <a:round/>
-                      <a:headEnd type="none" w="med" len="med"/>
-                      <a:tailEnd type="none" w="med" len="med"/>
-                    </a:lnT>
-                    <a:lnB w="9525" cap="flat" cmpd="sng" algn="ctr">
-                      <a:solidFill>
-                        <a:srgbClr val="9E9E9E"/>
-                      </a:solidFill>
-                      <a:prstDash val="solid"/>
-                      <a:round/>
-                      <a:headEnd type="none" w="med" len="med"/>
-                      <a:tailEnd type="none" w="med" len="med"/>
-                    </a:lnB>
-                    <a:noFill/>
-                  </a:tcPr>
-                </a:tc>
-                <a:tc>
-                  <a:txBody>
-                    <a:bodyPr/>
-                    <a:lstStyle/>
-                    <a:p>
-                      <a:pPr algn="r" rtl="0" fontAlgn="ctr">
-                        <a:buNone/>
-                      </a:pPr>
-                      <a:r>
-                        <a:rPr lang="en-IN" sz="600" b="0" i="0" u="none" strike="noStrike" dirty="0">
-                          <a:solidFill>
-                            <a:schemeClr val="tx1"/>
-                          </a:solidFill>
-                          <a:effectLst/>
-                          <a:latin typeface="Calibri" panose="020F0502020204030204" pitchFamily="34" charset="0"/>
-                        </a:rPr>
-                        <a:t>{{revenue_fy24}}</a:t>
-                      </a:r>
-                      <a:endParaRPr lang="en-IN" dirty="0">
-                        <a:solidFill>
-                          <a:schemeClr val="tx1"/>
-                        </a:solidFill>
-                        <a:effectLst/>
-                      </a:endParaRPr>
-                    </a:p>
-                  </a:txBody>
-                  <a:tcPr marL="95250" marR="95250" marT="95250" marB="95250" anchor="ctr">
-                    <a:lnL w="9525" cap="flat" cmpd="sng" algn="ctr">
-                      <a:solidFill>
-                        <a:srgbClr val="9E9E9E"/>
-                      </a:solidFill>
-                      <a:prstDash val="solid"/>
-                      <a:round/>
-                      <a:headEnd type="none" w="med" len="med"/>
-                      <a:tailEnd type="none" w="med" len="med"/>
-                    </a:lnL>
-                    <a:lnR w="9525" cap="flat" cmpd="sng" algn="ctr">
-                      <a:solidFill>
-                        <a:srgbClr val="9E9E9E"/>
-                      </a:solidFill>
-                      <a:prstDash val="solid"/>
-                      <a:round/>
-                      <a:headEnd type="none" w="med" len="med"/>
-                      <a:tailEnd type="none" w="med" len="med"/>
-                    </a:lnR>
-                    <a:lnT w="9525" cap="flat" cmpd="sng" algn="ctr">
-                      <a:solidFill>
-                        <a:srgbClr val="9E9E9E"/>
-                      </a:solidFill>
-                      <a:prstDash val="solid"/>
-                      <a:round/>
-                      <a:headEnd type="none" w="med" len="med"/>
-                      <a:tailEnd type="none" w="med" len="med"/>
-                    </a:lnT>
-                    <a:lnB w="9525" cap="flat" cmpd="sng" algn="ctr">
-                      <a:solidFill>
-                        <a:srgbClr val="9E9E9E"/>
-                      </a:solidFill>
-                      <a:prstDash val="solid"/>
-                      <a:round/>
-                      <a:headEnd type="none" w="med" len="med"/>
-                      <a:tailEnd type="none" w="med" len="med"/>
-                    </a:lnB>
-                    <a:noFill/>
-                  </a:tcPr>
-                </a:tc>
-                <a:tc>
-                  <a:txBody>
-                    <a:bodyPr/>
-                    <a:lstStyle/>
-                    <a:p>
-                      <a:pPr algn="r" rtl="0" fontAlgn="ctr">
-                        <a:buNone/>
-                      </a:pPr>
-                      <a:r>
-                        <a:rPr lang="en-IN" sz="600" b="0" i="0" u="none" strike="noStrike" dirty="0">
-                          <a:solidFill>
-                            <a:schemeClr val="tx1"/>
-                          </a:solidFill>
-                          <a:effectLst/>
-                          <a:latin typeface="Calibri" panose="020F0502020204030204" pitchFamily="34" charset="0"/>
-                        </a:rPr>
-                        <a:t>{{revenue_fy25}}</a:t>
-                      </a:r>
-                      <a:endParaRPr lang="en-IN" dirty="0">
-                        <a:solidFill>
-                          <a:schemeClr val="tx1"/>
-                        </a:solidFill>
-                        <a:effectLst/>
-                      </a:endParaRPr>
-                    </a:p>
-                  </a:txBody>
-                  <a:tcPr marL="95250" marR="95250" marT="95250" marB="95250" anchor="ctr">
-                    <a:lnL w="9525" cap="flat" cmpd="sng" algn="ctr">
-                      <a:solidFill>
-                        <a:srgbClr val="9E9E9E"/>
-                      </a:solidFill>
-                      <a:prstDash val="solid"/>
-                      <a:round/>
-                      <a:headEnd type="none" w="med" len="med"/>
-                      <a:tailEnd type="none" w="med" len="med"/>
-                    </a:lnL>
-                    <a:lnR w="9525" cap="flat" cmpd="sng" algn="ctr">
-                      <a:solidFill>
-                        <a:srgbClr val="9E9E9E"/>
-                      </a:solidFill>
-                      <a:prstDash val="solid"/>
-                      <a:round/>
-                      <a:headEnd type="none" w="med" len="med"/>
-                      <a:tailEnd type="none" w="med" len="med"/>
-                    </a:lnR>
-                    <a:lnT w="9525" cap="flat" cmpd="sng" algn="ctr">
-                      <a:solidFill>
-                        <a:srgbClr val="9E9E9E"/>
-                      </a:solidFill>
-                      <a:prstDash val="solid"/>
-                      <a:round/>
-                      <a:headEnd type="none" w="med" len="med"/>
-                      <a:tailEnd type="none" w="med" len="med"/>
-                    </a:lnT>
-                    <a:lnB w="9525" cap="flat" cmpd="sng" algn="ctr">
-                      <a:solidFill>
-                        <a:srgbClr val="9E9E9E"/>
-                      </a:solidFill>
-                      <a:prstDash val="solid"/>
-                      <a:round/>
-                      <a:headEnd type="none" w="med" len="med"/>
-                      <a:tailEnd type="none" w="med" len="med"/>
-                    </a:lnB>
-                    <a:noFill/>
-                  </a:tcPr>
-                </a:tc>
-                <a:tc>
-                  <a:txBody>
-                    <a:bodyPr/>
-                    <a:lstStyle/>
-                    <a:p>
-                      <a:pPr algn="r" rtl="0" fontAlgn="ctr">
-                        <a:buNone/>
-                      </a:pPr>
-                      <a:r>
-                        <a:rPr lang="en-IN" sz="600" b="0" i="0" u="none" strike="noStrike" dirty="0">
-                          <a:solidFill>
-                            <a:schemeClr val="tx1"/>
-                          </a:solidFill>
-                          <a:effectLst/>
-                          <a:latin typeface="Calibri" panose="020F0502020204030204" pitchFamily="34" charset="0"/>
-                        </a:rPr>
-                        <a:t>{{revenue_fy26}}</a:t>
-                      </a:r>
-                      <a:endParaRPr lang="en-IN" dirty="0">
-                        <a:solidFill>
-                          <a:schemeClr val="tx1"/>
-                        </a:solidFill>
-                        <a:effectLst/>
-                      </a:endParaRPr>
-                    </a:p>
-                  </a:txBody>
-                  <a:tcPr marL="95250" marR="95250" marT="95250" marB="95250" anchor="ctr">
-                    <a:lnL w="9525" cap="flat" cmpd="sng" algn="ctr">
-                      <a:solidFill>
-                        <a:srgbClr val="9E9E9E"/>
-                      </a:solidFill>
-                      <a:prstDash val="solid"/>
-                      <a:round/>
-                      <a:headEnd type="none" w="med" len="med"/>
-                      <a:tailEnd type="none" w="med" len="med"/>
-                    </a:lnL>
-                    <a:lnR w="9525" cap="flat" cmpd="sng" algn="ctr">
-                      <a:solidFill>
-                        <a:srgbClr val="9E9E9E"/>
-                      </a:solidFill>
-                      <a:prstDash val="solid"/>
-                      <a:round/>
-                      <a:headEnd type="none" w="med" len="med"/>
-                      <a:tailEnd type="none" w="med" len="med"/>
-                    </a:lnR>
-                    <a:lnT w="9525" cap="flat" cmpd="sng" algn="ctr">
-                      <a:solidFill>
-                        <a:srgbClr val="9E9E9E"/>
-                      </a:solidFill>
-                      <a:prstDash val="solid"/>
-                      <a:round/>
-                      <a:headEnd type="none" w="med" len="med"/>
-                      <a:tailEnd type="none" w="med" len="med"/>
-                    </a:lnT>
-                    <a:lnB w="9525" cap="flat" cmpd="sng" algn="ctr">
-                      <a:solidFill>
-                        <a:srgbClr val="9E9E9E"/>
-                      </a:solidFill>
-                      <a:prstDash val="solid"/>
-                      <a:round/>
-                      <a:headEnd type="none" w="med" len="med"/>
-                      <a:tailEnd type="none" w="med" len="med"/>
-                    </a:lnB>
-                    <a:noFill/>
-                  </a:tcPr>
-                </a:tc>
-                <a:tc>
-                  <a:txBody>
-                    <a:bodyPr/>
-                    <a:lstStyle/>
-                    <a:p>
-                      <a:pPr algn="r" rtl="0" fontAlgn="ctr">
-                        <a:buNone/>
-                      </a:pPr>
-                      <a:r>
-                        <a:rPr lang="en-IN" sz="600" b="0" i="0" u="none" strike="noStrike" dirty="0">
-                          <a:solidFill>
-                            <a:schemeClr val="tx1"/>
-                          </a:solidFill>
-                          <a:effectLst/>
-                          <a:latin typeface="Calibri" panose="020F0502020204030204" pitchFamily="34" charset="0"/>
-                        </a:rPr>
-                        <a:t>{{revenue_fy27}}</a:t>
-                      </a:r>
-                      <a:endParaRPr lang="en-IN" dirty="0">
-                        <a:solidFill>
-                          <a:schemeClr val="tx1"/>
-                        </a:solidFill>
-                        <a:effectLst/>
-                      </a:endParaRPr>
-                    </a:p>
-                  </a:txBody>
-                  <a:tcPr marL="95250" marR="95250" marT="95250" marB="95250" anchor="ctr">
-                    <a:lnL w="9525" cap="flat" cmpd="sng" algn="ctr">
-                      <a:solidFill>
-                        <a:srgbClr val="9E9E9E"/>
-                      </a:solidFill>
-                      <a:prstDash val="solid"/>
-                      <a:round/>
-                      <a:headEnd type="none" w="med" len="med"/>
-                      <a:tailEnd type="none" w="med" len="med"/>
-                    </a:lnL>
-                    <a:lnR w="9525" cap="flat" cmpd="sng" algn="ctr">
-                      <a:solidFill>
-                        <a:srgbClr val="9E9E9E"/>
-                      </a:solidFill>
-                      <a:prstDash val="solid"/>
-                      <a:round/>
-                      <a:headEnd type="none" w="med" len="med"/>
-                      <a:tailEnd type="none" w="med" len="med"/>
-                    </a:lnR>
-                    <a:lnT w="9525" cap="flat" cmpd="sng" algn="ctr">
-                      <a:solidFill>
-                        <a:srgbClr val="9E9E9E"/>
-                      </a:solidFill>
-                      <a:prstDash val="solid"/>
-                      <a:round/>
-                      <a:headEnd type="none" w="med" len="med"/>
-                      <a:tailEnd type="none" w="med" len="med"/>
-                    </a:lnT>
-                    <a:lnB w="9525" cap="flat" cmpd="sng" algn="ctr">
-                      <a:solidFill>
-                        <a:srgbClr val="9E9E9E"/>
-                      </a:solidFill>
-                      <a:prstDash val="solid"/>
-                      <a:round/>
-                      <a:headEnd type="none" w="med" len="med"/>
-                      <a:tailEnd type="none" w="med" len="med"/>
-                    </a:lnB>
-                    <a:noFill/>
-                  </a:tcPr>
-                </a:tc>
-                <a:tc>
-                  <a:txBody>
-                    <a:bodyPr/>
-                    <a:lstStyle/>
-                    <a:p>
-                      <a:pPr algn="r" rtl="0" fontAlgn="ctr">
-                        <a:buNone/>
-                      </a:pPr>
-                      <a:r>
-                        <a:rPr lang="en-IN" sz="600" b="0" i="0" u="none" strike="noStrike" dirty="0">
-                          <a:solidFill>
-                            <a:schemeClr val="tx1"/>
-                          </a:solidFill>
-                          <a:effectLst/>
-                          <a:latin typeface="Calibri" panose="020F0502020204030204" pitchFamily="34" charset="0"/>
-                        </a:rPr>
-                        <a:t>{{revenue_fy28}}</a:t>
-                      </a:r>
-                      <a:endParaRPr lang="en-IN" dirty="0">
-                        <a:solidFill>
-                          <a:schemeClr val="tx1"/>
-                        </a:solidFill>
-                        <a:effectLst/>
-                      </a:endParaRPr>
-                    </a:p>
-                  </a:txBody>
-                  <a:tcPr marL="95250" marR="95250" marT="95250" marB="95250" anchor="ctr">
-                    <a:lnL w="9525" cap="flat" cmpd="sng" algn="ctr">
-                      <a:solidFill>
-                        <a:srgbClr val="9E9E9E"/>
-                      </a:solidFill>
-                      <a:prstDash val="solid"/>
-                      <a:round/>
-                      <a:headEnd type="none" w="med" len="med"/>
-                      <a:tailEnd type="none" w="med" len="med"/>
-                    </a:lnL>
-                    <a:lnR w="9525" cap="flat" cmpd="sng" algn="ctr">
-                      <a:solidFill>
-                        <a:srgbClr val="9E9E9E"/>
-                      </a:solidFill>
-                      <a:prstDash val="solid"/>
-                      <a:round/>
-                      <a:headEnd type="none" w="med" len="med"/>
-                      <a:tailEnd type="none" w="med" len="med"/>
-                    </a:lnR>
-                    <a:lnT w="9525" cap="flat" cmpd="sng" algn="ctr">
-                      <a:solidFill>
-                        <a:srgbClr val="9E9E9E"/>
-                      </a:solidFill>
-                      <a:prstDash val="solid"/>
-                      <a:round/>
-                      <a:headEnd type="none" w="med" len="med"/>
-                      <a:tailEnd type="none" w="med" len="med"/>
-                    </a:lnT>
-                    <a:lnB w="9525" cap="flat" cmpd="sng" algn="ctr">
-                      <a:solidFill>
-                        <a:srgbClr val="9E9E9E"/>
-                      </a:solidFill>
-                      <a:prstDash val="solid"/>
-                      <a:round/>
-                      <a:headEnd type="none" w="med" len="med"/>
-                      <a:tailEnd type="none" w="med" len="med"/>
-                    </a:lnB>
-                    <a:noFill/>
-                  </a:tcPr>
-                </a:tc>
-                <a:extLst>
-                  <a:ext uri="{0D108BD9-81ED-4DB2-BD59-A6C34878D82A}">
-                    <a16:rowId xmlns:a16="http://schemas.microsoft.com/office/drawing/2014/main" val="2155187740"/>
-                  </a:ext>
-                </a:extLst>
-              </a:tr>
-              <a:tr h="335300">
-                <a:tc>
-                  <a:txBody>
-                    <a:bodyPr/>
-                    <a:lstStyle/>
-                    <a:p>
-                      <a:pPr rtl="0" fontAlgn="t">
-                        <a:buNone/>
-                      </a:pPr>
-                      <a:r>
-                        <a:rPr lang="en-IN" sz="600" b="0" i="0" u="none" strike="noStrike" dirty="0">
-                          <a:solidFill>
-                            <a:schemeClr val="tx1"/>
-                          </a:solidFill>
-                          <a:effectLst/>
-                          <a:latin typeface="Calibri" panose="020F0502020204030204" pitchFamily="34" charset="0"/>
-                        </a:rPr>
-                        <a:t>YoY% growth</a:t>
-                      </a:r>
-                      <a:endParaRPr lang="en-IN" dirty="0">
-                        <a:solidFill>
-                          <a:schemeClr val="tx1"/>
-                        </a:solidFill>
-                        <a:effectLst/>
-                      </a:endParaRPr>
-                    </a:p>
-                  </a:txBody>
-                  <a:tcPr marL="95250" marR="95250" marT="95250" marB="95250">
-                    <a:lnL w="9525" cap="flat" cmpd="sng" algn="ctr">
-                      <a:solidFill>
-                        <a:srgbClr val="9E9E9E"/>
-                      </a:solidFill>
-                      <a:prstDash val="solid"/>
-                      <a:round/>
-                      <a:headEnd type="none" w="med" len="med"/>
-                      <a:tailEnd type="none" w="med" len="med"/>
-                    </a:lnL>
-                    <a:lnR w="9525" cap="flat" cmpd="sng" algn="ctr">
-                      <a:solidFill>
-                        <a:srgbClr val="9E9E9E"/>
-                      </a:solidFill>
-                      <a:prstDash val="solid"/>
-                      <a:round/>
-                      <a:headEnd type="none" w="med" len="med"/>
-                      <a:tailEnd type="none" w="med" len="med"/>
-                    </a:lnR>
-                    <a:lnT w="9525" cap="flat" cmpd="sng" algn="ctr">
-                      <a:solidFill>
-                        <a:srgbClr val="9E9E9E"/>
-                      </a:solidFill>
-                      <a:prstDash val="solid"/>
-                      <a:round/>
-                      <a:headEnd type="none" w="med" len="med"/>
-                      <a:tailEnd type="none" w="med" len="med"/>
-                    </a:lnT>
-                    <a:lnB w="9525" cap="flat" cmpd="sng" algn="ctr">
-                      <a:solidFill>
-                        <a:srgbClr val="9E9E9E"/>
-                      </a:solidFill>
-                      <a:prstDash val="solid"/>
-                      <a:round/>
-                      <a:headEnd type="none" w="med" len="med"/>
-                      <a:tailEnd type="none" w="med" len="med"/>
-                    </a:lnB>
-                    <a:solidFill>
-                      <a:srgbClr val="FFE5B4"/>
-                    </a:solidFill>
-                  </a:tcPr>
-                </a:tc>
-                <a:tc>
-                  <a:txBody>
-                    <a:bodyPr/>
-                    <a:lstStyle/>
-                    <a:p>
-                      <a:pPr algn="l" fontAlgn="base">
-                        <a:buNone/>
-                      </a:pPr>
-                      <a:r>
-                        <a:rPr lang="en-IN" sz="600" b="0" dirty="0">
-                          <a:solidFill>
-                            <a:schemeClr val="tx1"/>
-                          </a:solidFill>
-                          <a:effectLst/>
-                          <a:latin typeface="Calibri" panose="020F0502020204030204" pitchFamily="34" charset="0"/>
-                          <a:ea typeface="Calibri" panose="020F0502020204030204" pitchFamily="34" charset="0"/>
-                          <a:cs typeface="Calibri" panose="020F0502020204030204" pitchFamily="34" charset="0"/>
-                        </a:rPr>
-                        <a:t>{{sales_growth_fy24}}</a:t>
-                      </a:r>
-                    </a:p>
-                  </a:txBody>
-                  <a:tcPr anchor="ctr">
-                    <a:lnL w="9525" cap="flat" cmpd="sng" algn="ctr">
-                      <a:solidFill>
-                        <a:srgbClr val="9E9E9E"/>
-                      </a:solidFill>
-                      <a:prstDash val="solid"/>
-                      <a:round/>
-                      <a:headEnd type="none" w="med" len="med"/>
-                      <a:tailEnd type="none" w="med" len="med"/>
-                    </a:lnL>
-                    <a:lnR w="9525" cap="flat" cmpd="sng" algn="ctr">
-                      <a:solidFill>
-                        <a:srgbClr val="9E9E9E"/>
-                      </a:solidFill>
-                      <a:prstDash val="solid"/>
-                      <a:round/>
-                      <a:headEnd type="none" w="med" len="med"/>
-                      <a:tailEnd type="none" w="med" len="med"/>
-                    </a:lnR>
-                    <a:lnT w="9525" cap="flat" cmpd="sng" algn="ctr">
-                      <a:solidFill>
-                        <a:srgbClr val="9E9E9E"/>
-                      </a:solidFill>
-                      <a:prstDash val="solid"/>
-                      <a:round/>
-                      <a:headEnd type="none" w="med" len="med"/>
-                      <a:tailEnd type="none" w="med" len="med"/>
-                    </a:lnT>
-                    <a:lnB w="9525" cap="flat" cmpd="sng" algn="ctr">
-                      <a:solidFill>
-                        <a:srgbClr val="9E9E9E"/>
-                      </a:solidFill>
-                      <a:prstDash val="solid"/>
-                      <a:round/>
-                      <a:headEnd type="none" w="med" len="med"/>
-                      <a:tailEnd type="none" w="med" len="med"/>
-                    </a:lnB>
-                    <a:solidFill>
-                      <a:srgbClr val="FFE5B4"/>
-                    </a:solidFill>
-                  </a:tcPr>
-                </a:tc>
-                <a:tc>
-                  <a:txBody>
-                    <a:bodyPr/>
-                    <a:lstStyle/>
-                    <a:p>
-                      <a:pPr algn="l" fontAlgn="base">
-                        <a:buNone/>
-                      </a:pPr>
-                      <a:r>
-                        <a:rPr lang="en-IN" sz="600" b="0">
-                          <a:solidFill>
-                            <a:schemeClr val="tx1"/>
-                          </a:solidFill>
-                          <a:effectLst/>
-                          <a:latin typeface="Calibri" panose="020F0502020204030204" pitchFamily="34" charset="0"/>
-                          <a:ea typeface="Calibri" panose="020F0502020204030204" pitchFamily="34" charset="0"/>
-                          <a:cs typeface="Calibri" panose="020F0502020204030204" pitchFamily="34" charset="0"/>
-                        </a:rPr>
-                        <a:t>{{sales_growth_fy25}}</a:t>
-                      </a:r>
-                    </a:p>
-                  </a:txBody>
-                  <a:tcPr anchor="ctr">
-                    <a:lnL w="9525" cap="flat" cmpd="sng" algn="ctr">
-                      <a:solidFill>
-                        <a:srgbClr val="9E9E9E"/>
-                      </a:solidFill>
-                      <a:prstDash val="solid"/>
-                      <a:round/>
-                      <a:headEnd type="none" w="med" len="med"/>
-                      <a:tailEnd type="none" w="med" len="med"/>
-                    </a:lnL>
-                    <a:lnR w="9525" cap="flat" cmpd="sng" algn="ctr">
-                      <a:solidFill>
-                        <a:srgbClr val="9E9E9E"/>
-                      </a:solidFill>
-                      <a:prstDash val="solid"/>
-                      <a:round/>
-                      <a:headEnd type="none" w="med" len="med"/>
-                      <a:tailEnd type="none" w="med" len="med"/>
-                    </a:lnR>
-                    <a:lnT w="9525" cap="flat" cmpd="sng" algn="ctr">
-                      <a:solidFill>
-                        <a:srgbClr val="9E9E9E"/>
-                      </a:solidFill>
-                      <a:prstDash val="solid"/>
-                      <a:round/>
-                      <a:headEnd type="none" w="med" len="med"/>
-                      <a:tailEnd type="none" w="med" len="med"/>
-                    </a:lnT>
-                    <a:lnB w="9525" cap="flat" cmpd="sng" algn="ctr">
-                      <a:solidFill>
-                        <a:srgbClr val="9E9E9E"/>
-                      </a:solidFill>
-                      <a:prstDash val="solid"/>
-                      <a:round/>
-                      <a:headEnd type="none" w="med" len="med"/>
-                      <a:tailEnd type="none" w="med" len="med"/>
-                    </a:lnB>
-                    <a:solidFill>
-                      <a:srgbClr val="FFE5B4"/>
-                    </a:solidFill>
-                  </a:tcPr>
-                </a:tc>
-                <a:tc>
-                  <a:txBody>
-                    <a:bodyPr/>
-                    <a:lstStyle/>
-                    <a:p>
-                      <a:pPr algn="l" fontAlgn="base">
-                        <a:buNone/>
-                      </a:pPr>
-                      <a:r>
-                        <a:rPr lang="en-IN" sz="600" b="0" dirty="0">
-                          <a:solidFill>
-                            <a:schemeClr val="tx1"/>
-                          </a:solidFill>
-                          <a:effectLst/>
-                          <a:latin typeface="Calibri" panose="020F0502020204030204" pitchFamily="34" charset="0"/>
-                          <a:ea typeface="Calibri" panose="020F0502020204030204" pitchFamily="34" charset="0"/>
-                          <a:cs typeface="Calibri" panose="020F0502020204030204" pitchFamily="34" charset="0"/>
-                        </a:rPr>
-                        <a:t>{{sales_growth_fy26}}</a:t>
-                      </a:r>
-                    </a:p>
-                  </a:txBody>
-                  <a:tcPr anchor="ctr">
-                    <a:lnL w="9525" cap="flat" cmpd="sng" algn="ctr">
-                      <a:solidFill>
-                        <a:srgbClr val="9E9E9E"/>
-                      </a:solidFill>
-                      <a:prstDash val="solid"/>
-                      <a:round/>
-                      <a:headEnd type="none" w="med" len="med"/>
-                      <a:tailEnd type="none" w="med" len="med"/>
-                    </a:lnL>
-                    <a:lnR w="9525" cap="flat" cmpd="sng" algn="ctr">
-                      <a:solidFill>
-                        <a:srgbClr val="9E9E9E"/>
-                      </a:solidFill>
-                      <a:prstDash val="solid"/>
-                      <a:round/>
-                      <a:headEnd type="none" w="med" len="med"/>
-                      <a:tailEnd type="none" w="med" len="med"/>
-                    </a:lnR>
-                    <a:lnT w="9525" cap="flat" cmpd="sng" algn="ctr">
-                      <a:solidFill>
-                        <a:srgbClr val="9E9E9E"/>
-                      </a:solidFill>
-                      <a:prstDash val="solid"/>
-                      <a:round/>
-                      <a:headEnd type="none" w="med" len="med"/>
-                      <a:tailEnd type="none" w="med" len="med"/>
-                    </a:lnT>
-                    <a:lnB w="9525" cap="flat" cmpd="sng" algn="ctr">
-                      <a:solidFill>
-                        <a:srgbClr val="9E9E9E"/>
-                      </a:solidFill>
-                      <a:prstDash val="solid"/>
-                      <a:round/>
-                      <a:headEnd type="none" w="med" len="med"/>
-                      <a:tailEnd type="none" w="med" len="med"/>
-                    </a:lnB>
-                    <a:solidFill>
-                      <a:srgbClr val="FFE5B4"/>
-                    </a:solidFill>
-                  </a:tcPr>
-                </a:tc>
-                <a:tc>
-                  <a:txBody>
-                    <a:bodyPr/>
-                    <a:lstStyle/>
-                    <a:p>
-                      <a:pPr algn="l" fontAlgn="base">
-                        <a:buNone/>
-                      </a:pPr>
-                      <a:r>
-                        <a:rPr lang="en-IN" sz="600" b="0" dirty="0">
-                          <a:solidFill>
-                            <a:schemeClr val="tx1"/>
-                          </a:solidFill>
-                          <a:effectLst/>
-                          <a:latin typeface="Calibri" panose="020F0502020204030204" pitchFamily="34" charset="0"/>
-                          <a:ea typeface="Calibri" panose="020F0502020204030204" pitchFamily="34" charset="0"/>
-                          <a:cs typeface="Calibri" panose="020F0502020204030204" pitchFamily="34" charset="0"/>
-                        </a:rPr>
-                        <a:t>{{sales_growth_fy27}}</a:t>
-                      </a:r>
-                    </a:p>
-                  </a:txBody>
-                  <a:tcPr anchor="ctr">
-                    <a:lnL w="9525" cap="flat" cmpd="sng" algn="ctr">
-                      <a:solidFill>
-                        <a:srgbClr val="9E9E9E"/>
-                      </a:solidFill>
-                      <a:prstDash val="solid"/>
-                      <a:round/>
-                      <a:headEnd type="none" w="med" len="med"/>
-                      <a:tailEnd type="none" w="med" len="med"/>
-                    </a:lnL>
-                    <a:lnR w="9525" cap="flat" cmpd="sng" algn="ctr">
-                      <a:solidFill>
-                        <a:srgbClr val="9E9E9E"/>
-                      </a:solidFill>
-                      <a:prstDash val="solid"/>
-                      <a:round/>
-                      <a:headEnd type="none" w="med" len="med"/>
-                      <a:tailEnd type="none" w="med" len="med"/>
-                    </a:lnR>
-                    <a:lnT w="9525" cap="flat" cmpd="sng" algn="ctr">
-                      <a:solidFill>
-                        <a:srgbClr val="9E9E9E"/>
-                      </a:solidFill>
-                      <a:prstDash val="solid"/>
-                      <a:round/>
-                      <a:headEnd type="none" w="med" len="med"/>
-                      <a:tailEnd type="none" w="med" len="med"/>
-                    </a:lnT>
-                    <a:lnB w="9525" cap="flat" cmpd="sng" algn="ctr">
-                      <a:solidFill>
-                        <a:srgbClr val="9E9E9E"/>
-                      </a:solidFill>
-                      <a:prstDash val="solid"/>
-                      <a:round/>
-                      <a:headEnd type="none" w="med" len="med"/>
-                      <a:tailEnd type="none" w="med" len="med"/>
-                    </a:lnB>
-                    <a:solidFill>
-                      <a:srgbClr val="FFE5B4"/>
-                    </a:solidFill>
-                  </a:tcPr>
-                </a:tc>
-                <a:tc>
-                  <a:txBody>
-                    <a:bodyPr/>
-                    <a:lstStyle/>
-                    <a:p>
-                      <a:pPr algn="l" fontAlgn="base">
-                        <a:buNone/>
-                      </a:pPr>
-                      <a:r>
-                        <a:rPr lang="en-IN" sz="600" b="0" dirty="0">
-                          <a:solidFill>
-                            <a:schemeClr val="tx1"/>
-                          </a:solidFill>
-                          <a:effectLst/>
-                          <a:latin typeface="Calibri" panose="020F0502020204030204" pitchFamily="34" charset="0"/>
-                          <a:ea typeface="Calibri" panose="020F0502020204030204" pitchFamily="34" charset="0"/>
-                          <a:cs typeface="Calibri" panose="020F0502020204030204" pitchFamily="34" charset="0"/>
-                        </a:rPr>
-                        <a:t>{{sales_growth_fy28}}</a:t>
-                      </a:r>
-                    </a:p>
-                  </a:txBody>
-                  <a:tcPr anchor="ctr">
-                    <a:lnL w="9525" cap="flat" cmpd="sng" algn="ctr">
-                      <a:solidFill>
-                        <a:srgbClr val="9E9E9E"/>
-                      </a:solidFill>
-                      <a:prstDash val="solid"/>
-                      <a:round/>
-                      <a:headEnd type="none" w="med" len="med"/>
-                      <a:tailEnd type="none" w="med" len="med"/>
-                    </a:lnL>
-                    <a:lnR w="9525" cap="flat" cmpd="sng" algn="ctr">
-                      <a:solidFill>
-                        <a:srgbClr val="9E9E9E"/>
-                      </a:solidFill>
-                      <a:prstDash val="solid"/>
-                      <a:round/>
-                      <a:headEnd type="none" w="med" len="med"/>
-                      <a:tailEnd type="none" w="med" len="med"/>
-                    </a:lnR>
-                    <a:lnT w="9525" cap="flat" cmpd="sng" algn="ctr">
-                      <a:solidFill>
-                        <a:srgbClr val="9E9E9E"/>
-                      </a:solidFill>
-                      <a:prstDash val="solid"/>
-                      <a:round/>
-                      <a:headEnd type="none" w="med" len="med"/>
-                      <a:tailEnd type="none" w="med" len="med"/>
-                    </a:lnT>
-                    <a:lnB w="9525" cap="flat" cmpd="sng" algn="ctr">
-                      <a:solidFill>
-                        <a:srgbClr val="9E9E9E"/>
-                      </a:solidFill>
-                      <a:prstDash val="solid"/>
-                      <a:round/>
-                      <a:headEnd type="none" w="med" len="med"/>
-                      <a:tailEnd type="none" w="med" len="med"/>
-                    </a:lnB>
-                    <a:solidFill>
-                      <a:srgbClr val="FFE5B4"/>
-                    </a:solidFill>
-                  </a:tcPr>
-                </a:tc>
-                <a:extLst>
-                  <a:ext uri="{0D108BD9-81ED-4DB2-BD59-A6C34878D82A}">
-                    <a16:rowId xmlns:a16="http://schemas.microsoft.com/office/drawing/2014/main" val="1902421968"/>
-                  </a:ext>
-                </a:extLst>
-              </a:tr>
-              <a:tr h="273457">
-                <a:tc>
-                  <a:txBody>
-                    <a:bodyPr/>
-                    <a:lstStyle/>
-                    <a:p>
-                      <a:pPr rtl="0" fontAlgn="t">
-                        <a:buNone/>
-                      </a:pPr>
-                      <a:r>
-                        <a:rPr lang="en-IN" sz="600" b="0" i="0" u="none" strike="noStrike">
-                          <a:solidFill>
-                            <a:schemeClr val="tx1"/>
-                          </a:solidFill>
-                          <a:effectLst/>
-                          <a:latin typeface="Calibri" panose="020F0502020204030204" pitchFamily="34" charset="0"/>
-                        </a:rPr>
-                        <a:t>EBITDA</a:t>
-                      </a:r>
-                      <a:endParaRPr lang="en-IN">
-                        <a:solidFill>
-                          <a:schemeClr val="tx1"/>
-                        </a:solidFill>
-                        <a:effectLst/>
-                      </a:endParaRPr>
-                    </a:p>
-                  </a:txBody>
-                  <a:tcPr marL="95250" marR="95250" marT="95250" marB="95250">
-                    <a:lnL w="9525" cap="flat" cmpd="sng" algn="ctr">
-                      <a:solidFill>
-                        <a:srgbClr val="9E9E9E"/>
-                      </a:solidFill>
-                      <a:prstDash val="solid"/>
-                      <a:round/>
-                      <a:headEnd type="none" w="med" len="med"/>
-                      <a:tailEnd type="none" w="med" len="med"/>
-                    </a:lnL>
-                    <a:lnR w="9525" cap="flat" cmpd="sng" algn="ctr">
-                      <a:solidFill>
-                        <a:srgbClr val="9E9E9E"/>
-                      </a:solidFill>
-                      <a:prstDash val="solid"/>
-                      <a:round/>
-                      <a:headEnd type="none" w="med" len="med"/>
-                      <a:tailEnd type="none" w="med" len="med"/>
-                    </a:lnR>
-                    <a:lnT w="9525" cap="flat" cmpd="sng" algn="ctr">
-                      <a:solidFill>
-                        <a:srgbClr val="9E9E9E"/>
-                      </a:solidFill>
-                      <a:prstDash val="solid"/>
-                      <a:round/>
-                      <a:headEnd type="none" w="med" len="med"/>
-                      <a:tailEnd type="none" w="med" len="med"/>
-                    </a:lnT>
-                    <a:lnB w="9525" cap="flat" cmpd="sng" algn="ctr">
-                      <a:solidFill>
-                        <a:srgbClr val="9E9E9E"/>
-                      </a:solidFill>
-                      <a:prstDash val="solid"/>
-                      <a:round/>
-                      <a:headEnd type="none" w="med" len="med"/>
-                      <a:tailEnd type="none" w="med" len="med"/>
-                    </a:lnB>
-                    <a:noFill/>
-                  </a:tcPr>
-                </a:tc>
-                <a:tc>
-                  <a:txBody>
-                    <a:bodyPr/>
-                    <a:lstStyle/>
-                    <a:p>
-                      <a:pPr algn="l" fontAlgn="base">
-                        <a:buNone/>
-                      </a:pPr>
-                      <a:r>
-                        <a:rPr lang="en-IN" sz="600" b="0">
-                          <a:solidFill>
-                            <a:schemeClr val="tx1"/>
-                          </a:solidFill>
-                          <a:effectLst/>
-                          <a:latin typeface="Calibri" panose="020F0502020204030204" pitchFamily="34" charset="0"/>
-                          <a:ea typeface="Calibri" panose="020F0502020204030204" pitchFamily="34" charset="0"/>
-                          <a:cs typeface="Calibri" panose="020F0502020204030204" pitchFamily="34" charset="0"/>
-                        </a:rPr>
-                        <a:t>{{ebitda_fy24}}</a:t>
-                      </a:r>
-                    </a:p>
-                  </a:txBody>
-                  <a:tcPr anchor="ctr">
-                    <a:lnL w="9525" cap="flat" cmpd="sng" algn="ctr">
-                      <a:solidFill>
-                        <a:srgbClr val="9E9E9E"/>
-                      </a:solidFill>
-                      <a:prstDash val="solid"/>
-                      <a:round/>
-                      <a:headEnd type="none" w="med" len="med"/>
-                      <a:tailEnd type="none" w="med" len="med"/>
-                    </a:lnL>
-                    <a:lnR w="9525" cap="flat" cmpd="sng" algn="ctr">
-                      <a:solidFill>
-                        <a:srgbClr val="9E9E9E"/>
-                      </a:solidFill>
-                      <a:prstDash val="solid"/>
-                      <a:round/>
-                      <a:headEnd type="none" w="med" len="med"/>
-                      <a:tailEnd type="none" w="med" len="med"/>
-                    </a:lnR>
-                    <a:lnT w="9525" cap="flat" cmpd="sng" algn="ctr">
-                      <a:solidFill>
-                        <a:srgbClr val="9E9E9E"/>
-                      </a:solidFill>
-                      <a:prstDash val="solid"/>
-                      <a:round/>
-                      <a:headEnd type="none" w="med" len="med"/>
-                      <a:tailEnd type="none" w="med" len="med"/>
-                    </a:lnT>
-                    <a:lnB w="9525" cap="flat" cmpd="sng" algn="ctr">
-                      <a:solidFill>
-                        <a:srgbClr val="9E9E9E"/>
-                      </a:solidFill>
-                      <a:prstDash val="solid"/>
-                      <a:round/>
-                      <a:headEnd type="none" w="med" len="med"/>
-                      <a:tailEnd type="none" w="med" len="med"/>
-                    </a:lnB>
-                    <a:noFill/>
-                  </a:tcPr>
-                </a:tc>
-                <a:tc>
-                  <a:txBody>
-                    <a:bodyPr/>
-                    <a:lstStyle/>
-                    <a:p>
-                      <a:pPr algn="l" fontAlgn="base">
-                        <a:buNone/>
-                      </a:pPr>
-                      <a:r>
-                        <a:rPr lang="en-IN" sz="600" b="0">
-                          <a:solidFill>
-                            <a:schemeClr val="tx1"/>
-                          </a:solidFill>
-                          <a:effectLst/>
-                          <a:latin typeface="Calibri" panose="020F0502020204030204" pitchFamily="34" charset="0"/>
-                          <a:ea typeface="Calibri" panose="020F0502020204030204" pitchFamily="34" charset="0"/>
-                          <a:cs typeface="Calibri" panose="020F0502020204030204" pitchFamily="34" charset="0"/>
-                        </a:rPr>
-                        <a:t>{{ebitda_fy25}}</a:t>
-                      </a:r>
-                    </a:p>
-                  </a:txBody>
-                  <a:tcPr anchor="ctr">
-                    <a:lnL w="9525" cap="flat" cmpd="sng" algn="ctr">
-                      <a:solidFill>
-                        <a:srgbClr val="9E9E9E"/>
-                      </a:solidFill>
-                      <a:prstDash val="solid"/>
-                      <a:round/>
-                      <a:headEnd type="none" w="med" len="med"/>
-                      <a:tailEnd type="none" w="med" len="med"/>
-                    </a:lnL>
-                    <a:lnR w="9525" cap="flat" cmpd="sng" algn="ctr">
-                      <a:solidFill>
-                        <a:srgbClr val="9E9E9E"/>
-                      </a:solidFill>
-                      <a:prstDash val="solid"/>
-                      <a:round/>
-                      <a:headEnd type="none" w="med" len="med"/>
-                      <a:tailEnd type="none" w="med" len="med"/>
-                    </a:lnR>
-                    <a:lnT w="9525" cap="flat" cmpd="sng" algn="ctr">
-                      <a:solidFill>
-                        <a:srgbClr val="9E9E9E"/>
-                      </a:solidFill>
-                      <a:prstDash val="solid"/>
-                      <a:round/>
-                      <a:headEnd type="none" w="med" len="med"/>
-                      <a:tailEnd type="none" w="med" len="med"/>
-                    </a:lnT>
-                    <a:lnB w="9525" cap="flat" cmpd="sng" algn="ctr">
-                      <a:solidFill>
-                        <a:srgbClr val="9E9E9E"/>
-                      </a:solidFill>
-                      <a:prstDash val="solid"/>
-                      <a:round/>
-                      <a:headEnd type="none" w="med" len="med"/>
-                      <a:tailEnd type="none" w="med" len="med"/>
-                    </a:lnB>
-                    <a:noFill/>
-                  </a:tcPr>
-                </a:tc>
-                <a:tc>
-                  <a:txBody>
-                    <a:bodyPr/>
-                    <a:lstStyle/>
-                    <a:p>
-                      <a:pPr algn="l" fontAlgn="base">
-                        <a:buNone/>
-                      </a:pPr>
-                      <a:r>
-                        <a:rPr lang="en-IN" sz="600" b="0">
-                          <a:solidFill>
-                            <a:schemeClr val="tx1"/>
-                          </a:solidFill>
-                          <a:effectLst/>
-                          <a:latin typeface="Calibri" panose="020F0502020204030204" pitchFamily="34" charset="0"/>
-                          <a:ea typeface="Calibri" panose="020F0502020204030204" pitchFamily="34" charset="0"/>
-                          <a:cs typeface="Calibri" panose="020F0502020204030204" pitchFamily="34" charset="0"/>
-                        </a:rPr>
-                        <a:t>{{ebitda_fy26}}</a:t>
-                      </a:r>
-                    </a:p>
-                  </a:txBody>
-                  <a:tcPr anchor="ctr">
-                    <a:lnL w="9525" cap="flat" cmpd="sng" algn="ctr">
-                      <a:solidFill>
-                        <a:srgbClr val="9E9E9E"/>
-                      </a:solidFill>
-                      <a:prstDash val="solid"/>
-                      <a:round/>
-                      <a:headEnd type="none" w="med" len="med"/>
-                      <a:tailEnd type="none" w="med" len="med"/>
-                    </a:lnL>
-                    <a:lnR w="9525" cap="flat" cmpd="sng" algn="ctr">
-                      <a:solidFill>
-                        <a:srgbClr val="9E9E9E"/>
-                      </a:solidFill>
-                      <a:prstDash val="solid"/>
-                      <a:round/>
-                      <a:headEnd type="none" w="med" len="med"/>
-                      <a:tailEnd type="none" w="med" len="med"/>
-                    </a:lnR>
-                    <a:lnT w="9525" cap="flat" cmpd="sng" algn="ctr">
-                      <a:solidFill>
-                        <a:srgbClr val="9E9E9E"/>
-                      </a:solidFill>
-                      <a:prstDash val="solid"/>
-                      <a:round/>
-                      <a:headEnd type="none" w="med" len="med"/>
-                      <a:tailEnd type="none" w="med" len="med"/>
-                    </a:lnT>
-                    <a:lnB w="9525" cap="flat" cmpd="sng" algn="ctr">
-                      <a:solidFill>
-                        <a:srgbClr val="9E9E9E"/>
-                      </a:solidFill>
-                      <a:prstDash val="solid"/>
-                      <a:round/>
-                      <a:headEnd type="none" w="med" len="med"/>
-                      <a:tailEnd type="none" w="med" len="med"/>
-                    </a:lnB>
-                    <a:noFill/>
-                  </a:tcPr>
-                </a:tc>
-                <a:tc>
-                  <a:txBody>
-                    <a:bodyPr/>
-                    <a:lstStyle/>
-                    <a:p>
-                      <a:pPr algn="l" fontAlgn="base">
-                        <a:buNone/>
-                      </a:pPr>
-                      <a:r>
-                        <a:rPr lang="en-IN" sz="600" b="0">
-                          <a:solidFill>
-                            <a:schemeClr val="tx1"/>
-                          </a:solidFill>
-                          <a:effectLst/>
-                          <a:latin typeface="Calibri" panose="020F0502020204030204" pitchFamily="34" charset="0"/>
-                          <a:ea typeface="Calibri" panose="020F0502020204030204" pitchFamily="34" charset="0"/>
-                          <a:cs typeface="Calibri" panose="020F0502020204030204" pitchFamily="34" charset="0"/>
-                        </a:rPr>
-                        <a:t>{{ebitda_fy27}}</a:t>
-                      </a:r>
-                    </a:p>
-                  </a:txBody>
-                  <a:tcPr anchor="ctr">
-                    <a:lnL w="9525" cap="flat" cmpd="sng" algn="ctr">
-                      <a:solidFill>
-                        <a:srgbClr val="9E9E9E"/>
-                      </a:solidFill>
-                      <a:prstDash val="solid"/>
-                      <a:round/>
-                      <a:headEnd type="none" w="med" len="med"/>
-                      <a:tailEnd type="none" w="med" len="med"/>
-                    </a:lnL>
-                    <a:lnR w="9525" cap="flat" cmpd="sng" algn="ctr">
-                      <a:solidFill>
-                        <a:srgbClr val="9E9E9E"/>
-                      </a:solidFill>
-                      <a:prstDash val="solid"/>
-                      <a:round/>
-                      <a:headEnd type="none" w="med" len="med"/>
-                      <a:tailEnd type="none" w="med" len="med"/>
-                    </a:lnR>
-                    <a:lnT w="9525" cap="flat" cmpd="sng" algn="ctr">
-                      <a:solidFill>
-                        <a:srgbClr val="9E9E9E"/>
-                      </a:solidFill>
-                      <a:prstDash val="solid"/>
-                      <a:round/>
-                      <a:headEnd type="none" w="med" len="med"/>
-                      <a:tailEnd type="none" w="med" len="med"/>
-                    </a:lnT>
-                    <a:lnB w="9525" cap="flat" cmpd="sng" algn="ctr">
-                      <a:solidFill>
-                        <a:srgbClr val="9E9E9E"/>
-                      </a:solidFill>
-                      <a:prstDash val="solid"/>
-                      <a:round/>
-                      <a:headEnd type="none" w="med" len="med"/>
-                      <a:tailEnd type="none" w="med" len="med"/>
-                    </a:lnB>
-                    <a:noFill/>
-                  </a:tcPr>
-                </a:tc>
-                <a:tc>
-                  <a:txBody>
-                    <a:bodyPr/>
-                    <a:lstStyle/>
-                    <a:p>
-                      <a:pPr algn="l" fontAlgn="base">
-                        <a:buNone/>
-                      </a:pPr>
-                      <a:r>
-                        <a:rPr lang="en-IN" sz="600" b="0" dirty="0">
-                          <a:solidFill>
-                            <a:schemeClr val="tx1"/>
-                          </a:solidFill>
-                          <a:effectLst/>
-                          <a:latin typeface="Calibri" panose="020F0502020204030204" pitchFamily="34" charset="0"/>
-                          <a:ea typeface="Calibri" panose="020F0502020204030204" pitchFamily="34" charset="0"/>
-                          <a:cs typeface="Calibri" panose="020F0502020204030204" pitchFamily="34" charset="0"/>
-                        </a:rPr>
-                        <a:t>{{ebitda_fy28}}</a:t>
-                      </a:r>
-                    </a:p>
-                  </a:txBody>
-                  <a:tcPr anchor="ctr">
-                    <a:lnL w="9525" cap="flat" cmpd="sng" algn="ctr">
-                      <a:solidFill>
-                        <a:srgbClr val="9E9E9E"/>
-                      </a:solidFill>
-                      <a:prstDash val="solid"/>
-                      <a:round/>
-                      <a:headEnd type="none" w="med" len="med"/>
-                      <a:tailEnd type="none" w="med" len="med"/>
-                    </a:lnL>
-                    <a:lnR w="9525" cap="flat" cmpd="sng" algn="ctr">
-                      <a:solidFill>
-                        <a:srgbClr val="9E9E9E"/>
-                      </a:solidFill>
-                      <a:prstDash val="solid"/>
-                      <a:round/>
-                      <a:headEnd type="none" w="med" len="med"/>
-                      <a:tailEnd type="none" w="med" len="med"/>
-                    </a:lnR>
-                    <a:lnT w="9525" cap="flat" cmpd="sng" algn="ctr">
-                      <a:solidFill>
-                        <a:srgbClr val="9E9E9E"/>
-                      </a:solidFill>
-                      <a:prstDash val="solid"/>
-                      <a:round/>
-                      <a:headEnd type="none" w="med" len="med"/>
-                      <a:tailEnd type="none" w="med" len="med"/>
-                    </a:lnT>
-                    <a:lnB w="9525" cap="flat" cmpd="sng" algn="ctr">
-                      <a:solidFill>
-                        <a:srgbClr val="9E9E9E"/>
-                      </a:solidFill>
-                      <a:prstDash val="solid"/>
-                      <a:round/>
-                      <a:headEnd type="none" w="med" len="med"/>
-                      <a:tailEnd type="none" w="med" len="med"/>
-                    </a:lnB>
-                    <a:noFill/>
-                  </a:tcPr>
-                </a:tc>
-                <a:extLst>
-                  <a:ext uri="{0D108BD9-81ED-4DB2-BD59-A6C34878D82A}">
-                    <a16:rowId xmlns:a16="http://schemas.microsoft.com/office/drawing/2014/main" val="954158347"/>
-                  </a:ext>
-                </a:extLst>
-              </a:tr>
-              <a:tr h="335300">
-                <a:tc>
-                  <a:txBody>
-                    <a:bodyPr/>
-                    <a:lstStyle/>
-                    <a:p>
-                      <a:pPr rtl="0" fontAlgn="t">
-                        <a:buNone/>
-                      </a:pPr>
-                      <a:r>
-                        <a:rPr lang="en-IN" sz="600" b="0" i="0" u="none" strike="noStrike" dirty="0">
-                          <a:solidFill>
-                            <a:schemeClr val="tx1"/>
-                          </a:solidFill>
-                          <a:effectLst/>
-                          <a:latin typeface="Calibri" panose="020F0502020204030204" pitchFamily="34" charset="0"/>
-                        </a:rPr>
-                        <a:t>% Margin</a:t>
-                      </a:r>
-                      <a:endParaRPr lang="en-IN" dirty="0">
-                        <a:solidFill>
-                          <a:schemeClr val="tx1"/>
-                        </a:solidFill>
-                        <a:effectLst/>
-                      </a:endParaRPr>
-                    </a:p>
-                  </a:txBody>
-                  <a:tcPr marL="95250" marR="95250" marT="95250" marB="95250">
-                    <a:lnL w="9525" cap="flat" cmpd="sng" algn="ctr">
-                      <a:solidFill>
-                        <a:srgbClr val="9E9E9E"/>
-                      </a:solidFill>
-                      <a:prstDash val="solid"/>
-                      <a:round/>
-                      <a:headEnd type="none" w="med" len="med"/>
-                      <a:tailEnd type="none" w="med" len="med"/>
-                    </a:lnL>
-                    <a:lnR w="9525" cap="flat" cmpd="sng" algn="ctr">
-                      <a:solidFill>
-                        <a:srgbClr val="9E9E9E"/>
-                      </a:solidFill>
-                      <a:prstDash val="solid"/>
-                      <a:round/>
-                      <a:headEnd type="none" w="med" len="med"/>
-                      <a:tailEnd type="none" w="med" len="med"/>
-                    </a:lnR>
-                    <a:lnT w="9525" cap="flat" cmpd="sng" algn="ctr">
-                      <a:solidFill>
-                        <a:srgbClr val="9E9E9E"/>
-                      </a:solidFill>
-                      <a:prstDash val="solid"/>
-                      <a:round/>
-                      <a:headEnd type="none" w="med" len="med"/>
-                      <a:tailEnd type="none" w="med" len="med"/>
-                    </a:lnT>
-                    <a:lnB w="9525" cap="flat" cmpd="sng" algn="ctr">
-                      <a:solidFill>
-                        <a:srgbClr val="9E9E9E"/>
-                      </a:solidFill>
-                      <a:prstDash val="solid"/>
-                      <a:round/>
-                      <a:headEnd type="none" w="med" len="med"/>
-                      <a:tailEnd type="none" w="med" len="med"/>
-                    </a:lnB>
-                    <a:solidFill>
-                      <a:srgbClr val="FFE5B4"/>
-                    </a:solidFill>
-                  </a:tcPr>
-                </a:tc>
-                <a:tc>
-                  <a:txBody>
-                    <a:bodyPr/>
-                    <a:lstStyle/>
-                    <a:p>
-                      <a:pPr algn="l" fontAlgn="base">
-                        <a:buNone/>
-                      </a:pPr>
-                      <a:r>
-                        <a:rPr lang="en-IN" sz="600" b="0" dirty="0">
-                          <a:solidFill>
-                            <a:schemeClr val="tx1"/>
-                          </a:solidFill>
-                          <a:effectLst/>
-                          <a:latin typeface="Calibri" panose="020F0502020204030204" pitchFamily="34" charset="0"/>
-                          <a:ea typeface="Calibri" panose="020F0502020204030204" pitchFamily="34" charset="0"/>
-                          <a:cs typeface="Calibri" panose="020F0502020204030204" pitchFamily="34" charset="0"/>
-                        </a:rPr>
-                        <a:t>{{ebitda_margin_fy24}}</a:t>
-                      </a:r>
-                    </a:p>
-                  </a:txBody>
-                  <a:tcPr anchor="ctr">
-                    <a:lnL w="9525" cap="flat" cmpd="sng" algn="ctr">
-                      <a:solidFill>
-                        <a:srgbClr val="9E9E9E"/>
-                      </a:solidFill>
-                      <a:prstDash val="solid"/>
-                      <a:round/>
-                      <a:headEnd type="none" w="med" len="med"/>
-                      <a:tailEnd type="none" w="med" len="med"/>
-                    </a:lnL>
-                    <a:lnR w="9525" cap="flat" cmpd="sng" algn="ctr">
-                      <a:solidFill>
-                        <a:srgbClr val="9E9E9E"/>
-                      </a:solidFill>
-                      <a:prstDash val="solid"/>
-                      <a:round/>
-                      <a:headEnd type="none" w="med" len="med"/>
-                      <a:tailEnd type="none" w="med" len="med"/>
-                    </a:lnR>
-                    <a:lnT w="9525" cap="flat" cmpd="sng" algn="ctr">
-                      <a:solidFill>
-                        <a:srgbClr val="9E9E9E"/>
-                      </a:solidFill>
-                      <a:prstDash val="solid"/>
-                      <a:round/>
-                      <a:headEnd type="none" w="med" len="med"/>
-                      <a:tailEnd type="none" w="med" len="med"/>
-                    </a:lnT>
-                    <a:lnB w="9525" cap="flat" cmpd="sng" algn="ctr">
-                      <a:solidFill>
-                        <a:srgbClr val="9E9E9E"/>
-                      </a:solidFill>
-                      <a:prstDash val="solid"/>
-                      <a:round/>
-                      <a:headEnd type="none" w="med" len="med"/>
-                      <a:tailEnd type="none" w="med" len="med"/>
-                    </a:lnB>
-                    <a:solidFill>
-                      <a:srgbClr val="FFE5B4"/>
-                    </a:solidFill>
-                  </a:tcPr>
-                </a:tc>
-                <a:tc>
-                  <a:txBody>
-                    <a:bodyPr/>
-                    <a:lstStyle/>
-                    <a:p>
-                      <a:pPr algn="l" fontAlgn="base">
-                        <a:buNone/>
-                      </a:pPr>
-                      <a:r>
-                        <a:rPr lang="en-IN" sz="600" b="0">
-                          <a:solidFill>
-                            <a:schemeClr val="tx1"/>
-                          </a:solidFill>
-                          <a:effectLst/>
-                          <a:latin typeface="Calibri" panose="020F0502020204030204" pitchFamily="34" charset="0"/>
-                          <a:ea typeface="Calibri" panose="020F0502020204030204" pitchFamily="34" charset="0"/>
-                          <a:cs typeface="Calibri" panose="020F0502020204030204" pitchFamily="34" charset="0"/>
-                        </a:rPr>
-                        <a:t>{{ebitda_margin_fy25}}</a:t>
-                      </a:r>
-                    </a:p>
-                  </a:txBody>
-                  <a:tcPr anchor="ctr">
-                    <a:lnL w="9525" cap="flat" cmpd="sng" algn="ctr">
-                      <a:solidFill>
-                        <a:srgbClr val="9E9E9E"/>
-                      </a:solidFill>
-                      <a:prstDash val="solid"/>
-                      <a:round/>
-                      <a:headEnd type="none" w="med" len="med"/>
-                      <a:tailEnd type="none" w="med" len="med"/>
-                    </a:lnL>
-                    <a:lnR w="9525" cap="flat" cmpd="sng" algn="ctr">
-                      <a:solidFill>
-                        <a:srgbClr val="9E9E9E"/>
-                      </a:solidFill>
-                      <a:prstDash val="solid"/>
-                      <a:round/>
-                      <a:headEnd type="none" w="med" len="med"/>
-                      <a:tailEnd type="none" w="med" len="med"/>
-                    </a:lnR>
-                    <a:lnT w="9525" cap="flat" cmpd="sng" algn="ctr">
-                      <a:solidFill>
-                        <a:srgbClr val="9E9E9E"/>
-                      </a:solidFill>
-                      <a:prstDash val="solid"/>
-                      <a:round/>
-                      <a:headEnd type="none" w="med" len="med"/>
-                      <a:tailEnd type="none" w="med" len="med"/>
-                    </a:lnT>
-                    <a:lnB w="9525" cap="flat" cmpd="sng" algn="ctr">
-                      <a:solidFill>
-                        <a:srgbClr val="9E9E9E"/>
-                      </a:solidFill>
-                      <a:prstDash val="solid"/>
-                      <a:round/>
-                      <a:headEnd type="none" w="med" len="med"/>
-                      <a:tailEnd type="none" w="med" len="med"/>
-                    </a:lnB>
-                    <a:solidFill>
-                      <a:srgbClr val="FFE5B4"/>
-                    </a:solidFill>
-                  </a:tcPr>
-                </a:tc>
-                <a:tc>
-                  <a:txBody>
-                    <a:bodyPr/>
-                    <a:lstStyle/>
-                    <a:p>
-                      <a:pPr algn="l" fontAlgn="base">
-                        <a:buNone/>
-                      </a:pPr>
-                      <a:r>
-                        <a:rPr lang="en-IN" sz="600" b="0" dirty="0">
-                          <a:solidFill>
-                            <a:schemeClr val="tx1"/>
-                          </a:solidFill>
-                          <a:effectLst/>
-                          <a:latin typeface="Calibri" panose="020F0502020204030204" pitchFamily="34" charset="0"/>
-                          <a:ea typeface="Calibri" panose="020F0502020204030204" pitchFamily="34" charset="0"/>
-                          <a:cs typeface="Calibri" panose="020F0502020204030204" pitchFamily="34" charset="0"/>
-                        </a:rPr>
-                        <a:t>{{ebitda_margin_fy26}}</a:t>
-                      </a:r>
-                    </a:p>
-                  </a:txBody>
-                  <a:tcPr anchor="ctr">
-                    <a:lnL w="9525" cap="flat" cmpd="sng" algn="ctr">
-                      <a:solidFill>
-                        <a:srgbClr val="9E9E9E"/>
-                      </a:solidFill>
-                      <a:prstDash val="solid"/>
-                      <a:round/>
-                      <a:headEnd type="none" w="med" len="med"/>
-                      <a:tailEnd type="none" w="med" len="med"/>
-                    </a:lnL>
-                    <a:lnR w="9525" cap="flat" cmpd="sng" algn="ctr">
-                      <a:solidFill>
-                        <a:srgbClr val="9E9E9E"/>
-                      </a:solidFill>
-                      <a:prstDash val="solid"/>
-                      <a:round/>
-                      <a:headEnd type="none" w="med" len="med"/>
-                      <a:tailEnd type="none" w="med" len="med"/>
-                    </a:lnR>
-                    <a:lnT w="9525" cap="flat" cmpd="sng" algn="ctr">
-                      <a:solidFill>
-                        <a:srgbClr val="9E9E9E"/>
-                      </a:solidFill>
-                      <a:prstDash val="solid"/>
-                      <a:round/>
-                      <a:headEnd type="none" w="med" len="med"/>
-                      <a:tailEnd type="none" w="med" len="med"/>
-                    </a:lnT>
-                    <a:lnB w="9525" cap="flat" cmpd="sng" algn="ctr">
-                      <a:solidFill>
-                        <a:srgbClr val="9E9E9E"/>
-                      </a:solidFill>
-                      <a:prstDash val="solid"/>
-                      <a:round/>
-                      <a:headEnd type="none" w="med" len="med"/>
-                      <a:tailEnd type="none" w="med" len="med"/>
-                    </a:lnB>
-                    <a:solidFill>
-                      <a:srgbClr val="FFE5B4"/>
-                    </a:solidFill>
-                  </a:tcPr>
-                </a:tc>
-                <a:tc>
-                  <a:txBody>
-                    <a:bodyPr/>
-                    <a:lstStyle/>
-                    <a:p>
-                      <a:pPr algn="l" fontAlgn="base">
-                        <a:buNone/>
-                      </a:pPr>
-                      <a:r>
-                        <a:rPr lang="en-IN" sz="600" b="0">
-                          <a:solidFill>
-                            <a:schemeClr val="tx1"/>
-                          </a:solidFill>
-                          <a:effectLst/>
-                          <a:latin typeface="Calibri" panose="020F0502020204030204" pitchFamily="34" charset="0"/>
-                          <a:ea typeface="Calibri" panose="020F0502020204030204" pitchFamily="34" charset="0"/>
-                          <a:cs typeface="Calibri" panose="020F0502020204030204" pitchFamily="34" charset="0"/>
-                        </a:rPr>
-                        <a:t>{{ebitda_margin_fy27}}</a:t>
-                      </a:r>
-                    </a:p>
-                  </a:txBody>
-                  <a:tcPr anchor="ctr">
-                    <a:lnL w="9525" cap="flat" cmpd="sng" algn="ctr">
-                      <a:solidFill>
-                        <a:srgbClr val="9E9E9E"/>
-                      </a:solidFill>
-                      <a:prstDash val="solid"/>
-                      <a:round/>
-                      <a:headEnd type="none" w="med" len="med"/>
-                      <a:tailEnd type="none" w="med" len="med"/>
-                    </a:lnL>
-                    <a:lnR w="9525" cap="flat" cmpd="sng" algn="ctr">
-                      <a:solidFill>
-                        <a:srgbClr val="9E9E9E"/>
-                      </a:solidFill>
-                      <a:prstDash val="solid"/>
-                      <a:round/>
-                      <a:headEnd type="none" w="med" len="med"/>
-                      <a:tailEnd type="none" w="med" len="med"/>
-                    </a:lnR>
-                    <a:lnT w="9525" cap="flat" cmpd="sng" algn="ctr">
-                      <a:solidFill>
-                        <a:srgbClr val="9E9E9E"/>
-                      </a:solidFill>
-                      <a:prstDash val="solid"/>
-                      <a:round/>
-                      <a:headEnd type="none" w="med" len="med"/>
-                      <a:tailEnd type="none" w="med" len="med"/>
-                    </a:lnT>
-                    <a:lnB w="9525" cap="flat" cmpd="sng" algn="ctr">
-                      <a:solidFill>
-                        <a:srgbClr val="9E9E9E"/>
-                      </a:solidFill>
-                      <a:prstDash val="solid"/>
-                      <a:round/>
-                      <a:headEnd type="none" w="med" len="med"/>
-                      <a:tailEnd type="none" w="med" len="med"/>
-                    </a:lnB>
-                    <a:solidFill>
-                      <a:srgbClr val="FFE5B4"/>
-                    </a:solidFill>
-                  </a:tcPr>
-                </a:tc>
-                <a:tc>
-                  <a:txBody>
-                    <a:bodyPr/>
-                    <a:lstStyle/>
-                    <a:p>
-                      <a:pPr algn="l" fontAlgn="base">
-                        <a:buNone/>
-                      </a:pPr>
-                      <a:r>
-                        <a:rPr lang="en-IN" sz="600" b="0" dirty="0">
-                          <a:solidFill>
-                            <a:schemeClr val="tx1"/>
-                          </a:solidFill>
-                          <a:effectLst/>
-                          <a:latin typeface="Calibri" panose="020F0502020204030204" pitchFamily="34" charset="0"/>
-                          <a:ea typeface="Calibri" panose="020F0502020204030204" pitchFamily="34" charset="0"/>
-                          <a:cs typeface="Calibri" panose="020F0502020204030204" pitchFamily="34" charset="0"/>
-                        </a:rPr>
-                        <a:t>{{ebitda_margin_fy28}}</a:t>
-                      </a:r>
-                    </a:p>
-                  </a:txBody>
-                  <a:tcPr anchor="ctr">
-                    <a:lnL w="9525" cap="flat" cmpd="sng" algn="ctr">
-                      <a:solidFill>
-                        <a:srgbClr val="9E9E9E"/>
-                      </a:solidFill>
-                      <a:prstDash val="solid"/>
-                      <a:round/>
-                      <a:headEnd type="none" w="med" len="med"/>
-                      <a:tailEnd type="none" w="med" len="med"/>
-                    </a:lnL>
-                    <a:lnR w="9525" cap="flat" cmpd="sng" algn="ctr">
-                      <a:solidFill>
-                        <a:srgbClr val="9E9E9E"/>
-                      </a:solidFill>
-                      <a:prstDash val="solid"/>
-                      <a:round/>
-                      <a:headEnd type="none" w="med" len="med"/>
-                      <a:tailEnd type="none" w="med" len="med"/>
-                    </a:lnR>
-                    <a:lnT w="9525" cap="flat" cmpd="sng" algn="ctr">
-                      <a:solidFill>
-                        <a:srgbClr val="9E9E9E"/>
-                      </a:solidFill>
-                      <a:prstDash val="solid"/>
-                      <a:round/>
-                      <a:headEnd type="none" w="med" len="med"/>
-                      <a:tailEnd type="none" w="med" len="med"/>
-                    </a:lnT>
-                    <a:lnB w="9525" cap="flat" cmpd="sng" algn="ctr">
-                      <a:solidFill>
-                        <a:srgbClr val="9E9E9E"/>
-                      </a:solidFill>
-                      <a:prstDash val="solid"/>
-                      <a:round/>
-                      <a:headEnd type="none" w="med" len="med"/>
-                      <a:tailEnd type="none" w="med" len="med"/>
-                    </a:lnB>
-                    <a:solidFill>
-                      <a:srgbClr val="FFE5B4"/>
-                    </a:solidFill>
-                  </a:tcPr>
-                </a:tc>
-                <a:extLst>
-                  <a:ext uri="{0D108BD9-81ED-4DB2-BD59-A6C34878D82A}">
-                    <a16:rowId xmlns:a16="http://schemas.microsoft.com/office/drawing/2014/main" val="3717934197"/>
-                  </a:ext>
-                </a:extLst>
-              </a:tr>
-              <a:tr h="335300">
-                <a:tc>
-                  <a:txBody>
-                    <a:bodyPr/>
-                    <a:lstStyle/>
-                    <a:p>
-                      <a:pPr rtl="0" fontAlgn="t">
-                        <a:buNone/>
-                      </a:pPr>
-                      <a:r>
-                        <a:rPr lang="en-IN" sz="600" b="0" i="0" u="none" strike="noStrike" dirty="0">
-                          <a:solidFill>
-                            <a:schemeClr val="tx1"/>
-                          </a:solidFill>
-                          <a:effectLst/>
-                          <a:latin typeface="Calibri" panose="020F0502020204030204" pitchFamily="34" charset="0"/>
-                        </a:rPr>
-                        <a:t>YoY% growth</a:t>
-                      </a:r>
-                      <a:endParaRPr lang="en-IN" dirty="0">
-                        <a:solidFill>
-                          <a:schemeClr val="tx1"/>
-                        </a:solidFill>
-                        <a:effectLst/>
-                      </a:endParaRPr>
-                    </a:p>
-                  </a:txBody>
-                  <a:tcPr marL="95250" marR="95250" marT="95250" marB="95250">
-                    <a:lnL w="9525" cap="flat" cmpd="sng" algn="ctr">
-                      <a:solidFill>
-                        <a:srgbClr val="9E9E9E"/>
-                      </a:solidFill>
-                      <a:prstDash val="solid"/>
-                      <a:round/>
-                      <a:headEnd type="none" w="med" len="med"/>
-                      <a:tailEnd type="none" w="med" len="med"/>
-                    </a:lnL>
-                    <a:lnR w="9525" cap="flat" cmpd="sng" algn="ctr">
-                      <a:solidFill>
-                        <a:srgbClr val="9E9E9E"/>
-                      </a:solidFill>
-                      <a:prstDash val="solid"/>
-                      <a:round/>
-                      <a:headEnd type="none" w="med" len="med"/>
-                      <a:tailEnd type="none" w="med" len="med"/>
-                    </a:lnR>
-                    <a:lnT w="9525" cap="flat" cmpd="sng" algn="ctr">
-                      <a:solidFill>
-                        <a:srgbClr val="9E9E9E"/>
-                      </a:solidFill>
-                      <a:prstDash val="solid"/>
-                      <a:round/>
-                      <a:headEnd type="none" w="med" len="med"/>
-                      <a:tailEnd type="none" w="med" len="med"/>
-                    </a:lnT>
-                    <a:lnB w="9525" cap="flat" cmpd="sng" algn="ctr">
-                      <a:solidFill>
-                        <a:srgbClr val="9E9E9E"/>
-                      </a:solidFill>
-                      <a:prstDash val="solid"/>
-                      <a:round/>
-                      <a:headEnd type="none" w="med" len="med"/>
-                      <a:tailEnd type="none" w="med" len="med"/>
-                    </a:lnB>
-                    <a:noFill/>
-                  </a:tcPr>
-                </a:tc>
-                <a:tc>
-                  <a:txBody>
-                    <a:bodyPr/>
-                    <a:lstStyle/>
-                    <a:p>
-                      <a:pPr algn="l" fontAlgn="base">
-                        <a:buNone/>
-                      </a:pPr>
-                      <a:r>
-                        <a:rPr lang="en-IN" sz="600" b="0">
-                          <a:solidFill>
-                            <a:schemeClr val="tx1"/>
-                          </a:solidFill>
-                          <a:effectLst/>
-                          <a:latin typeface="SF Mono"/>
-                        </a:rPr>
-                        <a:t>{{ebitda_growth_fy24}}</a:t>
-                      </a:r>
-                    </a:p>
-                  </a:txBody>
-                  <a:tcPr anchor="ctr">
-                    <a:lnL w="9525" cap="flat" cmpd="sng" algn="ctr">
-                      <a:solidFill>
-                        <a:srgbClr val="9E9E9E"/>
-                      </a:solidFill>
-                      <a:prstDash val="solid"/>
-                      <a:round/>
-                      <a:headEnd type="none" w="med" len="med"/>
-                      <a:tailEnd type="none" w="med" len="med"/>
-                    </a:lnL>
-                    <a:lnR w="9525" cap="flat" cmpd="sng" algn="ctr">
-                      <a:solidFill>
-                        <a:srgbClr val="9E9E9E"/>
-                      </a:solidFill>
-                      <a:prstDash val="solid"/>
-                      <a:round/>
-                      <a:headEnd type="none" w="med" len="med"/>
-                      <a:tailEnd type="none" w="med" len="med"/>
-                    </a:lnR>
-                    <a:lnT w="9525" cap="flat" cmpd="sng" algn="ctr">
-                      <a:solidFill>
-                        <a:srgbClr val="9E9E9E"/>
-                      </a:solidFill>
-                      <a:prstDash val="solid"/>
-                      <a:round/>
-                      <a:headEnd type="none" w="med" len="med"/>
-                      <a:tailEnd type="none" w="med" len="med"/>
-                    </a:lnT>
-                    <a:lnB w="9525" cap="flat" cmpd="sng" algn="ctr">
-                      <a:solidFill>
-                        <a:srgbClr val="9E9E9E"/>
-                      </a:solidFill>
-                      <a:prstDash val="solid"/>
-                      <a:round/>
-                      <a:headEnd type="none" w="med" len="med"/>
-                      <a:tailEnd type="none" w="med" len="med"/>
-                    </a:lnB>
-                    <a:noFill/>
-                  </a:tcPr>
-                </a:tc>
-                <a:tc>
-                  <a:txBody>
-                    <a:bodyPr/>
-                    <a:lstStyle/>
-                    <a:p>
-                      <a:pPr algn="l" fontAlgn="base">
-                        <a:buNone/>
-                      </a:pPr>
-                      <a:r>
-                        <a:rPr lang="en-IN" sz="600" b="0">
-                          <a:solidFill>
-                            <a:schemeClr val="tx1"/>
-                          </a:solidFill>
-                          <a:effectLst/>
-                          <a:latin typeface="SF Mono"/>
-                        </a:rPr>
-                        <a:t>{{ebitda_growth_fy25}}</a:t>
-                      </a:r>
-                    </a:p>
-                  </a:txBody>
-                  <a:tcPr anchor="ctr">
-                    <a:lnL w="9525" cap="flat" cmpd="sng" algn="ctr">
-                      <a:solidFill>
-                        <a:srgbClr val="9E9E9E"/>
-                      </a:solidFill>
-                      <a:prstDash val="solid"/>
-                      <a:round/>
-                      <a:headEnd type="none" w="med" len="med"/>
-                      <a:tailEnd type="none" w="med" len="med"/>
-                    </a:lnL>
-                    <a:lnR w="9525" cap="flat" cmpd="sng" algn="ctr">
-                      <a:solidFill>
-                        <a:srgbClr val="9E9E9E"/>
-                      </a:solidFill>
-                      <a:prstDash val="solid"/>
-                      <a:round/>
-                      <a:headEnd type="none" w="med" len="med"/>
-                      <a:tailEnd type="none" w="med" len="med"/>
-                    </a:lnR>
-                    <a:lnT w="9525" cap="flat" cmpd="sng" algn="ctr">
-                      <a:solidFill>
-                        <a:srgbClr val="9E9E9E"/>
-                      </a:solidFill>
-                      <a:prstDash val="solid"/>
-                      <a:round/>
-                      <a:headEnd type="none" w="med" len="med"/>
-                      <a:tailEnd type="none" w="med" len="med"/>
-                    </a:lnT>
-                    <a:lnB w="9525" cap="flat" cmpd="sng" algn="ctr">
-                      <a:solidFill>
-                        <a:srgbClr val="9E9E9E"/>
-                      </a:solidFill>
-                      <a:prstDash val="solid"/>
-                      <a:round/>
-                      <a:headEnd type="none" w="med" len="med"/>
-                      <a:tailEnd type="none" w="med" len="med"/>
-                    </a:lnB>
-                    <a:noFill/>
-                  </a:tcPr>
-                </a:tc>
-                <a:tc>
-                  <a:txBody>
-                    <a:bodyPr/>
-                    <a:lstStyle/>
-                    <a:p>
-                      <a:pPr algn="l" fontAlgn="base">
-                        <a:buNone/>
-                      </a:pPr>
-                      <a:r>
-                        <a:rPr lang="en-IN" sz="600" b="0">
-                          <a:solidFill>
-                            <a:schemeClr val="tx1"/>
-                          </a:solidFill>
-                          <a:effectLst/>
-                          <a:latin typeface="SF Mono"/>
-                        </a:rPr>
-                        <a:t>{{ebitda_growth_fy26}}</a:t>
-                      </a:r>
-                    </a:p>
-                  </a:txBody>
-                  <a:tcPr anchor="ctr">
-                    <a:lnL w="9525" cap="flat" cmpd="sng" algn="ctr">
-                      <a:solidFill>
-                        <a:srgbClr val="9E9E9E"/>
-                      </a:solidFill>
-                      <a:prstDash val="solid"/>
-                      <a:round/>
-                      <a:headEnd type="none" w="med" len="med"/>
-                      <a:tailEnd type="none" w="med" len="med"/>
-                    </a:lnL>
-                    <a:lnR w="9525" cap="flat" cmpd="sng" algn="ctr">
-                      <a:solidFill>
-                        <a:srgbClr val="9E9E9E"/>
-                      </a:solidFill>
-                      <a:prstDash val="solid"/>
-                      <a:round/>
-                      <a:headEnd type="none" w="med" len="med"/>
-                      <a:tailEnd type="none" w="med" len="med"/>
-                    </a:lnR>
-                    <a:lnT w="9525" cap="flat" cmpd="sng" algn="ctr">
-                      <a:solidFill>
-                        <a:srgbClr val="9E9E9E"/>
-                      </a:solidFill>
-                      <a:prstDash val="solid"/>
-                      <a:round/>
-                      <a:headEnd type="none" w="med" len="med"/>
-                      <a:tailEnd type="none" w="med" len="med"/>
-                    </a:lnT>
-                    <a:lnB w="9525" cap="flat" cmpd="sng" algn="ctr">
-                      <a:solidFill>
-                        <a:srgbClr val="9E9E9E"/>
-                      </a:solidFill>
-                      <a:prstDash val="solid"/>
-                      <a:round/>
-                      <a:headEnd type="none" w="med" len="med"/>
-                      <a:tailEnd type="none" w="med" len="med"/>
-                    </a:lnB>
-                    <a:noFill/>
-                  </a:tcPr>
-                </a:tc>
-                <a:tc>
-                  <a:txBody>
-                    <a:bodyPr/>
-                    <a:lstStyle/>
-                    <a:p>
-                      <a:pPr algn="l" fontAlgn="base">
-                        <a:buNone/>
-                      </a:pPr>
-                      <a:r>
-                        <a:rPr lang="en-IN" sz="600" b="0">
-                          <a:solidFill>
-                            <a:schemeClr val="tx1"/>
-                          </a:solidFill>
-                          <a:effectLst/>
-                          <a:latin typeface="SF Mono"/>
-                        </a:rPr>
-                        <a:t>{{ebitda_growth_fy27}}</a:t>
-                      </a:r>
-                    </a:p>
-                  </a:txBody>
-                  <a:tcPr anchor="ctr">
-                    <a:lnL w="9525" cap="flat" cmpd="sng" algn="ctr">
-                      <a:solidFill>
-                        <a:srgbClr val="9E9E9E"/>
-                      </a:solidFill>
-                      <a:prstDash val="solid"/>
-                      <a:round/>
-                      <a:headEnd type="none" w="med" len="med"/>
-                      <a:tailEnd type="none" w="med" len="med"/>
-                    </a:lnL>
-                    <a:lnR w="9525" cap="flat" cmpd="sng" algn="ctr">
-                      <a:solidFill>
-                        <a:srgbClr val="9E9E9E"/>
-                      </a:solidFill>
-                      <a:prstDash val="solid"/>
-                      <a:round/>
-                      <a:headEnd type="none" w="med" len="med"/>
-                      <a:tailEnd type="none" w="med" len="med"/>
-                    </a:lnR>
-                    <a:lnT w="9525" cap="flat" cmpd="sng" algn="ctr">
-                      <a:solidFill>
-                        <a:srgbClr val="9E9E9E"/>
-                      </a:solidFill>
-                      <a:prstDash val="solid"/>
-                      <a:round/>
-                      <a:headEnd type="none" w="med" len="med"/>
-                      <a:tailEnd type="none" w="med" len="med"/>
-                    </a:lnT>
-                    <a:lnB w="9525" cap="flat" cmpd="sng" algn="ctr">
-                      <a:solidFill>
-                        <a:srgbClr val="9E9E9E"/>
-                      </a:solidFill>
-                      <a:prstDash val="solid"/>
-                      <a:round/>
-                      <a:headEnd type="none" w="med" len="med"/>
-                      <a:tailEnd type="none" w="med" len="med"/>
-                    </a:lnB>
-                    <a:noFill/>
-                  </a:tcPr>
-                </a:tc>
-                <a:tc>
-                  <a:txBody>
-                    <a:bodyPr/>
-                    <a:lstStyle/>
-                    <a:p>
-                      <a:pPr algn="l" fontAlgn="base">
-                        <a:buNone/>
-                      </a:pPr>
-                      <a:r>
-                        <a:rPr lang="en-IN" sz="600" b="0" dirty="0">
-                          <a:solidFill>
-                            <a:schemeClr val="tx1"/>
-                          </a:solidFill>
-                          <a:effectLst/>
-                          <a:latin typeface="SF Mono"/>
-                        </a:rPr>
-                        <a:t>{{ebitda_growth_fy28}}</a:t>
-                      </a:r>
-                    </a:p>
-                  </a:txBody>
-                  <a:tcPr anchor="ctr">
-                    <a:lnL w="9525" cap="flat" cmpd="sng" algn="ctr">
-                      <a:solidFill>
-                        <a:srgbClr val="9E9E9E"/>
-                      </a:solidFill>
-                      <a:prstDash val="solid"/>
-                      <a:round/>
-                      <a:headEnd type="none" w="med" len="med"/>
-                      <a:tailEnd type="none" w="med" len="med"/>
-                    </a:lnL>
-                    <a:lnR w="9525" cap="flat" cmpd="sng" algn="ctr">
-                      <a:solidFill>
-                        <a:srgbClr val="9E9E9E"/>
-                      </a:solidFill>
-                      <a:prstDash val="solid"/>
-                      <a:round/>
-                      <a:headEnd type="none" w="med" len="med"/>
-                      <a:tailEnd type="none" w="med" len="med"/>
-                    </a:lnR>
-                    <a:lnT w="9525" cap="flat" cmpd="sng" algn="ctr">
-                      <a:solidFill>
-                        <a:srgbClr val="9E9E9E"/>
-                      </a:solidFill>
-                      <a:prstDash val="solid"/>
-                      <a:round/>
-                      <a:headEnd type="none" w="med" len="med"/>
-                      <a:tailEnd type="none" w="med" len="med"/>
-                    </a:lnT>
-                    <a:lnB w="9525" cap="flat" cmpd="sng" algn="ctr">
-                      <a:solidFill>
-                        <a:srgbClr val="9E9E9E"/>
-                      </a:solidFill>
-                      <a:prstDash val="solid"/>
-                      <a:round/>
-                      <a:headEnd type="none" w="med" len="med"/>
-                      <a:tailEnd type="none" w="med" len="med"/>
-                    </a:lnB>
-                    <a:noFill/>
-                  </a:tcPr>
-                </a:tc>
-                <a:extLst>
-                  <a:ext uri="{0D108BD9-81ED-4DB2-BD59-A6C34878D82A}">
-                    <a16:rowId xmlns:a16="http://schemas.microsoft.com/office/drawing/2014/main" val="1749798590"/>
-                  </a:ext>
-                </a:extLst>
-              </a:tr>
-              <a:tr h="273457">
-                <a:tc>
-                  <a:txBody>
-                    <a:bodyPr/>
-                    <a:lstStyle/>
-                    <a:p>
-                      <a:pPr rtl="0" fontAlgn="t">
-                        <a:buNone/>
-                      </a:pPr>
-                      <a:r>
-                        <a:rPr lang="en-IN" sz="600" b="0" i="0" u="none" strike="noStrike">
-                          <a:solidFill>
-                            <a:schemeClr val="tx1"/>
-                          </a:solidFill>
-                          <a:effectLst/>
-                          <a:latin typeface="Calibri" panose="020F0502020204030204" pitchFamily="34" charset="0"/>
-                        </a:rPr>
-                        <a:t>PAT</a:t>
-                      </a:r>
-                      <a:endParaRPr lang="en-IN">
-                        <a:solidFill>
-                          <a:schemeClr val="tx1"/>
-                        </a:solidFill>
-                        <a:effectLst/>
-                      </a:endParaRPr>
-                    </a:p>
-                  </a:txBody>
-                  <a:tcPr marL="95250" marR="95250" marT="95250" marB="95250">
-                    <a:lnL w="9525" cap="flat" cmpd="sng" algn="ctr">
-                      <a:solidFill>
-                        <a:srgbClr val="9E9E9E"/>
-                      </a:solidFill>
-                      <a:prstDash val="solid"/>
-                      <a:round/>
-                      <a:headEnd type="none" w="med" len="med"/>
-                      <a:tailEnd type="none" w="med" len="med"/>
-                    </a:lnL>
-                    <a:lnR w="9525" cap="flat" cmpd="sng" algn="ctr">
-                      <a:solidFill>
-                        <a:srgbClr val="9E9E9E"/>
-                      </a:solidFill>
-                      <a:prstDash val="solid"/>
-                      <a:round/>
-                      <a:headEnd type="none" w="med" len="med"/>
-                      <a:tailEnd type="none" w="med" len="med"/>
-                    </a:lnR>
-                    <a:lnT w="9525" cap="flat" cmpd="sng" algn="ctr">
-                      <a:solidFill>
-                        <a:srgbClr val="9E9E9E"/>
-                      </a:solidFill>
-                      <a:prstDash val="solid"/>
-                      <a:round/>
-                      <a:headEnd type="none" w="med" len="med"/>
-                      <a:tailEnd type="none" w="med" len="med"/>
-                    </a:lnT>
-                    <a:lnB w="9525" cap="flat" cmpd="sng" algn="ctr">
-                      <a:solidFill>
-                        <a:srgbClr val="9E9E9E"/>
-                      </a:solidFill>
-                      <a:prstDash val="solid"/>
-                      <a:round/>
-                      <a:headEnd type="none" w="med" len="med"/>
-                      <a:tailEnd type="none" w="med" len="med"/>
-                    </a:lnB>
-                    <a:solidFill>
-                      <a:srgbClr val="FFE5B4"/>
-                    </a:solidFill>
-                  </a:tcPr>
-                </a:tc>
-                <a:tc>
-                  <a:txBody>
-                    <a:bodyPr/>
-                    <a:lstStyle/>
-                    <a:p>
-                      <a:pPr algn="l" fontAlgn="base">
-                        <a:buNone/>
-                      </a:pPr>
-                      <a:r>
-                        <a:rPr lang="en-IN" sz="600" b="0" dirty="0">
-                          <a:solidFill>
-                            <a:schemeClr val="tx1"/>
-                          </a:solidFill>
-                          <a:effectLst/>
-                          <a:latin typeface="Calibri" panose="020F0502020204030204" pitchFamily="34" charset="0"/>
-                          <a:ea typeface="Calibri" panose="020F0502020204030204" pitchFamily="34" charset="0"/>
-                          <a:cs typeface="Calibri" panose="020F0502020204030204" pitchFamily="34" charset="0"/>
-                        </a:rPr>
-                        <a:t>{{pat_fy24}}</a:t>
-                      </a:r>
-                    </a:p>
-                  </a:txBody>
-                  <a:tcPr anchor="ctr">
-                    <a:lnL w="9525" cap="flat" cmpd="sng" algn="ctr">
-                      <a:solidFill>
-                        <a:srgbClr val="9E9E9E"/>
-                      </a:solidFill>
-                      <a:prstDash val="solid"/>
-                      <a:round/>
-                      <a:headEnd type="none" w="med" len="med"/>
-                      <a:tailEnd type="none" w="med" len="med"/>
-                    </a:lnL>
-                    <a:lnR w="9525" cap="flat" cmpd="sng" algn="ctr">
-                      <a:solidFill>
-                        <a:srgbClr val="9E9E9E"/>
-                      </a:solidFill>
-                      <a:prstDash val="solid"/>
-                      <a:round/>
-                      <a:headEnd type="none" w="med" len="med"/>
-                      <a:tailEnd type="none" w="med" len="med"/>
-                    </a:lnR>
-                    <a:lnT w="9525" cap="flat" cmpd="sng" algn="ctr">
-                      <a:solidFill>
-                        <a:srgbClr val="9E9E9E"/>
-                      </a:solidFill>
-                      <a:prstDash val="solid"/>
-                      <a:round/>
-                      <a:headEnd type="none" w="med" len="med"/>
-                      <a:tailEnd type="none" w="med" len="med"/>
-                    </a:lnT>
-                    <a:lnB w="9525" cap="flat" cmpd="sng" algn="ctr">
-                      <a:solidFill>
-                        <a:srgbClr val="9E9E9E"/>
-                      </a:solidFill>
-                      <a:prstDash val="solid"/>
-                      <a:round/>
-                      <a:headEnd type="none" w="med" len="med"/>
-                      <a:tailEnd type="none" w="med" len="med"/>
-                    </a:lnB>
-                    <a:solidFill>
-                      <a:srgbClr val="FFE5B4"/>
-                    </a:solidFill>
-                  </a:tcPr>
-                </a:tc>
-                <a:tc>
-                  <a:txBody>
-                    <a:bodyPr/>
-                    <a:lstStyle/>
-                    <a:p>
-                      <a:pPr algn="l" fontAlgn="base">
-                        <a:buNone/>
-                      </a:pPr>
-                      <a:r>
-                        <a:rPr lang="en-IN" sz="600" b="0">
-                          <a:solidFill>
-                            <a:schemeClr val="tx1"/>
-                          </a:solidFill>
-                          <a:effectLst/>
-                          <a:latin typeface="Calibri" panose="020F0502020204030204" pitchFamily="34" charset="0"/>
-                          <a:ea typeface="Calibri" panose="020F0502020204030204" pitchFamily="34" charset="0"/>
-                          <a:cs typeface="Calibri" panose="020F0502020204030204" pitchFamily="34" charset="0"/>
-                        </a:rPr>
-                        <a:t>{{pat_fy25}}</a:t>
-                      </a:r>
-                    </a:p>
-                  </a:txBody>
-                  <a:tcPr anchor="ctr">
-                    <a:lnL w="9525" cap="flat" cmpd="sng" algn="ctr">
-                      <a:solidFill>
-                        <a:srgbClr val="9E9E9E"/>
-                      </a:solidFill>
-                      <a:prstDash val="solid"/>
-                      <a:round/>
-                      <a:headEnd type="none" w="med" len="med"/>
-                      <a:tailEnd type="none" w="med" len="med"/>
-                    </a:lnL>
-                    <a:lnR w="9525" cap="flat" cmpd="sng" algn="ctr">
-                      <a:solidFill>
-                        <a:srgbClr val="9E9E9E"/>
-                      </a:solidFill>
-                      <a:prstDash val="solid"/>
-                      <a:round/>
-                      <a:headEnd type="none" w="med" len="med"/>
-                      <a:tailEnd type="none" w="med" len="med"/>
-                    </a:lnR>
-                    <a:lnT w="9525" cap="flat" cmpd="sng" algn="ctr">
-                      <a:solidFill>
-                        <a:srgbClr val="9E9E9E"/>
-                      </a:solidFill>
-                      <a:prstDash val="solid"/>
-                      <a:round/>
-                      <a:headEnd type="none" w="med" len="med"/>
-                      <a:tailEnd type="none" w="med" len="med"/>
-                    </a:lnT>
-                    <a:lnB w="9525" cap="flat" cmpd="sng" algn="ctr">
-                      <a:solidFill>
-                        <a:srgbClr val="9E9E9E"/>
-                      </a:solidFill>
-                      <a:prstDash val="solid"/>
-                      <a:round/>
-                      <a:headEnd type="none" w="med" len="med"/>
-                      <a:tailEnd type="none" w="med" len="med"/>
-                    </a:lnB>
-                    <a:solidFill>
-                      <a:srgbClr val="FFE5B4"/>
-                    </a:solidFill>
-                  </a:tcPr>
-                </a:tc>
-                <a:tc>
-                  <a:txBody>
-                    <a:bodyPr/>
-                    <a:lstStyle/>
-                    <a:p>
-                      <a:pPr algn="l" fontAlgn="base">
-                        <a:buNone/>
-                      </a:pPr>
-                      <a:r>
-                        <a:rPr lang="en-IN" sz="600" b="0" dirty="0">
-                          <a:solidFill>
-                            <a:schemeClr val="tx1"/>
-                          </a:solidFill>
-                          <a:effectLst/>
-                          <a:latin typeface="Calibri" panose="020F0502020204030204" pitchFamily="34" charset="0"/>
-                          <a:ea typeface="Calibri" panose="020F0502020204030204" pitchFamily="34" charset="0"/>
-                          <a:cs typeface="Calibri" panose="020F0502020204030204" pitchFamily="34" charset="0"/>
-                        </a:rPr>
-                        <a:t>{{pat_fy26}}</a:t>
-                      </a:r>
-                    </a:p>
-                  </a:txBody>
-                  <a:tcPr anchor="ctr">
-                    <a:lnL w="9525" cap="flat" cmpd="sng" algn="ctr">
-                      <a:solidFill>
-                        <a:srgbClr val="9E9E9E"/>
-                      </a:solidFill>
-                      <a:prstDash val="solid"/>
-                      <a:round/>
-                      <a:headEnd type="none" w="med" len="med"/>
-                      <a:tailEnd type="none" w="med" len="med"/>
-                    </a:lnL>
-                    <a:lnR w="9525" cap="flat" cmpd="sng" algn="ctr">
-                      <a:solidFill>
-                        <a:srgbClr val="9E9E9E"/>
-                      </a:solidFill>
-                      <a:prstDash val="solid"/>
-                      <a:round/>
-                      <a:headEnd type="none" w="med" len="med"/>
-                      <a:tailEnd type="none" w="med" len="med"/>
-                    </a:lnR>
-                    <a:lnT w="9525" cap="flat" cmpd="sng" algn="ctr">
-                      <a:solidFill>
-                        <a:srgbClr val="9E9E9E"/>
-                      </a:solidFill>
-                      <a:prstDash val="solid"/>
-                      <a:round/>
-                      <a:headEnd type="none" w="med" len="med"/>
-                      <a:tailEnd type="none" w="med" len="med"/>
-                    </a:lnT>
-                    <a:lnB w="9525" cap="flat" cmpd="sng" algn="ctr">
-                      <a:solidFill>
-                        <a:srgbClr val="9E9E9E"/>
-                      </a:solidFill>
-                      <a:prstDash val="solid"/>
-                      <a:round/>
-                      <a:headEnd type="none" w="med" len="med"/>
-                      <a:tailEnd type="none" w="med" len="med"/>
-                    </a:lnB>
-                    <a:solidFill>
-                      <a:srgbClr val="FFE5B4"/>
-                    </a:solidFill>
-                  </a:tcPr>
-                </a:tc>
-                <a:tc>
-                  <a:txBody>
-                    <a:bodyPr/>
-                    <a:lstStyle/>
-                    <a:p>
-                      <a:pPr algn="l" fontAlgn="base">
-                        <a:buNone/>
-                      </a:pPr>
-                      <a:r>
-                        <a:rPr lang="en-IN" sz="600" b="0" dirty="0">
-                          <a:solidFill>
-                            <a:schemeClr val="tx1"/>
-                          </a:solidFill>
-                          <a:effectLst/>
-                          <a:latin typeface="Calibri" panose="020F0502020204030204" pitchFamily="34" charset="0"/>
-                          <a:ea typeface="Calibri" panose="020F0502020204030204" pitchFamily="34" charset="0"/>
-                          <a:cs typeface="Calibri" panose="020F0502020204030204" pitchFamily="34" charset="0"/>
-                        </a:rPr>
-                        <a:t>{{pat_fy27}}</a:t>
-                      </a:r>
-                    </a:p>
-                  </a:txBody>
-                  <a:tcPr anchor="ctr">
-                    <a:lnL w="9525" cap="flat" cmpd="sng" algn="ctr">
-                      <a:solidFill>
-                        <a:srgbClr val="9E9E9E"/>
-                      </a:solidFill>
-                      <a:prstDash val="solid"/>
-                      <a:round/>
-                      <a:headEnd type="none" w="med" len="med"/>
-                      <a:tailEnd type="none" w="med" len="med"/>
-                    </a:lnL>
-                    <a:lnR w="9525" cap="flat" cmpd="sng" algn="ctr">
-                      <a:solidFill>
-                        <a:srgbClr val="9E9E9E"/>
-                      </a:solidFill>
-                      <a:prstDash val="solid"/>
-                      <a:round/>
-                      <a:headEnd type="none" w="med" len="med"/>
-                      <a:tailEnd type="none" w="med" len="med"/>
-                    </a:lnR>
-                    <a:lnT w="9525" cap="flat" cmpd="sng" algn="ctr">
-                      <a:solidFill>
-                        <a:srgbClr val="9E9E9E"/>
-                      </a:solidFill>
-                      <a:prstDash val="solid"/>
-                      <a:round/>
-                      <a:headEnd type="none" w="med" len="med"/>
-                      <a:tailEnd type="none" w="med" len="med"/>
-                    </a:lnT>
-                    <a:lnB w="9525" cap="flat" cmpd="sng" algn="ctr">
-                      <a:solidFill>
-                        <a:srgbClr val="9E9E9E"/>
-                      </a:solidFill>
-                      <a:prstDash val="solid"/>
-                      <a:round/>
-                      <a:headEnd type="none" w="med" len="med"/>
-                      <a:tailEnd type="none" w="med" len="med"/>
-                    </a:lnB>
-                    <a:solidFill>
-                      <a:srgbClr val="FFE5B4"/>
-                    </a:solidFill>
-                  </a:tcPr>
-                </a:tc>
-                <a:tc>
-                  <a:txBody>
-                    <a:bodyPr/>
-                    <a:lstStyle/>
-                    <a:p>
-                      <a:pPr algn="l" fontAlgn="base">
-                        <a:buNone/>
-                      </a:pPr>
-                      <a:r>
-                        <a:rPr lang="en-IN" sz="600" b="0" dirty="0">
-                          <a:solidFill>
-                            <a:schemeClr val="tx1"/>
-                          </a:solidFill>
-                          <a:effectLst/>
-                          <a:latin typeface="Calibri" panose="020F0502020204030204" pitchFamily="34" charset="0"/>
-                          <a:ea typeface="Calibri" panose="020F0502020204030204" pitchFamily="34" charset="0"/>
-                          <a:cs typeface="Calibri" panose="020F0502020204030204" pitchFamily="34" charset="0"/>
-                        </a:rPr>
-                        <a:t>{{pat_fy28}}</a:t>
-                      </a:r>
-                    </a:p>
-                  </a:txBody>
-                  <a:tcPr anchor="ctr">
-                    <a:lnL w="9525" cap="flat" cmpd="sng" algn="ctr">
-                      <a:solidFill>
-                        <a:srgbClr val="9E9E9E"/>
-                      </a:solidFill>
-                      <a:prstDash val="solid"/>
-                      <a:round/>
-                      <a:headEnd type="none" w="med" len="med"/>
-                      <a:tailEnd type="none" w="med" len="med"/>
-                    </a:lnL>
-                    <a:lnR w="9525" cap="flat" cmpd="sng" algn="ctr">
-                      <a:solidFill>
-                        <a:srgbClr val="9E9E9E"/>
-                      </a:solidFill>
-                      <a:prstDash val="solid"/>
-                      <a:round/>
-                      <a:headEnd type="none" w="med" len="med"/>
-                      <a:tailEnd type="none" w="med" len="med"/>
-                    </a:lnR>
-                    <a:lnT w="9525" cap="flat" cmpd="sng" algn="ctr">
-                      <a:solidFill>
-                        <a:srgbClr val="9E9E9E"/>
-                      </a:solidFill>
-                      <a:prstDash val="solid"/>
-                      <a:round/>
-                      <a:headEnd type="none" w="med" len="med"/>
-                      <a:tailEnd type="none" w="med" len="med"/>
-                    </a:lnT>
-                    <a:lnB w="9525" cap="flat" cmpd="sng" algn="ctr">
-                      <a:solidFill>
-                        <a:srgbClr val="9E9E9E"/>
-                      </a:solidFill>
-                      <a:prstDash val="solid"/>
-                      <a:round/>
-                      <a:headEnd type="none" w="med" len="med"/>
-                      <a:tailEnd type="none" w="med" len="med"/>
-                    </a:lnB>
-                    <a:solidFill>
-                      <a:srgbClr val="FFE5B4"/>
-                    </a:solidFill>
-                  </a:tcPr>
-                </a:tc>
-                <a:extLst>
-                  <a:ext uri="{0D108BD9-81ED-4DB2-BD59-A6C34878D82A}">
-                    <a16:rowId xmlns:a16="http://schemas.microsoft.com/office/drawing/2014/main" val="1169337383"/>
-                  </a:ext>
-                </a:extLst>
-              </a:tr>
-              <a:tr h="335300">
-                <a:tc>
-                  <a:txBody>
-                    <a:bodyPr/>
-                    <a:lstStyle/>
-                    <a:p>
-                      <a:pPr rtl="0" fontAlgn="t">
-                        <a:buNone/>
-                      </a:pPr>
-                      <a:r>
-                        <a:rPr lang="en-IN" sz="600" b="0" i="0" u="none" strike="noStrike">
-                          <a:solidFill>
-                            <a:schemeClr val="tx1"/>
-                          </a:solidFill>
-                          <a:effectLst/>
-                          <a:latin typeface="Calibri" panose="020F0502020204030204" pitchFamily="34" charset="0"/>
-                        </a:rPr>
-                        <a:t>YoY% growth</a:t>
-                      </a:r>
-                      <a:endParaRPr lang="en-IN">
-                        <a:solidFill>
-                          <a:schemeClr val="tx1"/>
-                        </a:solidFill>
-                        <a:effectLst/>
-                      </a:endParaRPr>
-                    </a:p>
-                  </a:txBody>
-                  <a:tcPr marL="95250" marR="95250" marT="95250" marB="95250">
-                    <a:lnL w="9525" cap="flat" cmpd="sng" algn="ctr">
-                      <a:solidFill>
-                        <a:srgbClr val="9E9E9E"/>
-                      </a:solidFill>
-                      <a:prstDash val="solid"/>
-                      <a:round/>
-                      <a:headEnd type="none" w="med" len="med"/>
-                      <a:tailEnd type="none" w="med" len="med"/>
-                    </a:lnL>
-                    <a:lnR w="9525" cap="flat" cmpd="sng" algn="ctr">
-                      <a:solidFill>
-                        <a:srgbClr val="9E9E9E"/>
-                      </a:solidFill>
-                      <a:prstDash val="solid"/>
-                      <a:round/>
-                      <a:headEnd type="none" w="med" len="med"/>
-                      <a:tailEnd type="none" w="med" len="med"/>
-                    </a:lnR>
-                    <a:lnT w="9525" cap="flat" cmpd="sng" algn="ctr">
-                      <a:solidFill>
-                        <a:srgbClr val="9E9E9E"/>
-                      </a:solidFill>
-                      <a:prstDash val="solid"/>
-                      <a:round/>
-                      <a:headEnd type="none" w="med" len="med"/>
-                      <a:tailEnd type="none" w="med" len="med"/>
-                    </a:lnT>
-                    <a:lnB w="9525" cap="flat" cmpd="sng" algn="ctr">
-                      <a:solidFill>
-                        <a:srgbClr val="9E9E9E"/>
-                      </a:solidFill>
-                      <a:prstDash val="solid"/>
-                      <a:round/>
-                      <a:headEnd type="none" w="med" len="med"/>
-                      <a:tailEnd type="none" w="med" len="med"/>
-                    </a:lnB>
-                    <a:noFill/>
-                  </a:tcPr>
-                </a:tc>
-                <a:tc>
-                  <a:txBody>
-                    <a:bodyPr/>
-                    <a:lstStyle/>
-                    <a:p>
-                      <a:pPr algn="l" fontAlgn="base">
-                        <a:buNone/>
-                      </a:pPr>
-                      <a:r>
-                        <a:rPr lang="en-IN" sz="600" b="0" dirty="0">
-                          <a:solidFill>
-                            <a:schemeClr val="tx1"/>
-                          </a:solidFill>
-                          <a:effectLst/>
-                          <a:latin typeface="SF Mono"/>
-                        </a:rPr>
-                        <a:t>{{pat_growth_fy24}}</a:t>
-                      </a:r>
-                    </a:p>
-                  </a:txBody>
-                  <a:tcPr anchor="ctr">
-                    <a:lnL w="9525" cap="flat" cmpd="sng" algn="ctr">
-                      <a:solidFill>
-                        <a:srgbClr val="9E9E9E"/>
-                      </a:solidFill>
-                      <a:prstDash val="solid"/>
-                      <a:round/>
-                      <a:headEnd type="none" w="med" len="med"/>
-                      <a:tailEnd type="none" w="med" len="med"/>
-                    </a:lnL>
-                    <a:lnR w="9525" cap="flat" cmpd="sng" algn="ctr">
-                      <a:solidFill>
-                        <a:srgbClr val="9E9E9E"/>
-                      </a:solidFill>
-                      <a:prstDash val="solid"/>
-                      <a:round/>
-                      <a:headEnd type="none" w="med" len="med"/>
-                      <a:tailEnd type="none" w="med" len="med"/>
-                    </a:lnR>
-                    <a:lnT w="9525" cap="flat" cmpd="sng" algn="ctr">
-                      <a:solidFill>
-                        <a:srgbClr val="9E9E9E"/>
-                      </a:solidFill>
-                      <a:prstDash val="solid"/>
-                      <a:round/>
-                      <a:headEnd type="none" w="med" len="med"/>
-                      <a:tailEnd type="none" w="med" len="med"/>
-                    </a:lnT>
-                    <a:lnB w="9525" cap="flat" cmpd="sng" algn="ctr">
-                      <a:solidFill>
-                        <a:srgbClr val="9E9E9E"/>
-                      </a:solidFill>
-                      <a:prstDash val="solid"/>
-                      <a:round/>
-                      <a:headEnd type="none" w="med" len="med"/>
-                      <a:tailEnd type="none" w="med" len="med"/>
-                    </a:lnB>
-                    <a:noFill/>
-                  </a:tcPr>
-                </a:tc>
-                <a:tc>
-                  <a:txBody>
-                    <a:bodyPr/>
-                    <a:lstStyle/>
-                    <a:p>
-                      <a:pPr algn="l" fontAlgn="base">
-                        <a:buNone/>
-                      </a:pPr>
-                      <a:r>
-                        <a:rPr lang="en-IN" sz="600" b="0">
-                          <a:solidFill>
-                            <a:schemeClr val="tx1"/>
-                          </a:solidFill>
-                          <a:effectLst/>
-                          <a:latin typeface="SF Mono"/>
-                        </a:rPr>
-                        <a:t>{{pat_growth_fy25}}</a:t>
-                      </a:r>
-                    </a:p>
-                  </a:txBody>
-                  <a:tcPr anchor="ctr">
-                    <a:lnL w="9525" cap="flat" cmpd="sng" algn="ctr">
-                      <a:solidFill>
-                        <a:srgbClr val="9E9E9E"/>
-                      </a:solidFill>
-                      <a:prstDash val="solid"/>
-                      <a:round/>
-                      <a:headEnd type="none" w="med" len="med"/>
-                      <a:tailEnd type="none" w="med" len="med"/>
-                    </a:lnL>
-                    <a:lnR w="9525" cap="flat" cmpd="sng" algn="ctr">
-                      <a:solidFill>
-                        <a:srgbClr val="9E9E9E"/>
-                      </a:solidFill>
-                      <a:prstDash val="solid"/>
-                      <a:round/>
-                      <a:headEnd type="none" w="med" len="med"/>
-                      <a:tailEnd type="none" w="med" len="med"/>
-                    </a:lnR>
-                    <a:lnT w="9525" cap="flat" cmpd="sng" algn="ctr">
-                      <a:solidFill>
-                        <a:srgbClr val="9E9E9E"/>
-                      </a:solidFill>
-                      <a:prstDash val="solid"/>
-                      <a:round/>
-                      <a:headEnd type="none" w="med" len="med"/>
-                      <a:tailEnd type="none" w="med" len="med"/>
-                    </a:lnT>
-                    <a:lnB w="9525" cap="flat" cmpd="sng" algn="ctr">
-                      <a:solidFill>
-                        <a:srgbClr val="9E9E9E"/>
-                      </a:solidFill>
-                      <a:prstDash val="solid"/>
-                      <a:round/>
-                      <a:headEnd type="none" w="med" len="med"/>
-                      <a:tailEnd type="none" w="med" len="med"/>
-                    </a:lnB>
-                    <a:noFill/>
-                  </a:tcPr>
-                </a:tc>
-                <a:tc>
-                  <a:txBody>
-                    <a:bodyPr/>
-                    <a:lstStyle/>
-                    <a:p>
-                      <a:pPr algn="l" fontAlgn="base">
-                        <a:buNone/>
-                      </a:pPr>
-                      <a:r>
-                        <a:rPr lang="en-IN" sz="600" b="0" dirty="0">
-                          <a:solidFill>
-                            <a:schemeClr val="tx1"/>
-                          </a:solidFill>
-                          <a:effectLst/>
-                          <a:latin typeface="SF Mono"/>
-                        </a:rPr>
-                        <a:t>{{pat_growth_fy26}}</a:t>
-                      </a:r>
-                    </a:p>
-                  </a:txBody>
-                  <a:tcPr anchor="ctr">
-                    <a:lnL w="9525" cap="flat" cmpd="sng" algn="ctr">
-                      <a:solidFill>
-                        <a:srgbClr val="9E9E9E"/>
-                      </a:solidFill>
-                      <a:prstDash val="solid"/>
-                      <a:round/>
-                      <a:headEnd type="none" w="med" len="med"/>
-                      <a:tailEnd type="none" w="med" len="med"/>
-                    </a:lnL>
-                    <a:lnR w="9525" cap="flat" cmpd="sng" algn="ctr">
-                      <a:solidFill>
-                        <a:srgbClr val="9E9E9E"/>
-                      </a:solidFill>
-                      <a:prstDash val="solid"/>
-                      <a:round/>
-                      <a:headEnd type="none" w="med" len="med"/>
-                      <a:tailEnd type="none" w="med" len="med"/>
-                    </a:lnR>
-                    <a:lnT w="9525" cap="flat" cmpd="sng" algn="ctr">
-                      <a:solidFill>
-                        <a:srgbClr val="9E9E9E"/>
-                      </a:solidFill>
-                      <a:prstDash val="solid"/>
-                      <a:round/>
-                      <a:headEnd type="none" w="med" len="med"/>
-                      <a:tailEnd type="none" w="med" len="med"/>
-                    </a:lnT>
-                    <a:lnB w="9525" cap="flat" cmpd="sng" algn="ctr">
-                      <a:solidFill>
-                        <a:srgbClr val="9E9E9E"/>
-                      </a:solidFill>
-                      <a:prstDash val="solid"/>
-                      <a:round/>
-                      <a:headEnd type="none" w="med" len="med"/>
-                      <a:tailEnd type="none" w="med" len="med"/>
-                    </a:lnB>
-                    <a:noFill/>
-                  </a:tcPr>
-                </a:tc>
-                <a:tc>
-                  <a:txBody>
-                    <a:bodyPr/>
-                    <a:lstStyle/>
-                    <a:p>
-                      <a:pPr algn="l" fontAlgn="base">
-                        <a:buNone/>
-                      </a:pPr>
-                      <a:r>
-                        <a:rPr lang="en-IN" sz="600" b="0" dirty="0">
-                          <a:solidFill>
-                            <a:schemeClr val="tx1"/>
-                          </a:solidFill>
-                          <a:effectLst/>
-                          <a:latin typeface="SF Mono"/>
-                        </a:rPr>
-                        <a:t>{{pat_growth_fy27}}</a:t>
-                      </a:r>
-                    </a:p>
-                  </a:txBody>
-                  <a:tcPr anchor="ctr">
-                    <a:lnL w="9525" cap="flat" cmpd="sng" algn="ctr">
-                      <a:solidFill>
-                        <a:srgbClr val="9E9E9E"/>
-                      </a:solidFill>
-                      <a:prstDash val="solid"/>
-                      <a:round/>
-                      <a:headEnd type="none" w="med" len="med"/>
-                      <a:tailEnd type="none" w="med" len="med"/>
-                    </a:lnL>
-                    <a:lnR w="9525" cap="flat" cmpd="sng" algn="ctr">
-                      <a:solidFill>
-                        <a:srgbClr val="9E9E9E"/>
-                      </a:solidFill>
-                      <a:prstDash val="solid"/>
-                      <a:round/>
-                      <a:headEnd type="none" w="med" len="med"/>
-                      <a:tailEnd type="none" w="med" len="med"/>
-                    </a:lnR>
-                    <a:lnT w="9525" cap="flat" cmpd="sng" algn="ctr">
-                      <a:solidFill>
-                        <a:srgbClr val="9E9E9E"/>
-                      </a:solidFill>
-                      <a:prstDash val="solid"/>
-                      <a:round/>
-                      <a:headEnd type="none" w="med" len="med"/>
-                      <a:tailEnd type="none" w="med" len="med"/>
-                    </a:lnT>
-                    <a:lnB w="9525" cap="flat" cmpd="sng" algn="ctr">
-                      <a:solidFill>
-                        <a:srgbClr val="9E9E9E"/>
-                      </a:solidFill>
-                      <a:prstDash val="solid"/>
-                      <a:round/>
-                      <a:headEnd type="none" w="med" len="med"/>
-                      <a:tailEnd type="none" w="med" len="med"/>
-                    </a:lnB>
-                    <a:noFill/>
-                  </a:tcPr>
-                </a:tc>
-                <a:tc>
-                  <a:txBody>
-                    <a:bodyPr/>
-                    <a:lstStyle/>
-                    <a:p>
-                      <a:pPr algn="l" fontAlgn="base">
-                        <a:buNone/>
-                      </a:pPr>
-                      <a:r>
-                        <a:rPr lang="en-IN" sz="600" b="0" dirty="0">
-                          <a:solidFill>
-                            <a:schemeClr val="tx1"/>
-                          </a:solidFill>
-                          <a:effectLst/>
-                          <a:latin typeface="SF Mono"/>
-                        </a:rPr>
-                        <a:t>{{pat_growth_fy28}}</a:t>
-                      </a:r>
-                    </a:p>
-                  </a:txBody>
-                  <a:tcPr anchor="ctr">
-                    <a:lnL w="9525" cap="flat" cmpd="sng" algn="ctr">
-                      <a:solidFill>
-                        <a:srgbClr val="9E9E9E"/>
-                      </a:solidFill>
-                      <a:prstDash val="solid"/>
-                      <a:round/>
-                      <a:headEnd type="none" w="med" len="med"/>
-                      <a:tailEnd type="none" w="med" len="med"/>
-                    </a:lnL>
-                    <a:lnR w="9525" cap="flat" cmpd="sng" algn="ctr">
-                      <a:solidFill>
-                        <a:srgbClr val="9E9E9E"/>
-                      </a:solidFill>
-                      <a:prstDash val="solid"/>
-                      <a:round/>
-                      <a:headEnd type="none" w="med" len="med"/>
-                      <a:tailEnd type="none" w="med" len="med"/>
-                    </a:lnR>
-                    <a:lnT w="9525" cap="flat" cmpd="sng" algn="ctr">
-                      <a:solidFill>
-                        <a:srgbClr val="9E9E9E"/>
-                      </a:solidFill>
-                      <a:prstDash val="solid"/>
-                      <a:round/>
-                      <a:headEnd type="none" w="med" len="med"/>
-                      <a:tailEnd type="none" w="med" len="med"/>
-                    </a:lnT>
-                    <a:lnB w="9525" cap="flat" cmpd="sng" algn="ctr">
-                      <a:solidFill>
-                        <a:srgbClr val="9E9E9E"/>
-                      </a:solidFill>
-                      <a:prstDash val="solid"/>
-                      <a:round/>
-                      <a:headEnd type="none" w="med" len="med"/>
-                      <a:tailEnd type="none" w="med" len="med"/>
-                    </a:lnB>
-                    <a:noFill/>
-                  </a:tcPr>
-                </a:tc>
-                <a:extLst>
-                  <a:ext uri="{0D108BD9-81ED-4DB2-BD59-A6C34878D82A}">
-                    <a16:rowId xmlns:a16="http://schemas.microsoft.com/office/drawing/2014/main" val="800111829"/>
-                  </a:ext>
-                </a:extLst>
-              </a:tr>
-              <a:tr h="273457">
-                <a:tc>
-                  <a:txBody>
-                    <a:bodyPr/>
-                    <a:lstStyle/>
-                    <a:p>
-                      <a:pPr rtl="0" fontAlgn="t">
-                        <a:buNone/>
-                      </a:pPr>
-                      <a:r>
-                        <a:rPr lang="en-IN" sz="600" b="0" i="0" u="none" strike="noStrike">
-                          <a:solidFill>
-                            <a:schemeClr val="tx1"/>
-                          </a:solidFill>
-                          <a:effectLst/>
-                          <a:latin typeface="Calibri" panose="020F0502020204030204" pitchFamily="34" charset="0"/>
-                        </a:rPr>
-                        <a:t>P/E</a:t>
-                      </a:r>
-                      <a:endParaRPr lang="en-IN">
-                        <a:solidFill>
-                          <a:schemeClr val="tx1"/>
-                        </a:solidFill>
-                        <a:effectLst/>
-                      </a:endParaRPr>
-                    </a:p>
-                  </a:txBody>
-                  <a:tcPr marL="95250" marR="95250" marT="95250" marB="95250">
-                    <a:lnL w="9525" cap="flat" cmpd="sng" algn="ctr">
-                      <a:solidFill>
-                        <a:srgbClr val="9E9E9E"/>
-                      </a:solidFill>
-                      <a:prstDash val="solid"/>
-                      <a:round/>
-                      <a:headEnd type="none" w="med" len="med"/>
-                      <a:tailEnd type="none" w="med" len="med"/>
-                    </a:lnL>
-                    <a:lnR w="9525" cap="flat" cmpd="sng" algn="ctr">
-                      <a:solidFill>
-                        <a:srgbClr val="9E9E9E"/>
-                      </a:solidFill>
-                      <a:prstDash val="solid"/>
-                      <a:round/>
-                      <a:headEnd type="none" w="med" len="med"/>
-                      <a:tailEnd type="none" w="med" len="med"/>
-                    </a:lnR>
-                    <a:lnT w="9525" cap="flat" cmpd="sng" algn="ctr">
-                      <a:solidFill>
-                        <a:srgbClr val="9E9E9E"/>
-                      </a:solidFill>
-                      <a:prstDash val="solid"/>
-                      <a:round/>
-                      <a:headEnd type="none" w="med" len="med"/>
-                      <a:tailEnd type="none" w="med" len="med"/>
-                    </a:lnT>
-                    <a:lnB w="9525" cap="flat" cmpd="sng" algn="ctr">
-                      <a:solidFill>
-                        <a:srgbClr val="9E9E9E"/>
-                      </a:solidFill>
-                      <a:prstDash val="solid"/>
-                      <a:round/>
-                      <a:headEnd type="none" w="med" len="med"/>
-                      <a:tailEnd type="none" w="med" len="med"/>
-                    </a:lnB>
-                    <a:solidFill>
-                      <a:srgbClr val="FFE5B4"/>
-                    </a:solidFill>
-                  </a:tcPr>
-                </a:tc>
-                <a:tc>
-                  <a:txBody>
-                    <a:bodyPr/>
-                    <a:lstStyle/>
-                    <a:p>
-                      <a:pPr algn="l" fontAlgn="base">
-                        <a:buNone/>
-                      </a:pPr>
-                      <a:r>
-                        <a:rPr lang="en-IN" sz="600" b="0">
-                          <a:solidFill>
-                            <a:schemeClr val="tx1"/>
-                          </a:solidFill>
-                          <a:effectLst/>
-                          <a:latin typeface="SF Mono"/>
-                        </a:rPr>
-                        <a:t>{{pe_fy24}}</a:t>
-                      </a:r>
-                    </a:p>
-                  </a:txBody>
-                  <a:tcPr anchor="ctr">
-                    <a:lnL w="9525" cap="flat" cmpd="sng" algn="ctr">
-                      <a:solidFill>
-                        <a:srgbClr val="9E9E9E"/>
-                      </a:solidFill>
-                      <a:prstDash val="solid"/>
-                      <a:round/>
-                      <a:headEnd type="none" w="med" len="med"/>
-                      <a:tailEnd type="none" w="med" len="med"/>
-                    </a:lnL>
-                    <a:lnR w="9525" cap="flat" cmpd="sng" algn="ctr">
-                      <a:solidFill>
-                        <a:srgbClr val="9E9E9E"/>
-                      </a:solidFill>
-                      <a:prstDash val="solid"/>
-                      <a:round/>
-                      <a:headEnd type="none" w="med" len="med"/>
-                      <a:tailEnd type="none" w="med" len="med"/>
-                    </a:lnR>
-                    <a:lnT w="9525" cap="flat" cmpd="sng" algn="ctr">
-                      <a:solidFill>
-                        <a:srgbClr val="9E9E9E"/>
-                      </a:solidFill>
-                      <a:prstDash val="solid"/>
-                      <a:round/>
-                      <a:headEnd type="none" w="med" len="med"/>
-                      <a:tailEnd type="none" w="med" len="med"/>
-                    </a:lnT>
-                    <a:lnB w="9525" cap="flat" cmpd="sng" algn="ctr">
-                      <a:solidFill>
-                        <a:srgbClr val="9E9E9E"/>
-                      </a:solidFill>
-                      <a:prstDash val="solid"/>
-                      <a:round/>
-                      <a:headEnd type="none" w="med" len="med"/>
-                      <a:tailEnd type="none" w="med" len="med"/>
-                    </a:lnB>
-                    <a:solidFill>
-                      <a:srgbClr val="FFE5B4"/>
-                    </a:solidFill>
-                  </a:tcPr>
-                </a:tc>
-                <a:tc>
-                  <a:txBody>
-                    <a:bodyPr/>
-                    <a:lstStyle/>
-                    <a:p>
-                      <a:pPr algn="l" fontAlgn="base">
-                        <a:buNone/>
-                      </a:pPr>
-                      <a:r>
-                        <a:rPr lang="en-IN" sz="600" b="0">
-                          <a:solidFill>
-                            <a:schemeClr val="tx1"/>
-                          </a:solidFill>
-                          <a:effectLst/>
-                          <a:latin typeface="SF Mono"/>
-                        </a:rPr>
-                        <a:t>{{pe_fy25}}</a:t>
-                      </a:r>
-                    </a:p>
-                  </a:txBody>
-                  <a:tcPr anchor="ctr">
-                    <a:lnL w="9525" cap="flat" cmpd="sng" algn="ctr">
-                      <a:solidFill>
-                        <a:srgbClr val="9E9E9E"/>
-                      </a:solidFill>
-                      <a:prstDash val="solid"/>
-                      <a:round/>
-                      <a:headEnd type="none" w="med" len="med"/>
-                      <a:tailEnd type="none" w="med" len="med"/>
-                    </a:lnL>
-                    <a:lnR w="9525" cap="flat" cmpd="sng" algn="ctr">
-                      <a:solidFill>
-                        <a:srgbClr val="9E9E9E"/>
-                      </a:solidFill>
-                      <a:prstDash val="solid"/>
-                      <a:round/>
-                      <a:headEnd type="none" w="med" len="med"/>
-                      <a:tailEnd type="none" w="med" len="med"/>
-                    </a:lnR>
-                    <a:lnT w="9525" cap="flat" cmpd="sng" algn="ctr">
-                      <a:solidFill>
-                        <a:srgbClr val="9E9E9E"/>
-                      </a:solidFill>
-                      <a:prstDash val="solid"/>
-                      <a:round/>
-                      <a:headEnd type="none" w="med" len="med"/>
-                      <a:tailEnd type="none" w="med" len="med"/>
-                    </a:lnT>
-                    <a:lnB w="9525" cap="flat" cmpd="sng" algn="ctr">
-                      <a:solidFill>
-                        <a:srgbClr val="9E9E9E"/>
-                      </a:solidFill>
-                      <a:prstDash val="solid"/>
-                      <a:round/>
-                      <a:headEnd type="none" w="med" len="med"/>
-                      <a:tailEnd type="none" w="med" len="med"/>
-                    </a:lnB>
-                    <a:solidFill>
-                      <a:srgbClr val="FFE5B4"/>
-                    </a:solidFill>
-                  </a:tcPr>
-                </a:tc>
-                <a:tc>
-                  <a:txBody>
-                    <a:bodyPr/>
-                    <a:lstStyle/>
-                    <a:p>
-                      <a:pPr algn="l" fontAlgn="base">
-                        <a:buNone/>
-                      </a:pPr>
-                      <a:r>
-                        <a:rPr lang="en-IN" sz="600" b="0">
-                          <a:solidFill>
-                            <a:schemeClr val="tx1"/>
-                          </a:solidFill>
-                          <a:effectLst/>
-                          <a:latin typeface="SF Mono"/>
-                        </a:rPr>
-                        <a:t>{{pe_fy26}}</a:t>
-                      </a:r>
-                    </a:p>
-                  </a:txBody>
-                  <a:tcPr anchor="ctr">
-                    <a:lnL w="9525" cap="flat" cmpd="sng" algn="ctr">
-                      <a:solidFill>
-                        <a:srgbClr val="9E9E9E"/>
-                      </a:solidFill>
-                      <a:prstDash val="solid"/>
-                      <a:round/>
-                      <a:headEnd type="none" w="med" len="med"/>
-                      <a:tailEnd type="none" w="med" len="med"/>
-                    </a:lnL>
-                    <a:lnR w="9525" cap="flat" cmpd="sng" algn="ctr">
-                      <a:solidFill>
-                        <a:srgbClr val="9E9E9E"/>
-                      </a:solidFill>
-                      <a:prstDash val="solid"/>
-                      <a:round/>
-                      <a:headEnd type="none" w="med" len="med"/>
-                      <a:tailEnd type="none" w="med" len="med"/>
-                    </a:lnR>
-                    <a:lnT w="9525" cap="flat" cmpd="sng" algn="ctr">
-                      <a:solidFill>
-                        <a:srgbClr val="9E9E9E"/>
-                      </a:solidFill>
-                      <a:prstDash val="solid"/>
-                      <a:round/>
-                      <a:headEnd type="none" w="med" len="med"/>
-                      <a:tailEnd type="none" w="med" len="med"/>
-                    </a:lnT>
-                    <a:lnB w="9525" cap="flat" cmpd="sng" algn="ctr">
-                      <a:solidFill>
-                        <a:srgbClr val="9E9E9E"/>
-                      </a:solidFill>
-                      <a:prstDash val="solid"/>
-                      <a:round/>
-                      <a:headEnd type="none" w="med" len="med"/>
-                      <a:tailEnd type="none" w="med" len="med"/>
-                    </a:lnB>
-                    <a:solidFill>
-                      <a:srgbClr val="FFE5B4"/>
-                    </a:solidFill>
-                  </a:tcPr>
-                </a:tc>
-                <a:tc>
-                  <a:txBody>
-                    <a:bodyPr/>
-                    <a:lstStyle/>
-                    <a:p>
-                      <a:pPr algn="l" fontAlgn="base">
-                        <a:buNone/>
-                      </a:pPr>
-                      <a:r>
-                        <a:rPr lang="en-IN" sz="600" b="0">
-                          <a:solidFill>
-                            <a:schemeClr val="tx1"/>
-                          </a:solidFill>
-                          <a:effectLst/>
-                          <a:latin typeface="SF Mono"/>
-                        </a:rPr>
-                        <a:t>{{pe_fy27}}</a:t>
-                      </a:r>
-                    </a:p>
-                  </a:txBody>
-                  <a:tcPr anchor="ctr">
-                    <a:lnL w="9525" cap="flat" cmpd="sng" algn="ctr">
-                      <a:solidFill>
-                        <a:srgbClr val="9E9E9E"/>
-                      </a:solidFill>
-                      <a:prstDash val="solid"/>
-                      <a:round/>
-                      <a:headEnd type="none" w="med" len="med"/>
-                      <a:tailEnd type="none" w="med" len="med"/>
-                    </a:lnL>
-                    <a:lnR w="9525" cap="flat" cmpd="sng" algn="ctr">
-                      <a:solidFill>
-                        <a:srgbClr val="9E9E9E"/>
-                      </a:solidFill>
-                      <a:prstDash val="solid"/>
-                      <a:round/>
-                      <a:headEnd type="none" w="med" len="med"/>
-                      <a:tailEnd type="none" w="med" len="med"/>
-                    </a:lnR>
-                    <a:lnT w="9525" cap="flat" cmpd="sng" algn="ctr">
-                      <a:solidFill>
-                        <a:srgbClr val="9E9E9E"/>
-                      </a:solidFill>
-                      <a:prstDash val="solid"/>
-                      <a:round/>
-                      <a:headEnd type="none" w="med" len="med"/>
-                      <a:tailEnd type="none" w="med" len="med"/>
-                    </a:lnT>
-                    <a:lnB w="9525" cap="flat" cmpd="sng" algn="ctr">
-                      <a:solidFill>
-                        <a:srgbClr val="9E9E9E"/>
-                      </a:solidFill>
-                      <a:prstDash val="solid"/>
-                      <a:round/>
-                      <a:headEnd type="none" w="med" len="med"/>
-                      <a:tailEnd type="none" w="med" len="med"/>
-                    </a:lnB>
-                    <a:solidFill>
-                      <a:srgbClr val="FFE5B4"/>
-                    </a:solidFill>
-                  </a:tcPr>
-                </a:tc>
-                <a:tc>
-                  <a:txBody>
-                    <a:bodyPr/>
-                    <a:lstStyle/>
-                    <a:p>
-                      <a:pPr algn="l" fontAlgn="base">
-                        <a:buNone/>
-                      </a:pPr>
-                      <a:r>
-                        <a:rPr lang="en-IN" sz="600" b="0" dirty="0">
-                          <a:solidFill>
-                            <a:schemeClr val="tx1"/>
-                          </a:solidFill>
-                          <a:effectLst/>
-                          <a:latin typeface="SF Mono"/>
-                        </a:rPr>
-                        <a:t>{{pe_fy28}}</a:t>
-                      </a:r>
-                    </a:p>
-                  </a:txBody>
-                  <a:tcPr anchor="ctr">
-                    <a:lnL w="9525" cap="flat" cmpd="sng" algn="ctr">
-                      <a:solidFill>
-                        <a:srgbClr val="9E9E9E"/>
-                      </a:solidFill>
-                      <a:prstDash val="solid"/>
-                      <a:round/>
-                      <a:headEnd type="none" w="med" len="med"/>
-                      <a:tailEnd type="none" w="med" len="med"/>
-                    </a:lnL>
-                    <a:lnR w="9525" cap="flat" cmpd="sng" algn="ctr">
-                      <a:solidFill>
-                        <a:srgbClr val="9E9E9E"/>
-                      </a:solidFill>
-                      <a:prstDash val="solid"/>
-                      <a:round/>
-                      <a:headEnd type="none" w="med" len="med"/>
-                      <a:tailEnd type="none" w="med" len="med"/>
-                    </a:lnR>
-                    <a:lnT w="9525" cap="flat" cmpd="sng" algn="ctr">
-                      <a:solidFill>
-                        <a:srgbClr val="9E9E9E"/>
-                      </a:solidFill>
-                      <a:prstDash val="solid"/>
-                      <a:round/>
-                      <a:headEnd type="none" w="med" len="med"/>
-                      <a:tailEnd type="none" w="med" len="med"/>
-                    </a:lnT>
-                    <a:lnB w="9525" cap="flat" cmpd="sng" algn="ctr">
-                      <a:solidFill>
-                        <a:srgbClr val="9E9E9E"/>
-                      </a:solidFill>
-                      <a:prstDash val="solid"/>
-                      <a:round/>
-                      <a:headEnd type="none" w="med" len="med"/>
-                      <a:tailEnd type="none" w="med" len="med"/>
-                    </a:lnB>
-                    <a:solidFill>
-                      <a:srgbClr val="FFE5B4"/>
-                    </a:solidFill>
-                  </a:tcPr>
-                </a:tc>
-                <a:extLst>
-                  <a:ext uri="{0D108BD9-81ED-4DB2-BD59-A6C34878D82A}">
-                    <a16:rowId xmlns:a16="http://schemas.microsoft.com/office/drawing/2014/main" val="2083340940"/>
-                  </a:ext>
-                </a:extLst>
-              </a:tr>
-              <a:tr h="273457">
-                <a:tc>
-                  <a:txBody>
-                    <a:bodyPr/>
-                    <a:lstStyle/>
-                    <a:p>
-                      <a:pPr rtl="0" fontAlgn="t">
-                        <a:buNone/>
-                      </a:pPr>
-                      <a:r>
-                        <a:rPr lang="en-IN" sz="600" b="0" i="0" u="none" strike="noStrike">
-                          <a:solidFill>
-                            <a:schemeClr val="tx1"/>
-                          </a:solidFill>
-                          <a:effectLst/>
-                          <a:latin typeface="Calibri" panose="020F0502020204030204" pitchFamily="34" charset="0"/>
-                        </a:rPr>
-                        <a:t>P/B</a:t>
-                      </a:r>
-                      <a:endParaRPr lang="en-IN">
-                        <a:solidFill>
-                          <a:schemeClr val="tx1"/>
-                        </a:solidFill>
-                        <a:effectLst/>
-                      </a:endParaRPr>
-                    </a:p>
-                  </a:txBody>
-                  <a:tcPr marL="95250" marR="95250" marT="95250" marB="95250">
-                    <a:lnL w="9525" cap="flat" cmpd="sng" algn="ctr">
-                      <a:solidFill>
-                        <a:srgbClr val="9E9E9E"/>
-                      </a:solidFill>
-                      <a:prstDash val="solid"/>
-                      <a:round/>
-                      <a:headEnd type="none" w="med" len="med"/>
-                      <a:tailEnd type="none" w="med" len="med"/>
-                    </a:lnL>
-                    <a:lnR w="9525" cap="flat" cmpd="sng" algn="ctr">
-                      <a:solidFill>
-                        <a:srgbClr val="9E9E9E"/>
-                      </a:solidFill>
-                      <a:prstDash val="solid"/>
-                      <a:round/>
-                      <a:headEnd type="none" w="med" len="med"/>
-                      <a:tailEnd type="none" w="med" len="med"/>
-                    </a:lnR>
-                    <a:lnT w="9525" cap="flat" cmpd="sng" algn="ctr">
-                      <a:solidFill>
-                        <a:srgbClr val="9E9E9E"/>
-                      </a:solidFill>
-                      <a:prstDash val="solid"/>
-                      <a:round/>
-                      <a:headEnd type="none" w="med" len="med"/>
-                      <a:tailEnd type="none" w="med" len="med"/>
-                    </a:lnT>
-                    <a:lnB w="9525" cap="flat" cmpd="sng" algn="ctr">
-                      <a:solidFill>
-                        <a:srgbClr val="9E9E9E"/>
-                      </a:solidFill>
-                      <a:prstDash val="solid"/>
-                      <a:round/>
-                      <a:headEnd type="none" w="med" len="med"/>
-                      <a:tailEnd type="none" w="med" len="med"/>
-                    </a:lnB>
-                    <a:noFill/>
-                  </a:tcPr>
-                </a:tc>
-                <a:tc>
-                  <a:txBody>
-                    <a:bodyPr/>
-                    <a:lstStyle/>
-                    <a:p>
-                      <a:pPr algn="l" fontAlgn="base">
-                        <a:buNone/>
-                      </a:pPr>
-                      <a:r>
-                        <a:rPr lang="en-IN" sz="600" b="0">
-                          <a:solidFill>
-                            <a:schemeClr val="tx1"/>
-                          </a:solidFill>
-                          <a:effectLst/>
-                          <a:latin typeface="SF Mono"/>
-                        </a:rPr>
-                        <a:t>{{pe_fy24}}</a:t>
-                      </a:r>
-                    </a:p>
-                  </a:txBody>
-                  <a:tcPr anchor="ctr">
-                    <a:lnL w="9525" cap="flat" cmpd="sng" algn="ctr">
-                      <a:solidFill>
-                        <a:srgbClr val="9E9E9E"/>
-                      </a:solidFill>
-                      <a:prstDash val="solid"/>
-                      <a:round/>
-                      <a:headEnd type="none" w="med" len="med"/>
-                      <a:tailEnd type="none" w="med" len="med"/>
-                    </a:lnL>
-                    <a:lnR w="9525" cap="flat" cmpd="sng" algn="ctr">
-                      <a:solidFill>
-                        <a:srgbClr val="9E9E9E"/>
-                      </a:solidFill>
-                      <a:prstDash val="solid"/>
-                      <a:round/>
-                      <a:headEnd type="none" w="med" len="med"/>
-                      <a:tailEnd type="none" w="med" len="med"/>
-                    </a:lnR>
-                    <a:lnT w="9525" cap="flat" cmpd="sng" algn="ctr">
-                      <a:solidFill>
-                        <a:srgbClr val="9E9E9E"/>
-                      </a:solidFill>
-                      <a:prstDash val="solid"/>
-                      <a:round/>
-                      <a:headEnd type="none" w="med" len="med"/>
-                      <a:tailEnd type="none" w="med" len="med"/>
-                    </a:lnT>
-                    <a:lnB w="9525" cap="flat" cmpd="sng" algn="ctr">
-                      <a:solidFill>
-                        <a:srgbClr val="9E9E9E"/>
-                      </a:solidFill>
-                      <a:prstDash val="solid"/>
-                      <a:round/>
-                      <a:headEnd type="none" w="med" len="med"/>
-                      <a:tailEnd type="none" w="med" len="med"/>
-                    </a:lnB>
-                    <a:noFill/>
-                  </a:tcPr>
-                </a:tc>
-                <a:tc>
-                  <a:txBody>
-                    <a:bodyPr/>
-                    <a:lstStyle/>
-                    <a:p>
-                      <a:pPr algn="l" fontAlgn="base">
-                        <a:buNone/>
-                      </a:pPr>
-                      <a:r>
-                        <a:rPr lang="en-IN" sz="600" b="0">
-                          <a:solidFill>
-                            <a:schemeClr val="tx1"/>
-                          </a:solidFill>
-                          <a:effectLst/>
-                          <a:latin typeface="SF Mono"/>
-                        </a:rPr>
-                        <a:t>{{pe_fy25}}</a:t>
-                      </a:r>
-                    </a:p>
-                  </a:txBody>
-                  <a:tcPr anchor="ctr">
-                    <a:lnL w="9525" cap="flat" cmpd="sng" algn="ctr">
-                      <a:solidFill>
-                        <a:srgbClr val="9E9E9E"/>
-                      </a:solidFill>
-                      <a:prstDash val="solid"/>
-                      <a:round/>
-                      <a:headEnd type="none" w="med" len="med"/>
-                      <a:tailEnd type="none" w="med" len="med"/>
-                    </a:lnL>
-                    <a:lnR w="9525" cap="flat" cmpd="sng" algn="ctr">
-                      <a:solidFill>
-                        <a:srgbClr val="9E9E9E"/>
-                      </a:solidFill>
-                      <a:prstDash val="solid"/>
-                      <a:round/>
-                      <a:headEnd type="none" w="med" len="med"/>
-                      <a:tailEnd type="none" w="med" len="med"/>
-                    </a:lnR>
-                    <a:lnT w="9525" cap="flat" cmpd="sng" algn="ctr">
-                      <a:solidFill>
-                        <a:srgbClr val="9E9E9E"/>
-                      </a:solidFill>
-                      <a:prstDash val="solid"/>
-                      <a:round/>
-                      <a:headEnd type="none" w="med" len="med"/>
-                      <a:tailEnd type="none" w="med" len="med"/>
-                    </a:lnT>
-                    <a:lnB w="9525" cap="flat" cmpd="sng" algn="ctr">
-                      <a:solidFill>
-                        <a:srgbClr val="9E9E9E"/>
-                      </a:solidFill>
-                      <a:prstDash val="solid"/>
-                      <a:round/>
-                      <a:headEnd type="none" w="med" len="med"/>
-                      <a:tailEnd type="none" w="med" len="med"/>
-                    </a:lnB>
-                    <a:noFill/>
-                  </a:tcPr>
-                </a:tc>
-                <a:tc>
-                  <a:txBody>
-                    <a:bodyPr/>
-                    <a:lstStyle/>
-                    <a:p>
-                      <a:pPr algn="l" fontAlgn="base">
-                        <a:buNone/>
-                      </a:pPr>
-                      <a:r>
-                        <a:rPr lang="en-IN" sz="600" b="0">
-                          <a:solidFill>
-                            <a:schemeClr val="tx1"/>
-                          </a:solidFill>
-                          <a:effectLst/>
-                          <a:latin typeface="SF Mono"/>
-                        </a:rPr>
-                        <a:t>{{pe_fy26}}</a:t>
-                      </a:r>
-                    </a:p>
-                  </a:txBody>
-                  <a:tcPr anchor="ctr">
-                    <a:lnL w="9525" cap="flat" cmpd="sng" algn="ctr">
-                      <a:solidFill>
-                        <a:srgbClr val="9E9E9E"/>
-                      </a:solidFill>
-                      <a:prstDash val="solid"/>
-                      <a:round/>
-                      <a:headEnd type="none" w="med" len="med"/>
-                      <a:tailEnd type="none" w="med" len="med"/>
-                    </a:lnL>
-                    <a:lnR w="9525" cap="flat" cmpd="sng" algn="ctr">
-                      <a:solidFill>
-                        <a:srgbClr val="9E9E9E"/>
-                      </a:solidFill>
-                      <a:prstDash val="solid"/>
-                      <a:round/>
-                      <a:headEnd type="none" w="med" len="med"/>
-                      <a:tailEnd type="none" w="med" len="med"/>
-                    </a:lnR>
-                    <a:lnT w="9525" cap="flat" cmpd="sng" algn="ctr">
-                      <a:solidFill>
-                        <a:srgbClr val="9E9E9E"/>
-                      </a:solidFill>
-                      <a:prstDash val="solid"/>
-                      <a:round/>
-                      <a:headEnd type="none" w="med" len="med"/>
-                      <a:tailEnd type="none" w="med" len="med"/>
-                    </a:lnT>
-                    <a:lnB w="9525" cap="flat" cmpd="sng" algn="ctr">
-                      <a:solidFill>
-                        <a:srgbClr val="9E9E9E"/>
-                      </a:solidFill>
-                      <a:prstDash val="solid"/>
-                      <a:round/>
-                      <a:headEnd type="none" w="med" len="med"/>
-                      <a:tailEnd type="none" w="med" len="med"/>
-                    </a:lnB>
-                    <a:noFill/>
-                  </a:tcPr>
-                </a:tc>
-                <a:tc>
-                  <a:txBody>
-                    <a:bodyPr/>
-                    <a:lstStyle/>
-                    <a:p>
-                      <a:pPr algn="l" fontAlgn="base">
-                        <a:buNone/>
-                      </a:pPr>
-                      <a:r>
-                        <a:rPr lang="en-IN" sz="600" b="0">
-                          <a:solidFill>
-                            <a:schemeClr val="tx1"/>
-                          </a:solidFill>
-                          <a:effectLst/>
-                          <a:latin typeface="SF Mono"/>
-                        </a:rPr>
-                        <a:t>{{pe_fy27}}</a:t>
-                      </a:r>
-                    </a:p>
-                  </a:txBody>
-                  <a:tcPr anchor="ctr">
-                    <a:lnL w="9525" cap="flat" cmpd="sng" algn="ctr">
-                      <a:solidFill>
-                        <a:srgbClr val="9E9E9E"/>
-                      </a:solidFill>
-                      <a:prstDash val="solid"/>
-                      <a:round/>
-                      <a:headEnd type="none" w="med" len="med"/>
-                      <a:tailEnd type="none" w="med" len="med"/>
-                    </a:lnL>
-                    <a:lnR w="9525" cap="flat" cmpd="sng" algn="ctr">
-                      <a:solidFill>
-                        <a:srgbClr val="9E9E9E"/>
-                      </a:solidFill>
-                      <a:prstDash val="solid"/>
-                      <a:round/>
-                      <a:headEnd type="none" w="med" len="med"/>
-                      <a:tailEnd type="none" w="med" len="med"/>
-                    </a:lnR>
-                    <a:lnT w="9525" cap="flat" cmpd="sng" algn="ctr">
-                      <a:solidFill>
-                        <a:srgbClr val="9E9E9E"/>
-                      </a:solidFill>
-                      <a:prstDash val="solid"/>
-                      <a:round/>
-                      <a:headEnd type="none" w="med" len="med"/>
-                      <a:tailEnd type="none" w="med" len="med"/>
-                    </a:lnT>
-                    <a:lnB w="9525" cap="flat" cmpd="sng" algn="ctr">
-                      <a:solidFill>
-                        <a:srgbClr val="9E9E9E"/>
-                      </a:solidFill>
-                      <a:prstDash val="solid"/>
-                      <a:round/>
-                      <a:headEnd type="none" w="med" len="med"/>
-                      <a:tailEnd type="none" w="med" len="med"/>
-                    </a:lnB>
-                    <a:noFill/>
-                  </a:tcPr>
-                </a:tc>
-                <a:tc>
-                  <a:txBody>
-                    <a:bodyPr/>
-                    <a:lstStyle/>
-                    <a:p>
-                      <a:pPr algn="l" fontAlgn="base">
-                        <a:buNone/>
-                      </a:pPr>
-                      <a:r>
-                        <a:rPr lang="en-IN" sz="600" b="0" dirty="0">
-                          <a:solidFill>
-                            <a:schemeClr val="tx1"/>
-                          </a:solidFill>
-                          <a:effectLst/>
-                          <a:latin typeface="SF Mono"/>
-                        </a:rPr>
-                        <a:t>{{pe_fy28}}</a:t>
-                      </a:r>
-                    </a:p>
-                  </a:txBody>
-                  <a:tcPr anchor="ctr">
-                    <a:lnL w="9525" cap="flat" cmpd="sng" algn="ctr">
-                      <a:solidFill>
-                        <a:srgbClr val="9E9E9E"/>
-                      </a:solidFill>
-                      <a:prstDash val="solid"/>
-                      <a:round/>
-                      <a:headEnd type="none" w="med" len="med"/>
-                      <a:tailEnd type="none" w="med" len="med"/>
-                    </a:lnL>
-                    <a:lnR w="9525" cap="flat" cmpd="sng" algn="ctr">
-                      <a:solidFill>
-                        <a:srgbClr val="9E9E9E"/>
-                      </a:solidFill>
-                      <a:prstDash val="solid"/>
-                      <a:round/>
-                      <a:headEnd type="none" w="med" len="med"/>
-                      <a:tailEnd type="none" w="med" len="med"/>
-                    </a:lnR>
-                    <a:lnT w="9525" cap="flat" cmpd="sng" algn="ctr">
-                      <a:solidFill>
-                        <a:srgbClr val="9E9E9E"/>
-                      </a:solidFill>
-                      <a:prstDash val="solid"/>
-                      <a:round/>
-                      <a:headEnd type="none" w="med" len="med"/>
-                      <a:tailEnd type="none" w="med" len="med"/>
-                    </a:lnT>
-                    <a:lnB w="9525" cap="flat" cmpd="sng" algn="ctr">
-                      <a:solidFill>
-                        <a:srgbClr val="9E9E9E"/>
-                      </a:solidFill>
-                      <a:prstDash val="solid"/>
-                      <a:round/>
-                      <a:headEnd type="none" w="med" len="med"/>
-                      <a:tailEnd type="none" w="med" len="med"/>
-                    </a:lnB>
-                    <a:noFill/>
-                  </a:tcPr>
-                </a:tc>
-                <a:extLst>
-                  <a:ext uri="{0D108BD9-81ED-4DB2-BD59-A6C34878D82A}">
-                    <a16:rowId xmlns:a16="http://schemas.microsoft.com/office/drawing/2014/main" val="2302457328"/>
-                  </a:ext>
-                </a:extLst>
-              </a:tr>
-            </a:tbl>
-          </a:graphicData>
-        </a:graphic>
-      </p:graphicFrame>
       <p:sp>
         <p:nvSpPr>
           <p:cNvPr id="5" name="Rectangle 1">
@@ -13912,6 +9946,49 @@
           <a:lstStyle/>
           <a:p>
             <a:endParaRPr lang="en-IN"/>
+          </a:p>
+        </p:txBody>
+      </p:sp>
+      <p:sp>
+        <p:nvSpPr>
+          <p:cNvPr id="3" name="TextBox 2">
+            <a:extLst>
+              <a:ext uri="{FF2B5EF4-FFF2-40B4-BE49-F238E27FC236}">
+                <a16:creationId xmlns:a16="http://schemas.microsoft.com/office/drawing/2014/main" id="{DC7AF995-F696-A6E3-D2A6-DE92AB47CE0E}"/>
+              </a:ext>
+            </a:extLst>
+          </p:cNvPr>
+          <p:cNvSpPr txBox="1"/>
+          <p:nvPr/>
+        </p:nvSpPr>
+        <p:spPr>
+          <a:xfrm>
+            <a:off x="6169378" y="1224845"/>
+            <a:ext cx="1885244" cy="307777"/>
+          </a:xfrm>
+          <a:prstGeom prst="rect">
+            <a:avLst/>
+          </a:prstGeom>
+          <a:noFill/>
+        </p:spPr>
+        <p:txBody>
+          <a:bodyPr wrap="square" rtlCol="0">
+            <a:spAutoFit/>
+          </a:bodyPr>
+          <a:lstStyle/>
+          <a:p>
+            <a:r>
+              <a:rPr lang="en-IN" dirty="0"/>
+              <a:t>{{</a:t>
+            </a:r>
+            <a:r>
+              <a:rPr lang="en-IN" dirty="0" err="1"/>
+              <a:t>prize_chart</a:t>
+            </a:r>
+            <a:r>
+              <a:rPr lang="en-IN" dirty="0"/>
+              <a:t>}}</a:t>
+            </a:r>
           </a:p>
         </p:txBody>
       </p:sp>

--- a/master_template.pptx
+++ b/master_template.pptx
@@ -5,22 +5,21 @@
     <p:sldMasterId id="2147483659" r:id="rId1"/>
   </p:sldMasterIdLst>
   <p:notesMasterIdLst>
-    <p:notesMasterId r:id="rId15"/>
+    <p:notesMasterId r:id="rId14"/>
   </p:notesMasterIdLst>
   <p:sldIdLst>
     <p:sldId id="256" r:id="rId2"/>
     <p:sldId id="257" r:id="rId3"/>
-    <p:sldId id="258" r:id="rId4"/>
-    <p:sldId id="261" r:id="rId5"/>
-    <p:sldId id="266" r:id="rId6"/>
-    <p:sldId id="269" r:id="rId7"/>
-    <p:sldId id="265" r:id="rId8"/>
-    <p:sldId id="270" r:id="rId9"/>
-    <p:sldId id="271" r:id="rId10"/>
-    <p:sldId id="272" r:id="rId11"/>
-    <p:sldId id="262" r:id="rId12"/>
-    <p:sldId id="263" r:id="rId13"/>
-    <p:sldId id="264" r:id="rId14"/>
+    <p:sldId id="261" r:id="rId4"/>
+    <p:sldId id="266" r:id="rId5"/>
+    <p:sldId id="269" r:id="rId6"/>
+    <p:sldId id="265" r:id="rId7"/>
+    <p:sldId id="270" r:id="rId8"/>
+    <p:sldId id="271" r:id="rId9"/>
+    <p:sldId id="272" r:id="rId10"/>
+    <p:sldId id="262" r:id="rId11"/>
+    <p:sldId id="263" r:id="rId12"/>
+    <p:sldId id="264" r:id="rId13"/>
   </p:sldIdLst>
   <p:sldSz cx="9144000" cy="5143500" type="screen16x9"/>
   <p:notesSz cx="6858000" cy="9144000"/>
@@ -281,7 +280,7 @@
 <file path=ppt/comments/comment1.xml><?xml version="1.0" encoding="utf-8"?>
 <p:cmLst xmlns:a="http://schemas.openxmlformats.org/drawingml/2006/main" xmlns:r="http://schemas.openxmlformats.org/officeDocument/2006/relationships" xmlns:p="http://schemas.openxmlformats.org/presentationml/2006/main">
   <p:cm authorId="0" dt="2026-01-22T04:20:50.161" idx="1">
-    <p:pos x="0" y="364"/>
+    <p:pos x="-15" y="335"/>
     <p:text>sign add</p:text>
   </p:cm>
 </p:cmLst>
@@ -837,133 +836,6 @@
   <p:cSld>
     <p:spTree>
       <p:nvGrpSpPr>
-        <p:cNvPr id="1" name="Shape 98">
-          <a:extLst>
-            <a:ext uri="{FF2B5EF4-FFF2-40B4-BE49-F238E27FC236}">
-              <a16:creationId xmlns:a16="http://schemas.microsoft.com/office/drawing/2014/main" id="{6689D2BA-5EC3-B160-2C65-121A615E6214}"/>
-            </a:ext>
-          </a:extLst>
-        </p:cNvPr>
-        <p:cNvGrpSpPr/>
-        <p:nvPr/>
-      </p:nvGrpSpPr>
-      <p:grpSpPr>
-        <a:xfrm>
-          <a:off x="0" y="0"/>
-          <a:ext cx="0" cy="0"/>
-          <a:chOff x="0" y="0"/>
-          <a:chExt cx="0" cy="0"/>
-        </a:xfrm>
-      </p:grpSpPr>
-      <p:sp>
-        <p:nvSpPr>
-          <p:cNvPr id="99" name="Google Shape;99;g3bb05c92415_0_98:notes">
-            <a:extLst>
-              <a:ext uri="{FF2B5EF4-FFF2-40B4-BE49-F238E27FC236}">
-                <a16:creationId xmlns:a16="http://schemas.microsoft.com/office/drawing/2014/main" id="{5C41AF30-A169-D40D-A47B-CA3487D6900D}"/>
-              </a:ext>
-            </a:extLst>
-          </p:cNvPr>
-          <p:cNvSpPr>
-            <a:spLocks noGrp="1" noRot="1" noChangeAspect="1"/>
-          </p:cNvSpPr>
-          <p:nvPr>
-            <p:ph type="sldImg" idx="2"/>
-          </p:nvPr>
-        </p:nvSpPr>
-        <p:spPr>
-          <a:xfrm>
-            <a:off x="381000" y="685800"/>
-            <a:ext cx="6096000" cy="3429000"/>
-          </a:xfrm>
-          <a:custGeom>
-            <a:avLst/>
-            <a:gdLst/>
-            <a:ahLst/>
-            <a:cxnLst/>
-            <a:rect l="l" t="t" r="r" b="b"/>
-            <a:pathLst>
-              <a:path w="120000" h="120000" extrusionOk="0">
-                <a:moveTo>
-                  <a:pt x="0" y="0"/>
-                </a:moveTo>
-                <a:lnTo>
-                  <a:pt x="120000" y="0"/>
-                </a:lnTo>
-                <a:lnTo>
-                  <a:pt x="120000" y="120000"/>
-                </a:lnTo>
-                <a:lnTo>
-                  <a:pt x="0" y="120000"/>
-                </a:lnTo>
-                <a:close/>
-              </a:path>
-            </a:pathLst>
-          </a:custGeom>
-        </p:spPr>
-      </p:sp>
-      <p:sp>
-        <p:nvSpPr>
-          <p:cNvPr id="100" name="Google Shape;100;g3bb05c92415_0_98:notes">
-            <a:extLst>
-              <a:ext uri="{FF2B5EF4-FFF2-40B4-BE49-F238E27FC236}">
-                <a16:creationId xmlns:a16="http://schemas.microsoft.com/office/drawing/2014/main" id="{8F66EA67-3F0D-1501-6414-FEF6DE6B5EC9}"/>
-              </a:ext>
-            </a:extLst>
-          </p:cNvPr>
-          <p:cNvSpPr txBox="1">
-            <a:spLocks noGrp="1"/>
-          </p:cNvSpPr>
-          <p:nvPr>
-            <p:ph type="body" idx="1"/>
-          </p:nvPr>
-        </p:nvSpPr>
-        <p:spPr>
-          <a:xfrm>
-            <a:off x="685800" y="4343400"/>
-            <a:ext cx="5486400" cy="4114800"/>
-          </a:xfrm>
-          <a:prstGeom prst="rect">
-            <a:avLst/>
-          </a:prstGeom>
-        </p:spPr>
-        <p:txBody>
-          <a:bodyPr spcFirstLastPara="1" wrap="square" lIns="91425" tIns="91425" rIns="91425" bIns="91425" anchor="t" anchorCtr="0">
-            <a:noAutofit/>
-          </a:bodyPr>
-          <a:lstStyle/>
-          <a:p>
-            <a:pPr marL="0" lvl="0" indent="0" algn="l" rtl="0">
-              <a:spcBef>
-                <a:spcPts val="0"/>
-              </a:spcBef>
-              <a:spcAft>
-                <a:spcPts val="0"/>
-              </a:spcAft>
-              <a:buNone/>
-            </a:pPr>
-            <a:endParaRPr/>
-          </a:p>
-        </p:txBody>
-      </p:sp>
-    </p:spTree>
-    <p:extLst>
-      <p:ext uri="{BB962C8B-B14F-4D97-AF65-F5344CB8AC3E}">
-        <p14:creationId xmlns:p14="http://schemas.microsoft.com/office/powerpoint/2010/main" val="1881379201"/>
-      </p:ext>
-    </p:extLst>
-  </p:cSld>
-  <p:clrMapOvr>
-    <a:masterClrMapping/>
-  </p:clrMapOvr>
-</p:notes>
-</file>
-
-<file path=ppt/notesSlides/notesSlide11.xml><?xml version="1.0" encoding="utf-8"?>
-<p:notes xmlns:a="http://schemas.openxmlformats.org/drawingml/2006/main" xmlns:r="http://schemas.openxmlformats.org/officeDocument/2006/relationships" xmlns:p="http://schemas.openxmlformats.org/presentationml/2006/main" showMasterSp="0" showMasterPhAnim="0">
-  <p:cSld>
-    <p:spTree>
-      <p:nvGrpSpPr>
         <p:cNvPr id="1" name="Shape 104"/>
         <p:cNvGrpSpPr/>
         <p:nvPr/>
@@ -1063,7 +935,7 @@
 </p:notes>
 </file>
 
-<file path=ppt/notesSlides/notesSlide12.xml><?xml version="1.0" encoding="utf-8"?>
+<file path=ppt/notesSlides/notesSlide11.xml><?xml version="1.0" encoding="utf-8"?>
 <p:notes xmlns:a="http://schemas.openxmlformats.org/drawingml/2006/main" xmlns:r="http://schemas.openxmlformats.org/officeDocument/2006/relationships" xmlns:p="http://schemas.openxmlformats.org/presentationml/2006/main" showMasterSp="0" showMasterPhAnim="0">
   <p:cSld>
     <p:spTree>
@@ -1167,7 +1039,7 @@
 </p:notes>
 </file>
 
-<file path=ppt/notesSlides/notesSlide13.xml><?xml version="1.0" encoding="utf-8"?>
+<file path=ppt/notesSlides/notesSlide12.xml><?xml version="1.0" encoding="utf-8"?>
 <p:notes xmlns:a="http://schemas.openxmlformats.org/drawingml/2006/main" xmlns:r="http://schemas.openxmlformats.org/officeDocument/2006/relationships" xmlns:p="http://schemas.openxmlformats.org/presentationml/2006/main" showMasterSp="0" showMasterPhAnim="0">
   <p:cSld>
     <p:spTree>
@@ -1380,110 +1252,6 @@
   <p:cSld>
     <p:spTree>
       <p:nvGrpSpPr>
-        <p:cNvPr id="1" name="Shape 74"/>
-        <p:cNvGrpSpPr/>
-        <p:nvPr/>
-      </p:nvGrpSpPr>
-      <p:grpSpPr>
-        <a:xfrm>
-          <a:off x="0" y="0"/>
-          <a:ext cx="0" cy="0"/>
-          <a:chOff x="0" y="0"/>
-          <a:chExt cx="0" cy="0"/>
-        </a:xfrm>
-      </p:grpSpPr>
-      <p:sp>
-        <p:nvSpPr>
-          <p:cNvPr id="75" name="Google Shape;75;g3bb05c92415_0_57:notes"/>
-          <p:cNvSpPr>
-            <a:spLocks noGrp="1" noRot="1" noChangeAspect="1"/>
-          </p:cNvSpPr>
-          <p:nvPr>
-            <p:ph type="sldImg" idx="2"/>
-          </p:nvPr>
-        </p:nvSpPr>
-        <p:spPr>
-          <a:xfrm>
-            <a:off x="381000" y="685800"/>
-            <a:ext cx="6096000" cy="3429000"/>
-          </a:xfrm>
-          <a:custGeom>
-            <a:avLst/>
-            <a:gdLst/>
-            <a:ahLst/>
-            <a:cxnLst/>
-            <a:rect l="l" t="t" r="r" b="b"/>
-            <a:pathLst>
-              <a:path w="120000" h="120000" extrusionOk="0">
-                <a:moveTo>
-                  <a:pt x="0" y="0"/>
-                </a:moveTo>
-                <a:lnTo>
-                  <a:pt x="120000" y="0"/>
-                </a:lnTo>
-                <a:lnTo>
-                  <a:pt x="120000" y="120000"/>
-                </a:lnTo>
-                <a:lnTo>
-                  <a:pt x="0" y="120000"/>
-                </a:lnTo>
-                <a:close/>
-              </a:path>
-            </a:pathLst>
-          </a:custGeom>
-        </p:spPr>
-      </p:sp>
-      <p:sp>
-        <p:nvSpPr>
-          <p:cNvPr id="76" name="Google Shape;76;g3bb05c92415_0_57:notes"/>
-          <p:cNvSpPr txBox="1">
-            <a:spLocks noGrp="1"/>
-          </p:cNvSpPr>
-          <p:nvPr>
-            <p:ph type="body" idx="1"/>
-          </p:nvPr>
-        </p:nvSpPr>
-        <p:spPr>
-          <a:xfrm>
-            <a:off x="685800" y="4343400"/>
-            <a:ext cx="5486400" cy="4114800"/>
-          </a:xfrm>
-          <a:prstGeom prst="rect">
-            <a:avLst/>
-          </a:prstGeom>
-        </p:spPr>
-        <p:txBody>
-          <a:bodyPr spcFirstLastPara="1" wrap="square" lIns="91425" tIns="91425" rIns="91425" bIns="91425" anchor="t" anchorCtr="0">
-            <a:noAutofit/>
-          </a:bodyPr>
-          <a:lstStyle/>
-          <a:p>
-            <a:pPr marL="0" lvl="0" indent="0" algn="l" rtl="0">
-              <a:spcBef>
-                <a:spcPts val="0"/>
-              </a:spcBef>
-              <a:spcAft>
-                <a:spcPts val="0"/>
-              </a:spcAft>
-              <a:buNone/>
-            </a:pPr>
-            <a:endParaRPr/>
-          </a:p>
-        </p:txBody>
-      </p:sp>
-    </p:spTree>
-  </p:cSld>
-  <p:clrMapOvr>
-    <a:masterClrMapping/>
-  </p:clrMapOvr>
-</p:notes>
-</file>
-
-<file path=ppt/notesSlides/notesSlide4.xml><?xml version="1.0" encoding="utf-8"?>
-<p:notes xmlns:a="http://schemas.openxmlformats.org/drawingml/2006/main" xmlns:r="http://schemas.openxmlformats.org/officeDocument/2006/relationships" xmlns:p="http://schemas.openxmlformats.org/presentationml/2006/main" showMasterSp="0" showMasterPhAnim="0">
-  <p:cSld>
-    <p:spTree>
-      <p:nvGrpSpPr>
         <p:cNvPr id="1" name="Shape 98"/>
         <p:cNvGrpSpPr/>
         <p:nvPr/>
@@ -1583,7 +1351,7 @@
 </p:notes>
 </file>
 
-<file path=ppt/notesSlides/notesSlide5.xml><?xml version="1.0" encoding="utf-8"?>
+<file path=ppt/notesSlides/notesSlide4.xml><?xml version="1.0" encoding="utf-8"?>
 <p:notes xmlns:a="http://schemas.openxmlformats.org/drawingml/2006/main" xmlns:r="http://schemas.openxmlformats.org/officeDocument/2006/relationships" xmlns:p="http://schemas.openxmlformats.org/presentationml/2006/main" showMasterSp="0" showMasterPhAnim="0">
   <p:cSld>
     <p:spTree>
@@ -1710,7 +1478,7 @@
 </p:notes>
 </file>
 
-<file path=ppt/notesSlides/notesSlide6.xml><?xml version="1.0" encoding="utf-8"?>
+<file path=ppt/notesSlides/notesSlide5.xml><?xml version="1.0" encoding="utf-8"?>
 <p:notes xmlns:a="http://schemas.openxmlformats.org/drawingml/2006/main" xmlns:r="http://schemas.openxmlformats.org/officeDocument/2006/relationships" xmlns:p="http://schemas.openxmlformats.org/presentationml/2006/main" showMasterSp="0" showMasterPhAnim="0">
   <p:cSld>
     <p:spTree>
@@ -1837,7 +1605,7 @@
 </p:notes>
 </file>
 
-<file path=ppt/notesSlides/notesSlide7.xml><?xml version="1.0" encoding="utf-8"?>
+<file path=ppt/notesSlides/notesSlide6.xml><?xml version="1.0" encoding="utf-8"?>
 <p:notes xmlns:a="http://schemas.openxmlformats.org/drawingml/2006/main" xmlns:r="http://schemas.openxmlformats.org/officeDocument/2006/relationships" xmlns:p="http://schemas.openxmlformats.org/presentationml/2006/main" showMasterSp="0" showMasterPhAnim="0">
   <p:cSld>
     <p:spTree>
@@ -1964,7 +1732,7 @@
 </p:notes>
 </file>
 
-<file path=ppt/notesSlides/notesSlide8.xml><?xml version="1.0" encoding="utf-8"?>
+<file path=ppt/notesSlides/notesSlide7.xml><?xml version="1.0" encoding="utf-8"?>
 <p:notes xmlns:a="http://schemas.openxmlformats.org/drawingml/2006/main" xmlns:r="http://schemas.openxmlformats.org/officeDocument/2006/relationships" xmlns:p="http://schemas.openxmlformats.org/presentationml/2006/main" showMasterSp="0" showMasterPhAnim="0">
   <p:cSld>
     <p:spTree>
@@ -2091,7 +1859,7 @@
 </p:notes>
 </file>
 
-<file path=ppt/notesSlides/notesSlide9.xml><?xml version="1.0" encoding="utf-8"?>
+<file path=ppt/notesSlides/notesSlide8.xml><?xml version="1.0" encoding="utf-8"?>
 <p:notes xmlns:a="http://schemas.openxmlformats.org/drawingml/2006/main" xmlns:r="http://schemas.openxmlformats.org/officeDocument/2006/relationships" xmlns:p="http://schemas.openxmlformats.org/presentationml/2006/main" showMasterSp="0" showMasterPhAnim="0">
   <p:cSld>
     <p:spTree>
@@ -2209,6 +1977,133 @@
     <p:extLst>
       <p:ext uri="{BB962C8B-B14F-4D97-AF65-F5344CB8AC3E}">
         <p14:creationId xmlns:p14="http://schemas.microsoft.com/office/powerpoint/2010/main" val="442725905"/>
+      </p:ext>
+    </p:extLst>
+  </p:cSld>
+  <p:clrMapOvr>
+    <a:masterClrMapping/>
+  </p:clrMapOvr>
+</p:notes>
+</file>
+
+<file path=ppt/notesSlides/notesSlide9.xml><?xml version="1.0" encoding="utf-8"?>
+<p:notes xmlns:a="http://schemas.openxmlformats.org/drawingml/2006/main" xmlns:r="http://schemas.openxmlformats.org/officeDocument/2006/relationships" xmlns:p="http://schemas.openxmlformats.org/presentationml/2006/main" showMasterSp="0" showMasterPhAnim="0">
+  <p:cSld>
+    <p:spTree>
+      <p:nvGrpSpPr>
+        <p:cNvPr id="1" name="Shape 98">
+          <a:extLst>
+            <a:ext uri="{FF2B5EF4-FFF2-40B4-BE49-F238E27FC236}">
+              <a16:creationId xmlns:a16="http://schemas.microsoft.com/office/drawing/2014/main" id="{6689D2BA-5EC3-B160-2C65-121A615E6214}"/>
+            </a:ext>
+          </a:extLst>
+        </p:cNvPr>
+        <p:cNvGrpSpPr/>
+        <p:nvPr/>
+      </p:nvGrpSpPr>
+      <p:grpSpPr>
+        <a:xfrm>
+          <a:off x="0" y="0"/>
+          <a:ext cx="0" cy="0"/>
+          <a:chOff x="0" y="0"/>
+          <a:chExt cx="0" cy="0"/>
+        </a:xfrm>
+      </p:grpSpPr>
+      <p:sp>
+        <p:nvSpPr>
+          <p:cNvPr id="99" name="Google Shape;99;g3bb05c92415_0_98:notes">
+            <a:extLst>
+              <a:ext uri="{FF2B5EF4-FFF2-40B4-BE49-F238E27FC236}">
+                <a16:creationId xmlns:a16="http://schemas.microsoft.com/office/drawing/2014/main" id="{5C41AF30-A169-D40D-A47B-CA3487D6900D}"/>
+              </a:ext>
+            </a:extLst>
+          </p:cNvPr>
+          <p:cNvSpPr>
+            <a:spLocks noGrp="1" noRot="1" noChangeAspect="1"/>
+          </p:cNvSpPr>
+          <p:nvPr>
+            <p:ph type="sldImg" idx="2"/>
+          </p:nvPr>
+        </p:nvSpPr>
+        <p:spPr>
+          <a:xfrm>
+            <a:off x="381000" y="685800"/>
+            <a:ext cx="6096000" cy="3429000"/>
+          </a:xfrm>
+          <a:custGeom>
+            <a:avLst/>
+            <a:gdLst/>
+            <a:ahLst/>
+            <a:cxnLst/>
+            <a:rect l="l" t="t" r="r" b="b"/>
+            <a:pathLst>
+              <a:path w="120000" h="120000" extrusionOk="0">
+                <a:moveTo>
+                  <a:pt x="0" y="0"/>
+                </a:moveTo>
+                <a:lnTo>
+                  <a:pt x="120000" y="0"/>
+                </a:lnTo>
+                <a:lnTo>
+                  <a:pt x="120000" y="120000"/>
+                </a:lnTo>
+                <a:lnTo>
+                  <a:pt x="0" y="120000"/>
+                </a:lnTo>
+                <a:close/>
+              </a:path>
+            </a:pathLst>
+          </a:custGeom>
+        </p:spPr>
+      </p:sp>
+      <p:sp>
+        <p:nvSpPr>
+          <p:cNvPr id="100" name="Google Shape;100;g3bb05c92415_0_98:notes">
+            <a:extLst>
+              <a:ext uri="{FF2B5EF4-FFF2-40B4-BE49-F238E27FC236}">
+                <a16:creationId xmlns:a16="http://schemas.microsoft.com/office/drawing/2014/main" id="{8F66EA67-3F0D-1501-6414-FEF6DE6B5EC9}"/>
+              </a:ext>
+            </a:extLst>
+          </p:cNvPr>
+          <p:cNvSpPr txBox="1">
+            <a:spLocks noGrp="1"/>
+          </p:cNvSpPr>
+          <p:nvPr>
+            <p:ph type="body" idx="1"/>
+          </p:nvPr>
+        </p:nvSpPr>
+        <p:spPr>
+          <a:xfrm>
+            <a:off x="685800" y="4343400"/>
+            <a:ext cx="5486400" cy="4114800"/>
+          </a:xfrm>
+          <a:prstGeom prst="rect">
+            <a:avLst/>
+          </a:prstGeom>
+        </p:spPr>
+        <p:txBody>
+          <a:bodyPr spcFirstLastPara="1" wrap="square" lIns="91425" tIns="91425" rIns="91425" bIns="91425" anchor="t" anchorCtr="0">
+            <a:noAutofit/>
+          </a:bodyPr>
+          <a:lstStyle/>
+          <a:p>
+            <a:pPr marL="0" lvl="0" indent="0" algn="l" rtl="0">
+              <a:spcBef>
+                <a:spcPts val="0"/>
+              </a:spcBef>
+              <a:spcAft>
+                <a:spcPts val="0"/>
+              </a:spcAft>
+              <a:buNone/>
+            </a:pPr>
+            <a:endParaRPr/>
+          </a:p>
+        </p:txBody>
+      </p:sp>
+    </p:spTree>
+    <p:extLst>
+      <p:ext uri="{BB962C8B-B14F-4D97-AF65-F5344CB8AC3E}">
+        <p14:creationId xmlns:p14="http://schemas.microsoft.com/office/powerpoint/2010/main" val="1881379201"/>
       </p:ext>
     </p:extLst>
   </p:cSld>
@@ -7468,691 +7363,6 @@
   <p:cSld>
     <p:spTree>
       <p:nvGrpSpPr>
-        <p:cNvPr id="1" name="Shape 101">
-          <a:extLst>
-            <a:ext uri="{FF2B5EF4-FFF2-40B4-BE49-F238E27FC236}">
-              <a16:creationId xmlns:a16="http://schemas.microsoft.com/office/drawing/2014/main" id="{5369FFD1-328D-C386-CF68-92179F159FCF}"/>
-            </a:ext>
-          </a:extLst>
-        </p:cNvPr>
-        <p:cNvGrpSpPr/>
-        <p:nvPr/>
-      </p:nvGrpSpPr>
-      <p:grpSpPr>
-        <a:xfrm>
-          <a:off x="0" y="0"/>
-          <a:ext cx="0" cy="0"/>
-          <a:chOff x="0" y="0"/>
-          <a:chExt cx="0" cy="0"/>
-        </a:xfrm>
-      </p:grpSpPr>
-      <p:sp>
-        <p:nvSpPr>
-          <p:cNvPr id="102" name="Google Shape;102;p18">
-            <a:extLst>
-              <a:ext uri="{FF2B5EF4-FFF2-40B4-BE49-F238E27FC236}">
-                <a16:creationId xmlns:a16="http://schemas.microsoft.com/office/drawing/2014/main" id="{CF2746A6-609C-ED62-DBA0-F63389FE81BD}"/>
-              </a:ext>
-            </a:extLst>
-          </p:cNvPr>
-          <p:cNvSpPr txBox="1">
-            <a:spLocks noGrp="1"/>
-          </p:cNvSpPr>
-          <p:nvPr>
-            <p:ph type="title"/>
-          </p:nvPr>
-        </p:nvSpPr>
-        <p:spPr>
-          <a:xfrm>
-            <a:off x="0" y="0"/>
-            <a:ext cx="9144000" cy="543600"/>
-          </a:xfrm>
-          <a:prstGeom prst="rect">
-            <a:avLst/>
-          </a:prstGeom>
-        </p:spPr>
-        <p:txBody>
-          <a:bodyPr spcFirstLastPara="1" wrap="square" lIns="91425" tIns="91425" rIns="91425" bIns="91425" anchor="ctr" anchorCtr="0">
-            <a:normAutofit/>
-          </a:bodyPr>
-          <a:lstStyle/>
-          <a:p>
-            <a:pPr marL="0" lvl="0" indent="0" algn="ctr" rtl="0">
-              <a:spcBef>
-                <a:spcPts val="0"/>
-              </a:spcBef>
-              <a:spcAft>
-                <a:spcPts val="0"/>
-              </a:spcAft>
-              <a:buNone/>
-            </a:pPr>
-            <a:r>
-              <a:rPr lang="en-US" dirty="0"/>
-              <a:t>Industry Risks</a:t>
-            </a:r>
-            <a:endParaRPr dirty="0"/>
-          </a:p>
-        </p:txBody>
-      </p:sp>
-      <p:sp>
-        <p:nvSpPr>
-          <p:cNvPr id="103" name="Google Shape;103;p18">
-            <a:extLst>
-              <a:ext uri="{FF2B5EF4-FFF2-40B4-BE49-F238E27FC236}">
-                <a16:creationId xmlns:a16="http://schemas.microsoft.com/office/drawing/2014/main" id="{4F3CD53B-0D34-3E85-C664-97E2B3F3E2AB}"/>
-              </a:ext>
-            </a:extLst>
-          </p:cNvPr>
-          <p:cNvSpPr txBox="1"/>
-          <p:nvPr/>
-        </p:nvSpPr>
-        <p:spPr>
-          <a:xfrm>
-            <a:off x="0" y="579050"/>
-            <a:ext cx="9003900" cy="4224300"/>
-          </a:xfrm>
-          <a:prstGeom prst="rect">
-            <a:avLst/>
-          </a:prstGeom>
-          <a:solidFill>
-            <a:srgbClr val="FFE5B4"/>
-          </a:solidFill>
-          <a:ln>
-            <a:noFill/>
-          </a:ln>
-        </p:spPr>
-        <p:txBody>
-          <a:bodyPr spcFirstLastPara="1" wrap="square" lIns="91425" tIns="91425" rIns="91425" bIns="91425" anchor="ctr" anchorCtr="0">
-            <a:noAutofit/>
-          </a:bodyPr>
-          <a:lstStyle/>
-          <a:p>
-            <a:pPr marL="200660" lvl="0" indent="0" algn="just" rtl="0">
-              <a:spcBef>
-                <a:spcPts val="0"/>
-              </a:spcBef>
-              <a:spcAft>
-                <a:spcPts val="0"/>
-              </a:spcAft>
-              <a:buNone/>
-            </a:pPr>
-            <a:r>
-              <a:rPr lang="en-US" sz="1000" dirty="0">
-                <a:solidFill>
-                  <a:schemeClr val="dk1"/>
-                </a:solidFill>
-                <a:latin typeface="Calibri"/>
-                <a:ea typeface="Calibri"/>
-                <a:cs typeface="Calibri"/>
-                <a:sym typeface="Calibri"/>
-              </a:rPr>
-              <a:t>{{</a:t>
-            </a:r>
-            <a:r>
-              <a:rPr lang="en-US" sz="1000" dirty="0" err="1">
-                <a:solidFill>
-                  <a:schemeClr val="dk1"/>
-                </a:solidFill>
-                <a:latin typeface="Calibri"/>
-                <a:ea typeface="Calibri"/>
-                <a:cs typeface="Calibri"/>
-                <a:sym typeface="Calibri"/>
-              </a:rPr>
-              <a:t>industry_risk</a:t>
-            </a:r>
-            <a:r>
-              <a:rPr lang="en-US" sz="1000" dirty="0">
-                <a:solidFill>
-                  <a:schemeClr val="dk1"/>
-                </a:solidFill>
-                <a:latin typeface="Calibri"/>
-                <a:ea typeface="Calibri"/>
-                <a:cs typeface="Calibri"/>
-                <a:sym typeface="Calibri"/>
-              </a:rPr>
-              <a:t>}}</a:t>
-            </a:r>
-          </a:p>
-          <a:p>
-            <a:pPr marL="200660" lvl="0" indent="0" algn="just" rtl="0">
-              <a:spcBef>
-                <a:spcPts val="0"/>
-              </a:spcBef>
-              <a:spcAft>
-                <a:spcPts val="0"/>
-              </a:spcAft>
-              <a:buNone/>
-            </a:pPr>
-            <a:endParaRPr lang="en-US" sz="1000" dirty="0">
-              <a:solidFill>
-                <a:schemeClr val="dk1"/>
-              </a:solidFill>
-              <a:latin typeface="Calibri"/>
-              <a:ea typeface="Calibri"/>
-              <a:cs typeface="Calibri"/>
-              <a:sym typeface="Calibri"/>
-            </a:endParaRPr>
-          </a:p>
-          <a:p>
-            <a:pPr marL="200660" lvl="0" indent="0" algn="just" rtl="0">
-              <a:spcBef>
-                <a:spcPts val="0"/>
-              </a:spcBef>
-              <a:spcAft>
-                <a:spcPts val="0"/>
-              </a:spcAft>
-              <a:buNone/>
-            </a:pPr>
-            <a:endParaRPr lang="en-US" sz="1000" dirty="0">
-              <a:solidFill>
-                <a:schemeClr val="dk1"/>
-              </a:solidFill>
-              <a:latin typeface="Calibri"/>
-              <a:ea typeface="Calibri"/>
-              <a:cs typeface="Calibri"/>
-              <a:sym typeface="Calibri"/>
-            </a:endParaRPr>
-          </a:p>
-          <a:p>
-            <a:pPr marL="200660" lvl="0" indent="0" algn="just" rtl="0">
-              <a:spcBef>
-                <a:spcPts val="0"/>
-              </a:spcBef>
-              <a:spcAft>
-                <a:spcPts val="0"/>
-              </a:spcAft>
-              <a:buNone/>
-            </a:pPr>
-            <a:endParaRPr lang="en-US" sz="1000" dirty="0">
-              <a:solidFill>
-                <a:schemeClr val="dk1"/>
-              </a:solidFill>
-              <a:latin typeface="Calibri"/>
-              <a:ea typeface="Calibri"/>
-              <a:cs typeface="Calibri"/>
-              <a:sym typeface="Calibri"/>
-            </a:endParaRPr>
-          </a:p>
-          <a:p>
-            <a:pPr marL="200660" lvl="0" indent="0" algn="just" rtl="0">
-              <a:spcBef>
-                <a:spcPts val="0"/>
-              </a:spcBef>
-              <a:spcAft>
-                <a:spcPts val="0"/>
-              </a:spcAft>
-              <a:buNone/>
-            </a:pPr>
-            <a:endParaRPr lang="en-US" sz="1000" dirty="0">
-              <a:solidFill>
-                <a:schemeClr val="dk1"/>
-              </a:solidFill>
-              <a:latin typeface="Calibri"/>
-              <a:ea typeface="Calibri"/>
-              <a:cs typeface="Calibri"/>
-              <a:sym typeface="Calibri"/>
-            </a:endParaRPr>
-          </a:p>
-          <a:p>
-            <a:pPr marL="200660" lvl="0" indent="0" algn="just" rtl="0">
-              <a:spcBef>
-                <a:spcPts val="0"/>
-              </a:spcBef>
-              <a:spcAft>
-                <a:spcPts val="0"/>
-              </a:spcAft>
-              <a:buNone/>
-            </a:pPr>
-            <a:endParaRPr lang="en-US" sz="1000" dirty="0">
-              <a:solidFill>
-                <a:schemeClr val="dk1"/>
-              </a:solidFill>
-              <a:latin typeface="Calibri"/>
-              <a:ea typeface="Calibri"/>
-              <a:cs typeface="Calibri"/>
-              <a:sym typeface="Calibri"/>
-            </a:endParaRPr>
-          </a:p>
-          <a:p>
-            <a:pPr marL="200660" lvl="0" indent="0" algn="just" rtl="0">
-              <a:spcBef>
-                <a:spcPts val="0"/>
-              </a:spcBef>
-              <a:spcAft>
-                <a:spcPts val="0"/>
-              </a:spcAft>
-              <a:buNone/>
-            </a:pPr>
-            <a:endParaRPr lang="en-US" sz="1000" dirty="0">
-              <a:solidFill>
-                <a:schemeClr val="dk1"/>
-              </a:solidFill>
-              <a:latin typeface="Calibri"/>
-              <a:ea typeface="Calibri"/>
-              <a:cs typeface="Calibri"/>
-              <a:sym typeface="Calibri"/>
-            </a:endParaRPr>
-          </a:p>
-          <a:p>
-            <a:pPr marL="200660" lvl="0" indent="0" algn="just" rtl="0">
-              <a:spcBef>
-                <a:spcPts val="0"/>
-              </a:spcBef>
-              <a:spcAft>
-                <a:spcPts val="0"/>
-              </a:spcAft>
-              <a:buNone/>
-            </a:pPr>
-            <a:endParaRPr lang="en-US" sz="1000" dirty="0">
-              <a:solidFill>
-                <a:schemeClr val="dk1"/>
-              </a:solidFill>
-              <a:latin typeface="Calibri"/>
-              <a:ea typeface="Calibri"/>
-              <a:cs typeface="Calibri"/>
-              <a:sym typeface="Calibri"/>
-            </a:endParaRPr>
-          </a:p>
-          <a:p>
-            <a:pPr marL="200660" lvl="0" indent="0" algn="just" rtl="0">
-              <a:spcBef>
-                <a:spcPts val="0"/>
-              </a:spcBef>
-              <a:spcAft>
-                <a:spcPts val="0"/>
-              </a:spcAft>
-              <a:buNone/>
-            </a:pPr>
-            <a:endParaRPr lang="en-US" sz="1000" dirty="0">
-              <a:solidFill>
-                <a:schemeClr val="dk1"/>
-              </a:solidFill>
-              <a:latin typeface="Calibri"/>
-              <a:ea typeface="Calibri"/>
-              <a:cs typeface="Calibri"/>
-              <a:sym typeface="Calibri"/>
-            </a:endParaRPr>
-          </a:p>
-          <a:p>
-            <a:pPr marL="200660" lvl="0" indent="0" algn="just" rtl="0">
-              <a:spcBef>
-                <a:spcPts val="0"/>
-              </a:spcBef>
-              <a:spcAft>
-                <a:spcPts val="0"/>
-              </a:spcAft>
-              <a:buNone/>
-            </a:pPr>
-            <a:endParaRPr lang="en-US" sz="1000" dirty="0">
-              <a:solidFill>
-                <a:schemeClr val="dk1"/>
-              </a:solidFill>
-              <a:latin typeface="Calibri"/>
-              <a:ea typeface="Calibri"/>
-              <a:cs typeface="Calibri"/>
-              <a:sym typeface="Calibri"/>
-            </a:endParaRPr>
-          </a:p>
-          <a:p>
-            <a:pPr marL="200660" lvl="0" indent="0" algn="just" rtl="0">
-              <a:spcBef>
-                <a:spcPts val="0"/>
-              </a:spcBef>
-              <a:spcAft>
-                <a:spcPts val="0"/>
-              </a:spcAft>
-              <a:buNone/>
-            </a:pPr>
-            <a:endParaRPr lang="en-US" sz="1000" dirty="0">
-              <a:solidFill>
-                <a:schemeClr val="dk1"/>
-              </a:solidFill>
-              <a:latin typeface="Calibri"/>
-              <a:ea typeface="Calibri"/>
-              <a:cs typeface="Calibri"/>
-              <a:sym typeface="Calibri"/>
-            </a:endParaRPr>
-          </a:p>
-          <a:p>
-            <a:pPr marL="200660" lvl="0" indent="0" algn="just" rtl="0">
-              <a:spcBef>
-                <a:spcPts val="0"/>
-              </a:spcBef>
-              <a:spcAft>
-                <a:spcPts val="0"/>
-              </a:spcAft>
-              <a:buNone/>
-            </a:pPr>
-            <a:endParaRPr lang="en-US" sz="1000" dirty="0">
-              <a:solidFill>
-                <a:schemeClr val="dk1"/>
-              </a:solidFill>
-              <a:latin typeface="Calibri"/>
-              <a:ea typeface="Calibri"/>
-              <a:cs typeface="Calibri"/>
-              <a:sym typeface="Calibri"/>
-            </a:endParaRPr>
-          </a:p>
-          <a:p>
-            <a:pPr marL="200660" lvl="0" indent="0" algn="just" rtl="0">
-              <a:spcBef>
-                <a:spcPts val="0"/>
-              </a:spcBef>
-              <a:spcAft>
-                <a:spcPts val="0"/>
-              </a:spcAft>
-              <a:buNone/>
-            </a:pPr>
-            <a:endParaRPr lang="en-US" sz="1000" dirty="0">
-              <a:solidFill>
-                <a:schemeClr val="dk1"/>
-              </a:solidFill>
-              <a:latin typeface="Calibri"/>
-              <a:ea typeface="Calibri"/>
-              <a:cs typeface="Calibri"/>
-              <a:sym typeface="Calibri"/>
-            </a:endParaRPr>
-          </a:p>
-          <a:p>
-            <a:pPr marL="200660" lvl="0" indent="0" algn="just" rtl="0">
-              <a:spcBef>
-                <a:spcPts val="0"/>
-              </a:spcBef>
-              <a:spcAft>
-                <a:spcPts val="0"/>
-              </a:spcAft>
-              <a:buNone/>
-            </a:pPr>
-            <a:endParaRPr lang="en-US" sz="1000" dirty="0">
-              <a:solidFill>
-                <a:schemeClr val="dk1"/>
-              </a:solidFill>
-              <a:latin typeface="Calibri"/>
-              <a:ea typeface="Calibri"/>
-              <a:cs typeface="Calibri"/>
-              <a:sym typeface="Calibri"/>
-            </a:endParaRPr>
-          </a:p>
-          <a:p>
-            <a:pPr marL="200660" lvl="0" indent="0" algn="just" rtl="0">
-              <a:spcBef>
-                <a:spcPts val="0"/>
-              </a:spcBef>
-              <a:spcAft>
-                <a:spcPts val="0"/>
-              </a:spcAft>
-              <a:buNone/>
-            </a:pPr>
-            <a:endParaRPr lang="en-US" sz="1000" dirty="0">
-              <a:solidFill>
-                <a:schemeClr val="dk1"/>
-              </a:solidFill>
-              <a:latin typeface="Calibri"/>
-              <a:ea typeface="Calibri"/>
-              <a:cs typeface="Calibri"/>
-              <a:sym typeface="Calibri"/>
-            </a:endParaRPr>
-          </a:p>
-          <a:p>
-            <a:pPr marL="200660" lvl="0" indent="0" algn="just" rtl="0">
-              <a:spcBef>
-                <a:spcPts val="0"/>
-              </a:spcBef>
-              <a:spcAft>
-                <a:spcPts val="0"/>
-              </a:spcAft>
-              <a:buNone/>
-            </a:pPr>
-            <a:endParaRPr lang="en-US" sz="1000" dirty="0">
-              <a:solidFill>
-                <a:schemeClr val="dk1"/>
-              </a:solidFill>
-              <a:latin typeface="Calibri"/>
-              <a:ea typeface="Calibri"/>
-              <a:cs typeface="Calibri"/>
-              <a:sym typeface="Calibri"/>
-            </a:endParaRPr>
-          </a:p>
-          <a:p>
-            <a:pPr marL="200660" lvl="0" indent="0" algn="just" rtl="0">
-              <a:spcBef>
-                <a:spcPts val="0"/>
-              </a:spcBef>
-              <a:spcAft>
-                <a:spcPts val="0"/>
-              </a:spcAft>
-              <a:buNone/>
-            </a:pPr>
-            <a:endParaRPr lang="en-US" sz="1000" dirty="0">
-              <a:solidFill>
-                <a:schemeClr val="dk1"/>
-              </a:solidFill>
-              <a:latin typeface="Calibri"/>
-              <a:ea typeface="Calibri"/>
-              <a:cs typeface="Calibri"/>
-              <a:sym typeface="Calibri"/>
-            </a:endParaRPr>
-          </a:p>
-          <a:p>
-            <a:pPr marL="200660" lvl="0" indent="0" algn="just" rtl="0">
-              <a:spcBef>
-                <a:spcPts val="0"/>
-              </a:spcBef>
-              <a:spcAft>
-                <a:spcPts val="0"/>
-              </a:spcAft>
-              <a:buNone/>
-            </a:pPr>
-            <a:endParaRPr lang="en-US" sz="1000" dirty="0">
-              <a:solidFill>
-                <a:schemeClr val="dk1"/>
-              </a:solidFill>
-              <a:latin typeface="Calibri"/>
-              <a:ea typeface="Calibri"/>
-              <a:cs typeface="Calibri"/>
-              <a:sym typeface="Calibri"/>
-            </a:endParaRPr>
-          </a:p>
-          <a:p>
-            <a:pPr marL="200660" lvl="0" indent="0" algn="just" rtl="0">
-              <a:spcBef>
-                <a:spcPts val="0"/>
-              </a:spcBef>
-              <a:spcAft>
-                <a:spcPts val="0"/>
-              </a:spcAft>
-              <a:buNone/>
-            </a:pPr>
-            <a:endParaRPr lang="en-US" sz="1000" dirty="0">
-              <a:solidFill>
-                <a:schemeClr val="dk1"/>
-              </a:solidFill>
-              <a:latin typeface="Calibri"/>
-              <a:ea typeface="Calibri"/>
-              <a:cs typeface="Calibri"/>
-              <a:sym typeface="Calibri"/>
-            </a:endParaRPr>
-          </a:p>
-          <a:p>
-            <a:pPr marL="200660" lvl="0" indent="0" algn="just" rtl="0">
-              <a:spcBef>
-                <a:spcPts val="0"/>
-              </a:spcBef>
-              <a:spcAft>
-                <a:spcPts val="0"/>
-              </a:spcAft>
-              <a:buNone/>
-            </a:pPr>
-            <a:endParaRPr lang="en-US" sz="1000" dirty="0">
-              <a:solidFill>
-                <a:schemeClr val="dk1"/>
-              </a:solidFill>
-              <a:latin typeface="Calibri"/>
-              <a:ea typeface="Calibri"/>
-              <a:cs typeface="Calibri"/>
-              <a:sym typeface="Calibri"/>
-            </a:endParaRPr>
-          </a:p>
-          <a:p>
-            <a:pPr marL="200660" lvl="0" indent="0" algn="just" rtl="0">
-              <a:spcBef>
-                <a:spcPts val="0"/>
-              </a:spcBef>
-              <a:spcAft>
-                <a:spcPts val="0"/>
-              </a:spcAft>
-              <a:buNone/>
-            </a:pPr>
-            <a:endParaRPr lang="en-US" sz="1000" dirty="0">
-              <a:solidFill>
-                <a:schemeClr val="dk1"/>
-              </a:solidFill>
-              <a:latin typeface="Calibri"/>
-              <a:ea typeface="Calibri"/>
-              <a:cs typeface="Calibri"/>
-              <a:sym typeface="Calibri"/>
-            </a:endParaRPr>
-          </a:p>
-          <a:p>
-            <a:pPr marL="200660" lvl="0" indent="0" algn="just" rtl="0">
-              <a:spcBef>
-                <a:spcPts val="0"/>
-              </a:spcBef>
-              <a:spcAft>
-                <a:spcPts val="0"/>
-              </a:spcAft>
-              <a:buNone/>
-            </a:pPr>
-            <a:endParaRPr lang="en-US" sz="1000" dirty="0">
-              <a:solidFill>
-                <a:schemeClr val="dk1"/>
-              </a:solidFill>
-              <a:latin typeface="Calibri"/>
-              <a:ea typeface="Calibri"/>
-              <a:cs typeface="Calibri"/>
-              <a:sym typeface="Calibri"/>
-            </a:endParaRPr>
-          </a:p>
-          <a:p>
-            <a:pPr marL="200660" lvl="0" indent="0" algn="just" rtl="0">
-              <a:spcBef>
-                <a:spcPts val="0"/>
-              </a:spcBef>
-              <a:spcAft>
-                <a:spcPts val="0"/>
-              </a:spcAft>
-              <a:buNone/>
-            </a:pPr>
-            <a:endParaRPr lang="en-US" sz="1000" dirty="0">
-              <a:solidFill>
-                <a:schemeClr val="dk1"/>
-              </a:solidFill>
-              <a:latin typeface="Calibri"/>
-              <a:ea typeface="Calibri"/>
-              <a:cs typeface="Calibri"/>
-              <a:sym typeface="Calibri"/>
-            </a:endParaRPr>
-          </a:p>
-          <a:p>
-            <a:pPr marL="200660" lvl="0" indent="0" algn="just" rtl="0">
-              <a:spcBef>
-                <a:spcPts val="0"/>
-              </a:spcBef>
-              <a:spcAft>
-                <a:spcPts val="0"/>
-              </a:spcAft>
-              <a:buNone/>
-            </a:pPr>
-            <a:endParaRPr lang="en-US" sz="1000" dirty="0">
-              <a:solidFill>
-                <a:schemeClr val="dk1"/>
-              </a:solidFill>
-              <a:latin typeface="Calibri"/>
-              <a:ea typeface="Calibri"/>
-              <a:cs typeface="Calibri"/>
-              <a:sym typeface="Calibri"/>
-            </a:endParaRPr>
-          </a:p>
-          <a:p>
-            <a:pPr marL="200660" lvl="0" indent="0" algn="just" rtl="0">
-              <a:spcBef>
-                <a:spcPts val="0"/>
-              </a:spcBef>
-              <a:spcAft>
-                <a:spcPts val="0"/>
-              </a:spcAft>
-              <a:buNone/>
-            </a:pPr>
-            <a:endParaRPr lang="en-US" sz="1000" dirty="0">
-              <a:solidFill>
-                <a:schemeClr val="dk1"/>
-              </a:solidFill>
-              <a:latin typeface="Calibri"/>
-              <a:ea typeface="Calibri"/>
-              <a:cs typeface="Calibri"/>
-              <a:sym typeface="Calibri"/>
-            </a:endParaRPr>
-          </a:p>
-          <a:p>
-            <a:pPr marL="200660" lvl="0" indent="0" algn="just" rtl="0">
-              <a:spcBef>
-                <a:spcPts val="0"/>
-              </a:spcBef>
-              <a:spcAft>
-                <a:spcPts val="0"/>
-              </a:spcAft>
-              <a:buNone/>
-            </a:pPr>
-            <a:endParaRPr lang="en-US" sz="1000" dirty="0">
-              <a:solidFill>
-                <a:schemeClr val="dk1"/>
-              </a:solidFill>
-              <a:latin typeface="Calibri"/>
-              <a:ea typeface="Calibri"/>
-              <a:cs typeface="Calibri"/>
-              <a:sym typeface="Calibri"/>
-            </a:endParaRPr>
-          </a:p>
-          <a:p>
-            <a:pPr marL="200660" lvl="0" indent="0" algn="just" rtl="0">
-              <a:spcBef>
-                <a:spcPts val="0"/>
-              </a:spcBef>
-              <a:spcAft>
-                <a:spcPts val="0"/>
-              </a:spcAft>
-              <a:buNone/>
-            </a:pPr>
-            <a:endParaRPr lang="en-IN" sz="1000" dirty="0">
-              <a:solidFill>
-                <a:schemeClr val="dk1"/>
-              </a:solidFill>
-              <a:latin typeface="Calibri"/>
-              <a:ea typeface="Calibri"/>
-              <a:cs typeface="Calibri"/>
-              <a:sym typeface="Calibri"/>
-            </a:endParaRPr>
-          </a:p>
-        </p:txBody>
-      </p:sp>
-    </p:spTree>
-    <p:extLst>
-      <p:ext uri="{BB962C8B-B14F-4D97-AF65-F5344CB8AC3E}">
-        <p14:creationId xmlns:p14="http://schemas.microsoft.com/office/powerpoint/2010/main" val="302309881"/>
-      </p:ext>
-    </p:extLst>
-  </p:cSld>
-  <p:clrMapOvr>
-    <a:masterClrMapping/>
-  </p:clrMapOvr>
-</p:sld>
-</file>
-
-<file path=ppt/slides/slide11.xml><?xml version="1.0" encoding="utf-8"?>
-<p:sld xmlns:a="http://schemas.openxmlformats.org/drawingml/2006/main" xmlns:r="http://schemas.openxmlformats.org/officeDocument/2006/relationships" xmlns:p="http://schemas.openxmlformats.org/presentationml/2006/main">
-  <p:cSld>
-    <p:spTree>
-      <p:nvGrpSpPr>
         <p:cNvPr id="1" name="Shape 107"/>
         <p:cNvGrpSpPr/>
         <p:nvPr/>
@@ -8305,7 +7515,7 @@
           <a:p>
             <a:r>
               <a:rPr lang="en-IN" dirty="0"/>
-              <a:t>Summary in Tables</a:t>
+              <a:t>Financials Summary</a:t>
             </a:r>
           </a:p>
         </p:txBody>
@@ -8361,7 +7571,7 @@
 </p:sld>
 </file>
 
-<file path=ppt/slides/slide12.xml><?xml version="1.0" encoding="utf-8"?>
+<file path=ppt/slides/slide11.xml><?xml version="1.0" encoding="utf-8"?>
 <p:sld xmlns:a="http://schemas.openxmlformats.org/drawingml/2006/main" xmlns:r="http://schemas.openxmlformats.org/officeDocument/2006/relationships" xmlns:p="http://schemas.openxmlformats.org/presentationml/2006/main">
   <p:cSld>
     <p:spTree>
@@ -8413,10 +7623,10 @@
               <a:buNone/>
             </a:pPr>
             <a:r>
-              <a:rPr lang="en-GB"/>
-              <a:t>Summary in charts!</a:t>
+              <a:rPr lang="en-GB" dirty="0"/>
+              <a:t>Story in charts!</a:t>
             </a:r>
-            <a:endParaRPr/>
+            <a:endParaRPr dirty="0"/>
           </a:p>
         </p:txBody>
       </p:sp>
@@ -8468,7 +7678,7 @@
 </p:sld>
 </file>
 
-<file path=ppt/slides/slide13.xml><?xml version="1.0" encoding="utf-8"?>
+<file path=ppt/slides/slide12.xml><?xml version="1.0" encoding="utf-8"?>
 <p:sld xmlns:a="http://schemas.openxmlformats.org/drawingml/2006/main" xmlns:r="http://schemas.openxmlformats.org/officeDocument/2006/relationships" xmlns:p="http://schemas.openxmlformats.org/presentationml/2006/main">
   <p:cSld>
     <p:spTree>
@@ -8535,7 +7745,7 @@
         </p:nvSpPr>
         <p:spPr>
           <a:xfrm>
-            <a:off x="0" y="579050"/>
+            <a:off x="70050" y="635494"/>
             <a:ext cx="9003900" cy="4224300"/>
           </a:xfrm>
           <a:prstGeom prst="rect">
@@ -8564,7 +7774,7 @@
               <a:buNone/>
             </a:pPr>
             <a:r>
-              <a:rPr lang="en-GB" sz="1000" b="1">
+              <a:rPr lang="en-GB" sz="1000" b="1" dirty="0">
                 <a:solidFill>
                   <a:srgbClr val="1F3864"/>
                 </a:solidFill>
@@ -8576,7 +7786,7 @@
               <a:t>About Us: </a:t>
             </a:r>
             <a:r>
-              <a:rPr lang="en-GB" sz="1000">
+              <a:rPr lang="en-GB" sz="1000" dirty="0">
                 <a:solidFill>
                   <a:schemeClr val="dk1"/>
                 </a:solidFill>
@@ -8587,7 +7797,7 @@
               </a:rPr>
               <a:t>Research Analyst is registered with SEBI as Research Analyst with Registration No. INH000009807. The firm got its registration on June 13, 2022, and is engaged in research services.</a:t>
             </a:r>
-            <a:endParaRPr sz="1000">
+            <a:endParaRPr sz="1000" dirty="0">
               <a:solidFill>
                 <a:schemeClr val="dk1"/>
               </a:solidFill>
@@ -8608,7 +7818,7 @@
               <a:buNone/>
             </a:pPr>
             <a:r>
-              <a:rPr lang="en-GB" sz="1000" b="1">
+              <a:rPr lang="en-GB" sz="1000" b="1" dirty="0">
                 <a:solidFill>
                   <a:srgbClr val="1F3864"/>
                 </a:solidFill>
@@ -8620,7 +7830,7 @@
               <a:t>Disciplinary history: </a:t>
             </a:r>
             <a:r>
-              <a:rPr lang="en-GB" sz="1000">
+              <a:rPr lang="en-GB" sz="1000" dirty="0">
                 <a:solidFill>
                   <a:schemeClr val="dk1"/>
                 </a:solidFill>
@@ -8631,7 +7841,7 @@
               </a:rPr>
               <a:t>No penalties / directions have been issued by SEBI under the SEBI Act or Regulations made there under. There are no pending material litigations or legal proceedings, findings of inspections or investigations for which action has been taken or initiated by any regulatory authority.</a:t>
             </a:r>
-            <a:endParaRPr sz="1000">
+            <a:endParaRPr sz="1000" dirty="0">
               <a:solidFill>
                 <a:schemeClr val="dk1"/>
               </a:solidFill>
@@ -8652,7 +7862,7 @@
               <a:buNone/>
             </a:pPr>
             <a:r>
-              <a:rPr lang="en-GB" sz="1000" b="1">
+              <a:rPr lang="en-GB" sz="1000" b="1" dirty="0">
                 <a:solidFill>
                   <a:srgbClr val="1F3864"/>
                 </a:solidFill>
@@ -8664,7 +7874,7 @@
               <a:t>Details of its associates: </a:t>
             </a:r>
             <a:r>
-              <a:rPr lang="en-GB" sz="1000">
+              <a:rPr lang="en-GB" sz="1000" dirty="0">
                 <a:solidFill>
                   <a:schemeClr val="dk1"/>
                 </a:solidFill>
@@ -8675,7 +7885,7 @@
               </a:rPr>
               <a:t>No associates</a:t>
             </a:r>
-            <a:endParaRPr sz="1000">
+            <a:endParaRPr sz="1000" dirty="0">
               <a:solidFill>
                 <a:schemeClr val="dk1"/>
               </a:solidFill>
@@ -8696,7 +7906,7 @@
               <a:buNone/>
             </a:pPr>
             <a:r>
-              <a:rPr lang="en-GB" sz="1000" b="1">
+              <a:rPr lang="en-GB" sz="1000" b="1" dirty="0">
                 <a:solidFill>
                   <a:srgbClr val="1F3864"/>
                 </a:solidFill>
@@ -8707,7 +7917,7 @@
               </a:rPr>
               <a:t>Disclosures with respect to Research and Recommendations Services</a:t>
             </a:r>
-            <a:endParaRPr sz="1000" b="1">
+            <a:endParaRPr sz="1000" b="1" dirty="0">
               <a:solidFill>
                 <a:schemeClr val="dk1"/>
               </a:solidFill>
@@ -8728,7 +7938,7 @@
               <a:buNone/>
             </a:pPr>
             <a:r>
-              <a:rPr lang="en-GB" sz="1000">
+              <a:rPr lang="en-GB" sz="1000" dirty="0">
                 <a:solidFill>
                   <a:schemeClr val="dk1"/>
                 </a:solidFill>
@@ -8739,7 +7949,7 @@
               </a:rPr>
               <a:t>·Research Analyst may have financial interest or actual / beneficial ownership in the securities recommended in its personal portfolio. Details of the same may be referred through the disclosures made at the time of recommendation.</a:t>
             </a:r>
-            <a:endParaRPr sz="1000">
+            <a:endParaRPr sz="1000" dirty="0">
               <a:solidFill>
                 <a:schemeClr val="dk1"/>
               </a:solidFill>
@@ -8763,7 +7973,7 @@
               <a:buNone/>
             </a:pPr>
             <a:r>
-              <a:rPr lang="en-GB" sz="1000">
+              <a:rPr lang="en-GB" sz="1000" dirty="0">
                 <a:solidFill>
                   <a:schemeClr val="dk1"/>
                 </a:solidFill>
@@ -8774,7 +7984,7 @@
               </a:rPr>
               <a:t>·There are no actual or potential conflicts of interest arising from any connection to or association with any issuer of products/ securities, including any material information or facts that might compromise its objectivity independence in the carrying on of Research Analyst services. Such conflict of interest shall be disclosed to the client as and when they arise.</a:t>
             </a:r>
-            <a:endParaRPr sz="1000">
+            <a:endParaRPr sz="1000" dirty="0">
               <a:solidFill>
                 <a:schemeClr val="dk1"/>
               </a:solidFill>
@@ -8795,7 +8005,7 @@
               <a:buNone/>
             </a:pPr>
             <a:r>
-              <a:rPr lang="en-GB" sz="1000">
+              <a:rPr lang="en-GB" sz="1000" dirty="0">
                 <a:solidFill>
                   <a:schemeClr val="dk1"/>
                 </a:solidFill>
@@ -8806,7 +8016,7 @@
               </a:rPr>
               <a:t>·Research Analyst or its employee or its associates have not received any compensation from the company in past 12 months.</a:t>
             </a:r>
-            <a:endParaRPr sz="1000">
+            <a:endParaRPr sz="1000" dirty="0">
               <a:solidFill>
                 <a:schemeClr val="dk1"/>
               </a:solidFill>
@@ -8827,7 +8037,7 @@
               <a:buNone/>
             </a:pPr>
             <a:r>
-              <a:rPr lang="en-GB" sz="1000">
+              <a:rPr lang="en-GB" sz="1000" dirty="0">
                 <a:solidFill>
                   <a:schemeClr val="dk1"/>
                 </a:solidFill>
@@ -8838,7 +8048,7 @@
               </a:rPr>
               <a:t>·Research Analyst or its employee or its associates have not managed or co-managed the public offering of Subject company in past 12 months.</a:t>
             </a:r>
-            <a:endParaRPr sz="1000">
+            <a:endParaRPr sz="1000" dirty="0">
               <a:solidFill>
                 <a:schemeClr val="dk1"/>
               </a:solidFill>
@@ -8859,7 +8069,7 @@
               <a:buNone/>
             </a:pPr>
             <a:r>
-              <a:rPr lang="en-GB" sz="1000">
+              <a:rPr lang="en-GB" sz="1000" dirty="0">
                 <a:solidFill>
                   <a:schemeClr val="dk1"/>
                 </a:solidFill>
@@ -8870,7 +8080,7 @@
               </a:rPr>
               <a:t>·Research Analyst or its employee or its associates have not received any compensation for investment banking or merchant banking of brokerage services from the subject company in past 12 months.</a:t>
             </a:r>
-            <a:endParaRPr sz="1000">
+            <a:endParaRPr sz="1000" dirty="0">
               <a:solidFill>
                 <a:schemeClr val="dk1"/>
               </a:solidFill>
@@ -8894,7 +8104,7 @@
               <a:buNone/>
             </a:pPr>
             <a:r>
-              <a:rPr lang="en-GB" sz="1000">
+              <a:rPr lang="en-GB" sz="1000" dirty="0">
                 <a:solidFill>
                   <a:schemeClr val="dk1"/>
                 </a:solidFill>
@@ -8905,7 +8115,7 @@
               </a:rPr>
               <a:t>·Research Analyst or its employee or its associates have not received any compensation for products or services other than above from the subject company in past 12 months.</a:t>
             </a:r>
-            <a:endParaRPr sz="1000">
+            <a:endParaRPr sz="1000" dirty="0">
               <a:solidFill>
                 <a:schemeClr val="dk1"/>
               </a:solidFill>
@@ -8929,7 +8139,7 @@
               <a:buNone/>
             </a:pPr>
             <a:r>
-              <a:rPr lang="en-GB" sz="1000">
+              <a:rPr lang="en-GB" sz="1000" dirty="0">
                 <a:solidFill>
                   <a:schemeClr val="dk1"/>
                 </a:solidFill>
@@ -8940,7 +8150,7 @@
               </a:rPr>
               <a:t>·Research Analyst or its employee or its associates have not received any compensation or other benefits from the Subject Company or 3rd party in connection with the research report/ recommendation.</a:t>
             </a:r>
-            <a:endParaRPr sz="1000">
+            <a:endParaRPr sz="1000" dirty="0">
               <a:solidFill>
                 <a:schemeClr val="dk1"/>
               </a:solidFill>
@@ -8964,7 +8174,7 @@
               <a:buNone/>
             </a:pPr>
             <a:r>
-              <a:rPr lang="en-GB" sz="1000">
+              <a:rPr lang="en-GB" sz="1000" dirty="0">
                 <a:solidFill>
                   <a:schemeClr val="dk1"/>
                 </a:solidFill>
@@ -8975,7 +8185,7 @@
               </a:rPr>
               <a:t>·The subject company was not a client of Research Analyst or its employee or its associates during twelve months preceding the date of distribution of the research report and recommendation services provided.</a:t>
             </a:r>
-            <a:endParaRPr sz="1000">
+            <a:endParaRPr sz="1000" dirty="0">
               <a:solidFill>
                 <a:schemeClr val="dk1"/>
               </a:solidFill>
@@ -8999,7 +8209,7 @@
               <a:buNone/>
             </a:pPr>
             <a:r>
-              <a:rPr lang="en-GB" sz="1000">
+              <a:rPr lang="en-GB" sz="1000" dirty="0">
                 <a:solidFill>
                   <a:schemeClr val="dk1"/>
                 </a:solidFill>
@@ -9010,7 +8220,7 @@
               </a:rPr>
               <a:t>·Research Analysts or its employee or its associates has not served as an officer, director, or employee of the subject company</a:t>
             </a:r>
-            <a:endParaRPr sz="1000">
+            <a:endParaRPr sz="1000" dirty="0">
               <a:solidFill>
                 <a:schemeClr val="dk1"/>
               </a:solidFill>
@@ -9034,7 +8244,7 @@
               <a:buNone/>
             </a:pPr>
             <a:r>
-              <a:rPr lang="en-GB" sz="1000">
+              <a:rPr lang="en-GB" sz="1000" dirty="0">
                 <a:solidFill>
                   <a:schemeClr val="dk1"/>
                 </a:solidFill>
@@ -9045,7 +8255,7 @@
               </a:rPr>
               <a:t>·Registration granted by SEBI, membership of BASL and certification from NISM in no way guarantee performance of the Intermediary or provide any assurance of returns to investors.</a:t>
             </a:r>
-            <a:endParaRPr sz="1000">
+            <a:endParaRPr sz="1000" dirty="0">
               <a:solidFill>
                 <a:schemeClr val="dk1"/>
               </a:solidFill>
@@ -9066,7 +8276,7 @@
               <a:buNone/>
             </a:pPr>
             <a:r>
-              <a:rPr lang="en-GB" sz="1000">
+              <a:rPr lang="en-GB" sz="1000" dirty="0">
                 <a:solidFill>
                   <a:schemeClr val="dk1"/>
                 </a:solidFill>
@@ -9077,47 +8287,47 @@
               </a:rPr>
               <a:t>·Investment in securities market are subject to market risks. Read all the related documents carefully before investing</a:t>
             </a:r>
-            <a:endParaRPr sz="1000">
-              <a:solidFill>
-                <a:schemeClr val="dk1"/>
-              </a:solidFill>
-              <a:latin typeface="Calibri"/>
-              <a:ea typeface="Calibri"/>
-              <a:cs typeface="Calibri"/>
-              <a:sym typeface="Calibri"/>
-            </a:endParaRPr>
-          </a:p>
-          <a:p>
-            <a:pPr marL="200660" lvl="0" indent="0" algn="just" rtl="0">
-              <a:spcBef>
-                <a:spcPts val="0"/>
-              </a:spcBef>
-              <a:spcAft>
-                <a:spcPts val="0"/>
-              </a:spcAft>
-              <a:buNone/>
-            </a:pPr>
-            <a:endParaRPr sz="1000">
-              <a:solidFill>
-                <a:schemeClr val="dk1"/>
-              </a:solidFill>
-              <a:latin typeface="Calibri"/>
-              <a:ea typeface="Calibri"/>
-              <a:cs typeface="Calibri"/>
-              <a:sym typeface="Calibri"/>
-            </a:endParaRPr>
-          </a:p>
-          <a:p>
-            <a:pPr marL="200660" lvl="0" indent="0" algn="just" rtl="0">
-              <a:spcBef>
-                <a:spcPts val="0"/>
-              </a:spcBef>
-              <a:spcAft>
-                <a:spcPts val="0"/>
-              </a:spcAft>
-              <a:buNone/>
-            </a:pPr>
-            <a:endParaRPr sz="1000">
+            <a:endParaRPr sz="1000" dirty="0">
+              <a:solidFill>
+                <a:schemeClr val="dk1"/>
+              </a:solidFill>
+              <a:latin typeface="Calibri"/>
+              <a:ea typeface="Calibri"/>
+              <a:cs typeface="Calibri"/>
+              <a:sym typeface="Calibri"/>
+            </a:endParaRPr>
+          </a:p>
+          <a:p>
+            <a:pPr marL="200660" lvl="0" indent="0" algn="just" rtl="0">
+              <a:spcBef>
+                <a:spcPts val="0"/>
+              </a:spcBef>
+              <a:spcAft>
+                <a:spcPts val="0"/>
+              </a:spcAft>
+              <a:buNone/>
+            </a:pPr>
+            <a:endParaRPr sz="1000" dirty="0">
+              <a:solidFill>
+                <a:schemeClr val="dk1"/>
+              </a:solidFill>
+              <a:latin typeface="Calibri"/>
+              <a:ea typeface="Calibri"/>
+              <a:cs typeface="Calibri"/>
+              <a:sym typeface="Calibri"/>
+            </a:endParaRPr>
+          </a:p>
+          <a:p>
+            <a:pPr marL="200660" lvl="0" indent="0" algn="just" rtl="0">
+              <a:spcBef>
+                <a:spcPts val="0"/>
+              </a:spcBef>
+              <a:spcAft>
+                <a:spcPts val="0"/>
+              </a:spcAft>
+              <a:buNone/>
+            </a:pPr>
+            <a:endParaRPr sz="1000" dirty="0">
               <a:solidFill>
                 <a:schemeClr val="dk1"/>
               </a:solidFill>
@@ -9236,7 +8446,7 @@
         </p:nvSpPr>
         <p:spPr>
           <a:xfrm>
-            <a:off x="55450" y="604650"/>
+            <a:off x="117900" y="627229"/>
             <a:ext cx="4454100" cy="4179000"/>
           </a:xfrm>
           <a:prstGeom prst="rect">
@@ -9268,7 +8478,7 @@
             </a:r>
             <a:r>
               <a:rPr lang="en-GB" sz="1000" dirty="0" err="1"/>
-              <a:t>market_positioning</a:t>
+              <a:t>cs_market_positioning</a:t>
             </a:r>
             <a:r>
               <a:rPr lang="en-GB" sz="1000" dirty="0"/>
@@ -9301,7 +8511,7 @@
             </a:r>
             <a:r>
               <a:rPr lang="en-GB" sz="1000" dirty="0" err="1"/>
-              <a:t>financial_performance</a:t>
+              <a:t>cs_financial_performance</a:t>
             </a:r>
             <a:r>
               <a:rPr lang="en-GB" sz="1000" dirty="0"/>
@@ -9334,7 +8544,7 @@
             </a:r>
             <a:r>
               <a:rPr lang="en-GB" sz="1000" dirty="0" err="1"/>
-              <a:t>grow_outlook</a:t>
+              <a:t>cs_grow_outlook</a:t>
             </a:r>
             <a:r>
               <a:rPr lang="en-GB" sz="1000" dirty="0"/>
@@ -9371,7 +8581,7 @@
             </a:r>
             <a:r>
               <a:rPr lang="en-US" sz="1000" dirty="0" err="1"/>
-              <a:t>valuation_recommendation</a:t>
+              <a:t>cs_valuation_recommendation</a:t>
             </a:r>
             <a:r>
               <a:rPr lang="en-US" sz="1000" dirty="0"/>
@@ -9399,441 +8609,12 @@
             </a:r>
             <a:r>
               <a:rPr lang="en-US" sz="1000" dirty="0" err="1"/>
-              <a:t>key_risks</a:t>
+              <a:t>cs_key_risks</a:t>
             </a:r>
             <a:r>
               <a:rPr lang="en-US" sz="1000" dirty="0"/>
               <a:t>}}</a:t>
             </a:r>
-          </a:p>
-        </p:txBody>
-      </p:sp>
-      <p:graphicFrame>
-        <p:nvGraphicFramePr>
-          <p:cNvPr id="72" name="Google Shape;72;p14"/>
-          <p:cNvGraphicFramePr/>
-          <p:nvPr/>
-        </p:nvGraphicFramePr>
-        <p:xfrm>
-          <a:off x="4661550" y="1975175"/>
-          <a:ext cx="2300450" cy="2795525"/>
-        </p:xfrm>
-        <a:graphic>
-          <a:graphicData uri="http://schemas.openxmlformats.org/drawingml/2006/table">
-            <a:tbl>
-              <a:tblPr>
-                <a:noFill/>
-              </a:tblPr>
-              <a:tblGrid>
-                <a:gridCol w="1150225">
-                  <a:extLst>
-                    <a:ext uri="{9D8B030D-6E8A-4147-A177-3AD203B41FA5}">
-                      <a16:colId xmlns:a16="http://schemas.microsoft.com/office/drawing/2014/main" val="20000"/>
-                    </a:ext>
-                  </a:extLst>
-                </a:gridCol>
-                <a:gridCol w="1150225">
-                  <a:extLst>
-                    <a:ext uri="{9D8B030D-6E8A-4147-A177-3AD203B41FA5}">
-                      <a16:colId xmlns:a16="http://schemas.microsoft.com/office/drawing/2014/main" val="20001"/>
-                    </a:ext>
-                  </a:extLst>
-                </a:gridCol>
-              </a:tblGrid>
-              <a:tr h="572275">
-                <a:tc>
-                  <a:txBody>
-                    <a:bodyPr/>
-                    <a:lstStyle/>
-                    <a:p>
-                      <a:pPr marL="0" lvl="0" indent="0" algn="l" rtl="0">
-                        <a:spcBef>
-                          <a:spcPts val="0"/>
-                        </a:spcBef>
-                        <a:spcAft>
-                          <a:spcPts val="0"/>
-                        </a:spcAft>
-                        <a:buNone/>
-                      </a:pPr>
-                      <a:endParaRPr/>
-                    </a:p>
-                  </a:txBody>
-                  <a:tcPr marL="91425" marR="91425" marT="91425" marB="91425"/>
-                </a:tc>
-                <a:tc>
-                  <a:txBody>
-                    <a:bodyPr/>
-                    <a:lstStyle/>
-                    <a:p>
-                      <a:pPr marL="0" lvl="0" indent="0" algn="l" rtl="0">
-                        <a:spcBef>
-                          <a:spcPts val="0"/>
-                        </a:spcBef>
-                        <a:spcAft>
-                          <a:spcPts val="0"/>
-                        </a:spcAft>
-                        <a:buNone/>
-                      </a:pPr>
-                      <a:endParaRPr/>
-                    </a:p>
-                  </a:txBody>
-                  <a:tcPr marL="91425" marR="91425" marT="91425" marB="91425"/>
-                </a:tc>
-                <a:extLst>
-                  <a:ext uri="{0D108BD9-81ED-4DB2-BD59-A6C34878D82A}">
-                    <a16:rowId xmlns:a16="http://schemas.microsoft.com/office/drawing/2014/main" val="10000"/>
-                  </a:ext>
-                </a:extLst>
-              </a:tr>
-              <a:tr h="550325">
-                <a:tc>
-                  <a:txBody>
-                    <a:bodyPr/>
-                    <a:lstStyle/>
-                    <a:p>
-                      <a:pPr marL="0" lvl="0" indent="0" algn="l" rtl="0">
-                        <a:spcBef>
-                          <a:spcPts val="0"/>
-                        </a:spcBef>
-                        <a:spcAft>
-                          <a:spcPts val="0"/>
-                        </a:spcAft>
-                        <a:buNone/>
-                      </a:pPr>
-                      <a:endParaRPr/>
-                    </a:p>
-                  </a:txBody>
-                  <a:tcPr marL="91425" marR="91425" marT="91425" marB="91425"/>
-                </a:tc>
-                <a:tc>
-                  <a:txBody>
-                    <a:bodyPr/>
-                    <a:lstStyle/>
-                    <a:p>
-                      <a:pPr marL="0" lvl="0" indent="0" algn="l" rtl="0">
-                        <a:spcBef>
-                          <a:spcPts val="0"/>
-                        </a:spcBef>
-                        <a:spcAft>
-                          <a:spcPts val="0"/>
-                        </a:spcAft>
-                        <a:buNone/>
-                      </a:pPr>
-                      <a:endParaRPr/>
-                    </a:p>
-                  </a:txBody>
-                  <a:tcPr marL="91425" marR="91425" marT="91425" marB="91425"/>
-                </a:tc>
-                <a:extLst>
-                  <a:ext uri="{0D108BD9-81ED-4DB2-BD59-A6C34878D82A}">
-                    <a16:rowId xmlns:a16="http://schemas.microsoft.com/office/drawing/2014/main" val="10001"/>
-                  </a:ext>
-                </a:extLst>
-              </a:tr>
-              <a:tr h="572275">
-                <a:tc>
-                  <a:txBody>
-                    <a:bodyPr/>
-                    <a:lstStyle/>
-                    <a:p>
-                      <a:pPr marL="0" lvl="0" indent="0" algn="l" rtl="0">
-                        <a:spcBef>
-                          <a:spcPts val="0"/>
-                        </a:spcBef>
-                        <a:spcAft>
-                          <a:spcPts val="0"/>
-                        </a:spcAft>
-                        <a:buNone/>
-                      </a:pPr>
-                      <a:endParaRPr/>
-                    </a:p>
-                  </a:txBody>
-                  <a:tcPr marL="91425" marR="91425" marT="91425" marB="91425"/>
-                </a:tc>
-                <a:tc>
-                  <a:txBody>
-                    <a:bodyPr/>
-                    <a:lstStyle/>
-                    <a:p>
-                      <a:pPr marL="0" lvl="0" indent="0" algn="l" rtl="0">
-                        <a:spcBef>
-                          <a:spcPts val="0"/>
-                        </a:spcBef>
-                        <a:spcAft>
-                          <a:spcPts val="0"/>
-                        </a:spcAft>
-                        <a:buNone/>
-                      </a:pPr>
-                      <a:endParaRPr/>
-                    </a:p>
-                  </a:txBody>
-                  <a:tcPr marL="91425" marR="91425" marT="91425" marB="91425"/>
-                </a:tc>
-                <a:extLst>
-                  <a:ext uri="{0D108BD9-81ED-4DB2-BD59-A6C34878D82A}">
-                    <a16:rowId xmlns:a16="http://schemas.microsoft.com/office/drawing/2014/main" val="10002"/>
-                  </a:ext>
-                </a:extLst>
-              </a:tr>
-              <a:tr h="550325">
-                <a:tc>
-                  <a:txBody>
-                    <a:bodyPr/>
-                    <a:lstStyle/>
-                    <a:p>
-                      <a:pPr marL="0" lvl="0" indent="0" algn="l" rtl="0">
-                        <a:spcBef>
-                          <a:spcPts val="0"/>
-                        </a:spcBef>
-                        <a:spcAft>
-                          <a:spcPts val="0"/>
-                        </a:spcAft>
-                        <a:buNone/>
-                      </a:pPr>
-                      <a:endParaRPr/>
-                    </a:p>
-                  </a:txBody>
-                  <a:tcPr marL="91425" marR="91425" marT="91425" marB="91425"/>
-                </a:tc>
-                <a:tc>
-                  <a:txBody>
-                    <a:bodyPr/>
-                    <a:lstStyle/>
-                    <a:p>
-                      <a:pPr marL="0" lvl="0" indent="0" algn="l" rtl="0">
-                        <a:spcBef>
-                          <a:spcPts val="0"/>
-                        </a:spcBef>
-                        <a:spcAft>
-                          <a:spcPts val="0"/>
-                        </a:spcAft>
-                        <a:buNone/>
-                      </a:pPr>
-                      <a:endParaRPr/>
-                    </a:p>
-                  </a:txBody>
-                  <a:tcPr marL="91425" marR="91425" marT="91425" marB="91425"/>
-                </a:tc>
-                <a:extLst>
-                  <a:ext uri="{0D108BD9-81ED-4DB2-BD59-A6C34878D82A}">
-                    <a16:rowId xmlns:a16="http://schemas.microsoft.com/office/drawing/2014/main" val="10003"/>
-                  </a:ext>
-                </a:extLst>
-              </a:tr>
-              <a:tr h="550325">
-                <a:tc>
-                  <a:txBody>
-                    <a:bodyPr/>
-                    <a:lstStyle/>
-                    <a:p>
-                      <a:pPr marL="0" lvl="0" indent="0" algn="l" rtl="0">
-                        <a:spcBef>
-                          <a:spcPts val="0"/>
-                        </a:spcBef>
-                        <a:spcAft>
-                          <a:spcPts val="0"/>
-                        </a:spcAft>
-                        <a:buNone/>
-                      </a:pPr>
-                      <a:endParaRPr/>
-                    </a:p>
-                  </a:txBody>
-                  <a:tcPr marL="91425" marR="91425" marT="91425" marB="91425"/>
-                </a:tc>
-                <a:tc>
-                  <a:txBody>
-                    <a:bodyPr/>
-                    <a:lstStyle/>
-                    <a:p>
-                      <a:pPr marL="0" lvl="0" indent="0" algn="l" rtl="0">
-                        <a:spcBef>
-                          <a:spcPts val="0"/>
-                        </a:spcBef>
-                        <a:spcAft>
-                          <a:spcPts val="0"/>
-                        </a:spcAft>
-                        <a:buNone/>
-                      </a:pPr>
-                      <a:endParaRPr/>
-                    </a:p>
-                  </a:txBody>
-                  <a:tcPr marL="91425" marR="91425" marT="91425" marB="91425"/>
-                </a:tc>
-                <a:extLst>
-                  <a:ext uri="{0D108BD9-81ED-4DB2-BD59-A6C34878D82A}">
-                    <a16:rowId xmlns:a16="http://schemas.microsoft.com/office/drawing/2014/main" val="10004"/>
-                  </a:ext>
-                </a:extLst>
-              </a:tr>
-            </a:tbl>
-          </a:graphicData>
-        </a:graphic>
-      </p:graphicFrame>
-      <p:sp>
-        <p:nvSpPr>
-          <p:cNvPr id="73" name="Google Shape;73;p14"/>
-          <p:cNvSpPr txBox="1"/>
-          <p:nvPr/>
-        </p:nvSpPr>
-        <p:spPr>
-          <a:xfrm>
-            <a:off x="4653425" y="604650"/>
-            <a:ext cx="4378500" cy="1324200"/>
-          </a:xfrm>
-          <a:prstGeom prst="rect">
-            <a:avLst/>
-          </a:prstGeom>
-          <a:solidFill>
-            <a:srgbClr val="FFE5B4"/>
-          </a:solidFill>
-          <a:ln>
-            <a:noFill/>
-          </a:ln>
-        </p:spPr>
-        <p:txBody>
-          <a:bodyPr spcFirstLastPara="1" wrap="square" lIns="91425" tIns="91425" rIns="91425" bIns="91425" anchor="t" anchorCtr="0">
-            <a:noAutofit/>
-          </a:bodyPr>
-          <a:lstStyle/>
-          <a:p>
-            <a:pPr marL="0" lvl="0" indent="0" algn="l" rtl="0">
-              <a:spcBef>
-                <a:spcPts val="0"/>
-              </a:spcBef>
-              <a:spcAft>
-                <a:spcPts val="0"/>
-              </a:spcAft>
-              <a:buNone/>
-            </a:pPr>
-            <a:endParaRPr sz="1100">
-              <a:solidFill>
-                <a:schemeClr val="dk2"/>
-              </a:solidFill>
-              <a:latin typeface="Calibri"/>
-              <a:ea typeface="Calibri"/>
-              <a:cs typeface="Calibri"/>
-              <a:sym typeface="Calibri"/>
-            </a:endParaRPr>
-          </a:p>
-        </p:txBody>
-      </p:sp>
-    </p:spTree>
-  </p:cSld>
-  <p:clrMapOvr>
-    <a:masterClrMapping/>
-  </p:clrMapOvr>
-</p:sld>
-</file>
-
-<file path=ppt/slides/slide3.xml><?xml version="1.0" encoding="utf-8"?>
-<p:sld xmlns:a="http://schemas.openxmlformats.org/drawingml/2006/main" xmlns:r="http://schemas.openxmlformats.org/officeDocument/2006/relationships" xmlns:p="http://schemas.openxmlformats.org/presentationml/2006/main">
-  <p:cSld>
-    <p:spTree>
-      <p:nvGrpSpPr>
-        <p:cNvPr id="1" name="Shape 77"/>
-        <p:cNvGrpSpPr/>
-        <p:nvPr/>
-      </p:nvGrpSpPr>
-      <p:grpSpPr>
-        <a:xfrm>
-          <a:off x="0" y="0"/>
-          <a:ext cx="0" cy="0"/>
-          <a:chOff x="0" y="0"/>
-          <a:chExt cx="0" cy="0"/>
-        </a:xfrm>
-      </p:grpSpPr>
-      <p:sp>
-        <p:nvSpPr>
-          <p:cNvPr id="78" name="Google Shape;78;p15"/>
-          <p:cNvSpPr txBox="1">
-            <a:spLocks noGrp="1"/>
-          </p:cNvSpPr>
-          <p:nvPr>
-            <p:ph type="title"/>
-          </p:nvPr>
-        </p:nvSpPr>
-        <p:spPr>
-          <a:xfrm>
-            <a:off x="0" y="0"/>
-            <a:ext cx="9144000" cy="543600"/>
-          </a:xfrm>
-          <a:prstGeom prst="rect">
-            <a:avLst/>
-          </a:prstGeom>
-        </p:spPr>
-        <p:txBody>
-          <a:bodyPr spcFirstLastPara="1" wrap="square" lIns="91425" tIns="91425" rIns="91425" bIns="91425" anchor="ctr" anchorCtr="0">
-            <a:normAutofit/>
-          </a:bodyPr>
-          <a:lstStyle/>
-          <a:p>
-            <a:pPr marL="0" lvl="0" indent="0" algn="ctr" rtl="0">
-              <a:spcBef>
-                <a:spcPts val="0"/>
-              </a:spcBef>
-              <a:spcAft>
-                <a:spcPts val="0"/>
-              </a:spcAft>
-              <a:buNone/>
-            </a:pPr>
-            <a:r>
-              <a:rPr lang="en-US" dirty="0"/>
-              <a:t>Leader in compliant recycling with multi-metal growth optionality</a:t>
-            </a:r>
-          </a:p>
-        </p:txBody>
-      </p:sp>
-      <p:sp>
-        <p:nvSpPr>
-          <p:cNvPr id="81" name="Google Shape;81;p15"/>
-          <p:cNvSpPr txBox="1">
-            <a:spLocks noGrp="1"/>
-          </p:cNvSpPr>
-          <p:nvPr>
-            <p:ph type="title" idx="2"/>
-          </p:nvPr>
-        </p:nvSpPr>
-        <p:spPr>
-          <a:xfrm>
-            <a:off x="55450" y="591725"/>
-            <a:ext cx="4454100" cy="4179000"/>
-          </a:xfrm>
-          <a:prstGeom prst="rect">
-            <a:avLst/>
-          </a:prstGeom>
-        </p:spPr>
-        <p:txBody>
-          <a:bodyPr spcFirstLastPara="1" wrap="square" lIns="91425" tIns="91425" rIns="91425" bIns="91425" anchor="ctr" anchorCtr="0">
-            <a:noAutofit/>
-          </a:bodyPr>
-          <a:lstStyle/>
-          <a:p>
-            <a:pPr marL="457200" lvl="0" indent="-292100" algn="just" rtl="0">
-              <a:lnSpc>
-                <a:spcPct val="115000"/>
-              </a:lnSpc>
-              <a:spcBef>
-                <a:spcPts val="1200"/>
-              </a:spcBef>
-              <a:spcAft>
-                <a:spcPts val="0"/>
-              </a:spcAft>
-              <a:buSzPts val="1000"/>
-              <a:buChar char="❏"/>
-            </a:pPr>
-            <a:r>
-              <a:rPr lang="en-IN" sz="1000" dirty="0"/>
-              <a:t>{{</a:t>
-            </a:r>
-            <a:r>
-              <a:rPr lang="en-IN" sz="1000" dirty="0" err="1"/>
-              <a:t>company_insider</a:t>
-            </a:r>
-            <a:r>
-              <a:rPr lang="en-IN" sz="1000" dirty="0"/>
-              <a:t>}}</a:t>
-            </a:r>
-            <a:endParaRPr sz="1000" dirty="0"/>
           </a:p>
         </p:txBody>
       </p:sp>
@@ -9842,7 +8623,7 @@
           <p:cNvPr id="2" name="TextBox 1">
             <a:extLst>
               <a:ext uri="{FF2B5EF4-FFF2-40B4-BE49-F238E27FC236}">
-                <a16:creationId xmlns:a16="http://schemas.microsoft.com/office/drawing/2014/main" id="{2343C578-3CC7-028C-0184-4F8F92B81388}"/>
+                <a16:creationId xmlns:a16="http://schemas.microsoft.com/office/drawing/2014/main" id="{2F0A3B68-3E6B-E8A7-C41E-A5EEBC6DF9E0}"/>
               </a:ext>
             </a:extLst>
           </p:cNvPr>
@@ -9882,79 +8663,10 @@
       </p:sp>
       <p:sp>
         <p:nvSpPr>
-          <p:cNvPr id="5" name="Rectangle 1">
-            <a:extLst>
-              <a:ext uri="{FF2B5EF4-FFF2-40B4-BE49-F238E27FC236}">
-                <a16:creationId xmlns:a16="http://schemas.microsoft.com/office/drawing/2014/main" id="{929B1D0D-74F2-EE08-7405-386A10478C29}"/>
-              </a:ext>
-            </a:extLst>
-          </p:cNvPr>
-          <p:cNvSpPr>
-            <a:spLocks noChangeArrowheads="1"/>
-          </p:cNvSpPr>
-          <p:nvPr/>
-        </p:nvSpPr>
-        <p:spPr bwMode="auto">
-          <a:xfrm>
-            <a:off x="2371725" y="1450975"/>
-            <a:ext cx="9144000" cy="457200"/>
-          </a:xfrm>
-          <a:prstGeom prst="rect">
-            <a:avLst/>
-          </a:prstGeom>
-          <a:noFill/>
-          <a:ln>
-            <a:noFill/>
-          </a:ln>
-          <a:effectLst/>
-          <a:extLst>
-            <a:ext uri="{909E8E84-426E-40DD-AFC4-6F175D3DCCD1}">
-              <a14:hiddenFill xmlns:a14="http://schemas.microsoft.com/office/drawing/2010/main">
-                <a:solidFill>
-                  <a:schemeClr val="accent1"/>
-                </a:solidFill>
-              </a14:hiddenFill>
-            </a:ext>
-            <a:ext uri="{91240B29-F687-4F45-9708-019B960494DF}">
-              <a14:hiddenLine xmlns:a14="http://schemas.microsoft.com/office/drawing/2010/main" w="9525">
-                <a:solidFill>
-                  <a:schemeClr val="tx1"/>
-                </a:solidFill>
-                <a:miter lim="800000"/>
-                <a:headEnd/>
-                <a:tailEnd/>
-              </a14:hiddenLine>
-            </a:ext>
-            <a:ext uri="{AF507438-7753-43E0-B8FC-AC1667EBCBE1}">
-              <a14:hiddenEffects xmlns:a14="http://schemas.microsoft.com/office/drawing/2010/main">
-                <a:effectLst>
-                  <a:outerShdw dist="35921" dir="2700000" algn="ctr" rotWithShape="0">
-                    <a:schemeClr val="bg2"/>
-                  </a:outerShdw>
-                </a:effectLst>
-              </a14:hiddenEffects>
-            </a:ext>
-          </a:extLst>
-        </p:spPr>
-        <p:txBody>
-          <a:bodyPr vert="horz" wrap="none" lIns="91440" tIns="45720" rIns="91440" bIns="45720" numCol="1" anchor="ctr" anchorCtr="0" compatLnSpc="1">
-            <a:prstTxWarp prst="textNoShape">
-              <a:avLst/>
-            </a:prstTxWarp>
-            <a:spAutoFit/>
-          </a:bodyPr>
-          <a:lstStyle/>
-          <a:p>
-            <a:endParaRPr lang="en-IN"/>
-          </a:p>
-        </p:txBody>
-      </p:sp>
-      <p:sp>
-        <p:nvSpPr>
           <p:cNvPr id="3" name="TextBox 2">
             <a:extLst>
               <a:ext uri="{FF2B5EF4-FFF2-40B4-BE49-F238E27FC236}">
-                <a16:creationId xmlns:a16="http://schemas.microsoft.com/office/drawing/2014/main" id="{DC7AF995-F696-A6E3-D2A6-DE92AB47CE0E}"/>
+                <a16:creationId xmlns:a16="http://schemas.microsoft.com/office/drawing/2014/main" id="{BC38CDE2-69B9-4F61-D17A-A82F3C5D1384}"/>
               </a:ext>
             </a:extLst>
           </p:cNvPr>
@@ -10000,7 +8712,7 @@
 </p:sld>
 </file>
 
-<file path=ppt/slides/slide4.xml><?xml version="1.0" encoding="utf-8"?>
+<file path=ppt/slides/slide3.xml><?xml version="1.0" encoding="utf-8"?>
 <p:sld xmlns:a="http://schemas.openxmlformats.org/drawingml/2006/main" xmlns:r="http://schemas.openxmlformats.org/officeDocument/2006/relationships" xmlns:p="http://schemas.openxmlformats.org/presentationml/2006/main">
   <p:cSld>
     <p:spTree>
@@ -10053,7 +8765,15 @@
             </a:pPr>
             <a:r>
               <a:rPr lang="en-GB" dirty="0"/>
-              <a:t>Company Background</a:t>
+              <a:t>{{</a:t>
+            </a:r>
+            <a:r>
+              <a:rPr lang="en-GB" dirty="0" err="1"/>
+              <a:t>Company_Background_h</a:t>
+            </a:r>
+            <a:r>
+              <a:rPr lang="en-GB" dirty="0"/>
+              <a:t>}}</a:t>
             </a:r>
             <a:endParaRPr dirty="0"/>
           </a:p>
@@ -10446,7 +9166,7 @@
 </p:sld>
 </file>
 
-<file path=ppt/slides/slide5.xml><?xml version="1.0" encoding="utf-8"?>
+<file path=ppt/slides/slide4.xml><?xml version="1.0" encoding="utf-8"?>
 <p:sld xmlns:a="http://schemas.openxmlformats.org/drawingml/2006/main" xmlns:r="http://schemas.openxmlformats.org/officeDocument/2006/relationships" xmlns:p="http://schemas.openxmlformats.org/presentationml/2006/main">
   <p:cSld>
     <p:spTree>
@@ -10511,7 +9231,15 @@
             </a:pPr>
             <a:r>
               <a:rPr lang="en-US" dirty="0"/>
-              <a:t>Business Model Explanation</a:t>
+              <a:t>{{</a:t>
+            </a:r>
+            <a:r>
+              <a:rPr lang="en-US" dirty="0" err="1"/>
+              <a:t>Business_Model_Explanation_h</a:t>
+            </a:r>
+            <a:r>
+              <a:rPr lang="en-US" dirty="0"/>
+              <a:t>}}</a:t>
             </a:r>
             <a:endParaRPr dirty="0"/>
           </a:p>
@@ -11131,7 +9859,7 @@
 </p:sld>
 </file>
 
-<file path=ppt/slides/slide6.xml><?xml version="1.0" encoding="utf-8"?>
+<file path=ppt/slides/slide5.xml><?xml version="1.0" encoding="utf-8"?>
 <p:sld xmlns:a="http://schemas.openxmlformats.org/drawingml/2006/main" xmlns:r="http://schemas.openxmlformats.org/officeDocument/2006/relationships" xmlns:p="http://schemas.openxmlformats.org/presentationml/2006/main">
   <p:cSld>
     <p:spTree>
@@ -11196,7 +9924,15 @@
             </a:pPr>
             <a:r>
               <a:rPr lang="en-US" dirty="0"/>
-              <a:t>Management Analysis</a:t>
+              <a:t>{{</a:t>
+            </a:r>
+            <a:r>
+              <a:rPr lang="en-US" dirty="0" err="1"/>
+              <a:t>Management_Analysis_h</a:t>
+            </a:r>
+            <a:r>
+              <a:rPr lang="en-US" dirty="0"/>
+              <a:t>}}</a:t>
             </a:r>
             <a:endParaRPr dirty="0"/>
           </a:p>
@@ -11816,7 +10552,7 @@
 </p:sld>
 </file>
 
-<file path=ppt/slides/slide7.xml><?xml version="1.0" encoding="utf-8"?>
+<file path=ppt/slides/slide6.xml><?xml version="1.0" encoding="utf-8"?>
 <p:sld xmlns:a="http://schemas.openxmlformats.org/drawingml/2006/main" xmlns:r="http://schemas.openxmlformats.org/officeDocument/2006/relationships" xmlns:p="http://schemas.openxmlformats.org/presentationml/2006/main">
   <p:cSld>
     <p:spTree>
@@ -11881,7 +10617,15 @@
             </a:pPr>
             <a:r>
               <a:rPr lang="en-GB" dirty="0"/>
-              <a:t>Industry Overview</a:t>
+              <a:t>{{</a:t>
+            </a:r>
+            <a:r>
+              <a:rPr lang="en-GB" dirty="0" err="1"/>
+              <a:t>Industry_Overview_h</a:t>
+            </a:r>
+            <a:r>
+              <a:rPr lang="en-GB" dirty="0"/>
+              <a:t>}}</a:t>
             </a:r>
             <a:endParaRPr dirty="0"/>
           </a:p>
@@ -12501,7 +11245,7 @@
 </p:sld>
 </file>
 
-<file path=ppt/slides/slide8.xml><?xml version="1.0" encoding="utf-8"?>
+<file path=ppt/slides/slide7.xml><?xml version="1.0" encoding="utf-8"?>
 <p:sld xmlns:a="http://schemas.openxmlformats.org/drawingml/2006/main" xmlns:r="http://schemas.openxmlformats.org/officeDocument/2006/relationships" xmlns:p="http://schemas.openxmlformats.org/presentationml/2006/main">
   <p:cSld>
     <p:spTree>
@@ -12566,7 +11310,15 @@
             </a:pPr>
             <a:r>
               <a:rPr lang="en-GB" dirty="0"/>
-              <a:t>Key Industry Tailwinds</a:t>
+              <a:t>{{</a:t>
+            </a:r>
+            <a:r>
+              <a:rPr lang="en-GB" dirty="0" err="1"/>
+              <a:t>Key_Industry_Tailwinds_h</a:t>
+            </a:r>
+            <a:r>
+              <a:rPr lang="en-GB" dirty="0"/>
+              <a:t>}}</a:t>
             </a:r>
             <a:endParaRPr dirty="0"/>
           </a:p>
@@ -13186,7 +11938,7 @@
 </p:sld>
 </file>
 
-<file path=ppt/slides/slide9.xml><?xml version="1.0" encoding="utf-8"?>
+<file path=ppt/slides/slide8.xml><?xml version="1.0" encoding="utf-8"?>
 <p:sld xmlns:a="http://schemas.openxmlformats.org/drawingml/2006/main" xmlns:r="http://schemas.openxmlformats.org/officeDocument/2006/relationships" xmlns:p="http://schemas.openxmlformats.org/presentationml/2006/main">
   <p:cSld>
     <p:spTree>
@@ -13251,7 +12003,15 @@
             </a:pPr>
             <a:r>
               <a:rPr lang="en-US" dirty="0"/>
-              <a:t>Demand drivers</a:t>
+              <a:t>{{</a:t>
+            </a:r>
+            <a:r>
+              <a:rPr lang="en-US" dirty="0" err="1"/>
+              <a:t>Demand_drivers_h</a:t>
+            </a:r>
+            <a:r>
+              <a:rPr lang="en-US" dirty="0"/>
+              <a:t>}}</a:t>
             </a:r>
             <a:endParaRPr dirty="0"/>
           </a:p>
@@ -13862,6 +12622,699 @@
     <p:extLst>
       <p:ext uri="{BB962C8B-B14F-4D97-AF65-F5344CB8AC3E}">
         <p14:creationId xmlns:p14="http://schemas.microsoft.com/office/powerpoint/2010/main" val="3961813556"/>
+      </p:ext>
+    </p:extLst>
+  </p:cSld>
+  <p:clrMapOvr>
+    <a:masterClrMapping/>
+  </p:clrMapOvr>
+</p:sld>
+</file>
+
+<file path=ppt/slides/slide9.xml><?xml version="1.0" encoding="utf-8"?>
+<p:sld xmlns:a="http://schemas.openxmlformats.org/drawingml/2006/main" xmlns:r="http://schemas.openxmlformats.org/officeDocument/2006/relationships" xmlns:p="http://schemas.openxmlformats.org/presentationml/2006/main">
+  <p:cSld>
+    <p:spTree>
+      <p:nvGrpSpPr>
+        <p:cNvPr id="1" name="Shape 101">
+          <a:extLst>
+            <a:ext uri="{FF2B5EF4-FFF2-40B4-BE49-F238E27FC236}">
+              <a16:creationId xmlns:a16="http://schemas.microsoft.com/office/drawing/2014/main" id="{5369FFD1-328D-C386-CF68-92179F159FCF}"/>
+            </a:ext>
+          </a:extLst>
+        </p:cNvPr>
+        <p:cNvGrpSpPr/>
+        <p:nvPr/>
+      </p:nvGrpSpPr>
+      <p:grpSpPr>
+        <a:xfrm>
+          <a:off x="0" y="0"/>
+          <a:ext cx="0" cy="0"/>
+          <a:chOff x="0" y="0"/>
+          <a:chExt cx="0" cy="0"/>
+        </a:xfrm>
+      </p:grpSpPr>
+      <p:sp>
+        <p:nvSpPr>
+          <p:cNvPr id="102" name="Google Shape;102;p18">
+            <a:extLst>
+              <a:ext uri="{FF2B5EF4-FFF2-40B4-BE49-F238E27FC236}">
+                <a16:creationId xmlns:a16="http://schemas.microsoft.com/office/drawing/2014/main" id="{CF2746A6-609C-ED62-DBA0-F63389FE81BD}"/>
+              </a:ext>
+            </a:extLst>
+          </p:cNvPr>
+          <p:cNvSpPr txBox="1">
+            <a:spLocks noGrp="1"/>
+          </p:cNvSpPr>
+          <p:nvPr>
+            <p:ph type="title"/>
+          </p:nvPr>
+        </p:nvSpPr>
+        <p:spPr>
+          <a:xfrm>
+            <a:off x="0" y="0"/>
+            <a:ext cx="9144000" cy="543600"/>
+          </a:xfrm>
+          <a:prstGeom prst="rect">
+            <a:avLst/>
+          </a:prstGeom>
+        </p:spPr>
+        <p:txBody>
+          <a:bodyPr spcFirstLastPara="1" wrap="square" lIns="91425" tIns="91425" rIns="91425" bIns="91425" anchor="ctr" anchorCtr="0">
+            <a:normAutofit/>
+          </a:bodyPr>
+          <a:lstStyle/>
+          <a:p>
+            <a:pPr marL="0" lvl="0" indent="0" algn="ctr" rtl="0">
+              <a:spcBef>
+                <a:spcPts val="0"/>
+              </a:spcBef>
+              <a:spcAft>
+                <a:spcPts val="0"/>
+              </a:spcAft>
+              <a:buNone/>
+            </a:pPr>
+            <a:r>
+              <a:rPr lang="en-US" dirty="0"/>
+              <a:t>{{</a:t>
+            </a:r>
+            <a:r>
+              <a:rPr lang="en-US" dirty="0" err="1"/>
+              <a:t>Industry_Risks_h</a:t>
+            </a:r>
+            <a:r>
+              <a:rPr lang="en-US" dirty="0"/>
+              <a:t>}}</a:t>
+            </a:r>
+            <a:endParaRPr dirty="0"/>
+          </a:p>
+        </p:txBody>
+      </p:sp>
+      <p:sp>
+        <p:nvSpPr>
+          <p:cNvPr id="103" name="Google Shape;103;p18">
+            <a:extLst>
+              <a:ext uri="{FF2B5EF4-FFF2-40B4-BE49-F238E27FC236}">
+                <a16:creationId xmlns:a16="http://schemas.microsoft.com/office/drawing/2014/main" id="{4F3CD53B-0D34-3E85-C664-97E2B3F3E2AB}"/>
+              </a:ext>
+            </a:extLst>
+          </p:cNvPr>
+          <p:cNvSpPr txBox="1"/>
+          <p:nvPr/>
+        </p:nvSpPr>
+        <p:spPr>
+          <a:xfrm>
+            <a:off x="0" y="579050"/>
+            <a:ext cx="9003900" cy="4224300"/>
+          </a:xfrm>
+          <a:prstGeom prst="rect">
+            <a:avLst/>
+          </a:prstGeom>
+          <a:solidFill>
+            <a:srgbClr val="FFE5B4"/>
+          </a:solidFill>
+          <a:ln>
+            <a:noFill/>
+          </a:ln>
+        </p:spPr>
+        <p:txBody>
+          <a:bodyPr spcFirstLastPara="1" wrap="square" lIns="91425" tIns="91425" rIns="91425" bIns="91425" anchor="ctr" anchorCtr="0">
+            <a:noAutofit/>
+          </a:bodyPr>
+          <a:lstStyle/>
+          <a:p>
+            <a:pPr marL="200660" lvl="0" indent="0" algn="just" rtl="0">
+              <a:spcBef>
+                <a:spcPts val="0"/>
+              </a:spcBef>
+              <a:spcAft>
+                <a:spcPts val="0"/>
+              </a:spcAft>
+              <a:buNone/>
+            </a:pPr>
+            <a:r>
+              <a:rPr lang="en-US" sz="1000" dirty="0">
+                <a:solidFill>
+                  <a:schemeClr val="dk1"/>
+                </a:solidFill>
+                <a:latin typeface="Calibri"/>
+                <a:ea typeface="Calibri"/>
+                <a:cs typeface="Calibri"/>
+                <a:sym typeface="Calibri"/>
+              </a:rPr>
+              <a:t>{{</a:t>
+            </a:r>
+            <a:r>
+              <a:rPr lang="en-US" sz="1000" dirty="0" err="1">
+                <a:solidFill>
+                  <a:schemeClr val="dk1"/>
+                </a:solidFill>
+                <a:latin typeface="Calibri"/>
+                <a:ea typeface="Calibri"/>
+                <a:cs typeface="Calibri"/>
+                <a:sym typeface="Calibri"/>
+              </a:rPr>
+              <a:t>industry_risk</a:t>
+            </a:r>
+            <a:r>
+              <a:rPr lang="en-US" sz="1000" dirty="0">
+                <a:solidFill>
+                  <a:schemeClr val="dk1"/>
+                </a:solidFill>
+                <a:latin typeface="Calibri"/>
+                <a:ea typeface="Calibri"/>
+                <a:cs typeface="Calibri"/>
+                <a:sym typeface="Calibri"/>
+              </a:rPr>
+              <a:t>}}</a:t>
+            </a:r>
+          </a:p>
+          <a:p>
+            <a:pPr marL="200660" lvl="0" indent="0" algn="just" rtl="0">
+              <a:spcBef>
+                <a:spcPts val="0"/>
+              </a:spcBef>
+              <a:spcAft>
+                <a:spcPts val="0"/>
+              </a:spcAft>
+              <a:buNone/>
+            </a:pPr>
+            <a:endParaRPr lang="en-US" sz="1000" dirty="0">
+              <a:solidFill>
+                <a:schemeClr val="dk1"/>
+              </a:solidFill>
+              <a:latin typeface="Calibri"/>
+              <a:ea typeface="Calibri"/>
+              <a:cs typeface="Calibri"/>
+              <a:sym typeface="Calibri"/>
+            </a:endParaRPr>
+          </a:p>
+          <a:p>
+            <a:pPr marL="200660" lvl="0" indent="0" algn="just" rtl="0">
+              <a:spcBef>
+                <a:spcPts val="0"/>
+              </a:spcBef>
+              <a:spcAft>
+                <a:spcPts val="0"/>
+              </a:spcAft>
+              <a:buNone/>
+            </a:pPr>
+            <a:endParaRPr lang="en-US" sz="1000" dirty="0">
+              <a:solidFill>
+                <a:schemeClr val="dk1"/>
+              </a:solidFill>
+              <a:latin typeface="Calibri"/>
+              <a:ea typeface="Calibri"/>
+              <a:cs typeface="Calibri"/>
+              <a:sym typeface="Calibri"/>
+            </a:endParaRPr>
+          </a:p>
+          <a:p>
+            <a:pPr marL="200660" lvl="0" indent="0" algn="just" rtl="0">
+              <a:spcBef>
+                <a:spcPts val="0"/>
+              </a:spcBef>
+              <a:spcAft>
+                <a:spcPts val="0"/>
+              </a:spcAft>
+              <a:buNone/>
+            </a:pPr>
+            <a:endParaRPr lang="en-US" sz="1000" dirty="0">
+              <a:solidFill>
+                <a:schemeClr val="dk1"/>
+              </a:solidFill>
+              <a:latin typeface="Calibri"/>
+              <a:ea typeface="Calibri"/>
+              <a:cs typeface="Calibri"/>
+              <a:sym typeface="Calibri"/>
+            </a:endParaRPr>
+          </a:p>
+          <a:p>
+            <a:pPr marL="200660" lvl="0" indent="0" algn="just" rtl="0">
+              <a:spcBef>
+                <a:spcPts val="0"/>
+              </a:spcBef>
+              <a:spcAft>
+                <a:spcPts val="0"/>
+              </a:spcAft>
+              <a:buNone/>
+            </a:pPr>
+            <a:endParaRPr lang="en-US" sz="1000" dirty="0">
+              <a:solidFill>
+                <a:schemeClr val="dk1"/>
+              </a:solidFill>
+              <a:latin typeface="Calibri"/>
+              <a:ea typeface="Calibri"/>
+              <a:cs typeface="Calibri"/>
+              <a:sym typeface="Calibri"/>
+            </a:endParaRPr>
+          </a:p>
+          <a:p>
+            <a:pPr marL="200660" lvl="0" indent="0" algn="just" rtl="0">
+              <a:spcBef>
+                <a:spcPts val="0"/>
+              </a:spcBef>
+              <a:spcAft>
+                <a:spcPts val="0"/>
+              </a:spcAft>
+              <a:buNone/>
+            </a:pPr>
+            <a:endParaRPr lang="en-US" sz="1000" dirty="0">
+              <a:solidFill>
+                <a:schemeClr val="dk1"/>
+              </a:solidFill>
+              <a:latin typeface="Calibri"/>
+              <a:ea typeface="Calibri"/>
+              <a:cs typeface="Calibri"/>
+              <a:sym typeface="Calibri"/>
+            </a:endParaRPr>
+          </a:p>
+          <a:p>
+            <a:pPr marL="200660" lvl="0" indent="0" algn="just" rtl="0">
+              <a:spcBef>
+                <a:spcPts val="0"/>
+              </a:spcBef>
+              <a:spcAft>
+                <a:spcPts val="0"/>
+              </a:spcAft>
+              <a:buNone/>
+            </a:pPr>
+            <a:endParaRPr lang="en-US" sz="1000" dirty="0">
+              <a:solidFill>
+                <a:schemeClr val="dk1"/>
+              </a:solidFill>
+              <a:latin typeface="Calibri"/>
+              <a:ea typeface="Calibri"/>
+              <a:cs typeface="Calibri"/>
+              <a:sym typeface="Calibri"/>
+            </a:endParaRPr>
+          </a:p>
+          <a:p>
+            <a:pPr marL="200660" lvl="0" indent="0" algn="just" rtl="0">
+              <a:spcBef>
+                <a:spcPts val="0"/>
+              </a:spcBef>
+              <a:spcAft>
+                <a:spcPts val="0"/>
+              </a:spcAft>
+              <a:buNone/>
+            </a:pPr>
+            <a:endParaRPr lang="en-US" sz="1000" dirty="0">
+              <a:solidFill>
+                <a:schemeClr val="dk1"/>
+              </a:solidFill>
+              <a:latin typeface="Calibri"/>
+              <a:ea typeface="Calibri"/>
+              <a:cs typeface="Calibri"/>
+              <a:sym typeface="Calibri"/>
+            </a:endParaRPr>
+          </a:p>
+          <a:p>
+            <a:pPr marL="200660" lvl="0" indent="0" algn="just" rtl="0">
+              <a:spcBef>
+                <a:spcPts val="0"/>
+              </a:spcBef>
+              <a:spcAft>
+                <a:spcPts val="0"/>
+              </a:spcAft>
+              <a:buNone/>
+            </a:pPr>
+            <a:endParaRPr lang="en-US" sz="1000" dirty="0">
+              <a:solidFill>
+                <a:schemeClr val="dk1"/>
+              </a:solidFill>
+              <a:latin typeface="Calibri"/>
+              <a:ea typeface="Calibri"/>
+              <a:cs typeface="Calibri"/>
+              <a:sym typeface="Calibri"/>
+            </a:endParaRPr>
+          </a:p>
+          <a:p>
+            <a:pPr marL="200660" lvl="0" indent="0" algn="just" rtl="0">
+              <a:spcBef>
+                <a:spcPts val="0"/>
+              </a:spcBef>
+              <a:spcAft>
+                <a:spcPts val="0"/>
+              </a:spcAft>
+              <a:buNone/>
+            </a:pPr>
+            <a:endParaRPr lang="en-US" sz="1000" dirty="0">
+              <a:solidFill>
+                <a:schemeClr val="dk1"/>
+              </a:solidFill>
+              <a:latin typeface="Calibri"/>
+              <a:ea typeface="Calibri"/>
+              <a:cs typeface="Calibri"/>
+              <a:sym typeface="Calibri"/>
+            </a:endParaRPr>
+          </a:p>
+          <a:p>
+            <a:pPr marL="200660" lvl="0" indent="0" algn="just" rtl="0">
+              <a:spcBef>
+                <a:spcPts val="0"/>
+              </a:spcBef>
+              <a:spcAft>
+                <a:spcPts val="0"/>
+              </a:spcAft>
+              <a:buNone/>
+            </a:pPr>
+            <a:endParaRPr lang="en-US" sz="1000" dirty="0">
+              <a:solidFill>
+                <a:schemeClr val="dk1"/>
+              </a:solidFill>
+              <a:latin typeface="Calibri"/>
+              <a:ea typeface="Calibri"/>
+              <a:cs typeface="Calibri"/>
+              <a:sym typeface="Calibri"/>
+            </a:endParaRPr>
+          </a:p>
+          <a:p>
+            <a:pPr marL="200660" lvl="0" indent="0" algn="just" rtl="0">
+              <a:spcBef>
+                <a:spcPts val="0"/>
+              </a:spcBef>
+              <a:spcAft>
+                <a:spcPts val="0"/>
+              </a:spcAft>
+              <a:buNone/>
+            </a:pPr>
+            <a:endParaRPr lang="en-US" sz="1000" dirty="0">
+              <a:solidFill>
+                <a:schemeClr val="dk1"/>
+              </a:solidFill>
+              <a:latin typeface="Calibri"/>
+              <a:ea typeface="Calibri"/>
+              <a:cs typeface="Calibri"/>
+              <a:sym typeface="Calibri"/>
+            </a:endParaRPr>
+          </a:p>
+          <a:p>
+            <a:pPr marL="200660" lvl="0" indent="0" algn="just" rtl="0">
+              <a:spcBef>
+                <a:spcPts val="0"/>
+              </a:spcBef>
+              <a:spcAft>
+                <a:spcPts val="0"/>
+              </a:spcAft>
+              <a:buNone/>
+            </a:pPr>
+            <a:endParaRPr lang="en-US" sz="1000" dirty="0">
+              <a:solidFill>
+                <a:schemeClr val="dk1"/>
+              </a:solidFill>
+              <a:latin typeface="Calibri"/>
+              <a:ea typeface="Calibri"/>
+              <a:cs typeface="Calibri"/>
+              <a:sym typeface="Calibri"/>
+            </a:endParaRPr>
+          </a:p>
+          <a:p>
+            <a:pPr marL="200660" lvl="0" indent="0" algn="just" rtl="0">
+              <a:spcBef>
+                <a:spcPts val="0"/>
+              </a:spcBef>
+              <a:spcAft>
+                <a:spcPts val="0"/>
+              </a:spcAft>
+              <a:buNone/>
+            </a:pPr>
+            <a:endParaRPr lang="en-US" sz="1000" dirty="0">
+              <a:solidFill>
+                <a:schemeClr val="dk1"/>
+              </a:solidFill>
+              <a:latin typeface="Calibri"/>
+              <a:ea typeface="Calibri"/>
+              <a:cs typeface="Calibri"/>
+              <a:sym typeface="Calibri"/>
+            </a:endParaRPr>
+          </a:p>
+          <a:p>
+            <a:pPr marL="200660" lvl="0" indent="0" algn="just" rtl="0">
+              <a:spcBef>
+                <a:spcPts val="0"/>
+              </a:spcBef>
+              <a:spcAft>
+                <a:spcPts val="0"/>
+              </a:spcAft>
+              <a:buNone/>
+            </a:pPr>
+            <a:endParaRPr lang="en-US" sz="1000" dirty="0">
+              <a:solidFill>
+                <a:schemeClr val="dk1"/>
+              </a:solidFill>
+              <a:latin typeface="Calibri"/>
+              <a:ea typeface="Calibri"/>
+              <a:cs typeface="Calibri"/>
+              <a:sym typeface="Calibri"/>
+            </a:endParaRPr>
+          </a:p>
+          <a:p>
+            <a:pPr marL="200660" lvl="0" indent="0" algn="just" rtl="0">
+              <a:spcBef>
+                <a:spcPts val="0"/>
+              </a:spcBef>
+              <a:spcAft>
+                <a:spcPts val="0"/>
+              </a:spcAft>
+              <a:buNone/>
+            </a:pPr>
+            <a:endParaRPr lang="en-US" sz="1000" dirty="0">
+              <a:solidFill>
+                <a:schemeClr val="dk1"/>
+              </a:solidFill>
+              <a:latin typeface="Calibri"/>
+              <a:ea typeface="Calibri"/>
+              <a:cs typeface="Calibri"/>
+              <a:sym typeface="Calibri"/>
+            </a:endParaRPr>
+          </a:p>
+          <a:p>
+            <a:pPr marL="200660" lvl="0" indent="0" algn="just" rtl="0">
+              <a:spcBef>
+                <a:spcPts val="0"/>
+              </a:spcBef>
+              <a:spcAft>
+                <a:spcPts val="0"/>
+              </a:spcAft>
+              <a:buNone/>
+            </a:pPr>
+            <a:endParaRPr lang="en-US" sz="1000" dirty="0">
+              <a:solidFill>
+                <a:schemeClr val="dk1"/>
+              </a:solidFill>
+              <a:latin typeface="Calibri"/>
+              <a:ea typeface="Calibri"/>
+              <a:cs typeface="Calibri"/>
+              <a:sym typeface="Calibri"/>
+            </a:endParaRPr>
+          </a:p>
+          <a:p>
+            <a:pPr marL="200660" lvl="0" indent="0" algn="just" rtl="0">
+              <a:spcBef>
+                <a:spcPts val="0"/>
+              </a:spcBef>
+              <a:spcAft>
+                <a:spcPts val="0"/>
+              </a:spcAft>
+              <a:buNone/>
+            </a:pPr>
+            <a:endParaRPr lang="en-US" sz="1000" dirty="0">
+              <a:solidFill>
+                <a:schemeClr val="dk1"/>
+              </a:solidFill>
+              <a:latin typeface="Calibri"/>
+              <a:ea typeface="Calibri"/>
+              <a:cs typeface="Calibri"/>
+              <a:sym typeface="Calibri"/>
+            </a:endParaRPr>
+          </a:p>
+          <a:p>
+            <a:pPr marL="200660" lvl="0" indent="0" algn="just" rtl="0">
+              <a:spcBef>
+                <a:spcPts val="0"/>
+              </a:spcBef>
+              <a:spcAft>
+                <a:spcPts val="0"/>
+              </a:spcAft>
+              <a:buNone/>
+            </a:pPr>
+            <a:endParaRPr lang="en-US" sz="1000" dirty="0">
+              <a:solidFill>
+                <a:schemeClr val="dk1"/>
+              </a:solidFill>
+              <a:latin typeface="Calibri"/>
+              <a:ea typeface="Calibri"/>
+              <a:cs typeface="Calibri"/>
+              <a:sym typeface="Calibri"/>
+            </a:endParaRPr>
+          </a:p>
+          <a:p>
+            <a:pPr marL="200660" lvl="0" indent="0" algn="just" rtl="0">
+              <a:spcBef>
+                <a:spcPts val="0"/>
+              </a:spcBef>
+              <a:spcAft>
+                <a:spcPts val="0"/>
+              </a:spcAft>
+              <a:buNone/>
+            </a:pPr>
+            <a:endParaRPr lang="en-US" sz="1000" dirty="0">
+              <a:solidFill>
+                <a:schemeClr val="dk1"/>
+              </a:solidFill>
+              <a:latin typeface="Calibri"/>
+              <a:ea typeface="Calibri"/>
+              <a:cs typeface="Calibri"/>
+              <a:sym typeface="Calibri"/>
+            </a:endParaRPr>
+          </a:p>
+          <a:p>
+            <a:pPr marL="200660" lvl="0" indent="0" algn="just" rtl="0">
+              <a:spcBef>
+                <a:spcPts val="0"/>
+              </a:spcBef>
+              <a:spcAft>
+                <a:spcPts val="0"/>
+              </a:spcAft>
+              <a:buNone/>
+            </a:pPr>
+            <a:endParaRPr lang="en-US" sz="1000" dirty="0">
+              <a:solidFill>
+                <a:schemeClr val="dk1"/>
+              </a:solidFill>
+              <a:latin typeface="Calibri"/>
+              <a:ea typeface="Calibri"/>
+              <a:cs typeface="Calibri"/>
+              <a:sym typeface="Calibri"/>
+            </a:endParaRPr>
+          </a:p>
+          <a:p>
+            <a:pPr marL="200660" lvl="0" indent="0" algn="just" rtl="0">
+              <a:spcBef>
+                <a:spcPts val="0"/>
+              </a:spcBef>
+              <a:spcAft>
+                <a:spcPts val="0"/>
+              </a:spcAft>
+              <a:buNone/>
+            </a:pPr>
+            <a:endParaRPr lang="en-US" sz="1000" dirty="0">
+              <a:solidFill>
+                <a:schemeClr val="dk1"/>
+              </a:solidFill>
+              <a:latin typeface="Calibri"/>
+              <a:ea typeface="Calibri"/>
+              <a:cs typeface="Calibri"/>
+              <a:sym typeface="Calibri"/>
+            </a:endParaRPr>
+          </a:p>
+          <a:p>
+            <a:pPr marL="200660" lvl="0" indent="0" algn="just" rtl="0">
+              <a:spcBef>
+                <a:spcPts val="0"/>
+              </a:spcBef>
+              <a:spcAft>
+                <a:spcPts val="0"/>
+              </a:spcAft>
+              <a:buNone/>
+            </a:pPr>
+            <a:endParaRPr lang="en-US" sz="1000" dirty="0">
+              <a:solidFill>
+                <a:schemeClr val="dk1"/>
+              </a:solidFill>
+              <a:latin typeface="Calibri"/>
+              <a:ea typeface="Calibri"/>
+              <a:cs typeface="Calibri"/>
+              <a:sym typeface="Calibri"/>
+            </a:endParaRPr>
+          </a:p>
+          <a:p>
+            <a:pPr marL="200660" lvl="0" indent="0" algn="just" rtl="0">
+              <a:spcBef>
+                <a:spcPts val="0"/>
+              </a:spcBef>
+              <a:spcAft>
+                <a:spcPts val="0"/>
+              </a:spcAft>
+              <a:buNone/>
+            </a:pPr>
+            <a:endParaRPr lang="en-US" sz="1000" dirty="0">
+              <a:solidFill>
+                <a:schemeClr val="dk1"/>
+              </a:solidFill>
+              <a:latin typeface="Calibri"/>
+              <a:ea typeface="Calibri"/>
+              <a:cs typeface="Calibri"/>
+              <a:sym typeface="Calibri"/>
+            </a:endParaRPr>
+          </a:p>
+          <a:p>
+            <a:pPr marL="200660" lvl="0" indent="0" algn="just" rtl="0">
+              <a:spcBef>
+                <a:spcPts val="0"/>
+              </a:spcBef>
+              <a:spcAft>
+                <a:spcPts val="0"/>
+              </a:spcAft>
+              <a:buNone/>
+            </a:pPr>
+            <a:endParaRPr lang="en-US" sz="1000" dirty="0">
+              <a:solidFill>
+                <a:schemeClr val="dk1"/>
+              </a:solidFill>
+              <a:latin typeface="Calibri"/>
+              <a:ea typeface="Calibri"/>
+              <a:cs typeface="Calibri"/>
+              <a:sym typeface="Calibri"/>
+            </a:endParaRPr>
+          </a:p>
+          <a:p>
+            <a:pPr marL="200660" lvl="0" indent="0" algn="just" rtl="0">
+              <a:spcBef>
+                <a:spcPts val="0"/>
+              </a:spcBef>
+              <a:spcAft>
+                <a:spcPts val="0"/>
+              </a:spcAft>
+              <a:buNone/>
+            </a:pPr>
+            <a:endParaRPr lang="en-US" sz="1000" dirty="0">
+              <a:solidFill>
+                <a:schemeClr val="dk1"/>
+              </a:solidFill>
+              <a:latin typeface="Calibri"/>
+              <a:ea typeface="Calibri"/>
+              <a:cs typeface="Calibri"/>
+              <a:sym typeface="Calibri"/>
+            </a:endParaRPr>
+          </a:p>
+          <a:p>
+            <a:pPr marL="200660" lvl="0" indent="0" algn="just" rtl="0">
+              <a:spcBef>
+                <a:spcPts val="0"/>
+              </a:spcBef>
+              <a:spcAft>
+                <a:spcPts val="0"/>
+              </a:spcAft>
+              <a:buNone/>
+            </a:pPr>
+            <a:endParaRPr lang="en-IN" sz="1000" dirty="0">
+              <a:solidFill>
+                <a:schemeClr val="dk1"/>
+              </a:solidFill>
+              <a:latin typeface="Calibri"/>
+              <a:ea typeface="Calibri"/>
+              <a:cs typeface="Calibri"/>
+              <a:sym typeface="Calibri"/>
+            </a:endParaRPr>
+          </a:p>
+        </p:txBody>
+      </p:sp>
+    </p:spTree>
+    <p:extLst>
+      <p:ext uri="{BB962C8B-B14F-4D97-AF65-F5344CB8AC3E}">
+        <p14:creationId xmlns:p14="http://schemas.microsoft.com/office/powerpoint/2010/main" val="302309881"/>
       </p:ext>
     </p:extLst>
   </p:cSld>

--- a/master_template.pptx
+++ b/master_template.pptx
@@ -8428,7 +8428,15 @@
             </a:pPr>
             <a:r>
               <a:rPr lang="en-GB" dirty="0"/>
-              <a:t>Leader in compliant recycling with multi-metal growth optionality</a:t>
+              <a:t>{{</a:t>
+            </a:r>
+            <a:r>
+              <a:rPr lang="en-GB" dirty="0" err="1"/>
+              <a:t>Masterheading_h</a:t>
+            </a:r>
+            <a:r>
+              <a:rPr lang="en-GB"/>
+              <a:t>}}</a:t>
             </a:r>
             <a:endParaRPr dirty="0"/>
           </a:p>
